--- a/Stock_market_dasboard_plan.pptx
+++ b/Stock_market_dasboard_plan.pptx
@@ -7,6 +7,7 @@
   <p:sldIdLst>
     <p:sldId id="257" r:id="rId2"/>
     <p:sldId id="256" r:id="rId3"/>
+    <p:sldId id="260" r:id="rId4"/>
   </p:sldIdLst>
   <p:sldSz cx="12192000" cy="6858000"/>
   <p:notesSz cx="6858000" cy="9144000"/>
@@ -105,6 +106,11 @@
       </a:defRPr>
     </a:lvl9pPr>
   </p:defaultTextStyle>
+  <p:extLst>
+    <p:ext uri="{EFAFB233-063F-42B5-8137-9DF3F51BA10A}">
+      <p15:sldGuideLst xmlns:p15="http://schemas.microsoft.com/office/powerpoint/2012/main"/>
+    </p:ext>
+  </p:extLst>
 </p:presentation>
 </file>
 
@@ -3308,6 +3314,14 @@
 <file path=ppt/slides/slide1.xml><?xml version="1.0" encoding="utf-8"?>
 <p:sld xmlns:a="http://schemas.openxmlformats.org/drawingml/2006/main" xmlns:r="http://schemas.openxmlformats.org/officeDocument/2006/relationships" xmlns:p="http://schemas.openxmlformats.org/presentationml/2006/main">
   <p:cSld>
+    <p:bg>
+      <p:bgPr>
+        <a:solidFill>
+          <a:schemeClr val="bg1"/>
+        </a:solidFill>
+        <a:effectLst/>
+      </p:bgPr>
+    </p:bg>
     <p:spTree>
       <p:nvGrpSpPr>
         <p:cNvPr id="1" name=""/>
@@ -3322,6 +3336,129 @@
           <a:chExt cx="0" cy="0"/>
         </a:xfrm>
       </p:grpSpPr>
+      <p:sp useBgFill="1">
+        <p:nvSpPr>
+          <p:cNvPr id="11" name="Rectangle 10">
+            <a:extLst>
+              <a:ext uri="{FF2B5EF4-FFF2-40B4-BE49-F238E27FC236}">
+                <a16:creationId xmlns:a16="http://schemas.microsoft.com/office/drawing/2014/main" id="{B6FACB3C-9069-4791-BC5C-0DB7CD19B853}"/>
+              </a:ext>
+              <a:ext uri="{C183D7F6-B498-43B3-948B-1728B52AA6E4}">
+                <adec:decorative xmlns:adec="http://schemas.microsoft.com/office/drawing/2017/decorative" val="1"/>
+              </a:ext>
+            </a:extLst>
+          </p:cNvPr>
+          <p:cNvSpPr>
+            <a:spLocks noGrp="1" noRot="1" noChangeAspect="1" noMove="1" noResize="1" noEditPoints="1" noAdjustHandles="1" noChangeArrowheads="1" noChangeShapeType="1" noTextEdit="1"/>
+          </p:cNvSpPr>
+          <p:nvPr>
+            <p:extLst>
+              <p:ext uri="{386F3935-93C4-4BCD-93E2-E3B085C9AB24}">
+                <p16:designElem xmlns:p16="http://schemas.microsoft.com/office/powerpoint/2015/main" val="1"/>
+              </p:ext>
+            </p:extLst>
+          </p:nvPr>
+        </p:nvSpPr>
+        <p:spPr>
+          <a:xfrm>
+            <a:off x="0" y="0"/>
+            <a:ext cx="12192000" cy="6858000"/>
+          </a:xfrm>
+          <a:prstGeom prst="rect">
+            <a:avLst/>
+          </a:prstGeom>
+          <a:ln>
+            <a:noFill/>
+          </a:ln>
+        </p:spPr>
+        <p:style>
+          <a:lnRef idx="2">
+            <a:schemeClr val="accent1">
+              <a:shade val="50000"/>
+            </a:schemeClr>
+          </a:lnRef>
+          <a:fillRef idx="1">
+            <a:schemeClr val="accent1"/>
+          </a:fillRef>
+          <a:effectRef idx="0">
+            <a:schemeClr val="accent1"/>
+          </a:effectRef>
+          <a:fontRef idx="minor">
+            <a:schemeClr val="lt1"/>
+          </a:fontRef>
+        </p:style>
+        <p:txBody>
+          <a:bodyPr rtlCol="0" anchor="ctr"/>
+          <a:lstStyle/>
+          <a:p>
+            <a:pPr algn="ctr"/>
+            <a:endParaRPr lang="en-US"/>
+          </a:p>
+        </p:txBody>
+      </p:sp>
+      <p:sp>
+        <p:nvSpPr>
+          <p:cNvPr id="13" name="Rectangle 12">
+            <a:extLst>
+              <a:ext uri="{FF2B5EF4-FFF2-40B4-BE49-F238E27FC236}">
+                <a16:creationId xmlns:a16="http://schemas.microsoft.com/office/drawing/2014/main" id="{71F2038E-D777-4B76-81DD-DD13EE91B9DD}"/>
+              </a:ext>
+              <a:ext uri="{C183D7F6-B498-43B3-948B-1728B52AA6E4}">
+                <adec:decorative xmlns:adec="http://schemas.microsoft.com/office/drawing/2017/decorative" val="1"/>
+              </a:ext>
+            </a:extLst>
+          </p:cNvPr>
+          <p:cNvSpPr>
+            <a:spLocks noGrp="1" noRot="1" noChangeAspect="1" noMove="1" noResize="1" noEditPoints="1" noAdjustHandles="1" noChangeArrowheads="1" noChangeShapeType="1" noTextEdit="1"/>
+          </p:cNvSpPr>
+          <p:nvPr>
+            <p:extLst>
+              <p:ext uri="{386F3935-93C4-4BCD-93E2-E3B085C9AB24}">
+                <p16:designElem xmlns:p16="http://schemas.microsoft.com/office/powerpoint/2015/main" val="1"/>
+              </p:ext>
+            </p:extLst>
+          </p:nvPr>
+        </p:nvSpPr>
+        <p:spPr>
+          <a:xfrm>
+            <a:off x="305" y="0"/>
+            <a:ext cx="12191695" cy="6858000"/>
+          </a:xfrm>
+          <a:prstGeom prst="rect">
+            <a:avLst/>
+          </a:prstGeom>
+          <a:solidFill>
+            <a:schemeClr val="bg1"/>
+          </a:solidFill>
+          <a:ln>
+            <a:noFill/>
+          </a:ln>
+        </p:spPr>
+        <p:style>
+          <a:lnRef idx="2">
+            <a:schemeClr val="accent1">
+              <a:shade val="50000"/>
+            </a:schemeClr>
+          </a:lnRef>
+          <a:fillRef idx="1">
+            <a:schemeClr val="accent1"/>
+          </a:fillRef>
+          <a:effectRef idx="0">
+            <a:schemeClr val="accent1"/>
+          </a:effectRef>
+          <a:fontRef idx="minor">
+            <a:schemeClr val="lt1"/>
+          </a:fontRef>
+        </p:style>
+        <p:txBody>
+          <a:bodyPr rtlCol="0" anchor="ctr"/>
+          <a:lstStyle/>
+          <a:p>
+            <a:pPr algn="ctr"/>
+            <a:endParaRPr lang="en-US"/>
+          </a:p>
+        </p:txBody>
+      </p:sp>
       <p:sp>
         <p:nvSpPr>
           <p:cNvPr id="2" name="Title 1">
@@ -3340,8 +3477,8 @@
         </p:nvSpPr>
         <p:spPr>
           <a:xfrm>
-            <a:off x="838200" y="73152"/>
-            <a:ext cx="10515600" cy="721424"/>
+            <a:off x="804672" y="802955"/>
+            <a:ext cx="4766330" cy="1454051"/>
           </a:xfrm>
         </p:spPr>
         <p:txBody>
@@ -3350,12 +3487,19 @@
           </a:bodyPr>
           <a:lstStyle/>
           <a:p>
-            <a:pPr algn="ctr"/>
             <a:r>
-              <a:rPr lang="en-US" sz="3200" b="1" dirty="0"/>
+              <a:rPr lang="en-US" sz="3600" b="1">
+                <a:solidFill>
+                  <a:schemeClr val="tx2"/>
+                </a:solidFill>
+              </a:rPr>
               <a:t>STOCK MARKET DATA </a:t>
             </a:r>
-            <a:endParaRPr lang="en-US" sz="3200" dirty="0"/>
+            <a:endParaRPr lang="en-US" sz="3600">
+              <a:solidFill>
+                <a:schemeClr val="tx2"/>
+              </a:solidFill>
+            </a:endParaRPr>
           </a:p>
         </p:txBody>
       </p:sp>
@@ -3377,58 +3521,2634 @@
         </p:nvSpPr>
         <p:spPr>
           <a:xfrm>
-            <a:off x="722376" y="728344"/>
-            <a:ext cx="11247120" cy="5855336"/>
+            <a:off x="804672" y="2421683"/>
+            <a:ext cx="4765949" cy="3353476"/>
           </a:xfrm>
         </p:spPr>
         <p:txBody>
-          <a:bodyPr>
+          <a:bodyPr anchor="t">
             <a:normAutofit/>
           </a:bodyPr>
           <a:lstStyle/>
           <a:p>
             <a:r>
-              <a:rPr lang="en-US" sz="2400" b="1" dirty="0"/>
+              <a:rPr lang="en-US" sz="1800" b="1" dirty="0">
+                <a:solidFill>
+                  <a:schemeClr val="tx2"/>
+                </a:solidFill>
+              </a:rPr>
               <a:t>Project purpose:</a:t>
             </a:r>
             <a:r>
-              <a:rPr lang="en-US" sz="2400" dirty="0"/>
-              <a:t> Create an interactive dashboard using html, JavaScript and using external public APIs (through </a:t>
+              <a:rPr lang="en-US" sz="1800" dirty="0">
+                <a:solidFill>
+                  <a:schemeClr val="tx2"/>
+                </a:solidFill>
+              </a:rPr>
+              <a:t> Create an interactive dashboard using html, JavaScript, </a:t>
             </a:r>
             <a:r>
-              <a:rPr lang="en-US" sz="2400" dirty="0" err="1"/>
+              <a:rPr lang="en-US" sz="1800" dirty="0" err="1">
+                <a:solidFill>
+                  <a:schemeClr val="tx2"/>
+                </a:solidFill>
+              </a:rPr>
+              <a:t>css</a:t>
+            </a:r>
+            <a:r>
+              <a:rPr lang="en-US" sz="1800" dirty="0">
+                <a:solidFill>
+                  <a:schemeClr val="tx2"/>
+                </a:solidFill>
+              </a:rPr>
+              <a:t> and using external public APIs (through </a:t>
+            </a:r>
+            <a:r>
+              <a:rPr lang="en-US" sz="1800" dirty="0" err="1">
+                <a:solidFill>
+                  <a:schemeClr val="tx2"/>
+                </a:solidFill>
+              </a:rPr>
               <a:t>RapidAPI</a:t>
             </a:r>
             <a:r>
-              <a:rPr lang="en-US" sz="2400" dirty="0"/>
+              <a:rPr lang="en-US" sz="1800" dirty="0">
+                <a:solidFill>
+                  <a:schemeClr val="tx2"/>
+                </a:solidFill>
+              </a:rPr>
               <a:t>) to fetch data of top 7 tech companies and display their performance over the 23 years since Jan 1</a:t>
             </a:r>
             <a:r>
-              <a:rPr lang="en-US" sz="2400" baseline="30000" dirty="0"/>
+              <a:rPr lang="en-US" sz="1800" baseline="30000" dirty="0">
+                <a:solidFill>
+                  <a:schemeClr val="tx2"/>
+                </a:solidFill>
+              </a:rPr>
               <a:t>st,</a:t>
             </a:r>
             <a:r>
-              <a:rPr lang="en-US" sz="2400" dirty="0"/>
+              <a:rPr lang="en-US" sz="1800" dirty="0">
+                <a:solidFill>
+                  <a:schemeClr val="tx2"/>
+                </a:solidFill>
+              </a:rPr>
               <a:t> 2000 till end of 2023.</a:t>
             </a:r>
           </a:p>
           <a:p>
             <a:r>
-              <a:rPr lang="en-US" sz="2400" dirty="0"/>
-              <a:t>Display the growth of $1000 over the last 24 years if invested in these stocks and compare the performance of multiple stocks in a single line graph.</a:t>
+              <a:rPr lang="en-US" sz="1800" dirty="0">
+                <a:solidFill>
+                  <a:schemeClr val="tx2"/>
+                </a:solidFill>
+              </a:rPr>
+              <a:t>Display the growth of $1000 over these 2 years if invested in these stocks and compare the performance of multiple stocks in a single line graph.</a:t>
             </a:r>
           </a:p>
           <a:p>
             <a:r>
-              <a:rPr lang="en-US" sz="2400" dirty="0"/>
+              <a:rPr lang="en-US" sz="1800" dirty="0">
+                <a:solidFill>
+                  <a:schemeClr val="tx2"/>
+                </a:solidFill>
+              </a:rPr>
               <a:t>Stocks include the following</a:t>
             </a:r>
           </a:p>
           <a:p>
-            <a:endParaRPr lang="en-US" sz="2400" dirty="0"/>
+            <a:endParaRPr lang="en-US" sz="1800" dirty="0">
+              <a:solidFill>
+                <a:schemeClr val="tx2"/>
+              </a:solidFill>
+            </a:endParaRPr>
           </a:p>
         </p:txBody>
       </p:sp>
+      <p:grpSp>
+        <p:nvGrpSpPr>
+          <p:cNvPr id="15" name="Group 14">
+            <a:extLst>
+              <a:ext uri="{FF2B5EF4-FFF2-40B4-BE49-F238E27FC236}">
+                <a16:creationId xmlns:a16="http://schemas.microsoft.com/office/drawing/2014/main" id="{DD354807-230F-4402-B1B9-F733A8F1F190}"/>
+              </a:ext>
+              <a:ext uri="{C183D7F6-B498-43B3-948B-1728B52AA6E4}">
+                <adec:decorative xmlns:adec="http://schemas.microsoft.com/office/drawing/2017/decorative" val="1"/>
+              </a:ext>
+            </a:extLst>
+          </p:cNvPr>
+          <p:cNvGrpSpPr>
+            <a:grpSpLocks noGrp="1" noUngrp="1" noRot="1" noChangeAspect="1" noMove="1" noResize="1"/>
+          </p:cNvGrpSpPr>
+          <p:nvPr>
+            <p:extLst>
+              <p:ext uri="{386F3935-93C4-4BCD-93E2-E3B085C9AB24}">
+                <p16:designElem xmlns:p16="http://schemas.microsoft.com/office/powerpoint/2015/main" val="1"/>
+              </p:ext>
+            </p:extLst>
+          </p:nvPr>
+        </p:nvGrpSpPr>
+        <p:grpSpPr>
+          <a:xfrm>
+            <a:off x="5818240" y="-16714"/>
+            <a:ext cx="6373761" cy="6874714"/>
+            <a:chOff x="5818240" y="-1"/>
+            <a:chExt cx="6373761" cy="6874714"/>
+          </a:xfrm>
+        </p:grpSpPr>
+        <p:sp>
+          <p:nvSpPr>
+            <p:cNvPr id="16" name="Freeform: Shape 15">
+              <a:extLst>
+                <a:ext uri="{FF2B5EF4-FFF2-40B4-BE49-F238E27FC236}">
+                  <a16:creationId xmlns:a16="http://schemas.microsoft.com/office/drawing/2014/main" id="{BF5A6F4A-CE87-4D5C-9382-8167967CE813}"/>
+                </a:ext>
+                <a:ext uri="{C183D7F6-B498-43B3-948B-1728B52AA6E4}">
+                  <adec:decorative xmlns:adec="http://schemas.microsoft.com/office/drawing/2017/decorative" val="1"/>
+                </a:ext>
+              </a:extLst>
+            </p:cNvPr>
+            <p:cNvSpPr/>
+            <p:nvPr>
+              <p:extLst>
+                <p:ext uri="{386F3935-93C4-4BCD-93E2-E3B085C9AB24}">
+                  <p16:designElem xmlns:p16="http://schemas.microsoft.com/office/powerpoint/2015/main" val="1"/>
+                </p:ext>
+              </p:extLst>
+            </p:nvPr>
+          </p:nvSpPr>
+          <p:spPr>
+            <a:xfrm>
+              <a:off x="5818240" y="-1"/>
+              <a:ext cx="6373761" cy="6874714"/>
+            </a:xfrm>
+            <a:custGeom>
+              <a:avLst/>
+              <a:gdLst>
+                <a:gd name="connsiteX0" fmla="*/ 6373761 w 6373761"/>
+                <a:gd name="connsiteY0" fmla="*/ 5771297 h 6874714"/>
+                <a:gd name="connsiteX1" fmla="*/ 6373761 w 6373761"/>
+                <a:gd name="connsiteY1" fmla="*/ 6247960 h 6874714"/>
+                <a:gd name="connsiteX2" fmla="*/ 6235932 w 6373761"/>
+                <a:gd name="connsiteY2" fmla="*/ 6361930 h 6874714"/>
+                <a:gd name="connsiteX3" fmla="*/ 5960375 w 6373761"/>
+                <a:gd name="connsiteY3" fmla="*/ 6587489 h 6874714"/>
+                <a:gd name="connsiteX4" fmla="*/ 5822907 w 6373761"/>
+                <a:gd name="connsiteY4" fmla="*/ 6701871 h 6874714"/>
+                <a:gd name="connsiteX5" fmla="*/ 5681115 w 6373761"/>
+                <a:gd name="connsiteY5" fmla="*/ 6816896 h 6874714"/>
+                <a:gd name="connsiteX6" fmla="*/ 5604096 w 6373761"/>
+                <a:gd name="connsiteY6" fmla="*/ 6874714 h 6874714"/>
+                <a:gd name="connsiteX7" fmla="*/ 4878485 w 6373761"/>
+                <a:gd name="connsiteY7" fmla="*/ 6874714 h 6874714"/>
+                <a:gd name="connsiteX8" fmla="*/ 5006014 w 6373761"/>
+                <a:gd name="connsiteY8" fmla="*/ 6800200 h 6874714"/>
+                <a:gd name="connsiteX9" fmla="*/ 5149855 w 6373761"/>
+                <a:gd name="connsiteY9" fmla="*/ 6707667 h 6874714"/>
+                <a:gd name="connsiteX10" fmla="*/ 5431866 w 6373761"/>
+                <a:gd name="connsiteY10" fmla="*/ 6506210 h 6874714"/>
+                <a:gd name="connsiteX11" fmla="*/ 5571036 w 6373761"/>
+                <a:gd name="connsiteY11" fmla="*/ 6399557 h 6874714"/>
+                <a:gd name="connsiteX12" fmla="*/ 5711649 w 6373761"/>
+                <a:gd name="connsiteY12" fmla="*/ 6288912 h 6874714"/>
+                <a:gd name="connsiteX13" fmla="*/ 6276589 w 6373761"/>
+                <a:gd name="connsiteY13" fmla="*/ 5852379 h 6874714"/>
+                <a:gd name="connsiteX14" fmla="*/ 3975975 w 6373761"/>
+                <a:gd name="connsiteY14" fmla="*/ 263 h 6874714"/>
+                <a:gd name="connsiteX15" fmla="*/ 4350473 w 6373761"/>
+                <a:gd name="connsiteY15" fmla="*/ 24963 h 6874714"/>
+                <a:gd name="connsiteX16" fmla="*/ 5077909 w 6373761"/>
+                <a:gd name="connsiteY16" fmla="*/ 189450 h 6874714"/>
+                <a:gd name="connsiteX17" fmla="*/ 5746507 w 6373761"/>
+                <a:gd name="connsiteY17" fmla="*/ 505804 h 6874714"/>
+                <a:gd name="connsiteX18" fmla="*/ 6322456 w 6373761"/>
+                <a:gd name="connsiteY18" fmla="*/ 956633 h 6874714"/>
+                <a:gd name="connsiteX19" fmla="*/ 6373761 w 6373761"/>
+                <a:gd name="connsiteY19" fmla="*/ 1011863 h 6874714"/>
+                <a:gd name="connsiteX20" fmla="*/ 6373761 w 6373761"/>
+                <a:gd name="connsiteY20" fmla="*/ 1185075 h 6874714"/>
+                <a:gd name="connsiteX21" fmla="*/ 6359489 w 6373761"/>
+                <a:gd name="connsiteY21" fmla="*/ 1169497 h 6874714"/>
+                <a:gd name="connsiteX22" fmla="*/ 6233869 w 6373761"/>
+                <a:gd name="connsiteY22" fmla="*/ 1047442 h 6874714"/>
+                <a:gd name="connsiteX23" fmla="*/ 5961423 w 6373761"/>
+                <a:gd name="connsiteY23" fmla="*/ 827953 h 6874714"/>
+                <a:gd name="connsiteX24" fmla="*/ 5663555 w 6373761"/>
+                <a:gd name="connsiteY24" fmla="*/ 645304 h 6874714"/>
+                <a:gd name="connsiteX25" fmla="*/ 5013827 w 6373761"/>
+                <a:gd name="connsiteY25" fmla="*/ 397863 h 6874714"/>
+                <a:gd name="connsiteX26" fmla="*/ 4327409 w 6373761"/>
+                <a:gd name="connsiteY26" fmla="*/ 302545 h 6874714"/>
+                <a:gd name="connsiteX27" fmla="*/ 3639939 w 6373761"/>
+                <a:gd name="connsiteY27" fmla="*/ 338868 h 6874714"/>
+                <a:gd name="connsiteX28" fmla="*/ 3302495 w 6373761"/>
+                <a:gd name="connsiteY28" fmla="*/ 403659 h 6874714"/>
+                <a:gd name="connsiteX29" fmla="*/ 2971604 w 6373761"/>
+                <a:gd name="connsiteY29" fmla="*/ 496273 h 6874714"/>
+                <a:gd name="connsiteX30" fmla="*/ 2648706 w 6373761"/>
+                <a:gd name="connsiteY30" fmla="*/ 614389 h 6874714"/>
+                <a:gd name="connsiteX31" fmla="*/ 2335374 w 6373761"/>
+                <a:gd name="connsiteY31" fmla="*/ 757109 h 6874714"/>
+                <a:gd name="connsiteX32" fmla="*/ 1741342 w 6373761"/>
+                <a:gd name="connsiteY32" fmla="*/ 1107725 h 6874714"/>
+                <a:gd name="connsiteX33" fmla="*/ 1600861 w 6373761"/>
+                <a:gd name="connsiteY33" fmla="*/ 1208710 h 6874714"/>
+                <a:gd name="connsiteX34" fmla="*/ 1531799 w 6373761"/>
+                <a:gd name="connsiteY34" fmla="*/ 1260879 h 6874714"/>
+                <a:gd name="connsiteX35" fmla="*/ 1463655 w 6373761"/>
+                <a:gd name="connsiteY35" fmla="*/ 1314333 h 6874714"/>
+                <a:gd name="connsiteX36" fmla="*/ 1200777 w 6373761"/>
+                <a:gd name="connsiteY36" fmla="*/ 1541166 h 6874714"/>
+                <a:gd name="connsiteX37" fmla="*/ 731501 w 6373761"/>
+                <a:gd name="connsiteY37" fmla="*/ 2055754 h 6874714"/>
+                <a:gd name="connsiteX38" fmla="*/ 531393 w 6373761"/>
+                <a:gd name="connsiteY38" fmla="*/ 2342739 h 6874714"/>
+                <a:gd name="connsiteX39" fmla="*/ 361033 w 6373761"/>
+                <a:gd name="connsiteY39" fmla="*/ 2649046 h 6874714"/>
+                <a:gd name="connsiteX40" fmla="*/ 323292 w 6373761"/>
+                <a:gd name="connsiteY40" fmla="*/ 2728263 h 6874714"/>
+                <a:gd name="connsiteX41" fmla="*/ 304945 w 6373761"/>
+                <a:gd name="connsiteY41" fmla="*/ 2768193 h 6874714"/>
+                <a:gd name="connsiteX42" fmla="*/ 287516 w 6373761"/>
+                <a:gd name="connsiteY42" fmla="*/ 2808510 h 6874714"/>
+                <a:gd name="connsiteX43" fmla="*/ 254230 w 6373761"/>
+                <a:gd name="connsiteY43" fmla="*/ 2889788 h 6874714"/>
+                <a:gd name="connsiteX44" fmla="*/ 223042 w 6373761"/>
+                <a:gd name="connsiteY44" fmla="*/ 2971968 h 6874714"/>
+                <a:gd name="connsiteX45" fmla="*/ 121611 w 6373761"/>
+                <a:gd name="connsiteY45" fmla="*/ 3308544 h 6874714"/>
+                <a:gd name="connsiteX46" fmla="*/ 39314 w 6373761"/>
+                <a:gd name="connsiteY46" fmla="*/ 4005912 h 6874714"/>
+                <a:gd name="connsiteX47" fmla="*/ 73910 w 6373761"/>
+                <a:gd name="connsiteY47" fmla="*/ 4354081 h 6874714"/>
+                <a:gd name="connsiteX48" fmla="*/ 179534 w 6373761"/>
+                <a:gd name="connsiteY48" fmla="*/ 4687050 h 6874714"/>
+                <a:gd name="connsiteX49" fmla="*/ 215964 w 6373761"/>
+                <a:gd name="connsiteY49" fmla="*/ 4766654 h 6874714"/>
+                <a:gd name="connsiteX50" fmla="*/ 256457 w 6373761"/>
+                <a:gd name="connsiteY50" fmla="*/ 4844455 h 6874714"/>
+                <a:gd name="connsiteX51" fmla="*/ 346225 w 6373761"/>
+                <a:gd name="connsiteY51" fmla="*/ 4995290 h 6874714"/>
+                <a:gd name="connsiteX52" fmla="*/ 445296 w 6373761"/>
+                <a:gd name="connsiteY52" fmla="*/ 5140971 h 6874714"/>
+                <a:gd name="connsiteX53" fmla="*/ 551443 w 6373761"/>
+                <a:gd name="connsiteY53" fmla="*/ 5282531 h 6874714"/>
+                <a:gd name="connsiteX54" fmla="*/ 772387 w 6373761"/>
+                <a:gd name="connsiteY54" fmla="*/ 5562561 h 6874714"/>
+                <a:gd name="connsiteX55" fmla="*/ 882858 w 6373761"/>
+                <a:gd name="connsiteY55" fmla="*/ 5704507 h 6874714"/>
+                <a:gd name="connsiteX56" fmla="*/ 990316 w 6373761"/>
+                <a:gd name="connsiteY56" fmla="*/ 5848258 h 6874714"/>
+                <a:gd name="connsiteX57" fmla="*/ 1097774 w 6373761"/>
+                <a:gd name="connsiteY57" fmla="*/ 5987114 h 6874714"/>
+                <a:gd name="connsiteX58" fmla="*/ 1210080 w 6373761"/>
+                <a:gd name="connsiteY58" fmla="*/ 6121203 h 6874714"/>
+                <a:gd name="connsiteX59" fmla="*/ 1448192 w 6373761"/>
+                <a:gd name="connsiteY59" fmla="*/ 6374054 h 6874714"/>
+                <a:gd name="connsiteX60" fmla="*/ 1982991 w 6373761"/>
+                <a:gd name="connsiteY60" fmla="*/ 6796158 h 6874714"/>
+                <a:gd name="connsiteX61" fmla="*/ 2118475 w 6373761"/>
+                <a:gd name="connsiteY61" fmla="*/ 6874714 h 6874714"/>
+                <a:gd name="connsiteX62" fmla="*/ 1569874 w 6373761"/>
+                <a:gd name="connsiteY62" fmla="*/ 6874714 h 6874714"/>
+                <a:gd name="connsiteX63" fmla="*/ 1507802 w 6373761"/>
+                <a:gd name="connsiteY63" fmla="*/ 6817815 h 6874714"/>
+                <a:gd name="connsiteX64" fmla="*/ 1256865 w 6373761"/>
+                <a:gd name="connsiteY64" fmla="*/ 6543437 h 6874714"/>
+                <a:gd name="connsiteX65" fmla="*/ 1038410 w 6373761"/>
+                <a:gd name="connsiteY65" fmla="*/ 6248722 h 6874714"/>
+                <a:gd name="connsiteX66" fmla="*/ 845380 w 6373761"/>
+                <a:gd name="connsiteY66" fmla="*/ 5941386 h 6874714"/>
+                <a:gd name="connsiteX67" fmla="*/ 755351 w 6373761"/>
+                <a:gd name="connsiteY67" fmla="*/ 5788877 h 6874714"/>
+                <a:gd name="connsiteX68" fmla="*/ 661784 w 6373761"/>
+                <a:gd name="connsiteY68" fmla="*/ 5638944 h 6874714"/>
+                <a:gd name="connsiteX69" fmla="*/ 466525 w 6373761"/>
+                <a:gd name="connsiteY69" fmla="*/ 5340366 h 6874714"/>
+                <a:gd name="connsiteX70" fmla="*/ 370992 w 6373761"/>
+                <a:gd name="connsiteY70" fmla="*/ 5188502 h 6874714"/>
+                <a:gd name="connsiteX71" fmla="*/ 280046 w 6373761"/>
+                <a:gd name="connsiteY71" fmla="*/ 5033287 h 6874714"/>
+                <a:gd name="connsiteX72" fmla="*/ 126853 w 6373761"/>
+                <a:gd name="connsiteY72" fmla="*/ 4707660 h 6874714"/>
+                <a:gd name="connsiteX73" fmla="*/ 30272 w 6373761"/>
+                <a:gd name="connsiteY73" fmla="*/ 4362068 h 6874714"/>
+                <a:gd name="connsiteX74" fmla="*/ 0 w 6373761"/>
+                <a:gd name="connsiteY74" fmla="*/ 4005912 h 6874714"/>
+                <a:gd name="connsiteX75" fmla="*/ 270480 w 6373761"/>
+                <a:gd name="connsiteY75" fmla="*/ 2610532 h 6874714"/>
+                <a:gd name="connsiteX76" fmla="*/ 415942 w 6373761"/>
+                <a:gd name="connsiteY76" fmla="*/ 2280526 h 6874714"/>
+                <a:gd name="connsiteX77" fmla="*/ 590102 w 6373761"/>
+                <a:gd name="connsiteY77" fmla="*/ 1962626 h 6874714"/>
+                <a:gd name="connsiteX78" fmla="*/ 1020719 w 6373761"/>
+                <a:gd name="connsiteY78" fmla="*/ 1373070 h 6874714"/>
+                <a:gd name="connsiteX79" fmla="*/ 1275080 w 6373761"/>
+                <a:gd name="connsiteY79" fmla="*/ 1107081 h 6874714"/>
+                <a:gd name="connsiteX80" fmla="*/ 1342437 w 6373761"/>
+                <a:gd name="connsiteY80" fmla="*/ 1043965 h 6874714"/>
+                <a:gd name="connsiteX81" fmla="*/ 1411106 w 6373761"/>
+                <a:gd name="connsiteY81" fmla="*/ 982138 h 6874714"/>
+                <a:gd name="connsiteX82" fmla="*/ 1553029 w 6373761"/>
+                <a:gd name="connsiteY82" fmla="*/ 863376 h 6874714"/>
+                <a:gd name="connsiteX83" fmla="*/ 2173401 w 6373761"/>
+                <a:gd name="connsiteY83" fmla="*/ 454409 h 6874714"/>
+                <a:gd name="connsiteX84" fmla="*/ 3599708 w 6373761"/>
+                <a:gd name="connsiteY84" fmla="*/ 16332 h 6874714"/>
+                <a:gd name="connsiteX85" fmla="*/ 3975975 w 6373761"/>
+                <a:gd name="connsiteY85" fmla="*/ 263 h 6874714"/>
+              </a:gdLst>
+              <a:ahLst/>
+              <a:cxnLst>
+                <a:cxn ang="0">
+                  <a:pos x="connsiteX0" y="connsiteY0"/>
+                </a:cxn>
+                <a:cxn ang="0">
+                  <a:pos x="connsiteX1" y="connsiteY1"/>
+                </a:cxn>
+                <a:cxn ang="0">
+                  <a:pos x="connsiteX2" y="connsiteY2"/>
+                </a:cxn>
+                <a:cxn ang="0">
+                  <a:pos x="connsiteX3" y="connsiteY3"/>
+                </a:cxn>
+                <a:cxn ang="0">
+                  <a:pos x="connsiteX4" y="connsiteY4"/>
+                </a:cxn>
+                <a:cxn ang="0">
+                  <a:pos x="connsiteX5" y="connsiteY5"/>
+                </a:cxn>
+                <a:cxn ang="0">
+                  <a:pos x="connsiteX6" y="connsiteY6"/>
+                </a:cxn>
+                <a:cxn ang="0">
+                  <a:pos x="connsiteX7" y="connsiteY7"/>
+                </a:cxn>
+                <a:cxn ang="0">
+                  <a:pos x="connsiteX8" y="connsiteY8"/>
+                </a:cxn>
+                <a:cxn ang="0">
+                  <a:pos x="connsiteX9" y="connsiteY9"/>
+                </a:cxn>
+                <a:cxn ang="0">
+                  <a:pos x="connsiteX10" y="connsiteY10"/>
+                </a:cxn>
+                <a:cxn ang="0">
+                  <a:pos x="connsiteX11" y="connsiteY11"/>
+                </a:cxn>
+                <a:cxn ang="0">
+                  <a:pos x="connsiteX12" y="connsiteY12"/>
+                </a:cxn>
+                <a:cxn ang="0">
+                  <a:pos x="connsiteX13" y="connsiteY13"/>
+                </a:cxn>
+                <a:cxn ang="0">
+                  <a:pos x="connsiteX14" y="connsiteY14"/>
+                </a:cxn>
+                <a:cxn ang="0">
+                  <a:pos x="connsiteX15" y="connsiteY15"/>
+                </a:cxn>
+                <a:cxn ang="0">
+                  <a:pos x="connsiteX16" y="connsiteY16"/>
+                </a:cxn>
+                <a:cxn ang="0">
+                  <a:pos x="connsiteX17" y="connsiteY17"/>
+                </a:cxn>
+                <a:cxn ang="0">
+                  <a:pos x="connsiteX18" y="connsiteY18"/>
+                </a:cxn>
+                <a:cxn ang="0">
+                  <a:pos x="connsiteX19" y="connsiteY19"/>
+                </a:cxn>
+                <a:cxn ang="0">
+                  <a:pos x="connsiteX20" y="connsiteY20"/>
+                </a:cxn>
+                <a:cxn ang="0">
+                  <a:pos x="connsiteX21" y="connsiteY21"/>
+                </a:cxn>
+                <a:cxn ang="0">
+                  <a:pos x="connsiteX22" y="connsiteY22"/>
+                </a:cxn>
+                <a:cxn ang="0">
+                  <a:pos x="connsiteX23" y="connsiteY23"/>
+                </a:cxn>
+                <a:cxn ang="0">
+                  <a:pos x="connsiteX24" y="connsiteY24"/>
+                </a:cxn>
+                <a:cxn ang="0">
+                  <a:pos x="connsiteX25" y="connsiteY25"/>
+                </a:cxn>
+                <a:cxn ang="0">
+                  <a:pos x="connsiteX26" y="connsiteY26"/>
+                </a:cxn>
+                <a:cxn ang="0">
+                  <a:pos x="connsiteX27" y="connsiteY27"/>
+                </a:cxn>
+                <a:cxn ang="0">
+                  <a:pos x="connsiteX28" y="connsiteY28"/>
+                </a:cxn>
+                <a:cxn ang="0">
+                  <a:pos x="connsiteX29" y="connsiteY29"/>
+                </a:cxn>
+                <a:cxn ang="0">
+                  <a:pos x="connsiteX30" y="connsiteY30"/>
+                </a:cxn>
+                <a:cxn ang="0">
+                  <a:pos x="connsiteX31" y="connsiteY31"/>
+                </a:cxn>
+                <a:cxn ang="0">
+                  <a:pos x="connsiteX32" y="connsiteY32"/>
+                </a:cxn>
+                <a:cxn ang="0">
+                  <a:pos x="connsiteX33" y="connsiteY33"/>
+                </a:cxn>
+                <a:cxn ang="0">
+                  <a:pos x="connsiteX34" y="connsiteY34"/>
+                </a:cxn>
+                <a:cxn ang="0">
+                  <a:pos x="connsiteX35" y="connsiteY35"/>
+                </a:cxn>
+                <a:cxn ang="0">
+                  <a:pos x="connsiteX36" y="connsiteY36"/>
+                </a:cxn>
+                <a:cxn ang="0">
+                  <a:pos x="connsiteX37" y="connsiteY37"/>
+                </a:cxn>
+                <a:cxn ang="0">
+                  <a:pos x="connsiteX38" y="connsiteY38"/>
+                </a:cxn>
+                <a:cxn ang="0">
+                  <a:pos x="connsiteX39" y="connsiteY39"/>
+                </a:cxn>
+                <a:cxn ang="0">
+                  <a:pos x="connsiteX40" y="connsiteY40"/>
+                </a:cxn>
+                <a:cxn ang="0">
+                  <a:pos x="connsiteX41" y="connsiteY41"/>
+                </a:cxn>
+                <a:cxn ang="0">
+                  <a:pos x="connsiteX42" y="connsiteY42"/>
+                </a:cxn>
+                <a:cxn ang="0">
+                  <a:pos x="connsiteX43" y="connsiteY43"/>
+                </a:cxn>
+                <a:cxn ang="0">
+                  <a:pos x="connsiteX44" y="connsiteY44"/>
+                </a:cxn>
+                <a:cxn ang="0">
+                  <a:pos x="connsiteX45" y="connsiteY45"/>
+                </a:cxn>
+                <a:cxn ang="0">
+                  <a:pos x="connsiteX46" y="connsiteY46"/>
+                </a:cxn>
+                <a:cxn ang="0">
+                  <a:pos x="connsiteX47" y="connsiteY47"/>
+                </a:cxn>
+                <a:cxn ang="0">
+                  <a:pos x="connsiteX48" y="connsiteY48"/>
+                </a:cxn>
+                <a:cxn ang="0">
+                  <a:pos x="connsiteX49" y="connsiteY49"/>
+                </a:cxn>
+                <a:cxn ang="0">
+                  <a:pos x="connsiteX50" y="connsiteY50"/>
+                </a:cxn>
+                <a:cxn ang="0">
+                  <a:pos x="connsiteX51" y="connsiteY51"/>
+                </a:cxn>
+                <a:cxn ang="0">
+                  <a:pos x="connsiteX52" y="connsiteY52"/>
+                </a:cxn>
+                <a:cxn ang="0">
+                  <a:pos x="connsiteX53" y="connsiteY53"/>
+                </a:cxn>
+                <a:cxn ang="0">
+                  <a:pos x="connsiteX54" y="connsiteY54"/>
+                </a:cxn>
+                <a:cxn ang="0">
+                  <a:pos x="connsiteX55" y="connsiteY55"/>
+                </a:cxn>
+                <a:cxn ang="0">
+                  <a:pos x="connsiteX56" y="connsiteY56"/>
+                </a:cxn>
+                <a:cxn ang="0">
+                  <a:pos x="connsiteX57" y="connsiteY57"/>
+                </a:cxn>
+                <a:cxn ang="0">
+                  <a:pos x="connsiteX58" y="connsiteY58"/>
+                </a:cxn>
+                <a:cxn ang="0">
+                  <a:pos x="connsiteX59" y="connsiteY59"/>
+                </a:cxn>
+                <a:cxn ang="0">
+                  <a:pos x="connsiteX60" y="connsiteY60"/>
+                </a:cxn>
+                <a:cxn ang="0">
+                  <a:pos x="connsiteX61" y="connsiteY61"/>
+                </a:cxn>
+                <a:cxn ang="0">
+                  <a:pos x="connsiteX62" y="connsiteY62"/>
+                </a:cxn>
+                <a:cxn ang="0">
+                  <a:pos x="connsiteX63" y="connsiteY63"/>
+                </a:cxn>
+                <a:cxn ang="0">
+                  <a:pos x="connsiteX64" y="connsiteY64"/>
+                </a:cxn>
+                <a:cxn ang="0">
+                  <a:pos x="connsiteX65" y="connsiteY65"/>
+                </a:cxn>
+                <a:cxn ang="0">
+                  <a:pos x="connsiteX66" y="connsiteY66"/>
+                </a:cxn>
+                <a:cxn ang="0">
+                  <a:pos x="connsiteX67" y="connsiteY67"/>
+                </a:cxn>
+                <a:cxn ang="0">
+                  <a:pos x="connsiteX68" y="connsiteY68"/>
+                </a:cxn>
+                <a:cxn ang="0">
+                  <a:pos x="connsiteX69" y="connsiteY69"/>
+                </a:cxn>
+                <a:cxn ang="0">
+                  <a:pos x="connsiteX70" y="connsiteY70"/>
+                </a:cxn>
+                <a:cxn ang="0">
+                  <a:pos x="connsiteX71" y="connsiteY71"/>
+                </a:cxn>
+                <a:cxn ang="0">
+                  <a:pos x="connsiteX72" y="connsiteY72"/>
+                </a:cxn>
+                <a:cxn ang="0">
+                  <a:pos x="connsiteX73" y="connsiteY73"/>
+                </a:cxn>
+                <a:cxn ang="0">
+                  <a:pos x="connsiteX74" y="connsiteY74"/>
+                </a:cxn>
+                <a:cxn ang="0">
+                  <a:pos x="connsiteX75" y="connsiteY75"/>
+                </a:cxn>
+                <a:cxn ang="0">
+                  <a:pos x="connsiteX76" y="connsiteY76"/>
+                </a:cxn>
+                <a:cxn ang="0">
+                  <a:pos x="connsiteX77" y="connsiteY77"/>
+                </a:cxn>
+                <a:cxn ang="0">
+                  <a:pos x="connsiteX78" y="connsiteY78"/>
+                </a:cxn>
+                <a:cxn ang="0">
+                  <a:pos x="connsiteX79" y="connsiteY79"/>
+                </a:cxn>
+                <a:cxn ang="0">
+                  <a:pos x="connsiteX80" y="connsiteY80"/>
+                </a:cxn>
+                <a:cxn ang="0">
+                  <a:pos x="connsiteX81" y="connsiteY81"/>
+                </a:cxn>
+                <a:cxn ang="0">
+                  <a:pos x="connsiteX82" y="connsiteY82"/>
+                </a:cxn>
+                <a:cxn ang="0">
+                  <a:pos x="connsiteX83" y="connsiteY83"/>
+                </a:cxn>
+                <a:cxn ang="0">
+                  <a:pos x="connsiteX84" y="connsiteY84"/>
+                </a:cxn>
+                <a:cxn ang="0">
+                  <a:pos x="connsiteX85" y="connsiteY85"/>
+                </a:cxn>
+              </a:cxnLst>
+              <a:rect l="l" t="t" r="r" b="b"/>
+              <a:pathLst>
+                <a:path w="6373761" h="6874714">
+                  <a:moveTo>
+                    <a:pt x="6373761" y="5771297"/>
+                  </a:moveTo>
+                  <a:lnTo>
+                    <a:pt x="6373761" y="6247960"/>
+                  </a:lnTo>
+                  <a:lnTo>
+                    <a:pt x="6235932" y="6361930"/>
+                  </a:lnTo>
+                  <a:cubicBezTo>
+                    <a:pt x="6143250" y="6437460"/>
+                    <a:pt x="6051059" y="6512200"/>
+                    <a:pt x="5960375" y="6587489"/>
+                  </a:cubicBezTo>
+                  <a:lnTo>
+                    <a:pt x="5822907" y="6701871"/>
+                  </a:lnTo>
+                  <a:cubicBezTo>
+                    <a:pt x="5776123" y="6740385"/>
+                    <a:pt x="5729079" y="6778899"/>
+                    <a:pt x="5681115" y="6816896"/>
+                  </a:cubicBezTo>
+                  <a:lnTo>
+                    <a:pt x="5604096" y="6874714"/>
+                  </a:lnTo>
+                  <a:lnTo>
+                    <a:pt x="4878485" y="6874714"/>
+                  </a:lnTo>
+                  <a:lnTo>
+                    <a:pt x="5006014" y="6800200"/>
+                  </a:lnTo>
+                  <a:cubicBezTo>
+                    <a:pt x="5054354" y="6770429"/>
+                    <a:pt x="5102285" y="6739483"/>
+                    <a:pt x="5149855" y="6707667"/>
+                  </a:cubicBezTo>
+                  <a:cubicBezTo>
+                    <a:pt x="5244993" y="6643906"/>
+                    <a:pt x="5338561" y="6576025"/>
+                    <a:pt x="5431866" y="6506210"/>
+                  </a:cubicBezTo>
+                  <a:cubicBezTo>
+                    <a:pt x="5478386" y="6471304"/>
+                    <a:pt x="5524777" y="6435495"/>
+                    <a:pt x="5571036" y="6399557"/>
+                  </a:cubicBezTo>
+                  <a:lnTo>
+                    <a:pt x="5711649" y="6288912"/>
+                  </a:lnTo>
+                  <a:cubicBezTo>
+                    <a:pt x="5902059" y="6140395"/>
+                    <a:pt x="6093257" y="5998320"/>
+                    <a:pt x="6276589" y="5852379"/>
+                  </a:cubicBezTo>
+                  <a:close/>
+                  <a:moveTo>
+                    <a:pt x="3975975" y="263"/>
+                  </a:moveTo>
+                  <a:cubicBezTo>
+                    <a:pt x="4101550" y="1809"/>
+                    <a:pt x="4226830" y="10149"/>
+                    <a:pt x="4350473" y="24963"/>
+                  </a:cubicBezTo>
+                  <a:cubicBezTo>
+                    <a:pt x="4598149" y="54846"/>
+                    <a:pt x="4842943" y="108687"/>
+                    <a:pt x="5077909" y="189450"/>
+                  </a:cubicBezTo>
+                  <a:cubicBezTo>
+                    <a:pt x="5312876" y="269955"/>
+                    <a:pt x="5537357" y="376867"/>
+                    <a:pt x="5746507" y="505804"/>
+                  </a:cubicBezTo>
+                  <a:cubicBezTo>
+                    <a:pt x="5955527" y="634999"/>
+                    <a:pt x="6148688" y="786864"/>
+                    <a:pt x="6322456" y="956633"/>
+                  </a:cubicBezTo>
+                  <a:lnTo>
+                    <a:pt x="6373761" y="1011863"/>
+                  </a:lnTo>
+                  <a:lnTo>
+                    <a:pt x="6373761" y="1185075"/>
+                  </a:lnTo>
+                  <a:lnTo>
+                    <a:pt x="6359489" y="1169497"/>
+                  </a:lnTo>
+                  <a:cubicBezTo>
+                    <a:pt x="6318811" y="1127602"/>
+                    <a:pt x="6276917" y="1086890"/>
+                    <a:pt x="6233869" y="1047442"/>
+                  </a:cubicBezTo>
+                  <a:cubicBezTo>
+                    <a:pt x="6147509" y="968870"/>
+                    <a:pt x="6056431" y="895448"/>
+                    <a:pt x="5961423" y="827953"/>
+                  </a:cubicBezTo>
+                  <a:cubicBezTo>
+                    <a:pt x="5865891" y="761102"/>
+                    <a:pt x="5766688" y="699403"/>
+                    <a:pt x="5663555" y="645304"/>
+                  </a:cubicBezTo>
+                  <a:cubicBezTo>
+                    <a:pt x="5457943" y="535816"/>
+                    <a:pt x="5238703" y="453894"/>
+                    <a:pt x="5013827" y="397863"/>
+                  </a:cubicBezTo>
+                  <a:cubicBezTo>
+                    <a:pt x="4788953" y="341703"/>
+                    <a:pt x="4558442" y="310917"/>
+                    <a:pt x="4327409" y="302545"/>
+                  </a:cubicBezTo>
+                  <a:cubicBezTo>
+                    <a:pt x="4096111" y="293012"/>
+                    <a:pt x="3867174" y="305893"/>
+                    <a:pt x="3639939" y="338868"/>
+                  </a:cubicBezTo>
+                  <a:cubicBezTo>
+                    <a:pt x="3526585" y="355999"/>
+                    <a:pt x="3413885" y="377254"/>
+                    <a:pt x="3302495" y="403659"/>
+                  </a:cubicBezTo>
+                  <a:cubicBezTo>
+                    <a:pt x="3191107" y="430451"/>
+                    <a:pt x="3080634" y="460978"/>
+                    <a:pt x="2971604" y="496273"/>
+                  </a:cubicBezTo>
+                  <a:cubicBezTo>
+                    <a:pt x="2862573" y="531437"/>
+                    <a:pt x="2754854" y="570852"/>
+                    <a:pt x="2648706" y="614389"/>
+                  </a:cubicBezTo>
+                  <a:cubicBezTo>
+                    <a:pt x="2542690" y="658056"/>
+                    <a:pt x="2438114" y="705714"/>
+                    <a:pt x="2335374" y="757109"/>
+                  </a:cubicBezTo>
+                  <a:cubicBezTo>
+                    <a:pt x="2129894" y="859769"/>
+                    <a:pt x="1931228" y="976855"/>
+                    <a:pt x="1741342" y="1107725"/>
+                  </a:cubicBezTo>
+                  <a:cubicBezTo>
+                    <a:pt x="1694035" y="1140571"/>
+                    <a:pt x="1646858" y="1173933"/>
+                    <a:pt x="1600861" y="1208710"/>
+                  </a:cubicBezTo>
+                  <a:cubicBezTo>
+                    <a:pt x="1577535" y="1225713"/>
+                    <a:pt x="1554732" y="1243361"/>
+                    <a:pt x="1531799" y="1260879"/>
+                  </a:cubicBezTo>
+                  <a:cubicBezTo>
+                    <a:pt x="1508735" y="1278267"/>
+                    <a:pt x="1486064" y="1296171"/>
+                    <a:pt x="1463655" y="1314333"/>
+                  </a:cubicBezTo>
+                  <a:cubicBezTo>
+                    <a:pt x="1373627" y="1386853"/>
+                    <a:pt x="1285564" y="1462077"/>
+                    <a:pt x="1200777" y="1541166"/>
+                  </a:cubicBezTo>
+                  <a:cubicBezTo>
+                    <a:pt x="1030810" y="1698827"/>
+                    <a:pt x="873161" y="1870785"/>
+                    <a:pt x="731501" y="2055754"/>
+                  </a:cubicBezTo>
+                  <a:cubicBezTo>
+                    <a:pt x="660734" y="2148239"/>
+                    <a:pt x="593771" y="2243944"/>
+                    <a:pt x="531393" y="2342739"/>
+                  </a:cubicBezTo>
+                  <a:cubicBezTo>
+                    <a:pt x="470063" y="2442050"/>
+                    <a:pt x="412140" y="2543810"/>
+                    <a:pt x="361033" y="2649046"/>
+                  </a:cubicBezTo>
+                  <a:cubicBezTo>
+                    <a:pt x="347798" y="2675194"/>
+                    <a:pt x="335479" y="2701728"/>
+                    <a:pt x="323292" y="2728263"/>
+                  </a:cubicBezTo>
+                  <a:lnTo>
+                    <a:pt x="304945" y="2768193"/>
+                  </a:lnTo>
+                  <a:lnTo>
+                    <a:pt x="287516" y="2808510"/>
+                  </a:lnTo>
+                  <a:cubicBezTo>
+                    <a:pt x="276115" y="2835432"/>
+                    <a:pt x="264583" y="2862352"/>
+                    <a:pt x="254230" y="2889788"/>
+                  </a:cubicBezTo>
+                  <a:cubicBezTo>
+                    <a:pt x="243877" y="2917224"/>
+                    <a:pt x="232477" y="2944274"/>
+                    <a:pt x="223042" y="2971968"/>
+                  </a:cubicBezTo>
+                  <a:cubicBezTo>
+                    <a:pt x="182679" y="3081970"/>
+                    <a:pt x="148475" y="3194291"/>
+                    <a:pt x="121611" y="3308544"/>
+                  </a:cubicBezTo>
+                  <a:cubicBezTo>
+                    <a:pt x="67096" y="3536534"/>
+                    <a:pt x="39183" y="3771224"/>
+                    <a:pt x="39314" y="4005912"/>
+                  </a:cubicBezTo>
+                  <a:cubicBezTo>
+                    <a:pt x="39969" y="4122871"/>
+                    <a:pt x="51109" y="4239571"/>
+                    <a:pt x="73910" y="4354081"/>
+                  </a:cubicBezTo>
+                  <a:cubicBezTo>
+                    <a:pt x="97892" y="4468334"/>
+                    <a:pt x="132619" y="4580140"/>
+                    <a:pt x="179534" y="4687050"/>
+                  </a:cubicBezTo>
+                  <a:cubicBezTo>
+                    <a:pt x="190673" y="4713972"/>
+                    <a:pt x="203647" y="4740249"/>
+                    <a:pt x="215964" y="4766654"/>
+                  </a:cubicBezTo>
+                  <a:cubicBezTo>
+                    <a:pt x="229332" y="4792674"/>
+                    <a:pt x="242043" y="4818950"/>
+                    <a:pt x="256457" y="4844455"/>
+                  </a:cubicBezTo>
+                  <a:cubicBezTo>
+                    <a:pt x="283978" y="4895978"/>
+                    <a:pt x="314642" y="4945956"/>
+                    <a:pt x="346225" y="4995290"/>
+                  </a:cubicBezTo>
+                  <a:cubicBezTo>
+                    <a:pt x="377676" y="5044752"/>
+                    <a:pt x="411355" y="5092926"/>
+                    <a:pt x="445296" y="5140971"/>
+                  </a:cubicBezTo>
+                  <a:cubicBezTo>
+                    <a:pt x="479760" y="5188630"/>
+                    <a:pt x="515537" y="5235645"/>
+                    <a:pt x="551443" y="5282531"/>
+                  </a:cubicBezTo>
+                  <a:cubicBezTo>
+                    <a:pt x="623387" y="5376434"/>
+                    <a:pt x="698608" y="5468402"/>
+                    <a:pt x="772387" y="5562561"/>
+                  </a:cubicBezTo>
+                  <a:cubicBezTo>
+                    <a:pt x="809472" y="5609448"/>
+                    <a:pt x="846428" y="5656719"/>
+                    <a:pt x="882858" y="5704507"/>
+                  </a:cubicBezTo>
+                  <a:cubicBezTo>
+                    <a:pt x="919159" y="5751909"/>
+                    <a:pt x="955196" y="5802273"/>
+                    <a:pt x="990316" y="5848258"/>
+                  </a:cubicBezTo>
+                  <a:cubicBezTo>
+                    <a:pt x="1025175" y="5895402"/>
+                    <a:pt x="1061736" y="5941129"/>
+                    <a:pt x="1097774" y="5987114"/>
+                  </a:cubicBezTo>
+                  <a:cubicBezTo>
+                    <a:pt x="1134860" y="6032326"/>
+                    <a:pt x="1171684" y="6077536"/>
+                    <a:pt x="1210080" y="6121203"/>
+                  </a:cubicBezTo>
+                  <a:cubicBezTo>
+                    <a:pt x="1286350" y="6209051"/>
+                    <a:pt x="1365632" y="6293677"/>
+                    <a:pt x="1448192" y="6374054"/>
+                  </a:cubicBezTo>
+                  <a:cubicBezTo>
+                    <a:pt x="1613572" y="6534420"/>
+                    <a:pt x="1792057" y="6677526"/>
+                    <a:pt x="1982991" y="6796158"/>
+                  </a:cubicBezTo>
+                  <a:lnTo>
+                    <a:pt x="2118475" y="6874714"/>
+                  </a:lnTo>
+                  <a:lnTo>
+                    <a:pt x="1569874" y="6874714"/>
+                  </a:lnTo>
+                  <a:lnTo>
+                    <a:pt x="1507802" y="6817815"/>
+                  </a:lnTo>
+                  <a:cubicBezTo>
+                    <a:pt x="1418412" y="6730595"/>
+                    <a:pt x="1334903" y="6638562"/>
+                    <a:pt x="1256865" y="6543437"/>
+                  </a:cubicBezTo>
+                  <a:cubicBezTo>
+                    <a:pt x="1179155" y="6447861"/>
+                    <a:pt x="1106817" y="6349194"/>
+                    <a:pt x="1038410" y="6248722"/>
+                  </a:cubicBezTo>
+                  <a:cubicBezTo>
+                    <a:pt x="969873" y="6148253"/>
+                    <a:pt x="905922" y="6045592"/>
+                    <a:pt x="845380" y="5941386"/>
+                  </a:cubicBezTo>
+                  <a:cubicBezTo>
+                    <a:pt x="814453" y="5888704"/>
+                    <a:pt x="786147" y="5839370"/>
+                    <a:pt x="755351" y="5788877"/>
+                  </a:cubicBezTo>
+                  <a:cubicBezTo>
+                    <a:pt x="724817" y="5738771"/>
+                    <a:pt x="693760" y="5688665"/>
+                    <a:pt x="661784" y="5638944"/>
+                  </a:cubicBezTo>
+                  <a:lnTo>
+                    <a:pt x="466525" y="5340366"/>
+                  </a:lnTo>
+                  <a:cubicBezTo>
+                    <a:pt x="434156" y="5290131"/>
+                    <a:pt x="402181" y="5239639"/>
+                    <a:pt x="370992" y="5188502"/>
+                  </a:cubicBezTo>
+                  <a:cubicBezTo>
+                    <a:pt x="339803" y="5137364"/>
+                    <a:pt x="308876" y="5086099"/>
+                    <a:pt x="280046" y="5033287"/>
+                  </a:cubicBezTo>
+                  <a:cubicBezTo>
+                    <a:pt x="222255" y="4928179"/>
+                    <a:pt x="169181" y="4819982"/>
+                    <a:pt x="126853" y="4707660"/>
+                  </a:cubicBezTo>
+                  <a:cubicBezTo>
+                    <a:pt x="83739" y="4595725"/>
+                    <a:pt x="51764" y="4479670"/>
+                    <a:pt x="30272" y="4362068"/>
+                  </a:cubicBezTo>
+                  <a:cubicBezTo>
+                    <a:pt x="9698" y="4244466"/>
+                    <a:pt x="0" y="4125060"/>
+                    <a:pt x="0" y="4005912"/>
+                  </a:cubicBezTo>
+                  <a:cubicBezTo>
+                    <a:pt x="1704" y="3530867"/>
+                    <a:pt x="95140" y="3057110"/>
+                    <a:pt x="270480" y="2610532"/>
+                  </a:cubicBezTo>
+                  <a:cubicBezTo>
+                    <a:pt x="314511" y="2498984"/>
+                    <a:pt x="362212" y="2388466"/>
+                    <a:pt x="415942" y="2280526"/>
+                  </a:cubicBezTo>
+                  <a:cubicBezTo>
+                    <a:pt x="468884" y="2172197"/>
+                    <a:pt x="527199" y="2066188"/>
+                    <a:pt x="590102" y="1962626"/>
+                  </a:cubicBezTo>
+                  <a:cubicBezTo>
+                    <a:pt x="716037" y="1755631"/>
+                    <a:pt x="859794" y="1557653"/>
+                    <a:pt x="1020719" y="1373070"/>
+                  </a:cubicBezTo>
+                  <a:cubicBezTo>
+                    <a:pt x="1101575" y="1281101"/>
+                    <a:pt x="1185969" y="1191838"/>
+                    <a:pt x="1275080" y="1107081"/>
+                  </a:cubicBezTo>
+                  <a:cubicBezTo>
+                    <a:pt x="1297227" y="1085699"/>
+                    <a:pt x="1319504" y="1064575"/>
+                    <a:pt x="1342437" y="1043965"/>
+                  </a:cubicBezTo>
+                  <a:cubicBezTo>
+                    <a:pt x="1365240" y="1023226"/>
+                    <a:pt x="1387648" y="1002102"/>
+                    <a:pt x="1411106" y="982138"/>
+                  </a:cubicBezTo>
+                  <a:cubicBezTo>
+                    <a:pt x="1457497" y="941563"/>
+                    <a:pt x="1505065" y="902276"/>
+                    <a:pt x="1553029" y="863376"/>
+                  </a:cubicBezTo>
+                  <a:cubicBezTo>
+                    <a:pt x="1745798" y="708806"/>
+                    <a:pt x="1954030" y="571882"/>
+                    <a:pt x="2173401" y="454409"/>
+                  </a:cubicBezTo>
+                  <a:cubicBezTo>
+                    <a:pt x="2612013" y="219334"/>
+                    <a:pt x="3099505" y="65666"/>
+                    <a:pt x="3599708" y="16332"/>
+                  </a:cubicBezTo>
+                  <a:cubicBezTo>
+                    <a:pt x="3724530" y="3966"/>
+                    <a:pt x="3850400" y="-1283"/>
+                    <a:pt x="3975975" y="263"/>
+                  </a:cubicBezTo>
+                  <a:close/>
+                </a:path>
+              </a:pathLst>
+            </a:custGeom>
+            <a:gradFill>
+              <a:gsLst>
+                <a:gs pos="2000">
+                  <a:schemeClr val="bg1">
+                    <a:alpha val="10000"/>
+                  </a:schemeClr>
+                </a:gs>
+                <a:gs pos="16000">
+                  <a:schemeClr val="accent6">
+                    <a:alpha val="10000"/>
+                  </a:schemeClr>
+                </a:gs>
+                <a:gs pos="100000">
+                  <a:schemeClr val="bg1">
+                    <a:alpha val="10000"/>
+                  </a:schemeClr>
+                </a:gs>
+                <a:gs pos="85000">
+                  <a:schemeClr val="accent1">
+                    <a:alpha val="10000"/>
+                  </a:schemeClr>
+                </a:gs>
+              </a:gsLst>
+              <a:lin ang="12000000" scaled="0"/>
+            </a:gradFill>
+            <a:ln>
+              <a:noFill/>
+            </a:ln>
+          </p:spPr>
+          <p:style>
+            <a:lnRef idx="2">
+              <a:schemeClr val="accent1">
+                <a:shade val="50000"/>
+              </a:schemeClr>
+            </a:lnRef>
+            <a:fillRef idx="1">
+              <a:schemeClr val="accent1"/>
+            </a:fillRef>
+            <a:effectRef idx="0">
+              <a:schemeClr val="accent1"/>
+            </a:effectRef>
+            <a:fontRef idx="minor">
+              <a:schemeClr val="lt1"/>
+            </a:fontRef>
+          </p:style>
+          <p:txBody>
+            <a:bodyPr rtlCol="0" anchor="ctr"/>
+            <a:lstStyle/>
+            <a:p>
+              <a:pPr algn="ctr"/>
+              <a:endParaRPr lang="en-US"/>
+            </a:p>
+          </p:txBody>
+        </p:sp>
+        <p:sp>
+          <p:nvSpPr>
+            <p:cNvPr id="17" name="Freeform: Shape 16">
+              <a:extLst>
+                <a:ext uri="{FF2B5EF4-FFF2-40B4-BE49-F238E27FC236}">
+                  <a16:creationId xmlns:a16="http://schemas.microsoft.com/office/drawing/2014/main" id="{61023DD2-2E6F-4419-B404-80F08460BEA5}"/>
+                </a:ext>
+                <a:ext uri="{C183D7F6-B498-43B3-948B-1728B52AA6E4}">
+                  <adec:decorative xmlns:adec="http://schemas.microsoft.com/office/drawing/2017/decorative" val="1"/>
+                </a:ext>
+              </a:extLst>
+            </p:cNvPr>
+            <p:cNvSpPr/>
+            <p:nvPr>
+              <p:extLst>
+                <p:ext uri="{386F3935-93C4-4BCD-93E2-E3B085C9AB24}">
+                  <p16:designElem xmlns:p16="http://schemas.microsoft.com/office/powerpoint/2015/main" val="1"/>
+                </p:ext>
+              </p:extLst>
+            </p:nvPr>
+          </p:nvSpPr>
+          <p:spPr>
+            <a:xfrm>
+              <a:off x="5865276" y="313387"/>
+              <a:ext cx="6326724" cy="6561326"/>
+            </a:xfrm>
+            <a:custGeom>
+              <a:avLst/>
+              <a:gdLst>
+                <a:gd name="connsiteX0" fmla="*/ 6326724 w 6326724"/>
+                <a:gd name="connsiteY0" fmla="*/ 5020808 h 6561326"/>
+                <a:gd name="connsiteX1" fmla="*/ 6326724 w 6326724"/>
+                <a:gd name="connsiteY1" fmla="*/ 5698632 h 6561326"/>
+                <a:gd name="connsiteX2" fmla="*/ 6067438 w 6326724"/>
+                <a:gd name="connsiteY2" fmla="*/ 5902509 h 6561326"/>
+                <a:gd name="connsiteX3" fmla="*/ 5799974 w 6326724"/>
+                <a:gd name="connsiteY3" fmla="*/ 6102017 h 6561326"/>
+                <a:gd name="connsiteX4" fmla="*/ 5665258 w 6326724"/>
+                <a:gd name="connsiteY4" fmla="*/ 6202100 h 6561326"/>
+                <a:gd name="connsiteX5" fmla="*/ 5526873 w 6326724"/>
+                <a:gd name="connsiteY5" fmla="*/ 6302828 h 6561326"/>
+                <a:gd name="connsiteX6" fmla="*/ 5385080 w 6326724"/>
+                <a:gd name="connsiteY6" fmla="*/ 6402268 h 6561326"/>
+                <a:gd name="connsiteX7" fmla="*/ 5238833 w 6326724"/>
+                <a:gd name="connsiteY7" fmla="*/ 6498875 h 6561326"/>
+                <a:gd name="connsiteX8" fmla="*/ 5138040 w 6326724"/>
+                <a:gd name="connsiteY8" fmla="*/ 6561326 h 6561326"/>
+                <a:gd name="connsiteX9" fmla="*/ 3946072 w 6326724"/>
+                <a:gd name="connsiteY9" fmla="*/ 6561326 h 6561326"/>
+                <a:gd name="connsiteX10" fmla="*/ 3976009 w 6326724"/>
+                <a:gd name="connsiteY10" fmla="*/ 6555242 h 6561326"/>
+                <a:gd name="connsiteX11" fmla="*/ 4404855 w 6326724"/>
+                <a:gd name="connsiteY11" fmla="*/ 6399048 h 6561326"/>
+                <a:gd name="connsiteX12" fmla="*/ 4938868 w 6326724"/>
+                <a:gd name="connsiteY12" fmla="*/ 6072132 h 6561326"/>
+                <a:gd name="connsiteX13" fmla="*/ 5068342 w 6326724"/>
+                <a:gd name="connsiteY13" fmla="*/ 5976042 h 6561326"/>
+                <a:gd name="connsiteX14" fmla="*/ 5197816 w 6326724"/>
+                <a:gd name="connsiteY14" fmla="*/ 5876730 h 6561326"/>
+                <a:gd name="connsiteX15" fmla="*/ 5460039 w 6326724"/>
+                <a:gd name="connsiteY15" fmla="*/ 5670637 h 6561326"/>
+                <a:gd name="connsiteX16" fmla="*/ 5999033 w 6326724"/>
+                <a:gd name="connsiteY16" fmla="*/ 5271718 h 6561326"/>
+                <a:gd name="connsiteX17" fmla="*/ 6258766 w 6326724"/>
+                <a:gd name="connsiteY17" fmla="*/ 5077603 h 6561326"/>
+                <a:gd name="connsiteX18" fmla="*/ 4139342 w 6326724"/>
+                <a:gd name="connsiteY18" fmla="*/ 440 h 6561326"/>
+                <a:gd name="connsiteX19" fmla="*/ 4315744 w 6326724"/>
+                <a:gd name="connsiteY19" fmla="*/ 6808 h 6561326"/>
+                <a:gd name="connsiteX20" fmla="*/ 5015400 w 6326724"/>
+                <a:gd name="connsiteY20" fmla="*/ 113591 h 6561326"/>
+                <a:gd name="connsiteX21" fmla="*/ 5681114 w 6326724"/>
+                <a:gd name="connsiteY21" fmla="*/ 361418 h 6561326"/>
+                <a:gd name="connsiteX22" fmla="*/ 6270952 w 6326724"/>
+                <a:gd name="connsiteY22" fmla="*/ 755441 h 6561326"/>
+                <a:gd name="connsiteX23" fmla="*/ 6326724 w 6326724"/>
+                <a:gd name="connsiteY23" fmla="*/ 807432 h 6561326"/>
+                <a:gd name="connsiteX24" fmla="*/ 6326724 w 6326724"/>
+                <a:gd name="connsiteY24" fmla="*/ 1231565 h 6561326"/>
+                <a:gd name="connsiteX25" fmla="*/ 6302093 w 6326724"/>
+                <a:gd name="connsiteY25" fmla="*/ 1203002 h 6561326"/>
+                <a:gd name="connsiteX26" fmla="*/ 6066914 w 6326724"/>
+                <a:gd name="connsiteY26" fmla="*/ 989616 h 6561326"/>
+                <a:gd name="connsiteX27" fmla="*/ 5533688 w 6326724"/>
+                <a:gd name="connsiteY27" fmla="*/ 647242 h 6561326"/>
+                <a:gd name="connsiteX28" fmla="*/ 4933626 w 6326724"/>
+                <a:gd name="connsiteY28" fmla="*/ 432262 h 6561326"/>
+                <a:gd name="connsiteX29" fmla="*/ 4296873 w 6326724"/>
+                <a:gd name="connsiteY29" fmla="*/ 343126 h 6561326"/>
+                <a:gd name="connsiteX30" fmla="*/ 3651602 w 6326724"/>
+                <a:gd name="connsiteY30" fmla="*/ 365797 h 6561326"/>
+                <a:gd name="connsiteX31" fmla="*/ 3018256 w 6326724"/>
+                <a:gd name="connsiteY31" fmla="*/ 496666 h 6561326"/>
+                <a:gd name="connsiteX32" fmla="*/ 2412429 w 6326724"/>
+                <a:gd name="connsiteY32" fmla="*/ 724399 h 6561326"/>
+                <a:gd name="connsiteX33" fmla="*/ 1329857 w 6326724"/>
+                <a:gd name="connsiteY33" fmla="*/ 1424086 h 6561326"/>
+                <a:gd name="connsiteX34" fmla="*/ 887314 w 6326724"/>
+                <a:gd name="connsiteY34" fmla="*/ 1891015 h 6561326"/>
+                <a:gd name="connsiteX35" fmla="*/ 537420 w 6326724"/>
+                <a:gd name="connsiteY35" fmla="*/ 2427245 h 6561326"/>
+                <a:gd name="connsiteX36" fmla="*/ 299965 w 6326724"/>
+                <a:gd name="connsiteY36" fmla="*/ 3020021 h 6561326"/>
+                <a:gd name="connsiteX37" fmla="*/ 213606 w 6326724"/>
+                <a:gd name="connsiteY37" fmla="*/ 3651953 h 6561326"/>
+                <a:gd name="connsiteX38" fmla="*/ 250036 w 6326724"/>
+                <a:gd name="connsiteY38" fmla="*/ 3961352 h 6561326"/>
+                <a:gd name="connsiteX39" fmla="*/ 357625 w 6326724"/>
+                <a:gd name="connsiteY39" fmla="*/ 4250783 h 6561326"/>
+                <a:gd name="connsiteX40" fmla="*/ 432715 w 6326724"/>
+                <a:gd name="connsiteY40" fmla="*/ 4387063 h 6561326"/>
+                <a:gd name="connsiteX41" fmla="*/ 518943 w 6326724"/>
+                <a:gd name="connsiteY41" fmla="*/ 4518962 h 6561326"/>
+                <a:gd name="connsiteX42" fmla="*/ 718133 w 6326724"/>
+                <a:gd name="connsiteY42" fmla="*/ 4773874 h 6561326"/>
+                <a:gd name="connsiteX43" fmla="*/ 933704 w 6326724"/>
+                <a:gd name="connsiteY43" fmla="*/ 5030717 h 6561326"/>
+                <a:gd name="connsiteX44" fmla="*/ 1040900 w 6326724"/>
+                <a:gd name="connsiteY44" fmla="*/ 5164806 h 6561326"/>
+                <a:gd name="connsiteX45" fmla="*/ 1092401 w 6326724"/>
+                <a:gd name="connsiteY45" fmla="*/ 5230628 h 6561326"/>
+                <a:gd name="connsiteX46" fmla="*/ 1142854 w 6326724"/>
+                <a:gd name="connsiteY46" fmla="*/ 5293615 h 6561326"/>
+                <a:gd name="connsiteX47" fmla="*/ 1576354 w 6326724"/>
+                <a:gd name="connsiteY47" fmla="*/ 5759128 h 6561326"/>
+                <a:gd name="connsiteX48" fmla="*/ 1806865 w 6326724"/>
+                <a:gd name="connsiteY48" fmla="*/ 5968571 h 6561326"/>
+                <a:gd name="connsiteX49" fmla="*/ 2048253 w 6326724"/>
+                <a:gd name="connsiteY49" fmla="*/ 6161654 h 6561326"/>
+                <a:gd name="connsiteX50" fmla="*/ 2587506 w 6326724"/>
+                <a:gd name="connsiteY50" fmla="*/ 6467059 h 6561326"/>
+                <a:gd name="connsiteX51" fmla="*/ 2889176 w 6326724"/>
+                <a:gd name="connsiteY51" fmla="*/ 6553360 h 6561326"/>
+                <a:gd name="connsiteX52" fmla="*/ 2929698 w 6326724"/>
+                <a:gd name="connsiteY52" fmla="*/ 6561326 h 6561326"/>
+                <a:gd name="connsiteX53" fmla="*/ 1816374 w 6326724"/>
+                <a:gd name="connsiteY53" fmla="*/ 6561326 h 6561326"/>
+                <a:gd name="connsiteX54" fmla="*/ 1787601 w 6326724"/>
+                <a:gd name="connsiteY54" fmla="*/ 6545761 h 6561326"/>
+                <a:gd name="connsiteX55" fmla="*/ 1225544 w 6326724"/>
+                <a:gd name="connsiteY55" fmla="*/ 6094158 h 6561326"/>
+                <a:gd name="connsiteX56" fmla="*/ 997654 w 6326724"/>
+                <a:gd name="connsiteY56" fmla="*/ 5822374 h 6561326"/>
+                <a:gd name="connsiteX57" fmla="*/ 798596 w 6326724"/>
+                <a:gd name="connsiteY57" fmla="*/ 5534615 h 6561326"/>
+                <a:gd name="connsiteX58" fmla="*/ 752075 w 6326724"/>
+                <a:gd name="connsiteY58" fmla="*/ 5461324 h 6561326"/>
+                <a:gd name="connsiteX59" fmla="*/ 707650 w 6326724"/>
+                <a:gd name="connsiteY59" fmla="*/ 5390221 h 6561326"/>
+                <a:gd name="connsiteX60" fmla="*/ 619980 w 6326724"/>
+                <a:gd name="connsiteY60" fmla="*/ 5252396 h 6561326"/>
+                <a:gd name="connsiteX61" fmla="*/ 438349 w 6326724"/>
+                <a:gd name="connsiteY61" fmla="*/ 4970822 h 6561326"/>
+                <a:gd name="connsiteX62" fmla="*/ 261044 w 6326724"/>
+                <a:gd name="connsiteY62" fmla="*/ 4673145 h 6561326"/>
+                <a:gd name="connsiteX63" fmla="*/ 181107 w 6326724"/>
+                <a:gd name="connsiteY63" fmla="*/ 4515356 h 6561326"/>
+                <a:gd name="connsiteX64" fmla="*/ 113224 w 6326724"/>
+                <a:gd name="connsiteY64" fmla="*/ 4350223 h 6561326"/>
+                <a:gd name="connsiteX65" fmla="*/ 61199 w 6326724"/>
+                <a:gd name="connsiteY65" fmla="*/ 4178908 h 6561326"/>
+                <a:gd name="connsiteX66" fmla="*/ 41804 w 6326724"/>
+                <a:gd name="connsiteY66" fmla="*/ 4091577 h 6561326"/>
+                <a:gd name="connsiteX67" fmla="*/ 33287 w 6326724"/>
+                <a:gd name="connsiteY67" fmla="*/ 4047781 h 6561326"/>
+                <a:gd name="connsiteX68" fmla="*/ 26209 w 6326724"/>
+                <a:gd name="connsiteY68" fmla="*/ 4003858 h 6561326"/>
+                <a:gd name="connsiteX69" fmla="*/ 0 w 6326724"/>
+                <a:gd name="connsiteY69" fmla="*/ 3651953 h 6561326"/>
+                <a:gd name="connsiteX70" fmla="*/ 72731 w 6326724"/>
+                <a:gd name="connsiteY70" fmla="*/ 2966307 h 6561326"/>
+                <a:gd name="connsiteX71" fmla="*/ 291316 w 6326724"/>
+                <a:gd name="connsiteY71" fmla="*/ 2309385 h 6561326"/>
+                <a:gd name="connsiteX72" fmla="*/ 1110878 w 6326724"/>
+                <a:gd name="connsiteY72" fmla="*/ 1193776 h 6561326"/>
+                <a:gd name="connsiteX73" fmla="*/ 1654327 w 6326724"/>
+                <a:gd name="connsiteY73" fmla="*/ 756730 h 6561326"/>
+                <a:gd name="connsiteX74" fmla="*/ 2261727 w 6326724"/>
+                <a:gd name="connsiteY74" fmla="*/ 409720 h 6561326"/>
+                <a:gd name="connsiteX75" fmla="*/ 3610060 w 6326724"/>
+                <a:gd name="connsiteY75" fmla="*/ 27032 h 6561326"/>
+                <a:gd name="connsiteX76" fmla="*/ 4139342 w 6326724"/>
+                <a:gd name="connsiteY76" fmla="*/ 440 h 6561326"/>
+              </a:gdLst>
+              <a:ahLst/>
+              <a:cxnLst>
+                <a:cxn ang="0">
+                  <a:pos x="connsiteX0" y="connsiteY0"/>
+                </a:cxn>
+                <a:cxn ang="0">
+                  <a:pos x="connsiteX1" y="connsiteY1"/>
+                </a:cxn>
+                <a:cxn ang="0">
+                  <a:pos x="connsiteX2" y="connsiteY2"/>
+                </a:cxn>
+                <a:cxn ang="0">
+                  <a:pos x="connsiteX3" y="connsiteY3"/>
+                </a:cxn>
+                <a:cxn ang="0">
+                  <a:pos x="connsiteX4" y="connsiteY4"/>
+                </a:cxn>
+                <a:cxn ang="0">
+                  <a:pos x="connsiteX5" y="connsiteY5"/>
+                </a:cxn>
+                <a:cxn ang="0">
+                  <a:pos x="connsiteX6" y="connsiteY6"/>
+                </a:cxn>
+                <a:cxn ang="0">
+                  <a:pos x="connsiteX7" y="connsiteY7"/>
+                </a:cxn>
+                <a:cxn ang="0">
+                  <a:pos x="connsiteX8" y="connsiteY8"/>
+                </a:cxn>
+                <a:cxn ang="0">
+                  <a:pos x="connsiteX9" y="connsiteY9"/>
+                </a:cxn>
+                <a:cxn ang="0">
+                  <a:pos x="connsiteX10" y="connsiteY10"/>
+                </a:cxn>
+                <a:cxn ang="0">
+                  <a:pos x="connsiteX11" y="connsiteY11"/>
+                </a:cxn>
+                <a:cxn ang="0">
+                  <a:pos x="connsiteX12" y="connsiteY12"/>
+                </a:cxn>
+                <a:cxn ang="0">
+                  <a:pos x="connsiteX13" y="connsiteY13"/>
+                </a:cxn>
+                <a:cxn ang="0">
+                  <a:pos x="connsiteX14" y="connsiteY14"/>
+                </a:cxn>
+                <a:cxn ang="0">
+                  <a:pos x="connsiteX15" y="connsiteY15"/>
+                </a:cxn>
+                <a:cxn ang="0">
+                  <a:pos x="connsiteX16" y="connsiteY16"/>
+                </a:cxn>
+                <a:cxn ang="0">
+                  <a:pos x="connsiteX17" y="connsiteY17"/>
+                </a:cxn>
+                <a:cxn ang="0">
+                  <a:pos x="connsiteX18" y="connsiteY18"/>
+                </a:cxn>
+                <a:cxn ang="0">
+                  <a:pos x="connsiteX19" y="connsiteY19"/>
+                </a:cxn>
+                <a:cxn ang="0">
+                  <a:pos x="connsiteX20" y="connsiteY20"/>
+                </a:cxn>
+                <a:cxn ang="0">
+                  <a:pos x="connsiteX21" y="connsiteY21"/>
+                </a:cxn>
+                <a:cxn ang="0">
+                  <a:pos x="connsiteX22" y="connsiteY22"/>
+                </a:cxn>
+                <a:cxn ang="0">
+                  <a:pos x="connsiteX23" y="connsiteY23"/>
+                </a:cxn>
+                <a:cxn ang="0">
+                  <a:pos x="connsiteX24" y="connsiteY24"/>
+                </a:cxn>
+                <a:cxn ang="0">
+                  <a:pos x="connsiteX25" y="connsiteY25"/>
+                </a:cxn>
+                <a:cxn ang="0">
+                  <a:pos x="connsiteX26" y="connsiteY26"/>
+                </a:cxn>
+                <a:cxn ang="0">
+                  <a:pos x="connsiteX27" y="connsiteY27"/>
+                </a:cxn>
+                <a:cxn ang="0">
+                  <a:pos x="connsiteX28" y="connsiteY28"/>
+                </a:cxn>
+                <a:cxn ang="0">
+                  <a:pos x="connsiteX29" y="connsiteY29"/>
+                </a:cxn>
+                <a:cxn ang="0">
+                  <a:pos x="connsiteX30" y="connsiteY30"/>
+                </a:cxn>
+                <a:cxn ang="0">
+                  <a:pos x="connsiteX31" y="connsiteY31"/>
+                </a:cxn>
+                <a:cxn ang="0">
+                  <a:pos x="connsiteX32" y="connsiteY32"/>
+                </a:cxn>
+                <a:cxn ang="0">
+                  <a:pos x="connsiteX33" y="connsiteY33"/>
+                </a:cxn>
+                <a:cxn ang="0">
+                  <a:pos x="connsiteX34" y="connsiteY34"/>
+                </a:cxn>
+                <a:cxn ang="0">
+                  <a:pos x="connsiteX35" y="connsiteY35"/>
+                </a:cxn>
+                <a:cxn ang="0">
+                  <a:pos x="connsiteX36" y="connsiteY36"/>
+                </a:cxn>
+                <a:cxn ang="0">
+                  <a:pos x="connsiteX37" y="connsiteY37"/>
+                </a:cxn>
+                <a:cxn ang="0">
+                  <a:pos x="connsiteX38" y="connsiteY38"/>
+                </a:cxn>
+                <a:cxn ang="0">
+                  <a:pos x="connsiteX39" y="connsiteY39"/>
+                </a:cxn>
+                <a:cxn ang="0">
+                  <a:pos x="connsiteX40" y="connsiteY40"/>
+                </a:cxn>
+                <a:cxn ang="0">
+                  <a:pos x="connsiteX41" y="connsiteY41"/>
+                </a:cxn>
+                <a:cxn ang="0">
+                  <a:pos x="connsiteX42" y="connsiteY42"/>
+                </a:cxn>
+                <a:cxn ang="0">
+                  <a:pos x="connsiteX43" y="connsiteY43"/>
+                </a:cxn>
+                <a:cxn ang="0">
+                  <a:pos x="connsiteX44" y="connsiteY44"/>
+                </a:cxn>
+                <a:cxn ang="0">
+                  <a:pos x="connsiteX45" y="connsiteY45"/>
+                </a:cxn>
+                <a:cxn ang="0">
+                  <a:pos x="connsiteX46" y="connsiteY46"/>
+                </a:cxn>
+                <a:cxn ang="0">
+                  <a:pos x="connsiteX47" y="connsiteY47"/>
+                </a:cxn>
+                <a:cxn ang="0">
+                  <a:pos x="connsiteX48" y="connsiteY48"/>
+                </a:cxn>
+                <a:cxn ang="0">
+                  <a:pos x="connsiteX49" y="connsiteY49"/>
+                </a:cxn>
+                <a:cxn ang="0">
+                  <a:pos x="connsiteX50" y="connsiteY50"/>
+                </a:cxn>
+                <a:cxn ang="0">
+                  <a:pos x="connsiteX51" y="connsiteY51"/>
+                </a:cxn>
+                <a:cxn ang="0">
+                  <a:pos x="connsiteX52" y="connsiteY52"/>
+                </a:cxn>
+                <a:cxn ang="0">
+                  <a:pos x="connsiteX53" y="connsiteY53"/>
+                </a:cxn>
+                <a:cxn ang="0">
+                  <a:pos x="connsiteX54" y="connsiteY54"/>
+                </a:cxn>
+                <a:cxn ang="0">
+                  <a:pos x="connsiteX55" y="connsiteY55"/>
+                </a:cxn>
+                <a:cxn ang="0">
+                  <a:pos x="connsiteX56" y="connsiteY56"/>
+                </a:cxn>
+                <a:cxn ang="0">
+                  <a:pos x="connsiteX57" y="connsiteY57"/>
+                </a:cxn>
+                <a:cxn ang="0">
+                  <a:pos x="connsiteX58" y="connsiteY58"/>
+                </a:cxn>
+                <a:cxn ang="0">
+                  <a:pos x="connsiteX59" y="connsiteY59"/>
+                </a:cxn>
+                <a:cxn ang="0">
+                  <a:pos x="connsiteX60" y="connsiteY60"/>
+                </a:cxn>
+                <a:cxn ang="0">
+                  <a:pos x="connsiteX61" y="connsiteY61"/>
+                </a:cxn>
+                <a:cxn ang="0">
+                  <a:pos x="connsiteX62" y="connsiteY62"/>
+                </a:cxn>
+                <a:cxn ang="0">
+                  <a:pos x="connsiteX63" y="connsiteY63"/>
+                </a:cxn>
+                <a:cxn ang="0">
+                  <a:pos x="connsiteX64" y="connsiteY64"/>
+                </a:cxn>
+                <a:cxn ang="0">
+                  <a:pos x="connsiteX65" y="connsiteY65"/>
+                </a:cxn>
+                <a:cxn ang="0">
+                  <a:pos x="connsiteX66" y="connsiteY66"/>
+                </a:cxn>
+                <a:cxn ang="0">
+                  <a:pos x="connsiteX67" y="connsiteY67"/>
+                </a:cxn>
+                <a:cxn ang="0">
+                  <a:pos x="connsiteX68" y="connsiteY68"/>
+                </a:cxn>
+                <a:cxn ang="0">
+                  <a:pos x="connsiteX69" y="connsiteY69"/>
+                </a:cxn>
+                <a:cxn ang="0">
+                  <a:pos x="connsiteX70" y="connsiteY70"/>
+                </a:cxn>
+                <a:cxn ang="0">
+                  <a:pos x="connsiteX71" y="connsiteY71"/>
+                </a:cxn>
+                <a:cxn ang="0">
+                  <a:pos x="connsiteX72" y="connsiteY72"/>
+                </a:cxn>
+                <a:cxn ang="0">
+                  <a:pos x="connsiteX73" y="connsiteY73"/>
+                </a:cxn>
+                <a:cxn ang="0">
+                  <a:pos x="connsiteX74" y="connsiteY74"/>
+                </a:cxn>
+                <a:cxn ang="0">
+                  <a:pos x="connsiteX75" y="connsiteY75"/>
+                </a:cxn>
+                <a:cxn ang="0">
+                  <a:pos x="connsiteX76" y="connsiteY76"/>
+                </a:cxn>
+              </a:cxnLst>
+              <a:rect l="l" t="t" r="r" b="b"/>
+              <a:pathLst>
+                <a:path w="6326724" h="6561326">
+                  <a:moveTo>
+                    <a:pt x="6326724" y="5020808"/>
+                  </a:moveTo>
+                  <a:lnTo>
+                    <a:pt x="6326724" y="5698632"/>
+                  </a:lnTo>
+                  <a:lnTo>
+                    <a:pt x="6067438" y="5902509"/>
+                  </a:lnTo>
+                  <a:cubicBezTo>
+                    <a:pt x="5977868" y="5970407"/>
+                    <a:pt x="5888364" y="6036453"/>
+                    <a:pt x="5799974" y="6102017"/>
+                  </a:cubicBezTo>
+                  <a:lnTo>
+                    <a:pt x="5665258" y="6202100"/>
+                  </a:lnTo>
+                  <a:cubicBezTo>
+                    <a:pt x="5619654" y="6235719"/>
+                    <a:pt x="5573656" y="6269596"/>
+                    <a:pt x="5526873" y="6302828"/>
+                  </a:cubicBezTo>
+                  <a:cubicBezTo>
+                    <a:pt x="5480220" y="6336189"/>
+                    <a:pt x="5433044" y="6369423"/>
+                    <a:pt x="5385080" y="6402268"/>
+                  </a:cubicBezTo>
+                  <a:cubicBezTo>
+                    <a:pt x="5336988" y="6434857"/>
+                    <a:pt x="5288500" y="6467187"/>
+                    <a:pt x="5238833" y="6498875"/>
+                  </a:cubicBezTo>
+                  <a:lnTo>
+                    <a:pt x="5138040" y="6561326"/>
+                  </a:lnTo>
+                  <a:lnTo>
+                    <a:pt x="3946072" y="6561326"/>
+                  </a:lnTo>
+                  <a:lnTo>
+                    <a:pt x="3976009" y="6555242"/>
+                  </a:lnTo>
+                  <a:cubicBezTo>
+                    <a:pt x="4123712" y="6519227"/>
+                    <a:pt x="4266863" y="6466383"/>
+                    <a:pt x="4404855" y="6399048"/>
+                  </a:cubicBezTo>
+                  <a:cubicBezTo>
+                    <a:pt x="4589500" y="6310299"/>
+                    <a:pt x="4765232" y="6196690"/>
+                    <a:pt x="4938868" y="6072132"/>
+                  </a:cubicBezTo>
+                  <a:cubicBezTo>
+                    <a:pt x="4982245" y="6041089"/>
+                    <a:pt x="5025359" y="6008630"/>
+                    <a:pt x="5068342" y="5976042"/>
+                  </a:cubicBezTo>
+                  <a:cubicBezTo>
+                    <a:pt x="5111588" y="5943453"/>
+                    <a:pt x="5154702" y="5910349"/>
+                    <a:pt x="5197816" y="5876730"/>
+                  </a:cubicBezTo>
+                  <a:lnTo>
+                    <a:pt x="5460039" y="5670637"/>
+                  </a:lnTo>
+                  <a:cubicBezTo>
+                    <a:pt x="5639966" y="5530365"/>
+                    <a:pt x="5821596" y="5399753"/>
+                    <a:pt x="5999033" y="5271718"/>
+                  </a:cubicBezTo>
+                  <a:cubicBezTo>
+                    <a:pt x="6087686" y="5207700"/>
+                    <a:pt x="6174667" y="5143360"/>
+                    <a:pt x="6258766" y="5077603"/>
+                  </a:cubicBezTo>
+                  <a:close/>
+                  <a:moveTo>
+                    <a:pt x="4139342" y="440"/>
+                  </a:moveTo>
+                  <a:cubicBezTo>
+                    <a:pt x="4198237" y="1301"/>
+                    <a:pt x="4257068" y="3427"/>
+                    <a:pt x="4315744" y="6808"/>
+                  </a:cubicBezTo>
+                  <a:cubicBezTo>
+                    <a:pt x="4550841" y="20849"/>
+                    <a:pt x="4785806" y="55240"/>
+                    <a:pt x="5015400" y="113591"/>
+                  </a:cubicBezTo>
+                  <a:cubicBezTo>
+                    <a:pt x="5244992" y="171812"/>
+                    <a:pt x="5469212" y="254249"/>
+                    <a:pt x="5681114" y="361418"/>
+                  </a:cubicBezTo>
+                  <a:cubicBezTo>
+                    <a:pt x="5892754" y="468586"/>
+                    <a:pt x="6093124" y="599584"/>
+                    <a:pt x="6270952" y="755441"/>
+                  </a:cubicBezTo>
+                  <a:lnTo>
+                    <a:pt x="6326724" y="807432"/>
+                  </a:lnTo>
+                  <a:lnTo>
+                    <a:pt x="6326724" y="1231565"/>
+                  </a:lnTo>
+                  <a:lnTo>
+                    <a:pt x="6302093" y="1203002"/>
+                  </a:lnTo>
+                  <a:cubicBezTo>
+                    <a:pt x="6227937" y="1127247"/>
+                    <a:pt x="6149211" y="1056081"/>
+                    <a:pt x="6066914" y="989616"/>
+                  </a:cubicBezTo>
+                  <a:cubicBezTo>
+                    <a:pt x="5902714" y="856299"/>
+                    <a:pt x="5724360" y="740371"/>
+                    <a:pt x="5533688" y="647242"/>
+                  </a:cubicBezTo>
+                  <a:cubicBezTo>
+                    <a:pt x="5343146" y="553857"/>
+                    <a:pt x="5141466" y="482239"/>
+                    <a:pt x="4933626" y="432262"/>
+                  </a:cubicBezTo>
+                  <a:cubicBezTo>
+                    <a:pt x="4725788" y="382156"/>
+                    <a:pt x="4512182" y="353303"/>
+                    <a:pt x="4296873" y="343126"/>
+                  </a:cubicBezTo>
+                  <a:cubicBezTo>
+                    <a:pt x="4081172" y="332435"/>
+                    <a:pt x="3865732" y="339520"/>
+                    <a:pt x="3651602" y="365797"/>
+                  </a:cubicBezTo>
+                  <a:cubicBezTo>
+                    <a:pt x="3437604" y="392202"/>
+                    <a:pt x="3225572" y="436384"/>
+                    <a:pt x="3018256" y="496666"/>
+                  </a:cubicBezTo>
+                  <a:cubicBezTo>
+                    <a:pt x="2810809" y="556691"/>
+                    <a:pt x="2608474" y="634362"/>
+                    <a:pt x="2412429" y="724399"/>
+                  </a:cubicBezTo>
+                  <a:cubicBezTo>
+                    <a:pt x="2019160" y="902541"/>
+                    <a:pt x="1651969" y="1138775"/>
+                    <a:pt x="1329857" y="1424086"/>
+                  </a:cubicBezTo>
+                  <a:cubicBezTo>
+                    <a:pt x="1169326" y="1567192"/>
+                    <a:pt x="1020588" y="1723307"/>
+                    <a:pt x="887314" y="1891015"/>
+                  </a:cubicBezTo>
+                  <a:cubicBezTo>
+                    <a:pt x="753778" y="2058466"/>
+                    <a:pt x="635967" y="2238026"/>
+                    <a:pt x="537420" y="2427245"/>
+                  </a:cubicBezTo>
+                  <a:cubicBezTo>
+                    <a:pt x="438874" y="2616335"/>
+                    <a:pt x="356839" y="2814313"/>
+                    <a:pt x="299965" y="3020021"/>
+                  </a:cubicBezTo>
+                  <a:cubicBezTo>
+                    <a:pt x="242961" y="3225212"/>
+                    <a:pt x="213474" y="3438518"/>
+                    <a:pt x="213606" y="3651953"/>
+                  </a:cubicBezTo>
+                  <a:cubicBezTo>
+                    <a:pt x="214785" y="3756804"/>
+                    <a:pt x="225269" y="3860881"/>
+                    <a:pt x="250036" y="3961352"/>
+                  </a:cubicBezTo>
+                  <a:cubicBezTo>
+                    <a:pt x="274412" y="4061950"/>
+                    <a:pt x="312284" y="4158171"/>
+                    <a:pt x="357625" y="4250783"/>
+                  </a:cubicBezTo>
+                  <a:cubicBezTo>
+                    <a:pt x="380558" y="4297025"/>
+                    <a:pt x="405982" y="4342366"/>
+                    <a:pt x="432715" y="4387063"/>
+                  </a:cubicBezTo>
+                  <a:cubicBezTo>
+                    <a:pt x="459841" y="4431630"/>
+                    <a:pt x="488803" y="4475554"/>
+                    <a:pt x="518943" y="4518962"/>
+                  </a:cubicBezTo>
+                  <a:cubicBezTo>
+                    <a:pt x="580011" y="4605521"/>
+                    <a:pt x="647893" y="4689504"/>
+                    <a:pt x="718133" y="4773874"/>
+                  </a:cubicBezTo>
+                  <a:cubicBezTo>
+                    <a:pt x="788374" y="4858372"/>
+                    <a:pt x="861760" y="4942871"/>
+                    <a:pt x="933704" y="5030717"/>
+                  </a:cubicBezTo>
+                  <a:cubicBezTo>
+                    <a:pt x="969742" y="5074512"/>
+                    <a:pt x="1005387" y="5119337"/>
+                    <a:pt x="1040900" y="5164806"/>
+                  </a:cubicBezTo>
+                  <a:lnTo>
+                    <a:pt x="1092401" y="5230628"/>
+                  </a:lnTo>
+                  <a:cubicBezTo>
+                    <a:pt x="1109306" y="5251624"/>
+                    <a:pt x="1125425" y="5273135"/>
+                    <a:pt x="1142854" y="5293615"/>
+                  </a:cubicBezTo>
+                  <a:cubicBezTo>
+                    <a:pt x="1278880" y="5460293"/>
+                    <a:pt x="1426438" y="5613704"/>
+                    <a:pt x="1576354" y="5759128"/>
+                  </a:cubicBezTo>
+                  <a:cubicBezTo>
+                    <a:pt x="1651706" y="5831519"/>
+                    <a:pt x="1728368" y="5901461"/>
+                    <a:pt x="1806865" y="5968571"/>
+                  </a:cubicBezTo>
+                  <a:cubicBezTo>
+                    <a:pt x="1885362" y="6035680"/>
+                    <a:pt x="1965299" y="6100599"/>
+                    <a:pt x="2048253" y="6161654"/>
+                  </a:cubicBezTo>
+                  <a:cubicBezTo>
+                    <a:pt x="2213502" y="6284022"/>
+                    <a:pt x="2391724" y="6393380"/>
+                    <a:pt x="2587506" y="6467059"/>
+                  </a:cubicBezTo>
+                  <a:cubicBezTo>
+                    <a:pt x="2685137" y="6503898"/>
+                    <a:pt x="2786304" y="6532106"/>
+                    <a:pt x="2889176" y="6553360"/>
+                  </a:cubicBezTo>
+                  <a:lnTo>
+                    <a:pt x="2929698" y="6561326"/>
+                  </a:lnTo>
+                  <a:lnTo>
+                    <a:pt x="1816374" y="6561326"/>
+                  </a:lnTo>
+                  <a:lnTo>
+                    <a:pt x="1787601" y="6545761"/>
+                  </a:lnTo>
+                  <a:cubicBezTo>
+                    <a:pt x="1577272" y="6422749"/>
+                    <a:pt x="1389483" y="6266761"/>
+                    <a:pt x="1225544" y="6094158"/>
+                  </a:cubicBezTo>
+                  <a:cubicBezTo>
+                    <a:pt x="1143116" y="6007986"/>
+                    <a:pt x="1068158" y="5916274"/>
+                    <a:pt x="997654" y="5822374"/>
+                  </a:cubicBezTo>
+                  <a:cubicBezTo>
+                    <a:pt x="927546" y="5728086"/>
+                    <a:pt x="860842" y="5632381"/>
+                    <a:pt x="798596" y="5534615"/>
+                  </a:cubicBezTo>
+                  <a:cubicBezTo>
+                    <a:pt x="782608" y="5510399"/>
+                    <a:pt x="767537" y="5485797"/>
+                    <a:pt x="752075" y="5461324"/>
+                  </a:cubicBezTo>
+                  <a:lnTo>
+                    <a:pt x="707650" y="5390221"/>
+                  </a:lnTo>
+                  <a:cubicBezTo>
+                    <a:pt x="679213" y="5344237"/>
+                    <a:pt x="649728" y="5298638"/>
+                    <a:pt x="619980" y="5252396"/>
+                  </a:cubicBezTo>
+                  <a:lnTo>
+                    <a:pt x="438349" y="4970822"/>
+                  </a:lnTo>
+                  <a:cubicBezTo>
+                    <a:pt x="377413" y="4874860"/>
+                    <a:pt x="317263" y="4776064"/>
+                    <a:pt x="261044" y="4673145"/>
+                  </a:cubicBezTo>
+                  <a:cubicBezTo>
+                    <a:pt x="233000" y="4621622"/>
+                    <a:pt x="205874" y="4569197"/>
+                    <a:pt x="181107" y="4515356"/>
+                  </a:cubicBezTo>
+                  <a:cubicBezTo>
+                    <a:pt x="156470" y="4461385"/>
+                    <a:pt x="133537" y="4406385"/>
+                    <a:pt x="113224" y="4350223"/>
+                  </a:cubicBezTo>
+                  <a:cubicBezTo>
+                    <a:pt x="93305" y="4293934"/>
+                    <a:pt x="75614" y="4236872"/>
+                    <a:pt x="61199" y="4178908"/>
+                  </a:cubicBezTo>
+                  <a:cubicBezTo>
+                    <a:pt x="54385" y="4149927"/>
+                    <a:pt x="47440" y="4120815"/>
+                    <a:pt x="41804" y="4091577"/>
+                  </a:cubicBezTo>
+                  <a:lnTo>
+                    <a:pt x="33287" y="4047781"/>
+                  </a:lnTo>
+                  <a:lnTo>
+                    <a:pt x="26209" y="4003858"/>
+                  </a:lnTo>
+                  <a:cubicBezTo>
+                    <a:pt x="7732" y="3886643"/>
+                    <a:pt x="0" y="3768783"/>
+                    <a:pt x="0" y="3651953"/>
+                  </a:cubicBezTo>
+                  <a:cubicBezTo>
+                    <a:pt x="524" y="3422031"/>
+                    <a:pt x="25030" y="3192109"/>
+                    <a:pt x="72731" y="2966307"/>
+                  </a:cubicBezTo>
+                  <a:cubicBezTo>
+                    <a:pt x="120301" y="2740634"/>
+                    <a:pt x="193163" y="2519343"/>
+                    <a:pt x="291316" y="2309385"/>
+                  </a:cubicBezTo>
+                  <a:cubicBezTo>
+                    <a:pt x="488540" y="1889469"/>
+                    <a:pt x="774352" y="1513736"/>
+                    <a:pt x="1110878" y="1193776"/>
+                  </a:cubicBezTo>
+                  <a:cubicBezTo>
+                    <a:pt x="1279535" y="1033797"/>
+                    <a:pt x="1461821" y="887856"/>
+                    <a:pt x="1654327" y="756730"/>
+                  </a:cubicBezTo>
+                  <a:cubicBezTo>
+                    <a:pt x="1847096" y="625732"/>
+                    <a:pt x="2049956" y="509031"/>
+                    <a:pt x="2261727" y="409720"/>
+                  </a:cubicBezTo>
+                  <a:cubicBezTo>
+                    <a:pt x="2685792" y="212515"/>
+                    <a:pt x="3142357" y="82162"/>
+                    <a:pt x="3610060" y="27032"/>
+                  </a:cubicBezTo>
+                  <a:cubicBezTo>
+                    <a:pt x="3785399" y="6647"/>
+                    <a:pt x="3962657" y="-2144"/>
+                    <a:pt x="4139342" y="440"/>
+                  </a:cubicBezTo>
+                  <a:close/>
+                </a:path>
+              </a:pathLst>
+            </a:custGeom>
+            <a:gradFill>
+              <a:gsLst>
+                <a:gs pos="2000">
+                  <a:schemeClr val="bg1">
+                    <a:alpha val="10000"/>
+                  </a:schemeClr>
+                </a:gs>
+                <a:gs pos="16000">
+                  <a:schemeClr val="accent6">
+                    <a:alpha val="10000"/>
+                  </a:schemeClr>
+                </a:gs>
+                <a:gs pos="100000">
+                  <a:schemeClr val="bg1">
+                    <a:alpha val="10000"/>
+                  </a:schemeClr>
+                </a:gs>
+                <a:gs pos="85000">
+                  <a:schemeClr val="accent1">
+                    <a:alpha val="10000"/>
+                  </a:schemeClr>
+                </a:gs>
+              </a:gsLst>
+              <a:lin ang="12000000" scaled="0"/>
+            </a:gradFill>
+            <a:ln>
+              <a:noFill/>
+            </a:ln>
+          </p:spPr>
+          <p:style>
+            <a:lnRef idx="2">
+              <a:schemeClr val="accent1">
+                <a:shade val="50000"/>
+              </a:schemeClr>
+            </a:lnRef>
+            <a:fillRef idx="1">
+              <a:schemeClr val="accent1"/>
+            </a:fillRef>
+            <a:effectRef idx="0">
+              <a:schemeClr val="accent1"/>
+            </a:effectRef>
+            <a:fontRef idx="minor">
+              <a:schemeClr val="lt1"/>
+            </a:fontRef>
+          </p:style>
+          <p:txBody>
+            <a:bodyPr rtlCol="0" anchor="ctr"/>
+            <a:lstStyle/>
+            <a:p>
+              <a:pPr algn="ctr"/>
+              <a:endParaRPr lang="en-US"/>
+            </a:p>
+          </p:txBody>
+        </p:sp>
+        <p:sp>
+          <p:nvSpPr>
+            <p:cNvPr id="18" name="Freeform: Shape 17">
+              <a:extLst>
+                <a:ext uri="{FF2B5EF4-FFF2-40B4-BE49-F238E27FC236}">
+                  <a16:creationId xmlns:a16="http://schemas.microsoft.com/office/drawing/2014/main" id="{BC4A6C98-F96E-4587-B01F-A9B01BBFAD01}"/>
+                </a:ext>
+                <a:ext uri="{C183D7F6-B498-43B3-948B-1728B52AA6E4}">
+                  <adec:decorative xmlns:adec="http://schemas.microsoft.com/office/drawing/2017/decorative" val="1"/>
+                </a:ext>
+              </a:extLst>
+            </p:cNvPr>
+            <p:cNvSpPr/>
+            <p:nvPr>
+              <p:extLst>
+                <p:ext uri="{386F3935-93C4-4BCD-93E2-E3B085C9AB24}">
+                  <p16:designElem xmlns:p16="http://schemas.microsoft.com/office/powerpoint/2015/main" val="1"/>
+                </p:ext>
+              </p:extLst>
+            </p:nvPr>
+          </p:nvSpPr>
+          <p:spPr>
+            <a:xfrm>
+              <a:off x="5870322" y="353119"/>
+              <a:ext cx="6321679" cy="6521594"/>
+            </a:xfrm>
+            <a:custGeom>
+              <a:avLst/>
+              <a:gdLst>
+                <a:gd name="connsiteX0" fmla="*/ 4150102 w 6321679"/>
+                <a:gd name="connsiteY0" fmla="*/ 0 h 6521594"/>
+                <a:gd name="connsiteX1" fmla="*/ 6083891 w 6321679"/>
+                <a:gd name="connsiteY1" fmla="*/ 619943 h 6521594"/>
+                <a:gd name="connsiteX2" fmla="*/ 6321679 w 6321679"/>
+                <a:gd name="connsiteY2" fmla="*/ 822247 h 6521594"/>
+                <a:gd name="connsiteX3" fmla="*/ 6321679 w 6321679"/>
+                <a:gd name="connsiteY3" fmla="*/ 1866928 h 6521594"/>
+                <a:gd name="connsiteX4" fmla="*/ 6212358 w 6321679"/>
+                <a:gd name="connsiteY4" fmla="*/ 1689281 h 6521594"/>
+                <a:gd name="connsiteX5" fmla="*/ 6049880 w 6321679"/>
+                <a:gd name="connsiteY5" fmla="*/ 1477173 h 6521594"/>
+                <a:gd name="connsiteX6" fmla="*/ 5248663 w 6321679"/>
+                <a:gd name="connsiteY6" fmla="*/ 869327 h 6521594"/>
+                <a:gd name="connsiteX7" fmla="*/ 4150102 w 6321679"/>
+                <a:gd name="connsiteY7" fmla="*/ 644042 h 6521594"/>
+                <a:gd name="connsiteX8" fmla="*/ 2867946 w 6321679"/>
+                <a:gd name="connsiteY8" fmla="*/ 886459 h 6521594"/>
+                <a:gd name="connsiteX9" fmla="*/ 1728892 w 6321679"/>
+                <a:gd name="connsiteY9" fmla="*/ 1552397 h 6521594"/>
+                <a:gd name="connsiteX10" fmla="*/ 941043 w 6321679"/>
+                <a:gd name="connsiteY10" fmla="*/ 2512664 h 6521594"/>
+                <a:gd name="connsiteX11" fmla="*/ 655362 w 6321679"/>
+                <a:gd name="connsiteY11" fmla="*/ 3630204 h 6521594"/>
+                <a:gd name="connsiteX12" fmla="*/ 1128177 w 6321679"/>
+                <a:gd name="connsiteY12" fmla="*/ 4667883 h 6521594"/>
+                <a:gd name="connsiteX13" fmla="*/ 1366419 w 6321679"/>
+                <a:gd name="connsiteY13" fmla="*/ 4997246 h 6521594"/>
+                <a:gd name="connsiteX14" fmla="*/ 3601937 w 6321679"/>
+                <a:gd name="connsiteY14" fmla="*/ 6284685 h 6521594"/>
+                <a:gd name="connsiteX15" fmla="*/ 5298985 w 6321679"/>
+                <a:gd name="connsiteY15" fmla="*/ 5492643 h 6521594"/>
+                <a:gd name="connsiteX16" fmla="*/ 5505513 w 6321679"/>
+                <a:gd name="connsiteY16" fmla="*/ 5335367 h 6521594"/>
+                <a:gd name="connsiteX17" fmla="*/ 6252618 w 6321679"/>
+                <a:gd name="connsiteY17" fmla="*/ 4722492 h 6521594"/>
+                <a:gd name="connsiteX18" fmla="*/ 6321679 w 6321679"/>
+                <a:gd name="connsiteY18" fmla="*/ 4651477 h 6521594"/>
+                <a:gd name="connsiteX19" fmla="*/ 6321679 w 6321679"/>
+                <a:gd name="connsiteY19" fmla="*/ 5523097 h 6521594"/>
+                <a:gd name="connsiteX20" fmla="*/ 6024428 w 6321679"/>
+                <a:gd name="connsiteY20" fmla="*/ 5754969 h 6521594"/>
+                <a:gd name="connsiteX21" fmla="*/ 5702345 w 6321679"/>
+                <a:gd name="connsiteY21" fmla="*/ 6000018 h 6521594"/>
+                <a:gd name="connsiteX22" fmla="*/ 4988380 w 6321679"/>
+                <a:gd name="connsiteY22" fmla="*/ 6506549 h 6521594"/>
+                <a:gd name="connsiteX23" fmla="*/ 4961490 w 6321679"/>
+                <a:gd name="connsiteY23" fmla="*/ 6521594 h 6521594"/>
+                <a:gd name="connsiteX24" fmla="*/ 2011326 w 6321679"/>
+                <a:gd name="connsiteY24" fmla="*/ 6521594 h 6521594"/>
+                <a:gd name="connsiteX25" fmla="*/ 1982893 w 6321679"/>
+                <a:gd name="connsiteY25" fmla="*/ 6505768 h 6521594"/>
+                <a:gd name="connsiteX26" fmla="*/ 824149 w 6321679"/>
+                <a:gd name="connsiteY26" fmla="*/ 5358682 h 6521594"/>
+                <a:gd name="connsiteX27" fmla="*/ 0 w 6321679"/>
+                <a:gd name="connsiteY27" fmla="*/ 3630075 h 6521594"/>
+                <a:gd name="connsiteX28" fmla="*/ 4150102 w 6321679"/>
+                <a:gd name="connsiteY28" fmla="*/ 0 h 6521594"/>
+              </a:gdLst>
+              <a:ahLst/>
+              <a:cxnLst>
+                <a:cxn ang="0">
+                  <a:pos x="connsiteX0" y="connsiteY0"/>
+                </a:cxn>
+                <a:cxn ang="0">
+                  <a:pos x="connsiteX1" y="connsiteY1"/>
+                </a:cxn>
+                <a:cxn ang="0">
+                  <a:pos x="connsiteX2" y="connsiteY2"/>
+                </a:cxn>
+                <a:cxn ang="0">
+                  <a:pos x="connsiteX3" y="connsiteY3"/>
+                </a:cxn>
+                <a:cxn ang="0">
+                  <a:pos x="connsiteX4" y="connsiteY4"/>
+                </a:cxn>
+                <a:cxn ang="0">
+                  <a:pos x="connsiteX5" y="connsiteY5"/>
+                </a:cxn>
+                <a:cxn ang="0">
+                  <a:pos x="connsiteX6" y="connsiteY6"/>
+                </a:cxn>
+                <a:cxn ang="0">
+                  <a:pos x="connsiteX7" y="connsiteY7"/>
+                </a:cxn>
+                <a:cxn ang="0">
+                  <a:pos x="connsiteX8" y="connsiteY8"/>
+                </a:cxn>
+                <a:cxn ang="0">
+                  <a:pos x="connsiteX9" y="connsiteY9"/>
+                </a:cxn>
+                <a:cxn ang="0">
+                  <a:pos x="connsiteX10" y="connsiteY10"/>
+                </a:cxn>
+                <a:cxn ang="0">
+                  <a:pos x="connsiteX11" y="connsiteY11"/>
+                </a:cxn>
+                <a:cxn ang="0">
+                  <a:pos x="connsiteX12" y="connsiteY12"/>
+                </a:cxn>
+                <a:cxn ang="0">
+                  <a:pos x="connsiteX13" y="connsiteY13"/>
+                </a:cxn>
+                <a:cxn ang="0">
+                  <a:pos x="connsiteX14" y="connsiteY14"/>
+                </a:cxn>
+                <a:cxn ang="0">
+                  <a:pos x="connsiteX15" y="connsiteY15"/>
+                </a:cxn>
+                <a:cxn ang="0">
+                  <a:pos x="connsiteX16" y="connsiteY16"/>
+                </a:cxn>
+                <a:cxn ang="0">
+                  <a:pos x="connsiteX17" y="connsiteY17"/>
+                </a:cxn>
+                <a:cxn ang="0">
+                  <a:pos x="connsiteX18" y="connsiteY18"/>
+                </a:cxn>
+                <a:cxn ang="0">
+                  <a:pos x="connsiteX19" y="connsiteY19"/>
+                </a:cxn>
+                <a:cxn ang="0">
+                  <a:pos x="connsiteX20" y="connsiteY20"/>
+                </a:cxn>
+                <a:cxn ang="0">
+                  <a:pos x="connsiteX21" y="connsiteY21"/>
+                </a:cxn>
+                <a:cxn ang="0">
+                  <a:pos x="connsiteX22" y="connsiteY22"/>
+                </a:cxn>
+                <a:cxn ang="0">
+                  <a:pos x="connsiteX23" y="connsiteY23"/>
+                </a:cxn>
+                <a:cxn ang="0">
+                  <a:pos x="connsiteX24" y="connsiteY24"/>
+                </a:cxn>
+                <a:cxn ang="0">
+                  <a:pos x="connsiteX25" y="connsiteY25"/>
+                </a:cxn>
+                <a:cxn ang="0">
+                  <a:pos x="connsiteX26" y="connsiteY26"/>
+                </a:cxn>
+                <a:cxn ang="0">
+                  <a:pos x="connsiteX27" y="connsiteY27"/>
+                </a:cxn>
+                <a:cxn ang="0">
+                  <a:pos x="connsiteX28" y="connsiteY28"/>
+                </a:cxn>
+              </a:cxnLst>
+              <a:rect l="l" t="t" r="r" b="b"/>
+              <a:pathLst>
+                <a:path w="6321679" h="6521594">
+                  <a:moveTo>
+                    <a:pt x="4150102" y="0"/>
+                  </a:moveTo>
+                  <a:cubicBezTo>
+                    <a:pt x="4918148" y="0"/>
+                    <a:pt x="5569597" y="228540"/>
+                    <a:pt x="6083891" y="619943"/>
+                  </a:cubicBezTo>
+                  <a:lnTo>
+                    <a:pt x="6321679" y="822247"/>
+                  </a:lnTo>
+                  <a:lnTo>
+                    <a:pt x="6321679" y="1866928"/>
+                  </a:lnTo>
+                  <a:lnTo>
+                    <a:pt x="6212358" y="1689281"/>
+                  </a:lnTo>
+                  <a:cubicBezTo>
+                    <a:pt x="6161484" y="1615222"/>
+                    <a:pt x="6107295" y="1544427"/>
+                    <a:pt x="6049880" y="1477173"/>
+                  </a:cubicBezTo>
+                  <a:cubicBezTo>
+                    <a:pt x="5825135" y="1214018"/>
+                    <a:pt x="5555573" y="1009470"/>
+                    <a:pt x="5248663" y="869327"/>
+                  </a:cubicBezTo>
+                  <a:cubicBezTo>
+                    <a:pt x="4921178" y="719909"/>
+                    <a:pt x="4551627" y="644042"/>
+                    <a:pt x="4150102" y="644042"/>
+                  </a:cubicBezTo>
+                  <a:cubicBezTo>
+                    <a:pt x="3724203" y="644042"/>
+                    <a:pt x="3292799" y="725448"/>
+                    <a:pt x="2867946" y="886459"/>
+                  </a:cubicBezTo>
+                  <a:cubicBezTo>
+                    <a:pt x="2454234" y="1042832"/>
+                    <a:pt x="2060440" y="1273141"/>
+                    <a:pt x="1728892" y="1552397"/>
+                  </a:cubicBezTo>
+                  <a:cubicBezTo>
+                    <a:pt x="1391580" y="1836419"/>
+                    <a:pt x="1126473" y="2159600"/>
+                    <a:pt x="941043" y="2512664"/>
+                  </a:cubicBezTo>
+                  <a:cubicBezTo>
+                    <a:pt x="751551" y="2873583"/>
+                    <a:pt x="655362" y="3249575"/>
+                    <a:pt x="655362" y="3630204"/>
+                  </a:cubicBezTo>
+                  <a:cubicBezTo>
+                    <a:pt x="655362" y="4013537"/>
+                    <a:pt x="808817" y="4237405"/>
+                    <a:pt x="1128177" y="4667883"/>
+                  </a:cubicBezTo>
+                  <a:cubicBezTo>
+                    <a:pt x="1205232" y="4771702"/>
+                    <a:pt x="1284908" y="4879129"/>
+                    <a:pt x="1366419" y="4997246"/>
+                  </a:cubicBezTo>
+                  <a:cubicBezTo>
+                    <a:pt x="1989282" y="5899677"/>
+                    <a:pt x="2657880" y="6284685"/>
+                    <a:pt x="3601937" y="6284685"/>
+                  </a:cubicBezTo>
+                  <a:cubicBezTo>
+                    <a:pt x="4221523" y="6284685"/>
+                    <a:pt x="4676122" y="5971036"/>
+                    <a:pt x="5298985" y="5492643"/>
+                  </a:cubicBezTo>
+                  <a:cubicBezTo>
+                    <a:pt x="5368571" y="5439187"/>
+                    <a:pt x="5438156" y="5386375"/>
+                    <a:pt x="5505513" y="5335367"/>
+                  </a:cubicBezTo>
+                  <a:cubicBezTo>
+                    <a:pt x="5779335" y="5127761"/>
+                    <a:pt x="6041730" y="4928776"/>
+                    <a:pt x="6252618" y="4722492"/>
+                  </a:cubicBezTo>
+                  <a:lnTo>
+                    <a:pt x="6321679" y="4651477"/>
+                  </a:lnTo>
+                  <a:lnTo>
+                    <a:pt x="6321679" y="5523097"/>
+                  </a:lnTo>
+                  <a:lnTo>
+                    <a:pt x="6024428" y="5754969"/>
+                  </a:lnTo>
+                  <a:cubicBezTo>
+                    <a:pt x="5918395" y="5835747"/>
+                    <a:pt x="5810491" y="5916953"/>
+                    <a:pt x="5702345" y="6000018"/>
+                  </a:cubicBezTo>
+                  <a:cubicBezTo>
+                    <a:pt x="5466020" y="6181541"/>
+                    <a:pt x="5232938" y="6357503"/>
+                    <a:pt x="4988380" y="6506549"/>
+                  </a:cubicBezTo>
+                  <a:lnTo>
+                    <a:pt x="4961490" y="6521594"/>
+                  </a:lnTo>
+                  <a:lnTo>
+                    <a:pt x="2011326" y="6521594"/>
+                  </a:lnTo>
+                  <a:lnTo>
+                    <a:pt x="1982893" y="6505768"/>
+                  </a:lnTo>
+                  <a:cubicBezTo>
+                    <a:pt x="1531799" y="6233999"/>
+                    <a:pt x="1157400" y="5841520"/>
+                    <a:pt x="824149" y="5358682"/>
+                  </a:cubicBezTo>
+                  <a:cubicBezTo>
+                    <a:pt x="424196" y="4779302"/>
+                    <a:pt x="0" y="4381929"/>
+                    <a:pt x="0" y="3630075"/>
+                  </a:cubicBezTo>
+                  <a:cubicBezTo>
+                    <a:pt x="0" y="1625174"/>
+                    <a:pt x="2089794" y="0"/>
+                    <a:pt x="4150102" y="0"/>
+                  </a:cubicBezTo>
+                  <a:close/>
+                </a:path>
+              </a:pathLst>
+            </a:custGeom>
+            <a:gradFill>
+              <a:gsLst>
+                <a:gs pos="2000">
+                  <a:schemeClr val="bg1">
+                    <a:alpha val="10000"/>
+                  </a:schemeClr>
+                </a:gs>
+                <a:gs pos="16000">
+                  <a:schemeClr val="accent6">
+                    <a:alpha val="10000"/>
+                  </a:schemeClr>
+                </a:gs>
+                <a:gs pos="100000">
+                  <a:schemeClr val="bg1">
+                    <a:alpha val="10000"/>
+                  </a:schemeClr>
+                </a:gs>
+                <a:gs pos="85000">
+                  <a:schemeClr val="accent1">
+                    <a:alpha val="10000"/>
+                  </a:schemeClr>
+                </a:gs>
+              </a:gsLst>
+              <a:lin ang="12000000" scaled="0"/>
+            </a:gradFill>
+            <a:ln>
+              <a:noFill/>
+            </a:ln>
+          </p:spPr>
+          <p:style>
+            <a:lnRef idx="2">
+              <a:schemeClr val="accent1">
+                <a:shade val="50000"/>
+              </a:schemeClr>
+            </a:lnRef>
+            <a:fillRef idx="1">
+              <a:schemeClr val="accent1"/>
+            </a:fillRef>
+            <a:effectRef idx="0">
+              <a:schemeClr val="accent1"/>
+            </a:effectRef>
+            <a:fontRef idx="minor">
+              <a:schemeClr val="lt1"/>
+            </a:fontRef>
+          </p:style>
+          <p:txBody>
+            <a:bodyPr rtlCol="0" anchor="ctr"/>
+            <a:lstStyle/>
+            <a:p>
+              <a:pPr algn="ctr"/>
+              <a:endParaRPr lang="en-US"/>
+            </a:p>
+          </p:txBody>
+        </p:sp>
+        <p:sp>
+          <p:nvSpPr>
+            <p:cNvPr id="19" name="Freeform: Shape 18">
+              <a:extLst>
+                <a:ext uri="{FF2B5EF4-FFF2-40B4-BE49-F238E27FC236}">
+                  <a16:creationId xmlns:a16="http://schemas.microsoft.com/office/drawing/2014/main" id="{A66409EC-9CC3-482A-A4A5-54ED092B3F22}"/>
+                </a:ext>
+                <a:ext uri="{C183D7F6-B498-43B3-948B-1728B52AA6E4}">
+                  <adec:decorative xmlns:adec="http://schemas.microsoft.com/office/drawing/2017/decorative" val="1"/>
+                </a:ext>
+              </a:extLst>
+            </p:cNvPr>
+            <p:cNvSpPr/>
+            <p:nvPr>
+              <p:extLst>
+                <p:ext uri="{386F3935-93C4-4BCD-93E2-E3B085C9AB24}">
+                  <p16:designElem xmlns:p16="http://schemas.microsoft.com/office/powerpoint/2015/main" val="1"/>
+                </p:ext>
+              </p:extLst>
+            </p:nvPr>
+          </p:nvSpPr>
+          <p:spPr>
+            <a:xfrm>
+              <a:off x="5870322" y="353119"/>
+              <a:ext cx="6321679" cy="6521594"/>
+            </a:xfrm>
+            <a:custGeom>
+              <a:avLst/>
+              <a:gdLst>
+                <a:gd name="connsiteX0" fmla="*/ 4150102 w 6321679"/>
+                <a:gd name="connsiteY0" fmla="*/ 0 h 6521594"/>
+                <a:gd name="connsiteX1" fmla="*/ 6083891 w 6321679"/>
+                <a:gd name="connsiteY1" fmla="*/ 619943 h 6521594"/>
+                <a:gd name="connsiteX2" fmla="*/ 6321679 w 6321679"/>
+                <a:gd name="connsiteY2" fmla="*/ 822247 h 6521594"/>
+                <a:gd name="connsiteX3" fmla="*/ 6321679 w 6321679"/>
+                <a:gd name="connsiteY3" fmla="*/ 2150195 h 6521594"/>
+                <a:gd name="connsiteX4" fmla="*/ 6241288 w 6321679"/>
+                <a:gd name="connsiteY4" fmla="*/ 1985338 h 6521594"/>
+                <a:gd name="connsiteX5" fmla="*/ 5949367 w 6321679"/>
+                <a:gd name="connsiteY5" fmla="*/ 1559997 h 6521594"/>
+                <a:gd name="connsiteX6" fmla="*/ 5193362 w 6321679"/>
+                <a:gd name="connsiteY6" fmla="*/ 986156 h 6521594"/>
+                <a:gd name="connsiteX7" fmla="*/ 4150102 w 6321679"/>
+                <a:gd name="connsiteY7" fmla="*/ 772850 h 6521594"/>
+                <a:gd name="connsiteX8" fmla="*/ 2914861 w 6321679"/>
+                <a:gd name="connsiteY8" fmla="*/ 1006637 h 6521594"/>
+                <a:gd name="connsiteX9" fmla="*/ 1814073 w 6321679"/>
+                <a:gd name="connsiteY9" fmla="*/ 1650163 h 6521594"/>
+                <a:gd name="connsiteX10" fmla="*/ 1057412 w 6321679"/>
+                <a:gd name="connsiteY10" fmla="*/ 2571657 h 6521594"/>
+                <a:gd name="connsiteX11" fmla="*/ 786277 w 6321679"/>
+                <a:gd name="connsiteY11" fmla="*/ 3630204 h 6521594"/>
+                <a:gd name="connsiteX12" fmla="*/ 1233931 w 6321679"/>
+                <a:gd name="connsiteY12" fmla="*/ 4592016 h 6521594"/>
+                <a:gd name="connsiteX13" fmla="*/ 1474795 w 6321679"/>
+                <a:gd name="connsiteY13" fmla="*/ 4924985 h 6521594"/>
+                <a:gd name="connsiteX14" fmla="*/ 2393691 w 6321679"/>
+                <a:gd name="connsiteY14" fmla="*/ 5846995 h 6521594"/>
+                <a:gd name="connsiteX15" fmla="*/ 3601805 w 6321679"/>
+                <a:gd name="connsiteY15" fmla="*/ 6155876 h 6521594"/>
+                <a:gd name="connsiteX16" fmla="*/ 4378909 w 6321679"/>
+                <a:gd name="connsiteY16" fmla="*/ 5959186 h 6521594"/>
+                <a:gd name="connsiteX17" fmla="*/ 5218129 w 6321679"/>
+                <a:gd name="connsiteY17" fmla="*/ 5391271 h 6521594"/>
+                <a:gd name="connsiteX18" fmla="*/ 5425313 w 6321679"/>
+                <a:gd name="connsiteY18" fmla="*/ 5233481 h 6521594"/>
+                <a:gd name="connsiteX19" fmla="*/ 6254366 w 6321679"/>
+                <a:gd name="connsiteY19" fmla="*/ 4534301 h 6521594"/>
+                <a:gd name="connsiteX20" fmla="*/ 6321679 w 6321679"/>
+                <a:gd name="connsiteY20" fmla="*/ 4456641 h 6521594"/>
+                <a:gd name="connsiteX21" fmla="*/ 6321679 w 6321679"/>
+                <a:gd name="connsiteY21" fmla="*/ 5523097 h 6521594"/>
+                <a:gd name="connsiteX22" fmla="*/ 6024428 w 6321679"/>
+                <a:gd name="connsiteY22" fmla="*/ 5754969 h 6521594"/>
+                <a:gd name="connsiteX23" fmla="*/ 5702345 w 6321679"/>
+                <a:gd name="connsiteY23" fmla="*/ 6000018 h 6521594"/>
+                <a:gd name="connsiteX24" fmla="*/ 4988380 w 6321679"/>
+                <a:gd name="connsiteY24" fmla="*/ 6506549 h 6521594"/>
+                <a:gd name="connsiteX25" fmla="*/ 4961490 w 6321679"/>
+                <a:gd name="connsiteY25" fmla="*/ 6521594 h 6521594"/>
+                <a:gd name="connsiteX26" fmla="*/ 2011326 w 6321679"/>
+                <a:gd name="connsiteY26" fmla="*/ 6521594 h 6521594"/>
+                <a:gd name="connsiteX27" fmla="*/ 1982893 w 6321679"/>
+                <a:gd name="connsiteY27" fmla="*/ 6505768 h 6521594"/>
+                <a:gd name="connsiteX28" fmla="*/ 824149 w 6321679"/>
+                <a:gd name="connsiteY28" fmla="*/ 5358682 h 6521594"/>
+                <a:gd name="connsiteX29" fmla="*/ 0 w 6321679"/>
+                <a:gd name="connsiteY29" fmla="*/ 3630075 h 6521594"/>
+                <a:gd name="connsiteX30" fmla="*/ 4150102 w 6321679"/>
+                <a:gd name="connsiteY30" fmla="*/ 0 h 6521594"/>
+              </a:gdLst>
+              <a:ahLst/>
+              <a:cxnLst>
+                <a:cxn ang="0">
+                  <a:pos x="connsiteX0" y="connsiteY0"/>
+                </a:cxn>
+                <a:cxn ang="0">
+                  <a:pos x="connsiteX1" y="connsiteY1"/>
+                </a:cxn>
+                <a:cxn ang="0">
+                  <a:pos x="connsiteX2" y="connsiteY2"/>
+                </a:cxn>
+                <a:cxn ang="0">
+                  <a:pos x="connsiteX3" y="connsiteY3"/>
+                </a:cxn>
+                <a:cxn ang="0">
+                  <a:pos x="connsiteX4" y="connsiteY4"/>
+                </a:cxn>
+                <a:cxn ang="0">
+                  <a:pos x="connsiteX5" y="connsiteY5"/>
+                </a:cxn>
+                <a:cxn ang="0">
+                  <a:pos x="connsiteX6" y="connsiteY6"/>
+                </a:cxn>
+                <a:cxn ang="0">
+                  <a:pos x="connsiteX7" y="connsiteY7"/>
+                </a:cxn>
+                <a:cxn ang="0">
+                  <a:pos x="connsiteX8" y="connsiteY8"/>
+                </a:cxn>
+                <a:cxn ang="0">
+                  <a:pos x="connsiteX9" y="connsiteY9"/>
+                </a:cxn>
+                <a:cxn ang="0">
+                  <a:pos x="connsiteX10" y="connsiteY10"/>
+                </a:cxn>
+                <a:cxn ang="0">
+                  <a:pos x="connsiteX11" y="connsiteY11"/>
+                </a:cxn>
+                <a:cxn ang="0">
+                  <a:pos x="connsiteX12" y="connsiteY12"/>
+                </a:cxn>
+                <a:cxn ang="0">
+                  <a:pos x="connsiteX13" y="connsiteY13"/>
+                </a:cxn>
+                <a:cxn ang="0">
+                  <a:pos x="connsiteX14" y="connsiteY14"/>
+                </a:cxn>
+                <a:cxn ang="0">
+                  <a:pos x="connsiteX15" y="connsiteY15"/>
+                </a:cxn>
+                <a:cxn ang="0">
+                  <a:pos x="connsiteX16" y="connsiteY16"/>
+                </a:cxn>
+                <a:cxn ang="0">
+                  <a:pos x="connsiteX17" y="connsiteY17"/>
+                </a:cxn>
+                <a:cxn ang="0">
+                  <a:pos x="connsiteX18" y="connsiteY18"/>
+                </a:cxn>
+                <a:cxn ang="0">
+                  <a:pos x="connsiteX19" y="connsiteY19"/>
+                </a:cxn>
+                <a:cxn ang="0">
+                  <a:pos x="connsiteX20" y="connsiteY20"/>
+                </a:cxn>
+                <a:cxn ang="0">
+                  <a:pos x="connsiteX21" y="connsiteY21"/>
+                </a:cxn>
+                <a:cxn ang="0">
+                  <a:pos x="connsiteX22" y="connsiteY22"/>
+                </a:cxn>
+                <a:cxn ang="0">
+                  <a:pos x="connsiteX23" y="connsiteY23"/>
+                </a:cxn>
+                <a:cxn ang="0">
+                  <a:pos x="connsiteX24" y="connsiteY24"/>
+                </a:cxn>
+                <a:cxn ang="0">
+                  <a:pos x="connsiteX25" y="connsiteY25"/>
+                </a:cxn>
+                <a:cxn ang="0">
+                  <a:pos x="connsiteX26" y="connsiteY26"/>
+                </a:cxn>
+                <a:cxn ang="0">
+                  <a:pos x="connsiteX27" y="connsiteY27"/>
+                </a:cxn>
+                <a:cxn ang="0">
+                  <a:pos x="connsiteX28" y="connsiteY28"/>
+                </a:cxn>
+                <a:cxn ang="0">
+                  <a:pos x="connsiteX29" y="connsiteY29"/>
+                </a:cxn>
+                <a:cxn ang="0">
+                  <a:pos x="connsiteX30" y="connsiteY30"/>
+                </a:cxn>
+              </a:cxnLst>
+              <a:rect l="l" t="t" r="r" b="b"/>
+              <a:pathLst>
+                <a:path w="6321679" h="6521594">
+                  <a:moveTo>
+                    <a:pt x="4150102" y="0"/>
+                  </a:moveTo>
+                  <a:cubicBezTo>
+                    <a:pt x="4918148" y="0"/>
+                    <a:pt x="5569597" y="228540"/>
+                    <a:pt x="6083891" y="619943"/>
+                  </a:cubicBezTo>
+                  <a:lnTo>
+                    <a:pt x="6321679" y="822247"/>
+                  </a:lnTo>
+                  <a:lnTo>
+                    <a:pt x="6321679" y="2150195"/>
+                  </a:lnTo>
+                  <a:lnTo>
+                    <a:pt x="6241288" y="1985338"/>
+                  </a:lnTo>
+                  <a:cubicBezTo>
+                    <a:pt x="6156788" y="1831195"/>
+                    <a:pt x="6059249" y="1688709"/>
+                    <a:pt x="5949367" y="1559997"/>
+                  </a:cubicBezTo>
+                  <a:cubicBezTo>
+                    <a:pt x="5737073" y="1311397"/>
+                    <a:pt x="5482843" y="1118314"/>
+                    <a:pt x="5193362" y="986156"/>
+                  </a:cubicBezTo>
+                  <a:cubicBezTo>
+                    <a:pt x="4883437" y="844596"/>
+                    <a:pt x="4532365" y="772850"/>
+                    <a:pt x="4150102" y="772850"/>
+                  </a:cubicBezTo>
+                  <a:cubicBezTo>
+                    <a:pt x="3746218" y="772850"/>
+                    <a:pt x="3319008" y="853613"/>
+                    <a:pt x="2914861" y="1006637"/>
+                  </a:cubicBezTo>
+                  <a:cubicBezTo>
+                    <a:pt x="2515039" y="1157857"/>
+                    <a:pt x="2134350" y="1380438"/>
+                    <a:pt x="1814073" y="1650163"/>
+                  </a:cubicBezTo>
+                  <a:cubicBezTo>
+                    <a:pt x="1494190" y="1919502"/>
+                    <a:pt x="1232622" y="2238173"/>
+                    <a:pt x="1057412" y="2571657"/>
+                  </a:cubicBezTo>
+                  <a:cubicBezTo>
+                    <a:pt x="877486" y="2914158"/>
+                    <a:pt x="786277" y="3270313"/>
+                    <a:pt x="786277" y="3630204"/>
+                  </a:cubicBezTo>
+                  <a:cubicBezTo>
+                    <a:pt x="786277" y="3974121"/>
+                    <a:pt x="923483" y="4173646"/>
+                    <a:pt x="1233931" y="4592016"/>
+                  </a:cubicBezTo>
+                  <a:cubicBezTo>
+                    <a:pt x="1311641" y="4696736"/>
+                    <a:pt x="1391972" y="4805064"/>
+                    <a:pt x="1474795" y="4924985"/>
+                  </a:cubicBezTo>
+                  <a:cubicBezTo>
+                    <a:pt x="1767682" y="5349278"/>
+                    <a:pt x="2068172" y="5650948"/>
+                    <a:pt x="2393691" y="5846995"/>
+                  </a:cubicBezTo>
+                  <a:cubicBezTo>
+                    <a:pt x="2738735" y="6054891"/>
+                    <a:pt x="3133971" y="6155876"/>
+                    <a:pt x="3601805" y="6155876"/>
+                  </a:cubicBezTo>
+                  <a:cubicBezTo>
+                    <a:pt x="3867305" y="6155876"/>
+                    <a:pt x="4114196" y="6093405"/>
+                    <a:pt x="4378909" y="5959186"/>
+                  </a:cubicBezTo>
+                  <a:cubicBezTo>
+                    <a:pt x="4650699" y="5821362"/>
+                    <a:pt x="4919737" y="5620421"/>
+                    <a:pt x="5218129" y="5391271"/>
+                  </a:cubicBezTo>
+                  <a:cubicBezTo>
+                    <a:pt x="5288107" y="5337558"/>
+                    <a:pt x="5357824" y="5284617"/>
+                    <a:pt x="5425313" y="5233481"/>
+                  </a:cubicBezTo>
+                  <a:cubicBezTo>
+                    <a:pt x="5739037" y="4995556"/>
+                    <a:pt x="6037512" y="4769168"/>
+                    <a:pt x="6254366" y="4534301"/>
+                  </a:cubicBezTo>
+                  <a:lnTo>
+                    <a:pt x="6321679" y="4456641"/>
+                  </a:lnTo>
+                  <a:lnTo>
+                    <a:pt x="6321679" y="5523097"/>
+                  </a:lnTo>
+                  <a:lnTo>
+                    <a:pt x="6024428" y="5754969"/>
+                  </a:lnTo>
+                  <a:cubicBezTo>
+                    <a:pt x="5918395" y="5835747"/>
+                    <a:pt x="5810491" y="5916953"/>
+                    <a:pt x="5702345" y="6000018"/>
+                  </a:cubicBezTo>
+                  <a:cubicBezTo>
+                    <a:pt x="5466020" y="6181541"/>
+                    <a:pt x="5232938" y="6357503"/>
+                    <a:pt x="4988380" y="6506549"/>
+                  </a:cubicBezTo>
+                  <a:lnTo>
+                    <a:pt x="4961490" y="6521594"/>
+                  </a:lnTo>
+                  <a:lnTo>
+                    <a:pt x="2011326" y="6521594"/>
+                  </a:lnTo>
+                  <a:lnTo>
+                    <a:pt x="1982893" y="6505768"/>
+                  </a:lnTo>
+                  <a:cubicBezTo>
+                    <a:pt x="1531799" y="6233999"/>
+                    <a:pt x="1157400" y="5841520"/>
+                    <a:pt x="824149" y="5358682"/>
+                  </a:cubicBezTo>
+                  <a:cubicBezTo>
+                    <a:pt x="424196" y="4779302"/>
+                    <a:pt x="0" y="4381929"/>
+                    <a:pt x="0" y="3630075"/>
+                  </a:cubicBezTo>
+                  <a:cubicBezTo>
+                    <a:pt x="0" y="1625174"/>
+                    <a:pt x="2089794" y="0"/>
+                    <a:pt x="4150102" y="0"/>
+                  </a:cubicBezTo>
+                  <a:close/>
+                </a:path>
+              </a:pathLst>
+            </a:custGeom>
+            <a:gradFill>
+              <a:gsLst>
+                <a:gs pos="2000">
+                  <a:schemeClr val="bg1">
+                    <a:alpha val="10000"/>
+                  </a:schemeClr>
+                </a:gs>
+                <a:gs pos="16000">
+                  <a:schemeClr val="accent6">
+                    <a:alpha val="10000"/>
+                  </a:schemeClr>
+                </a:gs>
+                <a:gs pos="100000">
+                  <a:schemeClr val="bg1">
+                    <a:alpha val="10000"/>
+                  </a:schemeClr>
+                </a:gs>
+                <a:gs pos="85000">
+                  <a:schemeClr val="accent1">
+                    <a:alpha val="10000"/>
+                  </a:schemeClr>
+                </a:gs>
+              </a:gsLst>
+              <a:lin ang="12000000" scaled="0"/>
+            </a:gradFill>
+            <a:ln>
+              <a:noFill/>
+            </a:ln>
+          </p:spPr>
+          <p:style>
+            <a:lnRef idx="2">
+              <a:schemeClr val="accent1">
+                <a:shade val="50000"/>
+              </a:schemeClr>
+            </a:lnRef>
+            <a:fillRef idx="1">
+              <a:schemeClr val="accent1"/>
+            </a:fillRef>
+            <a:effectRef idx="0">
+              <a:schemeClr val="accent1"/>
+            </a:effectRef>
+            <a:fontRef idx="minor">
+              <a:schemeClr val="lt1"/>
+            </a:fontRef>
+          </p:style>
+          <p:txBody>
+            <a:bodyPr rtlCol="0" anchor="ctr"/>
+            <a:lstStyle/>
+            <a:p>
+              <a:pPr algn="ctr"/>
+              <a:endParaRPr lang="en-US"/>
+            </a:p>
+          </p:txBody>
+        </p:sp>
+      </p:grpSp>
       <p:graphicFrame>
         <p:nvGraphicFramePr>
           <p:cNvPr id="6" name="Table 5">
@@ -3444,14 +6164,14 @@
           <p:nvPr>
             <p:extLst>
               <p:ext uri="{D42A27DB-BD31-4B8C-83A1-F6EECF244321}">
-                <p14:modId xmlns:p14="http://schemas.microsoft.com/office/powerpoint/2010/main" val="303577380"/>
+                <p14:modId xmlns:p14="http://schemas.microsoft.com/office/powerpoint/2010/main" val="1934375603"/>
               </p:ext>
             </p:extLst>
           </p:nvPr>
         </p:nvGraphicFramePr>
         <p:xfrm>
-          <a:off x="8153400" y="2667338"/>
-          <a:ext cx="3200400" cy="3200400"/>
+          <a:off x="7719543" y="1700784"/>
+          <a:ext cx="4119932" cy="4379977"/>
         </p:xfrm>
         <a:graphic>
           <a:graphicData uri="http://schemas.openxmlformats.org/drawingml/2006/table">
@@ -3460,14 +6180,14 @@
                 <a:tableStyleId>{5C22544A-7EE6-4342-B048-85BDC9FD1C3A}</a:tableStyleId>
               </a:tblPr>
               <a:tblGrid>
-                <a:gridCol w="1714633">
+                <a:gridCol w="2150025">
                   <a:extLst>
                     <a:ext uri="{9D8B030D-6E8A-4147-A177-3AD203B41FA5}">
                       <a16:colId xmlns:a16="http://schemas.microsoft.com/office/drawing/2014/main" val="943723161"/>
                     </a:ext>
                   </a:extLst>
                 </a:gridCol>
-                <a:gridCol w="1485767">
+                <a:gridCol w="1969907">
                   <a:extLst>
                     <a:ext uri="{9D8B030D-6E8A-4147-A177-3AD203B41FA5}">
                       <a16:colId xmlns:a16="http://schemas.microsoft.com/office/drawing/2014/main" val="3309174744"/>
@@ -3475,19 +6195,19 @@
                   </a:extLst>
                 </a:gridCol>
               </a:tblGrid>
-              <a:tr h="521750">
+              <a:tr h="848477">
                 <a:tc>
                   <a:txBody>
                     <a:bodyPr/>
                     <a:lstStyle/>
                     <a:p>
                       <a:r>
-                        <a:rPr lang="en-US" dirty="0"/>
+                        <a:rPr lang="en-US" sz="2300"/>
                         <a:t>Company name</a:t>
                       </a:r>
                     </a:p>
                   </a:txBody>
-                  <a:tcPr/>
+                  <a:tcPr marL="114659" marR="114659" marT="57330" marB="57330"/>
                 </a:tc>
                 <a:tc>
                   <a:txBody>
@@ -3495,12 +6215,12 @@
                     <a:lstStyle/>
                     <a:p>
                       <a:r>
-                        <a:rPr lang="en-US" dirty="0"/>
+                        <a:rPr lang="en-US" sz="2300"/>
                         <a:t>Stock Ticker</a:t>
                       </a:r>
                     </a:p>
                   </a:txBody>
-                  <a:tcPr/>
+                  <a:tcPr marL="114659" marR="114659" marT="57330" marB="57330"/>
                 </a:tc>
                 <a:extLst>
                   <a:ext uri="{0D108BD9-81ED-4DB2-BD59-A6C34878D82A}">
@@ -3508,19 +6228,19 @@
                   </a:ext>
                 </a:extLst>
               </a:tr>
-              <a:tr h="298143">
+              <a:tr h="504500">
                 <a:tc>
                   <a:txBody>
                     <a:bodyPr/>
                     <a:lstStyle/>
                     <a:p>
                       <a:r>
-                        <a:rPr lang="en-US" dirty="0"/>
+                        <a:rPr lang="en-US" sz="2300"/>
                         <a:t>Apple</a:t>
                       </a:r>
                     </a:p>
                   </a:txBody>
-                  <a:tcPr/>
+                  <a:tcPr marL="114659" marR="114659" marT="57330" marB="57330"/>
                 </a:tc>
                 <a:tc>
                   <a:txBody>
@@ -3528,12 +6248,12 @@
                     <a:lstStyle/>
                     <a:p>
                       <a:r>
-                        <a:rPr lang="en-US" dirty="0"/>
+                        <a:rPr lang="en-US" sz="2300"/>
                         <a:t>AAPL</a:t>
                       </a:r>
                     </a:p>
                   </a:txBody>
-                  <a:tcPr/>
+                  <a:tcPr marL="114659" marR="114659" marT="57330" marB="57330"/>
                 </a:tc>
                 <a:extLst>
                   <a:ext uri="{0D108BD9-81ED-4DB2-BD59-A6C34878D82A}">
@@ -3541,19 +6261,19 @@
                   </a:ext>
                 </a:extLst>
               </a:tr>
-              <a:tr h="298143">
+              <a:tr h="504500">
                 <a:tc>
                   <a:txBody>
                     <a:bodyPr/>
                     <a:lstStyle/>
                     <a:p>
                       <a:r>
-                        <a:rPr lang="en-US" dirty="0"/>
+                        <a:rPr lang="en-US" sz="2300"/>
                         <a:t>Tesla</a:t>
                       </a:r>
                     </a:p>
                   </a:txBody>
-                  <a:tcPr/>
+                  <a:tcPr marL="114659" marR="114659" marT="57330" marB="57330"/>
                 </a:tc>
                 <a:tc>
                   <a:txBody>
@@ -3561,12 +6281,12 @@
                     <a:lstStyle/>
                     <a:p>
                       <a:r>
-                        <a:rPr lang="en-US" dirty="0"/>
+                        <a:rPr lang="en-US" sz="2300"/>
                         <a:t>TSLA</a:t>
                       </a:r>
                     </a:p>
                   </a:txBody>
-                  <a:tcPr/>
+                  <a:tcPr marL="114659" marR="114659" marT="57330" marB="57330"/>
                 </a:tc>
                 <a:extLst>
                   <a:ext uri="{0D108BD9-81ED-4DB2-BD59-A6C34878D82A}">
@@ -3574,19 +6294,19 @@
                   </a:ext>
                 </a:extLst>
               </a:tr>
-              <a:tr h="298143">
+              <a:tr h="504500">
                 <a:tc>
                   <a:txBody>
                     <a:bodyPr/>
                     <a:lstStyle/>
                     <a:p>
                       <a:r>
-                        <a:rPr lang="en-US" dirty="0"/>
+                        <a:rPr lang="en-US" sz="2300"/>
                         <a:t>Microsoft</a:t>
                       </a:r>
                     </a:p>
                   </a:txBody>
-                  <a:tcPr/>
+                  <a:tcPr marL="114659" marR="114659" marT="57330" marB="57330"/>
                 </a:tc>
                 <a:tc>
                   <a:txBody>
@@ -3594,12 +6314,12 @@
                     <a:lstStyle/>
                     <a:p>
                       <a:r>
-                        <a:rPr lang="en-US" dirty="0"/>
+                        <a:rPr lang="en-US" sz="2300"/>
                         <a:t>MSFT</a:t>
                       </a:r>
                     </a:p>
                   </a:txBody>
-                  <a:tcPr/>
+                  <a:tcPr marL="114659" marR="114659" marT="57330" marB="57330"/>
                 </a:tc>
                 <a:extLst>
                   <a:ext uri="{0D108BD9-81ED-4DB2-BD59-A6C34878D82A}">
@@ -3607,19 +6327,19 @@
                   </a:ext>
                 </a:extLst>
               </a:tr>
-              <a:tr h="298143">
+              <a:tr h="504500">
                 <a:tc>
                   <a:txBody>
                     <a:bodyPr/>
                     <a:lstStyle/>
                     <a:p>
                       <a:r>
-                        <a:rPr lang="en-US" dirty="0"/>
+                        <a:rPr lang="en-US" sz="2300"/>
                         <a:t>Netflix</a:t>
                       </a:r>
                     </a:p>
                   </a:txBody>
-                  <a:tcPr/>
+                  <a:tcPr marL="114659" marR="114659" marT="57330" marB="57330"/>
                 </a:tc>
                 <a:tc>
                   <a:txBody>
@@ -3627,12 +6347,12 @@
                     <a:lstStyle/>
                     <a:p>
                       <a:r>
-                        <a:rPr lang="en-US" dirty="0"/>
+                        <a:rPr lang="en-US" sz="2300"/>
                         <a:t>NFLX</a:t>
                       </a:r>
                     </a:p>
                   </a:txBody>
-                  <a:tcPr/>
+                  <a:tcPr marL="114659" marR="114659" marT="57330" marB="57330"/>
                 </a:tc>
                 <a:extLst>
                   <a:ext uri="{0D108BD9-81ED-4DB2-BD59-A6C34878D82A}">
@@ -3640,19 +6360,19 @@
                   </a:ext>
                 </a:extLst>
               </a:tr>
-              <a:tr h="298143">
+              <a:tr h="504500">
                 <a:tc>
                   <a:txBody>
                     <a:bodyPr/>
                     <a:lstStyle/>
                     <a:p>
                       <a:r>
-                        <a:rPr lang="en-US" dirty="0"/>
+                        <a:rPr lang="en-US" sz="2300"/>
                         <a:t>Meta</a:t>
                       </a:r>
                     </a:p>
                   </a:txBody>
-                  <a:tcPr/>
+                  <a:tcPr marL="114659" marR="114659" marT="57330" marB="57330"/>
                 </a:tc>
                 <a:tc>
                   <a:txBody>
@@ -3660,12 +6380,12 @@
                     <a:lstStyle/>
                     <a:p>
                       <a:r>
-                        <a:rPr lang="en-US" dirty="0"/>
+                        <a:rPr lang="en-US" sz="2300"/>
                         <a:t>META</a:t>
                       </a:r>
                     </a:p>
                   </a:txBody>
-                  <a:tcPr/>
+                  <a:tcPr marL="114659" marR="114659" marT="57330" marB="57330"/>
                 </a:tc>
                 <a:extLst>
                   <a:ext uri="{0D108BD9-81ED-4DB2-BD59-A6C34878D82A}">
@@ -3673,19 +6393,19 @@
                   </a:ext>
                 </a:extLst>
               </a:tr>
-              <a:tr h="298143">
+              <a:tr h="504500">
                 <a:tc>
                   <a:txBody>
                     <a:bodyPr/>
                     <a:lstStyle/>
                     <a:p>
                       <a:r>
-                        <a:rPr lang="en-US" dirty="0"/>
+                        <a:rPr lang="en-US" sz="2300"/>
                         <a:t>Google</a:t>
                       </a:r>
                     </a:p>
                   </a:txBody>
-                  <a:tcPr/>
+                  <a:tcPr marL="114659" marR="114659" marT="57330" marB="57330"/>
                 </a:tc>
                 <a:tc>
                   <a:txBody>
@@ -3693,12 +6413,12 @@
                     <a:lstStyle/>
                     <a:p>
                       <a:r>
-                        <a:rPr lang="en-US" dirty="0"/>
+                        <a:rPr lang="en-US" sz="2300"/>
                         <a:t>GOOG</a:t>
                       </a:r>
                     </a:p>
                   </a:txBody>
-                  <a:tcPr/>
+                  <a:tcPr marL="114659" marR="114659" marT="57330" marB="57330"/>
                 </a:tc>
                 <a:extLst>
                   <a:ext uri="{0D108BD9-81ED-4DB2-BD59-A6C34878D82A}">
@@ -3706,19 +6426,19 @@
                   </a:ext>
                 </a:extLst>
               </a:tr>
-              <a:tr h="298143">
+              <a:tr h="504500">
                 <a:tc>
                   <a:txBody>
                     <a:bodyPr/>
                     <a:lstStyle/>
                     <a:p>
                       <a:r>
-                        <a:rPr lang="en-US" dirty="0"/>
+                        <a:rPr lang="en-US" sz="2300"/>
                         <a:t>NVDIA</a:t>
                       </a:r>
                     </a:p>
                   </a:txBody>
-                  <a:tcPr/>
+                  <a:tcPr marL="114659" marR="114659" marT="57330" marB="57330"/>
                 </a:tc>
                 <a:tc>
                   <a:txBody>
@@ -3726,12 +6446,12 @@
                     <a:lstStyle/>
                     <a:p>
                       <a:r>
-                        <a:rPr lang="en-US" dirty="0"/>
+                        <a:rPr lang="en-US" sz="2300"/>
                         <a:t>NVDA</a:t>
                       </a:r>
                     </a:p>
                   </a:txBody>
-                  <a:tcPr/>
+                  <a:tcPr marL="114659" marR="114659" marT="57330" marB="57330"/>
                 </a:tc>
                 <a:extLst>
                   <a:ext uri="{0D108BD9-81ED-4DB2-BD59-A6C34878D82A}">
@@ -3759,6 +6479,14 @@
 <file path=ppt/slides/slide2.xml><?xml version="1.0" encoding="utf-8"?>
 <p:sld xmlns:a="http://schemas.openxmlformats.org/drawingml/2006/main" xmlns:r="http://schemas.openxmlformats.org/officeDocument/2006/relationships" xmlns:p="http://schemas.openxmlformats.org/presentationml/2006/main">
   <p:cSld>
+    <p:bg>
+      <p:bgPr>
+        <a:solidFill>
+          <a:schemeClr val="bg1"/>
+        </a:solidFill>
+        <a:effectLst/>
+      </p:bgPr>
+    </p:bg>
     <p:spTree>
       <p:nvGrpSpPr>
         <p:cNvPr id="1" name=""/>
@@ -3773,6 +6501,308 @@
           <a:chExt cx="0" cy="0"/>
         </a:xfrm>
       </p:grpSpPr>
+      <p:sp useBgFill="1">
+        <p:nvSpPr>
+          <p:cNvPr id="28" name="Rectangle 27">
+            <a:extLst>
+              <a:ext uri="{FF2B5EF4-FFF2-40B4-BE49-F238E27FC236}">
+                <a16:creationId xmlns:a16="http://schemas.microsoft.com/office/drawing/2014/main" id="{BACC6370-2D7E-4714-9D71-7542949D7D5D}"/>
+              </a:ext>
+              <a:ext uri="{C183D7F6-B498-43B3-948B-1728B52AA6E4}">
+                <adec:decorative xmlns:adec="http://schemas.microsoft.com/office/drawing/2017/decorative" val="1"/>
+              </a:ext>
+            </a:extLst>
+          </p:cNvPr>
+          <p:cNvSpPr>
+            <a:spLocks noGrp="1" noRot="1" noChangeAspect="1" noMove="1" noResize="1" noEditPoints="1" noAdjustHandles="1" noChangeArrowheads="1" noChangeShapeType="1" noTextEdit="1"/>
+          </p:cNvSpPr>
+          <p:nvPr>
+            <p:extLst>
+              <p:ext uri="{386F3935-93C4-4BCD-93E2-E3B085C9AB24}">
+                <p16:designElem xmlns:p16="http://schemas.microsoft.com/office/powerpoint/2015/main" val="1"/>
+              </p:ext>
+            </p:extLst>
+          </p:nvPr>
+        </p:nvSpPr>
+        <p:spPr>
+          <a:xfrm>
+            <a:off x="0" y="0"/>
+            <a:ext cx="12192000" cy="6858000"/>
+          </a:xfrm>
+          <a:prstGeom prst="rect">
+            <a:avLst/>
+          </a:prstGeom>
+          <a:ln w="12700" cap="flat" cmpd="sng" algn="ctr">
+            <a:noFill/>
+            <a:prstDash val="solid"/>
+            <a:miter lim="800000"/>
+          </a:ln>
+          <a:effectLst/>
+          <a:extLst>
+            <a:ext uri="{91240B29-F687-4F45-9708-019B960494DF}">
+              <a14:hiddenLine xmlns:a14="http://schemas.microsoft.com/office/drawing/2010/main" w="12700" cap="flat" cmpd="sng" algn="ctr">
+                <a:solidFill>
+                  <a:schemeClr val="accent1">
+                    <a:shade val="50000"/>
+                  </a:schemeClr>
+                </a:solidFill>
+                <a:prstDash val="solid"/>
+                <a:miter lim="800000"/>
+              </a14:hiddenLine>
+            </a:ext>
+          </a:extLst>
+        </p:spPr>
+        <p:style>
+          <a:lnRef idx="2">
+            <a:schemeClr val="accent1">
+              <a:shade val="50000"/>
+            </a:schemeClr>
+          </a:lnRef>
+          <a:fillRef idx="1">
+            <a:schemeClr val="accent1"/>
+          </a:fillRef>
+          <a:effectRef idx="0">
+            <a:schemeClr val="accent1"/>
+          </a:effectRef>
+          <a:fontRef idx="minor">
+            <a:schemeClr val="lt1"/>
+          </a:fontRef>
+        </p:style>
+        <p:txBody>
+          <a:bodyPr rtlCol="0" anchor="ctr"/>
+          <a:lstStyle/>
+          <a:p>
+            <a:pPr algn="ctr"/>
+            <a:endParaRPr lang="en-US"/>
+          </a:p>
+        </p:txBody>
+      </p:sp>
+      <p:sp>
+        <p:nvSpPr>
+          <p:cNvPr id="30" name="Rectangle 29">
+            <a:extLst>
+              <a:ext uri="{FF2B5EF4-FFF2-40B4-BE49-F238E27FC236}">
+                <a16:creationId xmlns:a16="http://schemas.microsoft.com/office/drawing/2014/main" id="{F68B3F68-107C-434F-AA38-110D5EA91B85}"/>
+              </a:ext>
+              <a:ext uri="{C183D7F6-B498-43B3-948B-1728B52AA6E4}">
+                <adec:decorative xmlns:adec="http://schemas.microsoft.com/office/drawing/2017/decorative" val="1"/>
+              </a:ext>
+            </a:extLst>
+          </p:cNvPr>
+          <p:cNvSpPr>
+            <a:spLocks noGrp="1" noRot="1" noChangeAspect="1" noMove="1" noResize="1" noEditPoints="1" noAdjustHandles="1" noChangeArrowheads="1" noChangeShapeType="1" noTextEdit="1"/>
+          </p:cNvSpPr>
+          <p:nvPr>
+            <p:extLst>
+              <p:ext uri="{386F3935-93C4-4BCD-93E2-E3B085C9AB24}">
+                <p16:designElem xmlns:p16="http://schemas.microsoft.com/office/powerpoint/2015/main" val="1"/>
+              </p:ext>
+            </p:extLst>
+          </p:nvPr>
+        </p:nvSpPr>
+        <p:spPr>
+          <a:xfrm flipH="1">
+            <a:off x="2" y="0"/>
+            <a:ext cx="12191998" cy="1575955"/>
+          </a:xfrm>
+          <a:prstGeom prst="rect">
+            <a:avLst/>
+          </a:prstGeom>
+          <a:gradFill>
+            <a:gsLst>
+              <a:gs pos="0">
+                <a:srgbClr val="000000">
+                  <a:alpha val="96000"/>
+                </a:srgbClr>
+              </a:gs>
+              <a:gs pos="100000">
+                <a:schemeClr val="accent1">
+                  <a:lumMod val="75000"/>
+                </a:schemeClr>
+              </a:gs>
+            </a:gsLst>
+            <a:lin ang="8400000" scaled="0"/>
+          </a:gradFill>
+          <a:ln>
+            <a:noFill/>
+          </a:ln>
+        </p:spPr>
+        <p:style>
+          <a:lnRef idx="2">
+            <a:schemeClr val="accent1">
+              <a:shade val="50000"/>
+            </a:schemeClr>
+          </a:lnRef>
+          <a:fillRef idx="1">
+            <a:schemeClr val="accent1"/>
+          </a:fillRef>
+          <a:effectRef idx="0">
+            <a:schemeClr val="accent1"/>
+          </a:effectRef>
+          <a:fontRef idx="minor">
+            <a:schemeClr val="lt1"/>
+          </a:fontRef>
+        </p:style>
+        <p:txBody>
+          <a:bodyPr rtlCol="0" anchor="ctr"/>
+          <a:lstStyle/>
+          <a:p>
+            <a:pPr algn="ctr"/>
+            <a:endParaRPr lang="en-US"/>
+          </a:p>
+        </p:txBody>
+      </p:sp>
+      <p:sp>
+        <p:nvSpPr>
+          <p:cNvPr id="35" name="Rectangle 34">
+            <a:extLst>
+              <a:ext uri="{FF2B5EF4-FFF2-40B4-BE49-F238E27FC236}">
+                <a16:creationId xmlns:a16="http://schemas.microsoft.com/office/drawing/2014/main" id="{AAD0DBB9-1A4B-4391-81D4-CB19F9AB918A}"/>
+              </a:ext>
+              <a:ext uri="{C183D7F6-B498-43B3-948B-1728B52AA6E4}">
+                <adec:decorative xmlns:adec="http://schemas.microsoft.com/office/drawing/2017/decorative" val="1"/>
+              </a:ext>
+            </a:extLst>
+          </p:cNvPr>
+          <p:cNvSpPr>
+            <a:spLocks noGrp="1" noRot="1" noChangeAspect="1" noMove="1" noResize="1" noEditPoints="1" noAdjustHandles="1" noChangeArrowheads="1" noChangeShapeType="1" noTextEdit="1"/>
+          </p:cNvSpPr>
+          <p:nvPr>
+            <p:extLst>
+              <p:ext uri="{386F3935-93C4-4BCD-93E2-E3B085C9AB24}">
+                <p16:designElem xmlns:p16="http://schemas.microsoft.com/office/powerpoint/2015/main" val="1"/>
+              </p:ext>
+            </p:extLst>
+          </p:nvPr>
+        </p:nvSpPr>
+        <p:spPr>
+          <a:xfrm rot="10800000" flipH="1">
+            <a:off x="8128857" y="0"/>
+            <a:ext cx="4063143" cy="1576412"/>
+          </a:xfrm>
+          <a:prstGeom prst="rect">
+            <a:avLst/>
+          </a:prstGeom>
+          <a:gradFill>
+            <a:gsLst>
+              <a:gs pos="19000">
+                <a:schemeClr val="accent1">
+                  <a:lumMod val="50000"/>
+                  <a:alpha val="68000"/>
+                </a:schemeClr>
+              </a:gs>
+              <a:gs pos="100000">
+                <a:schemeClr val="accent1">
+                  <a:alpha val="79000"/>
+                </a:schemeClr>
+              </a:gs>
+            </a:gsLst>
+            <a:lin ang="19200000" scaled="0"/>
+          </a:gradFill>
+          <a:ln>
+            <a:noFill/>
+          </a:ln>
+        </p:spPr>
+        <p:style>
+          <a:lnRef idx="2">
+            <a:schemeClr val="accent1">
+              <a:shade val="50000"/>
+            </a:schemeClr>
+          </a:lnRef>
+          <a:fillRef idx="1">
+            <a:schemeClr val="accent1"/>
+          </a:fillRef>
+          <a:effectRef idx="0">
+            <a:schemeClr val="accent1"/>
+          </a:effectRef>
+          <a:fontRef idx="minor">
+            <a:schemeClr val="lt1"/>
+          </a:fontRef>
+        </p:style>
+        <p:txBody>
+          <a:bodyPr rtlCol="0" anchor="ctr"/>
+          <a:lstStyle/>
+          <a:p>
+            <a:pPr algn="ctr"/>
+            <a:endParaRPr lang="en-US"/>
+          </a:p>
+        </p:txBody>
+      </p:sp>
+      <p:sp>
+        <p:nvSpPr>
+          <p:cNvPr id="34" name="Rectangle 33">
+            <a:extLst>
+              <a:ext uri="{FF2B5EF4-FFF2-40B4-BE49-F238E27FC236}">
+                <a16:creationId xmlns:a16="http://schemas.microsoft.com/office/drawing/2014/main" id="{063BBA22-50EA-4C4D-BE05-F1CE4E63AA56}"/>
+              </a:ext>
+              <a:ext uri="{C183D7F6-B498-43B3-948B-1728B52AA6E4}">
+                <adec:decorative xmlns:adec="http://schemas.microsoft.com/office/drawing/2017/decorative" val="1"/>
+              </a:ext>
+            </a:extLst>
+          </p:cNvPr>
+          <p:cNvSpPr>
+            <a:spLocks noGrp="1" noRot="1" noChangeAspect="1" noMove="1" noResize="1" noEditPoints="1" noAdjustHandles="1" noChangeArrowheads="1" noChangeShapeType="1" noTextEdit="1"/>
+          </p:cNvSpPr>
+          <p:nvPr>
+            <p:extLst>
+              <p:ext uri="{386F3935-93C4-4BCD-93E2-E3B085C9AB24}">
+                <p16:designElem xmlns:p16="http://schemas.microsoft.com/office/powerpoint/2015/main" val="1"/>
+              </p:ext>
+            </p:extLst>
+          </p:nvPr>
+        </p:nvSpPr>
+        <p:spPr>
+          <a:xfrm rot="5400000">
+            <a:off x="5307777" y="-5307778"/>
+            <a:ext cx="1576446" cy="12192002"/>
+          </a:xfrm>
+          <a:prstGeom prst="rect">
+            <a:avLst/>
+          </a:prstGeom>
+          <a:gradFill>
+            <a:gsLst>
+              <a:gs pos="23000">
+                <a:schemeClr val="accent1">
+                  <a:alpha val="0"/>
+                </a:schemeClr>
+              </a:gs>
+              <a:gs pos="99000">
+                <a:srgbClr val="000000">
+                  <a:alpha val="74000"/>
+                </a:srgbClr>
+              </a:gs>
+            </a:gsLst>
+            <a:lin ang="20400000" scaled="0"/>
+          </a:gradFill>
+          <a:ln>
+            <a:noFill/>
+          </a:ln>
+        </p:spPr>
+        <p:style>
+          <a:lnRef idx="2">
+            <a:schemeClr val="accent1">
+              <a:shade val="50000"/>
+            </a:schemeClr>
+          </a:lnRef>
+          <a:fillRef idx="1">
+            <a:schemeClr val="accent1"/>
+          </a:fillRef>
+          <a:effectRef idx="0">
+            <a:schemeClr val="accent1"/>
+          </a:effectRef>
+          <a:fontRef idx="minor">
+            <a:schemeClr val="lt1"/>
+          </a:fontRef>
+        </p:style>
+        <p:txBody>
+          <a:bodyPr rtlCol="0" anchor="ctr"/>
+          <a:lstStyle/>
+          <a:p>
+            <a:pPr algn="ctr"/>
+            <a:endParaRPr lang="en-US" dirty="0"/>
+          </a:p>
+        </p:txBody>
+      </p:sp>
       <p:sp>
         <p:nvSpPr>
           <p:cNvPr id="2" name="Title 1">
@@ -3791,18 +6821,26 @@
         </p:nvSpPr>
         <p:spPr>
           <a:xfrm>
-            <a:off x="1524000" y="112481"/>
-            <a:ext cx="9144000" cy="541845"/>
+            <a:off x="1371597" y="348865"/>
+            <a:ext cx="10044023" cy="877729"/>
           </a:xfrm>
         </p:spPr>
         <p:txBody>
-          <a:bodyPr>
-            <a:noAutofit/>
+          <a:bodyPr vert="horz" lIns="91440" tIns="45720" rIns="91440" bIns="45720" rtlCol="0" anchor="ctr">
+            <a:normAutofit/>
           </a:bodyPr>
           <a:lstStyle/>
           <a:p>
+            <a:pPr algn="l"/>
             <a:r>
-              <a:rPr lang="en-US" sz="3200" b="1" dirty="0"/>
+              <a:rPr lang="en-US" sz="4000" b="1" kern="1200">
+                <a:solidFill>
+                  <a:srgbClr val="FFFFFF"/>
+                </a:solidFill>
+                <a:latin typeface="+mj-lt"/>
+                <a:ea typeface="+mj-ea"/>
+                <a:cs typeface="+mj-cs"/>
+              </a:rPr>
               <a:t>STOCK MARKET INTERACTIVE DASHBOARD </a:t>
             </a:r>
           </a:p>
@@ -3822,8 +6860,8 @@
         </p:nvSpPr>
         <p:spPr>
           <a:xfrm>
-            <a:off x="868680" y="950976"/>
-            <a:ext cx="1947672" cy="1572768"/>
+            <a:off x="1517052" y="2343154"/>
+            <a:ext cx="1754019" cy="1416391"/>
           </a:xfrm>
           <a:prstGeom prst="roundRect">
             <a:avLst/>
@@ -3849,18 +6887,45 @@
           <a:bodyPr rtlCol="0" anchor="ctr"/>
           <a:lstStyle/>
           <a:p>
-            <a:pPr algn="ctr"/>
+            <a:pPr algn="ctr" defTabSz="822960">
+              <a:spcAft>
+                <a:spcPts val="600"/>
+              </a:spcAft>
+            </a:pPr>
             <a:r>
-              <a:rPr lang="en-US" sz="1400" b="1" dirty="0"/>
+              <a:rPr lang="en-US" sz="1260" b="1" kern="1200" dirty="0">
+                <a:solidFill>
+                  <a:schemeClr val="bg1"/>
+                </a:solidFill>
+                <a:latin typeface="+mn-lt"/>
+                <a:ea typeface="+mn-ea"/>
+                <a:cs typeface="+mn-cs"/>
+              </a:rPr>
               <a:t>Drop Down Menu for user</a:t>
             </a:r>
           </a:p>
           <a:p>
-            <a:pPr algn="ctr"/>
+            <a:pPr algn="ctr" defTabSz="822960">
+              <a:spcAft>
+                <a:spcPts val="600"/>
+              </a:spcAft>
+            </a:pPr>
             <a:r>
-              <a:rPr lang="en-US" sz="1200" dirty="0"/>
+              <a:rPr lang="en-US" sz="1080" kern="1200" dirty="0">
+                <a:solidFill>
+                  <a:schemeClr val="bg1"/>
+                </a:solidFill>
+                <a:latin typeface="+mn-lt"/>
+                <a:ea typeface="+mn-ea"/>
+                <a:cs typeface="+mn-cs"/>
+              </a:rPr>
               <a:t>Select the stock you want to see the performance for</a:t>
             </a:r>
+            <a:endParaRPr lang="en-US" sz="1200" dirty="0">
+              <a:solidFill>
+                <a:schemeClr val="bg1"/>
+              </a:solidFill>
+            </a:endParaRPr>
           </a:p>
         </p:txBody>
       </p:sp>
@@ -3874,16 +6939,14 @@
             </a:extLst>
           </p:cNvPr>
           <p:cNvSpPr>
-            <a:spLocks noGrp="1"/>
+            <a:spLocks/>
           </p:cNvSpPr>
-          <p:nvPr>
-            <p:ph type="subTitle" idx="1"/>
-          </p:nvPr>
+          <p:nvPr/>
         </p:nvSpPr>
         <p:spPr>
           <a:xfrm>
-            <a:off x="932688" y="3246589"/>
-            <a:ext cx="1947672" cy="1572768"/>
+            <a:off x="1574696" y="4410519"/>
+            <a:ext cx="1754019" cy="1416391"/>
           </a:xfrm>
           <a:prstGeom prst="roundRect">
             <a:avLst/>
@@ -3907,22 +6970,55 @@
         </p:style>
         <p:txBody>
           <a:bodyPr rtlCol="0" anchor="ctr">
-            <a:normAutofit fontScale="92500" lnSpcReduction="10000"/>
+            <a:normAutofit fontScale="77500" lnSpcReduction="20000"/>
           </a:bodyPr>
           <a:lstStyle/>
           <a:p>
-            <a:pPr algn="ctr"/>
+            <a:pPr algn="ctr" defTabSz="822960">
+              <a:lnSpc>
+                <a:spcPct val="90000"/>
+              </a:lnSpc>
+              <a:spcAft>
+                <a:spcPts val="600"/>
+              </a:spcAft>
+            </a:pPr>
             <a:r>
-              <a:rPr lang="en-US" sz="1500" b="1" dirty="0"/>
+              <a:rPr lang="en-US" sz="1500" b="1" kern="1200" dirty="0">
+                <a:solidFill>
+                  <a:schemeClr val="bg1"/>
+                </a:solidFill>
+                <a:latin typeface="+mn-lt"/>
+                <a:ea typeface="+mn-ea"/>
+                <a:cs typeface="+mn-cs"/>
+              </a:rPr>
               <a:t>Drop down with inputs to select multiple stocks at the same time</a:t>
             </a:r>
           </a:p>
           <a:p>
-            <a:pPr algn="ctr"/>
+            <a:pPr algn="ctr" defTabSz="822960">
+              <a:lnSpc>
+                <a:spcPct val="90000"/>
+              </a:lnSpc>
+              <a:spcAft>
+                <a:spcPts val="600"/>
+              </a:spcAft>
+            </a:pPr>
             <a:r>
-              <a:rPr lang="en-US" sz="1300" dirty="0"/>
+              <a:rPr lang="en-US" sz="1500" kern="1200" dirty="0">
+                <a:solidFill>
+                  <a:schemeClr val="bg1"/>
+                </a:solidFill>
+                <a:latin typeface="+mn-lt"/>
+                <a:ea typeface="+mn-ea"/>
+                <a:cs typeface="+mn-cs"/>
+              </a:rPr>
               <a:t>Select the stocks you want to compare performance for</a:t>
             </a:r>
+            <a:endParaRPr lang="en-US" sz="1500" dirty="0">
+              <a:solidFill>
+                <a:schemeClr val="bg1"/>
+              </a:solidFill>
+            </a:endParaRPr>
           </a:p>
         </p:txBody>
       </p:sp>
@@ -3935,13 +7031,15 @@
               </a:ext>
             </a:extLst>
           </p:cNvPr>
-          <p:cNvCxnSpPr/>
+          <p:cNvCxnSpPr>
+            <a:cxnSpLocks/>
+          </p:cNvCxnSpPr>
           <p:nvPr/>
         </p:nvCxnSpPr>
         <p:spPr>
           <a:xfrm>
-            <a:off x="7104888" y="694944"/>
-            <a:ext cx="0" cy="1819656"/>
+            <a:off x="7133206" y="2112579"/>
+            <a:ext cx="0" cy="1638731"/>
           </a:xfrm>
           <a:prstGeom prst="line">
             <a:avLst/>
@@ -3978,8 +7076,8 @@
         </p:nvCxnSpPr>
         <p:spPr>
           <a:xfrm>
-            <a:off x="7114032" y="2487168"/>
-            <a:ext cx="3685032" cy="0"/>
+            <a:off x="7141441" y="3726606"/>
+            <a:ext cx="3318637" cy="0"/>
           </a:xfrm>
           <a:prstGeom prst="line">
             <a:avLst/>
@@ -4009,13 +7107,15 @@
               </a:ext>
             </a:extLst>
           </p:cNvPr>
-          <p:cNvCxnSpPr/>
+          <p:cNvCxnSpPr>
+            <a:cxnSpLocks/>
+          </p:cNvCxnSpPr>
           <p:nvPr/>
         </p:nvCxnSpPr>
         <p:spPr>
           <a:xfrm>
-            <a:off x="7114032" y="3036063"/>
-            <a:ext cx="0" cy="1819656"/>
+            <a:off x="7141441" y="4220925"/>
+            <a:ext cx="0" cy="1638731"/>
           </a:xfrm>
           <a:prstGeom prst="line">
             <a:avLst/>
@@ -4052,8 +7152,8 @@
         </p:nvCxnSpPr>
         <p:spPr>
           <a:xfrm>
-            <a:off x="7123176" y="4828287"/>
-            <a:ext cx="3941064" cy="0"/>
+            <a:off x="7149676" y="5834952"/>
+            <a:ext cx="3549212" cy="0"/>
           </a:xfrm>
           <a:prstGeom prst="line">
             <a:avLst/>
@@ -4088,8 +7188,8 @@
         </p:nvSpPr>
         <p:spPr>
           <a:xfrm>
-            <a:off x="8122919" y="2590141"/>
-            <a:ext cx="1581912" cy="310888"/>
+            <a:off x="8050017" y="3819340"/>
+            <a:ext cx="1424626" cy="279977"/>
           </a:xfrm>
           <a:prstGeom prst="rect">
             <a:avLst/>
@@ -4118,15 +7218,27 @@
           <a:bodyPr rtlCol="0" anchor="ctr"/>
           <a:lstStyle/>
           <a:p>
-            <a:pPr algn="ctr"/>
+            <a:pPr algn="ctr" defTabSz="822960">
+              <a:spcAft>
+                <a:spcPts val="600"/>
+              </a:spcAft>
+            </a:pPr>
             <a:r>
-              <a:rPr lang="en-US" b="1" dirty="0">
+              <a:rPr lang="en-US" sz="1620" b="1" kern="1200">
                 <a:solidFill>
                   <a:schemeClr val="tx1"/>
                 </a:solidFill>
+                <a:latin typeface="+mn-lt"/>
+                <a:ea typeface="+mn-ea"/>
+                <a:cs typeface="+mn-cs"/>
               </a:rPr>
               <a:t>YEARS</a:t>
             </a:r>
+            <a:endParaRPr lang="en-US" b="1">
+              <a:solidFill>
+                <a:schemeClr val="tx1"/>
+              </a:solidFill>
+            </a:endParaRPr>
           </a:p>
         </p:txBody>
       </p:sp>
@@ -4144,8 +7256,8 @@
         </p:nvSpPr>
         <p:spPr>
           <a:xfrm>
-            <a:off x="6446519" y="1111638"/>
-            <a:ext cx="557785" cy="1112177"/>
+            <a:off x="6540298" y="2487842"/>
+            <a:ext cx="502326" cy="1001596"/>
           </a:xfrm>
           <a:prstGeom prst="rect">
             <a:avLst/>
@@ -4174,15 +7286,27 @@
           <a:bodyPr vert="vert" rtlCol="0" anchor="ctr"/>
           <a:lstStyle/>
           <a:p>
-            <a:pPr algn="ctr"/>
+            <a:pPr algn="ctr" defTabSz="822960">
+              <a:spcAft>
+                <a:spcPts val="600"/>
+              </a:spcAft>
+            </a:pPr>
             <a:r>
-              <a:rPr lang="en-US" b="1" dirty="0">
+              <a:rPr lang="en-US" sz="1620" b="1" kern="1200">
                 <a:solidFill>
                   <a:schemeClr val="tx1"/>
                 </a:solidFill>
+                <a:latin typeface="+mn-lt"/>
+                <a:ea typeface="+mn-ea"/>
+                <a:cs typeface="+mn-cs"/>
               </a:rPr>
               <a:t>STOCK PRICE</a:t>
             </a:r>
+            <a:endParaRPr lang="en-US" b="1">
+              <a:solidFill>
+                <a:schemeClr val="tx1"/>
+              </a:solidFill>
+            </a:endParaRPr>
           </a:p>
         </p:txBody>
       </p:sp>
@@ -4200,8 +7324,8 @@
         </p:nvSpPr>
         <p:spPr>
           <a:xfrm>
-            <a:off x="8165592" y="5039769"/>
-            <a:ext cx="1581912" cy="310888"/>
+            <a:off x="8088447" y="6025407"/>
+            <a:ext cx="1424626" cy="279977"/>
           </a:xfrm>
           <a:prstGeom prst="rect">
             <a:avLst/>
@@ -4230,15 +7354,27 @@
           <a:bodyPr rtlCol="0" anchor="ctr"/>
           <a:lstStyle/>
           <a:p>
-            <a:pPr algn="ctr"/>
+            <a:pPr algn="ctr" defTabSz="822960">
+              <a:spcAft>
+                <a:spcPts val="600"/>
+              </a:spcAft>
+            </a:pPr>
             <a:r>
-              <a:rPr lang="en-US" b="1" dirty="0">
+              <a:rPr lang="en-US" sz="1620" b="1" kern="1200">
                 <a:solidFill>
                   <a:schemeClr val="tx1"/>
                 </a:solidFill>
+                <a:latin typeface="+mn-lt"/>
+                <a:ea typeface="+mn-ea"/>
+                <a:cs typeface="+mn-cs"/>
               </a:rPr>
               <a:t>YEARS</a:t>
             </a:r>
+            <a:endParaRPr lang="en-US" b="1">
+              <a:solidFill>
+                <a:schemeClr val="tx1"/>
+              </a:solidFill>
+            </a:endParaRPr>
           </a:p>
         </p:txBody>
       </p:sp>
@@ -4256,8 +7392,8 @@
         </p:nvSpPr>
         <p:spPr>
           <a:xfrm>
-            <a:off x="6202682" y="3026178"/>
-            <a:ext cx="801622" cy="2013591"/>
+            <a:off x="6320705" y="4212023"/>
+            <a:ext cx="721918" cy="1813384"/>
           </a:xfrm>
           <a:prstGeom prst="rect">
             <a:avLst/>
@@ -4286,15 +7422,27 @@
           <a:bodyPr vert="vert" rtlCol="0" anchor="ctr"/>
           <a:lstStyle/>
           <a:p>
-            <a:pPr algn="ctr"/>
+            <a:pPr algn="ctr" defTabSz="822960">
+              <a:spcAft>
+                <a:spcPts val="600"/>
+              </a:spcAft>
+            </a:pPr>
             <a:r>
-              <a:rPr lang="en-US" b="1" dirty="0">
+              <a:rPr lang="en-US" sz="1620" b="1" kern="1200">
                 <a:solidFill>
                   <a:schemeClr val="tx1"/>
                 </a:solidFill>
+                <a:latin typeface="+mn-lt"/>
+                <a:ea typeface="+mn-ea"/>
+                <a:cs typeface="+mn-cs"/>
               </a:rPr>
               <a:t>$1000 Investment results</a:t>
             </a:r>
+            <a:endParaRPr lang="en-US" b="1">
+              <a:solidFill>
+                <a:schemeClr val="tx1"/>
+              </a:solidFill>
+            </a:endParaRPr>
           </a:p>
         </p:txBody>
       </p:sp>
@@ -4312,8 +7460,8 @@
         </p:nvSpPr>
         <p:spPr>
           <a:xfrm>
-            <a:off x="7251192" y="1260217"/>
-            <a:ext cx="3132995" cy="1175495"/>
+            <a:off x="7264964" y="2621648"/>
+            <a:ext cx="2821488" cy="1058618"/>
           </a:xfrm>
           <a:custGeom>
             <a:avLst/>
@@ -4487,8 +7635,8 @@
         </p:nvSpPr>
         <p:spPr>
           <a:xfrm>
-            <a:off x="7217665" y="3476886"/>
-            <a:ext cx="3132995" cy="1175495"/>
+            <a:off x="7234770" y="4617918"/>
+            <a:ext cx="2821488" cy="1058618"/>
           </a:xfrm>
           <a:custGeom>
             <a:avLst/>
@@ -4662,8 +7810,8 @@
         </p:nvSpPr>
         <p:spPr>
           <a:xfrm>
-            <a:off x="7296912" y="3750554"/>
-            <a:ext cx="3072384" cy="1004356"/>
+            <a:off x="7306138" y="4864376"/>
+            <a:ext cx="2766903" cy="904495"/>
           </a:xfrm>
           <a:custGeom>
             <a:avLst/>
@@ -4874,6 +8022,1898 @@
     <p:extLst>
       <p:ext uri="{BB962C8B-B14F-4D97-AF65-F5344CB8AC3E}">
         <p14:creationId xmlns:p14="http://schemas.microsoft.com/office/powerpoint/2010/main" val="2786510326"/>
+      </p:ext>
+    </p:extLst>
+  </p:cSld>
+  <p:clrMapOvr>
+    <a:masterClrMapping/>
+  </p:clrMapOvr>
+</p:sld>
+</file>
+
+<file path=ppt/slides/slide3.xml><?xml version="1.0" encoding="utf-8"?>
+<p:sld xmlns:a="http://schemas.openxmlformats.org/drawingml/2006/main" xmlns:r="http://schemas.openxmlformats.org/officeDocument/2006/relationships" xmlns:p="http://schemas.openxmlformats.org/presentationml/2006/main">
+  <p:cSld>
+    <p:spTree>
+      <p:nvGrpSpPr>
+        <p:cNvPr id="1" name=""/>
+        <p:cNvGrpSpPr/>
+        <p:nvPr/>
+      </p:nvGrpSpPr>
+      <p:grpSpPr>
+        <a:xfrm>
+          <a:off x="0" y="0"/>
+          <a:ext cx="0" cy="0"/>
+          <a:chOff x="0" y="0"/>
+          <a:chExt cx="0" cy="0"/>
+        </a:xfrm>
+      </p:grpSpPr>
+      <p:sp>
+        <p:nvSpPr>
+          <p:cNvPr id="2" name="Title 1">
+            <a:extLst>
+              <a:ext uri="{FF2B5EF4-FFF2-40B4-BE49-F238E27FC236}">
+                <a16:creationId xmlns:a16="http://schemas.microsoft.com/office/drawing/2014/main" id="{42C56037-33B5-A54B-56CE-4A8F57967B9E}"/>
+              </a:ext>
+            </a:extLst>
+          </p:cNvPr>
+          <p:cNvSpPr>
+            <a:spLocks noGrp="1"/>
+          </p:cNvSpPr>
+          <p:nvPr>
+            <p:ph type="title"/>
+          </p:nvPr>
+        </p:nvSpPr>
+        <p:spPr>
+          <a:xfrm>
+            <a:off x="838200" y="73152"/>
+            <a:ext cx="10515600" cy="721424"/>
+          </a:xfrm>
+        </p:spPr>
+        <p:txBody>
+          <a:bodyPr>
+            <a:normAutofit/>
+          </a:bodyPr>
+          <a:lstStyle/>
+          <a:p>
+            <a:pPr algn="ctr"/>
+            <a:r>
+              <a:rPr lang="en-US" sz="3200" b="1" dirty="0"/>
+              <a:t>WORK BREAKDOWN STRUCTURE (WBS)</a:t>
+            </a:r>
+            <a:endParaRPr lang="en-US" sz="3200" dirty="0"/>
+          </a:p>
+        </p:txBody>
+      </p:sp>
+      <p:graphicFrame>
+        <p:nvGraphicFramePr>
+          <p:cNvPr id="9" name="Table 8">
+            <a:extLst>
+              <a:ext uri="{FF2B5EF4-FFF2-40B4-BE49-F238E27FC236}">
+                <a16:creationId xmlns:a16="http://schemas.microsoft.com/office/drawing/2014/main" id="{25315738-CB0A-23D9-BFEA-0A941D1A627B}"/>
+              </a:ext>
+            </a:extLst>
+          </p:cNvPr>
+          <p:cNvGraphicFramePr>
+            <a:graphicFrameLocks noGrp="1"/>
+          </p:cNvGraphicFramePr>
+          <p:nvPr>
+            <p:extLst>
+              <p:ext uri="{D42A27DB-BD31-4B8C-83A1-F6EECF244321}">
+                <p14:modId xmlns:p14="http://schemas.microsoft.com/office/powerpoint/2010/main" val="3605579446"/>
+              </p:ext>
+            </p:extLst>
+          </p:nvPr>
+        </p:nvGraphicFramePr>
+        <p:xfrm>
+          <a:off x="1154811" y="940880"/>
+          <a:ext cx="9882377" cy="4841729"/>
+        </p:xfrm>
+        <a:graphic>
+          <a:graphicData uri="http://schemas.openxmlformats.org/drawingml/2006/table">
+            <a:tbl>
+              <a:tblPr firstRow="1" bandRow="1">
+                <a:tableStyleId>{5C22544A-7EE6-4342-B048-85BDC9FD1C3A}</a:tableStyleId>
+              </a:tblPr>
+              <a:tblGrid>
+                <a:gridCol w="393469">
+                  <a:extLst>
+                    <a:ext uri="{9D8B030D-6E8A-4147-A177-3AD203B41FA5}">
+                      <a16:colId xmlns:a16="http://schemas.microsoft.com/office/drawing/2014/main" val="583914657"/>
+                    </a:ext>
+                  </a:extLst>
+                </a:gridCol>
+                <a:gridCol w="1970504">
+                  <a:extLst>
+                    <a:ext uri="{9D8B030D-6E8A-4147-A177-3AD203B41FA5}">
+                      <a16:colId xmlns:a16="http://schemas.microsoft.com/office/drawing/2014/main" val="2845456519"/>
+                    </a:ext>
+                  </a:extLst>
+                </a:gridCol>
+                <a:gridCol w="4112643">
+                  <a:extLst>
+                    <a:ext uri="{9D8B030D-6E8A-4147-A177-3AD203B41FA5}">
+                      <a16:colId xmlns:a16="http://schemas.microsoft.com/office/drawing/2014/main" val="1931804579"/>
+                    </a:ext>
+                  </a:extLst>
+                </a:gridCol>
+                <a:gridCol w="946515">
+                  <a:extLst>
+                    <a:ext uri="{9D8B030D-6E8A-4147-A177-3AD203B41FA5}">
+                      <a16:colId xmlns:a16="http://schemas.microsoft.com/office/drawing/2014/main" val="2452117308"/>
+                    </a:ext>
+                  </a:extLst>
+                </a:gridCol>
+                <a:gridCol w="806291">
+                  <a:extLst>
+                    <a:ext uri="{9D8B030D-6E8A-4147-A177-3AD203B41FA5}">
+                      <a16:colId xmlns:a16="http://schemas.microsoft.com/office/drawing/2014/main" val="2387551364"/>
+                    </a:ext>
+                  </a:extLst>
+                </a:gridCol>
+                <a:gridCol w="753706">
+                  <a:extLst>
+                    <a:ext uri="{9D8B030D-6E8A-4147-A177-3AD203B41FA5}">
+                      <a16:colId xmlns:a16="http://schemas.microsoft.com/office/drawing/2014/main" val="135673629"/>
+                    </a:ext>
+                  </a:extLst>
+                </a:gridCol>
+                <a:gridCol w="899249">
+                  <a:extLst>
+                    <a:ext uri="{9D8B030D-6E8A-4147-A177-3AD203B41FA5}">
+                      <a16:colId xmlns:a16="http://schemas.microsoft.com/office/drawing/2014/main" val="84743874"/>
+                    </a:ext>
+                  </a:extLst>
+                </a:gridCol>
+              </a:tblGrid>
+              <a:tr h="349376">
+                <a:tc>
+                  <a:txBody>
+                    <a:bodyPr/>
+                    <a:lstStyle/>
+                    <a:p>
+                      <a:pPr algn="l" rtl="0" fontAlgn="t"/>
+                      <a:r>
+                        <a:rPr lang="en-US" sz="1200" u="none" strike="noStrike">
+                          <a:effectLst/>
+                        </a:rPr>
+                        <a:t>Sl No</a:t>
+                      </a:r>
+                      <a:endParaRPr lang="en-US" sz="1200" b="1" i="0" u="none" strike="noStrike">
+                        <a:solidFill>
+                          <a:srgbClr val="000000"/>
+                        </a:solidFill>
+                        <a:effectLst/>
+                        <a:latin typeface="Aptos" panose="020B0004020202020204" pitchFamily="34" charset="0"/>
+                      </a:endParaRPr>
+                    </a:p>
+                  </a:txBody>
+                  <a:tcPr marL="7620" marR="7620" marT="7620" marB="0"/>
+                </a:tc>
+                <a:tc>
+                  <a:txBody>
+                    <a:bodyPr/>
+                    <a:lstStyle/>
+                    <a:p>
+                      <a:pPr algn="l" rtl="0" fontAlgn="t"/>
+                      <a:r>
+                        <a:rPr lang="en-US" sz="1200" u="none" strike="noStrike">
+                          <a:effectLst/>
+                        </a:rPr>
+                        <a:t>Task Title</a:t>
+                      </a:r>
+                      <a:endParaRPr lang="en-US" sz="1200" b="1" i="0" u="none" strike="noStrike">
+                        <a:solidFill>
+                          <a:srgbClr val="000000"/>
+                        </a:solidFill>
+                        <a:effectLst/>
+                        <a:latin typeface="Aptos" panose="020B0004020202020204" pitchFamily="34" charset="0"/>
+                      </a:endParaRPr>
+                    </a:p>
+                  </a:txBody>
+                  <a:tcPr marL="7620" marR="7620" marT="7620" marB="0"/>
+                </a:tc>
+                <a:tc>
+                  <a:txBody>
+                    <a:bodyPr/>
+                    <a:lstStyle/>
+                    <a:p>
+                      <a:pPr algn="l" rtl="0" fontAlgn="t"/>
+                      <a:r>
+                        <a:rPr lang="en-US" sz="1200" u="none" strike="noStrike">
+                          <a:effectLst/>
+                        </a:rPr>
+                        <a:t>Sub tasks</a:t>
+                      </a:r>
+                      <a:endParaRPr lang="en-US" sz="1200" b="1" i="0" u="none" strike="noStrike">
+                        <a:solidFill>
+                          <a:srgbClr val="000000"/>
+                        </a:solidFill>
+                        <a:effectLst/>
+                        <a:latin typeface="Aptos" panose="020B0004020202020204" pitchFamily="34" charset="0"/>
+                      </a:endParaRPr>
+                    </a:p>
+                  </a:txBody>
+                  <a:tcPr marL="7620" marR="7620" marT="7620" marB="0"/>
+                </a:tc>
+                <a:tc>
+                  <a:txBody>
+                    <a:bodyPr/>
+                    <a:lstStyle/>
+                    <a:p>
+                      <a:pPr algn="l" rtl="0" fontAlgn="t"/>
+                      <a:r>
+                        <a:rPr lang="en-US" sz="1200" u="none" strike="noStrike">
+                          <a:effectLst/>
+                        </a:rPr>
+                        <a:t>Task Owner</a:t>
+                      </a:r>
+                      <a:endParaRPr lang="en-US" sz="1200" b="1" i="0" u="none" strike="noStrike">
+                        <a:solidFill>
+                          <a:srgbClr val="000000"/>
+                        </a:solidFill>
+                        <a:effectLst/>
+                        <a:latin typeface="Aptos" panose="020B0004020202020204" pitchFamily="34" charset="0"/>
+                      </a:endParaRPr>
+                    </a:p>
+                  </a:txBody>
+                  <a:tcPr marL="7620" marR="7620" marT="7620" marB="0"/>
+                </a:tc>
+                <a:tc>
+                  <a:txBody>
+                    <a:bodyPr/>
+                    <a:lstStyle/>
+                    <a:p>
+                      <a:pPr algn="l" rtl="0" fontAlgn="t"/>
+                      <a:r>
+                        <a:rPr lang="en-US" sz="1200" u="none" strike="noStrike">
+                          <a:effectLst/>
+                        </a:rPr>
+                        <a:t>Start Date</a:t>
+                      </a:r>
+                      <a:endParaRPr lang="en-US" sz="1200" b="1" i="0" u="none" strike="noStrike">
+                        <a:solidFill>
+                          <a:srgbClr val="000000"/>
+                        </a:solidFill>
+                        <a:effectLst/>
+                        <a:latin typeface="Aptos" panose="020B0004020202020204" pitchFamily="34" charset="0"/>
+                      </a:endParaRPr>
+                    </a:p>
+                  </a:txBody>
+                  <a:tcPr marL="7620" marR="7620" marT="7620" marB="0"/>
+                </a:tc>
+                <a:tc>
+                  <a:txBody>
+                    <a:bodyPr/>
+                    <a:lstStyle/>
+                    <a:p>
+                      <a:pPr algn="l" rtl="0" fontAlgn="t"/>
+                      <a:r>
+                        <a:rPr lang="en-US" sz="1200" u="none" strike="noStrike" dirty="0">
+                          <a:effectLst/>
+                        </a:rPr>
+                        <a:t>End Date</a:t>
+                      </a:r>
+                      <a:endParaRPr lang="en-US" sz="1200" b="1" i="0" u="none" strike="noStrike" dirty="0">
+                        <a:solidFill>
+                          <a:srgbClr val="000000"/>
+                        </a:solidFill>
+                        <a:effectLst/>
+                        <a:latin typeface="Aptos" panose="020B0004020202020204" pitchFamily="34" charset="0"/>
+                      </a:endParaRPr>
+                    </a:p>
+                  </a:txBody>
+                  <a:tcPr marL="7620" marR="7620" marT="7620" marB="0"/>
+                </a:tc>
+                <a:tc>
+                  <a:txBody>
+                    <a:bodyPr/>
+                    <a:lstStyle/>
+                    <a:p>
+                      <a:pPr algn="l" rtl="0" fontAlgn="t"/>
+                      <a:r>
+                        <a:rPr lang="en-US" sz="1200" b="1" u="none" strike="noStrike" kern="1200" dirty="0">
+                          <a:solidFill>
+                            <a:schemeClr val="lt1"/>
+                          </a:solidFill>
+                          <a:effectLst/>
+                          <a:latin typeface="+mn-lt"/>
+                          <a:ea typeface="+mn-ea"/>
+                          <a:cs typeface="+mn-cs"/>
+                        </a:rPr>
+                        <a:t>Status</a:t>
+                      </a:r>
+                    </a:p>
+                  </a:txBody>
+                  <a:tcPr marL="7620" marR="7620" marT="7620" marB="0"/>
+                </a:tc>
+                <a:extLst>
+                  <a:ext uri="{0D108BD9-81ED-4DB2-BD59-A6C34878D82A}">
+                    <a16:rowId xmlns:a16="http://schemas.microsoft.com/office/drawing/2014/main" val="424516879"/>
+                  </a:ext>
+                </a:extLst>
+              </a:tr>
+              <a:tr h="854711">
+                <a:tc>
+                  <a:txBody>
+                    <a:bodyPr/>
+                    <a:lstStyle/>
+                    <a:p>
+                      <a:pPr algn="l" rtl="0" fontAlgn="t"/>
+                      <a:r>
+                        <a:rPr lang="en-US" sz="1200" u="none" strike="noStrike">
+                          <a:effectLst/>
+                        </a:rPr>
+                        <a:t>1</a:t>
+                      </a:r>
+                      <a:endParaRPr lang="en-US" sz="1200" b="0" i="0" u="none" strike="noStrike">
+                        <a:solidFill>
+                          <a:srgbClr val="000000"/>
+                        </a:solidFill>
+                        <a:effectLst/>
+                        <a:latin typeface="Aptos" panose="020B0004020202020204" pitchFamily="34" charset="0"/>
+                      </a:endParaRPr>
+                    </a:p>
+                  </a:txBody>
+                  <a:tcPr marL="7620" marR="7620" marT="7620" marB="0"/>
+                </a:tc>
+                <a:tc>
+                  <a:txBody>
+                    <a:bodyPr/>
+                    <a:lstStyle/>
+                    <a:p>
+                      <a:pPr algn="l" rtl="0" fontAlgn="t"/>
+                      <a:r>
+                        <a:rPr lang="en-US" sz="1200" u="none" strike="noStrike" dirty="0">
+                          <a:effectLst/>
+                        </a:rPr>
+                        <a:t>Project kick-off</a:t>
+                      </a:r>
+                      <a:endParaRPr lang="en-US" sz="1200" b="0" i="0" u="none" strike="noStrike" dirty="0">
+                        <a:solidFill>
+                          <a:srgbClr val="000000"/>
+                        </a:solidFill>
+                        <a:effectLst/>
+                        <a:latin typeface="Aptos" panose="020B0004020202020204" pitchFamily="34" charset="0"/>
+                      </a:endParaRPr>
+                    </a:p>
+                  </a:txBody>
+                  <a:tcPr marL="7620" marR="7620" marT="7620" marB="0"/>
+                </a:tc>
+                <a:tc>
+                  <a:txBody>
+                    <a:bodyPr/>
+                    <a:lstStyle/>
+                    <a:p>
+                      <a:pPr algn="l" rtl="0" fontAlgn="t"/>
+                      <a:r>
+                        <a:rPr lang="en-US" sz="1200" u="none" strike="noStrike" dirty="0">
+                          <a:effectLst/>
+                        </a:rPr>
+                        <a:t>Ideation</a:t>
+                      </a:r>
+                      <a:br>
+                        <a:rPr lang="en-US" sz="1200" u="none" strike="noStrike" dirty="0">
+                          <a:effectLst/>
+                        </a:rPr>
+                      </a:br>
+                      <a:r>
+                        <a:rPr lang="en-US" sz="1200" u="none" strike="noStrike" dirty="0">
+                          <a:effectLst/>
+                        </a:rPr>
+                        <a:t>Project identification </a:t>
+                      </a:r>
+                      <a:br>
+                        <a:rPr lang="en-US" sz="1200" u="none" strike="noStrike" dirty="0">
+                          <a:effectLst/>
+                        </a:rPr>
+                      </a:br>
+                      <a:r>
+                        <a:rPr lang="en-US" sz="1200" u="none" strike="noStrike" dirty="0">
+                          <a:effectLst/>
+                        </a:rPr>
+                        <a:t>Project finalization through discussion with team members</a:t>
+                      </a:r>
+                      <a:endParaRPr lang="en-US" sz="1200" b="0" i="0" u="none" strike="noStrike" dirty="0">
+                        <a:solidFill>
+                          <a:srgbClr val="000000"/>
+                        </a:solidFill>
+                        <a:effectLst/>
+                        <a:latin typeface="Aptos" panose="020B0004020202020204" pitchFamily="34" charset="0"/>
+                      </a:endParaRPr>
+                    </a:p>
+                  </a:txBody>
+                  <a:tcPr marL="7620" marR="7620" marT="7620" marB="0"/>
+                </a:tc>
+                <a:tc>
+                  <a:txBody>
+                    <a:bodyPr/>
+                    <a:lstStyle/>
+                    <a:p>
+                      <a:pPr algn="l" rtl="0" fontAlgn="t"/>
+                      <a:r>
+                        <a:rPr lang="en-US" sz="1200" u="none" strike="noStrike" dirty="0" err="1">
+                          <a:effectLst/>
+                        </a:rPr>
+                        <a:t>Ipsita</a:t>
+                      </a:r>
+                      <a:br>
+                        <a:rPr lang="en-US" sz="1200" u="none" strike="noStrike" dirty="0">
+                          <a:effectLst/>
+                        </a:rPr>
+                      </a:br>
+                      <a:r>
+                        <a:rPr lang="en-US" sz="1200" u="none" strike="noStrike" dirty="0">
+                          <a:effectLst/>
+                        </a:rPr>
+                        <a:t>Siobhan</a:t>
+                      </a:r>
+                      <a:br>
+                        <a:rPr lang="en-US" sz="1200" u="none" strike="noStrike" dirty="0">
+                          <a:effectLst/>
+                        </a:rPr>
+                      </a:br>
+                      <a:r>
+                        <a:rPr lang="en-US" sz="1200" u="none" strike="noStrike" dirty="0">
+                          <a:effectLst/>
+                        </a:rPr>
+                        <a:t>Drew</a:t>
+                      </a:r>
+                      <a:endParaRPr lang="en-US" sz="1200" b="0" i="0" u="none" strike="noStrike" dirty="0">
+                        <a:solidFill>
+                          <a:srgbClr val="000000"/>
+                        </a:solidFill>
+                        <a:effectLst/>
+                        <a:latin typeface="Aptos" panose="020B0004020202020204" pitchFamily="34" charset="0"/>
+                      </a:endParaRPr>
+                    </a:p>
+                  </a:txBody>
+                  <a:tcPr marL="7620" marR="7620" marT="7620" marB="0"/>
+                </a:tc>
+                <a:tc>
+                  <a:txBody>
+                    <a:bodyPr/>
+                    <a:lstStyle/>
+                    <a:p>
+                      <a:pPr algn="l" rtl="0" fontAlgn="t"/>
+                      <a:r>
+                        <a:rPr lang="en-US" sz="1200" u="none" strike="noStrike">
+                          <a:effectLst/>
+                        </a:rPr>
+                        <a:t>4/4/2024</a:t>
+                      </a:r>
+                      <a:endParaRPr lang="en-US" sz="1200" b="0" i="0" u="none" strike="noStrike">
+                        <a:solidFill>
+                          <a:srgbClr val="000000"/>
+                        </a:solidFill>
+                        <a:effectLst/>
+                        <a:latin typeface="Aptos" panose="020B0004020202020204" pitchFamily="34" charset="0"/>
+                      </a:endParaRPr>
+                    </a:p>
+                  </a:txBody>
+                  <a:tcPr marL="7620" marR="7620" marT="7620" marB="0"/>
+                </a:tc>
+                <a:tc>
+                  <a:txBody>
+                    <a:bodyPr/>
+                    <a:lstStyle/>
+                    <a:p>
+                      <a:pPr algn="l" rtl="0" fontAlgn="t"/>
+                      <a:r>
+                        <a:rPr lang="en-US" sz="1200" u="none" strike="noStrike">
+                          <a:effectLst/>
+                        </a:rPr>
+                        <a:t>4/4/2024</a:t>
+                      </a:r>
+                      <a:endParaRPr lang="en-US" sz="1200" b="0" i="0" u="none" strike="noStrike">
+                        <a:solidFill>
+                          <a:srgbClr val="000000"/>
+                        </a:solidFill>
+                        <a:effectLst/>
+                        <a:latin typeface="Aptos" panose="020B0004020202020204" pitchFamily="34" charset="0"/>
+                      </a:endParaRPr>
+                    </a:p>
+                  </a:txBody>
+                  <a:tcPr marL="7620" marR="7620" marT="7620" marB="0"/>
+                </a:tc>
+                <a:tc>
+                  <a:txBody>
+                    <a:bodyPr/>
+                    <a:lstStyle/>
+                    <a:p>
+                      <a:pPr algn="l" rtl="0" fontAlgn="t"/>
+                      <a:r>
+                        <a:rPr lang="en-US" sz="1200" b="1" i="0" u="none" strike="noStrike" dirty="0">
+                          <a:solidFill>
+                            <a:schemeClr val="accent6">
+                              <a:lumMod val="50000"/>
+                            </a:schemeClr>
+                          </a:solidFill>
+                          <a:effectLst/>
+                          <a:latin typeface="Aptos" panose="020B0004020202020204" pitchFamily="34" charset="0"/>
+                        </a:rPr>
+                        <a:t>Completed</a:t>
+                      </a:r>
+                    </a:p>
+                  </a:txBody>
+                  <a:tcPr marL="7620" marR="7620" marT="7620" marB="0"/>
+                </a:tc>
+                <a:extLst>
+                  <a:ext uri="{0D108BD9-81ED-4DB2-BD59-A6C34878D82A}">
+                    <a16:rowId xmlns:a16="http://schemas.microsoft.com/office/drawing/2014/main" val="3708085772"/>
+                  </a:ext>
+                </a:extLst>
+              </a:tr>
+              <a:tr h="430734">
+                <a:tc>
+                  <a:txBody>
+                    <a:bodyPr/>
+                    <a:lstStyle/>
+                    <a:p>
+                      <a:pPr algn="l" rtl="0" fontAlgn="t"/>
+                      <a:r>
+                        <a:rPr lang="en-US" sz="1200" u="none" strike="noStrike">
+                          <a:effectLst/>
+                        </a:rPr>
+                        <a:t>2</a:t>
+                      </a:r>
+                      <a:endParaRPr lang="en-US" sz="1200" b="0" i="0" u="none" strike="noStrike">
+                        <a:solidFill>
+                          <a:srgbClr val="000000"/>
+                        </a:solidFill>
+                        <a:effectLst/>
+                        <a:latin typeface="Aptos" panose="020B0004020202020204" pitchFamily="34" charset="0"/>
+                      </a:endParaRPr>
+                    </a:p>
+                  </a:txBody>
+                  <a:tcPr marL="7620" marR="7620" marT="7620" marB="0"/>
+                </a:tc>
+                <a:tc>
+                  <a:txBody>
+                    <a:bodyPr/>
+                    <a:lstStyle/>
+                    <a:p>
+                      <a:pPr algn="l" rtl="0" fontAlgn="t"/>
+                      <a:r>
+                        <a:rPr lang="en-US" sz="1200" u="none" strike="noStrike">
+                          <a:effectLst/>
+                        </a:rPr>
+                        <a:t>Github Repo creation</a:t>
+                      </a:r>
+                      <a:endParaRPr lang="en-US" sz="1200" b="0" i="0" u="none" strike="noStrike">
+                        <a:solidFill>
+                          <a:srgbClr val="000000"/>
+                        </a:solidFill>
+                        <a:effectLst/>
+                        <a:latin typeface="Aptos" panose="020B0004020202020204" pitchFamily="34" charset="0"/>
+                      </a:endParaRPr>
+                    </a:p>
+                  </a:txBody>
+                  <a:tcPr marL="7620" marR="7620" marT="7620" marB="0"/>
+                </a:tc>
+                <a:tc>
+                  <a:txBody>
+                    <a:bodyPr/>
+                    <a:lstStyle/>
+                    <a:p>
+                      <a:pPr algn="l" rtl="0" fontAlgn="t"/>
+                      <a:r>
+                        <a:rPr lang="en-US" sz="1200" u="none" strike="noStrike">
+                          <a:effectLst/>
+                        </a:rPr>
+                        <a:t>Create 3 branches</a:t>
+                      </a:r>
+                      <a:endParaRPr lang="en-US" sz="1200" b="0" i="0" u="none" strike="noStrike">
+                        <a:solidFill>
+                          <a:srgbClr val="000000"/>
+                        </a:solidFill>
+                        <a:effectLst/>
+                        <a:latin typeface="Aptos" panose="020B0004020202020204" pitchFamily="34" charset="0"/>
+                      </a:endParaRPr>
+                    </a:p>
+                  </a:txBody>
+                  <a:tcPr marL="7620" marR="7620" marT="7620" marB="0"/>
+                </a:tc>
+                <a:tc>
+                  <a:txBody>
+                    <a:bodyPr/>
+                    <a:lstStyle/>
+                    <a:p>
+                      <a:pPr algn="l" rtl="0" fontAlgn="t"/>
+                      <a:r>
+                        <a:rPr lang="en-US" sz="1200" u="none" strike="noStrike">
+                          <a:effectLst/>
+                        </a:rPr>
+                        <a:t>Ipsita</a:t>
+                      </a:r>
+                      <a:endParaRPr lang="en-US" sz="1200" b="0" i="0" u="none" strike="noStrike">
+                        <a:solidFill>
+                          <a:srgbClr val="000000"/>
+                        </a:solidFill>
+                        <a:effectLst/>
+                        <a:latin typeface="Aptos" panose="020B0004020202020204" pitchFamily="34" charset="0"/>
+                      </a:endParaRPr>
+                    </a:p>
+                  </a:txBody>
+                  <a:tcPr marL="7620" marR="7620" marT="7620" marB="0"/>
+                </a:tc>
+                <a:tc>
+                  <a:txBody>
+                    <a:bodyPr/>
+                    <a:lstStyle/>
+                    <a:p>
+                      <a:pPr algn="l" rtl="0" fontAlgn="t"/>
+                      <a:r>
+                        <a:rPr lang="en-US" sz="1200" u="none" strike="noStrike">
+                          <a:effectLst/>
+                        </a:rPr>
+                        <a:t>4/5/2024</a:t>
+                      </a:r>
+                      <a:endParaRPr lang="en-US" sz="1200" b="0" i="0" u="none" strike="noStrike">
+                        <a:solidFill>
+                          <a:srgbClr val="000000"/>
+                        </a:solidFill>
+                        <a:effectLst/>
+                        <a:latin typeface="Aptos" panose="020B0004020202020204" pitchFamily="34" charset="0"/>
+                      </a:endParaRPr>
+                    </a:p>
+                  </a:txBody>
+                  <a:tcPr marL="7620" marR="7620" marT="7620" marB="0"/>
+                </a:tc>
+                <a:tc>
+                  <a:txBody>
+                    <a:bodyPr/>
+                    <a:lstStyle/>
+                    <a:p>
+                      <a:pPr algn="l" rtl="0" fontAlgn="t"/>
+                      <a:r>
+                        <a:rPr lang="en-US" sz="1200" u="none" strike="noStrike">
+                          <a:effectLst/>
+                        </a:rPr>
+                        <a:t>4/6/2024</a:t>
+                      </a:r>
+                      <a:endParaRPr lang="en-US" sz="1200" b="0" i="0" u="none" strike="noStrike">
+                        <a:solidFill>
+                          <a:srgbClr val="000000"/>
+                        </a:solidFill>
+                        <a:effectLst/>
+                        <a:latin typeface="Aptos" panose="020B0004020202020204" pitchFamily="34" charset="0"/>
+                      </a:endParaRPr>
+                    </a:p>
+                  </a:txBody>
+                  <a:tcPr marL="7620" marR="7620" marT="7620" marB="0"/>
+                </a:tc>
+                <a:tc>
+                  <a:txBody>
+                    <a:bodyPr/>
+                    <a:lstStyle/>
+                    <a:p>
+                      <a:pPr algn="l" rtl="0" fontAlgn="t"/>
+                      <a:r>
+                        <a:rPr lang="en-US" sz="1200" b="1" i="0" u="none" strike="noStrike" dirty="0">
+                          <a:solidFill>
+                            <a:schemeClr val="accent6">
+                              <a:lumMod val="50000"/>
+                            </a:schemeClr>
+                          </a:solidFill>
+                          <a:effectLst/>
+                          <a:latin typeface="Aptos" panose="020B0004020202020204" pitchFamily="34" charset="0"/>
+                        </a:rPr>
+                        <a:t>Completed</a:t>
+                      </a:r>
+                    </a:p>
+                  </a:txBody>
+                  <a:tcPr marL="7620" marR="7620" marT="7620" marB="0"/>
+                </a:tc>
+                <a:extLst>
+                  <a:ext uri="{0D108BD9-81ED-4DB2-BD59-A6C34878D82A}">
+                    <a16:rowId xmlns:a16="http://schemas.microsoft.com/office/drawing/2014/main" val="2511132139"/>
+                  </a:ext>
+                </a:extLst>
+              </a:tr>
+              <a:tr h="362208">
+                <a:tc>
+                  <a:txBody>
+                    <a:bodyPr/>
+                    <a:lstStyle/>
+                    <a:p>
+                      <a:pPr algn="l" rtl="0" fontAlgn="t"/>
+                      <a:r>
+                        <a:rPr lang="en-US" sz="1200" u="none" strike="noStrike">
+                          <a:effectLst/>
+                        </a:rPr>
+                        <a:t>3</a:t>
+                      </a:r>
+                      <a:endParaRPr lang="en-US" sz="1200" b="0" i="0" u="none" strike="noStrike">
+                        <a:solidFill>
+                          <a:srgbClr val="000000"/>
+                        </a:solidFill>
+                        <a:effectLst/>
+                        <a:latin typeface="Aptos" panose="020B0004020202020204" pitchFamily="34" charset="0"/>
+                      </a:endParaRPr>
+                    </a:p>
+                  </a:txBody>
+                  <a:tcPr marL="7620" marR="7620" marT="7620" marB="0"/>
+                </a:tc>
+                <a:tc>
+                  <a:txBody>
+                    <a:bodyPr/>
+                    <a:lstStyle/>
+                    <a:p>
+                      <a:pPr algn="l" rtl="0" fontAlgn="t"/>
+                      <a:r>
+                        <a:rPr lang="en-US" sz="1200" u="none" strike="noStrike">
+                          <a:effectLst/>
+                        </a:rPr>
+                        <a:t>Prototype preparation</a:t>
+                      </a:r>
+                      <a:endParaRPr lang="en-US" sz="1200" b="0" i="0" u="none" strike="noStrike">
+                        <a:solidFill>
+                          <a:srgbClr val="000000"/>
+                        </a:solidFill>
+                        <a:effectLst/>
+                        <a:latin typeface="Aptos" panose="020B0004020202020204" pitchFamily="34" charset="0"/>
+                      </a:endParaRPr>
+                    </a:p>
+                  </a:txBody>
+                  <a:tcPr marL="7620" marR="7620" marT="7620" marB="0"/>
+                </a:tc>
+                <a:tc>
+                  <a:txBody>
+                    <a:bodyPr/>
+                    <a:lstStyle/>
+                    <a:p>
+                      <a:pPr algn="l" rtl="0" fontAlgn="t"/>
+                      <a:r>
+                        <a:rPr lang="en-US" sz="1200" u="none" strike="noStrike">
+                          <a:effectLst/>
+                        </a:rPr>
+                        <a:t>Prepare a prototype of the project</a:t>
+                      </a:r>
+                      <a:endParaRPr lang="en-US" sz="1200" b="0" i="0" u="none" strike="noStrike">
+                        <a:solidFill>
+                          <a:srgbClr val="000000"/>
+                        </a:solidFill>
+                        <a:effectLst/>
+                        <a:latin typeface="Aptos" panose="020B0004020202020204" pitchFamily="34" charset="0"/>
+                      </a:endParaRPr>
+                    </a:p>
+                  </a:txBody>
+                  <a:tcPr marL="7620" marR="7620" marT="7620" marB="0"/>
+                </a:tc>
+                <a:tc>
+                  <a:txBody>
+                    <a:bodyPr/>
+                    <a:lstStyle/>
+                    <a:p>
+                      <a:pPr algn="l" rtl="0" fontAlgn="t"/>
+                      <a:r>
+                        <a:rPr lang="en-US" sz="1200" u="none" strike="noStrike">
+                          <a:effectLst/>
+                        </a:rPr>
+                        <a:t>Ipsita</a:t>
+                      </a:r>
+                      <a:endParaRPr lang="en-US" sz="1200" b="0" i="0" u="none" strike="noStrike">
+                        <a:solidFill>
+                          <a:srgbClr val="000000"/>
+                        </a:solidFill>
+                        <a:effectLst/>
+                        <a:latin typeface="Aptos" panose="020B0004020202020204" pitchFamily="34" charset="0"/>
+                      </a:endParaRPr>
+                    </a:p>
+                  </a:txBody>
+                  <a:tcPr marL="7620" marR="7620" marT="7620" marB="0"/>
+                </a:tc>
+                <a:tc>
+                  <a:txBody>
+                    <a:bodyPr/>
+                    <a:lstStyle/>
+                    <a:p>
+                      <a:pPr algn="l" rtl="0" fontAlgn="t"/>
+                      <a:r>
+                        <a:rPr lang="en-US" sz="1200" u="none" strike="noStrike">
+                          <a:effectLst/>
+                        </a:rPr>
+                        <a:t>4/5/2024</a:t>
+                      </a:r>
+                      <a:endParaRPr lang="en-US" sz="1200" b="0" i="0" u="none" strike="noStrike">
+                        <a:solidFill>
+                          <a:srgbClr val="000000"/>
+                        </a:solidFill>
+                        <a:effectLst/>
+                        <a:latin typeface="Aptos" panose="020B0004020202020204" pitchFamily="34" charset="0"/>
+                      </a:endParaRPr>
+                    </a:p>
+                  </a:txBody>
+                  <a:tcPr marL="7620" marR="7620" marT="7620" marB="0"/>
+                </a:tc>
+                <a:tc>
+                  <a:txBody>
+                    <a:bodyPr/>
+                    <a:lstStyle/>
+                    <a:p>
+                      <a:pPr algn="l" rtl="0" fontAlgn="t"/>
+                      <a:r>
+                        <a:rPr lang="en-US" sz="1200" u="none" strike="noStrike">
+                          <a:effectLst/>
+                        </a:rPr>
+                        <a:t>4/6/2024</a:t>
+                      </a:r>
+                      <a:endParaRPr lang="en-US" sz="1200" b="0" i="0" u="none" strike="noStrike">
+                        <a:solidFill>
+                          <a:srgbClr val="000000"/>
+                        </a:solidFill>
+                        <a:effectLst/>
+                        <a:latin typeface="Aptos" panose="020B0004020202020204" pitchFamily="34" charset="0"/>
+                      </a:endParaRPr>
+                    </a:p>
+                  </a:txBody>
+                  <a:tcPr marL="7620" marR="7620" marT="7620" marB="0"/>
+                </a:tc>
+                <a:tc>
+                  <a:txBody>
+                    <a:bodyPr/>
+                    <a:lstStyle/>
+                    <a:p>
+                      <a:pPr algn="l" rtl="0" fontAlgn="t"/>
+                      <a:r>
+                        <a:rPr lang="en-US" sz="1200" b="1" i="0" u="none" strike="noStrike" dirty="0">
+                          <a:solidFill>
+                            <a:schemeClr val="accent6">
+                              <a:lumMod val="50000"/>
+                            </a:schemeClr>
+                          </a:solidFill>
+                          <a:effectLst/>
+                          <a:latin typeface="Aptos" panose="020B0004020202020204" pitchFamily="34" charset="0"/>
+                        </a:rPr>
+                        <a:t>Completed</a:t>
+                      </a:r>
+                    </a:p>
+                  </a:txBody>
+                  <a:tcPr marL="7620" marR="7620" marT="7620" marB="0"/>
+                </a:tc>
+                <a:extLst>
+                  <a:ext uri="{0D108BD9-81ED-4DB2-BD59-A6C34878D82A}">
+                    <a16:rowId xmlns:a16="http://schemas.microsoft.com/office/drawing/2014/main" val="3112599122"/>
+                  </a:ext>
+                </a:extLst>
+              </a:tr>
+              <a:tr h="557997">
+                <a:tc>
+                  <a:txBody>
+                    <a:bodyPr/>
+                    <a:lstStyle/>
+                    <a:p>
+                      <a:pPr algn="l" rtl="0" fontAlgn="t"/>
+                      <a:r>
+                        <a:rPr lang="en-US" sz="1200" u="none" strike="noStrike">
+                          <a:effectLst/>
+                        </a:rPr>
+                        <a:t>4</a:t>
+                      </a:r>
+                      <a:endParaRPr lang="en-US" sz="1200" b="0" i="0" u="none" strike="noStrike">
+                        <a:solidFill>
+                          <a:srgbClr val="000000"/>
+                        </a:solidFill>
+                        <a:effectLst/>
+                        <a:latin typeface="Aptos" panose="020B0004020202020204" pitchFamily="34" charset="0"/>
+                      </a:endParaRPr>
+                    </a:p>
+                  </a:txBody>
+                  <a:tcPr marL="7620" marR="7620" marT="7620" marB="0"/>
+                </a:tc>
+                <a:tc>
+                  <a:txBody>
+                    <a:bodyPr/>
+                    <a:lstStyle/>
+                    <a:p>
+                      <a:pPr algn="l" rtl="0" fontAlgn="t"/>
+                      <a:r>
+                        <a:rPr lang="en-US" sz="1200" u="none" strike="noStrike">
+                          <a:effectLst/>
+                        </a:rPr>
+                        <a:t>Data collection / extraction</a:t>
+                      </a:r>
+                      <a:endParaRPr lang="en-US" sz="1200" b="0" i="0" u="none" strike="noStrike">
+                        <a:solidFill>
+                          <a:srgbClr val="000000"/>
+                        </a:solidFill>
+                        <a:effectLst/>
+                        <a:latin typeface="Aptos" panose="020B0004020202020204" pitchFamily="34" charset="0"/>
+                      </a:endParaRPr>
+                    </a:p>
+                  </a:txBody>
+                  <a:tcPr marL="7620" marR="7620" marT="7620" marB="0"/>
+                </a:tc>
+                <a:tc>
+                  <a:txBody>
+                    <a:bodyPr/>
+                    <a:lstStyle/>
+                    <a:p>
+                      <a:pPr algn="l" rtl="0" fontAlgn="t"/>
+                      <a:r>
+                        <a:rPr lang="en-US" sz="1200" u="none" strike="noStrike" dirty="0">
+                          <a:effectLst/>
+                        </a:rPr>
+                        <a:t>Pull JSON data through URL - https://rapidapi.com/letscrape-6bRBa3QguO5/api/real-time-finance-data</a:t>
+                      </a:r>
+                      <a:endParaRPr lang="en-US" sz="1200" b="0" i="0" u="none" strike="noStrike" dirty="0">
+                        <a:solidFill>
+                          <a:srgbClr val="000000"/>
+                        </a:solidFill>
+                        <a:effectLst/>
+                        <a:latin typeface="Aptos" panose="020B0004020202020204" pitchFamily="34" charset="0"/>
+                      </a:endParaRPr>
+                    </a:p>
+                  </a:txBody>
+                  <a:tcPr marL="7620" marR="7620" marT="7620" marB="0"/>
+                </a:tc>
+                <a:tc>
+                  <a:txBody>
+                    <a:bodyPr/>
+                    <a:lstStyle/>
+                    <a:p>
+                      <a:pPr algn="l" rtl="0" fontAlgn="t"/>
+                      <a:r>
+                        <a:rPr lang="en-US" sz="1200" u="none" strike="noStrike">
+                          <a:effectLst/>
+                        </a:rPr>
+                        <a:t>Ipsita</a:t>
+                      </a:r>
+                      <a:endParaRPr lang="en-US" sz="1200" b="0" i="0" u="none" strike="noStrike">
+                        <a:solidFill>
+                          <a:srgbClr val="000000"/>
+                        </a:solidFill>
+                        <a:effectLst/>
+                        <a:latin typeface="Aptos" panose="020B0004020202020204" pitchFamily="34" charset="0"/>
+                      </a:endParaRPr>
+                    </a:p>
+                  </a:txBody>
+                  <a:tcPr marL="7620" marR="7620" marT="7620" marB="0"/>
+                </a:tc>
+                <a:tc>
+                  <a:txBody>
+                    <a:bodyPr/>
+                    <a:lstStyle/>
+                    <a:p>
+                      <a:pPr algn="l" rtl="0" fontAlgn="t"/>
+                      <a:r>
+                        <a:rPr lang="en-US" sz="1200" u="none" strike="noStrike">
+                          <a:effectLst/>
+                        </a:rPr>
+                        <a:t>4/5/2024</a:t>
+                      </a:r>
+                      <a:endParaRPr lang="en-US" sz="1200" b="0" i="0" u="none" strike="noStrike">
+                        <a:solidFill>
+                          <a:srgbClr val="000000"/>
+                        </a:solidFill>
+                        <a:effectLst/>
+                        <a:latin typeface="Aptos" panose="020B0004020202020204" pitchFamily="34" charset="0"/>
+                      </a:endParaRPr>
+                    </a:p>
+                  </a:txBody>
+                  <a:tcPr marL="7620" marR="7620" marT="7620" marB="0"/>
+                </a:tc>
+                <a:tc>
+                  <a:txBody>
+                    <a:bodyPr/>
+                    <a:lstStyle/>
+                    <a:p>
+                      <a:pPr algn="l" rtl="0" fontAlgn="t"/>
+                      <a:r>
+                        <a:rPr lang="en-US" sz="1200" u="none" strike="noStrike">
+                          <a:effectLst/>
+                        </a:rPr>
+                        <a:t>4/6/2024</a:t>
+                      </a:r>
+                      <a:endParaRPr lang="en-US" sz="1200" b="0" i="0" u="none" strike="noStrike">
+                        <a:solidFill>
+                          <a:srgbClr val="000000"/>
+                        </a:solidFill>
+                        <a:effectLst/>
+                        <a:latin typeface="Aptos" panose="020B0004020202020204" pitchFamily="34" charset="0"/>
+                      </a:endParaRPr>
+                    </a:p>
+                  </a:txBody>
+                  <a:tcPr marL="7620" marR="7620" marT="7620" marB="0"/>
+                </a:tc>
+                <a:tc>
+                  <a:txBody>
+                    <a:bodyPr/>
+                    <a:lstStyle/>
+                    <a:p>
+                      <a:pPr algn="l" rtl="0" fontAlgn="t"/>
+                      <a:r>
+                        <a:rPr lang="en-US" sz="1200" b="1" i="0" u="none" strike="noStrike" dirty="0">
+                          <a:solidFill>
+                            <a:schemeClr val="accent6">
+                              <a:lumMod val="50000"/>
+                            </a:schemeClr>
+                          </a:solidFill>
+                          <a:effectLst/>
+                          <a:latin typeface="Aptos" panose="020B0004020202020204" pitchFamily="34" charset="0"/>
+                        </a:rPr>
+                        <a:t>Completed</a:t>
+                      </a:r>
+                    </a:p>
+                  </a:txBody>
+                  <a:tcPr marL="7620" marR="7620" marT="7620" marB="0"/>
+                </a:tc>
+                <a:extLst>
+                  <a:ext uri="{0D108BD9-81ED-4DB2-BD59-A6C34878D82A}">
+                    <a16:rowId xmlns:a16="http://schemas.microsoft.com/office/drawing/2014/main" val="2417935349"/>
+                  </a:ext>
+                </a:extLst>
+              </a:tr>
+              <a:tr h="401365">
+                <a:tc>
+                  <a:txBody>
+                    <a:bodyPr/>
+                    <a:lstStyle/>
+                    <a:p>
+                      <a:pPr algn="l" rtl="0" fontAlgn="t"/>
+                      <a:r>
+                        <a:rPr lang="en-US" sz="1200" u="none" strike="noStrike">
+                          <a:effectLst/>
+                        </a:rPr>
+                        <a:t>5</a:t>
+                      </a:r>
+                      <a:endParaRPr lang="en-US" sz="1200" b="0" i="0" u="none" strike="noStrike">
+                        <a:solidFill>
+                          <a:srgbClr val="000000"/>
+                        </a:solidFill>
+                        <a:effectLst/>
+                        <a:latin typeface="Aptos" panose="020B0004020202020204" pitchFamily="34" charset="0"/>
+                      </a:endParaRPr>
+                    </a:p>
+                  </a:txBody>
+                  <a:tcPr marL="7620" marR="7620" marT="7620" marB="0"/>
+                </a:tc>
+                <a:tc>
+                  <a:txBody>
+                    <a:bodyPr/>
+                    <a:lstStyle/>
+                    <a:p>
+                      <a:pPr algn="l" rtl="0" fontAlgn="t"/>
+                      <a:r>
+                        <a:rPr lang="en-US" sz="1200" u="none" strike="noStrike">
+                          <a:effectLst/>
+                        </a:rPr>
+                        <a:t>Data preparation</a:t>
+                      </a:r>
+                      <a:endParaRPr lang="en-US" sz="1200" b="0" i="0" u="none" strike="noStrike">
+                        <a:solidFill>
+                          <a:srgbClr val="000000"/>
+                        </a:solidFill>
+                        <a:effectLst/>
+                        <a:latin typeface="Aptos" panose="020B0004020202020204" pitchFamily="34" charset="0"/>
+                      </a:endParaRPr>
+                    </a:p>
+                  </a:txBody>
+                  <a:tcPr marL="7620" marR="7620" marT="7620" marB="0"/>
+                </a:tc>
+                <a:tc>
+                  <a:txBody>
+                    <a:bodyPr/>
+                    <a:lstStyle/>
+                    <a:p>
+                      <a:pPr algn="l" rtl="0" fontAlgn="t"/>
+                      <a:r>
+                        <a:rPr lang="en-US" sz="1200" u="none" strike="noStrike">
+                          <a:effectLst/>
+                        </a:rPr>
+                        <a:t>Data extraction from public API load into MongoDB (No SQL DB)</a:t>
+                      </a:r>
+                      <a:endParaRPr lang="en-US" sz="1200" b="0" i="0" u="none" strike="noStrike">
+                        <a:solidFill>
+                          <a:srgbClr val="000000"/>
+                        </a:solidFill>
+                        <a:effectLst/>
+                        <a:latin typeface="Aptos" panose="020B0004020202020204" pitchFamily="34" charset="0"/>
+                      </a:endParaRPr>
+                    </a:p>
+                  </a:txBody>
+                  <a:tcPr marL="7620" marR="7620" marT="7620" marB="0"/>
+                </a:tc>
+                <a:tc>
+                  <a:txBody>
+                    <a:bodyPr/>
+                    <a:lstStyle/>
+                    <a:p>
+                      <a:pPr algn="l" rtl="0" fontAlgn="t"/>
+                      <a:r>
+                        <a:rPr lang="en-US" sz="1200" u="none" strike="noStrike">
+                          <a:effectLst/>
+                        </a:rPr>
+                        <a:t>Ipsita</a:t>
+                      </a:r>
+                      <a:endParaRPr lang="en-US" sz="1200" b="0" i="0" u="none" strike="noStrike">
+                        <a:solidFill>
+                          <a:srgbClr val="000000"/>
+                        </a:solidFill>
+                        <a:effectLst/>
+                        <a:latin typeface="Aptos" panose="020B0004020202020204" pitchFamily="34" charset="0"/>
+                      </a:endParaRPr>
+                    </a:p>
+                  </a:txBody>
+                  <a:tcPr marL="7620" marR="7620" marT="7620" marB="0"/>
+                </a:tc>
+                <a:tc>
+                  <a:txBody>
+                    <a:bodyPr/>
+                    <a:lstStyle/>
+                    <a:p>
+                      <a:pPr algn="l" rtl="0" fontAlgn="t"/>
+                      <a:r>
+                        <a:rPr lang="en-US" sz="1200" u="none" strike="noStrike" dirty="0">
+                          <a:effectLst/>
+                        </a:rPr>
+                        <a:t>4/6/2024</a:t>
+                      </a:r>
+                      <a:endParaRPr lang="en-US" sz="1200" b="0" i="0" u="none" strike="noStrike" dirty="0">
+                        <a:solidFill>
+                          <a:srgbClr val="000000"/>
+                        </a:solidFill>
+                        <a:effectLst/>
+                        <a:latin typeface="Aptos" panose="020B0004020202020204" pitchFamily="34" charset="0"/>
+                      </a:endParaRPr>
+                    </a:p>
+                  </a:txBody>
+                  <a:tcPr marL="7620" marR="7620" marT="7620" marB="0"/>
+                </a:tc>
+                <a:tc>
+                  <a:txBody>
+                    <a:bodyPr/>
+                    <a:lstStyle/>
+                    <a:p>
+                      <a:pPr algn="l" rtl="0" fontAlgn="t"/>
+                      <a:r>
+                        <a:rPr lang="en-US" sz="1200" u="none" strike="noStrike" dirty="0">
+                          <a:effectLst/>
+                        </a:rPr>
+                        <a:t>4/7/2024</a:t>
+                      </a:r>
+                      <a:endParaRPr lang="en-US" sz="1200" b="0" i="0" u="none" strike="noStrike" dirty="0">
+                        <a:solidFill>
+                          <a:srgbClr val="000000"/>
+                        </a:solidFill>
+                        <a:effectLst/>
+                        <a:latin typeface="Aptos" panose="020B0004020202020204" pitchFamily="34" charset="0"/>
+                      </a:endParaRPr>
+                    </a:p>
+                  </a:txBody>
+                  <a:tcPr marL="7620" marR="7620" marT="7620" marB="0"/>
+                </a:tc>
+                <a:tc>
+                  <a:txBody>
+                    <a:bodyPr/>
+                    <a:lstStyle/>
+                    <a:p>
+                      <a:pPr algn="l" rtl="0" fontAlgn="t"/>
+                      <a:r>
+                        <a:rPr lang="en-US" sz="1200" b="1" i="0" u="none" strike="noStrike" dirty="0">
+                          <a:solidFill>
+                            <a:schemeClr val="accent6">
+                              <a:lumMod val="50000"/>
+                            </a:schemeClr>
+                          </a:solidFill>
+                          <a:effectLst/>
+                          <a:latin typeface="Aptos" panose="020B0004020202020204" pitchFamily="34" charset="0"/>
+                        </a:rPr>
+                        <a:t>Completed</a:t>
+                      </a:r>
+                    </a:p>
+                  </a:txBody>
+                  <a:tcPr marL="7620" marR="7620" marT="7620" marB="0"/>
+                </a:tc>
+                <a:extLst>
+                  <a:ext uri="{0D108BD9-81ED-4DB2-BD59-A6C34878D82A}">
+                    <a16:rowId xmlns:a16="http://schemas.microsoft.com/office/drawing/2014/main" val="1018842000"/>
+                  </a:ext>
+                </a:extLst>
+              </a:tr>
+              <a:tr h="573099">
+                <a:tc>
+                  <a:txBody>
+                    <a:bodyPr/>
+                    <a:lstStyle/>
+                    <a:p>
+                      <a:pPr algn="l" rtl="0" fontAlgn="t"/>
+                      <a:r>
+                        <a:rPr lang="en-US" sz="1200" u="none" strike="noStrike">
+                          <a:effectLst/>
+                        </a:rPr>
+                        <a:t>6</a:t>
+                      </a:r>
+                      <a:endParaRPr lang="en-US" sz="1200" b="0" i="0" u="none" strike="noStrike">
+                        <a:solidFill>
+                          <a:srgbClr val="000000"/>
+                        </a:solidFill>
+                        <a:effectLst/>
+                        <a:latin typeface="Aptos" panose="020B0004020202020204" pitchFamily="34" charset="0"/>
+                      </a:endParaRPr>
+                    </a:p>
+                  </a:txBody>
+                  <a:tcPr marL="7620" marR="7620" marT="7620" marB="0"/>
+                </a:tc>
+                <a:tc>
+                  <a:txBody>
+                    <a:bodyPr/>
+                    <a:lstStyle/>
+                    <a:p>
+                      <a:pPr algn="l" rtl="0" fontAlgn="t"/>
+                      <a:r>
+                        <a:rPr lang="en-US" sz="1200" u="none" strike="noStrike" dirty="0">
+                          <a:effectLst/>
+                        </a:rPr>
+                        <a:t> Development and coding</a:t>
+                      </a:r>
+                      <a:endParaRPr lang="en-US" sz="1200" b="0" i="0" u="none" strike="noStrike" dirty="0">
+                        <a:solidFill>
+                          <a:srgbClr val="000000"/>
+                        </a:solidFill>
+                        <a:effectLst/>
+                        <a:latin typeface="Aptos" panose="020B0004020202020204" pitchFamily="34" charset="0"/>
+                      </a:endParaRPr>
+                    </a:p>
+                  </a:txBody>
+                  <a:tcPr marL="7620" marR="7620" marT="7620" marB="0"/>
+                </a:tc>
+                <a:tc>
+                  <a:txBody>
+                    <a:bodyPr/>
+                    <a:lstStyle/>
+                    <a:p>
+                      <a:pPr algn="l" rtl="0" fontAlgn="t"/>
+                      <a:r>
+                        <a:rPr lang="en-US" sz="1200" u="none" strike="noStrike" dirty="0">
+                          <a:effectLst/>
+                        </a:rPr>
+                        <a:t>Individual modules to be divided among team members </a:t>
+                      </a:r>
+                      <a:endParaRPr lang="en-US" sz="1200" b="0" i="0" u="none" strike="noStrike" dirty="0">
+                        <a:solidFill>
+                          <a:srgbClr val="000000"/>
+                        </a:solidFill>
+                        <a:effectLst/>
+                        <a:latin typeface="Aptos" panose="020B0004020202020204" pitchFamily="34" charset="0"/>
+                      </a:endParaRPr>
+                    </a:p>
+                  </a:txBody>
+                  <a:tcPr marL="7620" marR="7620" marT="7620" marB="0"/>
+                </a:tc>
+                <a:tc>
+                  <a:txBody>
+                    <a:bodyPr/>
+                    <a:lstStyle/>
+                    <a:p>
+                      <a:pPr marL="0" marR="0" lvl="0" indent="0" algn="l" defTabSz="914400" rtl="0" eaLnBrk="1" fontAlgn="t" latinLnBrk="0" hangingPunct="1">
+                        <a:lnSpc>
+                          <a:spcPct val="100000"/>
+                        </a:lnSpc>
+                        <a:spcBef>
+                          <a:spcPts val="0"/>
+                        </a:spcBef>
+                        <a:spcAft>
+                          <a:spcPts val="0"/>
+                        </a:spcAft>
+                        <a:buClrTx/>
+                        <a:buSzTx/>
+                        <a:buFontTx/>
+                        <a:buNone/>
+                        <a:tabLst/>
+                        <a:defRPr/>
+                      </a:pPr>
+                      <a:r>
+                        <a:rPr lang="en-US" sz="1200" u="none" strike="noStrike" dirty="0" err="1">
+                          <a:effectLst/>
+                        </a:rPr>
+                        <a:t>Ipsita</a:t>
+                      </a:r>
+                      <a:br>
+                        <a:rPr lang="en-US" sz="1200" u="none" strike="noStrike" dirty="0">
+                          <a:effectLst/>
+                        </a:rPr>
+                      </a:br>
+                      <a:r>
+                        <a:rPr lang="en-US" sz="1200" u="none" strike="noStrike" dirty="0">
+                          <a:effectLst/>
+                        </a:rPr>
+                        <a:t>Siobhan</a:t>
+                      </a:r>
+                      <a:br>
+                        <a:rPr lang="en-US" sz="1200" u="none" strike="noStrike" dirty="0">
+                          <a:effectLst/>
+                        </a:rPr>
+                      </a:br>
+                      <a:r>
+                        <a:rPr lang="en-US" sz="1200" u="none" strike="noStrike" dirty="0">
+                          <a:effectLst/>
+                        </a:rPr>
+                        <a:t>Drew </a:t>
+                      </a:r>
+                      <a:endParaRPr lang="en-US" sz="1200" b="0" i="0" u="none" strike="noStrike" dirty="0">
+                        <a:solidFill>
+                          <a:srgbClr val="000000"/>
+                        </a:solidFill>
+                        <a:effectLst/>
+                        <a:latin typeface="Aptos" panose="020B0004020202020204" pitchFamily="34" charset="0"/>
+                      </a:endParaRPr>
+                    </a:p>
+                  </a:txBody>
+                  <a:tcPr marL="7620" marR="7620" marT="7620" marB="0"/>
+                </a:tc>
+                <a:tc>
+                  <a:txBody>
+                    <a:bodyPr/>
+                    <a:lstStyle/>
+                    <a:p>
+                      <a:pPr algn="l" rtl="0" fontAlgn="t"/>
+                      <a:r>
+                        <a:rPr lang="en-US" sz="1200" u="none" strike="noStrike" dirty="0">
+                          <a:effectLst/>
+                        </a:rPr>
+                        <a:t>4/8/2024</a:t>
+                      </a:r>
+                      <a:endParaRPr lang="en-US" sz="1200" b="0" i="0" u="none" strike="noStrike" dirty="0">
+                        <a:solidFill>
+                          <a:srgbClr val="000000"/>
+                        </a:solidFill>
+                        <a:effectLst/>
+                        <a:latin typeface="Aptos" panose="020B0004020202020204" pitchFamily="34" charset="0"/>
+                      </a:endParaRPr>
+                    </a:p>
+                  </a:txBody>
+                  <a:tcPr marL="7620" marR="7620" marT="7620" marB="0"/>
+                </a:tc>
+                <a:tc>
+                  <a:txBody>
+                    <a:bodyPr/>
+                    <a:lstStyle/>
+                    <a:p>
+                      <a:pPr algn="l" rtl="0" fontAlgn="t"/>
+                      <a:r>
+                        <a:rPr lang="en-US" sz="1200" u="none" strike="noStrike" dirty="0">
+                          <a:effectLst/>
+                        </a:rPr>
+                        <a:t>4/12/2024</a:t>
+                      </a:r>
+                      <a:endParaRPr lang="en-US" sz="1200" b="0" i="0" u="none" strike="noStrike" dirty="0">
+                        <a:solidFill>
+                          <a:srgbClr val="000000"/>
+                        </a:solidFill>
+                        <a:effectLst/>
+                        <a:latin typeface="Aptos" panose="020B0004020202020204" pitchFamily="34" charset="0"/>
+                      </a:endParaRPr>
+                    </a:p>
+                  </a:txBody>
+                  <a:tcPr marL="7620" marR="7620" marT="7620" marB="0"/>
+                </a:tc>
+                <a:tc>
+                  <a:txBody>
+                    <a:bodyPr/>
+                    <a:lstStyle/>
+                    <a:p>
+                      <a:pPr algn="l" rtl="0" fontAlgn="t"/>
+                      <a:r>
+                        <a:rPr lang="en-US" sz="1200" b="1" i="0" u="none" strike="noStrike" dirty="0">
+                          <a:solidFill>
+                            <a:srgbClr val="00B0F0"/>
+                          </a:solidFill>
+                          <a:effectLst/>
+                          <a:latin typeface="Aptos" panose="020B0004020202020204" pitchFamily="34" charset="0"/>
+                        </a:rPr>
+                        <a:t>In progress</a:t>
+                      </a:r>
+                    </a:p>
+                  </a:txBody>
+                  <a:tcPr marL="7620" marR="7620" marT="7620" marB="0"/>
+                </a:tc>
+                <a:extLst>
+                  <a:ext uri="{0D108BD9-81ED-4DB2-BD59-A6C34878D82A}">
+                    <a16:rowId xmlns:a16="http://schemas.microsoft.com/office/drawing/2014/main" val="2994349227"/>
+                  </a:ext>
+                </a:extLst>
+              </a:tr>
+              <a:tr h="573099">
+                <a:tc>
+                  <a:txBody>
+                    <a:bodyPr/>
+                    <a:lstStyle/>
+                    <a:p>
+                      <a:pPr algn="l" rtl="0" fontAlgn="t"/>
+                      <a:r>
+                        <a:rPr lang="en-US" sz="1200" b="0" i="0" u="none" strike="noStrike" dirty="0">
+                          <a:solidFill>
+                            <a:srgbClr val="000000"/>
+                          </a:solidFill>
+                          <a:effectLst/>
+                          <a:latin typeface="Aptos" panose="020B0004020202020204" pitchFamily="34" charset="0"/>
+                        </a:rPr>
+                        <a:t>7</a:t>
+                      </a:r>
+                    </a:p>
+                  </a:txBody>
+                  <a:tcPr marL="7620" marR="7620" marT="7620" marB="0"/>
+                </a:tc>
+                <a:tc>
+                  <a:txBody>
+                    <a:bodyPr/>
+                    <a:lstStyle/>
+                    <a:p>
+                      <a:pPr algn="l" rtl="0" fontAlgn="t"/>
+                      <a:r>
+                        <a:rPr lang="en-US" sz="1200" b="0" i="0" u="none" strike="noStrike" dirty="0">
+                          <a:solidFill>
+                            <a:srgbClr val="000000"/>
+                          </a:solidFill>
+                          <a:effectLst/>
+                          <a:latin typeface="Aptos" panose="020B0004020202020204" pitchFamily="34" charset="0"/>
+                        </a:rPr>
+                        <a:t>Validation and testing</a:t>
+                      </a:r>
+                    </a:p>
+                  </a:txBody>
+                  <a:tcPr marL="7620" marR="7620" marT="7620" marB="0"/>
+                </a:tc>
+                <a:tc>
+                  <a:txBody>
+                    <a:bodyPr/>
+                    <a:lstStyle/>
+                    <a:p>
+                      <a:pPr algn="l" rtl="0" fontAlgn="t"/>
+                      <a:r>
+                        <a:rPr lang="en-US" sz="1200" b="0" i="0" u="none" strike="noStrike" dirty="0">
+                          <a:solidFill>
+                            <a:srgbClr val="000000"/>
+                          </a:solidFill>
+                          <a:effectLst/>
+                          <a:latin typeface="Aptos" panose="020B0004020202020204" pitchFamily="34" charset="0"/>
+                        </a:rPr>
+                        <a:t>Testing individual modules</a:t>
+                      </a:r>
+                    </a:p>
+                    <a:p>
+                      <a:pPr algn="l" rtl="0" fontAlgn="t"/>
+                      <a:r>
+                        <a:rPr lang="en-US" sz="1200" b="0" i="0" u="none" strike="noStrike" dirty="0">
+                          <a:solidFill>
+                            <a:srgbClr val="000000"/>
+                          </a:solidFill>
+                          <a:effectLst/>
+                          <a:latin typeface="Aptos" panose="020B0004020202020204" pitchFamily="34" charset="0"/>
+                        </a:rPr>
+                        <a:t>Integration testing</a:t>
+                      </a:r>
+                    </a:p>
+                    <a:p>
+                      <a:pPr algn="l" rtl="0" fontAlgn="t"/>
+                      <a:r>
+                        <a:rPr lang="en-US" sz="1200" b="0" i="0" u="none" strike="noStrike" dirty="0">
+                          <a:solidFill>
+                            <a:srgbClr val="000000"/>
+                          </a:solidFill>
+                          <a:effectLst/>
+                          <a:latin typeface="Aptos" panose="020B0004020202020204" pitchFamily="34" charset="0"/>
+                        </a:rPr>
+                        <a:t>Smoke testing</a:t>
+                      </a:r>
+                    </a:p>
+                    <a:p>
+                      <a:pPr algn="l" rtl="0" fontAlgn="t"/>
+                      <a:r>
+                        <a:rPr lang="en-US" sz="1200" b="0" i="0" u="none" strike="noStrike" dirty="0">
+                          <a:solidFill>
+                            <a:srgbClr val="000000"/>
+                          </a:solidFill>
+                          <a:effectLst/>
+                          <a:latin typeface="Aptos" panose="020B0004020202020204" pitchFamily="34" charset="0"/>
+                        </a:rPr>
+                        <a:t>Regression testing</a:t>
+                      </a:r>
+                    </a:p>
+                  </a:txBody>
+                  <a:tcPr marL="7620" marR="7620" marT="7620" marB="0"/>
+                </a:tc>
+                <a:tc>
+                  <a:txBody>
+                    <a:bodyPr/>
+                    <a:lstStyle/>
+                    <a:p>
+                      <a:pPr marL="0" marR="0" lvl="0" indent="0" algn="l" defTabSz="914400" rtl="0" eaLnBrk="1" fontAlgn="t" latinLnBrk="0" hangingPunct="1">
+                        <a:lnSpc>
+                          <a:spcPct val="100000"/>
+                        </a:lnSpc>
+                        <a:spcBef>
+                          <a:spcPts val="0"/>
+                        </a:spcBef>
+                        <a:spcAft>
+                          <a:spcPts val="0"/>
+                        </a:spcAft>
+                        <a:buClrTx/>
+                        <a:buSzTx/>
+                        <a:buFontTx/>
+                        <a:buNone/>
+                        <a:tabLst/>
+                        <a:defRPr/>
+                      </a:pPr>
+                      <a:r>
+                        <a:rPr lang="en-US" sz="1200" u="none" strike="noStrike" dirty="0" err="1">
+                          <a:effectLst/>
+                        </a:rPr>
+                        <a:t>Ipsita</a:t>
+                      </a:r>
+                      <a:br>
+                        <a:rPr lang="en-US" sz="1200" u="none" strike="noStrike" dirty="0">
+                          <a:effectLst/>
+                        </a:rPr>
+                      </a:br>
+                      <a:r>
+                        <a:rPr lang="en-US" sz="1200" u="none" strike="noStrike" dirty="0">
+                          <a:effectLst/>
+                        </a:rPr>
+                        <a:t>Siobhan</a:t>
+                      </a:r>
+                      <a:br>
+                        <a:rPr lang="en-US" sz="1200" u="none" strike="noStrike" dirty="0">
+                          <a:effectLst/>
+                        </a:rPr>
+                      </a:br>
+                      <a:r>
+                        <a:rPr lang="en-US" sz="1200" u="none" strike="noStrike" dirty="0">
+                          <a:effectLst/>
+                        </a:rPr>
+                        <a:t>Drew </a:t>
+                      </a:r>
+                      <a:endParaRPr lang="en-US" sz="1200" b="0" i="0" u="none" strike="noStrike" dirty="0">
+                        <a:solidFill>
+                          <a:srgbClr val="000000"/>
+                        </a:solidFill>
+                        <a:effectLst/>
+                        <a:latin typeface="Aptos" panose="020B0004020202020204" pitchFamily="34" charset="0"/>
+                      </a:endParaRPr>
+                    </a:p>
+                  </a:txBody>
+                  <a:tcPr marL="7620" marR="7620" marT="7620" marB="0"/>
+                </a:tc>
+                <a:tc>
+                  <a:txBody>
+                    <a:bodyPr/>
+                    <a:lstStyle/>
+                    <a:p>
+                      <a:pPr marL="0" marR="0" lvl="0" indent="0" algn="l" defTabSz="914400" rtl="0" eaLnBrk="1" fontAlgn="t" latinLnBrk="0" hangingPunct="1">
+                        <a:lnSpc>
+                          <a:spcPct val="100000"/>
+                        </a:lnSpc>
+                        <a:spcBef>
+                          <a:spcPts val="0"/>
+                        </a:spcBef>
+                        <a:spcAft>
+                          <a:spcPts val="0"/>
+                        </a:spcAft>
+                        <a:buClrTx/>
+                        <a:buSzTx/>
+                        <a:buFontTx/>
+                        <a:buNone/>
+                        <a:tabLst/>
+                        <a:defRPr/>
+                      </a:pPr>
+                      <a:r>
+                        <a:rPr lang="en-US" sz="1200" u="none" strike="noStrike" dirty="0">
+                          <a:effectLst/>
+                        </a:rPr>
+                        <a:t>4/15/2024</a:t>
+                      </a:r>
+                      <a:endParaRPr lang="en-US" sz="1200" b="0" i="0" u="none" strike="noStrike" dirty="0">
+                        <a:solidFill>
+                          <a:srgbClr val="000000"/>
+                        </a:solidFill>
+                        <a:effectLst/>
+                        <a:latin typeface="Aptos" panose="020B0004020202020204" pitchFamily="34" charset="0"/>
+                      </a:endParaRPr>
+                    </a:p>
+                  </a:txBody>
+                  <a:tcPr marL="7620" marR="7620" marT="7620" marB="0"/>
+                </a:tc>
+                <a:tc>
+                  <a:txBody>
+                    <a:bodyPr/>
+                    <a:lstStyle/>
+                    <a:p>
+                      <a:pPr marL="0" marR="0" lvl="0" indent="0" algn="l" defTabSz="914400" rtl="0" eaLnBrk="1" fontAlgn="t" latinLnBrk="0" hangingPunct="1">
+                        <a:lnSpc>
+                          <a:spcPct val="100000"/>
+                        </a:lnSpc>
+                        <a:spcBef>
+                          <a:spcPts val="0"/>
+                        </a:spcBef>
+                        <a:spcAft>
+                          <a:spcPts val="0"/>
+                        </a:spcAft>
+                        <a:buClrTx/>
+                        <a:buSzTx/>
+                        <a:buFontTx/>
+                        <a:buNone/>
+                        <a:tabLst/>
+                        <a:defRPr/>
+                      </a:pPr>
+                      <a:r>
+                        <a:rPr lang="en-US" sz="1200" u="none" strike="noStrike" dirty="0">
+                          <a:effectLst/>
+                        </a:rPr>
+                        <a:t>4/17/2024</a:t>
+                      </a:r>
+                      <a:endParaRPr lang="en-US" sz="1200" b="0" i="0" u="none" strike="noStrike" dirty="0">
+                        <a:solidFill>
+                          <a:srgbClr val="000000"/>
+                        </a:solidFill>
+                        <a:effectLst/>
+                        <a:latin typeface="Aptos" panose="020B0004020202020204" pitchFamily="34" charset="0"/>
+                      </a:endParaRPr>
+                    </a:p>
+                  </a:txBody>
+                  <a:tcPr marL="7620" marR="7620" marT="7620" marB="0"/>
+                </a:tc>
+                <a:tc>
+                  <a:txBody>
+                    <a:bodyPr/>
+                    <a:lstStyle/>
+                    <a:p>
+                      <a:pPr algn="l" rtl="0" fontAlgn="t"/>
+                      <a:r>
+                        <a:rPr lang="en-US" sz="1200" b="1" i="0" u="none" strike="noStrike" dirty="0">
+                          <a:solidFill>
+                            <a:srgbClr val="00B0F0"/>
+                          </a:solidFill>
+                          <a:effectLst/>
+                          <a:latin typeface="Aptos" panose="020B0004020202020204" pitchFamily="34" charset="0"/>
+                        </a:rPr>
+                        <a:t>Planned</a:t>
+                      </a:r>
+                    </a:p>
+                  </a:txBody>
+                  <a:tcPr marL="7620" marR="7620" marT="7620" marB="0"/>
+                </a:tc>
+                <a:extLst>
+                  <a:ext uri="{0D108BD9-81ED-4DB2-BD59-A6C34878D82A}">
+                    <a16:rowId xmlns:a16="http://schemas.microsoft.com/office/drawing/2014/main" val="3712259651"/>
+                  </a:ext>
+                </a:extLst>
+              </a:tr>
+              <a:tr h="573099">
+                <a:tc>
+                  <a:txBody>
+                    <a:bodyPr/>
+                    <a:lstStyle/>
+                    <a:p>
+                      <a:pPr algn="l" rtl="0" fontAlgn="t"/>
+                      <a:r>
+                        <a:rPr lang="en-US" sz="1200" b="0" i="0" u="none" strike="noStrike" dirty="0">
+                          <a:solidFill>
+                            <a:srgbClr val="000000"/>
+                          </a:solidFill>
+                          <a:effectLst/>
+                          <a:latin typeface="Aptos" panose="020B0004020202020204" pitchFamily="34" charset="0"/>
+                        </a:rPr>
+                        <a:t>8</a:t>
+                      </a:r>
+                    </a:p>
+                  </a:txBody>
+                  <a:tcPr marL="7620" marR="7620" marT="7620" marB="0"/>
+                </a:tc>
+                <a:tc>
+                  <a:txBody>
+                    <a:bodyPr/>
+                    <a:lstStyle/>
+                    <a:p>
+                      <a:pPr algn="l" rtl="0" fontAlgn="t"/>
+                      <a:r>
+                        <a:rPr lang="en-US" sz="1200" b="0" i="0" u="none" strike="noStrike" dirty="0">
+                          <a:solidFill>
+                            <a:srgbClr val="000000"/>
+                          </a:solidFill>
+                          <a:effectLst/>
+                          <a:latin typeface="Aptos" panose="020B0004020202020204" pitchFamily="34" charset="0"/>
+                        </a:rPr>
+                        <a:t>Project completion and final presentation</a:t>
+                      </a:r>
+                    </a:p>
+                  </a:txBody>
+                  <a:tcPr marL="7620" marR="7620" marT="7620" marB="0"/>
+                </a:tc>
+                <a:tc>
+                  <a:txBody>
+                    <a:bodyPr/>
+                    <a:lstStyle/>
+                    <a:p>
+                      <a:pPr algn="l" rtl="0" fontAlgn="t"/>
+                      <a:r>
+                        <a:rPr lang="en-US" sz="1200" b="0" i="0" u="none" strike="noStrike" dirty="0">
+                          <a:solidFill>
+                            <a:srgbClr val="000000"/>
+                          </a:solidFill>
+                          <a:effectLst/>
+                          <a:latin typeface="Aptos" panose="020B0004020202020204" pitchFamily="34" charset="0"/>
+                        </a:rPr>
+                        <a:t>Presentation of individual modules</a:t>
+                      </a:r>
+                    </a:p>
+                  </a:txBody>
+                  <a:tcPr marL="7620" marR="7620" marT="7620" marB="0"/>
+                </a:tc>
+                <a:tc>
+                  <a:txBody>
+                    <a:bodyPr/>
+                    <a:lstStyle/>
+                    <a:p>
+                      <a:pPr marL="0" marR="0" lvl="0" indent="0" algn="l" defTabSz="914400" rtl="0" eaLnBrk="1" fontAlgn="t" latinLnBrk="0" hangingPunct="1">
+                        <a:lnSpc>
+                          <a:spcPct val="100000"/>
+                        </a:lnSpc>
+                        <a:spcBef>
+                          <a:spcPts val="0"/>
+                        </a:spcBef>
+                        <a:spcAft>
+                          <a:spcPts val="0"/>
+                        </a:spcAft>
+                        <a:buClrTx/>
+                        <a:buSzTx/>
+                        <a:buFontTx/>
+                        <a:buNone/>
+                        <a:tabLst/>
+                        <a:defRPr/>
+                      </a:pPr>
+                      <a:r>
+                        <a:rPr lang="en-US" sz="1200" u="none" strike="noStrike" dirty="0" err="1">
+                          <a:effectLst/>
+                        </a:rPr>
+                        <a:t>Ipsita</a:t>
+                      </a:r>
+                      <a:br>
+                        <a:rPr lang="en-US" sz="1200" u="none" strike="noStrike" dirty="0">
+                          <a:effectLst/>
+                        </a:rPr>
+                      </a:br>
+                      <a:r>
+                        <a:rPr lang="en-US" sz="1200" u="none" strike="noStrike" dirty="0">
+                          <a:effectLst/>
+                        </a:rPr>
+                        <a:t>Siobhan</a:t>
+                      </a:r>
+                      <a:br>
+                        <a:rPr lang="en-US" sz="1200" u="none" strike="noStrike" dirty="0">
+                          <a:effectLst/>
+                        </a:rPr>
+                      </a:br>
+                      <a:r>
+                        <a:rPr lang="en-US" sz="1200" u="none" strike="noStrike" dirty="0">
+                          <a:effectLst/>
+                        </a:rPr>
+                        <a:t>Drew </a:t>
+                      </a:r>
+                      <a:endParaRPr lang="en-US" sz="1200" b="0" i="0" u="none" strike="noStrike" dirty="0">
+                        <a:solidFill>
+                          <a:srgbClr val="000000"/>
+                        </a:solidFill>
+                        <a:effectLst/>
+                        <a:latin typeface="Aptos" panose="020B0004020202020204" pitchFamily="34" charset="0"/>
+                      </a:endParaRPr>
+                    </a:p>
+                  </a:txBody>
+                  <a:tcPr marL="7620" marR="7620" marT="7620" marB="0"/>
+                </a:tc>
+                <a:tc>
+                  <a:txBody>
+                    <a:bodyPr/>
+                    <a:lstStyle/>
+                    <a:p>
+                      <a:pPr marL="0" marR="0" lvl="0" indent="0" algn="l" defTabSz="914400" rtl="0" eaLnBrk="1" fontAlgn="t" latinLnBrk="0" hangingPunct="1">
+                        <a:lnSpc>
+                          <a:spcPct val="100000"/>
+                        </a:lnSpc>
+                        <a:spcBef>
+                          <a:spcPts val="0"/>
+                        </a:spcBef>
+                        <a:spcAft>
+                          <a:spcPts val="0"/>
+                        </a:spcAft>
+                        <a:buClrTx/>
+                        <a:buSzTx/>
+                        <a:buFontTx/>
+                        <a:buNone/>
+                        <a:tabLst/>
+                        <a:defRPr/>
+                      </a:pPr>
+                      <a:r>
+                        <a:rPr lang="en-US" sz="1200" u="none" strike="noStrike" dirty="0">
+                          <a:effectLst/>
+                        </a:rPr>
+                        <a:t>4/18/2024</a:t>
+                      </a:r>
+                      <a:endParaRPr lang="en-US" sz="1200" b="0" i="0" u="none" strike="noStrike" dirty="0">
+                        <a:solidFill>
+                          <a:srgbClr val="000000"/>
+                        </a:solidFill>
+                        <a:effectLst/>
+                        <a:latin typeface="Aptos" panose="020B0004020202020204" pitchFamily="34" charset="0"/>
+                      </a:endParaRPr>
+                    </a:p>
+                  </a:txBody>
+                  <a:tcPr marL="7620" marR="7620" marT="7620" marB="0"/>
+                </a:tc>
+                <a:tc>
+                  <a:txBody>
+                    <a:bodyPr/>
+                    <a:lstStyle/>
+                    <a:p>
+                      <a:pPr marL="0" marR="0" lvl="0" indent="0" algn="l" defTabSz="914400" rtl="0" eaLnBrk="1" fontAlgn="t" latinLnBrk="0" hangingPunct="1">
+                        <a:lnSpc>
+                          <a:spcPct val="100000"/>
+                        </a:lnSpc>
+                        <a:spcBef>
+                          <a:spcPts val="0"/>
+                        </a:spcBef>
+                        <a:spcAft>
+                          <a:spcPts val="0"/>
+                        </a:spcAft>
+                        <a:buClrTx/>
+                        <a:buSzTx/>
+                        <a:buFontTx/>
+                        <a:buNone/>
+                        <a:tabLst/>
+                        <a:defRPr/>
+                      </a:pPr>
+                      <a:r>
+                        <a:rPr lang="en-US" sz="1200" u="none" strike="noStrike" dirty="0">
+                          <a:effectLst/>
+                        </a:rPr>
+                        <a:t>4/18/2024</a:t>
+                      </a:r>
+                      <a:endParaRPr lang="en-US" sz="1200" b="0" i="0" u="none" strike="noStrike" dirty="0">
+                        <a:solidFill>
+                          <a:srgbClr val="000000"/>
+                        </a:solidFill>
+                        <a:effectLst/>
+                        <a:latin typeface="Aptos" panose="020B0004020202020204" pitchFamily="34" charset="0"/>
+                      </a:endParaRPr>
+                    </a:p>
+                  </a:txBody>
+                  <a:tcPr marL="7620" marR="7620" marT="7620" marB="0"/>
+                </a:tc>
+                <a:tc>
+                  <a:txBody>
+                    <a:bodyPr/>
+                    <a:lstStyle/>
+                    <a:p>
+                      <a:pPr algn="l" rtl="0" fontAlgn="t"/>
+                      <a:r>
+                        <a:rPr lang="en-US" sz="1200" b="1" i="0" u="none" strike="noStrike" dirty="0">
+                          <a:solidFill>
+                            <a:srgbClr val="00B0F0"/>
+                          </a:solidFill>
+                          <a:effectLst/>
+                          <a:latin typeface="Aptos" panose="020B0004020202020204" pitchFamily="34" charset="0"/>
+                        </a:rPr>
+                        <a:t>Planned</a:t>
+                      </a:r>
+                    </a:p>
+                  </a:txBody>
+                  <a:tcPr marL="7620" marR="7620" marT="7620" marB="0"/>
+                </a:tc>
+                <a:extLst>
+                  <a:ext uri="{0D108BD9-81ED-4DB2-BD59-A6C34878D82A}">
+                    <a16:rowId xmlns:a16="http://schemas.microsoft.com/office/drawing/2014/main" val="740330384"/>
+                  </a:ext>
+                </a:extLst>
+              </a:tr>
+            </a:tbl>
+          </a:graphicData>
+        </a:graphic>
+      </p:graphicFrame>
+    </p:spTree>
+    <p:extLst>
+      <p:ext uri="{BB962C8B-B14F-4D97-AF65-F5344CB8AC3E}">
+        <p14:creationId xmlns:p14="http://schemas.microsoft.com/office/powerpoint/2010/main" val="1168430258"/>
       </p:ext>
     </p:extLst>
   </p:cSld>

--- a/Stock_market_dasboard_plan.pptx
+++ b/Stock_market_dasboard_plan.pptx
@@ -3545,15 +3545,15 @@
                   <a:schemeClr val="tx2"/>
                 </a:solidFill>
               </a:rPr>
-              <a:t> Create an interactive dashboard using html, JavaScript, </a:t>
+              <a:t> Create an interactive dashboard using html</a:t>
             </a:r>
             <a:r>
-              <a:rPr lang="en-US" sz="1800" dirty="0" err="1">
+              <a:rPr lang="en-US" sz="1800">
                 <a:solidFill>
                   <a:schemeClr val="tx2"/>
                 </a:solidFill>
               </a:rPr>
-              <a:t>css</a:t>
+              <a:t>, JavaScript and </a:t>
             </a:r>
             <a:r>
               <a:rPr lang="en-US" sz="1800" dirty="0">
@@ -3561,7 +3561,7 @@
                   <a:schemeClr val="tx2"/>
                 </a:solidFill>
               </a:rPr>
-              <a:t> and using external public APIs (through </a:t>
+              <a:t>using external public APIs (through </a:t>
             </a:r>
             <a:r>
               <a:rPr lang="en-US" sz="1800" dirty="0" err="1">
@@ -8100,14 +8100,14 @@
           <p:nvPr>
             <p:extLst>
               <p:ext uri="{D42A27DB-BD31-4B8C-83A1-F6EECF244321}">
-                <p14:modId xmlns:p14="http://schemas.microsoft.com/office/powerpoint/2010/main" val="3605579446"/>
+                <p14:modId xmlns:p14="http://schemas.microsoft.com/office/powerpoint/2010/main" val="2866561665"/>
               </p:ext>
             </p:extLst>
           </p:nvPr>
         </p:nvGraphicFramePr>
         <p:xfrm>
           <a:off x="1154811" y="940880"/>
-          <a:ext cx="9882377" cy="4841729"/>
+          <a:ext cx="9882377" cy="4852901"/>
         </p:xfrm>
         <a:graphic>
           <a:graphicData uri="http://schemas.openxmlformats.org/drawingml/2006/table">
@@ -8765,18 +8765,24 @@
                     <a:p>
                       <a:pPr algn="l" rtl="0" fontAlgn="t"/>
                       <a:r>
-                        <a:rPr lang="en-US" sz="1200" u="none" strike="noStrike">
+                        <a:rPr lang="en-US" sz="1200" u="none" strike="noStrike" dirty="0">
                           <a:effectLst/>
                         </a:rPr>
                         <a:t>Prepare a prototype of the project</a:t>
                       </a:r>
-                      <a:endParaRPr lang="en-US" sz="1200" b="0" i="0" u="none" strike="noStrike">
-                        <a:solidFill>
-                          <a:srgbClr val="000000"/>
-                        </a:solidFill>
-                        <a:effectLst/>
-                        <a:latin typeface="Aptos" panose="020B0004020202020204" pitchFamily="34" charset="0"/>
-                      </a:endParaRPr>
+                    </a:p>
+                    <a:p>
+                      <a:pPr algn="l" rtl="0" fontAlgn="t"/>
+                      <a:r>
+                        <a:rPr lang="en-US" sz="1200" b="0" i="0" u="none" strike="noStrike">
+                          <a:solidFill>
+                            <a:srgbClr val="000000"/>
+                          </a:solidFill>
+                          <a:effectLst/>
+                          <a:latin typeface="Aptos" panose="020B0004020202020204" pitchFamily="34" charset="0"/>
+                        </a:rPr>
+                        <a:t>Update Readme file</a:t>
+                      </a:r>
                     </a:p>
                   </a:txBody>
                   <a:tcPr marL="7620" marR="7620" marT="7620" marB="0"/>

--- a/Stock_market_dasboard_plan.pptx
+++ b/Stock_market_dasboard_plan.pptx
@@ -3545,23 +3545,7 @@
                   <a:schemeClr val="tx2"/>
                 </a:solidFill>
               </a:rPr>
-              <a:t> Create an interactive dashboard using html, JavaScript, </a:t>
-            </a:r>
-            <a:r>
-              <a:rPr lang="en-US" sz="1800" dirty="0" err="1">
-                <a:solidFill>
-                  <a:schemeClr val="tx2"/>
-                </a:solidFill>
-              </a:rPr>
-              <a:t>css</a:t>
-            </a:r>
-            <a:r>
-              <a:rPr lang="en-US" sz="1800" dirty="0">
-                <a:solidFill>
-                  <a:schemeClr val="tx2"/>
-                </a:solidFill>
-              </a:rPr>
-              <a:t> and using external public APIs (through </a:t>
+              <a:t> Create an interactive dashboard using html, JavaScript, and using external public APIs (through </a:t>
             </a:r>
             <a:r>
               <a:rPr lang="en-US" sz="1800" dirty="0" err="1">
@@ -8100,14 +8084,14 @@
           <p:nvPr>
             <p:extLst>
               <p:ext uri="{D42A27DB-BD31-4B8C-83A1-F6EECF244321}">
-                <p14:modId xmlns:p14="http://schemas.microsoft.com/office/powerpoint/2010/main" val="3605579446"/>
+                <p14:modId xmlns:p14="http://schemas.microsoft.com/office/powerpoint/2010/main" val="4189771217"/>
               </p:ext>
             </p:extLst>
           </p:nvPr>
         </p:nvGraphicFramePr>
         <p:xfrm>
           <a:off x="1154811" y="940880"/>
-          <a:ext cx="9882377" cy="4841729"/>
+          <a:ext cx="9882377" cy="4673894"/>
         </p:xfrm>
         <a:graphic>
           <a:graphicData uri="http://schemas.openxmlformats.org/drawingml/2006/table">
@@ -8333,7 +8317,7 @@
                   </a:ext>
                 </a:extLst>
               </a:tr>
-              <a:tr h="854711">
+              <a:tr h="675704">
                 <a:tc>
                   <a:txBody>
                     <a:bodyPr/>
@@ -8385,29 +8369,34 @@
                     <a:bodyPr/>
                     <a:lstStyle/>
                     <a:p>
-                      <a:pPr algn="l" rtl="0" fontAlgn="t"/>
+                      <a:pPr marL="171450" indent="-171450" algn="l" rtl="0" fontAlgn="t">
+                        <a:buFont typeface="Arial" panose="020B0604020202020204" pitchFamily="34" charset="0"/>
+                        <a:buChar char="•"/>
+                      </a:pPr>
                       <a:r>
                         <a:rPr lang="en-US" sz="1200" u="none" strike="noStrike" dirty="0">
                           <a:effectLst/>
                         </a:rPr>
                         <a:t>Ideation</a:t>
                       </a:r>
-                      <a:br>
-                        <a:rPr lang="en-US" sz="1200" u="none" strike="noStrike" dirty="0">
-                          <a:effectLst/>
-                        </a:rPr>
-                      </a:br>
+                    </a:p>
+                    <a:p>
+                      <a:pPr marL="171450" indent="-171450" algn="l" rtl="0" fontAlgn="t">
+                        <a:buFont typeface="Arial" panose="020B0604020202020204" pitchFamily="34" charset="0"/>
+                        <a:buChar char="•"/>
+                      </a:pPr>
                       <a:r>
                         <a:rPr lang="en-US" sz="1200" u="none" strike="noStrike" dirty="0">
                           <a:effectLst/>
                         </a:rPr>
                         <a:t>Project identification </a:t>
                       </a:r>
-                      <a:br>
-                        <a:rPr lang="en-US" sz="1200" u="none" strike="noStrike" dirty="0">
-                          <a:effectLst/>
-                        </a:rPr>
-                      </a:br>
+                    </a:p>
+                    <a:p>
+                      <a:pPr marL="171450" indent="-171450" algn="l" rtl="0" fontAlgn="t">
+                        <a:buFont typeface="Arial" panose="020B0604020202020204" pitchFamily="34" charset="0"/>
+                        <a:buChar char="•"/>
+                      </a:pPr>
                       <a:r>
                         <a:rPr lang="en-US" sz="1200" u="none" strike="noStrike" dirty="0">
                           <a:effectLst/>
@@ -8763,20 +8752,32 @@
                     <a:bodyPr/>
                     <a:lstStyle/>
                     <a:p>
-                      <a:pPr algn="l" rtl="0" fontAlgn="t"/>
+                      <a:pPr marL="171450" indent="-171450" algn="l" rtl="0" fontAlgn="t">
+                        <a:buFont typeface="Arial" panose="020B0604020202020204" pitchFamily="34" charset="0"/>
+                        <a:buChar char="•"/>
+                      </a:pPr>
                       <a:r>
-                        <a:rPr lang="en-US" sz="1200" u="none" strike="noStrike">
+                        <a:rPr lang="en-US" sz="1200" u="none" strike="noStrike" dirty="0">
                           <a:effectLst/>
                         </a:rPr>
                         <a:t>Prepare a prototype of the project</a:t>
                       </a:r>
-                      <a:endParaRPr lang="en-US" sz="1200" b="0" i="0" u="none" strike="noStrike">
-                        <a:solidFill>
-                          <a:srgbClr val="000000"/>
-                        </a:solidFill>
-                        <a:effectLst/>
-                        <a:latin typeface="Aptos" panose="020B0004020202020204" pitchFamily="34" charset="0"/>
-                      </a:endParaRPr>
+                    </a:p>
+                    <a:p>
+                      <a:pPr marL="171450" indent="-171450" algn="l" rtl="0" fontAlgn="t">
+                        <a:buFont typeface="Arial" panose="020B0604020202020204" pitchFamily="34" charset="0"/>
+                        <a:buChar char="•"/>
+                      </a:pPr>
+                      <a:r>
+                        <a:rPr lang="en-US" sz="1200" b="0" i="0" u="none" strike="noStrike" dirty="0">
+                          <a:solidFill>
+                            <a:srgbClr val="000000"/>
+                          </a:solidFill>
+                          <a:effectLst/>
+                          <a:latin typeface="Aptos" panose="020B0004020202020204" pitchFamily="34" charset="0"/>
+                        </a:rPr>
+                        <a:t>Update readme file</a:t>
+                      </a:r>
                     </a:p>
                   </a:txBody>
                   <a:tcPr marL="7620" marR="7620" marT="7620" marB="0"/>
@@ -9461,7 +9462,10 @@
                     <a:bodyPr/>
                     <a:lstStyle/>
                     <a:p>
-                      <a:pPr algn="l" rtl="0" fontAlgn="t"/>
+                      <a:pPr marL="171450" indent="-171450" algn="l" rtl="0" fontAlgn="t">
+                        <a:buFont typeface="Arial" panose="020B0604020202020204" pitchFamily="34" charset="0"/>
+                        <a:buChar char="•"/>
+                      </a:pPr>
                       <a:r>
                         <a:rPr lang="en-US" sz="1200" b="0" i="0" u="none" strike="noStrike" dirty="0">
                           <a:solidFill>
@@ -9474,7 +9478,10 @@
                       </a:r>
                     </a:p>
                     <a:p>
-                      <a:pPr algn="l" rtl="0" fontAlgn="t"/>
+                      <a:pPr marL="171450" indent="-171450" algn="l" rtl="0" fontAlgn="t">
+                        <a:buFont typeface="Arial" panose="020B0604020202020204" pitchFamily="34" charset="0"/>
+                        <a:buChar char="•"/>
+                      </a:pPr>
                       <a:r>
                         <a:rPr lang="en-US" sz="1200" b="0" i="0" u="none" strike="noStrike" dirty="0">
                           <a:solidFill>
@@ -9487,7 +9494,10 @@
                       </a:r>
                     </a:p>
                     <a:p>
-                      <a:pPr algn="l" rtl="0" fontAlgn="t"/>
+                      <a:pPr marL="171450" indent="-171450" algn="l" rtl="0" fontAlgn="t">
+                        <a:buFont typeface="Arial" panose="020B0604020202020204" pitchFamily="34" charset="0"/>
+                        <a:buChar char="•"/>
+                      </a:pPr>
                       <a:r>
                         <a:rPr lang="en-US" sz="1200" b="0" i="0" u="none" strike="noStrike" dirty="0">
                           <a:solidFill>
@@ -9500,7 +9510,10 @@
                       </a:r>
                     </a:p>
                     <a:p>
-                      <a:pPr algn="l" rtl="0" fontAlgn="t"/>
+                      <a:pPr marL="171450" indent="-171450" algn="l" rtl="0" fontAlgn="t">
+                        <a:buFont typeface="Arial" panose="020B0604020202020204" pitchFamily="34" charset="0"/>
+                        <a:buChar char="•"/>
+                      </a:pPr>
                       <a:r>
                         <a:rPr lang="en-US" sz="1200" b="0" i="0" u="none" strike="noStrike" dirty="0">
                           <a:solidFill>

--- a/Stock_market_dasboard_plan.pptx
+++ b/Stock_market_dasboard_plan.pptx
@@ -261,7 +261,7 @@
           <a:p>
             <a:fld id="{42F7D9E6-9273-4860-83CF-E9331A9893FE}" type="datetimeFigureOut">
               <a:rPr lang="en-US" smtClean="0"/>
-              <a:t>4/6/2024</a:t>
+              <a:t>4/7/2024</a:t>
             </a:fld>
             <a:endParaRPr lang="en-US"/>
           </a:p>
@@ -459,7 +459,7 @@
           <a:p>
             <a:fld id="{42F7D9E6-9273-4860-83CF-E9331A9893FE}" type="datetimeFigureOut">
               <a:rPr lang="en-US" smtClean="0"/>
-              <a:t>4/6/2024</a:t>
+              <a:t>4/7/2024</a:t>
             </a:fld>
             <a:endParaRPr lang="en-US"/>
           </a:p>
@@ -667,7 +667,7 @@
           <a:p>
             <a:fld id="{42F7D9E6-9273-4860-83CF-E9331A9893FE}" type="datetimeFigureOut">
               <a:rPr lang="en-US" smtClean="0"/>
-              <a:t>4/6/2024</a:t>
+              <a:t>4/7/2024</a:t>
             </a:fld>
             <a:endParaRPr lang="en-US"/>
           </a:p>
@@ -865,7 +865,7 @@
           <a:p>
             <a:fld id="{42F7D9E6-9273-4860-83CF-E9331A9893FE}" type="datetimeFigureOut">
               <a:rPr lang="en-US" smtClean="0"/>
-              <a:t>4/6/2024</a:t>
+              <a:t>4/7/2024</a:t>
             </a:fld>
             <a:endParaRPr lang="en-US"/>
           </a:p>
@@ -1140,7 +1140,7 @@
           <a:p>
             <a:fld id="{42F7D9E6-9273-4860-83CF-E9331A9893FE}" type="datetimeFigureOut">
               <a:rPr lang="en-US" smtClean="0"/>
-              <a:t>4/6/2024</a:t>
+              <a:t>4/7/2024</a:t>
             </a:fld>
             <a:endParaRPr lang="en-US"/>
           </a:p>
@@ -1405,7 +1405,7 @@
           <a:p>
             <a:fld id="{42F7D9E6-9273-4860-83CF-E9331A9893FE}" type="datetimeFigureOut">
               <a:rPr lang="en-US" smtClean="0"/>
-              <a:t>4/6/2024</a:t>
+              <a:t>4/7/2024</a:t>
             </a:fld>
             <a:endParaRPr lang="en-US"/>
           </a:p>
@@ -1817,7 +1817,7 @@
           <a:p>
             <a:fld id="{42F7D9E6-9273-4860-83CF-E9331A9893FE}" type="datetimeFigureOut">
               <a:rPr lang="en-US" smtClean="0"/>
-              <a:t>4/6/2024</a:t>
+              <a:t>4/7/2024</a:t>
             </a:fld>
             <a:endParaRPr lang="en-US"/>
           </a:p>
@@ -1958,7 +1958,7 @@
           <a:p>
             <a:fld id="{42F7D9E6-9273-4860-83CF-E9331A9893FE}" type="datetimeFigureOut">
               <a:rPr lang="en-US" smtClean="0"/>
-              <a:t>4/6/2024</a:t>
+              <a:t>4/7/2024</a:t>
             </a:fld>
             <a:endParaRPr lang="en-US"/>
           </a:p>
@@ -2071,7 +2071,7 @@
           <a:p>
             <a:fld id="{42F7D9E6-9273-4860-83CF-E9331A9893FE}" type="datetimeFigureOut">
               <a:rPr lang="en-US" smtClean="0"/>
-              <a:t>4/6/2024</a:t>
+              <a:t>4/7/2024</a:t>
             </a:fld>
             <a:endParaRPr lang="en-US"/>
           </a:p>
@@ -2382,7 +2382,7 @@
           <a:p>
             <a:fld id="{42F7D9E6-9273-4860-83CF-E9331A9893FE}" type="datetimeFigureOut">
               <a:rPr lang="en-US" smtClean="0"/>
-              <a:t>4/6/2024</a:t>
+              <a:t>4/7/2024</a:t>
             </a:fld>
             <a:endParaRPr lang="en-US"/>
           </a:p>
@@ -2670,7 +2670,7 @@
           <a:p>
             <a:fld id="{42F7D9E6-9273-4860-83CF-E9331A9893FE}" type="datetimeFigureOut">
               <a:rPr lang="en-US" smtClean="0"/>
-              <a:t>4/6/2024</a:t>
+              <a:t>4/7/2024</a:t>
             </a:fld>
             <a:endParaRPr lang="en-US"/>
           </a:p>
@@ -2911,7 +2911,7 @@
           <a:p>
             <a:fld id="{42F7D9E6-9273-4860-83CF-E9331A9893FE}" type="datetimeFigureOut">
               <a:rPr lang="en-US" smtClean="0"/>
-              <a:t>4/6/2024</a:t>
+              <a:t>4/7/2024</a:t>
             </a:fld>
             <a:endParaRPr lang="en-US"/>
           </a:p>
@@ -3587,7 +3587,23 @@
                   <a:schemeClr val="tx2"/>
                 </a:solidFill>
               </a:rPr>
-              <a:t>Display the growth of $1000 over these 2 years if invested in these stocks and compare the performance of multiple stocks in a single line graph.</a:t>
+              <a:t>Display the growth of $1000 over </a:t>
+            </a:r>
+            <a:r>
+              <a:rPr lang="en-US" sz="1800">
+                <a:solidFill>
+                  <a:schemeClr val="tx2"/>
+                </a:solidFill>
+              </a:rPr>
+              <a:t>these 23 </a:t>
+            </a:r>
+            <a:r>
+              <a:rPr lang="en-US" sz="1800" dirty="0">
+                <a:solidFill>
+                  <a:schemeClr val="tx2"/>
+                </a:solidFill>
+              </a:rPr>
+              <a:t>years if invested in these stocks and compare the performance of multiple stocks in a single line graph.</a:t>
             </a:r>
           </a:p>
           <a:p>

--- a/Stock_market_dasboard_plan.pptx
+++ b/Stock_market_dasboard_plan.pptx
@@ -261,7 +261,7 @@
           <a:p>
             <a:fld id="{42F7D9E6-9273-4860-83CF-E9331A9893FE}" type="datetimeFigureOut">
               <a:rPr lang="en-US" smtClean="0"/>
-              <a:t>4/7/2024</a:t>
+              <a:t>4/8/2024</a:t>
             </a:fld>
             <a:endParaRPr lang="en-US"/>
           </a:p>
@@ -459,7 +459,7 @@
           <a:p>
             <a:fld id="{42F7D9E6-9273-4860-83CF-E9331A9893FE}" type="datetimeFigureOut">
               <a:rPr lang="en-US" smtClean="0"/>
-              <a:t>4/7/2024</a:t>
+              <a:t>4/8/2024</a:t>
             </a:fld>
             <a:endParaRPr lang="en-US"/>
           </a:p>
@@ -667,7 +667,7 @@
           <a:p>
             <a:fld id="{42F7D9E6-9273-4860-83CF-E9331A9893FE}" type="datetimeFigureOut">
               <a:rPr lang="en-US" smtClean="0"/>
-              <a:t>4/7/2024</a:t>
+              <a:t>4/8/2024</a:t>
             </a:fld>
             <a:endParaRPr lang="en-US"/>
           </a:p>
@@ -865,7 +865,7 @@
           <a:p>
             <a:fld id="{42F7D9E6-9273-4860-83CF-E9331A9893FE}" type="datetimeFigureOut">
               <a:rPr lang="en-US" smtClean="0"/>
-              <a:t>4/7/2024</a:t>
+              <a:t>4/8/2024</a:t>
             </a:fld>
             <a:endParaRPr lang="en-US"/>
           </a:p>
@@ -1140,7 +1140,7 @@
           <a:p>
             <a:fld id="{42F7D9E6-9273-4860-83CF-E9331A9893FE}" type="datetimeFigureOut">
               <a:rPr lang="en-US" smtClean="0"/>
-              <a:t>4/7/2024</a:t>
+              <a:t>4/8/2024</a:t>
             </a:fld>
             <a:endParaRPr lang="en-US"/>
           </a:p>
@@ -1405,7 +1405,7 @@
           <a:p>
             <a:fld id="{42F7D9E6-9273-4860-83CF-E9331A9893FE}" type="datetimeFigureOut">
               <a:rPr lang="en-US" smtClean="0"/>
-              <a:t>4/7/2024</a:t>
+              <a:t>4/8/2024</a:t>
             </a:fld>
             <a:endParaRPr lang="en-US"/>
           </a:p>
@@ -1817,7 +1817,7 @@
           <a:p>
             <a:fld id="{42F7D9E6-9273-4860-83CF-E9331A9893FE}" type="datetimeFigureOut">
               <a:rPr lang="en-US" smtClean="0"/>
-              <a:t>4/7/2024</a:t>
+              <a:t>4/8/2024</a:t>
             </a:fld>
             <a:endParaRPr lang="en-US"/>
           </a:p>
@@ -1958,7 +1958,7 @@
           <a:p>
             <a:fld id="{42F7D9E6-9273-4860-83CF-E9331A9893FE}" type="datetimeFigureOut">
               <a:rPr lang="en-US" smtClean="0"/>
-              <a:t>4/7/2024</a:t>
+              <a:t>4/8/2024</a:t>
             </a:fld>
             <a:endParaRPr lang="en-US"/>
           </a:p>
@@ -2071,7 +2071,7 @@
           <a:p>
             <a:fld id="{42F7D9E6-9273-4860-83CF-E9331A9893FE}" type="datetimeFigureOut">
               <a:rPr lang="en-US" smtClean="0"/>
-              <a:t>4/7/2024</a:t>
+              <a:t>4/8/2024</a:t>
             </a:fld>
             <a:endParaRPr lang="en-US"/>
           </a:p>
@@ -2382,7 +2382,7 @@
           <a:p>
             <a:fld id="{42F7D9E6-9273-4860-83CF-E9331A9893FE}" type="datetimeFigureOut">
               <a:rPr lang="en-US" smtClean="0"/>
-              <a:t>4/7/2024</a:t>
+              <a:t>4/8/2024</a:t>
             </a:fld>
             <a:endParaRPr lang="en-US"/>
           </a:p>
@@ -2670,7 +2670,7 @@
           <a:p>
             <a:fld id="{42F7D9E6-9273-4860-83CF-E9331A9893FE}" type="datetimeFigureOut">
               <a:rPr lang="en-US" smtClean="0"/>
-              <a:t>4/7/2024</a:t>
+              <a:t>4/8/2024</a:t>
             </a:fld>
             <a:endParaRPr lang="en-US"/>
           </a:p>
@@ -2911,7 +2911,7 @@
           <a:p>
             <a:fld id="{42F7D9E6-9273-4860-83CF-E9331A9893FE}" type="datetimeFigureOut">
               <a:rPr lang="en-US" smtClean="0"/>
-              <a:t>4/7/2024</a:t>
+              <a:t>4/8/2024</a:t>
             </a:fld>
             <a:endParaRPr lang="en-US"/>
           </a:p>
@@ -8100,7 +8100,7 @@
           <p:nvPr>
             <p:extLst>
               <p:ext uri="{D42A27DB-BD31-4B8C-83A1-F6EECF244321}">
-                <p14:modId xmlns:p14="http://schemas.microsoft.com/office/powerpoint/2010/main" val="4189771217"/>
+                <p14:modId xmlns:p14="http://schemas.microsoft.com/office/powerpoint/2010/main" val="2691918078"/>
               </p:ext>
             </p:extLst>
           </p:nvPr>
@@ -8952,7 +8952,13 @@
                         <a:rPr lang="en-US" sz="1200" u="none" strike="noStrike" dirty="0">
                           <a:effectLst/>
                         </a:rPr>
-                        <a:t>Pull JSON data through URL - https://rapidapi.com/letscrape-6bRBa3QguO5/api/real-time-finance-data</a:t>
+                        <a:t>Pull JSON data through URL </a:t>
+                      </a:r>
+                      <a:r>
+                        <a:rPr lang="en-US" sz="1200" u="none" strike="noStrike">
+                          <a:effectLst/>
+                        </a:rPr>
+                        <a:t>- https://rapidapi.com/api4stocks/api/apistocks</a:t>
                       </a:r>
                       <a:endParaRPr lang="en-US" sz="1200" b="0" i="0" u="none" strike="noStrike" dirty="0">
                         <a:solidFill>

--- a/Stock_market_dasboard_plan.pptx
+++ b/Stock_market_dasboard_plan.pptx
@@ -5,9 +5,11 @@
     <p:sldMasterId id="2147483648" r:id="rId1"/>
   </p:sldMasterIdLst>
   <p:sldIdLst>
-    <p:sldId id="257" r:id="rId2"/>
-    <p:sldId id="256" r:id="rId3"/>
-    <p:sldId id="260" r:id="rId4"/>
+    <p:sldId id="261" r:id="rId2"/>
+    <p:sldId id="257" r:id="rId3"/>
+    <p:sldId id="256" r:id="rId4"/>
+    <p:sldId id="262" r:id="rId5"/>
+    <p:sldId id="260" r:id="rId6"/>
   </p:sldIdLst>
   <p:sldSz cx="12192000" cy="6858000"/>
   <p:notesSz cx="6858000" cy="9144000"/>
@@ -3338,6 +3340,3326 @@
       </p:grpSpPr>
       <p:sp useBgFill="1">
         <p:nvSpPr>
+          <p:cNvPr id="8" name="Rectangle 7">
+            <a:extLst>
+              <a:ext uri="{FF2B5EF4-FFF2-40B4-BE49-F238E27FC236}">
+                <a16:creationId xmlns:a16="http://schemas.microsoft.com/office/drawing/2014/main" id="{18873D23-2DCF-4B31-A009-95721C06E8E1}"/>
+              </a:ext>
+              <a:ext uri="{C183D7F6-B498-43B3-948B-1728B52AA6E4}">
+                <adec:decorative xmlns:adec="http://schemas.microsoft.com/office/drawing/2017/decorative" val="1"/>
+              </a:ext>
+            </a:extLst>
+          </p:cNvPr>
+          <p:cNvSpPr>
+            <a:spLocks noGrp="1" noRot="1" noChangeAspect="1" noMove="1" noResize="1" noEditPoints="1" noAdjustHandles="1" noChangeArrowheads="1" noChangeShapeType="1" noTextEdit="1"/>
+          </p:cNvSpPr>
+          <p:nvPr>
+            <p:extLst>
+              <p:ext uri="{386F3935-93C4-4BCD-93E2-E3B085C9AB24}">
+                <p16:designElem xmlns:p16="http://schemas.microsoft.com/office/powerpoint/2015/main" val="1"/>
+              </p:ext>
+            </p:extLst>
+          </p:nvPr>
+        </p:nvSpPr>
+        <p:spPr>
+          <a:xfrm>
+            <a:off x="0" y="1"/>
+            <a:ext cx="12191695" cy="6858000"/>
+          </a:xfrm>
+          <a:prstGeom prst="rect">
+            <a:avLst/>
+          </a:prstGeom>
+          <a:ln>
+            <a:noFill/>
+          </a:ln>
+        </p:spPr>
+        <p:style>
+          <a:lnRef idx="2">
+            <a:schemeClr val="accent1">
+              <a:shade val="50000"/>
+            </a:schemeClr>
+          </a:lnRef>
+          <a:fillRef idx="1">
+            <a:schemeClr val="accent1"/>
+          </a:fillRef>
+          <a:effectRef idx="0">
+            <a:schemeClr val="accent1"/>
+          </a:effectRef>
+          <a:fontRef idx="minor">
+            <a:schemeClr val="lt1"/>
+          </a:fontRef>
+        </p:style>
+        <p:txBody>
+          <a:bodyPr rtlCol="0" anchor="ctr"/>
+          <a:lstStyle/>
+          <a:p>
+            <a:pPr algn="ctr"/>
+            <a:endParaRPr lang="en-US"/>
+          </a:p>
+        </p:txBody>
+      </p:sp>
+      <p:sp>
+        <p:nvSpPr>
+          <p:cNvPr id="10" name="Rectangle 9">
+            <a:extLst>
+              <a:ext uri="{FF2B5EF4-FFF2-40B4-BE49-F238E27FC236}">
+                <a16:creationId xmlns:a16="http://schemas.microsoft.com/office/drawing/2014/main" id="{C13EF075-D4EF-4929-ADBC-91B27DA19955}"/>
+              </a:ext>
+              <a:ext uri="{C183D7F6-B498-43B3-948B-1728B52AA6E4}">
+                <adec:decorative xmlns:adec="http://schemas.microsoft.com/office/drawing/2017/decorative" val="1"/>
+              </a:ext>
+            </a:extLst>
+          </p:cNvPr>
+          <p:cNvSpPr>
+            <a:spLocks noGrp="1" noRot="1" noChangeAspect="1" noMove="1" noResize="1" noEditPoints="1" noAdjustHandles="1" noChangeArrowheads="1" noChangeShapeType="1" noTextEdit="1"/>
+          </p:cNvSpPr>
+          <p:nvPr>
+            <p:extLst>
+              <p:ext uri="{386F3935-93C4-4BCD-93E2-E3B085C9AB24}">
+                <p16:designElem xmlns:p16="http://schemas.microsoft.com/office/powerpoint/2015/main" val="1"/>
+              </p:ext>
+            </p:extLst>
+          </p:nvPr>
+        </p:nvSpPr>
+        <p:spPr>
+          <a:xfrm>
+            <a:off x="305" y="0"/>
+            <a:ext cx="12191695" cy="6858000"/>
+          </a:xfrm>
+          <a:prstGeom prst="rect">
+            <a:avLst/>
+          </a:prstGeom>
+          <a:solidFill>
+            <a:schemeClr val="bg1"/>
+          </a:solidFill>
+          <a:ln>
+            <a:noFill/>
+          </a:ln>
+        </p:spPr>
+        <p:style>
+          <a:lnRef idx="2">
+            <a:schemeClr val="accent1">
+              <a:shade val="50000"/>
+            </a:schemeClr>
+          </a:lnRef>
+          <a:fillRef idx="1">
+            <a:schemeClr val="accent1"/>
+          </a:fillRef>
+          <a:effectRef idx="0">
+            <a:schemeClr val="accent1"/>
+          </a:effectRef>
+          <a:fontRef idx="minor">
+            <a:schemeClr val="lt1"/>
+          </a:fontRef>
+        </p:style>
+        <p:txBody>
+          <a:bodyPr rtlCol="0" anchor="ctr"/>
+          <a:lstStyle/>
+          <a:p>
+            <a:pPr algn="ctr"/>
+            <a:endParaRPr lang="en-US" sz="800"/>
+          </a:p>
+        </p:txBody>
+      </p:sp>
+      <p:grpSp>
+        <p:nvGrpSpPr>
+          <p:cNvPr id="12" name="Group 11">
+            <a:extLst>
+              <a:ext uri="{FF2B5EF4-FFF2-40B4-BE49-F238E27FC236}">
+                <a16:creationId xmlns:a16="http://schemas.microsoft.com/office/drawing/2014/main" id="{DAA26DFA-AAB2-4973-9C17-16D587C7B198}"/>
+              </a:ext>
+              <a:ext uri="{C183D7F6-B498-43B3-948B-1728B52AA6E4}">
+                <adec:decorative xmlns:adec="http://schemas.microsoft.com/office/drawing/2017/decorative" val="1"/>
+              </a:ext>
+            </a:extLst>
+          </p:cNvPr>
+          <p:cNvGrpSpPr>
+            <a:grpSpLocks noGrp="1" noUngrp="1" noRot="1" noChangeAspect="1" noMove="1" noResize="1"/>
+          </p:cNvGrpSpPr>
+          <p:nvPr>
+            <p:extLst>
+              <p:ext uri="{386F3935-93C4-4BCD-93E2-E3B085C9AB24}">
+                <p16:designElem xmlns:p16="http://schemas.microsoft.com/office/powerpoint/2015/main" val="1"/>
+              </p:ext>
+            </p:extLst>
+          </p:nvPr>
+        </p:nvGrpSpPr>
+        <p:grpSpPr>
+          <a:xfrm>
+            <a:off x="-21863" y="508838"/>
+            <a:ext cx="5217958" cy="6239661"/>
+            <a:chOff x="-19221" y="251144"/>
+            <a:chExt cx="5217958" cy="6239661"/>
+          </a:xfrm>
+        </p:grpSpPr>
+        <p:sp>
+          <p:nvSpPr>
+            <p:cNvPr id="13" name="Freeform: Shape 12">
+              <a:extLst>
+                <a:ext uri="{FF2B5EF4-FFF2-40B4-BE49-F238E27FC236}">
+                  <a16:creationId xmlns:a16="http://schemas.microsoft.com/office/drawing/2014/main" id="{3F407F11-7321-4BF6-8536-CCE8E342454B}"/>
+                </a:ext>
+                <a:ext uri="{C183D7F6-B498-43B3-948B-1728B52AA6E4}">
+                  <adec:decorative xmlns:adec="http://schemas.microsoft.com/office/drawing/2017/decorative" val="1"/>
+                </a:ext>
+              </a:extLst>
+            </p:cNvPr>
+            <p:cNvSpPr/>
+            <p:nvPr>
+              <p:extLst>
+                <p:ext uri="{386F3935-93C4-4BCD-93E2-E3B085C9AB24}">
+                  <p16:designElem xmlns:p16="http://schemas.microsoft.com/office/powerpoint/2015/main" val="1"/>
+                </p:ext>
+              </p:extLst>
+            </p:nvPr>
+          </p:nvSpPr>
+          <p:spPr>
+            <a:xfrm>
+              <a:off x="-19221" y="251144"/>
+              <a:ext cx="5187198" cy="6239661"/>
+            </a:xfrm>
+            <a:custGeom>
+              <a:avLst/>
+              <a:gdLst>
+                <a:gd name="connsiteX0" fmla="*/ 2011811 w 5187198"/>
+                <a:gd name="connsiteY0" fmla="*/ 4 h 6239661"/>
+                <a:gd name="connsiteX1" fmla="*/ 2617011 w 5187198"/>
+                <a:gd name="connsiteY1" fmla="*/ 70590 h 6239661"/>
+                <a:gd name="connsiteX2" fmla="*/ 2690321 w 5187198"/>
+                <a:gd name="connsiteY2" fmla="*/ 88146 h 6239661"/>
+                <a:gd name="connsiteX3" fmla="*/ 2726863 w 5187198"/>
+                <a:gd name="connsiteY3" fmla="*/ 97127 h 6239661"/>
+                <a:gd name="connsiteX4" fmla="*/ 2762951 w 5187198"/>
+                <a:gd name="connsiteY4" fmla="*/ 107375 h 6239661"/>
+                <a:gd name="connsiteX5" fmla="*/ 2834843 w 5187198"/>
+                <a:gd name="connsiteY5" fmla="*/ 128493 h 6239661"/>
+                <a:gd name="connsiteX6" fmla="*/ 2906574 w 5187198"/>
+                <a:gd name="connsiteY6" fmla="*/ 151076 h 6239661"/>
+                <a:gd name="connsiteX7" fmla="*/ 3049504 w 5187198"/>
+                <a:gd name="connsiteY7" fmla="*/ 202124 h 6239661"/>
+                <a:gd name="connsiteX8" fmla="*/ 3189518 w 5187198"/>
+                <a:gd name="connsiteY8" fmla="*/ 260159 h 6239661"/>
+                <a:gd name="connsiteX9" fmla="*/ 3326048 w 5187198"/>
+                <a:gd name="connsiteY9" fmla="*/ 325143 h 6239661"/>
+                <a:gd name="connsiteX10" fmla="*/ 3459166 w 5187198"/>
+                <a:gd name="connsiteY10" fmla="*/ 395936 h 6239661"/>
+                <a:gd name="connsiteX11" fmla="*/ 3588578 w 5187198"/>
+                <a:gd name="connsiteY11" fmla="*/ 472343 h 6239661"/>
+                <a:gd name="connsiteX12" fmla="*/ 3651864 w 5187198"/>
+                <a:gd name="connsiteY12" fmla="*/ 512600 h 6239661"/>
+                <a:gd name="connsiteX13" fmla="*/ 3714514 w 5187198"/>
+                <a:gd name="connsiteY13" fmla="*/ 553499 h 6239661"/>
+                <a:gd name="connsiteX14" fmla="*/ 4181221 w 5187198"/>
+                <a:gd name="connsiteY14" fmla="*/ 922912 h 6239661"/>
+                <a:gd name="connsiteX15" fmla="*/ 4582963 w 5187198"/>
+                <a:gd name="connsiteY15" fmla="*/ 1358264 h 6239661"/>
+                <a:gd name="connsiteX16" fmla="*/ 4670721 w 5187198"/>
+                <a:gd name="connsiteY16" fmla="*/ 1477644 h 6239661"/>
+                <a:gd name="connsiteX17" fmla="*/ 4752378 w 5187198"/>
+                <a:gd name="connsiteY17" fmla="*/ 1601187 h 6239661"/>
+                <a:gd name="connsiteX18" fmla="*/ 4772168 w 5187198"/>
+                <a:gd name="connsiteY18" fmla="*/ 1632456 h 6239661"/>
+                <a:gd name="connsiteX19" fmla="*/ 4782117 w 5187198"/>
+                <a:gd name="connsiteY19" fmla="*/ 1648104 h 6239661"/>
+                <a:gd name="connsiteX20" fmla="*/ 4791381 w 5187198"/>
+                <a:gd name="connsiteY20" fmla="*/ 1664150 h 6239661"/>
+                <a:gd name="connsiteX21" fmla="*/ 4828190 w 5187198"/>
+                <a:gd name="connsiteY21" fmla="*/ 1728379 h 6239661"/>
+                <a:gd name="connsiteX22" fmla="*/ 4864832 w 5187198"/>
+                <a:gd name="connsiteY22" fmla="*/ 1792796 h 6239661"/>
+                <a:gd name="connsiteX23" fmla="*/ 4899201 w 5187198"/>
+                <a:gd name="connsiteY23" fmla="*/ 1858342 h 6239661"/>
+                <a:gd name="connsiteX24" fmla="*/ 4933266 w 5187198"/>
+                <a:gd name="connsiteY24" fmla="*/ 1924155 h 6239661"/>
+                <a:gd name="connsiteX25" fmla="*/ 4964403 w 5187198"/>
+                <a:gd name="connsiteY25" fmla="*/ 1991384 h 6239661"/>
+                <a:gd name="connsiteX26" fmla="*/ 4995019 w 5187198"/>
+                <a:gd name="connsiteY26" fmla="*/ 2058823 h 6239661"/>
+                <a:gd name="connsiteX27" fmla="*/ 5021999 w 5187198"/>
+                <a:gd name="connsiteY27" fmla="*/ 2127723 h 6239661"/>
+                <a:gd name="connsiteX28" fmla="*/ 5048321 w 5187198"/>
+                <a:gd name="connsiteY28" fmla="*/ 2196908 h 6239661"/>
+                <a:gd name="connsiteX29" fmla="*/ 5070546 w 5187198"/>
+                <a:gd name="connsiteY29" fmla="*/ 2267547 h 6239661"/>
+                <a:gd name="connsiteX30" fmla="*/ 5092171 w 5187198"/>
+                <a:gd name="connsiteY30" fmla="*/ 2338256 h 6239661"/>
+                <a:gd name="connsiteX31" fmla="*/ 5110305 w 5187198"/>
+                <a:gd name="connsiteY31" fmla="*/ 2409886 h 6239661"/>
+                <a:gd name="connsiteX32" fmla="*/ 5186393 w 5187198"/>
+                <a:gd name="connsiteY32" fmla="*/ 2992022 h 6239661"/>
+                <a:gd name="connsiteX33" fmla="*/ 5149045 w 5187198"/>
+                <a:gd name="connsiteY33" fmla="*/ 3571816 h 6239661"/>
+                <a:gd name="connsiteX34" fmla="*/ 5126572 w 5187198"/>
+                <a:gd name="connsiteY34" fmla="*/ 3714520 h 6239661"/>
+                <a:gd name="connsiteX35" fmla="*/ 5099067 w 5187198"/>
+                <a:gd name="connsiteY35" fmla="*/ 3856108 h 6239661"/>
+                <a:gd name="connsiteX36" fmla="*/ 5095699 w 5187198"/>
+                <a:gd name="connsiteY36" fmla="*/ 3873868 h 6239661"/>
+                <a:gd name="connsiteX37" fmla="*/ 5091573 w 5187198"/>
+                <a:gd name="connsiteY37" fmla="*/ 3891426 h 6239661"/>
+                <a:gd name="connsiteX38" fmla="*/ 5083324 w 5187198"/>
+                <a:gd name="connsiteY38" fmla="*/ 3926541 h 6239661"/>
+                <a:gd name="connsiteX39" fmla="*/ 5067256 w 5187198"/>
+                <a:gd name="connsiteY39" fmla="*/ 3996889 h 6239661"/>
+                <a:gd name="connsiteX40" fmla="*/ 5059194 w 5187198"/>
+                <a:gd name="connsiteY40" fmla="*/ 4032171 h 6239661"/>
+                <a:gd name="connsiteX41" fmla="*/ 5049522 w 5187198"/>
+                <a:gd name="connsiteY41" fmla="*/ 4067833 h 6239661"/>
+                <a:gd name="connsiteX42" fmla="*/ 5040067 w 5187198"/>
+                <a:gd name="connsiteY42" fmla="*/ 4103553 h 6239661"/>
+                <a:gd name="connsiteX43" fmla="*/ 5028960 w 5187198"/>
+                <a:gd name="connsiteY43" fmla="*/ 4138946 h 6239661"/>
+                <a:gd name="connsiteX44" fmla="*/ 4917351 w 5187198"/>
+                <a:gd name="connsiteY44" fmla="*/ 4417041 h 6239661"/>
+                <a:gd name="connsiteX45" fmla="*/ 4756163 w 5187198"/>
+                <a:gd name="connsiteY45" fmla="*/ 4676402 h 6239661"/>
+                <a:gd name="connsiteX46" fmla="*/ 4322493 w 5187198"/>
+                <a:gd name="connsiteY46" fmla="*/ 5105604 h 6239661"/>
+                <a:gd name="connsiteX47" fmla="*/ 3840510 w 5187198"/>
+                <a:gd name="connsiteY47" fmla="*/ 5429590 h 6239661"/>
+                <a:gd name="connsiteX48" fmla="*/ 3606447 w 5187198"/>
+                <a:gd name="connsiteY48" fmla="*/ 5572862 h 6239661"/>
+                <a:gd name="connsiteX49" fmla="*/ 3488814 w 5187198"/>
+                <a:gd name="connsiteY49" fmla="*/ 5647178 h 6239661"/>
+                <a:gd name="connsiteX50" fmla="*/ 3365864 w 5187198"/>
+                <a:gd name="connsiteY50" fmla="*/ 5722735 h 6239661"/>
+                <a:gd name="connsiteX51" fmla="*/ 2839486 w 5187198"/>
+                <a:gd name="connsiteY51" fmla="*/ 5999120 h 6239661"/>
+                <a:gd name="connsiteX52" fmla="*/ 2242423 w 5187198"/>
+                <a:gd name="connsiteY52" fmla="*/ 6192346 h 6239661"/>
+                <a:gd name="connsiteX53" fmla="*/ 1589380 w 5187198"/>
+                <a:gd name="connsiteY53" fmla="*/ 6230657 h 6239661"/>
+                <a:gd name="connsiteX54" fmla="*/ 1548244 w 5187198"/>
+                <a:gd name="connsiteY54" fmla="*/ 6226706 h 6239661"/>
+                <a:gd name="connsiteX55" fmla="*/ 1507348 w 5187198"/>
+                <a:gd name="connsiteY55" fmla="*/ 6221428 h 6239661"/>
+                <a:gd name="connsiteX56" fmla="*/ 1466401 w 5187198"/>
+                <a:gd name="connsiteY56" fmla="*/ 6215904 h 6239661"/>
+                <a:gd name="connsiteX57" fmla="*/ 1425773 w 5187198"/>
+                <a:gd name="connsiteY57" fmla="*/ 6209191 h 6239661"/>
+                <a:gd name="connsiteX58" fmla="*/ 1344960 w 5187198"/>
+                <a:gd name="connsiteY58" fmla="*/ 6193681 h 6239661"/>
+                <a:gd name="connsiteX59" fmla="*/ 1265007 w 5187198"/>
+                <a:gd name="connsiteY59" fmla="*/ 6175388 h 6239661"/>
+                <a:gd name="connsiteX60" fmla="*/ 1225415 w 5187198"/>
+                <a:gd name="connsiteY60" fmla="*/ 6165243 h 6239661"/>
+                <a:gd name="connsiteX61" fmla="*/ 1186567 w 5187198"/>
+                <a:gd name="connsiteY61" fmla="*/ 6154486 h 6239661"/>
+                <a:gd name="connsiteX62" fmla="*/ 1111158 w 5187198"/>
+                <a:gd name="connsiteY62" fmla="*/ 6130918 h 6239661"/>
+                <a:gd name="connsiteX63" fmla="*/ 1035915 w 5187198"/>
+                <a:gd name="connsiteY63" fmla="*/ 6107163 h 6239661"/>
+                <a:gd name="connsiteX64" fmla="*/ 961579 w 5187198"/>
+                <a:gd name="connsiteY64" fmla="*/ 6079594 h 6239661"/>
+                <a:gd name="connsiteX65" fmla="*/ 395297 w 5187198"/>
+                <a:gd name="connsiteY65" fmla="*/ 5792812 h 6239661"/>
+                <a:gd name="connsiteX66" fmla="*/ 265239 w 5187198"/>
+                <a:gd name="connsiteY66" fmla="*/ 5701511 h 6239661"/>
+                <a:gd name="connsiteX67" fmla="*/ 233756 w 5187198"/>
+                <a:gd name="connsiteY67" fmla="*/ 5677542 h 6239661"/>
+                <a:gd name="connsiteX68" fmla="*/ 202800 w 5187198"/>
+                <a:gd name="connsiteY68" fmla="*/ 5652902 h 6239661"/>
+                <a:gd name="connsiteX69" fmla="*/ 140918 w 5187198"/>
+                <a:gd name="connsiteY69" fmla="*/ 5603515 h 6239661"/>
+                <a:gd name="connsiteX70" fmla="*/ 110625 w 5187198"/>
+                <a:gd name="connsiteY70" fmla="*/ 5578127 h 6239661"/>
+                <a:gd name="connsiteX71" fmla="*/ 95631 w 5187198"/>
+                <a:gd name="connsiteY71" fmla="*/ 5565299 h 6239661"/>
+                <a:gd name="connsiteX72" fmla="*/ 81966 w 5187198"/>
+                <a:gd name="connsiteY72" fmla="*/ 5550973 h 6239661"/>
+                <a:gd name="connsiteX73" fmla="*/ 27991 w 5187198"/>
+                <a:gd name="connsiteY73" fmla="*/ 5493272 h 6239661"/>
+                <a:gd name="connsiteX74" fmla="*/ 1454 w 5187198"/>
+                <a:gd name="connsiteY74" fmla="*/ 5464252 h 6239661"/>
+                <a:gd name="connsiteX75" fmla="*/ 0 w 5187198"/>
+                <a:gd name="connsiteY75" fmla="*/ 5462518 h 6239661"/>
+                <a:gd name="connsiteX76" fmla="*/ 0 w 5187198"/>
+                <a:gd name="connsiteY76" fmla="*/ 4720187 h 6239661"/>
+                <a:gd name="connsiteX77" fmla="*/ 109684 w 5187198"/>
+                <a:gd name="connsiteY77" fmla="*/ 4836724 h 6239661"/>
+                <a:gd name="connsiteX78" fmla="*/ 306959 w 5187198"/>
+                <a:gd name="connsiteY78" fmla="*/ 5007200 h 6239661"/>
+                <a:gd name="connsiteX79" fmla="*/ 358101 w 5187198"/>
+                <a:gd name="connsiteY79" fmla="*/ 5046057 h 6239661"/>
+                <a:gd name="connsiteX80" fmla="*/ 383328 w 5187198"/>
+                <a:gd name="connsiteY80" fmla="*/ 5065684 h 6239661"/>
+                <a:gd name="connsiteX81" fmla="*/ 409503 w 5187198"/>
+                <a:gd name="connsiteY81" fmla="*/ 5083942 h 6239661"/>
+                <a:gd name="connsiteX82" fmla="*/ 461889 w 5187198"/>
+                <a:gd name="connsiteY82" fmla="*/ 5119888 h 6239661"/>
+                <a:gd name="connsiteX83" fmla="*/ 474883 w 5187198"/>
+                <a:gd name="connsiteY83" fmla="*/ 5128933 h 6239661"/>
+                <a:gd name="connsiteX84" fmla="*/ 486410 w 5187198"/>
+                <a:gd name="connsiteY84" fmla="*/ 5139557 h 6239661"/>
+                <a:gd name="connsiteX85" fmla="*/ 510852 w 5187198"/>
+                <a:gd name="connsiteY85" fmla="*/ 5159089 h 6239661"/>
+                <a:gd name="connsiteX86" fmla="*/ 560653 w 5187198"/>
+                <a:gd name="connsiteY86" fmla="*/ 5196893 h 6239661"/>
+                <a:gd name="connsiteX87" fmla="*/ 585485 w 5187198"/>
+                <a:gd name="connsiteY87" fmla="*/ 5215834 h 6239661"/>
+                <a:gd name="connsiteX88" fmla="*/ 610707 w 5187198"/>
+                <a:gd name="connsiteY88" fmla="*/ 5234185 h 6239661"/>
+                <a:gd name="connsiteX89" fmla="*/ 714768 w 5187198"/>
+                <a:gd name="connsiteY89" fmla="*/ 5303103 h 6239661"/>
+                <a:gd name="connsiteX90" fmla="*/ 1166634 w 5187198"/>
+                <a:gd name="connsiteY90" fmla="*/ 5513322 h 6239661"/>
+                <a:gd name="connsiteX91" fmla="*/ 1225991 w 5187198"/>
+                <a:gd name="connsiteY91" fmla="*/ 5533632 h 6239661"/>
+                <a:gd name="connsiteX92" fmla="*/ 1286680 w 5187198"/>
+                <a:gd name="connsiteY92" fmla="*/ 5550705 h 6239661"/>
+                <a:gd name="connsiteX93" fmla="*/ 1347310 w 5187198"/>
+                <a:gd name="connsiteY93" fmla="*/ 5567995 h 6239661"/>
+                <a:gd name="connsiteX94" fmla="*/ 1377002 w 5187198"/>
+                <a:gd name="connsiteY94" fmla="*/ 5575719 h 6239661"/>
+                <a:gd name="connsiteX95" fmla="*/ 1406328 w 5187198"/>
+                <a:gd name="connsiteY95" fmla="*/ 5582649 h 6239661"/>
+                <a:gd name="connsiteX96" fmla="*/ 1465060 w 5187198"/>
+                <a:gd name="connsiteY96" fmla="*/ 5594909 h 6239661"/>
+                <a:gd name="connsiteX97" fmla="*/ 1523881 w 5187198"/>
+                <a:gd name="connsiteY97" fmla="*/ 5605105 h 6239661"/>
+                <a:gd name="connsiteX98" fmla="*/ 1553325 w 5187198"/>
+                <a:gd name="connsiteY98" fmla="*/ 5609865 h 6239661"/>
+                <a:gd name="connsiteX99" fmla="*/ 1582813 w 5187198"/>
+                <a:gd name="connsiteY99" fmla="*/ 5613593 h 6239661"/>
+                <a:gd name="connsiteX100" fmla="*/ 1612301 w 5187198"/>
+                <a:gd name="connsiteY100" fmla="*/ 5617321 h 6239661"/>
+                <a:gd name="connsiteX101" fmla="*/ 1641863 w 5187198"/>
+                <a:gd name="connsiteY101" fmla="*/ 5619910 h 6239661"/>
+                <a:gd name="connsiteX102" fmla="*/ 2117508 w 5187198"/>
+                <a:gd name="connsiteY102" fmla="*/ 5595156 h 6239661"/>
+                <a:gd name="connsiteX103" fmla="*/ 2597368 w 5187198"/>
+                <a:gd name="connsiteY103" fmla="*/ 5447381 h 6239661"/>
+                <a:gd name="connsiteX104" fmla="*/ 3082968 w 5187198"/>
+                <a:gd name="connsiteY104" fmla="*/ 5223245 h 6239661"/>
+                <a:gd name="connsiteX105" fmla="*/ 3334855 w 5187198"/>
+                <a:gd name="connsiteY105" fmla="*/ 5097383 h 6239661"/>
+                <a:gd name="connsiteX106" fmla="*/ 3599509 w 5187198"/>
+                <a:gd name="connsiteY106" fmla="*/ 4976217 h 6239661"/>
+                <a:gd name="connsiteX107" fmla="*/ 4112002 w 5187198"/>
+                <a:gd name="connsiteY107" fmla="*/ 4766359 h 6239661"/>
+                <a:gd name="connsiteX108" fmla="*/ 4348983 w 5187198"/>
+                <a:gd name="connsiteY108" fmla="*/ 4649833 h 6239661"/>
+                <a:gd name="connsiteX109" fmla="*/ 4560505 w 5187198"/>
+                <a:gd name="connsiteY109" fmla="*/ 4501564 h 6239661"/>
+                <a:gd name="connsiteX110" fmla="*/ 4731963 w 5187198"/>
+                <a:gd name="connsiteY110" fmla="*/ 4309870 h 6239661"/>
+                <a:gd name="connsiteX111" fmla="*/ 4852344 w 5187198"/>
+                <a:gd name="connsiteY111" fmla="*/ 4078640 h 6239661"/>
+                <a:gd name="connsiteX112" fmla="*/ 4863972 w 5187198"/>
+                <a:gd name="connsiteY112" fmla="*/ 4047790 h 6239661"/>
+                <a:gd name="connsiteX113" fmla="*/ 4874144 w 5187198"/>
+                <a:gd name="connsiteY113" fmla="*/ 4016320 h 6239661"/>
+                <a:gd name="connsiteX114" fmla="*/ 4884127 w 5187198"/>
+                <a:gd name="connsiteY114" fmla="*/ 3984682 h 6239661"/>
+                <a:gd name="connsiteX115" fmla="*/ 4892800 w 5187198"/>
+                <a:gd name="connsiteY115" fmla="*/ 3951883 h 6239661"/>
+                <a:gd name="connsiteX116" fmla="*/ 4909526 w 5187198"/>
+                <a:gd name="connsiteY116" fmla="*/ 3886001 h 6239661"/>
+                <a:gd name="connsiteX117" fmla="*/ 4917687 w 5187198"/>
+                <a:gd name="connsiteY117" fmla="*/ 3852948 h 6239661"/>
+                <a:gd name="connsiteX118" fmla="*/ 4921768 w 5187198"/>
+                <a:gd name="connsiteY118" fmla="*/ 3836422 h 6239661"/>
+                <a:gd name="connsiteX119" fmla="*/ 4924845 w 5187198"/>
+                <a:gd name="connsiteY119" fmla="*/ 3819742 h 6239661"/>
+                <a:gd name="connsiteX120" fmla="*/ 4948230 w 5187198"/>
+                <a:gd name="connsiteY120" fmla="*/ 3685744 h 6239661"/>
+                <a:gd name="connsiteX121" fmla="*/ 4962782 w 5187198"/>
+                <a:gd name="connsiteY121" fmla="*/ 3550540 h 6239661"/>
+                <a:gd name="connsiteX122" fmla="*/ 4939468 w 5187198"/>
+                <a:gd name="connsiteY122" fmla="*/ 3010249 h 6239661"/>
+                <a:gd name="connsiteX123" fmla="*/ 4816901 w 5187198"/>
+                <a:gd name="connsiteY123" fmla="*/ 2488224 h 6239661"/>
+                <a:gd name="connsiteX124" fmla="*/ 4797005 w 5187198"/>
+                <a:gd name="connsiteY124" fmla="*/ 2424470 h 6239661"/>
+                <a:gd name="connsiteX125" fmla="*/ 4774433 w 5187198"/>
+                <a:gd name="connsiteY125" fmla="*/ 2361620 h 6239661"/>
+                <a:gd name="connsiteX126" fmla="*/ 4752459 w 5187198"/>
+                <a:gd name="connsiteY126" fmla="*/ 2298700 h 6239661"/>
+                <a:gd name="connsiteX127" fmla="*/ 4728083 w 5187198"/>
+                <a:gd name="connsiteY127" fmla="*/ 2236526 h 6239661"/>
+                <a:gd name="connsiteX128" fmla="*/ 4704471 w 5187198"/>
+                <a:gd name="connsiteY128" fmla="*/ 2174095 h 6239661"/>
+                <a:gd name="connsiteX129" fmla="*/ 4678399 w 5187198"/>
+                <a:gd name="connsiteY129" fmla="*/ 2112626 h 6239661"/>
+                <a:gd name="connsiteX130" fmla="*/ 4652601 w 5187198"/>
+                <a:gd name="connsiteY130" fmla="*/ 2050999 h 6239661"/>
+                <a:gd name="connsiteX131" fmla="*/ 4624205 w 5187198"/>
+                <a:gd name="connsiteY131" fmla="*/ 1990415 h 6239661"/>
+                <a:gd name="connsiteX132" fmla="*/ 4595398 w 5187198"/>
+                <a:gd name="connsiteY132" fmla="*/ 1930069 h 6239661"/>
+                <a:gd name="connsiteX133" fmla="*/ 4563827 w 5187198"/>
+                <a:gd name="connsiteY133" fmla="*/ 1870952 h 6239661"/>
+                <a:gd name="connsiteX134" fmla="*/ 4531433 w 5187198"/>
+                <a:gd name="connsiteY134" fmla="*/ 1812311 h 6239661"/>
+                <a:gd name="connsiteX135" fmla="*/ 4523315 w 5187198"/>
+                <a:gd name="connsiteY135" fmla="*/ 1797616 h 6239661"/>
+                <a:gd name="connsiteX136" fmla="*/ 4514482 w 5187198"/>
+                <a:gd name="connsiteY136" fmla="*/ 1783425 h 6239661"/>
+                <a:gd name="connsiteX137" fmla="*/ 4496845 w 5187198"/>
+                <a:gd name="connsiteY137" fmla="*/ 1754936 h 6239661"/>
+                <a:gd name="connsiteX138" fmla="*/ 4461463 w 5187198"/>
+                <a:gd name="connsiteY138" fmla="*/ 1697929 h 6239661"/>
+                <a:gd name="connsiteX139" fmla="*/ 4452660 w 5187198"/>
+                <a:gd name="connsiteY139" fmla="*/ 1683629 h 6239661"/>
+                <a:gd name="connsiteX140" fmla="*/ 4443141 w 5187198"/>
+                <a:gd name="connsiteY140" fmla="*/ 1669834 h 6239661"/>
+                <a:gd name="connsiteX141" fmla="*/ 4424241 w 5187198"/>
+                <a:gd name="connsiteY141" fmla="*/ 1642166 h 6239661"/>
+                <a:gd name="connsiteX142" fmla="*/ 4346886 w 5187198"/>
+                <a:gd name="connsiteY142" fmla="*/ 1532412 h 6239661"/>
+                <a:gd name="connsiteX143" fmla="*/ 3985497 w 5187198"/>
+                <a:gd name="connsiteY143" fmla="*/ 1134649 h 6239661"/>
+                <a:gd name="connsiteX144" fmla="*/ 3545665 w 5187198"/>
+                <a:gd name="connsiteY144" fmla="*/ 825877 h 6239661"/>
+                <a:gd name="connsiteX145" fmla="*/ 3486190 w 5187198"/>
+                <a:gd name="connsiteY145" fmla="*/ 794756 h 6239661"/>
+                <a:gd name="connsiteX146" fmla="*/ 3426182 w 5187198"/>
+                <a:gd name="connsiteY146" fmla="*/ 764765 h 6239661"/>
+                <a:gd name="connsiteX147" fmla="*/ 3365044 w 5187198"/>
+                <a:gd name="connsiteY147" fmla="*/ 737255 h 6239661"/>
+                <a:gd name="connsiteX148" fmla="*/ 3334529 w 5187198"/>
+                <a:gd name="connsiteY148" fmla="*/ 723514 h 6239661"/>
+                <a:gd name="connsiteX149" fmla="*/ 3303733 w 5187198"/>
+                <a:gd name="connsiteY149" fmla="*/ 710395 h 6239661"/>
+                <a:gd name="connsiteX150" fmla="*/ 3179033 w 5187198"/>
+                <a:gd name="connsiteY150" fmla="*/ 662259 h 6239661"/>
+                <a:gd name="connsiteX151" fmla="*/ 3052408 w 5187198"/>
+                <a:gd name="connsiteY151" fmla="*/ 620447 h 6239661"/>
+                <a:gd name="connsiteX152" fmla="*/ 2924325 w 5187198"/>
+                <a:gd name="connsiteY152" fmla="*/ 584505 h 6239661"/>
+                <a:gd name="connsiteX153" fmla="*/ 2859667 w 5187198"/>
+                <a:gd name="connsiteY153" fmla="*/ 569266 h 6239661"/>
+                <a:gd name="connsiteX154" fmla="*/ 2795226 w 5187198"/>
+                <a:gd name="connsiteY154" fmla="*/ 554085 h 6239661"/>
+                <a:gd name="connsiteX155" fmla="*/ 2729702 w 5187198"/>
+                <a:gd name="connsiteY155" fmla="*/ 540354 h 6239661"/>
+                <a:gd name="connsiteX156" fmla="*/ 2663758 w 5187198"/>
+                <a:gd name="connsiteY156" fmla="*/ 527322 h 6239661"/>
+                <a:gd name="connsiteX157" fmla="*/ 2630927 w 5187198"/>
+                <a:gd name="connsiteY157" fmla="*/ 520495 h 6239661"/>
+                <a:gd name="connsiteX158" fmla="*/ 2597965 w 5187198"/>
+                <a:gd name="connsiteY158" fmla="*/ 515024 h 6239661"/>
+                <a:gd name="connsiteX159" fmla="*/ 2532205 w 5187198"/>
+                <a:gd name="connsiteY159" fmla="*/ 503895 h 6239661"/>
+                <a:gd name="connsiteX160" fmla="*/ 2010064 w 5187198"/>
+                <a:gd name="connsiteY160" fmla="*/ 452552 h 6239661"/>
+                <a:gd name="connsiteX161" fmla="*/ 1494552 w 5187198"/>
+                <a:gd name="connsiteY161" fmla="*/ 485055 h 6239661"/>
+                <a:gd name="connsiteX162" fmla="*/ 1366896 w 5187198"/>
+                <a:gd name="connsiteY162" fmla="*/ 509389 h 6239661"/>
+                <a:gd name="connsiteX163" fmla="*/ 1240175 w 5187198"/>
+                <a:gd name="connsiteY163" fmla="*/ 541045 h 6239661"/>
+                <a:gd name="connsiteX164" fmla="*/ 1177438 w 5187198"/>
+                <a:gd name="connsiteY164" fmla="*/ 560170 h 6239661"/>
+                <a:gd name="connsiteX165" fmla="*/ 1145987 w 5187198"/>
+                <a:gd name="connsiteY165" fmla="*/ 569826 h 6239661"/>
+                <a:gd name="connsiteX166" fmla="*/ 1130315 w 5187198"/>
+                <a:gd name="connsiteY166" fmla="*/ 574669 h 6239661"/>
+                <a:gd name="connsiteX167" fmla="*/ 1114873 w 5187198"/>
+                <a:gd name="connsiteY167" fmla="*/ 580384 h 6239661"/>
+                <a:gd name="connsiteX168" fmla="*/ 1052839 w 5187198"/>
+                <a:gd name="connsiteY168" fmla="*/ 602943 h 6239661"/>
+                <a:gd name="connsiteX169" fmla="*/ 991135 w 5187198"/>
+                <a:gd name="connsiteY169" fmla="*/ 626866 h 6239661"/>
+                <a:gd name="connsiteX170" fmla="*/ 930179 w 5187198"/>
+                <a:gd name="connsiteY170" fmla="*/ 653191 h 6239661"/>
+                <a:gd name="connsiteX171" fmla="*/ 869768 w 5187198"/>
+                <a:gd name="connsiteY171" fmla="*/ 680937 h 6239661"/>
+                <a:gd name="connsiteX172" fmla="*/ 810085 w 5187198"/>
+                <a:gd name="connsiteY172" fmla="*/ 710734 h 6239661"/>
+                <a:gd name="connsiteX173" fmla="*/ 751220 w 5187198"/>
+                <a:gd name="connsiteY173" fmla="*/ 741794 h 6239661"/>
+                <a:gd name="connsiteX174" fmla="*/ 532669 w 5187198"/>
+                <a:gd name="connsiteY174" fmla="*/ 881688 h 6239661"/>
+                <a:gd name="connsiteX175" fmla="*/ 354185 w 5187198"/>
+                <a:gd name="connsiteY175" fmla="*/ 1050286 h 6239661"/>
+                <a:gd name="connsiteX176" fmla="*/ 315980 w 5187198"/>
+                <a:gd name="connsiteY176" fmla="*/ 1098125 h 6239661"/>
+                <a:gd name="connsiteX177" fmla="*/ 280345 w 5187198"/>
+                <a:gd name="connsiteY177" fmla="*/ 1149782 h 6239661"/>
+                <a:gd name="connsiteX178" fmla="*/ 245890 w 5187198"/>
+                <a:gd name="connsiteY178" fmla="*/ 1203959 h 6239661"/>
+                <a:gd name="connsiteX179" fmla="*/ 212162 w 5187198"/>
+                <a:gd name="connsiteY179" fmla="*/ 1260184 h 6239661"/>
+                <a:gd name="connsiteX180" fmla="*/ 80716 w 5187198"/>
+                <a:gd name="connsiteY180" fmla="*/ 1502476 h 6239661"/>
+                <a:gd name="connsiteX181" fmla="*/ 0 w 5187198"/>
+                <a:gd name="connsiteY181" fmla="*/ 1648841 h 6239661"/>
+                <a:gd name="connsiteX182" fmla="*/ 0 w 5187198"/>
+                <a:gd name="connsiteY182" fmla="*/ 954863 h 6239661"/>
+                <a:gd name="connsiteX183" fmla="*/ 43491 w 5187198"/>
+                <a:gd name="connsiteY183" fmla="*/ 895513 h 6239661"/>
+                <a:gd name="connsiteX184" fmla="*/ 93923 w 5187198"/>
+                <a:gd name="connsiteY184" fmla="*/ 834489 h 6239661"/>
+                <a:gd name="connsiteX185" fmla="*/ 323465 w 5187198"/>
+                <a:gd name="connsiteY185" fmla="*/ 617671 h 6239661"/>
+                <a:gd name="connsiteX186" fmla="*/ 574777 w 5187198"/>
+                <a:gd name="connsiteY186" fmla="*/ 446794 h 6239661"/>
+                <a:gd name="connsiteX187" fmla="*/ 638943 w 5187198"/>
+                <a:gd name="connsiteY187" fmla="*/ 408925 h 6239661"/>
+                <a:gd name="connsiteX188" fmla="*/ 703505 w 5187198"/>
+                <a:gd name="connsiteY188" fmla="*/ 371742 h 6239661"/>
+                <a:gd name="connsiteX189" fmla="*/ 769262 w 5187198"/>
+                <a:gd name="connsiteY189" fmla="*/ 336154 h 6239661"/>
+                <a:gd name="connsiteX190" fmla="*/ 835552 w 5187198"/>
+                <a:gd name="connsiteY190" fmla="*/ 301173 h 6239661"/>
+                <a:gd name="connsiteX191" fmla="*/ 902979 w 5187198"/>
+                <a:gd name="connsiteY191" fmla="*/ 268004 h 6239661"/>
+                <a:gd name="connsiteX192" fmla="*/ 971127 w 5187198"/>
+                <a:gd name="connsiteY192" fmla="*/ 235607 h 6239661"/>
+                <a:gd name="connsiteX193" fmla="*/ 988238 w 5187198"/>
+                <a:gd name="connsiteY193" fmla="*/ 227556 h 6239661"/>
+                <a:gd name="connsiteX194" fmla="*/ 1005744 w 5187198"/>
+                <a:gd name="connsiteY194" fmla="*/ 220191 h 6239661"/>
+                <a:gd name="connsiteX195" fmla="*/ 1040729 w 5187198"/>
+                <a:gd name="connsiteY195" fmla="*/ 205569 h 6239661"/>
+                <a:gd name="connsiteX196" fmla="*/ 1110835 w 5187198"/>
+                <a:gd name="connsiteY196" fmla="*/ 176248 h 6239661"/>
+                <a:gd name="connsiteX197" fmla="*/ 1254256 w 5187198"/>
+                <a:gd name="connsiteY197" fmla="*/ 123796 h 6239661"/>
+                <a:gd name="connsiteX198" fmla="*/ 1401310 w 5187198"/>
+                <a:gd name="connsiteY198" fmla="*/ 79852 h 6239661"/>
+                <a:gd name="connsiteX199" fmla="*/ 2011811 w 5187198"/>
+                <a:gd name="connsiteY199" fmla="*/ 4 h 6239661"/>
+              </a:gdLst>
+              <a:ahLst/>
+              <a:cxnLst>
+                <a:cxn ang="0">
+                  <a:pos x="connsiteX0" y="connsiteY0"/>
+                </a:cxn>
+                <a:cxn ang="0">
+                  <a:pos x="connsiteX1" y="connsiteY1"/>
+                </a:cxn>
+                <a:cxn ang="0">
+                  <a:pos x="connsiteX2" y="connsiteY2"/>
+                </a:cxn>
+                <a:cxn ang="0">
+                  <a:pos x="connsiteX3" y="connsiteY3"/>
+                </a:cxn>
+                <a:cxn ang="0">
+                  <a:pos x="connsiteX4" y="connsiteY4"/>
+                </a:cxn>
+                <a:cxn ang="0">
+                  <a:pos x="connsiteX5" y="connsiteY5"/>
+                </a:cxn>
+                <a:cxn ang="0">
+                  <a:pos x="connsiteX6" y="connsiteY6"/>
+                </a:cxn>
+                <a:cxn ang="0">
+                  <a:pos x="connsiteX7" y="connsiteY7"/>
+                </a:cxn>
+                <a:cxn ang="0">
+                  <a:pos x="connsiteX8" y="connsiteY8"/>
+                </a:cxn>
+                <a:cxn ang="0">
+                  <a:pos x="connsiteX9" y="connsiteY9"/>
+                </a:cxn>
+                <a:cxn ang="0">
+                  <a:pos x="connsiteX10" y="connsiteY10"/>
+                </a:cxn>
+                <a:cxn ang="0">
+                  <a:pos x="connsiteX11" y="connsiteY11"/>
+                </a:cxn>
+                <a:cxn ang="0">
+                  <a:pos x="connsiteX12" y="connsiteY12"/>
+                </a:cxn>
+                <a:cxn ang="0">
+                  <a:pos x="connsiteX13" y="connsiteY13"/>
+                </a:cxn>
+                <a:cxn ang="0">
+                  <a:pos x="connsiteX14" y="connsiteY14"/>
+                </a:cxn>
+                <a:cxn ang="0">
+                  <a:pos x="connsiteX15" y="connsiteY15"/>
+                </a:cxn>
+                <a:cxn ang="0">
+                  <a:pos x="connsiteX16" y="connsiteY16"/>
+                </a:cxn>
+                <a:cxn ang="0">
+                  <a:pos x="connsiteX17" y="connsiteY17"/>
+                </a:cxn>
+                <a:cxn ang="0">
+                  <a:pos x="connsiteX18" y="connsiteY18"/>
+                </a:cxn>
+                <a:cxn ang="0">
+                  <a:pos x="connsiteX19" y="connsiteY19"/>
+                </a:cxn>
+                <a:cxn ang="0">
+                  <a:pos x="connsiteX20" y="connsiteY20"/>
+                </a:cxn>
+                <a:cxn ang="0">
+                  <a:pos x="connsiteX21" y="connsiteY21"/>
+                </a:cxn>
+                <a:cxn ang="0">
+                  <a:pos x="connsiteX22" y="connsiteY22"/>
+                </a:cxn>
+                <a:cxn ang="0">
+                  <a:pos x="connsiteX23" y="connsiteY23"/>
+                </a:cxn>
+                <a:cxn ang="0">
+                  <a:pos x="connsiteX24" y="connsiteY24"/>
+                </a:cxn>
+                <a:cxn ang="0">
+                  <a:pos x="connsiteX25" y="connsiteY25"/>
+                </a:cxn>
+                <a:cxn ang="0">
+                  <a:pos x="connsiteX26" y="connsiteY26"/>
+                </a:cxn>
+                <a:cxn ang="0">
+                  <a:pos x="connsiteX27" y="connsiteY27"/>
+                </a:cxn>
+                <a:cxn ang="0">
+                  <a:pos x="connsiteX28" y="connsiteY28"/>
+                </a:cxn>
+                <a:cxn ang="0">
+                  <a:pos x="connsiteX29" y="connsiteY29"/>
+                </a:cxn>
+                <a:cxn ang="0">
+                  <a:pos x="connsiteX30" y="connsiteY30"/>
+                </a:cxn>
+                <a:cxn ang="0">
+                  <a:pos x="connsiteX31" y="connsiteY31"/>
+                </a:cxn>
+                <a:cxn ang="0">
+                  <a:pos x="connsiteX32" y="connsiteY32"/>
+                </a:cxn>
+                <a:cxn ang="0">
+                  <a:pos x="connsiteX33" y="connsiteY33"/>
+                </a:cxn>
+                <a:cxn ang="0">
+                  <a:pos x="connsiteX34" y="connsiteY34"/>
+                </a:cxn>
+                <a:cxn ang="0">
+                  <a:pos x="connsiteX35" y="connsiteY35"/>
+                </a:cxn>
+                <a:cxn ang="0">
+                  <a:pos x="connsiteX36" y="connsiteY36"/>
+                </a:cxn>
+                <a:cxn ang="0">
+                  <a:pos x="connsiteX37" y="connsiteY37"/>
+                </a:cxn>
+                <a:cxn ang="0">
+                  <a:pos x="connsiteX38" y="connsiteY38"/>
+                </a:cxn>
+                <a:cxn ang="0">
+                  <a:pos x="connsiteX39" y="connsiteY39"/>
+                </a:cxn>
+                <a:cxn ang="0">
+                  <a:pos x="connsiteX40" y="connsiteY40"/>
+                </a:cxn>
+                <a:cxn ang="0">
+                  <a:pos x="connsiteX41" y="connsiteY41"/>
+                </a:cxn>
+                <a:cxn ang="0">
+                  <a:pos x="connsiteX42" y="connsiteY42"/>
+                </a:cxn>
+                <a:cxn ang="0">
+                  <a:pos x="connsiteX43" y="connsiteY43"/>
+                </a:cxn>
+                <a:cxn ang="0">
+                  <a:pos x="connsiteX44" y="connsiteY44"/>
+                </a:cxn>
+                <a:cxn ang="0">
+                  <a:pos x="connsiteX45" y="connsiteY45"/>
+                </a:cxn>
+                <a:cxn ang="0">
+                  <a:pos x="connsiteX46" y="connsiteY46"/>
+                </a:cxn>
+                <a:cxn ang="0">
+                  <a:pos x="connsiteX47" y="connsiteY47"/>
+                </a:cxn>
+                <a:cxn ang="0">
+                  <a:pos x="connsiteX48" y="connsiteY48"/>
+                </a:cxn>
+                <a:cxn ang="0">
+                  <a:pos x="connsiteX49" y="connsiteY49"/>
+                </a:cxn>
+                <a:cxn ang="0">
+                  <a:pos x="connsiteX50" y="connsiteY50"/>
+                </a:cxn>
+                <a:cxn ang="0">
+                  <a:pos x="connsiteX51" y="connsiteY51"/>
+                </a:cxn>
+                <a:cxn ang="0">
+                  <a:pos x="connsiteX52" y="connsiteY52"/>
+                </a:cxn>
+                <a:cxn ang="0">
+                  <a:pos x="connsiteX53" y="connsiteY53"/>
+                </a:cxn>
+                <a:cxn ang="0">
+                  <a:pos x="connsiteX54" y="connsiteY54"/>
+                </a:cxn>
+                <a:cxn ang="0">
+                  <a:pos x="connsiteX55" y="connsiteY55"/>
+                </a:cxn>
+                <a:cxn ang="0">
+                  <a:pos x="connsiteX56" y="connsiteY56"/>
+                </a:cxn>
+                <a:cxn ang="0">
+                  <a:pos x="connsiteX57" y="connsiteY57"/>
+                </a:cxn>
+                <a:cxn ang="0">
+                  <a:pos x="connsiteX58" y="connsiteY58"/>
+                </a:cxn>
+                <a:cxn ang="0">
+                  <a:pos x="connsiteX59" y="connsiteY59"/>
+                </a:cxn>
+                <a:cxn ang="0">
+                  <a:pos x="connsiteX60" y="connsiteY60"/>
+                </a:cxn>
+                <a:cxn ang="0">
+                  <a:pos x="connsiteX61" y="connsiteY61"/>
+                </a:cxn>
+                <a:cxn ang="0">
+                  <a:pos x="connsiteX62" y="connsiteY62"/>
+                </a:cxn>
+                <a:cxn ang="0">
+                  <a:pos x="connsiteX63" y="connsiteY63"/>
+                </a:cxn>
+                <a:cxn ang="0">
+                  <a:pos x="connsiteX64" y="connsiteY64"/>
+                </a:cxn>
+                <a:cxn ang="0">
+                  <a:pos x="connsiteX65" y="connsiteY65"/>
+                </a:cxn>
+                <a:cxn ang="0">
+                  <a:pos x="connsiteX66" y="connsiteY66"/>
+                </a:cxn>
+                <a:cxn ang="0">
+                  <a:pos x="connsiteX67" y="connsiteY67"/>
+                </a:cxn>
+                <a:cxn ang="0">
+                  <a:pos x="connsiteX68" y="connsiteY68"/>
+                </a:cxn>
+                <a:cxn ang="0">
+                  <a:pos x="connsiteX69" y="connsiteY69"/>
+                </a:cxn>
+                <a:cxn ang="0">
+                  <a:pos x="connsiteX70" y="connsiteY70"/>
+                </a:cxn>
+                <a:cxn ang="0">
+                  <a:pos x="connsiteX71" y="connsiteY71"/>
+                </a:cxn>
+                <a:cxn ang="0">
+                  <a:pos x="connsiteX72" y="connsiteY72"/>
+                </a:cxn>
+                <a:cxn ang="0">
+                  <a:pos x="connsiteX73" y="connsiteY73"/>
+                </a:cxn>
+                <a:cxn ang="0">
+                  <a:pos x="connsiteX74" y="connsiteY74"/>
+                </a:cxn>
+                <a:cxn ang="0">
+                  <a:pos x="connsiteX75" y="connsiteY75"/>
+                </a:cxn>
+                <a:cxn ang="0">
+                  <a:pos x="connsiteX76" y="connsiteY76"/>
+                </a:cxn>
+                <a:cxn ang="0">
+                  <a:pos x="connsiteX77" y="connsiteY77"/>
+                </a:cxn>
+                <a:cxn ang="0">
+                  <a:pos x="connsiteX78" y="connsiteY78"/>
+                </a:cxn>
+                <a:cxn ang="0">
+                  <a:pos x="connsiteX79" y="connsiteY79"/>
+                </a:cxn>
+                <a:cxn ang="0">
+                  <a:pos x="connsiteX80" y="connsiteY80"/>
+                </a:cxn>
+                <a:cxn ang="0">
+                  <a:pos x="connsiteX81" y="connsiteY81"/>
+                </a:cxn>
+                <a:cxn ang="0">
+                  <a:pos x="connsiteX82" y="connsiteY82"/>
+                </a:cxn>
+                <a:cxn ang="0">
+                  <a:pos x="connsiteX83" y="connsiteY83"/>
+                </a:cxn>
+                <a:cxn ang="0">
+                  <a:pos x="connsiteX84" y="connsiteY84"/>
+                </a:cxn>
+                <a:cxn ang="0">
+                  <a:pos x="connsiteX85" y="connsiteY85"/>
+                </a:cxn>
+                <a:cxn ang="0">
+                  <a:pos x="connsiteX86" y="connsiteY86"/>
+                </a:cxn>
+                <a:cxn ang="0">
+                  <a:pos x="connsiteX87" y="connsiteY87"/>
+                </a:cxn>
+                <a:cxn ang="0">
+                  <a:pos x="connsiteX88" y="connsiteY88"/>
+                </a:cxn>
+                <a:cxn ang="0">
+                  <a:pos x="connsiteX89" y="connsiteY89"/>
+                </a:cxn>
+                <a:cxn ang="0">
+                  <a:pos x="connsiteX90" y="connsiteY90"/>
+                </a:cxn>
+                <a:cxn ang="0">
+                  <a:pos x="connsiteX91" y="connsiteY91"/>
+                </a:cxn>
+                <a:cxn ang="0">
+                  <a:pos x="connsiteX92" y="connsiteY92"/>
+                </a:cxn>
+                <a:cxn ang="0">
+                  <a:pos x="connsiteX93" y="connsiteY93"/>
+                </a:cxn>
+                <a:cxn ang="0">
+                  <a:pos x="connsiteX94" y="connsiteY94"/>
+                </a:cxn>
+                <a:cxn ang="0">
+                  <a:pos x="connsiteX95" y="connsiteY95"/>
+                </a:cxn>
+                <a:cxn ang="0">
+                  <a:pos x="connsiteX96" y="connsiteY96"/>
+                </a:cxn>
+                <a:cxn ang="0">
+                  <a:pos x="connsiteX97" y="connsiteY97"/>
+                </a:cxn>
+                <a:cxn ang="0">
+                  <a:pos x="connsiteX98" y="connsiteY98"/>
+                </a:cxn>
+                <a:cxn ang="0">
+                  <a:pos x="connsiteX99" y="connsiteY99"/>
+                </a:cxn>
+                <a:cxn ang="0">
+                  <a:pos x="connsiteX100" y="connsiteY100"/>
+                </a:cxn>
+                <a:cxn ang="0">
+                  <a:pos x="connsiteX101" y="connsiteY101"/>
+                </a:cxn>
+                <a:cxn ang="0">
+                  <a:pos x="connsiteX102" y="connsiteY102"/>
+                </a:cxn>
+                <a:cxn ang="0">
+                  <a:pos x="connsiteX103" y="connsiteY103"/>
+                </a:cxn>
+                <a:cxn ang="0">
+                  <a:pos x="connsiteX104" y="connsiteY104"/>
+                </a:cxn>
+                <a:cxn ang="0">
+                  <a:pos x="connsiteX105" y="connsiteY105"/>
+                </a:cxn>
+                <a:cxn ang="0">
+                  <a:pos x="connsiteX106" y="connsiteY106"/>
+                </a:cxn>
+                <a:cxn ang="0">
+                  <a:pos x="connsiteX107" y="connsiteY107"/>
+                </a:cxn>
+                <a:cxn ang="0">
+                  <a:pos x="connsiteX108" y="connsiteY108"/>
+                </a:cxn>
+                <a:cxn ang="0">
+                  <a:pos x="connsiteX109" y="connsiteY109"/>
+                </a:cxn>
+                <a:cxn ang="0">
+                  <a:pos x="connsiteX110" y="connsiteY110"/>
+                </a:cxn>
+                <a:cxn ang="0">
+                  <a:pos x="connsiteX111" y="connsiteY111"/>
+                </a:cxn>
+                <a:cxn ang="0">
+                  <a:pos x="connsiteX112" y="connsiteY112"/>
+                </a:cxn>
+                <a:cxn ang="0">
+                  <a:pos x="connsiteX113" y="connsiteY113"/>
+                </a:cxn>
+                <a:cxn ang="0">
+                  <a:pos x="connsiteX114" y="connsiteY114"/>
+                </a:cxn>
+                <a:cxn ang="0">
+                  <a:pos x="connsiteX115" y="connsiteY115"/>
+                </a:cxn>
+                <a:cxn ang="0">
+                  <a:pos x="connsiteX116" y="connsiteY116"/>
+                </a:cxn>
+                <a:cxn ang="0">
+                  <a:pos x="connsiteX117" y="connsiteY117"/>
+                </a:cxn>
+                <a:cxn ang="0">
+                  <a:pos x="connsiteX118" y="connsiteY118"/>
+                </a:cxn>
+                <a:cxn ang="0">
+                  <a:pos x="connsiteX119" y="connsiteY119"/>
+                </a:cxn>
+                <a:cxn ang="0">
+                  <a:pos x="connsiteX120" y="connsiteY120"/>
+                </a:cxn>
+                <a:cxn ang="0">
+                  <a:pos x="connsiteX121" y="connsiteY121"/>
+                </a:cxn>
+                <a:cxn ang="0">
+                  <a:pos x="connsiteX122" y="connsiteY122"/>
+                </a:cxn>
+                <a:cxn ang="0">
+                  <a:pos x="connsiteX123" y="connsiteY123"/>
+                </a:cxn>
+                <a:cxn ang="0">
+                  <a:pos x="connsiteX124" y="connsiteY124"/>
+                </a:cxn>
+                <a:cxn ang="0">
+                  <a:pos x="connsiteX125" y="connsiteY125"/>
+                </a:cxn>
+                <a:cxn ang="0">
+                  <a:pos x="connsiteX126" y="connsiteY126"/>
+                </a:cxn>
+                <a:cxn ang="0">
+                  <a:pos x="connsiteX127" y="connsiteY127"/>
+                </a:cxn>
+                <a:cxn ang="0">
+                  <a:pos x="connsiteX128" y="connsiteY128"/>
+                </a:cxn>
+                <a:cxn ang="0">
+                  <a:pos x="connsiteX129" y="connsiteY129"/>
+                </a:cxn>
+                <a:cxn ang="0">
+                  <a:pos x="connsiteX130" y="connsiteY130"/>
+                </a:cxn>
+                <a:cxn ang="0">
+                  <a:pos x="connsiteX131" y="connsiteY131"/>
+                </a:cxn>
+                <a:cxn ang="0">
+                  <a:pos x="connsiteX132" y="connsiteY132"/>
+                </a:cxn>
+                <a:cxn ang="0">
+                  <a:pos x="connsiteX133" y="connsiteY133"/>
+                </a:cxn>
+                <a:cxn ang="0">
+                  <a:pos x="connsiteX134" y="connsiteY134"/>
+                </a:cxn>
+                <a:cxn ang="0">
+                  <a:pos x="connsiteX135" y="connsiteY135"/>
+                </a:cxn>
+                <a:cxn ang="0">
+                  <a:pos x="connsiteX136" y="connsiteY136"/>
+                </a:cxn>
+                <a:cxn ang="0">
+                  <a:pos x="connsiteX137" y="connsiteY137"/>
+                </a:cxn>
+                <a:cxn ang="0">
+                  <a:pos x="connsiteX138" y="connsiteY138"/>
+                </a:cxn>
+                <a:cxn ang="0">
+                  <a:pos x="connsiteX139" y="connsiteY139"/>
+                </a:cxn>
+                <a:cxn ang="0">
+                  <a:pos x="connsiteX140" y="connsiteY140"/>
+                </a:cxn>
+                <a:cxn ang="0">
+                  <a:pos x="connsiteX141" y="connsiteY141"/>
+                </a:cxn>
+                <a:cxn ang="0">
+                  <a:pos x="connsiteX142" y="connsiteY142"/>
+                </a:cxn>
+                <a:cxn ang="0">
+                  <a:pos x="connsiteX143" y="connsiteY143"/>
+                </a:cxn>
+                <a:cxn ang="0">
+                  <a:pos x="connsiteX144" y="connsiteY144"/>
+                </a:cxn>
+                <a:cxn ang="0">
+                  <a:pos x="connsiteX145" y="connsiteY145"/>
+                </a:cxn>
+                <a:cxn ang="0">
+                  <a:pos x="connsiteX146" y="connsiteY146"/>
+                </a:cxn>
+                <a:cxn ang="0">
+                  <a:pos x="connsiteX147" y="connsiteY147"/>
+                </a:cxn>
+                <a:cxn ang="0">
+                  <a:pos x="connsiteX148" y="connsiteY148"/>
+                </a:cxn>
+                <a:cxn ang="0">
+                  <a:pos x="connsiteX149" y="connsiteY149"/>
+                </a:cxn>
+                <a:cxn ang="0">
+                  <a:pos x="connsiteX150" y="connsiteY150"/>
+                </a:cxn>
+                <a:cxn ang="0">
+                  <a:pos x="connsiteX151" y="connsiteY151"/>
+                </a:cxn>
+                <a:cxn ang="0">
+                  <a:pos x="connsiteX152" y="connsiteY152"/>
+                </a:cxn>
+                <a:cxn ang="0">
+                  <a:pos x="connsiteX153" y="connsiteY153"/>
+                </a:cxn>
+                <a:cxn ang="0">
+                  <a:pos x="connsiteX154" y="connsiteY154"/>
+                </a:cxn>
+                <a:cxn ang="0">
+                  <a:pos x="connsiteX155" y="connsiteY155"/>
+                </a:cxn>
+                <a:cxn ang="0">
+                  <a:pos x="connsiteX156" y="connsiteY156"/>
+                </a:cxn>
+                <a:cxn ang="0">
+                  <a:pos x="connsiteX157" y="connsiteY157"/>
+                </a:cxn>
+                <a:cxn ang="0">
+                  <a:pos x="connsiteX158" y="connsiteY158"/>
+                </a:cxn>
+                <a:cxn ang="0">
+                  <a:pos x="connsiteX159" y="connsiteY159"/>
+                </a:cxn>
+                <a:cxn ang="0">
+                  <a:pos x="connsiteX160" y="connsiteY160"/>
+                </a:cxn>
+                <a:cxn ang="0">
+                  <a:pos x="connsiteX161" y="connsiteY161"/>
+                </a:cxn>
+                <a:cxn ang="0">
+                  <a:pos x="connsiteX162" y="connsiteY162"/>
+                </a:cxn>
+                <a:cxn ang="0">
+                  <a:pos x="connsiteX163" y="connsiteY163"/>
+                </a:cxn>
+                <a:cxn ang="0">
+                  <a:pos x="connsiteX164" y="connsiteY164"/>
+                </a:cxn>
+                <a:cxn ang="0">
+                  <a:pos x="connsiteX165" y="connsiteY165"/>
+                </a:cxn>
+                <a:cxn ang="0">
+                  <a:pos x="connsiteX166" y="connsiteY166"/>
+                </a:cxn>
+                <a:cxn ang="0">
+                  <a:pos x="connsiteX167" y="connsiteY167"/>
+                </a:cxn>
+                <a:cxn ang="0">
+                  <a:pos x="connsiteX168" y="connsiteY168"/>
+                </a:cxn>
+                <a:cxn ang="0">
+                  <a:pos x="connsiteX169" y="connsiteY169"/>
+                </a:cxn>
+                <a:cxn ang="0">
+                  <a:pos x="connsiteX170" y="connsiteY170"/>
+                </a:cxn>
+                <a:cxn ang="0">
+                  <a:pos x="connsiteX171" y="connsiteY171"/>
+                </a:cxn>
+                <a:cxn ang="0">
+                  <a:pos x="connsiteX172" y="connsiteY172"/>
+                </a:cxn>
+                <a:cxn ang="0">
+                  <a:pos x="connsiteX173" y="connsiteY173"/>
+                </a:cxn>
+                <a:cxn ang="0">
+                  <a:pos x="connsiteX174" y="connsiteY174"/>
+                </a:cxn>
+                <a:cxn ang="0">
+                  <a:pos x="connsiteX175" y="connsiteY175"/>
+                </a:cxn>
+                <a:cxn ang="0">
+                  <a:pos x="connsiteX176" y="connsiteY176"/>
+                </a:cxn>
+                <a:cxn ang="0">
+                  <a:pos x="connsiteX177" y="connsiteY177"/>
+                </a:cxn>
+                <a:cxn ang="0">
+                  <a:pos x="connsiteX178" y="connsiteY178"/>
+                </a:cxn>
+                <a:cxn ang="0">
+                  <a:pos x="connsiteX179" y="connsiteY179"/>
+                </a:cxn>
+                <a:cxn ang="0">
+                  <a:pos x="connsiteX180" y="connsiteY180"/>
+                </a:cxn>
+                <a:cxn ang="0">
+                  <a:pos x="connsiteX181" y="connsiteY181"/>
+                </a:cxn>
+                <a:cxn ang="0">
+                  <a:pos x="connsiteX182" y="connsiteY182"/>
+                </a:cxn>
+                <a:cxn ang="0">
+                  <a:pos x="connsiteX183" y="connsiteY183"/>
+                </a:cxn>
+                <a:cxn ang="0">
+                  <a:pos x="connsiteX184" y="connsiteY184"/>
+                </a:cxn>
+                <a:cxn ang="0">
+                  <a:pos x="connsiteX185" y="connsiteY185"/>
+                </a:cxn>
+                <a:cxn ang="0">
+                  <a:pos x="connsiteX186" y="connsiteY186"/>
+                </a:cxn>
+                <a:cxn ang="0">
+                  <a:pos x="connsiteX187" y="connsiteY187"/>
+                </a:cxn>
+                <a:cxn ang="0">
+                  <a:pos x="connsiteX188" y="connsiteY188"/>
+                </a:cxn>
+                <a:cxn ang="0">
+                  <a:pos x="connsiteX189" y="connsiteY189"/>
+                </a:cxn>
+                <a:cxn ang="0">
+                  <a:pos x="connsiteX190" y="connsiteY190"/>
+                </a:cxn>
+                <a:cxn ang="0">
+                  <a:pos x="connsiteX191" y="connsiteY191"/>
+                </a:cxn>
+                <a:cxn ang="0">
+                  <a:pos x="connsiteX192" y="connsiteY192"/>
+                </a:cxn>
+                <a:cxn ang="0">
+                  <a:pos x="connsiteX193" y="connsiteY193"/>
+                </a:cxn>
+                <a:cxn ang="0">
+                  <a:pos x="connsiteX194" y="connsiteY194"/>
+                </a:cxn>
+                <a:cxn ang="0">
+                  <a:pos x="connsiteX195" y="connsiteY195"/>
+                </a:cxn>
+                <a:cxn ang="0">
+                  <a:pos x="connsiteX196" y="connsiteY196"/>
+                </a:cxn>
+                <a:cxn ang="0">
+                  <a:pos x="connsiteX197" y="connsiteY197"/>
+                </a:cxn>
+                <a:cxn ang="0">
+                  <a:pos x="connsiteX198" y="connsiteY198"/>
+                </a:cxn>
+                <a:cxn ang="0">
+                  <a:pos x="connsiteX199" y="connsiteY199"/>
+                </a:cxn>
+              </a:cxnLst>
+              <a:rect l="l" t="t" r="r" b="b"/>
+              <a:pathLst>
+                <a:path w="5187198" h="6239661">
+                  <a:moveTo>
+                    <a:pt x="2011811" y="4"/>
+                  </a:moveTo>
+                  <a:cubicBezTo>
+                    <a:pt x="2217306" y="120"/>
+                    <a:pt x="2420903" y="25925"/>
+                    <a:pt x="2617011" y="70590"/>
+                  </a:cubicBezTo>
+                  <a:lnTo>
+                    <a:pt x="2690321" y="88146"/>
+                  </a:lnTo>
+                  <a:lnTo>
+                    <a:pt x="2726863" y="97127"/>
+                  </a:lnTo>
+                  <a:lnTo>
+                    <a:pt x="2762951" y="107375"/>
+                  </a:lnTo>
+                  <a:lnTo>
+                    <a:pt x="2834843" y="128493"/>
+                  </a:lnTo>
+                  <a:cubicBezTo>
+                    <a:pt x="2858788" y="135605"/>
+                    <a:pt x="2882632" y="142226"/>
+                    <a:pt x="2906574" y="151076"/>
+                  </a:cubicBezTo>
+                  <a:cubicBezTo>
+                    <a:pt x="2954475" y="167852"/>
+                    <a:pt x="3002363" y="183813"/>
+                    <a:pt x="3049504" y="202124"/>
+                  </a:cubicBezTo>
+                  <a:lnTo>
+                    <a:pt x="3189518" y="260159"/>
+                  </a:lnTo>
+                  <a:lnTo>
+                    <a:pt x="3326048" y="325143"/>
+                  </a:lnTo>
+                  <a:cubicBezTo>
+                    <a:pt x="3370687" y="348464"/>
+                    <a:pt x="3414908" y="372485"/>
+                    <a:pt x="3459166" y="395936"/>
+                  </a:cubicBezTo>
+                  <a:cubicBezTo>
+                    <a:pt x="3502947" y="420302"/>
+                    <a:pt x="3545491" y="447118"/>
+                    <a:pt x="3588578" y="472343"/>
+                  </a:cubicBezTo>
+                  <a:cubicBezTo>
+                    <a:pt x="3610346" y="484551"/>
+                    <a:pt x="3630797" y="499072"/>
+                    <a:pt x="3651864" y="512600"/>
+                  </a:cubicBezTo>
+                  <a:lnTo>
+                    <a:pt x="3714514" y="553499"/>
+                  </a:lnTo>
+                  <a:cubicBezTo>
+                    <a:pt x="3880005" y="664844"/>
+                    <a:pt x="4036083" y="788388"/>
+                    <a:pt x="4181221" y="922912"/>
+                  </a:cubicBezTo>
+                  <a:cubicBezTo>
+                    <a:pt x="4326221" y="1057515"/>
+                    <a:pt x="4461955" y="1202038"/>
+                    <a:pt x="4582963" y="1358264"/>
+                  </a:cubicBezTo>
+                  <a:cubicBezTo>
+                    <a:pt x="4614206" y="1396543"/>
+                    <a:pt x="4642091" y="1437400"/>
+                    <a:pt x="4670721" y="1477644"/>
+                  </a:cubicBezTo>
+                  <a:cubicBezTo>
+                    <a:pt x="4700172" y="1517414"/>
+                    <a:pt x="4725864" y="1559538"/>
+                    <a:pt x="4752378" y="1601187"/>
+                  </a:cubicBezTo>
+                  <a:lnTo>
+                    <a:pt x="4772168" y="1632456"/>
+                  </a:lnTo>
+                  <a:lnTo>
+                    <a:pt x="4782117" y="1648104"/>
+                  </a:lnTo>
+                  <a:lnTo>
+                    <a:pt x="4791381" y="1664150"/>
+                  </a:lnTo>
+                  <a:lnTo>
+                    <a:pt x="4828190" y="1728379"/>
+                  </a:lnTo>
+                  <a:cubicBezTo>
+                    <a:pt x="4840266" y="1749930"/>
+                    <a:pt x="4853470" y="1770740"/>
+                    <a:pt x="4864832" y="1792796"/>
+                  </a:cubicBezTo>
+                  <a:lnTo>
+                    <a:pt x="4899201" y="1858342"/>
+                  </a:lnTo>
+                  <a:cubicBezTo>
+                    <a:pt x="4910484" y="1880260"/>
+                    <a:pt x="4922532" y="1901920"/>
+                    <a:pt x="4933266" y="1924155"/>
+                  </a:cubicBezTo>
+                  <a:lnTo>
+                    <a:pt x="4964403" y="1991384"/>
+                  </a:lnTo>
+                  <a:cubicBezTo>
+                    <a:pt x="4974618" y="2013829"/>
+                    <a:pt x="4985323" y="2036171"/>
+                    <a:pt x="4995019" y="2058823"/>
+                  </a:cubicBezTo>
+                  <a:lnTo>
+                    <a:pt x="5021999" y="2127723"/>
+                  </a:lnTo>
+                  <a:lnTo>
+                    <a:pt x="5048321" y="2196908"/>
+                  </a:lnTo>
+                  <a:lnTo>
+                    <a:pt x="5070546" y="2267547"/>
+                  </a:lnTo>
+                  <a:cubicBezTo>
+                    <a:pt x="5078054" y="2291004"/>
+                    <a:pt x="5085044" y="2314670"/>
+                    <a:pt x="5092171" y="2338256"/>
+                  </a:cubicBezTo>
+                  <a:cubicBezTo>
+                    <a:pt x="5098670" y="2362023"/>
+                    <a:pt x="5104296" y="2386019"/>
+                    <a:pt x="5110305" y="2409886"/>
+                  </a:cubicBezTo>
+                  <a:cubicBezTo>
+                    <a:pt x="5158097" y="2600976"/>
+                    <a:pt x="5182068" y="2797044"/>
+                    <a:pt x="5186393" y="2992022"/>
+                  </a:cubicBezTo>
+                  <a:cubicBezTo>
+                    <a:pt x="5191013" y="3187195"/>
+                    <a:pt x="5175397" y="3380886"/>
+                    <a:pt x="5149045" y="3571816"/>
+                  </a:cubicBezTo>
+                  <a:cubicBezTo>
+                    <a:pt x="5141154" y="3619431"/>
+                    <a:pt x="5133539" y="3666889"/>
+                    <a:pt x="5126572" y="3714520"/>
+                  </a:cubicBezTo>
+                  <a:cubicBezTo>
+                    <a:pt x="5117276" y="3761759"/>
+                    <a:pt x="5107793" y="3808831"/>
+                    <a:pt x="5099067" y="3856108"/>
+                  </a:cubicBezTo>
+                  <a:lnTo>
+                    <a:pt x="5095699" y="3873868"/>
+                  </a:lnTo>
+                  <a:lnTo>
+                    <a:pt x="5091573" y="3891426"/>
+                  </a:lnTo>
+                  <a:lnTo>
+                    <a:pt x="5083324" y="3926541"/>
+                  </a:lnTo>
+                  <a:lnTo>
+                    <a:pt x="5067256" y="3996889"/>
+                  </a:lnTo>
+                  <a:cubicBezTo>
+                    <a:pt x="5064451" y="4008657"/>
+                    <a:pt x="5062244" y="4020353"/>
+                    <a:pt x="5059194" y="4032171"/>
+                  </a:cubicBezTo>
+                  <a:lnTo>
+                    <a:pt x="5049522" y="4067833"/>
+                  </a:lnTo>
+                  <a:lnTo>
+                    <a:pt x="5040067" y="4103553"/>
+                  </a:lnTo>
+                  <a:cubicBezTo>
+                    <a:pt x="5036554" y="4115363"/>
+                    <a:pt x="5032689" y="4127194"/>
+                    <a:pt x="5028960" y="4138946"/>
+                  </a:cubicBezTo>
+                  <a:cubicBezTo>
+                    <a:pt x="4999693" y="4233462"/>
+                    <a:pt x="4962869" y="4326764"/>
+                    <a:pt x="4917351" y="4417041"/>
+                  </a:cubicBezTo>
+                  <a:cubicBezTo>
+                    <a:pt x="4871860" y="4507209"/>
+                    <a:pt x="4817597" y="4594215"/>
+                    <a:pt x="4756163" y="4676402"/>
+                  </a:cubicBezTo>
+                  <a:cubicBezTo>
+                    <a:pt x="4632803" y="4840875"/>
+                    <a:pt x="4480597" y="4982783"/>
+                    <a:pt x="4322493" y="5105604"/>
+                  </a:cubicBezTo>
+                  <a:cubicBezTo>
+                    <a:pt x="4163928" y="5228420"/>
+                    <a:pt x="3999564" y="5332640"/>
+                    <a:pt x="3840510" y="5429590"/>
+                  </a:cubicBezTo>
+                  <a:cubicBezTo>
+                    <a:pt x="3760954" y="5478172"/>
+                    <a:pt x="3682353" y="5524924"/>
+                    <a:pt x="3606447" y="5572862"/>
+                  </a:cubicBezTo>
+                  <a:lnTo>
+                    <a:pt x="3488814" y="5647178"/>
+                  </a:lnTo>
+                  <a:cubicBezTo>
+                    <a:pt x="3448270" y="5672597"/>
+                    <a:pt x="3407323" y="5697792"/>
+                    <a:pt x="3365864" y="5722735"/>
+                  </a:cubicBezTo>
+                  <a:cubicBezTo>
+                    <a:pt x="3200163" y="5822424"/>
+                    <a:pt x="3026125" y="5917328"/>
+                    <a:pt x="2839486" y="5999120"/>
+                  </a:cubicBezTo>
+                  <a:cubicBezTo>
+                    <a:pt x="2653201" y="6080891"/>
+                    <a:pt x="2453560" y="6149344"/>
+                    <a:pt x="2242423" y="6192346"/>
+                  </a:cubicBezTo>
+                  <a:cubicBezTo>
+                    <a:pt x="2031719" y="6235463"/>
+                    <a:pt x="1808952" y="6251353"/>
+                    <a:pt x="1589380" y="6230657"/>
+                  </a:cubicBezTo>
+                  <a:lnTo>
+                    <a:pt x="1548244" y="6226706"/>
+                  </a:lnTo>
+                  <a:cubicBezTo>
+                    <a:pt x="1534528" y="6225117"/>
+                    <a:pt x="1520898" y="6223203"/>
+                    <a:pt x="1507348" y="6221428"/>
+                  </a:cubicBezTo>
+                  <a:lnTo>
+                    <a:pt x="1466401" y="6215904"/>
+                  </a:lnTo>
+                  <a:cubicBezTo>
+                    <a:pt x="1452772" y="6213991"/>
+                    <a:pt x="1439316" y="6211428"/>
+                    <a:pt x="1425773" y="6209191"/>
+                  </a:cubicBezTo>
+                  <a:cubicBezTo>
+                    <a:pt x="1398775" y="6204391"/>
+                    <a:pt x="1371610" y="6199779"/>
+                    <a:pt x="1344960" y="6193681"/>
+                  </a:cubicBezTo>
+                  <a:cubicBezTo>
+                    <a:pt x="1318251" y="6187799"/>
+                    <a:pt x="1291260" y="6182538"/>
+                    <a:pt x="1265007" y="6175388"/>
+                  </a:cubicBezTo>
+                  <a:lnTo>
+                    <a:pt x="1225415" y="6165243"/>
+                  </a:lnTo>
+                  <a:cubicBezTo>
+                    <a:pt x="1212163" y="6161924"/>
+                    <a:pt x="1198939" y="6158496"/>
+                    <a:pt x="1186567" y="6154486"/>
+                  </a:cubicBezTo>
+                  <a:lnTo>
+                    <a:pt x="1111158" y="6130918"/>
+                  </a:lnTo>
+                  <a:lnTo>
+                    <a:pt x="1035915" y="6107163"/>
+                  </a:lnTo>
+                  <a:cubicBezTo>
+                    <a:pt x="1010846" y="6099055"/>
+                    <a:pt x="986357" y="6088784"/>
+                    <a:pt x="961579" y="6079594"/>
+                  </a:cubicBezTo>
+                  <a:cubicBezTo>
+                    <a:pt x="763709" y="6005594"/>
+                    <a:pt x="572401" y="5909703"/>
+                    <a:pt x="395297" y="5792812"/>
+                  </a:cubicBezTo>
+                  <a:lnTo>
+                    <a:pt x="265239" y="5701511"/>
+                  </a:lnTo>
+                  <a:cubicBezTo>
+                    <a:pt x="254227" y="5694155"/>
+                    <a:pt x="244103" y="5685646"/>
+                    <a:pt x="233756" y="5677542"/>
+                  </a:cubicBezTo>
+                  <a:lnTo>
+                    <a:pt x="202800" y="5652902"/>
+                  </a:lnTo>
+                  <a:lnTo>
+                    <a:pt x="140918" y="5603515"/>
+                  </a:lnTo>
+                  <a:cubicBezTo>
+                    <a:pt x="130598" y="5595302"/>
+                    <a:pt x="120280" y="5587089"/>
+                    <a:pt x="110625" y="5578127"/>
+                  </a:cubicBezTo>
+                  <a:cubicBezTo>
+                    <a:pt x="105647" y="5573779"/>
+                    <a:pt x="100444" y="5569834"/>
+                    <a:pt x="95631" y="5565299"/>
+                  </a:cubicBezTo>
+                  <a:cubicBezTo>
+                    <a:pt x="90955" y="5560684"/>
+                    <a:pt x="86505" y="5555666"/>
+                    <a:pt x="81966" y="5550973"/>
+                  </a:cubicBezTo>
+                  <a:lnTo>
+                    <a:pt x="27991" y="5493272"/>
+                  </a:lnTo>
+                  <a:cubicBezTo>
+                    <a:pt x="19109" y="5483589"/>
+                    <a:pt x="9758" y="5474359"/>
+                    <a:pt x="1454" y="5464252"/>
+                  </a:cubicBezTo>
+                  <a:lnTo>
+                    <a:pt x="0" y="5462518"/>
+                  </a:lnTo>
+                  <a:lnTo>
+                    <a:pt x="0" y="4720187"/>
+                  </a:lnTo>
+                  <a:lnTo>
+                    <a:pt x="109684" y="4836724"/>
+                  </a:lnTo>
+                  <a:cubicBezTo>
+                    <a:pt x="173316" y="4897375"/>
+                    <a:pt x="239447" y="4954160"/>
+                    <a:pt x="306959" y="5007200"/>
+                  </a:cubicBezTo>
+                  <a:lnTo>
+                    <a:pt x="358101" y="5046057"/>
+                  </a:lnTo>
+                  <a:lnTo>
+                    <a:pt x="383328" y="5065684"/>
+                  </a:lnTo>
+                  <a:cubicBezTo>
+                    <a:pt x="391637" y="5072316"/>
+                    <a:pt x="400805" y="5077902"/>
+                    <a:pt x="409503" y="5083942"/>
+                  </a:cubicBezTo>
+                  <a:lnTo>
+                    <a:pt x="461889" y="5119888"/>
+                  </a:lnTo>
+                  <a:cubicBezTo>
+                    <a:pt x="466184" y="5122893"/>
+                    <a:pt x="470616" y="5125820"/>
+                    <a:pt x="474883" y="5128933"/>
+                  </a:cubicBezTo>
+                  <a:cubicBezTo>
+                    <a:pt x="478982" y="5132235"/>
+                    <a:pt x="482476" y="5136069"/>
+                    <a:pt x="486410" y="5139557"/>
+                  </a:cubicBezTo>
+                  <a:cubicBezTo>
+                    <a:pt x="494140" y="5146613"/>
+                    <a:pt x="502565" y="5152812"/>
+                    <a:pt x="510852" y="5159089"/>
+                  </a:cubicBezTo>
+                  <a:lnTo>
+                    <a:pt x="560653" y="5196893"/>
+                  </a:lnTo>
+                  <a:lnTo>
+                    <a:pt x="585485" y="5215834"/>
+                  </a:lnTo>
+                  <a:cubicBezTo>
+                    <a:pt x="593773" y="5222111"/>
+                    <a:pt x="601864" y="5228685"/>
+                    <a:pt x="610707" y="5234185"/>
+                  </a:cubicBezTo>
+                  <a:lnTo>
+                    <a:pt x="714768" y="5303103"/>
+                  </a:lnTo>
+                  <a:cubicBezTo>
+                    <a:pt x="856162" y="5390603"/>
+                    <a:pt x="1008099" y="5459947"/>
+                    <a:pt x="1166634" y="5513322"/>
+                  </a:cubicBezTo>
+                  <a:cubicBezTo>
+                    <a:pt x="1186540" y="5519932"/>
+                    <a:pt x="1205774" y="5527751"/>
+                    <a:pt x="1225991" y="5533632"/>
+                  </a:cubicBezTo>
+                  <a:lnTo>
+                    <a:pt x="1286680" y="5550705"/>
+                  </a:lnTo>
+                  <a:lnTo>
+                    <a:pt x="1347310" y="5567995"/>
+                  </a:lnTo>
+                  <a:cubicBezTo>
+                    <a:pt x="1357469" y="5571180"/>
+                    <a:pt x="1367261" y="5573572"/>
+                    <a:pt x="1377002" y="5575719"/>
+                  </a:cubicBezTo>
+                  <a:lnTo>
+                    <a:pt x="1406328" y="5582649"/>
+                  </a:lnTo>
+                  <a:cubicBezTo>
+                    <a:pt x="1425825" y="5587757"/>
+                    <a:pt x="1445490" y="5590939"/>
+                    <a:pt x="1465060" y="5594909"/>
+                  </a:cubicBezTo>
+                  <a:cubicBezTo>
+                    <a:pt x="1484652" y="5599231"/>
+                    <a:pt x="1504324" y="5601952"/>
+                    <a:pt x="1523881" y="5605105"/>
+                  </a:cubicBezTo>
+                  <a:cubicBezTo>
+                    <a:pt x="1533660" y="5606682"/>
+                    <a:pt x="1543460" y="5608613"/>
+                    <a:pt x="1553325" y="5609865"/>
+                  </a:cubicBezTo>
+                  <a:lnTo>
+                    <a:pt x="1582813" y="5613593"/>
+                  </a:lnTo>
+                  <a:lnTo>
+                    <a:pt x="1612301" y="5617321"/>
+                  </a:lnTo>
+                  <a:lnTo>
+                    <a:pt x="1641863" y="5619910"/>
+                  </a:lnTo>
+                  <a:cubicBezTo>
+                    <a:pt x="1799348" y="5633940"/>
+                    <a:pt x="1957913" y="5625770"/>
+                    <a:pt x="2117508" y="5595156"/>
+                  </a:cubicBezTo>
+                  <a:cubicBezTo>
+                    <a:pt x="2277124" y="5564895"/>
+                    <a:pt x="2437004" y="5512449"/>
+                    <a:pt x="2597368" y="5447381"/>
+                  </a:cubicBezTo>
+                  <a:cubicBezTo>
+                    <a:pt x="2757791" y="5382096"/>
+                    <a:pt x="2918855" y="5304464"/>
+                    <a:pt x="3082968" y="5223245"/>
+                  </a:cubicBezTo>
+                  <a:lnTo>
+                    <a:pt x="3334855" y="5097383"/>
+                  </a:lnTo>
+                  <a:cubicBezTo>
+                    <a:pt x="3423528" y="5054142"/>
+                    <a:pt x="3511773" y="5013798"/>
+                    <a:pt x="3599509" y="4976217"/>
+                  </a:cubicBezTo>
+                  <a:cubicBezTo>
+                    <a:pt x="3774960" y="4900701"/>
+                    <a:pt x="3948276" y="4837481"/>
+                    <a:pt x="4112002" y="4766359"/>
+                  </a:cubicBezTo>
+                  <a:cubicBezTo>
+                    <a:pt x="4193972" y="4730827"/>
+                    <a:pt x="4273429" y="4692997"/>
+                    <a:pt x="4348983" y="4649833"/>
+                  </a:cubicBezTo>
+                  <a:cubicBezTo>
+                    <a:pt x="4424508" y="4606778"/>
+                    <a:pt x="4496050" y="4558250"/>
+                    <a:pt x="4560505" y="4501564"/>
+                  </a:cubicBezTo>
+                  <a:cubicBezTo>
+                    <a:pt x="4625198" y="4445289"/>
+                    <a:pt x="4682991" y="4381021"/>
+                    <a:pt x="4731963" y="4309870"/>
+                  </a:cubicBezTo>
+                  <a:cubicBezTo>
+                    <a:pt x="4781043" y="4238747"/>
+                    <a:pt x="4821275" y="4160848"/>
+                    <a:pt x="4852344" y="4078640"/>
+                  </a:cubicBezTo>
+                  <a:lnTo>
+                    <a:pt x="4863972" y="4047790"/>
+                  </a:lnTo>
+                  <a:lnTo>
+                    <a:pt x="4874144" y="4016320"/>
+                  </a:lnTo>
+                  <a:lnTo>
+                    <a:pt x="4884127" y="3984682"/>
+                  </a:lnTo>
+                  <a:cubicBezTo>
+                    <a:pt x="4887242" y="3973925"/>
+                    <a:pt x="4889981" y="3962835"/>
+                    <a:pt x="4892800" y="3951883"/>
+                  </a:cubicBezTo>
+                  <a:lnTo>
+                    <a:pt x="4909526" y="3886001"/>
+                  </a:lnTo>
+                  <a:lnTo>
+                    <a:pt x="4917687" y="3852948"/>
+                  </a:lnTo>
+                  <a:lnTo>
+                    <a:pt x="4921768" y="3836422"/>
+                  </a:lnTo>
+                  <a:lnTo>
+                    <a:pt x="4924845" y="3819742"/>
+                  </a:lnTo>
+                  <a:cubicBezTo>
+                    <a:pt x="4933092" y="3775120"/>
+                    <a:pt x="4941231" y="3730469"/>
+                    <a:pt x="4948230" y="3685744"/>
+                  </a:cubicBezTo>
+                  <a:cubicBezTo>
+                    <a:pt x="4953579" y="3640694"/>
+                    <a:pt x="4958249" y="3595577"/>
+                    <a:pt x="4962782" y="3550540"/>
+                  </a:cubicBezTo>
+                  <a:cubicBezTo>
+                    <a:pt x="4976580" y="3369692"/>
+                    <a:pt x="4965812" y="3187942"/>
+                    <a:pt x="4939468" y="3010249"/>
+                  </a:cubicBezTo>
+                  <a:cubicBezTo>
+                    <a:pt x="4912965" y="2832281"/>
+                    <a:pt x="4870237" y="2658196"/>
+                    <a:pt x="4816901" y="2488224"/>
+                  </a:cubicBezTo>
+                  <a:cubicBezTo>
+                    <a:pt x="4810197" y="2466954"/>
+                    <a:pt x="4803984" y="2445582"/>
+                    <a:pt x="4797005" y="2424470"/>
+                  </a:cubicBezTo>
+                  <a:cubicBezTo>
+                    <a:pt x="4789399" y="2403537"/>
+                    <a:pt x="4781686" y="2382574"/>
+                    <a:pt x="4774433" y="2361620"/>
+                  </a:cubicBezTo>
+                  <a:lnTo>
+                    <a:pt x="4752459" y="2298700"/>
+                  </a:lnTo>
+                  <a:lnTo>
+                    <a:pt x="4728083" y="2236526"/>
+                  </a:lnTo>
+                  <a:cubicBezTo>
+                    <a:pt x="4719957" y="2215802"/>
+                    <a:pt x="4712352" y="2194869"/>
+                    <a:pt x="4704471" y="2174095"/>
+                  </a:cubicBezTo>
+                  <a:lnTo>
+                    <a:pt x="4678399" y="2112626"/>
+                  </a:lnTo>
+                  <a:lnTo>
+                    <a:pt x="4652601" y="2050999"/>
+                  </a:lnTo>
+                  <a:cubicBezTo>
+                    <a:pt x="4643711" y="2030533"/>
+                    <a:pt x="4633616" y="2010672"/>
+                    <a:pt x="4624205" y="1990415"/>
+                  </a:cubicBezTo>
+                  <a:lnTo>
+                    <a:pt x="4595398" y="1930069"/>
+                  </a:lnTo>
+                  <a:cubicBezTo>
+                    <a:pt x="4585714" y="1909969"/>
+                    <a:pt x="4574413" y="1890713"/>
+                    <a:pt x="4563827" y="1870952"/>
+                  </a:cubicBezTo>
+                  <a:lnTo>
+                    <a:pt x="4531433" y="1812311"/>
+                  </a:lnTo>
+                  <a:lnTo>
+                    <a:pt x="4523315" y="1797616"/>
+                  </a:lnTo>
+                  <a:lnTo>
+                    <a:pt x="4514482" y="1783425"/>
+                  </a:lnTo>
+                  <a:lnTo>
+                    <a:pt x="4496845" y="1754936"/>
+                  </a:lnTo>
+                  <a:lnTo>
+                    <a:pt x="4461463" y="1697929"/>
+                  </a:lnTo>
+                  <a:lnTo>
+                    <a:pt x="4452660" y="1683629"/>
+                  </a:lnTo>
+                  <a:lnTo>
+                    <a:pt x="4443141" y="1669834"/>
+                  </a:lnTo>
+                  <a:lnTo>
+                    <a:pt x="4424241" y="1642166"/>
+                  </a:lnTo>
+                  <a:cubicBezTo>
+                    <a:pt x="4399005" y="1605265"/>
+                    <a:pt x="4374512" y="1567751"/>
+                    <a:pt x="4346886" y="1532412"/>
+                  </a:cubicBezTo>
+                  <a:cubicBezTo>
+                    <a:pt x="4240477" y="1388328"/>
+                    <a:pt x="4120362" y="1253437"/>
+                    <a:pt x="3985497" y="1134649"/>
+                  </a:cubicBezTo>
+                  <a:cubicBezTo>
+                    <a:pt x="3850799" y="1015675"/>
+                    <a:pt x="3702920" y="911715"/>
+                    <a:pt x="3545665" y="825877"/>
+                  </a:cubicBezTo>
+                  <a:lnTo>
+                    <a:pt x="3486190" y="794756"/>
+                  </a:lnTo>
+                  <a:cubicBezTo>
+                    <a:pt x="3466181" y="784640"/>
+                    <a:pt x="3446893" y="773560"/>
+                    <a:pt x="3426182" y="764765"/>
+                  </a:cubicBezTo>
+                  <a:lnTo>
+                    <a:pt x="3365044" y="737255"/>
+                  </a:lnTo>
+                  <a:lnTo>
+                    <a:pt x="3334529" y="723514"/>
+                  </a:lnTo>
+                  <a:cubicBezTo>
+                    <a:pt x="3324394" y="718943"/>
+                    <a:pt x="3314287" y="714265"/>
+                    <a:pt x="3303733" y="710395"/>
+                  </a:cubicBezTo>
+                  <a:cubicBezTo>
+                    <a:pt x="3262013" y="694346"/>
+                    <a:pt x="3220711" y="677599"/>
+                    <a:pt x="3179033" y="662259"/>
+                  </a:cubicBezTo>
+                  <a:lnTo>
+                    <a:pt x="3052408" y="620447"/>
+                  </a:lnTo>
+                  <a:lnTo>
+                    <a:pt x="2924325" y="584505"/>
+                  </a:lnTo>
+                  <a:cubicBezTo>
+                    <a:pt x="2903106" y="578471"/>
+                    <a:pt x="2881119" y="574434"/>
+                    <a:pt x="2859667" y="569266"/>
+                  </a:cubicBezTo>
+                  <a:lnTo>
+                    <a:pt x="2795226" y="554085"/>
+                  </a:lnTo>
+                  <a:cubicBezTo>
+                    <a:pt x="2774078" y="548652"/>
+                    <a:pt x="2751709" y="544744"/>
+                    <a:pt x="2729702" y="540354"/>
+                  </a:cubicBezTo>
+                  <a:lnTo>
+                    <a:pt x="2663758" y="527322"/>
+                  </a:lnTo>
+                  <a:lnTo>
+                    <a:pt x="2630927" y="520495"/>
+                  </a:lnTo>
+                  <a:lnTo>
+                    <a:pt x="2597965" y="515024"/>
+                  </a:lnTo>
+                  <a:cubicBezTo>
+                    <a:pt x="2575970" y="511449"/>
+                    <a:pt x="2554112" y="507795"/>
+                    <a:pt x="2532205" y="503895"/>
+                  </a:cubicBezTo>
+                  <a:cubicBezTo>
+                    <a:pt x="2357016" y="475037"/>
+                    <a:pt x="2182954" y="456682"/>
+                    <a:pt x="2010064" y="452552"/>
+                  </a:cubicBezTo>
+                  <a:cubicBezTo>
+                    <a:pt x="1837255" y="448558"/>
+                    <a:pt x="1665388" y="457916"/>
+                    <a:pt x="1494552" y="485055"/>
+                  </a:cubicBezTo>
+                  <a:cubicBezTo>
+                    <a:pt x="1452133" y="492816"/>
+                    <a:pt x="1409569" y="501117"/>
+                    <a:pt x="1366896" y="509389"/>
+                  </a:cubicBezTo>
+                  <a:cubicBezTo>
+                    <a:pt x="1324862" y="520035"/>
+                    <a:pt x="1282333" y="529505"/>
+                    <a:pt x="1240175" y="541045"/>
+                  </a:cubicBezTo>
+                  <a:lnTo>
+                    <a:pt x="1177438" y="560170"/>
+                  </a:lnTo>
+                  <a:lnTo>
+                    <a:pt x="1145987" y="569826"/>
+                  </a:lnTo>
+                  <a:lnTo>
+                    <a:pt x="1130315" y="574669"/>
+                  </a:lnTo>
+                  <a:lnTo>
+                    <a:pt x="1114873" y="580384"/>
+                  </a:lnTo>
+                  <a:lnTo>
+                    <a:pt x="1052839" y="602943"/>
+                  </a:lnTo>
+                  <a:cubicBezTo>
+                    <a:pt x="1032151" y="610499"/>
+                    <a:pt x="1011255" y="617535"/>
+                    <a:pt x="991135" y="626866"/>
+                  </a:cubicBezTo>
+                  <a:lnTo>
+                    <a:pt x="930179" y="653191"/>
+                  </a:lnTo>
+                  <a:cubicBezTo>
+                    <a:pt x="909850" y="662002"/>
+                    <a:pt x="889443" y="670676"/>
+                    <a:pt x="869768" y="680937"/>
+                  </a:cubicBezTo>
+                  <a:lnTo>
+                    <a:pt x="810085" y="710734"/>
+                  </a:lnTo>
+                  <a:cubicBezTo>
+                    <a:pt x="790331" y="720859"/>
+                    <a:pt x="770124" y="730514"/>
+                    <a:pt x="751220" y="741794"/>
+                  </a:cubicBezTo>
+                  <a:cubicBezTo>
+                    <a:pt x="673929" y="784955"/>
+                    <a:pt x="598827" y="830326"/>
+                    <a:pt x="532669" y="881688"/>
+                  </a:cubicBezTo>
+                  <a:cubicBezTo>
+                    <a:pt x="464226" y="931625"/>
+                    <a:pt x="406969" y="988270"/>
+                    <a:pt x="354185" y="1050286"/>
+                  </a:cubicBezTo>
+                  <a:lnTo>
+                    <a:pt x="315980" y="1098125"/>
+                  </a:lnTo>
+                  <a:lnTo>
+                    <a:pt x="280345" y="1149782"/>
+                  </a:lnTo>
+                  <a:cubicBezTo>
+                    <a:pt x="268144" y="1166335"/>
+                    <a:pt x="257438" y="1185955"/>
+                    <a:pt x="245890" y="1203959"/>
+                  </a:cubicBezTo>
+                  <a:cubicBezTo>
+                    <a:pt x="234552" y="1222481"/>
+                    <a:pt x="223171" y="1240298"/>
+                    <a:pt x="212162" y="1260184"/>
+                  </a:cubicBezTo>
+                  <a:cubicBezTo>
+                    <a:pt x="168299" y="1337574"/>
+                    <a:pt x="125055" y="1419360"/>
+                    <a:pt x="80716" y="1502476"/>
+                  </a:cubicBezTo>
+                  <a:lnTo>
+                    <a:pt x="0" y="1648841"/>
+                  </a:lnTo>
+                  <a:lnTo>
+                    <a:pt x="0" y="954863"/>
+                  </a:lnTo>
+                  <a:lnTo>
+                    <a:pt x="43491" y="895513"/>
+                  </a:lnTo>
+                  <a:cubicBezTo>
+                    <a:pt x="59888" y="874984"/>
+                    <a:pt x="77014" y="854766"/>
+                    <a:pt x="93923" y="834489"/>
+                  </a:cubicBezTo>
+                  <a:cubicBezTo>
+                    <a:pt x="163245" y="754880"/>
+                    <a:pt x="240806" y="679565"/>
+                    <a:pt x="323465" y="617671"/>
+                  </a:cubicBezTo>
+                  <a:cubicBezTo>
+                    <a:pt x="405002" y="553042"/>
+                    <a:pt x="490132" y="499230"/>
+                    <a:pt x="574777" y="446794"/>
+                  </a:cubicBezTo>
+                  <a:cubicBezTo>
+                    <a:pt x="595733" y="433050"/>
+                    <a:pt x="617442" y="421248"/>
+                    <a:pt x="638943" y="408925"/>
+                  </a:cubicBezTo>
+                  <a:lnTo>
+                    <a:pt x="703505" y="371742"/>
+                  </a:lnTo>
+                  <a:cubicBezTo>
+                    <a:pt x="724798" y="358900"/>
+                    <a:pt x="747120" y="347842"/>
+                    <a:pt x="769262" y="336154"/>
+                  </a:cubicBezTo>
+                  <a:lnTo>
+                    <a:pt x="835552" y="301173"/>
+                  </a:lnTo>
+                  <a:cubicBezTo>
+                    <a:pt x="857427" y="289183"/>
+                    <a:pt x="880470" y="278896"/>
+                    <a:pt x="902979" y="268004"/>
+                  </a:cubicBezTo>
+                  <a:lnTo>
+                    <a:pt x="971127" y="235607"/>
+                  </a:lnTo>
+                  <a:lnTo>
+                    <a:pt x="988238" y="227556"/>
+                  </a:lnTo>
+                  <a:lnTo>
+                    <a:pt x="1005744" y="220191"/>
+                  </a:lnTo>
+                  <a:lnTo>
+                    <a:pt x="1040729" y="205569"/>
+                  </a:lnTo>
+                  <a:lnTo>
+                    <a:pt x="1110835" y="176248"/>
+                  </a:lnTo>
+                  <a:cubicBezTo>
+                    <a:pt x="1157999" y="157703"/>
+                    <a:pt x="1206322" y="141323"/>
+                    <a:pt x="1254256" y="123796"/>
+                  </a:cubicBezTo>
+                  <a:cubicBezTo>
+                    <a:pt x="1302938" y="108671"/>
+                    <a:pt x="1352074" y="94017"/>
+                    <a:pt x="1401310" y="79852"/>
+                  </a:cubicBezTo>
+                  <a:cubicBezTo>
+                    <a:pt x="1599497" y="26774"/>
+                    <a:pt x="1806373" y="-329"/>
+                    <a:pt x="2011811" y="4"/>
+                  </a:cubicBezTo>
+                  <a:close/>
+                </a:path>
+              </a:pathLst>
+            </a:custGeom>
+            <a:gradFill>
+              <a:gsLst>
+                <a:gs pos="2000">
+                  <a:schemeClr val="bg1">
+                    <a:alpha val="10000"/>
+                  </a:schemeClr>
+                </a:gs>
+                <a:gs pos="16000">
+                  <a:schemeClr val="accent6">
+                    <a:alpha val="10000"/>
+                  </a:schemeClr>
+                </a:gs>
+                <a:gs pos="100000">
+                  <a:schemeClr val="bg1">
+                    <a:alpha val="10000"/>
+                  </a:schemeClr>
+                </a:gs>
+                <a:gs pos="85000">
+                  <a:schemeClr val="accent1">
+                    <a:alpha val="10000"/>
+                  </a:schemeClr>
+                </a:gs>
+              </a:gsLst>
+              <a:lin ang="12000000" scaled="0"/>
+            </a:gradFill>
+            <a:ln>
+              <a:noFill/>
+            </a:ln>
+          </p:spPr>
+          <p:style>
+            <a:lnRef idx="2">
+              <a:schemeClr val="accent1">
+                <a:shade val="50000"/>
+              </a:schemeClr>
+            </a:lnRef>
+            <a:fillRef idx="1">
+              <a:schemeClr val="accent1"/>
+            </a:fillRef>
+            <a:effectRef idx="0">
+              <a:schemeClr val="accent1"/>
+            </a:effectRef>
+            <a:fontRef idx="minor">
+              <a:schemeClr val="lt1"/>
+            </a:fontRef>
+          </p:style>
+          <p:txBody>
+            <a:bodyPr wrap="square" rtlCol="0" anchor="ctr">
+              <a:noAutofit/>
+            </a:bodyPr>
+            <a:lstStyle/>
+            <a:p>
+              <a:pPr algn="ctr"/>
+              <a:endParaRPr lang="en-US"/>
+            </a:p>
+          </p:txBody>
+        </p:sp>
+        <p:sp>
+          <p:nvSpPr>
+            <p:cNvPr id="14" name="Freeform: Shape 13">
+              <a:extLst>
+                <a:ext uri="{FF2B5EF4-FFF2-40B4-BE49-F238E27FC236}">
+                  <a16:creationId xmlns:a16="http://schemas.microsoft.com/office/drawing/2014/main" id="{06AC5DCC-C3CC-4FD5-AD4E-13A1BE5F7F68}"/>
+                </a:ext>
+                <a:ext uri="{C183D7F6-B498-43B3-948B-1728B52AA6E4}">
+                  <adec:decorative xmlns:adec="http://schemas.microsoft.com/office/drawing/2017/decorative" val="1"/>
+                </a:ext>
+              </a:extLst>
+            </p:cNvPr>
+            <p:cNvSpPr/>
+            <p:nvPr>
+              <p:extLst>
+                <p:ext uri="{386F3935-93C4-4BCD-93E2-E3B085C9AB24}">
+                  <p16:designElem xmlns:p16="http://schemas.microsoft.com/office/powerpoint/2015/main" val="1"/>
+                </p:ext>
+              </p:extLst>
+            </p:nvPr>
+          </p:nvSpPr>
+          <p:spPr>
+            <a:xfrm>
+              <a:off x="-19220" y="297400"/>
+              <a:ext cx="5215811" cy="6107388"/>
+            </a:xfrm>
+            <a:custGeom>
+              <a:avLst/>
+              <a:gdLst>
+                <a:gd name="connsiteX0" fmla="*/ 1869139 w 5215811"/>
+                <a:gd name="connsiteY0" fmla="*/ 9 h 6107388"/>
+                <a:gd name="connsiteX1" fmla="*/ 2791149 w 5215811"/>
+                <a:gd name="connsiteY1" fmla="*/ 130229 h 6107388"/>
+                <a:gd name="connsiteX2" fmla="*/ 4760307 w 5215811"/>
+                <a:gd name="connsiteY2" fmla="*/ 1608408 h 6107388"/>
+                <a:gd name="connsiteX3" fmla="*/ 5108574 w 5215811"/>
+                <a:gd name="connsiteY3" fmla="*/ 4050383 h 6107388"/>
+                <a:gd name="connsiteX4" fmla="*/ 3434916 w 5215811"/>
+                <a:gd name="connsiteY4" fmla="*/ 5503134 h 6107388"/>
+                <a:gd name="connsiteX5" fmla="*/ 1137841 w 5215811"/>
+                <a:gd name="connsiteY5" fmla="*/ 6033968 h 6107388"/>
+                <a:gd name="connsiteX6" fmla="*/ 217555 w 5215811"/>
+                <a:gd name="connsiteY6" fmla="*/ 5598945 h 6107388"/>
+                <a:gd name="connsiteX7" fmla="*/ 0 w 5215811"/>
+                <a:gd name="connsiteY7" fmla="*/ 5419622 h 6107388"/>
+                <a:gd name="connsiteX8" fmla="*/ 0 w 5215811"/>
+                <a:gd name="connsiteY8" fmla="*/ 4571683 h 6107388"/>
+                <a:gd name="connsiteX9" fmla="*/ 18056 w 5215811"/>
+                <a:gd name="connsiteY9" fmla="*/ 4599282 h 6107388"/>
+                <a:gd name="connsiteX10" fmla="*/ 358324 w 5215811"/>
+                <a:gd name="connsiteY10" fmla="*/ 4988154 h 6107388"/>
+                <a:gd name="connsiteX11" fmla="*/ 1282741 w 5215811"/>
+                <a:gd name="connsiteY11" fmla="*/ 5493193 h 6107388"/>
+                <a:gd name="connsiteX12" fmla="*/ 2172794 w 5215811"/>
+                <a:gd name="connsiteY12" fmla="*/ 5470630 h 6107388"/>
+                <a:gd name="connsiteX13" fmla="*/ 3146893 w 5215811"/>
+                <a:gd name="connsiteY13" fmla="*/ 5016296 h 6107388"/>
+                <a:gd name="connsiteX14" fmla="*/ 3574114 w 5215811"/>
+                <a:gd name="connsiteY14" fmla="*/ 4791124 h 6107388"/>
+                <a:gd name="connsiteX15" fmla="*/ 4244948 w 5215811"/>
+                <a:gd name="connsiteY15" fmla="*/ 4392664 h 6107388"/>
+                <a:gd name="connsiteX16" fmla="*/ 4556385 w 5215811"/>
+                <a:gd name="connsiteY16" fmla="*/ 3902656 h 6107388"/>
+                <a:gd name="connsiteX17" fmla="*/ 4616354 w 5215811"/>
+                <a:gd name="connsiteY17" fmla="*/ 2851680 h 6107388"/>
+                <a:gd name="connsiteX18" fmla="*/ 4269266 w 5215811"/>
+                <a:gd name="connsiteY18" fmla="*/ 1889625 h 6107388"/>
+                <a:gd name="connsiteX19" fmla="*/ 2645976 w 5215811"/>
+                <a:gd name="connsiteY19" fmla="*/ 671162 h 6107388"/>
+                <a:gd name="connsiteX20" fmla="*/ 1648930 w 5215811"/>
+                <a:gd name="connsiteY20" fmla="*/ 573017 h 6107388"/>
+                <a:gd name="connsiteX21" fmla="*/ 771768 w 5215811"/>
+                <a:gd name="connsiteY21" fmla="*/ 865882 h 6107388"/>
+                <a:gd name="connsiteX22" fmla="*/ 433617 w 5215811"/>
+                <a:gd name="connsiteY22" fmla="*/ 1119441 h 6107388"/>
+                <a:gd name="connsiteX23" fmla="*/ 200571 w 5215811"/>
+                <a:gd name="connsiteY23" fmla="*/ 1486480 h 6107388"/>
+                <a:gd name="connsiteX24" fmla="*/ 47077 w 5215811"/>
+                <a:gd name="connsiteY24" fmla="*/ 1753604 h 6107388"/>
+                <a:gd name="connsiteX25" fmla="*/ 0 w 5215811"/>
+                <a:gd name="connsiteY25" fmla="*/ 1831655 h 6107388"/>
+                <a:gd name="connsiteX26" fmla="*/ 0 w 5215811"/>
+                <a:gd name="connsiteY26" fmla="*/ 751112 h 6107388"/>
+                <a:gd name="connsiteX27" fmla="*/ 6994 w 5215811"/>
+                <a:gd name="connsiteY27" fmla="*/ 742614 h 6107388"/>
+                <a:gd name="connsiteX28" fmla="*/ 484047 w 5215811"/>
+                <a:gd name="connsiteY28" fmla="*/ 378777 h 6107388"/>
+                <a:gd name="connsiteX29" fmla="*/ 1869139 w 5215811"/>
+                <a:gd name="connsiteY29" fmla="*/ 9 h 6107388"/>
+              </a:gdLst>
+              <a:ahLst/>
+              <a:cxnLst>
+                <a:cxn ang="0">
+                  <a:pos x="connsiteX0" y="connsiteY0"/>
+                </a:cxn>
+                <a:cxn ang="0">
+                  <a:pos x="connsiteX1" y="connsiteY1"/>
+                </a:cxn>
+                <a:cxn ang="0">
+                  <a:pos x="connsiteX2" y="connsiteY2"/>
+                </a:cxn>
+                <a:cxn ang="0">
+                  <a:pos x="connsiteX3" y="connsiteY3"/>
+                </a:cxn>
+                <a:cxn ang="0">
+                  <a:pos x="connsiteX4" y="connsiteY4"/>
+                </a:cxn>
+                <a:cxn ang="0">
+                  <a:pos x="connsiteX5" y="connsiteY5"/>
+                </a:cxn>
+                <a:cxn ang="0">
+                  <a:pos x="connsiteX6" y="connsiteY6"/>
+                </a:cxn>
+                <a:cxn ang="0">
+                  <a:pos x="connsiteX7" y="connsiteY7"/>
+                </a:cxn>
+                <a:cxn ang="0">
+                  <a:pos x="connsiteX8" y="connsiteY8"/>
+                </a:cxn>
+                <a:cxn ang="0">
+                  <a:pos x="connsiteX9" y="connsiteY9"/>
+                </a:cxn>
+                <a:cxn ang="0">
+                  <a:pos x="connsiteX10" y="connsiteY10"/>
+                </a:cxn>
+                <a:cxn ang="0">
+                  <a:pos x="connsiteX11" y="connsiteY11"/>
+                </a:cxn>
+                <a:cxn ang="0">
+                  <a:pos x="connsiteX12" y="connsiteY12"/>
+                </a:cxn>
+                <a:cxn ang="0">
+                  <a:pos x="connsiteX13" y="connsiteY13"/>
+                </a:cxn>
+                <a:cxn ang="0">
+                  <a:pos x="connsiteX14" y="connsiteY14"/>
+                </a:cxn>
+                <a:cxn ang="0">
+                  <a:pos x="connsiteX15" y="connsiteY15"/>
+                </a:cxn>
+                <a:cxn ang="0">
+                  <a:pos x="connsiteX16" y="connsiteY16"/>
+                </a:cxn>
+                <a:cxn ang="0">
+                  <a:pos x="connsiteX17" y="connsiteY17"/>
+                </a:cxn>
+                <a:cxn ang="0">
+                  <a:pos x="connsiteX18" y="connsiteY18"/>
+                </a:cxn>
+                <a:cxn ang="0">
+                  <a:pos x="connsiteX19" y="connsiteY19"/>
+                </a:cxn>
+                <a:cxn ang="0">
+                  <a:pos x="connsiteX20" y="connsiteY20"/>
+                </a:cxn>
+                <a:cxn ang="0">
+                  <a:pos x="connsiteX21" y="connsiteY21"/>
+                </a:cxn>
+                <a:cxn ang="0">
+                  <a:pos x="connsiteX22" y="connsiteY22"/>
+                </a:cxn>
+                <a:cxn ang="0">
+                  <a:pos x="connsiteX23" y="connsiteY23"/>
+                </a:cxn>
+                <a:cxn ang="0">
+                  <a:pos x="connsiteX24" y="connsiteY24"/>
+                </a:cxn>
+                <a:cxn ang="0">
+                  <a:pos x="connsiteX25" y="connsiteY25"/>
+                </a:cxn>
+                <a:cxn ang="0">
+                  <a:pos x="connsiteX26" y="connsiteY26"/>
+                </a:cxn>
+                <a:cxn ang="0">
+                  <a:pos x="connsiteX27" y="connsiteY27"/>
+                </a:cxn>
+                <a:cxn ang="0">
+                  <a:pos x="connsiteX28" y="connsiteY28"/>
+                </a:cxn>
+                <a:cxn ang="0">
+                  <a:pos x="connsiteX29" y="connsiteY29"/>
+                </a:cxn>
+              </a:cxnLst>
+              <a:rect l="l" t="t" r="r" b="b"/>
+              <a:pathLst>
+                <a:path w="5215811" h="6107388">
+                  <a:moveTo>
+                    <a:pt x="1869139" y="9"/>
+                  </a:moveTo>
+                  <a:cubicBezTo>
+                    <a:pt x="2160924" y="-706"/>
+                    <a:pt x="2465752" y="43039"/>
+                    <a:pt x="2791149" y="130229"/>
+                  </a:cubicBezTo>
+                  <a:cubicBezTo>
+                    <a:pt x="3651198" y="360678"/>
+                    <a:pt x="4339884" y="907924"/>
+                    <a:pt x="4760307" y="1608408"/>
+                  </a:cubicBezTo>
+                  <a:cubicBezTo>
+                    <a:pt x="5188180" y="2321320"/>
+                    <a:pt x="5338357" y="3192822"/>
+                    <a:pt x="5108574" y="4050383"/>
+                  </a:cubicBezTo>
+                  <a:cubicBezTo>
+                    <a:pt x="4880820" y="4900373"/>
+                    <a:pt x="4152841" y="5098512"/>
+                    <a:pt x="3434916" y="5503134"/>
+                  </a:cubicBezTo>
+                  <a:cubicBezTo>
+                    <a:pt x="2717099" y="5907783"/>
+                    <a:pt x="2005568" y="6266474"/>
+                    <a:pt x="1137841" y="6033968"/>
+                  </a:cubicBezTo>
+                  <a:cubicBezTo>
+                    <a:pt x="783079" y="5938910"/>
+                    <a:pt x="479573" y="5790114"/>
+                    <a:pt x="217555" y="5598945"/>
+                  </a:cubicBezTo>
+                  <a:lnTo>
+                    <a:pt x="0" y="5419622"/>
+                  </a:lnTo>
+                  <a:lnTo>
+                    <a:pt x="0" y="4571683"/>
+                  </a:lnTo>
+                  <a:lnTo>
+                    <a:pt x="18056" y="4599282"/>
+                  </a:lnTo>
+                  <a:cubicBezTo>
+                    <a:pt x="124071" y="4746782"/>
+                    <a:pt x="237002" y="4875718"/>
+                    <a:pt x="358324" y="4988154"/>
+                  </a:cubicBezTo>
+                  <a:cubicBezTo>
+                    <a:pt x="621323" y="5231809"/>
+                    <a:pt x="923667" y="5396979"/>
+                    <a:pt x="1282741" y="5493193"/>
+                  </a:cubicBezTo>
+                  <a:cubicBezTo>
+                    <a:pt x="1573894" y="5571207"/>
+                    <a:pt x="1856732" y="5563878"/>
+                    <a:pt x="2172794" y="5470630"/>
+                  </a:cubicBezTo>
+                  <a:cubicBezTo>
+                    <a:pt x="2498985" y="5374183"/>
+                    <a:pt x="2832844" y="5193315"/>
+                    <a:pt x="3146893" y="5016296"/>
+                  </a:cubicBezTo>
+                  <a:cubicBezTo>
+                    <a:pt x="3293538" y="4933641"/>
+                    <a:pt x="3436182" y="4861160"/>
+                    <a:pt x="3574114" y="4791124"/>
+                  </a:cubicBezTo>
+                  <a:cubicBezTo>
+                    <a:pt x="3841238" y="4655550"/>
+                    <a:pt x="4071901" y="4538375"/>
+                    <a:pt x="4244948" y="4392664"/>
+                  </a:cubicBezTo>
+                  <a:cubicBezTo>
+                    <a:pt x="4405844" y="4257259"/>
+                    <a:pt x="4501845" y="4106204"/>
+                    <a:pt x="4556385" y="3902656"/>
+                  </a:cubicBezTo>
+                  <a:cubicBezTo>
+                    <a:pt x="4649063" y="3556776"/>
+                    <a:pt x="4669271" y="3203187"/>
+                    <a:pt x="4616354" y="2851680"/>
+                  </a:cubicBezTo>
+                  <a:cubicBezTo>
+                    <a:pt x="4565198" y="2511774"/>
+                    <a:pt x="4448474" y="2188147"/>
+                    <a:pt x="4269266" y="1889625"/>
+                  </a:cubicBezTo>
+                  <a:cubicBezTo>
+                    <a:pt x="3907781" y="1287586"/>
+                    <a:pt x="3331245" y="854780"/>
+                    <a:pt x="2645976" y="671162"/>
+                  </a:cubicBezTo>
+                  <a:cubicBezTo>
+                    <a:pt x="2278249" y="572630"/>
+                    <a:pt x="1952074" y="540526"/>
+                    <a:pt x="1648930" y="573017"/>
+                  </a:cubicBezTo>
+                  <a:cubicBezTo>
+                    <a:pt x="1351746" y="604901"/>
+                    <a:pt x="1064785" y="700731"/>
+                    <a:pt x="771768" y="865882"/>
+                  </a:cubicBezTo>
+                  <a:cubicBezTo>
+                    <a:pt x="568061" y="980657"/>
+                    <a:pt x="486465" y="1058486"/>
+                    <a:pt x="433617" y="1119441"/>
+                  </a:cubicBezTo>
+                  <a:cubicBezTo>
+                    <a:pt x="358307" y="1206256"/>
+                    <a:pt x="292149" y="1323808"/>
+                    <a:pt x="200571" y="1486480"/>
+                  </a:cubicBezTo>
+                  <a:cubicBezTo>
+                    <a:pt x="156644" y="1564432"/>
+                    <a:pt x="106654" y="1653214"/>
+                    <a:pt x="47077" y="1753604"/>
+                  </a:cubicBezTo>
+                  <a:lnTo>
+                    <a:pt x="0" y="1831655"/>
+                  </a:lnTo>
+                  <a:lnTo>
+                    <a:pt x="0" y="751112"/>
+                  </a:lnTo>
+                  <a:lnTo>
+                    <a:pt x="6994" y="742614"/>
+                  </a:lnTo>
+                  <a:cubicBezTo>
+                    <a:pt x="117721" y="617683"/>
+                    <a:pt x="259696" y="505222"/>
+                    <a:pt x="484047" y="378777"/>
+                  </a:cubicBezTo>
+                  <a:cubicBezTo>
+                    <a:pt x="932751" y="125890"/>
+                    <a:pt x="1382831" y="1200"/>
+                    <a:pt x="1869139" y="9"/>
+                  </a:cubicBezTo>
+                  <a:close/>
+                </a:path>
+              </a:pathLst>
+            </a:custGeom>
+            <a:gradFill>
+              <a:gsLst>
+                <a:gs pos="2000">
+                  <a:schemeClr val="bg1">
+                    <a:alpha val="10000"/>
+                  </a:schemeClr>
+                </a:gs>
+                <a:gs pos="16000">
+                  <a:schemeClr val="accent6">
+                    <a:alpha val="10000"/>
+                  </a:schemeClr>
+                </a:gs>
+                <a:gs pos="100000">
+                  <a:schemeClr val="bg1">
+                    <a:alpha val="10000"/>
+                  </a:schemeClr>
+                </a:gs>
+                <a:gs pos="85000">
+                  <a:schemeClr val="accent1">
+                    <a:alpha val="10000"/>
+                  </a:schemeClr>
+                </a:gs>
+              </a:gsLst>
+              <a:lin ang="12000000" scaled="0"/>
+            </a:gradFill>
+            <a:ln>
+              <a:noFill/>
+            </a:ln>
+          </p:spPr>
+          <p:style>
+            <a:lnRef idx="2">
+              <a:schemeClr val="accent1">
+                <a:shade val="50000"/>
+              </a:schemeClr>
+            </a:lnRef>
+            <a:fillRef idx="1">
+              <a:schemeClr val="accent1"/>
+            </a:fillRef>
+            <a:effectRef idx="0">
+              <a:schemeClr val="accent1"/>
+            </a:effectRef>
+            <a:fontRef idx="minor">
+              <a:schemeClr val="lt1"/>
+            </a:fontRef>
+          </p:style>
+          <p:txBody>
+            <a:bodyPr wrap="square" rtlCol="0" anchor="ctr">
+              <a:noAutofit/>
+            </a:bodyPr>
+            <a:lstStyle/>
+            <a:p>
+              <a:pPr algn="ctr"/>
+              <a:endParaRPr lang="en-US"/>
+            </a:p>
+          </p:txBody>
+        </p:sp>
+        <p:sp>
+          <p:nvSpPr>
+            <p:cNvPr id="15" name="Freeform: Shape 14">
+              <a:extLst>
+                <a:ext uri="{FF2B5EF4-FFF2-40B4-BE49-F238E27FC236}">
+                  <a16:creationId xmlns:a16="http://schemas.microsoft.com/office/drawing/2014/main" id="{4BBCC2F4-EFA7-4AF4-B538-AC4022D90F47}"/>
+                </a:ext>
+                <a:ext uri="{C183D7F6-B498-43B3-948B-1728B52AA6E4}">
+                  <adec:decorative xmlns:adec="http://schemas.microsoft.com/office/drawing/2017/decorative" val="1"/>
+                </a:ext>
+              </a:extLst>
+            </p:cNvPr>
+            <p:cNvSpPr/>
+            <p:nvPr>
+              <p:extLst>
+                <p:ext uri="{386F3935-93C4-4BCD-93E2-E3B085C9AB24}">
+                  <p16:designElem xmlns:p16="http://schemas.microsoft.com/office/powerpoint/2015/main" val="1"/>
+                </p:ext>
+              </p:extLst>
+            </p:nvPr>
+          </p:nvSpPr>
+          <p:spPr>
+            <a:xfrm>
+              <a:off x="-19221" y="319367"/>
+              <a:ext cx="5217956" cy="6100079"/>
+            </a:xfrm>
+            <a:custGeom>
+              <a:avLst/>
+              <a:gdLst>
+                <a:gd name="connsiteX0" fmla="*/ 1951393 w 5217956"/>
+                <a:gd name="connsiteY0" fmla="*/ 82 h 6100079"/>
+                <a:gd name="connsiteX1" fmla="*/ 2855177 w 5217956"/>
+                <a:gd name="connsiteY1" fmla="*/ 125419 h 6100079"/>
+                <a:gd name="connsiteX2" fmla="*/ 4779341 w 5217956"/>
+                <a:gd name="connsiteY2" fmla="*/ 1591542 h 6100079"/>
+                <a:gd name="connsiteX3" fmla="*/ 5108573 w 5217956"/>
+                <a:gd name="connsiteY3" fmla="*/ 4028416 h 6100079"/>
+                <a:gd name="connsiteX4" fmla="*/ 3459358 w 5217956"/>
+                <a:gd name="connsiteY4" fmla="*/ 5487716 h 6100079"/>
+                <a:gd name="connsiteX5" fmla="*/ 1203274 w 5217956"/>
+                <a:gd name="connsiteY5" fmla="*/ 6029534 h 6100079"/>
+                <a:gd name="connsiteX6" fmla="*/ 59920 w 5217956"/>
+                <a:gd name="connsiteY6" fmla="*/ 5396467 h 6100079"/>
+                <a:gd name="connsiteX7" fmla="*/ 0 w 5217956"/>
+                <a:gd name="connsiteY7" fmla="*/ 5333382 h 6100079"/>
+                <a:gd name="connsiteX8" fmla="*/ 0 w 5217956"/>
+                <a:gd name="connsiteY8" fmla="*/ 4205833 h 6100079"/>
+                <a:gd name="connsiteX9" fmla="*/ 58036 w 5217956"/>
+                <a:gd name="connsiteY9" fmla="*/ 4310048 h 6100079"/>
+                <a:gd name="connsiteX10" fmla="*/ 520779 w 5217956"/>
+                <a:gd name="connsiteY10" fmla="*/ 4907591 h 6100079"/>
+                <a:gd name="connsiteX11" fmla="*/ 1377154 w 5217956"/>
+                <a:gd name="connsiteY11" fmla="*/ 5380604 h 6100079"/>
+                <a:gd name="connsiteX12" fmla="*/ 3123340 w 5217956"/>
+                <a:gd name="connsiteY12" fmla="*/ 4905715 h 6100079"/>
+                <a:gd name="connsiteX13" fmla="*/ 3547863 w 5217956"/>
+                <a:gd name="connsiteY13" fmla="*/ 4676342 h 6100079"/>
+                <a:gd name="connsiteX14" fmla="*/ 4186753 w 5217956"/>
+                <a:gd name="connsiteY14" fmla="*/ 4289376 h 6100079"/>
+                <a:gd name="connsiteX15" fmla="*/ 4459565 w 5217956"/>
+                <a:gd name="connsiteY15" fmla="*/ 3854399 h 6100079"/>
+                <a:gd name="connsiteX16" fmla="*/ 4521015 w 5217956"/>
+                <a:gd name="connsiteY16" fmla="*/ 2849377 h 6100079"/>
+                <a:gd name="connsiteX17" fmla="*/ 4199723 w 5217956"/>
+                <a:gd name="connsiteY17" fmla="*/ 1931213 h 6100079"/>
+                <a:gd name="connsiteX18" fmla="*/ 2681217 w 5217956"/>
+                <a:gd name="connsiteY18" fmla="*/ 774211 h 6100079"/>
+                <a:gd name="connsiteX19" fmla="*/ 926547 w 5217956"/>
+                <a:gd name="connsiteY19" fmla="*/ 967112 h 6100079"/>
+                <a:gd name="connsiteX20" fmla="*/ 622677 w 5217956"/>
+                <a:gd name="connsiteY20" fmla="*/ 1197863 h 6100079"/>
+                <a:gd name="connsiteX21" fmla="*/ 404892 w 5217956"/>
+                <a:gd name="connsiteY21" fmla="*/ 1547314 h 6100079"/>
+                <a:gd name="connsiteX22" fmla="*/ 40135 w 5217956"/>
+                <a:gd name="connsiteY22" fmla="*/ 2159090 h 6100079"/>
+                <a:gd name="connsiteX23" fmla="*/ 0 w 5217956"/>
+                <a:gd name="connsiteY23" fmla="*/ 2219367 h 6100079"/>
+                <a:gd name="connsiteX24" fmla="*/ 0 w 5217956"/>
+                <a:gd name="connsiteY24" fmla="*/ 915659 h 6100079"/>
+                <a:gd name="connsiteX25" fmla="*/ 58609 w 5217956"/>
+                <a:gd name="connsiteY25" fmla="*/ 828051 h 6100079"/>
+                <a:gd name="connsiteX26" fmla="*/ 590688 w 5217956"/>
+                <a:gd name="connsiteY26" fmla="*/ 385385 h 6100079"/>
+                <a:gd name="connsiteX27" fmla="*/ 1951393 w 5217956"/>
+                <a:gd name="connsiteY27" fmla="*/ 82 h 6100079"/>
+              </a:gdLst>
+              <a:ahLst/>
+              <a:cxnLst>
+                <a:cxn ang="0">
+                  <a:pos x="connsiteX0" y="connsiteY0"/>
+                </a:cxn>
+                <a:cxn ang="0">
+                  <a:pos x="connsiteX1" y="connsiteY1"/>
+                </a:cxn>
+                <a:cxn ang="0">
+                  <a:pos x="connsiteX2" y="connsiteY2"/>
+                </a:cxn>
+                <a:cxn ang="0">
+                  <a:pos x="connsiteX3" y="connsiteY3"/>
+                </a:cxn>
+                <a:cxn ang="0">
+                  <a:pos x="connsiteX4" y="connsiteY4"/>
+                </a:cxn>
+                <a:cxn ang="0">
+                  <a:pos x="connsiteX5" y="connsiteY5"/>
+                </a:cxn>
+                <a:cxn ang="0">
+                  <a:pos x="connsiteX6" y="connsiteY6"/>
+                </a:cxn>
+                <a:cxn ang="0">
+                  <a:pos x="connsiteX7" y="connsiteY7"/>
+                </a:cxn>
+                <a:cxn ang="0">
+                  <a:pos x="connsiteX8" y="connsiteY8"/>
+                </a:cxn>
+                <a:cxn ang="0">
+                  <a:pos x="connsiteX9" y="connsiteY9"/>
+                </a:cxn>
+                <a:cxn ang="0">
+                  <a:pos x="connsiteX10" y="connsiteY10"/>
+                </a:cxn>
+                <a:cxn ang="0">
+                  <a:pos x="connsiteX11" y="connsiteY11"/>
+                </a:cxn>
+                <a:cxn ang="0">
+                  <a:pos x="connsiteX12" y="connsiteY12"/>
+                </a:cxn>
+                <a:cxn ang="0">
+                  <a:pos x="connsiteX13" y="connsiteY13"/>
+                </a:cxn>
+                <a:cxn ang="0">
+                  <a:pos x="connsiteX14" y="connsiteY14"/>
+                </a:cxn>
+                <a:cxn ang="0">
+                  <a:pos x="connsiteX15" y="connsiteY15"/>
+                </a:cxn>
+                <a:cxn ang="0">
+                  <a:pos x="connsiteX16" y="connsiteY16"/>
+                </a:cxn>
+                <a:cxn ang="0">
+                  <a:pos x="connsiteX17" y="connsiteY17"/>
+                </a:cxn>
+                <a:cxn ang="0">
+                  <a:pos x="connsiteX18" y="connsiteY18"/>
+                </a:cxn>
+                <a:cxn ang="0">
+                  <a:pos x="connsiteX19" y="connsiteY19"/>
+                </a:cxn>
+                <a:cxn ang="0">
+                  <a:pos x="connsiteX20" y="connsiteY20"/>
+                </a:cxn>
+                <a:cxn ang="0">
+                  <a:pos x="connsiteX21" y="connsiteY21"/>
+                </a:cxn>
+                <a:cxn ang="0">
+                  <a:pos x="connsiteX22" y="connsiteY22"/>
+                </a:cxn>
+                <a:cxn ang="0">
+                  <a:pos x="connsiteX23" y="connsiteY23"/>
+                </a:cxn>
+                <a:cxn ang="0">
+                  <a:pos x="connsiteX24" y="connsiteY24"/>
+                </a:cxn>
+                <a:cxn ang="0">
+                  <a:pos x="connsiteX25" y="connsiteY25"/>
+                </a:cxn>
+                <a:cxn ang="0">
+                  <a:pos x="connsiteX26" y="connsiteY26"/>
+                </a:cxn>
+                <a:cxn ang="0">
+                  <a:pos x="connsiteX27" y="connsiteY27"/>
+                </a:cxn>
+              </a:cxnLst>
+              <a:rect l="l" t="t" r="r" b="b"/>
+              <a:pathLst>
+                <a:path w="5217956" h="6100079">
+                  <a:moveTo>
+                    <a:pt x="1951393" y="82"/>
+                  </a:moveTo>
+                  <a:cubicBezTo>
+                    <a:pt x="2237631" y="-2119"/>
+                    <a:pt x="2536431" y="40011"/>
+                    <a:pt x="2855177" y="125419"/>
+                  </a:cubicBezTo>
+                  <a:cubicBezTo>
+                    <a:pt x="3697704" y="351173"/>
+                    <a:pt x="4370490" y="894159"/>
+                    <a:pt x="4779341" y="1591542"/>
+                  </a:cubicBezTo>
+                  <a:cubicBezTo>
+                    <a:pt x="5195534" y="2301324"/>
+                    <a:pt x="5338356" y="3170855"/>
+                    <a:pt x="5108573" y="4028416"/>
+                  </a:cubicBezTo>
+                  <a:cubicBezTo>
+                    <a:pt x="4880819" y="4878406"/>
+                    <a:pt x="4165603" y="5079965"/>
+                    <a:pt x="3459358" y="5487716"/>
+                  </a:cubicBezTo>
+                  <a:cubicBezTo>
+                    <a:pt x="2753114" y="5895466"/>
+                    <a:pt x="2053264" y="6257288"/>
+                    <a:pt x="1203274" y="6029534"/>
+                  </a:cubicBezTo>
+                  <a:cubicBezTo>
+                    <a:pt x="739884" y="5905369"/>
+                    <a:pt x="366399" y="5685345"/>
+                    <a:pt x="59920" y="5396467"/>
+                  </a:cubicBezTo>
+                  <a:lnTo>
+                    <a:pt x="0" y="5333382"/>
+                  </a:lnTo>
+                  <a:lnTo>
+                    <a:pt x="0" y="4205833"/>
+                  </a:lnTo>
+                  <a:lnTo>
+                    <a:pt x="58036" y="4310048"/>
+                  </a:lnTo>
+                  <a:cubicBezTo>
+                    <a:pt x="197935" y="4550245"/>
+                    <a:pt x="350594" y="4747142"/>
+                    <a:pt x="520779" y="4907591"/>
+                  </a:cubicBezTo>
+                  <a:cubicBezTo>
+                    <a:pt x="763600" y="5136565"/>
+                    <a:pt x="1043821" y="5291288"/>
+                    <a:pt x="1377154" y="5380604"/>
+                  </a:cubicBezTo>
+                  <a:cubicBezTo>
+                    <a:pt x="1963029" y="5537589"/>
+                    <a:pt x="2470519" y="5282804"/>
+                    <a:pt x="3123340" y="4905715"/>
+                  </a:cubicBezTo>
+                  <a:cubicBezTo>
+                    <a:pt x="3269800" y="4821157"/>
+                    <a:pt x="3411134" y="4747512"/>
+                    <a:pt x="3547863" y="4676342"/>
+                  </a:cubicBezTo>
+                  <a:cubicBezTo>
+                    <a:pt x="3804497" y="4542710"/>
+                    <a:pt x="4026085" y="4427393"/>
+                    <a:pt x="4186753" y="4289376"/>
+                  </a:cubicBezTo>
+                  <a:cubicBezTo>
+                    <a:pt x="4329009" y="4167293"/>
+                    <a:pt x="4410589" y="4037181"/>
+                    <a:pt x="4459565" y="3854399"/>
+                  </a:cubicBezTo>
+                  <a:cubicBezTo>
+                    <a:pt x="4548302" y="3523229"/>
+                    <a:pt x="4568981" y="3185183"/>
+                    <a:pt x="4521015" y="2849377"/>
+                  </a:cubicBezTo>
+                  <a:cubicBezTo>
+                    <a:pt x="4474709" y="2524680"/>
+                    <a:pt x="4366564" y="2215756"/>
+                    <a:pt x="4199723" y="1931213"/>
+                  </a:cubicBezTo>
+                  <a:cubicBezTo>
+                    <a:pt x="3863270" y="1357325"/>
+                    <a:pt x="3323982" y="946439"/>
+                    <a:pt x="2681217" y="774211"/>
+                  </a:cubicBezTo>
+                  <a:cubicBezTo>
+                    <a:pt x="2001139" y="591984"/>
+                    <a:pt x="1476322" y="649699"/>
+                    <a:pt x="926547" y="967112"/>
+                  </a:cubicBezTo>
+                  <a:cubicBezTo>
+                    <a:pt x="740730" y="1074393"/>
+                    <a:pt x="668642" y="1143989"/>
+                    <a:pt x="622677" y="1197863"/>
+                  </a:cubicBezTo>
+                  <a:cubicBezTo>
+                    <a:pt x="555599" y="1276450"/>
+                    <a:pt x="492360" y="1390031"/>
+                    <a:pt x="404892" y="1547314"/>
+                  </a:cubicBezTo>
+                  <a:cubicBezTo>
+                    <a:pt x="317047" y="1705133"/>
+                    <a:pt x="204816" y="1906756"/>
+                    <a:pt x="40135" y="2159090"/>
+                  </a:cubicBezTo>
+                  <a:lnTo>
+                    <a:pt x="0" y="2219367"/>
+                  </a:lnTo>
+                  <a:lnTo>
+                    <a:pt x="0" y="915659"/>
+                  </a:lnTo>
+                  <a:lnTo>
+                    <a:pt x="58609" y="828051"/>
+                  </a:lnTo>
+                  <a:cubicBezTo>
+                    <a:pt x="177453" y="670481"/>
+                    <a:pt x="325846" y="538291"/>
+                    <a:pt x="590688" y="385385"/>
+                  </a:cubicBezTo>
+                  <a:cubicBezTo>
+                    <a:pt x="1032158" y="130559"/>
+                    <a:pt x="1474329" y="3750"/>
+                    <a:pt x="1951393" y="82"/>
+                  </a:cubicBezTo>
+                  <a:close/>
+                </a:path>
+              </a:pathLst>
+            </a:custGeom>
+            <a:gradFill>
+              <a:gsLst>
+                <a:gs pos="2000">
+                  <a:schemeClr val="bg1">
+                    <a:alpha val="10000"/>
+                  </a:schemeClr>
+                </a:gs>
+                <a:gs pos="16000">
+                  <a:schemeClr val="accent6">
+                    <a:alpha val="10000"/>
+                  </a:schemeClr>
+                </a:gs>
+                <a:gs pos="100000">
+                  <a:schemeClr val="bg1">
+                    <a:alpha val="10000"/>
+                  </a:schemeClr>
+                </a:gs>
+                <a:gs pos="85000">
+                  <a:schemeClr val="accent1">
+                    <a:alpha val="10000"/>
+                  </a:schemeClr>
+                </a:gs>
+              </a:gsLst>
+              <a:lin ang="12000000" scaled="0"/>
+            </a:gradFill>
+            <a:ln>
+              <a:noFill/>
+            </a:ln>
+          </p:spPr>
+          <p:style>
+            <a:lnRef idx="2">
+              <a:schemeClr val="accent1">
+                <a:shade val="50000"/>
+              </a:schemeClr>
+            </a:lnRef>
+            <a:fillRef idx="1">
+              <a:schemeClr val="accent1"/>
+            </a:fillRef>
+            <a:effectRef idx="0">
+              <a:schemeClr val="accent1"/>
+            </a:effectRef>
+            <a:fontRef idx="minor">
+              <a:schemeClr val="lt1"/>
+            </a:fontRef>
+          </p:style>
+          <p:txBody>
+            <a:bodyPr wrap="square" rtlCol="0" anchor="ctr">
+              <a:noAutofit/>
+            </a:bodyPr>
+            <a:lstStyle/>
+            <a:p>
+              <a:pPr algn="ctr"/>
+              <a:endParaRPr lang="en-US"/>
+            </a:p>
+          </p:txBody>
+        </p:sp>
+        <p:sp>
+          <p:nvSpPr>
+            <p:cNvPr id="16" name="Freeform: Shape 15">
+              <a:extLst>
+                <a:ext uri="{FF2B5EF4-FFF2-40B4-BE49-F238E27FC236}">
+                  <a16:creationId xmlns:a16="http://schemas.microsoft.com/office/drawing/2014/main" id="{2A9D1364-B6A3-44CB-9FBA-C528F0CE909D}"/>
+                </a:ext>
+                <a:ext uri="{C183D7F6-B498-43B3-948B-1728B52AA6E4}">
+                  <adec:decorative xmlns:adec="http://schemas.microsoft.com/office/drawing/2017/decorative" val="1"/>
+                </a:ext>
+              </a:extLst>
+            </p:cNvPr>
+            <p:cNvSpPr/>
+            <p:nvPr>
+              <p:extLst>
+                <p:ext uri="{386F3935-93C4-4BCD-93E2-E3B085C9AB24}">
+                  <p16:designElem xmlns:p16="http://schemas.microsoft.com/office/powerpoint/2015/main" val="1"/>
+                </p:ext>
+              </p:extLst>
+            </p:nvPr>
+          </p:nvSpPr>
+          <p:spPr>
+            <a:xfrm>
+              <a:off x="-19220" y="319367"/>
+              <a:ext cx="5217957" cy="6100079"/>
+            </a:xfrm>
+            <a:custGeom>
+              <a:avLst/>
+              <a:gdLst>
+                <a:gd name="connsiteX0" fmla="*/ 1951394 w 5217957"/>
+                <a:gd name="connsiteY0" fmla="*/ 82 h 6100079"/>
+                <a:gd name="connsiteX1" fmla="*/ 2855178 w 5217957"/>
+                <a:gd name="connsiteY1" fmla="*/ 125419 h 6100079"/>
+                <a:gd name="connsiteX2" fmla="*/ 4779341 w 5217957"/>
+                <a:gd name="connsiteY2" fmla="*/ 1591542 h 6100079"/>
+                <a:gd name="connsiteX3" fmla="*/ 5108574 w 5217957"/>
+                <a:gd name="connsiteY3" fmla="*/ 4028416 h 6100079"/>
+                <a:gd name="connsiteX4" fmla="*/ 3459359 w 5217957"/>
+                <a:gd name="connsiteY4" fmla="*/ 5487716 h 6100079"/>
+                <a:gd name="connsiteX5" fmla="*/ 1203275 w 5217957"/>
+                <a:gd name="connsiteY5" fmla="*/ 6029534 h 6100079"/>
+                <a:gd name="connsiteX6" fmla="*/ 59921 w 5217957"/>
+                <a:gd name="connsiteY6" fmla="*/ 5396467 h 6100079"/>
+                <a:gd name="connsiteX7" fmla="*/ 0 w 5217957"/>
+                <a:gd name="connsiteY7" fmla="*/ 5333381 h 6100079"/>
+                <a:gd name="connsiteX8" fmla="*/ 0 w 5217957"/>
+                <a:gd name="connsiteY8" fmla="*/ 4427327 h 6100079"/>
+                <a:gd name="connsiteX9" fmla="*/ 112056 w 5217957"/>
+                <a:gd name="connsiteY9" fmla="*/ 4602502 h 6100079"/>
+                <a:gd name="connsiteX10" fmla="*/ 443875 w 5217957"/>
+                <a:gd name="connsiteY10" fmla="*/ 4989110 h 6100079"/>
+                <a:gd name="connsiteX11" fmla="*/ 1348175 w 5217957"/>
+                <a:gd name="connsiteY11" fmla="*/ 5488759 h 6100079"/>
+                <a:gd name="connsiteX12" fmla="*/ 2221463 w 5217957"/>
+                <a:gd name="connsiteY12" fmla="*/ 5461704 h 6100079"/>
+                <a:gd name="connsiteX13" fmla="*/ 3179339 w 5217957"/>
+                <a:gd name="connsiteY13" fmla="*/ 5003023 h 6100079"/>
+                <a:gd name="connsiteX14" fmla="*/ 3599638 w 5217957"/>
+                <a:gd name="connsiteY14" fmla="*/ 4775996 h 6100079"/>
+                <a:gd name="connsiteX15" fmla="*/ 4259765 w 5217957"/>
+                <a:gd name="connsiteY15" fmla="*/ 4374667 h 6100079"/>
+                <a:gd name="connsiteX16" fmla="*/ 4567742 w 5217957"/>
+                <a:gd name="connsiteY16" fmla="*/ 3883732 h 6100079"/>
+                <a:gd name="connsiteX17" fmla="*/ 4631929 w 5217957"/>
+                <a:gd name="connsiteY17" fmla="*/ 2833886 h 6100079"/>
+                <a:gd name="connsiteX18" fmla="*/ 4296412 w 5217957"/>
+                <a:gd name="connsiteY18" fmla="*/ 1874932 h 6100079"/>
+                <a:gd name="connsiteX19" fmla="*/ 2710219 w 5217957"/>
+                <a:gd name="connsiteY19" fmla="*/ 666410 h 6100079"/>
+                <a:gd name="connsiteX20" fmla="*/ 1732642 w 5217957"/>
+                <a:gd name="connsiteY20" fmla="*/ 573480 h 6100079"/>
+                <a:gd name="connsiteX21" fmla="*/ 870621 w 5217957"/>
+                <a:gd name="connsiteY21" fmla="*/ 870402 h 6100079"/>
+                <a:gd name="connsiteX22" fmla="*/ 537555 w 5217957"/>
+                <a:gd name="connsiteY22" fmla="*/ 1125324 h 6100079"/>
+                <a:gd name="connsiteX23" fmla="*/ 306995 w 5217957"/>
+                <a:gd name="connsiteY23" fmla="*/ 1493030 h 6100079"/>
+                <a:gd name="connsiteX24" fmla="*/ 23579 w 5217957"/>
+                <a:gd name="connsiteY24" fmla="*/ 1977465 h 6100079"/>
+                <a:gd name="connsiteX25" fmla="*/ 0 w 5217957"/>
+                <a:gd name="connsiteY25" fmla="*/ 2014291 h 6100079"/>
+                <a:gd name="connsiteX26" fmla="*/ 0 w 5217957"/>
+                <a:gd name="connsiteY26" fmla="*/ 915660 h 6100079"/>
+                <a:gd name="connsiteX27" fmla="*/ 58609 w 5217957"/>
+                <a:gd name="connsiteY27" fmla="*/ 828051 h 6100079"/>
+                <a:gd name="connsiteX28" fmla="*/ 590689 w 5217957"/>
+                <a:gd name="connsiteY28" fmla="*/ 385385 h 6100079"/>
+                <a:gd name="connsiteX29" fmla="*/ 1951394 w 5217957"/>
+                <a:gd name="connsiteY29" fmla="*/ 82 h 6100079"/>
+              </a:gdLst>
+              <a:ahLst/>
+              <a:cxnLst>
+                <a:cxn ang="0">
+                  <a:pos x="connsiteX0" y="connsiteY0"/>
+                </a:cxn>
+                <a:cxn ang="0">
+                  <a:pos x="connsiteX1" y="connsiteY1"/>
+                </a:cxn>
+                <a:cxn ang="0">
+                  <a:pos x="connsiteX2" y="connsiteY2"/>
+                </a:cxn>
+                <a:cxn ang="0">
+                  <a:pos x="connsiteX3" y="connsiteY3"/>
+                </a:cxn>
+                <a:cxn ang="0">
+                  <a:pos x="connsiteX4" y="connsiteY4"/>
+                </a:cxn>
+                <a:cxn ang="0">
+                  <a:pos x="connsiteX5" y="connsiteY5"/>
+                </a:cxn>
+                <a:cxn ang="0">
+                  <a:pos x="connsiteX6" y="connsiteY6"/>
+                </a:cxn>
+                <a:cxn ang="0">
+                  <a:pos x="connsiteX7" y="connsiteY7"/>
+                </a:cxn>
+                <a:cxn ang="0">
+                  <a:pos x="connsiteX8" y="connsiteY8"/>
+                </a:cxn>
+                <a:cxn ang="0">
+                  <a:pos x="connsiteX9" y="connsiteY9"/>
+                </a:cxn>
+                <a:cxn ang="0">
+                  <a:pos x="connsiteX10" y="connsiteY10"/>
+                </a:cxn>
+                <a:cxn ang="0">
+                  <a:pos x="connsiteX11" y="connsiteY11"/>
+                </a:cxn>
+                <a:cxn ang="0">
+                  <a:pos x="connsiteX12" y="connsiteY12"/>
+                </a:cxn>
+                <a:cxn ang="0">
+                  <a:pos x="connsiteX13" y="connsiteY13"/>
+                </a:cxn>
+                <a:cxn ang="0">
+                  <a:pos x="connsiteX14" y="connsiteY14"/>
+                </a:cxn>
+                <a:cxn ang="0">
+                  <a:pos x="connsiteX15" y="connsiteY15"/>
+                </a:cxn>
+                <a:cxn ang="0">
+                  <a:pos x="connsiteX16" y="connsiteY16"/>
+                </a:cxn>
+                <a:cxn ang="0">
+                  <a:pos x="connsiteX17" y="connsiteY17"/>
+                </a:cxn>
+                <a:cxn ang="0">
+                  <a:pos x="connsiteX18" y="connsiteY18"/>
+                </a:cxn>
+                <a:cxn ang="0">
+                  <a:pos x="connsiteX19" y="connsiteY19"/>
+                </a:cxn>
+                <a:cxn ang="0">
+                  <a:pos x="connsiteX20" y="connsiteY20"/>
+                </a:cxn>
+                <a:cxn ang="0">
+                  <a:pos x="connsiteX21" y="connsiteY21"/>
+                </a:cxn>
+                <a:cxn ang="0">
+                  <a:pos x="connsiteX22" y="connsiteY22"/>
+                </a:cxn>
+                <a:cxn ang="0">
+                  <a:pos x="connsiteX23" y="connsiteY23"/>
+                </a:cxn>
+                <a:cxn ang="0">
+                  <a:pos x="connsiteX24" y="connsiteY24"/>
+                </a:cxn>
+                <a:cxn ang="0">
+                  <a:pos x="connsiteX25" y="connsiteY25"/>
+                </a:cxn>
+                <a:cxn ang="0">
+                  <a:pos x="connsiteX26" y="connsiteY26"/>
+                </a:cxn>
+                <a:cxn ang="0">
+                  <a:pos x="connsiteX27" y="connsiteY27"/>
+                </a:cxn>
+                <a:cxn ang="0">
+                  <a:pos x="connsiteX28" y="connsiteY28"/>
+                </a:cxn>
+                <a:cxn ang="0">
+                  <a:pos x="connsiteX29" y="connsiteY29"/>
+                </a:cxn>
+              </a:cxnLst>
+              <a:rect l="l" t="t" r="r" b="b"/>
+              <a:pathLst>
+                <a:path w="5217957" h="6100079">
+                  <a:moveTo>
+                    <a:pt x="1951394" y="82"/>
+                  </a:moveTo>
+                  <a:cubicBezTo>
+                    <a:pt x="2237632" y="-2119"/>
+                    <a:pt x="2536431" y="40011"/>
+                    <a:pt x="2855178" y="125419"/>
+                  </a:cubicBezTo>
+                  <a:cubicBezTo>
+                    <a:pt x="3697704" y="351173"/>
+                    <a:pt x="4370491" y="894159"/>
+                    <a:pt x="4779341" y="1591542"/>
+                  </a:cubicBezTo>
+                  <a:cubicBezTo>
+                    <a:pt x="5195535" y="2301324"/>
+                    <a:pt x="5338357" y="3170855"/>
+                    <a:pt x="5108574" y="4028416"/>
+                  </a:cubicBezTo>
+                  <a:cubicBezTo>
+                    <a:pt x="4880820" y="4878406"/>
+                    <a:pt x="4165604" y="5079965"/>
+                    <a:pt x="3459359" y="5487716"/>
+                  </a:cubicBezTo>
+                  <a:cubicBezTo>
+                    <a:pt x="2753115" y="5895466"/>
+                    <a:pt x="2053265" y="6257288"/>
+                    <a:pt x="1203275" y="6029534"/>
+                  </a:cubicBezTo>
+                  <a:cubicBezTo>
+                    <a:pt x="739885" y="5905369"/>
+                    <a:pt x="366400" y="5685345"/>
+                    <a:pt x="59921" y="5396467"/>
+                  </a:cubicBezTo>
+                  <a:lnTo>
+                    <a:pt x="0" y="5333381"/>
+                  </a:lnTo>
+                  <a:lnTo>
+                    <a:pt x="0" y="4427327"/>
+                  </a:lnTo>
+                  <a:lnTo>
+                    <a:pt x="112056" y="4602502"/>
+                  </a:lnTo>
+                  <a:cubicBezTo>
+                    <a:pt x="215300" y="4749260"/>
+                    <a:pt x="325419" y="4877443"/>
+                    <a:pt x="443875" y="4989110"/>
+                  </a:cubicBezTo>
+                  <a:cubicBezTo>
+                    <a:pt x="700709" y="5231113"/>
+                    <a:pt x="996455" y="5394516"/>
+                    <a:pt x="1348175" y="5488759"/>
+                  </a:cubicBezTo>
+                  <a:cubicBezTo>
+                    <a:pt x="1633379" y="5565179"/>
+                    <a:pt x="1910917" y="5556430"/>
+                    <a:pt x="2221463" y="5461704"/>
+                  </a:cubicBezTo>
+                  <a:cubicBezTo>
+                    <a:pt x="2541923" y="5363721"/>
+                    <a:pt x="2870374" y="5181404"/>
+                    <a:pt x="3179339" y="5003023"/>
+                  </a:cubicBezTo>
+                  <a:cubicBezTo>
+                    <a:pt x="3323713" y="4919760"/>
+                    <a:pt x="3463978" y="4846641"/>
+                    <a:pt x="3599638" y="4775996"/>
+                  </a:cubicBezTo>
+                  <a:cubicBezTo>
+                    <a:pt x="3862436" y="4639263"/>
+                    <a:pt x="4089314" y="4521074"/>
+                    <a:pt x="4259765" y="4374667"/>
+                  </a:cubicBezTo>
+                  <a:cubicBezTo>
+                    <a:pt x="4418282" y="4238625"/>
+                    <a:pt x="4513201" y="4087280"/>
+                    <a:pt x="4567742" y="3883732"/>
+                  </a:cubicBezTo>
+                  <a:cubicBezTo>
+                    <a:pt x="4660420" y="3537853"/>
+                    <a:pt x="4682033" y="3184640"/>
+                    <a:pt x="4631929" y="2833886"/>
+                  </a:cubicBezTo>
+                  <a:cubicBezTo>
+                    <a:pt x="4583584" y="2494734"/>
+                    <a:pt x="4470646" y="2172121"/>
+                    <a:pt x="4296412" y="1874932"/>
+                  </a:cubicBezTo>
+                  <a:cubicBezTo>
+                    <a:pt x="3944879" y="1275559"/>
+                    <a:pt x="3381537" y="846289"/>
+                    <a:pt x="2710219" y="666410"/>
+                  </a:cubicBezTo>
+                  <a:cubicBezTo>
+                    <a:pt x="2349955" y="569877"/>
+                    <a:pt x="2030161" y="539483"/>
+                    <a:pt x="1732642" y="573480"/>
+                  </a:cubicBezTo>
+                  <a:cubicBezTo>
+                    <a:pt x="1440866" y="606814"/>
+                    <a:pt x="1158880" y="703976"/>
+                    <a:pt x="870621" y="870402"/>
+                  </a:cubicBezTo>
+                  <a:cubicBezTo>
+                    <a:pt x="670160" y="986048"/>
+                    <a:pt x="589753" y="1064195"/>
+                    <a:pt x="537555" y="1125324"/>
+                  </a:cubicBezTo>
+                  <a:cubicBezTo>
+                    <a:pt x="463218" y="1212400"/>
+                    <a:pt x="397708" y="1330125"/>
+                    <a:pt x="306995" y="1493030"/>
+                  </a:cubicBezTo>
+                  <a:cubicBezTo>
+                    <a:pt x="234596" y="1623167"/>
+                    <a:pt x="145436" y="1783409"/>
+                    <a:pt x="23579" y="1977465"/>
+                  </a:cubicBezTo>
+                  <a:lnTo>
+                    <a:pt x="0" y="2014291"/>
+                  </a:lnTo>
+                  <a:lnTo>
+                    <a:pt x="0" y="915660"/>
+                  </a:lnTo>
+                  <a:lnTo>
+                    <a:pt x="58609" y="828051"/>
+                  </a:lnTo>
+                  <a:cubicBezTo>
+                    <a:pt x="177453" y="670481"/>
+                    <a:pt x="325847" y="538291"/>
+                    <a:pt x="590689" y="385385"/>
+                  </a:cubicBezTo>
+                  <a:cubicBezTo>
+                    <a:pt x="1032159" y="130559"/>
+                    <a:pt x="1474330" y="3750"/>
+                    <a:pt x="1951394" y="82"/>
+                  </a:cubicBezTo>
+                  <a:close/>
+                </a:path>
+              </a:pathLst>
+            </a:custGeom>
+            <a:gradFill>
+              <a:gsLst>
+                <a:gs pos="2000">
+                  <a:schemeClr val="bg1">
+                    <a:alpha val="10000"/>
+                  </a:schemeClr>
+                </a:gs>
+                <a:gs pos="16000">
+                  <a:schemeClr val="accent6">
+                    <a:alpha val="10000"/>
+                  </a:schemeClr>
+                </a:gs>
+                <a:gs pos="100000">
+                  <a:schemeClr val="bg1">
+                    <a:alpha val="10000"/>
+                  </a:schemeClr>
+                </a:gs>
+                <a:gs pos="85000">
+                  <a:schemeClr val="accent1">
+                    <a:alpha val="10000"/>
+                  </a:schemeClr>
+                </a:gs>
+              </a:gsLst>
+              <a:lin ang="12000000" scaled="0"/>
+            </a:gradFill>
+            <a:ln>
+              <a:noFill/>
+            </a:ln>
+          </p:spPr>
+          <p:style>
+            <a:lnRef idx="2">
+              <a:schemeClr val="accent1">
+                <a:shade val="50000"/>
+              </a:schemeClr>
+            </a:lnRef>
+            <a:fillRef idx="1">
+              <a:schemeClr val="accent1"/>
+            </a:fillRef>
+            <a:effectRef idx="0">
+              <a:schemeClr val="accent1"/>
+            </a:effectRef>
+            <a:fontRef idx="minor">
+              <a:schemeClr val="lt1"/>
+            </a:fontRef>
+          </p:style>
+          <p:txBody>
+            <a:bodyPr wrap="square" rtlCol="0" anchor="ctr">
+              <a:noAutofit/>
+            </a:bodyPr>
+            <a:lstStyle/>
+            <a:p>
+              <a:pPr algn="ctr"/>
+              <a:endParaRPr lang="en-US"/>
+            </a:p>
+          </p:txBody>
+        </p:sp>
+      </p:grpSp>
+      <p:sp>
+        <p:nvSpPr>
+          <p:cNvPr id="2" name="Title 1">
+            <a:extLst>
+              <a:ext uri="{FF2B5EF4-FFF2-40B4-BE49-F238E27FC236}">
+                <a16:creationId xmlns:a16="http://schemas.microsoft.com/office/drawing/2014/main" id="{6E71C3E6-8040-5C98-2AE7-8BF260568700}"/>
+              </a:ext>
+            </a:extLst>
+          </p:cNvPr>
+          <p:cNvSpPr>
+            <a:spLocks noGrp="1"/>
+          </p:cNvSpPr>
+          <p:nvPr>
+            <p:ph type="title"/>
+          </p:nvPr>
+        </p:nvSpPr>
+        <p:spPr>
+          <a:xfrm>
+            <a:off x="640080" y="1243013"/>
+            <a:ext cx="3855720" cy="4371974"/>
+          </a:xfrm>
+        </p:spPr>
+        <p:txBody>
+          <a:bodyPr vert="horz" lIns="91440" tIns="45720" rIns="91440" bIns="45720" rtlCol="0">
+            <a:normAutofit/>
+          </a:bodyPr>
+          <a:lstStyle/>
+          <a:p>
+            <a:r>
+              <a:rPr lang="en-US" sz="3600" b="1" dirty="0">
+                <a:solidFill>
+                  <a:schemeClr val="tx2"/>
+                </a:solidFill>
+              </a:rPr>
+              <a:t>STOCK MARKET ANALYSIS</a:t>
+            </a:r>
+          </a:p>
+        </p:txBody>
+      </p:sp>
+      <p:sp>
+        <p:nvSpPr>
+          <p:cNvPr id="3" name="Content Placeholder 2">
+            <a:extLst>
+              <a:ext uri="{FF2B5EF4-FFF2-40B4-BE49-F238E27FC236}">
+                <a16:creationId xmlns:a16="http://schemas.microsoft.com/office/drawing/2014/main" id="{B3BBAE14-E995-BA14-9790-7C73C233CA57}"/>
+              </a:ext>
+            </a:extLst>
+          </p:cNvPr>
+          <p:cNvSpPr>
+            <a:spLocks noGrp="1"/>
+          </p:cNvSpPr>
+          <p:nvPr>
+            <p:ph idx="1"/>
+          </p:nvPr>
+        </p:nvSpPr>
+        <p:spPr>
+          <a:xfrm>
+            <a:off x="6172200" y="804672"/>
+            <a:ext cx="5221224" cy="5230368"/>
+          </a:xfrm>
+        </p:spPr>
+        <p:txBody>
+          <a:bodyPr anchor="ctr">
+            <a:normAutofit/>
+          </a:bodyPr>
+          <a:lstStyle/>
+          <a:p>
+            <a:pPr marL="0" indent="0">
+              <a:buNone/>
+            </a:pPr>
+            <a:r>
+              <a:rPr lang="en-US" b="1" dirty="0"/>
+              <a:t>Team members</a:t>
+            </a:r>
+          </a:p>
+          <a:p>
+            <a:r>
+              <a:rPr lang="en-US" b="1" dirty="0" err="1"/>
+              <a:t>Ipsita</a:t>
+            </a:r>
+            <a:r>
+              <a:rPr lang="en-US" b="1" dirty="0"/>
+              <a:t> Purohit</a:t>
+            </a:r>
+          </a:p>
+          <a:p>
+            <a:r>
+              <a:rPr lang="en-US" b="1" dirty="0"/>
+              <a:t>Drew Kirke</a:t>
+            </a:r>
+          </a:p>
+          <a:p>
+            <a:r>
+              <a:rPr lang="en-US" b="1" dirty="0"/>
+              <a:t>Siobhan </a:t>
+            </a:r>
+          </a:p>
+        </p:txBody>
+      </p:sp>
+    </p:spTree>
+    <p:extLst>
+      <p:ext uri="{BB962C8B-B14F-4D97-AF65-F5344CB8AC3E}">
+        <p14:creationId xmlns:p14="http://schemas.microsoft.com/office/powerpoint/2010/main" val="1351935278"/>
+      </p:ext>
+    </p:extLst>
+  </p:cSld>
+  <p:clrMapOvr>
+    <a:masterClrMapping/>
+  </p:clrMapOvr>
+</p:sld>
+</file>
+
+<file path=ppt/slides/slide2.xml><?xml version="1.0" encoding="utf-8"?>
+<p:sld xmlns:a="http://schemas.openxmlformats.org/drawingml/2006/main" xmlns:r="http://schemas.openxmlformats.org/officeDocument/2006/relationships" xmlns:p="http://schemas.openxmlformats.org/presentationml/2006/main">
+  <p:cSld>
+    <p:bg>
+      <p:bgPr>
+        <a:solidFill>
+          <a:schemeClr val="bg1"/>
+        </a:solidFill>
+        <a:effectLst/>
+      </p:bgPr>
+    </p:bg>
+    <p:spTree>
+      <p:nvGrpSpPr>
+        <p:cNvPr id="1" name=""/>
+        <p:cNvGrpSpPr/>
+        <p:nvPr/>
+      </p:nvGrpSpPr>
+      <p:grpSpPr>
+        <a:xfrm>
+          <a:off x="0" y="0"/>
+          <a:ext cx="0" cy="0"/>
+          <a:chOff x="0" y="0"/>
+          <a:chExt cx="0" cy="0"/>
+        </a:xfrm>
+      </p:grpSpPr>
+      <p:sp useBgFill="1">
+        <p:nvSpPr>
           <p:cNvPr id="11" name="Rectangle 10">
             <a:extLst>
               <a:ext uri="{FF2B5EF4-FFF2-40B4-BE49-F238E27FC236}">
@@ -3488,14 +6810,14 @@
           <a:lstStyle/>
           <a:p>
             <a:r>
-              <a:rPr lang="en-US" sz="3600" b="1">
+              <a:rPr lang="en-US" sz="3600" b="1" dirty="0">
                 <a:solidFill>
                   <a:schemeClr val="tx2"/>
                 </a:solidFill>
               </a:rPr>
               <a:t>STOCK MARKET DATA </a:t>
             </a:r>
-            <a:endParaRPr lang="en-US" sz="3600">
+            <a:endParaRPr lang="en-US" sz="3600" dirty="0">
               <a:solidFill>
                 <a:schemeClr val="tx2"/>
               </a:solidFill>
@@ -3545,7 +6867,23 @@
                   <a:schemeClr val="tx2"/>
                 </a:solidFill>
               </a:rPr>
-              <a:t> Create an interactive dashboard using html, JavaScript, and using external public APIs (through </a:t>
+              <a:t> Create an interactive dashboard using html, JavaScript, </a:t>
+            </a:r>
+            <a:r>
+              <a:rPr lang="en-US" sz="1800" dirty="0" err="1">
+                <a:solidFill>
+                  <a:schemeClr val="tx2"/>
+                </a:solidFill>
+              </a:rPr>
+              <a:t>css</a:t>
+            </a:r>
+            <a:r>
+              <a:rPr lang="en-US" sz="1800" dirty="0">
+                <a:solidFill>
+                  <a:schemeClr val="tx2"/>
+                </a:solidFill>
+              </a:rPr>
+              <a:t>, and using external public APIs (through </a:t>
             </a:r>
             <a:r>
               <a:rPr lang="en-US" sz="1800" dirty="0" err="1">
@@ -3587,23 +6925,7 @@
                   <a:schemeClr val="tx2"/>
                 </a:solidFill>
               </a:rPr>
-              <a:t>Display the growth of $1000 over </a:t>
-            </a:r>
-            <a:r>
-              <a:rPr lang="en-US" sz="1800">
-                <a:solidFill>
-                  <a:schemeClr val="tx2"/>
-                </a:solidFill>
-              </a:rPr>
-              <a:t>these 23 </a:t>
-            </a:r>
-            <a:r>
-              <a:rPr lang="en-US" sz="1800" dirty="0">
-                <a:solidFill>
-                  <a:schemeClr val="tx2"/>
-                </a:solidFill>
-              </a:rPr>
-              <a:t>years if invested in these stocks and compare the performance of multiple stocks in a single line graph.</a:t>
+              <a:t>Display the growth of $1000 over these 23 years if invested in these stocks and compare the performance of multiple stocks in a single line graph.</a:t>
             </a:r>
           </a:p>
           <a:p>
@@ -6476,7 +9798,7 @@
 </p:sld>
 </file>
 
-<file path=ppt/slides/slide2.xml><?xml version="1.0" encoding="utf-8"?>
+<file path=ppt/slides/slide3.xml><?xml version="1.0" encoding="utf-8"?>
 <p:sld xmlns:a="http://schemas.openxmlformats.org/drawingml/2006/main" xmlns:r="http://schemas.openxmlformats.org/officeDocument/2006/relationships" xmlns:p="http://schemas.openxmlformats.org/presentationml/2006/main">
   <p:cSld>
     <p:bg>
@@ -6833,7 +10155,7 @@
           <a:p>
             <a:pPr algn="l"/>
             <a:r>
-              <a:rPr lang="en-US" sz="4000" b="1" kern="1200">
+              <a:rPr lang="en-US" sz="4000" b="1" kern="1200" dirty="0">
                 <a:solidFill>
                   <a:srgbClr val="FFFFFF"/>
                 </a:solidFill>
@@ -6843,182 +10165,6 @@
               </a:rPr>
               <a:t>STOCK MARKET INTERACTIVE DASHBOARD </a:t>
             </a:r>
-          </a:p>
-        </p:txBody>
-      </p:sp>
-      <p:sp>
-        <p:nvSpPr>
-          <p:cNvPr id="4" name="Rectangle: Rounded Corners 3">
-            <a:extLst>
-              <a:ext uri="{FF2B5EF4-FFF2-40B4-BE49-F238E27FC236}">
-                <a16:creationId xmlns:a16="http://schemas.microsoft.com/office/drawing/2014/main" id="{FD07320E-AF63-3DD4-6B3A-C319552F5725}"/>
-              </a:ext>
-            </a:extLst>
-          </p:cNvPr>
-          <p:cNvSpPr/>
-          <p:nvPr/>
-        </p:nvSpPr>
-        <p:spPr>
-          <a:xfrm>
-            <a:off x="1517052" y="2343154"/>
-            <a:ext cx="1754019" cy="1416391"/>
-          </a:xfrm>
-          <a:prstGeom prst="roundRect">
-            <a:avLst/>
-          </a:prstGeom>
-        </p:spPr>
-        <p:style>
-          <a:lnRef idx="2">
-            <a:schemeClr val="accent1">
-              <a:shade val="15000"/>
-            </a:schemeClr>
-          </a:lnRef>
-          <a:fillRef idx="1">
-            <a:schemeClr val="accent1"/>
-          </a:fillRef>
-          <a:effectRef idx="0">
-            <a:schemeClr val="accent1"/>
-          </a:effectRef>
-          <a:fontRef idx="minor">
-            <a:schemeClr val="lt1"/>
-          </a:fontRef>
-        </p:style>
-        <p:txBody>
-          <a:bodyPr rtlCol="0" anchor="ctr"/>
-          <a:lstStyle/>
-          <a:p>
-            <a:pPr algn="ctr" defTabSz="822960">
-              <a:spcAft>
-                <a:spcPts val="600"/>
-              </a:spcAft>
-            </a:pPr>
-            <a:r>
-              <a:rPr lang="en-US" sz="1260" b="1" kern="1200" dirty="0">
-                <a:solidFill>
-                  <a:schemeClr val="bg1"/>
-                </a:solidFill>
-                <a:latin typeface="+mn-lt"/>
-                <a:ea typeface="+mn-ea"/>
-                <a:cs typeface="+mn-cs"/>
-              </a:rPr>
-              <a:t>Drop Down Menu for user</a:t>
-            </a:r>
-          </a:p>
-          <a:p>
-            <a:pPr algn="ctr" defTabSz="822960">
-              <a:spcAft>
-                <a:spcPts val="600"/>
-              </a:spcAft>
-            </a:pPr>
-            <a:r>
-              <a:rPr lang="en-US" sz="1080" kern="1200" dirty="0">
-                <a:solidFill>
-                  <a:schemeClr val="bg1"/>
-                </a:solidFill>
-                <a:latin typeface="+mn-lt"/>
-                <a:ea typeface="+mn-ea"/>
-                <a:cs typeface="+mn-cs"/>
-              </a:rPr>
-              <a:t>Select the stock you want to see the performance for</a:t>
-            </a:r>
-            <a:endParaRPr lang="en-US" sz="1200" dirty="0">
-              <a:solidFill>
-                <a:schemeClr val="bg1"/>
-              </a:solidFill>
-            </a:endParaRPr>
-          </a:p>
-        </p:txBody>
-      </p:sp>
-      <p:sp>
-        <p:nvSpPr>
-          <p:cNvPr id="5" name="Subtitle 4">
-            <a:extLst>
-              <a:ext uri="{FF2B5EF4-FFF2-40B4-BE49-F238E27FC236}">
-                <a16:creationId xmlns:a16="http://schemas.microsoft.com/office/drawing/2014/main" id="{2B7FC990-6FBF-61EC-7DB4-EF4FD5B45900}"/>
-              </a:ext>
-            </a:extLst>
-          </p:cNvPr>
-          <p:cNvSpPr>
-            <a:spLocks/>
-          </p:cNvSpPr>
-          <p:nvPr/>
-        </p:nvSpPr>
-        <p:spPr>
-          <a:xfrm>
-            <a:off x="1574696" y="4410519"/>
-            <a:ext cx="1754019" cy="1416391"/>
-          </a:xfrm>
-          <a:prstGeom prst="roundRect">
-            <a:avLst/>
-          </a:prstGeom>
-        </p:spPr>
-        <p:style>
-          <a:lnRef idx="2">
-            <a:schemeClr val="accent1">
-              <a:shade val="15000"/>
-            </a:schemeClr>
-          </a:lnRef>
-          <a:fillRef idx="1">
-            <a:schemeClr val="accent1"/>
-          </a:fillRef>
-          <a:effectRef idx="0">
-            <a:schemeClr val="accent1"/>
-          </a:effectRef>
-          <a:fontRef idx="minor">
-            <a:schemeClr val="lt1"/>
-          </a:fontRef>
-        </p:style>
-        <p:txBody>
-          <a:bodyPr rtlCol="0" anchor="ctr">
-            <a:normAutofit fontScale="77500" lnSpcReduction="20000"/>
-          </a:bodyPr>
-          <a:lstStyle/>
-          <a:p>
-            <a:pPr algn="ctr" defTabSz="822960">
-              <a:lnSpc>
-                <a:spcPct val="90000"/>
-              </a:lnSpc>
-              <a:spcAft>
-                <a:spcPts val="600"/>
-              </a:spcAft>
-            </a:pPr>
-            <a:r>
-              <a:rPr lang="en-US" sz="1500" b="1" kern="1200" dirty="0">
-                <a:solidFill>
-                  <a:schemeClr val="bg1"/>
-                </a:solidFill>
-                <a:latin typeface="+mn-lt"/>
-                <a:ea typeface="+mn-ea"/>
-                <a:cs typeface="+mn-cs"/>
-              </a:rPr>
-              <a:t>Drop down with inputs to select multiple stocks at the same time</a:t>
-            </a:r>
-          </a:p>
-          <a:p>
-            <a:pPr algn="ctr" defTabSz="822960">
-              <a:lnSpc>
-                <a:spcPct val="90000"/>
-              </a:lnSpc>
-              <a:spcAft>
-                <a:spcPts val="600"/>
-              </a:spcAft>
-            </a:pPr>
-            <a:r>
-              <a:rPr lang="en-US" sz="1500" kern="1200" dirty="0">
-                <a:solidFill>
-                  <a:schemeClr val="bg1"/>
-                </a:solidFill>
-                <a:latin typeface="+mn-lt"/>
-                <a:ea typeface="+mn-ea"/>
-                <a:cs typeface="+mn-cs"/>
-              </a:rPr>
-              <a:t>Select the stocks you want to compare performance for</a:t>
-            </a:r>
-            <a:endParaRPr lang="en-US" sz="1500" dirty="0">
-              <a:solidFill>
-                <a:schemeClr val="bg1"/>
-              </a:solidFill>
-            </a:endParaRPr>
           </a:p>
         </p:txBody>
       </p:sp>
@@ -7038,7 +10184,7 @@
         </p:nvCxnSpPr>
         <p:spPr>
           <a:xfrm>
-            <a:off x="7133206" y="2112579"/>
+            <a:off x="6484275" y="1522640"/>
             <a:ext cx="0" cy="1638731"/>
           </a:xfrm>
           <a:prstGeom prst="line">
@@ -7076,7 +10222,7 @@
         </p:nvCxnSpPr>
         <p:spPr>
           <a:xfrm>
-            <a:off x="7141441" y="3726606"/>
+            <a:off x="6492510" y="3136667"/>
             <a:ext cx="3318637" cy="0"/>
           </a:xfrm>
           <a:prstGeom prst="line">
@@ -7114,7 +10260,7 @@
         </p:nvCxnSpPr>
         <p:spPr>
           <a:xfrm>
-            <a:off x="7141441" y="4220925"/>
+            <a:off x="6492510" y="3630986"/>
             <a:ext cx="0" cy="1638731"/>
           </a:xfrm>
           <a:prstGeom prst="line">
@@ -7152,7 +10298,7 @@
         </p:nvCxnSpPr>
         <p:spPr>
           <a:xfrm>
-            <a:off x="7149676" y="5834952"/>
+            <a:off x="6500745" y="5245013"/>
             <a:ext cx="3549212" cy="0"/>
           </a:xfrm>
           <a:prstGeom prst="line">
@@ -7188,7 +10334,7 @@
         </p:nvSpPr>
         <p:spPr>
           <a:xfrm>
-            <a:off x="8050017" y="3819340"/>
+            <a:off x="7401086" y="3229401"/>
             <a:ext cx="1424626" cy="279977"/>
           </a:xfrm>
           <a:prstGeom prst="rect">
@@ -7256,7 +10402,7 @@
         </p:nvSpPr>
         <p:spPr>
           <a:xfrm>
-            <a:off x="6540298" y="2487842"/>
+            <a:off x="5891367" y="1897903"/>
             <a:ext cx="502326" cy="1001596"/>
           </a:xfrm>
           <a:prstGeom prst="rect">
@@ -7324,7 +10470,7 @@
         </p:nvSpPr>
         <p:spPr>
           <a:xfrm>
-            <a:off x="8088447" y="6025407"/>
+            <a:off x="7439516" y="5435468"/>
             <a:ext cx="1424626" cy="279977"/>
           </a:xfrm>
           <a:prstGeom prst="rect">
@@ -7392,7 +10538,7 @@
         </p:nvSpPr>
         <p:spPr>
           <a:xfrm>
-            <a:off x="6320705" y="4212023"/>
+            <a:off x="5671774" y="3622084"/>
             <a:ext cx="721918" cy="1813384"/>
           </a:xfrm>
           <a:prstGeom prst="rect">
@@ -7460,7 +10606,7 @@
         </p:nvSpPr>
         <p:spPr>
           <a:xfrm>
-            <a:off x="7264964" y="2621648"/>
+            <a:off x="6616033" y="2031709"/>
             <a:ext cx="2821488" cy="1058618"/>
           </a:xfrm>
           <a:custGeom>
@@ -7635,7 +10781,7 @@
         </p:nvSpPr>
         <p:spPr>
           <a:xfrm>
-            <a:off x="7234770" y="4617918"/>
+            <a:off x="6585839" y="4027979"/>
             <a:ext cx="2821488" cy="1058618"/>
           </a:xfrm>
           <a:custGeom>
@@ -7810,7 +10956,7 @@
         </p:nvSpPr>
         <p:spPr>
           <a:xfrm>
-            <a:off x="7306138" y="4864376"/>
+            <a:off x="6657207" y="4274437"/>
             <a:ext cx="2766903" cy="904495"/>
           </a:xfrm>
           <a:custGeom>
@@ -8018,6 +11164,227 @@
           </a:p>
         </p:txBody>
       </p:sp>
+      <p:sp>
+        <p:nvSpPr>
+          <p:cNvPr id="3" name="Rectangle 2">
+            <a:extLst>
+              <a:ext uri="{FF2B5EF4-FFF2-40B4-BE49-F238E27FC236}">
+                <a16:creationId xmlns:a16="http://schemas.microsoft.com/office/drawing/2014/main" id="{57A4904B-C88E-4A3B-61E7-4E20A86AAE62}"/>
+              </a:ext>
+            </a:extLst>
+          </p:cNvPr>
+          <p:cNvSpPr/>
+          <p:nvPr/>
+        </p:nvSpPr>
+        <p:spPr>
+          <a:xfrm>
+            <a:off x="2968992" y="2483901"/>
+            <a:ext cx="1235977" cy="259204"/>
+          </a:xfrm>
+          <a:prstGeom prst="rect">
+            <a:avLst/>
+          </a:prstGeom>
+          <a:solidFill>
+            <a:schemeClr val="bg1"/>
+          </a:solidFill>
+        </p:spPr>
+        <p:style>
+          <a:lnRef idx="2">
+            <a:schemeClr val="accent1">
+              <a:shade val="15000"/>
+            </a:schemeClr>
+          </a:lnRef>
+          <a:fillRef idx="1">
+            <a:schemeClr val="accent1"/>
+          </a:fillRef>
+          <a:effectRef idx="0">
+            <a:schemeClr val="accent1"/>
+          </a:effectRef>
+          <a:fontRef idx="minor">
+            <a:schemeClr val="lt1"/>
+          </a:fontRef>
+        </p:style>
+        <p:txBody>
+          <a:bodyPr rtlCol="0" anchor="ctr"/>
+          <a:lstStyle/>
+          <a:p>
+            <a:pPr algn="ctr"/>
+            <a:r>
+              <a:rPr lang="en-US" dirty="0">
+                <a:ln w="0"/>
+                <a:solidFill>
+                  <a:schemeClr val="tx1"/>
+                </a:solidFill>
+                <a:effectLst>
+                  <a:outerShdw blurRad="38100" dist="19050" dir="2700000" algn="tl" rotWithShape="0">
+                    <a:schemeClr val="dk1">
+                      <a:alpha val="40000"/>
+                    </a:schemeClr>
+                  </a:outerShdw>
+                </a:effectLst>
+              </a:rPr>
+              <a:t>Stock list</a:t>
+            </a:r>
+          </a:p>
+        </p:txBody>
+      </p:sp>
+      <p:sp>
+        <p:nvSpPr>
+          <p:cNvPr id="6" name="Rectangle 5">
+            <a:extLst>
+              <a:ext uri="{FF2B5EF4-FFF2-40B4-BE49-F238E27FC236}">
+                <a16:creationId xmlns:a16="http://schemas.microsoft.com/office/drawing/2014/main" id="{1608B51B-1099-EB6E-CF57-86835D33999A}"/>
+              </a:ext>
+            </a:extLst>
+          </p:cNvPr>
+          <p:cNvSpPr/>
+          <p:nvPr/>
+        </p:nvSpPr>
+        <p:spPr>
+          <a:xfrm>
+            <a:off x="2988656" y="4514359"/>
+            <a:ext cx="1235977" cy="259204"/>
+          </a:xfrm>
+          <a:prstGeom prst="rect">
+            <a:avLst/>
+          </a:prstGeom>
+          <a:solidFill>
+            <a:schemeClr val="bg1"/>
+          </a:solidFill>
+        </p:spPr>
+        <p:style>
+          <a:lnRef idx="2">
+            <a:schemeClr val="accent1">
+              <a:shade val="15000"/>
+            </a:schemeClr>
+          </a:lnRef>
+          <a:fillRef idx="1">
+            <a:schemeClr val="accent1"/>
+          </a:fillRef>
+          <a:effectRef idx="0">
+            <a:schemeClr val="accent1"/>
+          </a:effectRef>
+          <a:fontRef idx="minor">
+            <a:schemeClr val="lt1"/>
+          </a:fontRef>
+        </p:style>
+        <p:txBody>
+          <a:bodyPr rtlCol="0" anchor="ctr"/>
+          <a:lstStyle/>
+          <a:p>
+            <a:pPr algn="ctr"/>
+            <a:r>
+              <a:rPr lang="en-US" dirty="0">
+                <a:ln w="0"/>
+                <a:solidFill>
+                  <a:schemeClr val="tx1"/>
+                </a:solidFill>
+                <a:effectLst>
+                  <a:outerShdw blurRad="38100" dist="19050" dir="2700000" algn="tl" rotWithShape="0">
+                    <a:schemeClr val="dk1">
+                      <a:alpha val="40000"/>
+                    </a:schemeClr>
+                  </a:outerShdw>
+                </a:effectLst>
+              </a:rPr>
+              <a:t>Stock list</a:t>
+            </a:r>
+          </a:p>
+        </p:txBody>
+      </p:sp>
+      <p:sp>
+        <p:nvSpPr>
+          <p:cNvPr id="12" name="TextBox 11">
+            <a:extLst>
+              <a:ext uri="{FF2B5EF4-FFF2-40B4-BE49-F238E27FC236}">
+                <a16:creationId xmlns:a16="http://schemas.microsoft.com/office/drawing/2014/main" id="{11CE2C4F-B453-BC71-1F8A-6C041C488126}"/>
+              </a:ext>
+            </a:extLst>
+          </p:cNvPr>
+          <p:cNvSpPr txBox="1"/>
+          <p:nvPr/>
+        </p:nvSpPr>
+        <p:spPr>
+          <a:xfrm>
+            <a:off x="2436230" y="4024214"/>
+            <a:ext cx="2439845" cy="481414"/>
+          </a:xfrm>
+          <a:prstGeom prst="rect">
+            <a:avLst/>
+          </a:prstGeom>
+          <a:noFill/>
+        </p:spPr>
+        <p:txBody>
+          <a:bodyPr wrap="square">
+            <a:spAutoFit/>
+          </a:bodyPr>
+          <a:lstStyle/>
+          <a:p>
+            <a:pPr algn="ctr" defTabSz="822960">
+              <a:lnSpc>
+                <a:spcPct val="90000"/>
+              </a:lnSpc>
+              <a:spcAft>
+                <a:spcPts val="600"/>
+              </a:spcAft>
+            </a:pPr>
+            <a:r>
+              <a:rPr lang="en-US" sz="1400" kern="1200" dirty="0">
+                <a:latin typeface="+mn-lt"/>
+                <a:ea typeface="+mn-ea"/>
+                <a:cs typeface="+mn-cs"/>
+              </a:rPr>
+              <a:t>Select the stocks you want to compare performance for</a:t>
+            </a:r>
+            <a:endParaRPr lang="en-US" sz="1400" dirty="0"/>
+          </a:p>
+        </p:txBody>
+      </p:sp>
+      <p:sp>
+        <p:nvSpPr>
+          <p:cNvPr id="13" name="TextBox 12">
+            <a:extLst>
+              <a:ext uri="{FF2B5EF4-FFF2-40B4-BE49-F238E27FC236}">
+                <a16:creationId xmlns:a16="http://schemas.microsoft.com/office/drawing/2014/main" id="{656D51A9-0BD2-4973-263B-74E4A37F18AB}"/>
+              </a:ext>
+            </a:extLst>
+          </p:cNvPr>
+          <p:cNvSpPr txBox="1"/>
+          <p:nvPr/>
+        </p:nvSpPr>
+        <p:spPr>
+          <a:xfrm>
+            <a:off x="2416566" y="1960190"/>
+            <a:ext cx="2439845" cy="523220"/>
+          </a:xfrm>
+          <a:prstGeom prst="rect">
+            <a:avLst/>
+          </a:prstGeom>
+          <a:noFill/>
+        </p:spPr>
+        <p:txBody>
+          <a:bodyPr wrap="square">
+            <a:spAutoFit/>
+          </a:bodyPr>
+          <a:lstStyle/>
+          <a:p>
+            <a:pPr algn="ctr" defTabSz="822960">
+              <a:spcAft>
+                <a:spcPts val="600"/>
+              </a:spcAft>
+            </a:pPr>
+            <a:r>
+              <a:rPr lang="en-US" sz="1400" kern="1200" dirty="0">
+                <a:latin typeface="+mn-lt"/>
+                <a:ea typeface="+mn-ea"/>
+                <a:cs typeface="+mn-cs"/>
+              </a:rPr>
+              <a:t>Select the stock you want to see the performance for</a:t>
+            </a:r>
+            <a:endParaRPr lang="en-US" sz="1600" dirty="0"/>
+          </a:p>
+        </p:txBody>
+      </p:sp>
     </p:spTree>
     <p:extLst>
       <p:ext uri="{BB962C8B-B14F-4D97-AF65-F5344CB8AC3E}">
@@ -8031,7 +11398,1258 @@
 </p:sld>
 </file>
 
-<file path=ppt/slides/slide3.xml><?xml version="1.0" encoding="utf-8"?>
+<file path=ppt/slides/slide4.xml><?xml version="1.0" encoding="utf-8"?>
+<p:sld xmlns:a="http://schemas.openxmlformats.org/drawingml/2006/main" xmlns:r="http://schemas.openxmlformats.org/officeDocument/2006/relationships" xmlns:p="http://schemas.openxmlformats.org/presentationml/2006/main">
+  <p:cSld>
+    <p:bg>
+      <p:bgPr>
+        <a:solidFill>
+          <a:schemeClr val="bg1"/>
+        </a:solidFill>
+        <a:effectLst/>
+      </p:bgPr>
+    </p:bg>
+    <p:spTree>
+      <p:nvGrpSpPr>
+        <p:cNvPr id="1" name=""/>
+        <p:cNvGrpSpPr/>
+        <p:nvPr/>
+      </p:nvGrpSpPr>
+      <p:grpSpPr>
+        <a:xfrm>
+          <a:off x="0" y="0"/>
+          <a:ext cx="0" cy="0"/>
+          <a:chOff x="0" y="0"/>
+          <a:chExt cx="0" cy="0"/>
+        </a:xfrm>
+      </p:grpSpPr>
+      <p:sp useBgFill="1">
+        <p:nvSpPr>
+          <p:cNvPr id="28" name="Rectangle 27">
+            <a:extLst>
+              <a:ext uri="{FF2B5EF4-FFF2-40B4-BE49-F238E27FC236}">
+                <a16:creationId xmlns:a16="http://schemas.microsoft.com/office/drawing/2014/main" id="{BACC6370-2D7E-4714-9D71-7542949D7D5D}"/>
+              </a:ext>
+              <a:ext uri="{C183D7F6-B498-43B3-948B-1728B52AA6E4}">
+                <adec:decorative xmlns:adec="http://schemas.microsoft.com/office/drawing/2017/decorative" val="1"/>
+              </a:ext>
+            </a:extLst>
+          </p:cNvPr>
+          <p:cNvSpPr>
+            <a:spLocks noGrp="1" noRot="1" noChangeAspect="1" noMove="1" noResize="1" noEditPoints="1" noAdjustHandles="1" noChangeArrowheads="1" noChangeShapeType="1" noTextEdit="1"/>
+          </p:cNvSpPr>
+          <p:nvPr>
+            <p:extLst>
+              <p:ext uri="{386F3935-93C4-4BCD-93E2-E3B085C9AB24}">
+                <p16:designElem xmlns:p16="http://schemas.microsoft.com/office/powerpoint/2015/main" val="1"/>
+              </p:ext>
+            </p:extLst>
+          </p:nvPr>
+        </p:nvSpPr>
+        <p:spPr>
+          <a:xfrm>
+            <a:off x="0" y="0"/>
+            <a:ext cx="12192000" cy="6858000"/>
+          </a:xfrm>
+          <a:prstGeom prst="rect">
+            <a:avLst/>
+          </a:prstGeom>
+          <a:ln w="12700" cap="flat" cmpd="sng" algn="ctr">
+            <a:noFill/>
+            <a:prstDash val="solid"/>
+            <a:miter lim="800000"/>
+          </a:ln>
+          <a:effectLst/>
+          <a:extLst>
+            <a:ext uri="{91240B29-F687-4F45-9708-019B960494DF}">
+              <a14:hiddenLine xmlns:a14="http://schemas.microsoft.com/office/drawing/2010/main" w="12700" cap="flat" cmpd="sng" algn="ctr">
+                <a:solidFill>
+                  <a:schemeClr val="accent1">
+                    <a:shade val="50000"/>
+                  </a:schemeClr>
+                </a:solidFill>
+                <a:prstDash val="solid"/>
+                <a:miter lim="800000"/>
+              </a14:hiddenLine>
+            </a:ext>
+          </a:extLst>
+        </p:spPr>
+        <p:style>
+          <a:lnRef idx="2">
+            <a:schemeClr val="accent1">
+              <a:shade val="50000"/>
+            </a:schemeClr>
+          </a:lnRef>
+          <a:fillRef idx="1">
+            <a:schemeClr val="accent1"/>
+          </a:fillRef>
+          <a:effectRef idx="0">
+            <a:schemeClr val="accent1"/>
+          </a:effectRef>
+          <a:fontRef idx="minor">
+            <a:schemeClr val="lt1"/>
+          </a:fontRef>
+        </p:style>
+        <p:txBody>
+          <a:bodyPr rtlCol="0" anchor="ctr"/>
+          <a:lstStyle/>
+          <a:p>
+            <a:pPr algn="ctr"/>
+            <a:endParaRPr lang="en-US"/>
+          </a:p>
+        </p:txBody>
+      </p:sp>
+      <p:sp>
+        <p:nvSpPr>
+          <p:cNvPr id="30" name="Rectangle 29">
+            <a:extLst>
+              <a:ext uri="{FF2B5EF4-FFF2-40B4-BE49-F238E27FC236}">
+                <a16:creationId xmlns:a16="http://schemas.microsoft.com/office/drawing/2014/main" id="{F68B3F68-107C-434F-AA38-110D5EA91B85}"/>
+              </a:ext>
+              <a:ext uri="{C183D7F6-B498-43B3-948B-1728B52AA6E4}">
+                <adec:decorative xmlns:adec="http://schemas.microsoft.com/office/drawing/2017/decorative" val="1"/>
+              </a:ext>
+            </a:extLst>
+          </p:cNvPr>
+          <p:cNvSpPr>
+            <a:spLocks noGrp="1" noRot="1" noChangeAspect="1" noMove="1" noResize="1" noEditPoints="1" noAdjustHandles="1" noChangeArrowheads="1" noChangeShapeType="1" noTextEdit="1"/>
+          </p:cNvSpPr>
+          <p:nvPr>
+            <p:extLst>
+              <p:ext uri="{386F3935-93C4-4BCD-93E2-E3B085C9AB24}">
+                <p16:designElem xmlns:p16="http://schemas.microsoft.com/office/powerpoint/2015/main" val="1"/>
+              </p:ext>
+            </p:extLst>
+          </p:nvPr>
+        </p:nvSpPr>
+        <p:spPr>
+          <a:xfrm flipH="1">
+            <a:off x="2" y="0"/>
+            <a:ext cx="12191998" cy="1575955"/>
+          </a:xfrm>
+          <a:prstGeom prst="rect">
+            <a:avLst/>
+          </a:prstGeom>
+          <a:gradFill>
+            <a:gsLst>
+              <a:gs pos="0">
+                <a:srgbClr val="000000">
+                  <a:alpha val="96000"/>
+                </a:srgbClr>
+              </a:gs>
+              <a:gs pos="100000">
+                <a:schemeClr val="accent1">
+                  <a:lumMod val="75000"/>
+                </a:schemeClr>
+              </a:gs>
+            </a:gsLst>
+            <a:lin ang="8400000" scaled="0"/>
+          </a:gradFill>
+          <a:ln>
+            <a:noFill/>
+          </a:ln>
+        </p:spPr>
+        <p:style>
+          <a:lnRef idx="2">
+            <a:schemeClr val="accent1">
+              <a:shade val="50000"/>
+            </a:schemeClr>
+          </a:lnRef>
+          <a:fillRef idx="1">
+            <a:schemeClr val="accent1"/>
+          </a:fillRef>
+          <a:effectRef idx="0">
+            <a:schemeClr val="accent1"/>
+          </a:effectRef>
+          <a:fontRef idx="minor">
+            <a:schemeClr val="lt1"/>
+          </a:fontRef>
+        </p:style>
+        <p:txBody>
+          <a:bodyPr rtlCol="0" anchor="ctr"/>
+          <a:lstStyle/>
+          <a:p>
+            <a:pPr algn="ctr"/>
+            <a:endParaRPr lang="en-US"/>
+          </a:p>
+        </p:txBody>
+      </p:sp>
+      <p:sp>
+        <p:nvSpPr>
+          <p:cNvPr id="35" name="Rectangle 34">
+            <a:extLst>
+              <a:ext uri="{FF2B5EF4-FFF2-40B4-BE49-F238E27FC236}">
+                <a16:creationId xmlns:a16="http://schemas.microsoft.com/office/drawing/2014/main" id="{AAD0DBB9-1A4B-4391-81D4-CB19F9AB918A}"/>
+              </a:ext>
+              <a:ext uri="{C183D7F6-B498-43B3-948B-1728B52AA6E4}">
+                <adec:decorative xmlns:adec="http://schemas.microsoft.com/office/drawing/2017/decorative" val="1"/>
+              </a:ext>
+            </a:extLst>
+          </p:cNvPr>
+          <p:cNvSpPr>
+            <a:spLocks noGrp="1" noRot="1" noChangeAspect="1" noMove="1" noResize="1" noEditPoints="1" noAdjustHandles="1" noChangeArrowheads="1" noChangeShapeType="1" noTextEdit="1"/>
+          </p:cNvSpPr>
+          <p:nvPr>
+            <p:extLst>
+              <p:ext uri="{386F3935-93C4-4BCD-93E2-E3B085C9AB24}">
+                <p16:designElem xmlns:p16="http://schemas.microsoft.com/office/powerpoint/2015/main" val="1"/>
+              </p:ext>
+            </p:extLst>
+          </p:nvPr>
+        </p:nvSpPr>
+        <p:spPr>
+          <a:xfrm rot="10800000" flipH="1">
+            <a:off x="8128857" y="0"/>
+            <a:ext cx="4063143" cy="1576412"/>
+          </a:xfrm>
+          <a:prstGeom prst="rect">
+            <a:avLst/>
+          </a:prstGeom>
+          <a:gradFill>
+            <a:gsLst>
+              <a:gs pos="19000">
+                <a:schemeClr val="accent1">
+                  <a:lumMod val="50000"/>
+                  <a:alpha val="68000"/>
+                </a:schemeClr>
+              </a:gs>
+              <a:gs pos="100000">
+                <a:schemeClr val="accent1">
+                  <a:alpha val="79000"/>
+                </a:schemeClr>
+              </a:gs>
+            </a:gsLst>
+            <a:lin ang="19200000" scaled="0"/>
+          </a:gradFill>
+          <a:ln>
+            <a:noFill/>
+          </a:ln>
+        </p:spPr>
+        <p:style>
+          <a:lnRef idx="2">
+            <a:schemeClr val="accent1">
+              <a:shade val="50000"/>
+            </a:schemeClr>
+          </a:lnRef>
+          <a:fillRef idx="1">
+            <a:schemeClr val="accent1"/>
+          </a:fillRef>
+          <a:effectRef idx="0">
+            <a:schemeClr val="accent1"/>
+          </a:effectRef>
+          <a:fontRef idx="minor">
+            <a:schemeClr val="lt1"/>
+          </a:fontRef>
+        </p:style>
+        <p:txBody>
+          <a:bodyPr rtlCol="0" anchor="ctr"/>
+          <a:lstStyle/>
+          <a:p>
+            <a:pPr algn="ctr"/>
+            <a:endParaRPr lang="en-US"/>
+          </a:p>
+        </p:txBody>
+      </p:sp>
+      <p:sp>
+        <p:nvSpPr>
+          <p:cNvPr id="34" name="Rectangle 33">
+            <a:extLst>
+              <a:ext uri="{FF2B5EF4-FFF2-40B4-BE49-F238E27FC236}">
+                <a16:creationId xmlns:a16="http://schemas.microsoft.com/office/drawing/2014/main" id="{063BBA22-50EA-4C4D-BE05-F1CE4E63AA56}"/>
+              </a:ext>
+              <a:ext uri="{C183D7F6-B498-43B3-948B-1728B52AA6E4}">
+                <adec:decorative xmlns:adec="http://schemas.microsoft.com/office/drawing/2017/decorative" val="1"/>
+              </a:ext>
+            </a:extLst>
+          </p:cNvPr>
+          <p:cNvSpPr>
+            <a:spLocks noGrp="1" noRot="1" noChangeAspect="1" noMove="1" noResize="1" noEditPoints="1" noAdjustHandles="1" noChangeArrowheads="1" noChangeShapeType="1" noTextEdit="1"/>
+          </p:cNvSpPr>
+          <p:nvPr>
+            <p:extLst>
+              <p:ext uri="{386F3935-93C4-4BCD-93E2-E3B085C9AB24}">
+                <p16:designElem xmlns:p16="http://schemas.microsoft.com/office/powerpoint/2015/main" val="1"/>
+              </p:ext>
+            </p:extLst>
+          </p:nvPr>
+        </p:nvSpPr>
+        <p:spPr>
+          <a:xfrm rot="5400000">
+            <a:off x="5307777" y="-5307778"/>
+            <a:ext cx="1576446" cy="12192002"/>
+          </a:xfrm>
+          <a:prstGeom prst="rect">
+            <a:avLst/>
+          </a:prstGeom>
+          <a:gradFill>
+            <a:gsLst>
+              <a:gs pos="23000">
+                <a:schemeClr val="accent1">
+                  <a:alpha val="0"/>
+                </a:schemeClr>
+              </a:gs>
+              <a:gs pos="99000">
+                <a:srgbClr val="000000">
+                  <a:alpha val="74000"/>
+                </a:srgbClr>
+              </a:gs>
+            </a:gsLst>
+            <a:lin ang="20400000" scaled="0"/>
+          </a:gradFill>
+          <a:ln>
+            <a:noFill/>
+          </a:ln>
+        </p:spPr>
+        <p:style>
+          <a:lnRef idx="2">
+            <a:schemeClr val="accent1">
+              <a:shade val="50000"/>
+            </a:schemeClr>
+          </a:lnRef>
+          <a:fillRef idx="1">
+            <a:schemeClr val="accent1"/>
+          </a:fillRef>
+          <a:effectRef idx="0">
+            <a:schemeClr val="accent1"/>
+          </a:effectRef>
+          <a:fontRef idx="minor">
+            <a:schemeClr val="lt1"/>
+          </a:fontRef>
+        </p:style>
+        <p:txBody>
+          <a:bodyPr rtlCol="0" anchor="ctr"/>
+          <a:lstStyle/>
+          <a:p>
+            <a:pPr algn="ctr"/>
+            <a:endParaRPr lang="en-US" dirty="0"/>
+          </a:p>
+        </p:txBody>
+      </p:sp>
+      <p:sp>
+        <p:nvSpPr>
+          <p:cNvPr id="2" name="Title 1">
+            <a:extLst>
+              <a:ext uri="{FF2B5EF4-FFF2-40B4-BE49-F238E27FC236}">
+                <a16:creationId xmlns:a16="http://schemas.microsoft.com/office/drawing/2014/main" id="{A411B88E-2E3A-08DE-0496-D2CF25A24FCC}"/>
+              </a:ext>
+            </a:extLst>
+          </p:cNvPr>
+          <p:cNvSpPr>
+            <a:spLocks noGrp="1"/>
+          </p:cNvSpPr>
+          <p:nvPr>
+            <p:ph type="ctrTitle"/>
+          </p:nvPr>
+        </p:nvSpPr>
+        <p:spPr>
+          <a:xfrm>
+            <a:off x="1371597" y="348865"/>
+            <a:ext cx="10044023" cy="877729"/>
+          </a:xfrm>
+        </p:spPr>
+        <p:txBody>
+          <a:bodyPr vert="horz" lIns="91440" tIns="45720" rIns="91440" bIns="45720" rtlCol="0" anchor="ctr">
+            <a:normAutofit fontScale="90000"/>
+          </a:bodyPr>
+          <a:lstStyle/>
+          <a:p>
+            <a:pPr algn="l"/>
+            <a:r>
+              <a:rPr lang="en-US" sz="4000" b="1" kern="1200" dirty="0">
+                <a:solidFill>
+                  <a:srgbClr val="FFFFFF"/>
+                </a:solidFill>
+                <a:latin typeface="+mj-lt"/>
+                <a:ea typeface="+mj-ea"/>
+                <a:cs typeface="+mj-cs"/>
+              </a:rPr>
+              <a:t>STOCK MARKET INTERACTIVE DASHBOARD CONTINUED… </a:t>
+            </a:r>
+          </a:p>
+        </p:txBody>
+      </p:sp>
+      <p:cxnSp>
+        <p:nvCxnSpPr>
+          <p:cNvPr id="7" name="Straight Connector 6">
+            <a:extLst>
+              <a:ext uri="{FF2B5EF4-FFF2-40B4-BE49-F238E27FC236}">
+                <a16:creationId xmlns:a16="http://schemas.microsoft.com/office/drawing/2014/main" id="{F61C6F4E-EB57-BD36-1A37-108C22D457D9}"/>
+              </a:ext>
+            </a:extLst>
+          </p:cNvPr>
+          <p:cNvCxnSpPr>
+            <a:cxnSpLocks/>
+          </p:cNvCxnSpPr>
+          <p:nvPr/>
+        </p:nvCxnSpPr>
+        <p:spPr>
+          <a:xfrm flipH="1">
+            <a:off x="6543268" y="2369574"/>
+            <a:ext cx="8235" cy="2364959"/>
+          </a:xfrm>
+          <a:prstGeom prst="line">
+            <a:avLst/>
+          </a:prstGeom>
+        </p:spPr>
+        <p:style>
+          <a:lnRef idx="2">
+            <a:schemeClr val="accent1"/>
+          </a:lnRef>
+          <a:fillRef idx="0">
+            <a:schemeClr val="accent1"/>
+          </a:fillRef>
+          <a:effectRef idx="1">
+            <a:schemeClr val="accent1"/>
+          </a:effectRef>
+          <a:fontRef idx="minor">
+            <a:schemeClr val="tx1"/>
+          </a:fontRef>
+        </p:style>
+      </p:cxnSp>
+      <p:cxnSp>
+        <p:nvCxnSpPr>
+          <p:cNvPr id="9" name="Straight Connector 8">
+            <a:extLst>
+              <a:ext uri="{FF2B5EF4-FFF2-40B4-BE49-F238E27FC236}">
+                <a16:creationId xmlns:a16="http://schemas.microsoft.com/office/drawing/2014/main" id="{7D1FE9C4-E094-FECB-E439-6D3499BD9DA2}"/>
+              </a:ext>
+            </a:extLst>
+          </p:cNvPr>
+          <p:cNvCxnSpPr>
+            <a:cxnSpLocks/>
+          </p:cNvCxnSpPr>
+          <p:nvPr/>
+        </p:nvCxnSpPr>
+        <p:spPr>
+          <a:xfrm>
+            <a:off x="6551503" y="4709829"/>
+            <a:ext cx="3841194" cy="0"/>
+          </a:xfrm>
+          <a:prstGeom prst="line">
+            <a:avLst/>
+          </a:prstGeom>
+        </p:spPr>
+        <p:style>
+          <a:lnRef idx="2">
+            <a:schemeClr val="accent1"/>
+          </a:lnRef>
+          <a:fillRef idx="0">
+            <a:schemeClr val="accent1"/>
+          </a:fillRef>
+          <a:effectRef idx="1">
+            <a:schemeClr val="accent1"/>
+          </a:effectRef>
+          <a:fontRef idx="minor">
+            <a:schemeClr val="tx1"/>
+          </a:fontRef>
+        </p:style>
+      </p:cxnSp>
+      <p:sp>
+        <p:nvSpPr>
+          <p:cNvPr id="14" name="Rectangle 13">
+            <a:extLst>
+              <a:ext uri="{FF2B5EF4-FFF2-40B4-BE49-F238E27FC236}">
+                <a16:creationId xmlns:a16="http://schemas.microsoft.com/office/drawing/2014/main" id="{1182AF55-E4B6-F2FF-F379-EC3AEDD8AF9E}"/>
+              </a:ext>
+            </a:extLst>
+          </p:cNvPr>
+          <p:cNvSpPr/>
+          <p:nvPr/>
+        </p:nvSpPr>
+        <p:spPr>
+          <a:xfrm>
+            <a:off x="7460079" y="4802563"/>
+            <a:ext cx="1424626" cy="279977"/>
+          </a:xfrm>
+          <a:prstGeom prst="rect">
+            <a:avLst/>
+          </a:prstGeom>
+          <a:solidFill>
+            <a:schemeClr val="bg1"/>
+          </a:solidFill>
+        </p:spPr>
+        <p:style>
+          <a:lnRef idx="2">
+            <a:schemeClr val="accent1">
+              <a:shade val="15000"/>
+            </a:schemeClr>
+          </a:lnRef>
+          <a:fillRef idx="1">
+            <a:schemeClr val="accent1"/>
+          </a:fillRef>
+          <a:effectRef idx="0">
+            <a:schemeClr val="accent1"/>
+          </a:effectRef>
+          <a:fontRef idx="minor">
+            <a:schemeClr val="lt1"/>
+          </a:fontRef>
+        </p:style>
+        <p:txBody>
+          <a:bodyPr rtlCol="0" anchor="ctr"/>
+          <a:lstStyle/>
+          <a:p>
+            <a:pPr algn="ctr" defTabSz="822960">
+              <a:spcAft>
+                <a:spcPts val="600"/>
+              </a:spcAft>
+            </a:pPr>
+            <a:r>
+              <a:rPr lang="en-US" sz="1620" b="1" kern="1200">
+                <a:solidFill>
+                  <a:schemeClr val="tx1"/>
+                </a:solidFill>
+                <a:latin typeface="+mn-lt"/>
+                <a:ea typeface="+mn-ea"/>
+                <a:cs typeface="+mn-cs"/>
+              </a:rPr>
+              <a:t>YEARS</a:t>
+            </a:r>
+            <a:endParaRPr lang="en-US" b="1">
+              <a:solidFill>
+                <a:schemeClr val="tx1"/>
+              </a:solidFill>
+            </a:endParaRPr>
+          </a:p>
+        </p:txBody>
+      </p:sp>
+      <p:sp>
+        <p:nvSpPr>
+          <p:cNvPr id="15" name="Rectangle 14">
+            <a:extLst>
+              <a:ext uri="{FF2B5EF4-FFF2-40B4-BE49-F238E27FC236}">
+                <a16:creationId xmlns:a16="http://schemas.microsoft.com/office/drawing/2014/main" id="{2D6B5CF8-C7F9-5DB5-19A1-BE46042CB601}"/>
+              </a:ext>
+            </a:extLst>
+          </p:cNvPr>
+          <p:cNvSpPr/>
+          <p:nvPr/>
+        </p:nvSpPr>
+        <p:spPr>
+          <a:xfrm>
+            <a:off x="5950360" y="3471065"/>
+            <a:ext cx="502326" cy="1001596"/>
+          </a:xfrm>
+          <a:prstGeom prst="rect">
+            <a:avLst/>
+          </a:prstGeom>
+          <a:solidFill>
+            <a:schemeClr val="bg1"/>
+          </a:solidFill>
+        </p:spPr>
+        <p:style>
+          <a:lnRef idx="2">
+            <a:schemeClr val="accent1">
+              <a:shade val="15000"/>
+            </a:schemeClr>
+          </a:lnRef>
+          <a:fillRef idx="1">
+            <a:schemeClr val="accent1"/>
+          </a:fillRef>
+          <a:effectRef idx="0">
+            <a:schemeClr val="accent1"/>
+          </a:effectRef>
+          <a:fontRef idx="minor">
+            <a:schemeClr val="lt1"/>
+          </a:fontRef>
+        </p:style>
+        <p:txBody>
+          <a:bodyPr vert="vert" rtlCol="0" anchor="ctr"/>
+          <a:lstStyle/>
+          <a:p>
+            <a:pPr algn="ctr" defTabSz="822960">
+              <a:spcAft>
+                <a:spcPts val="600"/>
+              </a:spcAft>
+            </a:pPr>
+            <a:r>
+              <a:rPr lang="en-US" sz="1620" b="1" kern="1200">
+                <a:solidFill>
+                  <a:schemeClr val="tx1"/>
+                </a:solidFill>
+                <a:latin typeface="+mn-lt"/>
+                <a:ea typeface="+mn-ea"/>
+                <a:cs typeface="+mn-cs"/>
+              </a:rPr>
+              <a:t>STOCK PRICE</a:t>
+            </a:r>
+            <a:endParaRPr lang="en-US" b="1">
+              <a:solidFill>
+                <a:schemeClr val="tx1"/>
+              </a:solidFill>
+            </a:endParaRPr>
+          </a:p>
+        </p:txBody>
+      </p:sp>
+      <p:sp>
+        <p:nvSpPr>
+          <p:cNvPr id="18" name="Freeform: Shape 17">
+            <a:extLst>
+              <a:ext uri="{FF2B5EF4-FFF2-40B4-BE49-F238E27FC236}">
+                <a16:creationId xmlns:a16="http://schemas.microsoft.com/office/drawing/2014/main" id="{94F2DE57-D41B-C2A3-2FD6-6517B2BD16D0}"/>
+              </a:ext>
+            </a:extLst>
+          </p:cNvPr>
+          <p:cNvSpPr/>
+          <p:nvPr/>
+        </p:nvSpPr>
+        <p:spPr>
+          <a:xfrm>
+            <a:off x="6675026" y="3604871"/>
+            <a:ext cx="2821488" cy="1058618"/>
+          </a:xfrm>
+          <a:custGeom>
+            <a:avLst/>
+            <a:gdLst>
+              <a:gd name="connsiteX0" fmla="*/ 0 w 3132995"/>
+              <a:gd name="connsiteY0" fmla="*/ 1080647 h 1175495"/>
+              <a:gd name="connsiteX1" fmla="*/ 1527048 w 3132995"/>
+              <a:gd name="connsiteY1" fmla="*/ 1080647 h 1175495"/>
+              <a:gd name="connsiteX2" fmla="*/ 1737360 w 3132995"/>
+              <a:gd name="connsiteY2" fmla="*/ 1172087 h 1175495"/>
+              <a:gd name="connsiteX3" fmla="*/ 1892808 w 3132995"/>
+              <a:gd name="connsiteY3" fmla="*/ 943487 h 1175495"/>
+              <a:gd name="connsiteX4" fmla="*/ 2157984 w 3132995"/>
+              <a:gd name="connsiteY4" fmla="*/ 980063 h 1175495"/>
+              <a:gd name="connsiteX5" fmla="*/ 2258568 w 3132995"/>
+              <a:gd name="connsiteY5" fmla="*/ 760607 h 1175495"/>
+              <a:gd name="connsiteX6" fmla="*/ 2523744 w 3132995"/>
+              <a:gd name="connsiteY6" fmla="*/ 705743 h 1175495"/>
+              <a:gd name="connsiteX7" fmla="*/ 2715768 w 3132995"/>
+              <a:gd name="connsiteY7" fmla="*/ 83951 h 1175495"/>
+              <a:gd name="connsiteX8" fmla="*/ 2816352 w 3132995"/>
+              <a:gd name="connsiteY8" fmla="*/ 376559 h 1175495"/>
+              <a:gd name="connsiteX9" fmla="*/ 2999232 w 3132995"/>
+              <a:gd name="connsiteY9" fmla="*/ 1655 h 1175495"/>
+              <a:gd name="connsiteX10" fmla="*/ 3118104 w 3132995"/>
+              <a:gd name="connsiteY10" fmla="*/ 230255 h 1175495"/>
+              <a:gd name="connsiteX11" fmla="*/ 3127248 w 3132995"/>
+              <a:gd name="connsiteY11" fmla="*/ 230255 h 1175495"/>
+            </a:gdLst>
+            <a:ahLst/>
+            <a:cxnLst>
+              <a:cxn ang="0">
+                <a:pos x="connsiteX0" y="connsiteY0"/>
+              </a:cxn>
+              <a:cxn ang="0">
+                <a:pos x="connsiteX1" y="connsiteY1"/>
+              </a:cxn>
+              <a:cxn ang="0">
+                <a:pos x="connsiteX2" y="connsiteY2"/>
+              </a:cxn>
+              <a:cxn ang="0">
+                <a:pos x="connsiteX3" y="connsiteY3"/>
+              </a:cxn>
+              <a:cxn ang="0">
+                <a:pos x="connsiteX4" y="connsiteY4"/>
+              </a:cxn>
+              <a:cxn ang="0">
+                <a:pos x="connsiteX5" y="connsiteY5"/>
+              </a:cxn>
+              <a:cxn ang="0">
+                <a:pos x="connsiteX6" y="connsiteY6"/>
+              </a:cxn>
+              <a:cxn ang="0">
+                <a:pos x="connsiteX7" y="connsiteY7"/>
+              </a:cxn>
+              <a:cxn ang="0">
+                <a:pos x="connsiteX8" y="connsiteY8"/>
+              </a:cxn>
+              <a:cxn ang="0">
+                <a:pos x="connsiteX9" y="connsiteY9"/>
+              </a:cxn>
+              <a:cxn ang="0">
+                <a:pos x="connsiteX10" y="connsiteY10"/>
+              </a:cxn>
+              <a:cxn ang="0">
+                <a:pos x="connsiteX11" y="connsiteY11"/>
+              </a:cxn>
+            </a:cxnLst>
+            <a:rect l="l" t="t" r="r" b="b"/>
+            <a:pathLst>
+              <a:path w="3132995" h="1175495">
+                <a:moveTo>
+                  <a:pt x="0" y="1080647"/>
+                </a:moveTo>
+                <a:cubicBezTo>
+                  <a:pt x="618744" y="1073027"/>
+                  <a:pt x="1237488" y="1065407"/>
+                  <a:pt x="1527048" y="1080647"/>
+                </a:cubicBezTo>
+                <a:cubicBezTo>
+                  <a:pt x="1816608" y="1095887"/>
+                  <a:pt x="1676400" y="1194947"/>
+                  <a:pt x="1737360" y="1172087"/>
+                </a:cubicBezTo>
+                <a:cubicBezTo>
+                  <a:pt x="1798320" y="1149227"/>
+                  <a:pt x="1822704" y="975491"/>
+                  <a:pt x="1892808" y="943487"/>
+                </a:cubicBezTo>
+                <a:cubicBezTo>
+                  <a:pt x="1962912" y="911483"/>
+                  <a:pt x="2097024" y="1010543"/>
+                  <a:pt x="2157984" y="980063"/>
+                </a:cubicBezTo>
+                <a:cubicBezTo>
+                  <a:pt x="2218944" y="949583"/>
+                  <a:pt x="2197608" y="806327"/>
+                  <a:pt x="2258568" y="760607"/>
+                </a:cubicBezTo>
+                <a:cubicBezTo>
+                  <a:pt x="2319528" y="714887"/>
+                  <a:pt x="2447544" y="818519"/>
+                  <a:pt x="2523744" y="705743"/>
+                </a:cubicBezTo>
+                <a:cubicBezTo>
+                  <a:pt x="2599944" y="592967"/>
+                  <a:pt x="2667000" y="138815"/>
+                  <a:pt x="2715768" y="83951"/>
+                </a:cubicBezTo>
+                <a:cubicBezTo>
+                  <a:pt x="2764536" y="29087"/>
+                  <a:pt x="2769108" y="390275"/>
+                  <a:pt x="2816352" y="376559"/>
+                </a:cubicBezTo>
+                <a:cubicBezTo>
+                  <a:pt x="2863596" y="362843"/>
+                  <a:pt x="2948940" y="26039"/>
+                  <a:pt x="2999232" y="1655"/>
+                </a:cubicBezTo>
+                <a:cubicBezTo>
+                  <a:pt x="3049524" y="-22729"/>
+                  <a:pt x="3118104" y="230255"/>
+                  <a:pt x="3118104" y="230255"/>
+                </a:cubicBezTo>
+                <a:cubicBezTo>
+                  <a:pt x="3139440" y="268355"/>
+                  <a:pt x="3133344" y="249305"/>
+                  <a:pt x="3127248" y="230255"/>
+                </a:cubicBezTo>
+              </a:path>
+            </a:pathLst>
+          </a:custGeom>
+          <a:noFill/>
+        </p:spPr>
+        <p:style>
+          <a:lnRef idx="2">
+            <a:schemeClr val="accent1">
+              <a:shade val="15000"/>
+            </a:schemeClr>
+          </a:lnRef>
+          <a:fillRef idx="1">
+            <a:schemeClr val="accent1"/>
+          </a:fillRef>
+          <a:effectRef idx="0">
+            <a:schemeClr val="accent1"/>
+          </a:effectRef>
+          <a:fontRef idx="minor">
+            <a:schemeClr val="lt1"/>
+          </a:fontRef>
+        </p:style>
+        <p:txBody>
+          <a:bodyPr rtlCol="0" anchor="ctr"/>
+          <a:lstStyle/>
+          <a:p>
+            <a:pPr algn="ctr"/>
+            <a:endParaRPr lang="en-US"/>
+          </a:p>
+        </p:txBody>
+      </p:sp>
+      <p:sp>
+        <p:nvSpPr>
+          <p:cNvPr id="3" name="Rectangle 2">
+            <a:extLst>
+              <a:ext uri="{FF2B5EF4-FFF2-40B4-BE49-F238E27FC236}">
+                <a16:creationId xmlns:a16="http://schemas.microsoft.com/office/drawing/2014/main" id="{57A4904B-C88E-4A3B-61E7-4E20A86AAE62}"/>
+              </a:ext>
+            </a:extLst>
+          </p:cNvPr>
+          <p:cNvSpPr/>
+          <p:nvPr/>
+        </p:nvSpPr>
+        <p:spPr>
+          <a:xfrm>
+            <a:off x="470152" y="4077298"/>
+            <a:ext cx="1235977" cy="259204"/>
+          </a:xfrm>
+          <a:prstGeom prst="rect">
+            <a:avLst/>
+          </a:prstGeom>
+          <a:solidFill>
+            <a:schemeClr val="bg1"/>
+          </a:solidFill>
+        </p:spPr>
+        <p:style>
+          <a:lnRef idx="2">
+            <a:schemeClr val="accent1">
+              <a:shade val="15000"/>
+            </a:schemeClr>
+          </a:lnRef>
+          <a:fillRef idx="1">
+            <a:schemeClr val="accent1"/>
+          </a:fillRef>
+          <a:effectRef idx="0">
+            <a:schemeClr val="accent1"/>
+          </a:effectRef>
+          <a:fontRef idx="minor">
+            <a:schemeClr val="lt1"/>
+          </a:fontRef>
+        </p:style>
+        <p:txBody>
+          <a:bodyPr rtlCol="0" anchor="ctr"/>
+          <a:lstStyle/>
+          <a:p>
+            <a:pPr algn="ctr"/>
+            <a:r>
+              <a:rPr lang="en-US" dirty="0">
+                <a:ln w="0"/>
+                <a:solidFill>
+                  <a:schemeClr val="tx1"/>
+                </a:solidFill>
+                <a:effectLst>
+                  <a:outerShdw blurRad="38100" dist="19050" dir="2700000" algn="tl" rotWithShape="0">
+                    <a:schemeClr val="dk1">
+                      <a:alpha val="40000"/>
+                    </a:schemeClr>
+                  </a:outerShdw>
+                </a:effectLst>
+              </a:rPr>
+              <a:t>Stock list</a:t>
+            </a:r>
+          </a:p>
+        </p:txBody>
+      </p:sp>
+      <p:sp>
+        <p:nvSpPr>
+          <p:cNvPr id="13" name="TextBox 12">
+            <a:extLst>
+              <a:ext uri="{FF2B5EF4-FFF2-40B4-BE49-F238E27FC236}">
+                <a16:creationId xmlns:a16="http://schemas.microsoft.com/office/drawing/2014/main" id="{656D51A9-0BD2-4973-263B-74E4A37F18AB}"/>
+              </a:ext>
+            </a:extLst>
+          </p:cNvPr>
+          <p:cNvSpPr txBox="1"/>
+          <p:nvPr/>
+        </p:nvSpPr>
+        <p:spPr>
+          <a:xfrm>
+            <a:off x="902772" y="3283485"/>
+            <a:ext cx="4190338" cy="523220"/>
+          </a:xfrm>
+          <a:prstGeom prst="rect">
+            <a:avLst/>
+          </a:prstGeom>
+          <a:noFill/>
+        </p:spPr>
+        <p:txBody>
+          <a:bodyPr wrap="square">
+            <a:spAutoFit/>
+          </a:bodyPr>
+          <a:lstStyle/>
+          <a:p>
+            <a:pPr algn="ctr" defTabSz="822960">
+              <a:spcAft>
+                <a:spcPts val="600"/>
+              </a:spcAft>
+            </a:pPr>
+            <a:r>
+              <a:rPr lang="en-US" sz="1400" kern="1200" dirty="0">
+                <a:latin typeface="+mn-lt"/>
+                <a:ea typeface="+mn-ea"/>
+                <a:cs typeface="+mn-cs"/>
+              </a:rPr>
+              <a:t>Select the stock and month and years you want to see the performance for</a:t>
+            </a:r>
+            <a:endParaRPr lang="en-US" sz="1600" dirty="0"/>
+          </a:p>
+        </p:txBody>
+      </p:sp>
+      <p:sp>
+        <p:nvSpPr>
+          <p:cNvPr id="21" name="Rectangle 20">
+            <a:extLst>
+              <a:ext uri="{FF2B5EF4-FFF2-40B4-BE49-F238E27FC236}">
+                <a16:creationId xmlns:a16="http://schemas.microsoft.com/office/drawing/2014/main" id="{A3EBA1AB-DED5-BD8C-9EC9-5806569DC30F}"/>
+              </a:ext>
+            </a:extLst>
+          </p:cNvPr>
+          <p:cNvSpPr/>
+          <p:nvPr/>
+        </p:nvSpPr>
+        <p:spPr>
+          <a:xfrm>
+            <a:off x="4205612" y="4096048"/>
+            <a:ext cx="796916" cy="219584"/>
+          </a:xfrm>
+          <a:prstGeom prst="rect">
+            <a:avLst/>
+          </a:prstGeom>
+          <a:solidFill>
+            <a:schemeClr val="bg1"/>
+          </a:solidFill>
+        </p:spPr>
+        <p:style>
+          <a:lnRef idx="2">
+            <a:schemeClr val="accent1">
+              <a:shade val="15000"/>
+            </a:schemeClr>
+          </a:lnRef>
+          <a:fillRef idx="1">
+            <a:schemeClr val="accent1"/>
+          </a:fillRef>
+          <a:effectRef idx="0">
+            <a:schemeClr val="accent1"/>
+          </a:effectRef>
+          <a:fontRef idx="minor">
+            <a:schemeClr val="lt1"/>
+          </a:fontRef>
+        </p:style>
+        <p:txBody>
+          <a:bodyPr rtlCol="0" anchor="ctr"/>
+          <a:lstStyle/>
+          <a:p>
+            <a:pPr algn="ctr"/>
+            <a:r>
+              <a:rPr lang="en-US" sz="1400" dirty="0">
+                <a:ln w="0"/>
+                <a:solidFill>
+                  <a:schemeClr val="tx1"/>
+                </a:solidFill>
+                <a:effectLst>
+                  <a:outerShdw blurRad="38100" dist="19050" dir="2700000" algn="tl" rotWithShape="0">
+                    <a:schemeClr val="dk1">
+                      <a:alpha val="40000"/>
+                    </a:schemeClr>
+                  </a:outerShdw>
+                </a:effectLst>
+              </a:rPr>
+              <a:t>Month</a:t>
+            </a:r>
+          </a:p>
+        </p:txBody>
+      </p:sp>
+      <p:sp>
+        <p:nvSpPr>
+          <p:cNvPr id="22" name="Rectangle 21">
+            <a:extLst>
+              <a:ext uri="{FF2B5EF4-FFF2-40B4-BE49-F238E27FC236}">
+                <a16:creationId xmlns:a16="http://schemas.microsoft.com/office/drawing/2014/main" id="{22455189-EB50-400F-3E19-0C85D2143CBE}"/>
+              </a:ext>
+            </a:extLst>
+          </p:cNvPr>
+          <p:cNvSpPr/>
+          <p:nvPr/>
+        </p:nvSpPr>
+        <p:spPr>
+          <a:xfrm>
+            <a:off x="5093110" y="4087129"/>
+            <a:ext cx="544941" cy="228503"/>
+          </a:xfrm>
+          <a:prstGeom prst="rect">
+            <a:avLst/>
+          </a:prstGeom>
+          <a:solidFill>
+            <a:schemeClr val="bg1"/>
+          </a:solidFill>
+        </p:spPr>
+        <p:style>
+          <a:lnRef idx="2">
+            <a:schemeClr val="accent1">
+              <a:shade val="15000"/>
+            </a:schemeClr>
+          </a:lnRef>
+          <a:fillRef idx="1">
+            <a:schemeClr val="accent1"/>
+          </a:fillRef>
+          <a:effectRef idx="0">
+            <a:schemeClr val="accent1"/>
+          </a:effectRef>
+          <a:fontRef idx="minor">
+            <a:schemeClr val="lt1"/>
+          </a:fontRef>
+        </p:style>
+        <p:txBody>
+          <a:bodyPr rtlCol="0" anchor="ctr"/>
+          <a:lstStyle/>
+          <a:p>
+            <a:pPr algn="ctr"/>
+            <a:r>
+              <a:rPr lang="en-US" sz="1400" dirty="0">
+                <a:ln w="0"/>
+                <a:solidFill>
+                  <a:schemeClr val="tx1"/>
+                </a:solidFill>
+                <a:effectLst>
+                  <a:outerShdw blurRad="38100" dist="19050" dir="2700000" algn="tl" rotWithShape="0">
+                    <a:schemeClr val="dk1">
+                      <a:alpha val="40000"/>
+                    </a:schemeClr>
+                  </a:outerShdw>
+                </a:effectLst>
+              </a:rPr>
+              <a:t>Year</a:t>
+            </a:r>
+            <a:endParaRPr lang="en-US" dirty="0">
+              <a:ln w="0"/>
+              <a:solidFill>
+                <a:schemeClr val="tx1"/>
+              </a:solidFill>
+              <a:effectLst>
+                <a:outerShdw blurRad="38100" dist="19050" dir="2700000" algn="tl" rotWithShape="0">
+                  <a:schemeClr val="dk1">
+                    <a:alpha val="40000"/>
+                  </a:schemeClr>
+                </a:outerShdw>
+              </a:effectLst>
+            </a:endParaRPr>
+          </a:p>
+        </p:txBody>
+      </p:sp>
+      <p:sp>
+        <p:nvSpPr>
+          <p:cNvPr id="24" name="Rectangle 23">
+            <a:extLst>
+              <a:ext uri="{FF2B5EF4-FFF2-40B4-BE49-F238E27FC236}">
+                <a16:creationId xmlns:a16="http://schemas.microsoft.com/office/drawing/2014/main" id="{373E04A8-149E-BEEB-E3A6-A245E4CF5069}"/>
+              </a:ext>
+            </a:extLst>
+          </p:cNvPr>
+          <p:cNvSpPr/>
+          <p:nvPr/>
+        </p:nvSpPr>
+        <p:spPr>
+          <a:xfrm>
+            <a:off x="2411222" y="4100965"/>
+            <a:ext cx="796916" cy="219584"/>
+          </a:xfrm>
+          <a:prstGeom prst="rect">
+            <a:avLst/>
+          </a:prstGeom>
+          <a:solidFill>
+            <a:schemeClr val="bg1"/>
+          </a:solidFill>
+        </p:spPr>
+        <p:style>
+          <a:lnRef idx="2">
+            <a:schemeClr val="accent1">
+              <a:shade val="15000"/>
+            </a:schemeClr>
+          </a:lnRef>
+          <a:fillRef idx="1">
+            <a:schemeClr val="accent1"/>
+          </a:fillRef>
+          <a:effectRef idx="0">
+            <a:schemeClr val="accent1"/>
+          </a:effectRef>
+          <a:fontRef idx="minor">
+            <a:schemeClr val="lt1"/>
+          </a:fontRef>
+        </p:style>
+        <p:txBody>
+          <a:bodyPr rtlCol="0" anchor="ctr"/>
+          <a:lstStyle/>
+          <a:p>
+            <a:pPr algn="ctr"/>
+            <a:r>
+              <a:rPr lang="en-US" sz="1400" dirty="0">
+                <a:ln w="0"/>
+                <a:solidFill>
+                  <a:schemeClr val="tx1"/>
+                </a:solidFill>
+                <a:effectLst>
+                  <a:outerShdw blurRad="38100" dist="19050" dir="2700000" algn="tl" rotWithShape="0">
+                    <a:schemeClr val="dk1">
+                      <a:alpha val="40000"/>
+                    </a:schemeClr>
+                  </a:outerShdw>
+                </a:effectLst>
+              </a:rPr>
+              <a:t>Month</a:t>
+            </a:r>
+          </a:p>
+        </p:txBody>
+      </p:sp>
+      <p:sp>
+        <p:nvSpPr>
+          <p:cNvPr id="25" name="Rectangle 24">
+            <a:extLst>
+              <a:ext uri="{FF2B5EF4-FFF2-40B4-BE49-F238E27FC236}">
+                <a16:creationId xmlns:a16="http://schemas.microsoft.com/office/drawing/2014/main" id="{FF835518-19C1-2C2D-C12E-E495AAB4131C}"/>
+              </a:ext>
+            </a:extLst>
+          </p:cNvPr>
+          <p:cNvSpPr/>
+          <p:nvPr/>
+        </p:nvSpPr>
+        <p:spPr>
+          <a:xfrm>
+            <a:off x="3298720" y="4092046"/>
+            <a:ext cx="544941" cy="228503"/>
+          </a:xfrm>
+          <a:prstGeom prst="rect">
+            <a:avLst/>
+          </a:prstGeom>
+          <a:solidFill>
+            <a:schemeClr val="bg1"/>
+          </a:solidFill>
+        </p:spPr>
+        <p:style>
+          <a:lnRef idx="2">
+            <a:schemeClr val="accent1">
+              <a:shade val="15000"/>
+            </a:schemeClr>
+          </a:lnRef>
+          <a:fillRef idx="1">
+            <a:schemeClr val="accent1"/>
+          </a:fillRef>
+          <a:effectRef idx="0">
+            <a:schemeClr val="accent1"/>
+          </a:effectRef>
+          <a:fontRef idx="minor">
+            <a:schemeClr val="lt1"/>
+          </a:fontRef>
+        </p:style>
+        <p:txBody>
+          <a:bodyPr rtlCol="0" anchor="ctr"/>
+          <a:lstStyle/>
+          <a:p>
+            <a:pPr algn="ctr"/>
+            <a:r>
+              <a:rPr lang="en-US" sz="1400" dirty="0">
+                <a:ln w="0"/>
+                <a:solidFill>
+                  <a:schemeClr val="tx1"/>
+                </a:solidFill>
+                <a:effectLst>
+                  <a:outerShdw blurRad="38100" dist="19050" dir="2700000" algn="tl" rotWithShape="0">
+                    <a:schemeClr val="dk1">
+                      <a:alpha val="40000"/>
+                    </a:schemeClr>
+                  </a:outerShdw>
+                </a:effectLst>
+              </a:rPr>
+              <a:t>Year</a:t>
+            </a:r>
+            <a:endParaRPr lang="en-US" dirty="0">
+              <a:ln w="0"/>
+              <a:solidFill>
+                <a:schemeClr val="tx1"/>
+              </a:solidFill>
+              <a:effectLst>
+                <a:outerShdw blurRad="38100" dist="19050" dir="2700000" algn="tl" rotWithShape="0">
+                  <a:schemeClr val="dk1">
+                    <a:alpha val="40000"/>
+                  </a:schemeClr>
+                </a:outerShdw>
+              </a:effectLst>
+            </a:endParaRPr>
+          </a:p>
+        </p:txBody>
+      </p:sp>
+      <p:sp>
+        <p:nvSpPr>
+          <p:cNvPr id="29" name="TextBox 28">
+            <a:extLst>
+              <a:ext uri="{FF2B5EF4-FFF2-40B4-BE49-F238E27FC236}">
+                <a16:creationId xmlns:a16="http://schemas.microsoft.com/office/drawing/2014/main" id="{9B4A7D39-B4EC-461A-FA29-AE51935C1B73}"/>
+              </a:ext>
+            </a:extLst>
+          </p:cNvPr>
+          <p:cNvSpPr txBox="1"/>
+          <p:nvPr/>
+        </p:nvSpPr>
+        <p:spPr>
+          <a:xfrm>
+            <a:off x="1765638" y="4063462"/>
+            <a:ext cx="679754" cy="307777"/>
+          </a:xfrm>
+          <a:prstGeom prst="rect">
+            <a:avLst/>
+          </a:prstGeom>
+          <a:noFill/>
+        </p:spPr>
+        <p:txBody>
+          <a:bodyPr wrap="square">
+            <a:spAutoFit/>
+          </a:bodyPr>
+          <a:lstStyle/>
+          <a:p>
+            <a:pPr algn="ctr" defTabSz="822960">
+              <a:spcAft>
+                <a:spcPts val="600"/>
+              </a:spcAft>
+            </a:pPr>
+            <a:r>
+              <a:rPr lang="en-US" sz="1400" kern="1200" dirty="0">
+                <a:latin typeface="+mn-lt"/>
+                <a:ea typeface="+mn-ea"/>
+                <a:cs typeface="+mn-cs"/>
+              </a:rPr>
+              <a:t>FROM</a:t>
+            </a:r>
+            <a:endParaRPr lang="en-US" sz="1600" dirty="0"/>
+          </a:p>
+        </p:txBody>
+      </p:sp>
+      <p:sp>
+        <p:nvSpPr>
+          <p:cNvPr id="31" name="TextBox 30">
+            <a:extLst>
+              <a:ext uri="{FF2B5EF4-FFF2-40B4-BE49-F238E27FC236}">
+                <a16:creationId xmlns:a16="http://schemas.microsoft.com/office/drawing/2014/main" id="{0835D7E1-502B-A1C7-D754-9D04D4949DA6}"/>
+              </a:ext>
+            </a:extLst>
+          </p:cNvPr>
+          <p:cNvSpPr txBox="1"/>
+          <p:nvPr/>
+        </p:nvSpPr>
+        <p:spPr>
+          <a:xfrm>
+            <a:off x="3835330" y="4078214"/>
+            <a:ext cx="412434" cy="307777"/>
+          </a:xfrm>
+          <a:prstGeom prst="rect">
+            <a:avLst/>
+          </a:prstGeom>
+          <a:noFill/>
+        </p:spPr>
+        <p:txBody>
+          <a:bodyPr wrap="square">
+            <a:spAutoFit/>
+          </a:bodyPr>
+          <a:lstStyle/>
+          <a:p>
+            <a:pPr algn="ctr" defTabSz="822960">
+              <a:spcAft>
+                <a:spcPts val="600"/>
+              </a:spcAft>
+            </a:pPr>
+            <a:r>
+              <a:rPr lang="en-US" sz="1400" kern="1200" dirty="0">
+                <a:latin typeface="+mn-lt"/>
+                <a:ea typeface="+mn-ea"/>
+                <a:cs typeface="+mn-cs"/>
+              </a:rPr>
+              <a:t>TO</a:t>
+            </a:r>
+            <a:endParaRPr lang="en-US" sz="1600" dirty="0"/>
+          </a:p>
+        </p:txBody>
+      </p:sp>
+    </p:spTree>
+    <p:extLst>
+      <p:ext uri="{BB962C8B-B14F-4D97-AF65-F5344CB8AC3E}">
+        <p14:creationId xmlns:p14="http://schemas.microsoft.com/office/powerpoint/2010/main" val="489266148"/>
+      </p:ext>
+    </p:extLst>
+  </p:cSld>
+  <p:clrMapOvr>
+    <a:masterClrMapping/>
+  </p:clrMapOvr>
+</p:sld>
+</file>
+
+<file path=ppt/slides/slide5.xml><?xml version="1.0" encoding="utf-8"?>
 <p:sld xmlns:a="http://schemas.openxmlformats.org/drawingml/2006/main" xmlns:r="http://schemas.openxmlformats.org/officeDocument/2006/relationships" xmlns:p="http://schemas.openxmlformats.org/presentationml/2006/main">
   <p:cSld>
     <p:spTree>
@@ -8100,14 +12718,14 @@
           <p:nvPr>
             <p:extLst>
               <p:ext uri="{D42A27DB-BD31-4B8C-83A1-F6EECF244321}">
-                <p14:modId xmlns:p14="http://schemas.microsoft.com/office/powerpoint/2010/main" val="2691918078"/>
+                <p14:modId xmlns:p14="http://schemas.microsoft.com/office/powerpoint/2010/main" val="1865476554"/>
               </p:ext>
             </p:extLst>
           </p:nvPr>
         </p:nvGraphicFramePr>
         <p:xfrm>
-          <a:off x="1154811" y="940880"/>
-          <a:ext cx="9882377" cy="4673894"/>
+          <a:off x="838201" y="678426"/>
+          <a:ext cx="10704870" cy="5938686"/>
         </p:xfrm>
         <a:graphic>
           <a:graphicData uri="http://schemas.openxmlformats.org/drawingml/2006/table">
@@ -8116,49 +12734,49 @@
                 <a:tableStyleId>{5C22544A-7EE6-4342-B048-85BDC9FD1C3A}</a:tableStyleId>
               </a:tblPr>
               <a:tblGrid>
-                <a:gridCol w="393469">
+                <a:gridCol w="426217">
                   <a:extLst>
                     <a:ext uri="{9D8B030D-6E8A-4147-A177-3AD203B41FA5}">
                       <a16:colId xmlns:a16="http://schemas.microsoft.com/office/drawing/2014/main" val="583914657"/>
                     </a:ext>
                   </a:extLst>
                 </a:gridCol>
-                <a:gridCol w="1970504">
+                <a:gridCol w="2134506">
                   <a:extLst>
                     <a:ext uri="{9D8B030D-6E8A-4147-A177-3AD203B41FA5}">
                       <a16:colId xmlns:a16="http://schemas.microsoft.com/office/drawing/2014/main" val="2845456519"/>
                     </a:ext>
                   </a:extLst>
                 </a:gridCol>
-                <a:gridCol w="4112643">
+                <a:gridCol w="4454932">
                   <a:extLst>
                     <a:ext uri="{9D8B030D-6E8A-4147-A177-3AD203B41FA5}">
                       <a16:colId xmlns:a16="http://schemas.microsoft.com/office/drawing/2014/main" val="1931804579"/>
                     </a:ext>
                   </a:extLst>
                 </a:gridCol>
-                <a:gridCol w="946515">
+                <a:gridCol w="1025291">
                   <a:extLst>
                     <a:ext uri="{9D8B030D-6E8A-4147-A177-3AD203B41FA5}">
                       <a16:colId xmlns:a16="http://schemas.microsoft.com/office/drawing/2014/main" val="2452117308"/>
                     </a:ext>
                   </a:extLst>
                 </a:gridCol>
-                <a:gridCol w="806291">
+                <a:gridCol w="873397">
                   <a:extLst>
                     <a:ext uri="{9D8B030D-6E8A-4147-A177-3AD203B41FA5}">
                       <a16:colId xmlns:a16="http://schemas.microsoft.com/office/drawing/2014/main" val="2387551364"/>
                     </a:ext>
                   </a:extLst>
                 </a:gridCol>
-                <a:gridCol w="753706">
+                <a:gridCol w="816435">
                   <a:extLst>
                     <a:ext uri="{9D8B030D-6E8A-4147-A177-3AD203B41FA5}">
                       <a16:colId xmlns:a16="http://schemas.microsoft.com/office/drawing/2014/main" val="135673629"/>
                     </a:ext>
                   </a:extLst>
                 </a:gridCol>
-                <a:gridCol w="899249">
+                <a:gridCol w="974092">
                   <a:extLst>
                     <a:ext uri="{9D8B030D-6E8A-4147-A177-3AD203B41FA5}">
                       <a16:colId xmlns:a16="http://schemas.microsoft.com/office/drawing/2014/main" val="84743874"/>
@@ -8166,7 +12784,7 @@
                   </a:extLst>
                 </a:gridCol>
               </a:tblGrid>
-              <a:tr h="349376">
+              <a:tr h="443920">
                 <a:tc>
                   <a:txBody>
                     <a:bodyPr/>
@@ -8333,7 +12951,7 @@
                   </a:ext>
                 </a:extLst>
               </a:tr>
-              <a:tr h="675704">
+              <a:tr h="858555">
                 <a:tc>
                   <a:txBody>
                     <a:bodyPr/>
@@ -8549,7 +13167,7 @@
                   </a:ext>
                 </a:extLst>
               </a:tr>
-              <a:tr h="430734">
+              <a:tr h="547294">
                 <a:tc>
                   <a:txBody>
                     <a:bodyPr/>
@@ -8580,12 +13198,18 @@
                     <a:p>
                       <a:pPr algn="l" rtl="0" fontAlgn="t"/>
                       <a:r>
-                        <a:rPr lang="en-US" sz="1200" u="none" strike="noStrike">
+                        <a:rPr lang="en-US" sz="1200" u="none" strike="noStrike" dirty="0" err="1">
                           <a:effectLst/>
                         </a:rPr>
-                        <a:t>Github Repo creation</a:t>
+                        <a:t>Github</a:t>
                       </a:r>
-                      <a:endParaRPr lang="en-US" sz="1200" b="0" i="0" u="none" strike="noStrike">
+                      <a:r>
+                        <a:rPr lang="en-US" sz="1200" u="none" strike="noStrike" dirty="0">
+                          <a:effectLst/>
+                        </a:rPr>
+                        <a:t> Repo creation</a:t>
+                      </a:r>
+                      <a:endParaRPr lang="en-US" sz="1200" b="0" i="0" u="none" strike="noStrike" dirty="0">
                         <a:solidFill>
                           <a:srgbClr val="000000"/>
                         </a:solidFill>
@@ -8603,12 +13227,12 @@
                     <a:p>
                       <a:pPr algn="l" rtl="0" fontAlgn="t"/>
                       <a:r>
-                        <a:rPr lang="en-US" sz="1200" u="none" strike="noStrike">
+                        <a:rPr lang="en-US" sz="1200" u="none" strike="noStrike" dirty="0">
                           <a:effectLst/>
                         </a:rPr>
                         <a:t>Create 3 branches</a:t>
                       </a:r>
-                      <a:endParaRPr lang="en-US" sz="1200" b="0" i="0" u="none" strike="noStrike">
+                      <a:endParaRPr lang="en-US" sz="1200" b="0" i="0" u="none" strike="noStrike" dirty="0">
                         <a:solidFill>
                           <a:srgbClr val="000000"/>
                         </a:solidFill>
@@ -8716,7 +13340,7 @@
                   </a:ext>
                 </a:extLst>
               </a:tr>
-              <a:tr h="362208">
+              <a:tr h="474419">
                 <a:tc>
                   <a:txBody>
                     <a:bodyPr/>
@@ -8805,12 +13429,12 @@
                     <a:p>
                       <a:pPr algn="l" rtl="0" fontAlgn="t"/>
                       <a:r>
-                        <a:rPr lang="en-US" sz="1200" u="none" strike="noStrike">
+                        <a:rPr lang="en-US" sz="1200" u="none" strike="noStrike" dirty="0" err="1">
                           <a:effectLst/>
                         </a:rPr>
                         <a:t>Ipsita</a:t>
                       </a:r>
-                      <a:endParaRPr lang="en-US" sz="1200" b="0" i="0" u="none" strike="noStrike">
+                      <a:endParaRPr lang="en-US" sz="1200" b="0" i="0" u="none" strike="noStrike" dirty="0">
                         <a:solidFill>
                           <a:srgbClr val="000000"/>
                         </a:solidFill>
@@ -8895,7 +13519,7 @@
                   </a:ext>
                 </a:extLst>
               </a:tr>
-              <a:tr h="557997">
+              <a:tr h="708995">
                 <a:tc>
                   <a:txBody>
                     <a:bodyPr/>
@@ -8952,13 +13576,7 @@
                         <a:rPr lang="en-US" sz="1200" u="none" strike="noStrike" dirty="0">
                           <a:effectLst/>
                         </a:rPr>
-                        <a:t>Pull JSON data through URL </a:t>
-                      </a:r>
-                      <a:r>
-                        <a:rPr lang="en-US" sz="1200" u="none" strike="noStrike">
-                          <a:effectLst/>
-                        </a:rPr>
-                        <a:t>- https://rapidapi.com/api4stocks/api/apistocks</a:t>
+                        <a:t>Pull JSON data through URL - https://rapidapi.com/api4stocks/api/apistocks</a:t>
                       </a:r>
                       <a:endParaRPr lang="en-US" sz="1200" b="0" i="0" u="none" strike="noStrike" dirty="0">
                         <a:solidFill>
@@ -9068,7 +13686,7 @@
                   </a:ext>
                 </a:extLst>
               </a:tr>
-              <a:tr h="401365">
+              <a:tr h="509978">
                 <a:tc>
                   <a:txBody>
                     <a:bodyPr/>
@@ -9235,7 +13853,7 @@
                   </a:ext>
                 </a:extLst>
               </a:tr>
-              <a:tr h="573099">
+              <a:tr h="728184">
                 <a:tc>
                   <a:txBody>
                     <a:bodyPr/>
@@ -9438,7 +14056,7 @@
                   </a:ext>
                 </a:extLst>
               </a:tr>
-              <a:tr h="573099">
+              <a:tr h="939157">
                 <a:tc>
                   <a:txBody>
                     <a:bodyPr/>
@@ -9715,7 +14333,7 @@
                   </a:ext>
                 </a:extLst>
               </a:tr>
-              <a:tr h="573099">
+              <a:tr h="728184">
                 <a:tc>
                   <a:txBody>
                     <a:bodyPr/>

--- a/Stock_market_dasboard_plan.pptx
+++ b/Stock_market_dasboard_plan.pptx
@@ -5,9 +5,11 @@
     <p:sldMasterId id="2147483648" r:id="rId1"/>
   </p:sldMasterIdLst>
   <p:sldIdLst>
-    <p:sldId id="257" r:id="rId2"/>
-    <p:sldId id="256" r:id="rId3"/>
-    <p:sldId id="260" r:id="rId4"/>
+    <p:sldId id="261" r:id="rId2"/>
+    <p:sldId id="257" r:id="rId3"/>
+    <p:sldId id="256" r:id="rId4"/>
+    <p:sldId id="262" r:id="rId5"/>
+    <p:sldId id="260" r:id="rId6"/>
   </p:sldIdLst>
   <p:sldSz cx="12192000" cy="6858000"/>
   <p:notesSz cx="6858000" cy="9144000"/>
@@ -261,7 +263,7 @@
           <a:p>
             <a:fld id="{42F7D9E6-9273-4860-83CF-E9331A9893FE}" type="datetimeFigureOut">
               <a:rPr lang="en-US" smtClean="0"/>
-              <a:t>4/6/2024</a:t>
+              <a:t>4/9/2024</a:t>
             </a:fld>
             <a:endParaRPr lang="en-US"/>
           </a:p>
@@ -459,7 +461,7 @@
           <a:p>
             <a:fld id="{42F7D9E6-9273-4860-83CF-E9331A9893FE}" type="datetimeFigureOut">
               <a:rPr lang="en-US" smtClean="0"/>
-              <a:t>4/6/2024</a:t>
+              <a:t>4/9/2024</a:t>
             </a:fld>
             <a:endParaRPr lang="en-US"/>
           </a:p>
@@ -667,7 +669,7 @@
           <a:p>
             <a:fld id="{42F7D9E6-9273-4860-83CF-E9331A9893FE}" type="datetimeFigureOut">
               <a:rPr lang="en-US" smtClean="0"/>
-              <a:t>4/6/2024</a:t>
+              <a:t>4/9/2024</a:t>
             </a:fld>
             <a:endParaRPr lang="en-US"/>
           </a:p>
@@ -865,7 +867,7 @@
           <a:p>
             <a:fld id="{42F7D9E6-9273-4860-83CF-E9331A9893FE}" type="datetimeFigureOut">
               <a:rPr lang="en-US" smtClean="0"/>
-              <a:t>4/6/2024</a:t>
+              <a:t>4/9/2024</a:t>
             </a:fld>
             <a:endParaRPr lang="en-US"/>
           </a:p>
@@ -1140,7 +1142,7 @@
           <a:p>
             <a:fld id="{42F7D9E6-9273-4860-83CF-E9331A9893FE}" type="datetimeFigureOut">
               <a:rPr lang="en-US" smtClean="0"/>
-              <a:t>4/6/2024</a:t>
+              <a:t>4/9/2024</a:t>
             </a:fld>
             <a:endParaRPr lang="en-US"/>
           </a:p>
@@ -1405,7 +1407,7 @@
           <a:p>
             <a:fld id="{42F7D9E6-9273-4860-83CF-E9331A9893FE}" type="datetimeFigureOut">
               <a:rPr lang="en-US" smtClean="0"/>
-              <a:t>4/6/2024</a:t>
+              <a:t>4/9/2024</a:t>
             </a:fld>
             <a:endParaRPr lang="en-US"/>
           </a:p>
@@ -1817,7 +1819,7 @@
           <a:p>
             <a:fld id="{42F7D9E6-9273-4860-83CF-E9331A9893FE}" type="datetimeFigureOut">
               <a:rPr lang="en-US" smtClean="0"/>
-              <a:t>4/6/2024</a:t>
+              <a:t>4/9/2024</a:t>
             </a:fld>
             <a:endParaRPr lang="en-US"/>
           </a:p>
@@ -1958,7 +1960,7 @@
           <a:p>
             <a:fld id="{42F7D9E6-9273-4860-83CF-E9331A9893FE}" type="datetimeFigureOut">
               <a:rPr lang="en-US" smtClean="0"/>
-              <a:t>4/6/2024</a:t>
+              <a:t>4/9/2024</a:t>
             </a:fld>
             <a:endParaRPr lang="en-US"/>
           </a:p>
@@ -2071,7 +2073,7 @@
           <a:p>
             <a:fld id="{42F7D9E6-9273-4860-83CF-E9331A9893FE}" type="datetimeFigureOut">
               <a:rPr lang="en-US" smtClean="0"/>
-              <a:t>4/6/2024</a:t>
+              <a:t>4/9/2024</a:t>
             </a:fld>
             <a:endParaRPr lang="en-US"/>
           </a:p>
@@ -2382,7 +2384,7 @@
           <a:p>
             <a:fld id="{42F7D9E6-9273-4860-83CF-E9331A9893FE}" type="datetimeFigureOut">
               <a:rPr lang="en-US" smtClean="0"/>
-              <a:t>4/6/2024</a:t>
+              <a:t>4/9/2024</a:t>
             </a:fld>
             <a:endParaRPr lang="en-US"/>
           </a:p>
@@ -2670,7 +2672,7 @@
           <a:p>
             <a:fld id="{42F7D9E6-9273-4860-83CF-E9331A9893FE}" type="datetimeFigureOut">
               <a:rPr lang="en-US" smtClean="0"/>
-              <a:t>4/6/2024</a:t>
+              <a:t>4/9/2024</a:t>
             </a:fld>
             <a:endParaRPr lang="en-US"/>
           </a:p>
@@ -2911,7 +2913,7 @@
           <a:p>
             <a:fld id="{42F7D9E6-9273-4860-83CF-E9331A9893FE}" type="datetimeFigureOut">
               <a:rPr lang="en-US" smtClean="0"/>
-              <a:t>4/6/2024</a:t>
+              <a:t>4/9/2024</a:t>
             </a:fld>
             <a:endParaRPr lang="en-US"/>
           </a:p>
@@ -3338,6 +3340,3330 @@
       </p:grpSpPr>
       <p:sp useBgFill="1">
         <p:nvSpPr>
+          <p:cNvPr id="8" name="Rectangle 7">
+            <a:extLst>
+              <a:ext uri="{FF2B5EF4-FFF2-40B4-BE49-F238E27FC236}">
+                <a16:creationId xmlns:a16="http://schemas.microsoft.com/office/drawing/2014/main" id="{18873D23-2DCF-4B31-A009-95721C06E8E1}"/>
+              </a:ext>
+              <a:ext uri="{C183D7F6-B498-43B3-948B-1728B52AA6E4}">
+                <adec:decorative xmlns:adec="http://schemas.microsoft.com/office/drawing/2017/decorative" val="1"/>
+              </a:ext>
+            </a:extLst>
+          </p:cNvPr>
+          <p:cNvSpPr>
+            <a:spLocks noGrp="1" noRot="1" noChangeAspect="1" noMove="1" noResize="1" noEditPoints="1" noAdjustHandles="1" noChangeArrowheads="1" noChangeShapeType="1" noTextEdit="1"/>
+          </p:cNvSpPr>
+          <p:nvPr>
+            <p:extLst>
+              <p:ext uri="{386F3935-93C4-4BCD-93E2-E3B085C9AB24}">
+                <p16:designElem xmlns:p16="http://schemas.microsoft.com/office/powerpoint/2015/main" val="1"/>
+              </p:ext>
+            </p:extLst>
+          </p:nvPr>
+        </p:nvSpPr>
+        <p:spPr>
+          <a:xfrm>
+            <a:off x="0" y="1"/>
+            <a:ext cx="12191695" cy="6858000"/>
+          </a:xfrm>
+          <a:prstGeom prst="rect">
+            <a:avLst/>
+          </a:prstGeom>
+          <a:ln>
+            <a:noFill/>
+          </a:ln>
+        </p:spPr>
+        <p:style>
+          <a:lnRef idx="2">
+            <a:schemeClr val="accent1">
+              <a:shade val="50000"/>
+            </a:schemeClr>
+          </a:lnRef>
+          <a:fillRef idx="1">
+            <a:schemeClr val="accent1"/>
+          </a:fillRef>
+          <a:effectRef idx="0">
+            <a:schemeClr val="accent1"/>
+          </a:effectRef>
+          <a:fontRef idx="minor">
+            <a:schemeClr val="lt1"/>
+          </a:fontRef>
+        </p:style>
+        <p:txBody>
+          <a:bodyPr rtlCol="0" anchor="ctr"/>
+          <a:lstStyle/>
+          <a:p>
+            <a:pPr algn="ctr"/>
+            <a:endParaRPr lang="en-US"/>
+          </a:p>
+        </p:txBody>
+      </p:sp>
+      <p:sp>
+        <p:nvSpPr>
+          <p:cNvPr id="10" name="Rectangle 9">
+            <a:extLst>
+              <a:ext uri="{FF2B5EF4-FFF2-40B4-BE49-F238E27FC236}">
+                <a16:creationId xmlns:a16="http://schemas.microsoft.com/office/drawing/2014/main" id="{C13EF075-D4EF-4929-ADBC-91B27DA19955}"/>
+              </a:ext>
+              <a:ext uri="{C183D7F6-B498-43B3-948B-1728B52AA6E4}">
+                <adec:decorative xmlns:adec="http://schemas.microsoft.com/office/drawing/2017/decorative" val="1"/>
+              </a:ext>
+            </a:extLst>
+          </p:cNvPr>
+          <p:cNvSpPr>
+            <a:spLocks noGrp="1" noRot="1" noChangeAspect="1" noMove="1" noResize="1" noEditPoints="1" noAdjustHandles="1" noChangeArrowheads="1" noChangeShapeType="1" noTextEdit="1"/>
+          </p:cNvSpPr>
+          <p:nvPr>
+            <p:extLst>
+              <p:ext uri="{386F3935-93C4-4BCD-93E2-E3B085C9AB24}">
+                <p16:designElem xmlns:p16="http://schemas.microsoft.com/office/powerpoint/2015/main" val="1"/>
+              </p:ext>
+            </p:extLst>
+          </p:nvPr>
+        </p:nvSpPr>
+        <p:spPr>
+          <a:xfrm>
+            <a:off x="305" y="0"/>
+            <a:ext cx="12191695" cy="6858000"/>
+          </a:xfrm>
+          <a:prstGeom prst="rect">
+            <a:avLst/>
+          </a:prstGeom>
+          <a:solidFill>
+            <a:schemeClr val="bg1"/>
+          </a:solidFill>
+          <a:ln>
+            <a:noFill/>
+          </a:ln>
+        </p:spPr>
+        <p:style>
+          <a:lnRef idx="2">
+            <a:schemeClr val="accent1">
+              <a:shade val="50000"/>
+            </a:schemeClr>
+          </a:lnRef>
+          <a:fillRef idx="1">
+            <a:schemeClr val="accent1"/>
+          </a:fillRef>
+          <a:effectRef idx="0">
+            <a:schemeClr val="accent1"/>
+          </a:effectRef>
+          <a:fontRef idx="minor">
+            <a:schemeClr val="lt1"/>
+          </a:fontRef>
+        </p:style>
+        <p:txBody>
+          <a:bodyPr rtlCol="0" anchor="ctr"/>
+          <a:lstStyle/>
+          <a:p>
+            <a:pPr algn="ctr"/>
+            <a:endParaRPr lang="en-US" sz="800"/>
+          </a:p>
+        </p:txBody>
+      </p:sp>
+      <p:grpSp>
+        <p:nvGrpSpPr>
+          <p:cNvPr id="12" name="Group 11">
+            <a:extLst>
+              <a:ext uri="{FF2B5EF4-FFF2-40B4-BE49-F238E27FC236}">
+                <a16:creationId xmlns:a16="http://schemas.microsoft.com/office/drawing/2014/main" id="{DAA26DFA-AAB2-4973-9C17-16D587C7B198}"/>
+              </a:ext>
+              <a:ext uri="{C183D7F6-B498-43B3-948B-1728B52AA6E4}">
+                <adec:decorative xmlns:adec="http://schemas.microsoft.com/office/drawing/2017/decorative" val="1"/>
+              </a:ext>
+            </a:extLst>
+          </p:cNvPr>
+          <p:cNvGrpSpPr>
+            <a:grpSpLocks noGrp="1" noUngrp="1" noRot="1" noChangeAspect="1" noMove="1" noResize="1"/>
+          </p:cNvGrpSpPr>
+          <p:nvPr>
+            <p:extLst>
+              <p:ext uri="{386F3935-93C4-4BCD-93E2-E3B085C9AB24}">
+                <p16:designElem xmlns:p16="http://schemas.microsoft.com/office/powerpoint/2015/main" val="1"/>
+              </p:ext>
+            </p:extLst>
+          </p:nvPr>
+        </p:nvGrpSpPr>
+        <p:grpSpPr>
+          <a:xfrm>
+            <a:off x="-21863" y="508838"/>
+            <a:ext cx="5217958" cy="6239661"/>
+            <a:chOff x="-19221" y="251144"/>
+            <a:chExt cx="5217958" cy="6239661"/>
+          </a:xfrm>
+        </p:grpSpPr>
+        <p:sp>
+          <p:nvSpPr>
+            <p:cNvPr id="13" name="Freeform: Shape 12">
+              <a:extLst>
+                <a:ext uri="{FF2B5EF4-FFF2-40B4-BE49-F238E27FC236}">
+                  <a16:creationId xmlns:a16="http://schemas.microsoft.com/office/drawing/2014/main" id="{3F407F11-7321-4BF6-8536-CCE8E342454B}"/>
+                </a:ext>
+                <a:ext uri="{C183D7F6-B498-43B3-948B-1728B52AA6E4}">
+                  <adec:decorative xmlns:adec="http://schemas.microsoft.com/office/drawing/2017/decorative" val="1"/>
+                </a:ext>
+              </a:extLst>
+            </p:cNvPr>
+            <p:cNvSpPr/>
+            <p:nvPr>
+              <p:extLst>
+                <p:ext uri="{386F3935-93C4-4BCD-93E2-E3B085C9AB24}">
+                  <p16:designElem xmlns:p16="http://schemas.microsoft.com/office/powerpoint/2015/main" val="1"/>
+                </p:ext>
+              </p:extLst>
+            </p:nvPr>
+          </p:nvSpPr>
+          <p:spPr>
+            <a:xfrm>
+              <a:off x="-19221" y="251144"/>
+              <a:ext cx="5187198" cy="6239661"/>
+            </a:xfrm>
+            <a:custGeom>
+              <a:avLst/>
+              <a:gdLst>
+                <a:gd name="connsiteX0" fmla="*/ 2011811 w 5187198"/>
+                <a:gd name="connsiteY0" fmla="*/ 4 h 6239661"/>
+                <a:gd name="connsiteX1" fmla="*/ 2617011 w 5187198"/>
+                <a:gd name="connsiteY1" fmla="*/ 70590 h 6239661"/>
+                <a:gd name="connsiteX2" fmla="*/ 2690321 w 5187198"/>
+                <a:gd name="connsiteY2" fmla="*/ 88146 h 6239661"/>
+                <a:gd name="connsiteX3" fmla="*/ 2726863 w 5187198"/>
+                <a:gd name="connsiteY3" fmla="*/ 97127 h 6239661"/>
+                <a:gd name="connsiteX4" fmla="*/ 2762951 w 5187198"/>
+                <a:gd name="connsiteY4" fmla="*/ 107375 h 6239661"/>
+                <a:gd name="connsiteX5" fmla="*/ 2834843 w 5187198"/>
+                <a:gd name="connsiteY5" fmla="*/ 128493 h 6239661"/>
+                <a:gd name="connsiteX6" fmla="*/ 2906574 w 5187198"/>
+                <a:gd name="connsiteY6" fmla="*/ 151076 h 6239661"/>
+                <a:gd name="connsiteX7" fmla="*/ 3049504 w 5187198"/>
+                <a:gd name="connsiteY7" fmla="*/ 202124 h 6239661"/>
+                <a:gd name="connsiteX8" fmla="*/ 3189518 w 5187198"/>
+                <a:gd name="connsiteY8" fmla="*/ 260159 h 6239661"/>
+                <a:gd name="connsiteX9" fmla="*/ 3326048 w 5187198"/>
+                <a:gd name="connsiteY9" fmla="*/ 325143 h 6239661"/>
+                <a:gd name="connsiteX10" fmla="*/ 3459166 w 5187198"/>
+                <a:gd name="connsiteY10" fmla="*/ 395936 h 6239661"/>
+                <a:gd name="connsiteX11" fmla="*/ 3588578 w 5187198"/>
+                <a:gd name="connsiteY11" fmla="*/ 472343 h 6239661"/>
+                <a:gd name="connsiteX12" fmla="*/ 3651864 w 5187198"/>
+                <a:gd name="connsiteY12" fmla="*/ 512600 h 6239661"/>
+                <a:gd name="connsiteX13" fmla="*/ 3714514 w 5187198"/>
+                <a:gd name="connsiteY13" fmla="*/ 553499 h 6239661"/>
+                <a:gd name="connsiteX14" fmla="*/ 4181221 w 5187198"/>
+                <a:gd name="connsiteY14" fmla="*/ 922912 h 6239661"/>
+                <a:gd name="connsiteX15" fmla="*/ 4582963 w 5187198"/>
+                <a:gd name="connsiteY15" fmla="*/ 1358264 h 6239661"/>
+                <a:gd name="connsiteX16" fmla="*/ 4670721 w 5187198"/>
+                <a:gd name="connsiteY16" fmla="*/ 1477644 h 6239661"/>
+                <a:gd name="connsiteX17" fmla="*/ 4752378 w 5187198"/>
+                <a:gd name="connsiteY17" fmla="*/ 1601187 h 6239661"/>
+                <a:gd name="connsiteX18" fmla="*/ 4772168 w 5187198"/>
+                <a:gd name="connsiteY18" fmla="*/ 1632456 h 6239661"/>
+                <a:gd name="connsiteX19" fmla="*/ 4782117 w 5187198"/>
+                <a:gd name="connsiteY19" fmla="*/ 1648104 h 6239661"/>
+                <a:gd name="connsiteX20" fmla="*/ 4791381 w 5187198"/>
+                <a:gd name="connsiteY20" fmla="*/ 1664150 h 6239661"/>
+                <a:gd name="connsiteX21" fmla="*/ 4828190 w 5187198"/>
+                <a:gd name="connsiteY21" fmla="*/ 1728379 h 6239661"/>
+                <a:gd name="connsiteX22" fmla="*/ 4864832 w 5187198"/>
+                <a:gd name="connsiteY22" fmla="*/ 1792796 h 6239661"/>
+                <a:gd name="connsiteX23" fmla="*/ 4899201 w 5187198"/>
+                <a:gd name="connsiteY23" fmla="*/ 1858342 h 6239661"/>
+                <a:gd name="connsiteX24" fmla="*/ 4933266 w 5187198"/>
+                <a:gd name="connsiteY24" fmla="*/ 1924155 h 6239661"/>
+                <a:gd name="connsiteX25" fmla="*/ 4964403 w 5187198"/>
+                <a:gd name="connsiteY25" fmla="*/ 1991384 h 6239661"/>
+                <a:gd name="connsiteX26" fmla="*/ 4995019 w 5187198"/>
+                <a:gd name="connsiteY26" fmla="*/ 2058823 h 6239661"/>
+                <a:gd name="connsiteX27" fmla="*/ 5021999 w 5187198"/>
+                <a:gd name="connsiteY27" fmla="*/ 2127723 h 6239661"/>
+                <a:gd name="connsiteX28" fmla="*/ 5048321 w 5187198"/>
+                <a:gd name="connsiteY28" fmla="*/ 2196908 h 6239661"/>
+                <a:gd name="connsiteX29" fmla="*/ 5070546 w 5187198"/>
+                <a:gd name="connsiteY29" fmla="*/ 2267547 h 6239661"/>
+                <a:gd name="connsiteX30" fmla="*/ 5092171 w 5187198"/>
+                <a:gd name="connsiteY30" fmla="*/ 2338256 h 6239661"/>
+                <a:gd name="connsiteX31" fmla="*/ 5110305 w 5187198"/>
+                <a:gd name="connsiteY31" fmla="*/ 2409886 h 6239661"/>
+                <a:gd name="connsiteX32" fmla="*/ 5186393 w 5187198"/>
+                <a:gd name="connsiteY32" fmla="*/ 2992022 h 6239661"/>
+                <a:gd name="connsiteX33" fmla="*/ 5149045 w 5187198"/>
+                <a:gd name="connsiteY33" fmla="*/ 3571816 h 6239661"/>
+                <a:gd name="connsiteX34" fmla="*/ 5126572 w 5187198"/>
+                <a:gd name="connsiteY34" fmla="*/ 3714520 h 6239661"/>
+                <a:gd name="connsiteX35" fmla="*/ 5099067 w 5187198"/>
+                <a:gd name="connsiteY35" fmla="*/ 3856108 h 6239661"/>
+                <a:gd name="connsiteX36" fmla="*/ 5095699 w 5187198"/>
+                <a:gd name="connsiteY36" fmla="*/ 3873868 h 6239661"/>
+                <a:gd name="connsiteX37" fmla="*/ 5091573 w 5187198"/>
+                <a:gd name="connsiteY37" fmla="*/ 3891426 h 6239661"/>
+                <a:gd name="connsiteX38" fmla="*/ 5083324 w 5187198"/>
+                <a:gd name="connsiteY38" fmla="*/ 3926541 h 6239661"/>
+                <a:gd name="connsiteX39" fmla="*/ 5067256 w 5187198"/>
+                <a:gd name="connsiteY39" fmla="*/ 3996889 h 6239661"/>
+                <a:gd name="connsiteX40" fmla="*/ 5059194 w 5187198"/>
+                <a:gd name="connsiteY40" fmla="*/ 4032171 h 6239661"/>
+                <a:gd name="connsiteX41" fmla="*/ 5049522 w 5187198"/>
+                <a:gd name="connsiteY41" fmla="*/ 4067833 h 6239661"/>
+                <a:gd name="connsiteX42" fmla="*/ 5040067 w 5187198"/>
+                <a:gd name="connsiteY42" fmla="*/ 4103553 h 6239661"/>
+                <a:gd name="connsiteX43" fmla="*/ 5028960 w 5187198"/>
+                <a:gd name="connsiteY43" fmla="*/ 4138946 h 6239661"/>
+                <a:gd name="connsiteX44" fmla="*/ 4917351 w 5187198"/>
+                <a:gd name="connsiteY44" fmla="*/ 4417041 h 6239661"/>
+                <a:gd name="connsiteX45" fmla="*/ 4756163 w 5187198"/>
+                <a:gd name="connsiteY45" fmla="*/ 4676402 h 6239661"/>
+                <a:gd name="connsiteX46" fmla="*/ 4322493 w 5187198"/>
+                <a:gd name="connsiteY46" fmla="*/ 5105604 h 6239661"/>
+                <a:gd name="connsiteX47" fmla="*/ 3840510 w 5187198"/>
+                <a:gd name="connsiteY47" fmla="*/ 5429590 h 6239661"/>
+                <a:gd name="connsiteX48" fmla="*/ 3606447 w 5187198"/>
+                <a:gd name="connsiteY48" fmla="*/ 5572862 h 6239661"/>
+                <a:gd name="connsiteX49" fmla="*/ 3488814 w 5187198"/>
+                <a:gd name="connsiteY49" fmla="*/ 5647178 h 6239661"/>
+                <a:gd name="connsiteX50" fmla="*/ 3365864 w 5187198"/>
+                <a:gd name="connsiteY50" fmla="*/ 5722735 h 6239661"/>
+                <a:gd name="connsiteX51" fmla="*/ 2839486 w 5187198"/>
+                <a:gd name="connsiteY51" fmla="*/ 5999120 h 6239661"/>
+                <a:gd name="connsiteX52" fmla="*/ 2242423 w 5187198"/>
+                <a:gd name="connsiteY52" fmla="*/ 6192346 h 6239661"/>
+                <a:gd name="connsiteX53" fmla="*/ 1589380 w 5187198"/>
+                <a:gd name="connsiteY53" fmla="*/ 6230657 h 6239661"/>
+                <a:gd name="connsiteX54" fmla="*/ 1548244 w 5187198"/>
+                <a:gd name="connsiteY54" fmla="*/ 6226706 h 6239661"/>
+                <a:gd name="connsiteX55" fmla="*/ 1507348 w 5187198"/>
+                <a:gd name="connsiteY55" fmla="*/ 6221428 h 6239661"/>
+                <a:gd name="connsiteX56" fmla="*/ 1466401 w 5187198"/>
+                <a:gd name="connsiteY56" fmla="*/ 6215904 h 6239661"/>
+                <a:gd name="connsiteX57" fmla="*/ 1425773 w 5187198"/>
+                <a:gd name="connsiteY57" fmla="*/ 6209191 h 6239661"/>
+                <a:gd name="connsiteX58" fmla="*/ 1344960 w 5187198"/>
+                <a:gd name="connsiteY58" fmla="*/ 6193681 h 6239661"/>
+                <a:gd name="connsiteX59" fmla="*/ 1265007 w 5187198"/>
+                <a:gd name="connsiteY59" fmla="*/ 6175388 h 6239661"/>
+                <a:gd name="connsiteX60" fmla="*/ 1225415 w 5187198"/>
+                <a:gd name="connsiteY60" fmla="*/ 6165243 h 6239661"/>
+                <a:gd name="connsiteX61" fmla="*/ 1186567 w 5187198"/>
+                <a:gd name="connsiteY61" fmla="*/ 6154486 h 6239661"/>
+                <a:gd name="connsiteX62" fmla="*/ 1111158 w 5187198"/>
+                <a:gd name="connsiteY62" fmla="*/ 6130918 h 6239661"/>
+                <a:gd name="connsiteX63" fmla="*/ 1035915 w 5187198"/>
+                <a:gd name="connsiteY63" fmla="*/ 6107163 h 6239661"/>
+                <a:gd name="connsiteX64" fmla="*/ 961579 w 5187198"/>
+                <a:gd name="connsiteY64" fmla="*/ 6079594 h 6239661"/>
+                <a:gd name="connsiteX65" fmla="*/ 395297 w 5187198"/>
+                <a:gd name="connsiteY65" fmla="*/ 5792812 h 6239661"/>
+                <a:gd name="connsiteX66" fmla="*/ 265239 w 5187198"/>
+                <a:gd name="connsiteY66" fmla="*/ 5701511 h 6239661"/>
+                <a:gd name="connsiteX67" fmla="*/ 233756 w 5187198"/>
+                <a:gd name="connsiteY67" fmla="*/ 5677542 h 6239661"/>
+                <a:gd name="connsiteX68" fmla="*/ 202800 w 5187198"/>
+                <a:gd name="connsiteY68" fmla="*/ 5652902 h 6239661"/>
+                <a:gd name="connsiteX69" fmla="*/ 140918 w 5187198"/>
+                <a:gd name="connsiteY69" fmla="*/ 5603515 h 6239661"/>
+                <a:gd name="connsiteX70" fmla="*/ 110625 w 5187198"/>
+                <a:gd name="connsiteY70" fmla="*/ 5578127 h 6239661"/>
+                <a:gd name="connsiteX71" fmla="*/ 95631 w 5187198"/>
+                <a:gd name="connsiteY71" fmla="*/ 5565299 h 6239661"/>
+                <a:gd name="connsiteX72" fmla="*/ 81966 w 5187198"/>
+                <a:gd name="connsiteY72" fmla="*/ 5550973 h 6239661"/>
+                <a:gd name="connsiteX73" fmla="*/ 27991 w 5187198"/>
+                <a:gd name="connsiteY73" fmla="*/ 5493272 h 6239661"/>
+                <a:gd name="connsiteX74" fmla="*/ 1454 w 5187198"/>
+                <a:gd name="connsiteY74" fmla="*/ 5464252 h 6239661"/>
+                <a:gd name="connsiteX75" fmla="*/ 0 w 5187198"/>
+                <a:gd name="connsiteY75" fmla="*/ 5462518 h 6239661"/>
+                <a:gd name="connsiteX76" fmla="*/ 0 w 5187198"/>
+                <a:gd name="connsiteY76" fmla="*/ 4720187 h 6239661"/>
+                <a:gd name="connsiteX77" fmla="*/ 109684 w 5187198"/>
+                <a:gd name="connsiteY77" fmla="*/ 4836724 h 6239661"/>
+                <a:gd name="connsiteX78" fmla="*/ 306959 w 5187198"/>
+                <a:gd name="connsiteY78" fmla="*/ 5007200 h 6239661"/>
+                <a:gd name="connsiteX79" fmla="*/ 358101 w 5187198"/>
+                <a:gd name="connsiteY79" fmla="*/ 5046057 h 6239661"/>
+                <a:gd name="connsiteX80" fmla="*/ 383328 w 5187198"/>
+                <a:gd name="connsiteY80" fmla="*/ 5065684 h 6239661"/>
+                <a:gd name="connsiteX81" fmla="*/ 409503 w 5187198"/>
+                <a:gd name="connsiteY81" fmla="*/ 5083942 h 6239661"/>
+                <a:gd name="connsiteX82" fmla="*/ 461889 w 5187198"/>
+                <a:gd name="connsiteY82" fmla="*/ 5119888 h 6239661"/>
+                <a:gd name="connsiteX83" fmla="*/ 474883 w 5187198"/>
+                <a:gd name="connsiteY83" fmla="*/ 5128933 h 6239661"/>
+                <a:gd name="connsiteX84" fmla="*/ 486410 w 5187198"/>
+                <a:gd name="connsiteY84" fmla="*/ 5139557 h 6239661"/>
+                <a:gd name="connsiteX85" fmla="*/ 510852 w 5187198"/>
+                <a:gd name="connsiteY85" fmla="*/ 5159089 h 6239661"/>
+                <a:gd name="connsiteX86" fmla="*/ 560653 w 5187198"/>
+                <a:gd name="connsiteY86" fmla="*/ 5196893 h 6239661"/>
+                <a:gd name="connsiteX87" fmla="*/ 585485 w 5187198"/>
+                <a:gd name="connsiteY87" fmla="*/ 5215834 h 6239661"/>
+                <a:gd name="connsiteX88" fmla="*/ 610707 w 5187198"/>
+                <a:gd name="connsiteY88" fmla="*/ 5234185 h 6239661"/>
+                <a:gd name="connsiteX89" fmla="*/ 714768 w 5187198"/>
+                <a:gd name="connsiteY89" fmla="*/ 5303103 h 6239661"/>
+                <a:gd name="connsiteX90" fmla="*/ 1166634 w 5187198"/>
+                <a:gd name="connsiteY90" fmla="*/ 5513322 h 6239661"/>
+                <a:gd name="connsiteX91" fmla="*/ 1225991 w 5187198"/>
+                <a:gd name="connsiteY91" fmla="*/ 5533632 h 6239661"/>
+                <a:gd name="connsiteX92" fmla="*/ 1286680 w 5187198"/>
+                <a:gd name="connsiteY92" fmla="*/ 5550705 h 6239661"/>
+                <a:gd name="connsiteX93" fmla="*/ 1347310 w 5187198"/>
+                <a:gd name="connsiteY93" fmla="*/ 5567995 h 6239661"/>
+                <a:gd name="connsiteX94" fmla="*/ 1377002 w 5187198"/>
+                <a:gd name="connsiteY94" fmla="*/ 5575719 h 6239661"/>
+                <a:gd name="connsiteX95" fmla="*/ 1406328 w 5187198"/>
+                <a:gd name="connsiteY95" fmla="*/ 5582649 h 6239661"/>
+                <a:gd name="connsiteX96" fmla="*/ 1465060 w 5187198"/>
+                <a:gd name="connsiteY96" fmla="*/ 5594909 h 6239661"/>
+                <a:gd name="connsiteX97" fmla="*/ 1523881 w 5187198"/>
+                <a:gd name="connsiteY97" fmla="*/ 5605105 h 6239661"/>
+                <a:gd name="connsiteX98" fmla="*/ 1553325 w 5187198"/>
+                <a:gd name="connsiteY98" fmla="*/ 5609865 h 6239661"/>
+                <a:gd name="connsiteX99" fmla="*/ 1582813 w 5187198"/>
+                <a:gd name="connsiteY99" fmla="*/ 5613593 h 6239661"/>
+                <a:gd name="connsiteX100" fmla="*/ 1612301 w 5187198"/>
+                <a:gd name="connsiteY100" fmla="*/ 5617321 h 6239661"/>
+                <a:gd name="connsiteX101" fmla="*/ 1641863 w 5187198"/>
+                <a:gd name="connsiteY101" fmla="*/ 5619910 h 6239661"/>
+                <a:gd name="connsiteX102" fmla="*/ 2117508 w 5187198"/>
+                <a:gd name="connsiteY102" fmla="*/ 5595156 h 6239661"/>
+                <a:gd name="connsiteX103" fmla="*/ 2597368 w 5187198"/>
+                <a:gd name="connsiteY103" fmla="*/ 5447381 h 6239661"/>
+                <a:gd name="connsiteX104" fmla="*/ 3082968 w 5187198"/>
+                <a:gd name="connsiteY104" fmla="*/ 5223245 h 6239661"/>
+                <a:gd name="connsiteX105" fmla="*/ 3334855 w 5187198"/>
+                <a:gd name="connsiteY105" fmla="*/ 5097383 h 6239661"/>
+                <a:gd name="connsiteX106" fmla="*/ 3599509 w 5187198"/>
+                <a:gd name="connsiteY106" fmla="*/ 4976217 h 6239661"/>
+                <a:gd name="connsiteX107" fmla="*/ 4112002 w 5187198"/>
+                <a:gd name="connsiteY107" fmla="*/ 4766359 h 6239661"/>
+                <a:gd name="connsiteX108" fmla="*/ 4348983 w 5187198"/>
+                <a:gd name="connsiteY108" fmla="*/ 4649833 h 6239661"/>
+                <a:gd name="connsiteX109" fmla="*/ 4560505 w 5187198"/>
+                <a:gd name="connsiteY109" fmla="*/ 4501564 h 6239661"/>
+                <a:gd name="connsiteX110" fmla="*/ 4731963 w 5187198"/>
+                <a:gd name="connsiteY110" fmla="*/ 4309870 h 6239661"/>
+                <a:gd name="connsiteX111" fmla="*/ 4852344 w 5187198"/>
+                <a:gd name="connsiteY111" fmla="*/ 4078640 h 6239661"/>
+                <a:gd name="connsiteX112" fmla="*/ 4863972 w 5187198"/>
+                <a:gd name="connsiteY112" fmla="*/ 4047790 h 6239661"/>
+                <a:gd name="connsiteX113" fmla="*/ 4874144 w 5187198"/>
+                <a:gd name="connsiteY113" fmla="*/ 4016320 h 6239661"/>
+                <a:gd name="connsiteX114" fmla="*/ 4884127 w 5187198"/>
+                <a:gd name="connsiteY114" fmla="*/ 3984682 h 6239661"/>
+                <a:gd name="connsiteX115" fmla="*/ 4892800 w 5187198"/>
+                <a:gd name="connsiteY115" fmla="*/ 3951883 h 6239661"/>
+                <a:gd name="connsiteX116" fmla="*/ 4909526 w 5187198"/>
+                <a:gd name="connsiteY116" fmla="*/ 3886001 h 6239661"/>
+                <a:gd name="connsiteX117" fmla="*/ 4917687 w 5187198"/>
+                <a:gd name="connsiteY117" fmla="*/ 3852948 h 6239661"/>
+                <a:gd name="connsiteX118" fmla="*/ 4921768 w 5187198"/>
+                <a:gd name="connsiteY118" fmla="*/ 3836422 h 6239661"/>
+                <a:gd name="connsiteX119" fmla="*/ 4924845 w 5187198"/>
+                <a:gd name="connsiteY119" fmla="*/ 3819742 h 6239661"/>
+                <a:gd name="connsiteX120" fmla="*/ 4948230 w 5187198"/>
+                <a:gd name="connsiteY120" fmla="*/ 3685744 h 6239661"/>
+                <a:gd name="connsiteX121" fmla="*/ 4962782 w 5187198"/>
+                <a:gd name="connsiteY121" fmla="*/ 3550540 h 6239661"/>
+                <a:gd name="connsiteX122" fmla="*/ 4939468 w 5187198"/>
+                <a:gd name="connsiteY122" fmla="*/ 3010249 h 6239661"/>
+                <a:gd name="connsiteX123" fmla="*/ 4816901 w 5187198"/>
+                <a:gd name="connsiteY123" fmla="*/ 2488224 h 6239661"/>
+                <a:gd name="connsiteX124" fmla="*/ 4797005 w 5187198"/>
+                <a:gd name="connsiteY124" fmla="*/ 2424470 h 6239661"/>
+                <a:gd name="connsiteX125" fmla="*/ 4774433 w 5187198"/>
+                <a:gd name="connsiteY125" fmla="*/ 2361620 h 6239661"/>
+                <a:gd name="connsiteX126" fmla="*/ 4752459 w 5187198"/>
+                <a:gd name="connsiteY126" fmla="*/ 2298700 h 6239661"/>
+                <a:gd name="connsiteX127" fmla="*/ 4728083 w 5187198"/>
+                <a:gd name="connsiteY127" fmla="*/ 2236526 h 6239661"/>
+                <a:gd name="connsiteX128" fmla="*/ 4704471 w 5187198"/>
+                <a:gd name="connsiteY128" fmla="*/ 2174095 h 6239661"/>
+                <a:gd name="connsiteX129" fmla="*/ 4678399 w 5187198"/>
+                <a:gd name="connsiteY129" fmla="*/ 2112626 h 6239661"/>
+                <a:gd name="connsiteX130" fmla="*/ 4652601 w 5187198"/>
+                <a:gd name="connsiteY130" fmla="*/ 2050999 h 6239661"/>
+                <a:gd name="connsiteX131" fmla="*/ 4624205 w 5187198"/>
+                <a:gd name="connsiteY131" fmla="*/ 1990415 h 6239661"/>
+                <a:gd name="connsiteX132" fmla="*/ 4595398 w 5187198"/>
+                <a:gd name="connsiteY132" fmla="*/ 1930069 h 6239661"/>
+                <a:gd name="connsiteX133" fmla="*/ 4563827 w 5187198"/>
+                <a:gd name="connsiteY133" fmla="*/ 1870952 h 6239661"/>
+                <a:gd name="connsiteX134" fmla="*/ 4531433 w 5187198"/>
+                <a:gd name="connsiteY134" fmla="*/ 1812311 h 6239661"/>
+                <a:gd name="connsiteX135" fmla="*/ 4523315 w 5187198"/>
+                <a:gd name="connsiteY135" fmla="*/ 1797616 h 6239661"/>
+                <a:gd name="connsiteX136" fmla="*/ 4514482 w 5187198"/>
+                <a:gd name="connsiteY136" fmla="*/ 1783425 h 6239661"/>
+                <a:gd name="connsiteX137" fmla="*/ 4496845 w 5187198"/>
+                <a:gd name="connsiteY137" fmla="*/ 1754936 h 6239661"/>
+                <a:gd name="connsiteX138" fmla="*/ 4461463 w 5187198"/>
+                <a:gd name="connsiteY138" fmla="*/ 1697929 h 6239661"/>
+                <a:gd name="connsiteX139" fmla="*/ 4452660 w 5187198"/>
+                <a:gd name="connsiteY139" fmla="*/ 1683629 h 6239661"/>
+                <a:gd name="connsiteX140" fmla="*/ 4443141 w 5187198"/>
+                <a:gd name="connsiteY140" fmla="*/ 1669834 h 6239661"/>
+                <a:gd name="connsiteX141" fmla="*/ 4424241 w 5187198"/>
+                <a:gd name="connsiteY141" fmla="*/ 1642166 h 6239661"/>
+                <a:gd name="connsiteX142" fmla="*/ 4346886 w 5187198"/>
+                <a:gd name="connsiteY142" fmla="*/ 1532412 h 6239661"/>
+                <a:gd name="connsiteX143" fmla="*/ 3985497 w 5187198"/>
+                <a:gd name="connsiteY143" fmla="*/ 1134649 h 6239661"/>
+                <a:gd name="connsiteX144" fmla="*/ 3545665 w 5187198"/>
+                <a:gd name="connsiteY144" fmla="*/ 825877 h 6239661"/>
+                <a:gd name="connsiteX145" fmla="*/ 3486190 w 5187198"/>
+                <a:gd name="connsiteY145" fmla="*/ 794756 h 6239661"/>
+                <a:gd name="connsiteX146" fmla="*/ 3426182 w 5187198"/>
+                <a:gd name="connsiteY146" fmla="*/ 764765 h 6239661"/>
+                <a:gd name="connsiteX147" fmla="*/ 3365044 w 5187198"/>
+                <a:gd name="connsiteY147" fmla="*/ 737255 h 6239661"/>
+                <a:gd name="connsiteX148" fmla="*/ 3334529 w 5187198"/>
+                <a:gd name="connsiteY148" fmla="*/ 723514 h 6239661"/>
+                <a:gd name="connsiteX149" fmla="*/ 3303733 w 5187198"/>
+                <a:gd name="connsiteY149" fmla="*/ 710395 h 6239661"/>
+                <a:gd name="connsiteX150" fmla="*/ 3179033 w 5187198"/>
+                <a:gd name="connsiteY150" fmla="*/ 662259 h 6239661"/>
+                <a:gd name="connsiteX151" fmla="*/ 3052408 w 5187198"/>
+                <a:gd name="connsiteY151" fmla="*/ 620447 h 6239661"/>
+                <a:gd name="connsiteX152" fmla="*/ 2924325 w 5187198"/>
+                <a:gd name="connsiteY152" fmla="*/ 584505 h 6239661"/>
+                <a:gd name="connsiteX153" fmla="*/ 2859667 w 5187198"/>
+                <a:gd name="connsiteY153" fmla="*/ 569266 h 6239661"/>
+                <a:gd name="connsiteX154" fmla="*/ 2795226 w 5187198"/>
+                <a:gd name="connsiteY154" fmla="*/ 554085 h 6239661"/>
+                <a:gd name="connsiteX155" fmla="*/ 2729702 w 5187198"/>
+                <a:gd name="connsiteY155" fmla="*/ 540354 h 6239661"/>
+                <a:gd name="connsiteX156" fmla="*/ 2663758 w 5187198"/>
+                <a:gd name="connsiteY156" fmla="*/ 527322 h 6239661"/>
+                <a:gd name="connsiteX157" fmla="*/ 2630927 w 5187198"/>
+                <a:gd name="connsiteY157" fmla="*/ 520495 h 6239661"/>
+                <a:gd name="connsiteX158" fmla="*/ 2597965 w 5187198"/>
+                <a:gd name="connsiteY158" fmla="*/ 515024 h 6239661"/>
+                <a:gd name="connsiteX159" fmla="*/ 2532205 w 5187198"/>
+                <a:gd name="connsiteY159" fmla="*/ 503895 h 6239661"/>
+                <a:gd name="connsiteX160" fmla="*/ 2010064 w 5187198"/>
+                <a:gd name="connsiteY160" fmla="*/ 452552 h 6239661"/>
+                <a:gd name="connsiteX161" fmla="*/ 1494552 w 5187198"/>
+                <a:gd name="connsiteY161" fmla="*/ 485055 h 6239661"/>
+                <a:gd name="connsiteX162" fmla="*/ 1366896 w 5187198"/>
+                <a:gd name="connsiteY162" fmla="*/ 509389 h 6239661"/>
+                <a:gd name="connsiteX163" fmla="*/ 1240175 w 5187198"/>
+                <a:gd name="connsiteY163" fmla="*/ 541045 h 6239661"/>
+                <a:gd name="connsiteX164" fmla="*/ 1177438 w 5187198"/>
+                <a:gd name="connsiteY164" fmla="*/ 560170 h 6239661"/>
+                <a:gd name="connsiteX165" fmla="*/ 1145987 w 5187198"/>
+                <a:gd name="connsiteY165" fmla="*/ 569826 h 6239661"/>
+                <a:gd name="connsiteX166" fmla="*/ 1130315 w 5187198"/>
+                <a:gd name="connsiteY166" fmla="*/ 574669 h 6239661"/>
+                <a:gd name="connsiteX167" fmla="*/ 1114873 w 5187198"/>
+                <a:gd name="connsiteY167" fmla="*/ 580384 h 6239661"/>
+                <a:gd name="connsiteX168" fmla="*/ 1052839 w 5187198"/>
+                <a:gd name="connsiteY168" fmla="*/ 602943 h 6239661"/>
+                <a:gd name="connsiteX169" fmla="*/ 991135 w 5187198"/>
+                <a:gd name="connsiteY169" fmla="*/ 626866 h 6239661"/>
+                <a:gd name="connsiteX170" fmla="*/ 930179 w 5187198"/>
+                <a:gd name="connsiteY170" fmla="*/ 653191 h 6239661"/>
+                <a:gd name="connsiteX171" fmla="*/ 869768 w 5187198"/>
+                <a:gd name="connsiteY171" fmla="*/ 680937 h 6239661"/>
+                <a:gd name="connsiteX172" fmla="*/ 810085 w 5187198"/>
+                <a:gd name="connsiteY172" fmla="*/ 710734 h 6239661"/>
+                <a:gd name="connsiteX173" fmla="*/ 751220 w 5187198"/>
+                <a:gd name="connsiteY173" fmla="*/ 741794 h 6239661"/>
+                <a:gd name="connsiteX174" fmla="*/ 532669 w 5187198"/>
+                <a:gd name="connsiteY174" fmla="*/ 881688 h 6239661"/>
+                <a:gd name="connsiteX175" fmla="*/ 354185 w 5187198"/>
+                <a:gd name="connsiteY175" fmla="*/ 1050286 h 6239661"/>
+                <a:gd name="connsiteX176" fmla="*/ 315980 w 5187198"/>
+                <a:gd name="connsiteY176" fmla="*/ 1098125 h 6239661"/>
+                <a:gd name="connsiteX177" fmla="*/ 280345 w 5187198"/>
+                <a:gd name="connsiteY177" fmla="*/ 1149782 h 6239661"/>
+                <a:gd name="connsiteX178" fmla="*/ 245890 w 5187198"/>
+                <a:gd name="connsiteY178" fmla="*/ 1203959 h 6239661"/>
+                <a:gd name="connsiteX179" fmla="*/ 212162 w 5187198"/>
+                <a:gd name="connsiteY179" fmla="*/ 1260184 h 6239661"/>
+                <a:gd name="connsiteX180" fmla="*/ 80716 w 5187198"/>
+                <a:gd name="connsiteY180" fmla="*/ 1502476 h 6239661"/>
+                <a:gd name="connsiteX181" fmla="*/ 0 w 5187198"/>
+                <a:gd name="connsiteY181" fmla="*/ 1648841 h 6239661"/>
+                <a:gd name="connsiteX182" fmla="*/ 0 w 5187198"/>
+                <a:gd name="connsiteY182" fmla="*/ 954863 h 6239661"/>
+                <a:gd name="connsiteX183" fmla="*/ 43491 w 5187198"/>
+                <a:gd name="connsiteY183" fmla="*/ 895513 h 6239661"/>
+                <a:gd name="connsiteX184" fmla="*/ 93923 w 5187198"/>
+                <a:gd name="connsiteY184" fmla="*/ 834489 h 6239661"/>
+                <a:gd name="connsiteX185" fmla="*/ 323465 w 5187198"/>
+                <a:gd name="connsiteY185" fmla="*/ 617671 h 6239661"/>
+                <a:gd name="connsiteX186" fmla="*/ 574777 w 5187198"/>
+                <a:gd name="connsiteY186" fmla="*/ 446794 h 6239661"/>
+                <a:gd name="connsiteX187" fmla="*/ 638943 w 5187198"/>
+                <a:gd name="connsiteY187" fmla="*/ 408925 h 6239661"/>
+                <a:gd name="connsiteX188" fmla="*/ 703505 w 5187198"/>
+                <a:gd name="connsiteY188" fmla="*/ 371742 h 6239661"/>
+                <a:gd name="connsiteX189" fmla="*/ 769262 w 5187198"/>
+                <a:gd name="connsiteY189" fmla="*/ 336154 h 6239661"/>
+                <a:gd name="connsiteX190" fmla="*/ 835552 w 5187198"/>
+                <a:gd name="connsiteY190" fmla="*/ 301173 h 6239661"/>
+                <a:gd name="connsiteX191" fmla="*/ 902979 w 5187198"/>
+                <a:gd name="connsiteY191" fmla="*/ 268004 h 6239661"/>
+                <a:gd name="connsiteX192" fmla="*/ 971127 w 5187198"/>
+                <a:gd name="connsiteY192" fmla="*/ 235607 h 6239661"/>
+                <a:gd name="connsiteX193" fmla="*/ 988238 w 5187198"/>
+                <a:gd name="connsiteY193" fmla="*/ 227556 h 6239661"/>
+                <a:gd name="connsiteX194" fmla="*/ 1005744 w 5187198"/>
+                <a:gd name="connsiteY194" fmla="*/ 220191 h 6239661"/>
+                <a:gd name="connsiteX195" fmla="*/ 1040729 w 5187198"/>
+                <a:gd name="connsiteY195" fmla="*/ 205569 h 6239661"/>
+                <a:gd name="connsiteX196" fmla="*/ 1110835 w 5187198"/>
+                <a:gd name="connsiteY196" fmla="*/ 176248 h 6239661"/>
+                <a:gd name="connsiteX197" fmla="*/ 1254256 w 5187198"/>
+                <a:gd name="connsiteY197" fmla="*/ 123796 h 6239661"/>
+                <a:gd name="connsiteX198" fmla="*/ 1401310 w 5187198"/>
+                <a:gd name="connsiteY198" fmla="*/ 79852 h 6239661"/>
+                <a:gd name="connsiteX199" fmla="*/ 2011811 w 5187198"/>
+                <a:gd name="connsiteY199" fmla="*/ 4 h 6239661"/>
+              </a:gdLst>
+              <a:ahLst/>
+              <a:cxnLst>
+                <a:cxn ang="0">
+                  <a:pos x="connsiteX0" y="connsiteY0"/>
+                </a:cxn>
+                <a:cxn ang="0">
+                  <a:pos x="connsiteX1" y="connsiteY1"/>
+                </a:cxn>
+                <a:cxn ang="0">
+                  <a:pos x="connsiteX2" y="connsiteY2"/>
+                </a:cxn>
+                <a:cxn ang="0">
+                  <a:pos x="connsiteX3" y="connsiteY3"/>
+                </a:cxn>
+                <a:cxn ang="0">
+                  <a:pos x="connsiteX4" y="connsiteY4"/>
+                </a:cxn>
+                <a:cxn ang="0">
+                  <a:pos x="connsiteX5" y="connsiteY5"/>
+                </a:cxn>
+                <a:cxn ang="0">
+                  <a:pos x="connsiteX6" y="connsiteY6"/>
+                </a:cxn>
+                <a:cxn ang="0">
+                  <a:pos x="connsiteX7" y="connsiteY7"/>
+                </a:cxn>
+                <a:cxn ang="0">
+                  <a:pos x="connsiteX8" y="connsiteY8"/>
+                </a:cxn>
+                <a:cxn ang="0">
+                  <a:pos x="connsiteX9" y="connsiteY9"/>
+                </a:cxn>
+                <a:cxn ang="0">
+                  <a:pos x="connsiteX10" y="connsiteY10"/>
+                </a:cxn>
+                <a:cxn ang="0">
+                  <a:pos x="connsiteX11" y="connsiteY11"/>
+                </a:cxn>
+                <a:cxn ang="0">
+                  <a:pos x="connsiteX12" y="connsiteY12"/>
+                </a:cxn>
+                <a:cxn ang="0">
+                  <a:pos x="connsiteX13" y="connsiteY13"/>
+                </a:cxn>
+                <a:cxn ang="0">
+                  <a:pos x="connsiteX14" y="connsiteY14"/>
+                </a:cxn>
+                <a:cxn ang="0">
+                  <a:pos x="connsiteX15" y="connsiteY15"/>
+                </a:cxn>
+                <a:cxn ang="0">
+                  <a:pos x="connsiteX16" y="connsiteY16"/>
+                </a:cxn>
+                <a:cxn ang="0">
+                  <a:pos x="connsiteX17" y="connsiteY17"/>
+                </a:cxn>
+                <a:cxn ang="0">
+                  <a:pos x="connsiteX18" y="connsiteY18"/>
+                </a:cxn>
+                <a:cxn ang="0">
+                  <a:pos x="connsiteX19" y="connsiteY19"/>
+                </a:cxn>
+                <a:cxn ang="0">
+                  <a:pos x="connsiteX20" y="connsiteY20"/>
+                </a:cxn>
+                <a:cxn ang="0">
+                  <a:pos x="connsiteX21" y="connsiteY21"/>
+                </a:cxn>
+                <a:cxn ang="0">
+                  <a:pos x="connsiteX22" y="connsiteY22"/>
+                </a:cxn>
+                <a:cxn ang="0">
+                  <a:pos x="connsiteX23" y="connsiteY23"/>
+                </a:cxn>
+                <a:cxn ang="0">
+                  <a:pos x="connsiteX24" y="connsiteY24"/>
+                </a:cxn>
+                <a:cxn ang="0">
+                  <a:pos x="connsiteX25" y="connsiteY25"/>
+                </a:cxn>
+                <a:cxn ang="0">
+                  <a:pos x="connsiteX26" y="connsiteY26"/>
+                </a:cxn>
+                <a:cxn ang="0">
+                  <a:pos x="connsiteX27" y="connsiteY27"/>
+                </a:cxn>
+                <a:cxn ang="0">
+                  <a:pos x="connsiteX28" y="connsiteY28"/>
+                </a:cxn>
+                <a:cxn ang="0">
+                  <a:pos x="connsiteX29" y="connsiteY29"/>
+                </a:cxn>
+                <a:cxn ang="0">
+                  <a:pos x="connsiteX30" y="connsiteY30"/>
+                </a:cxn>
+                <a:cxn ang="0">
+                  <a:pos x="connsiteX31" y="connsiteY31"/>
+                </a:cxn>
+                <a:cxn ang="0">
+                  <a:pos x="connsiteX32" y="connsiteY32"/>
+                </a:cxn>
+                <a:cxn ang="0">
+                  <a:pos x="connsiteX33" y="connsiteY33"/>
+                </a:cxn>
+                <a:cxn ang="0">
+                  <a:pos x="connsiteX34" y="connsiteY34"/>
+                </a:cxn>
+                <a:cxn ang="0">
+                  <a:pos x="connsiteX35" y="connsiteY35"/>
+                </a:cxn>
+                <a:cxn ang="0">
+                  <a:pos x="connsiteX36" y="connsiteY36"/>
+                </a:cxn>
+                <a:cxn ang="0">
+                  <a:pos x="connsiteX37" y="connsiteY37"/>
+                </a:cxn>
+                <a:cxn ang="0">
+                  <a:pos x="connsiteX38" y="connsiteY38"/>
+                </a:cxn>
+                <a:cxn ang="0">
+                  <a:pos x="connsiteX39" y="connsiteY39"/>
+                </a:cxn>
+                <a:cxn ang="0">
+                  <a:pos x="connsiteX40" y="connsiteY40"/>
+                </a:cxn>
+                <a:cxn ang="0">
+                  <a:pos x="connsiteX41" y="connsiteY41"/>
+                </a:cxn>
+                <a:cxn ang="0">
+                  <a:pos x="connsiteX42" y="connsiteY42"/>
+                </a:cxn>
+                <a:cxn ang="0">
+                  <a:pos x="connsiteX43" y="connsiteY43"/>
+                </a:cxn>
+                <a:cxn ang="0">
+                  <a:pos x="connsiteX44" y="connsiteY44"/>
+                </a:cxn>
+                <a:cxn ang="0">
+                  <a:pos x="connsiteX45" y="connsiteY45"/>
+                </a:cxn>
+                <a:cxn ang="0">
+                  <a:pos x="connsiteX46" y="connsiteY46"/>
+                </a:cxn>
+                <a:cxn ang="0">
+                  <a:pos x="connsiteX47" y="connsiteY47"/>
+                </a:cxn>
+                <a:cxn ang="0">
+                  <a:pos x="connsiteX48" y="connsiteY48"/>
+                </a:cxn>
+                <a:cxn ang="0">
+                  <a:pos x="connsiteX49" y="connsiteY49"/>
+                </a:cxn>
+                <a:cxn ang="0">
+                  <a:pos x="connsiteX50" y="connsiteY50"/>
+                </a:cxn>
+                <a:cxn ang="0">
+                  <a:pos x="connsiteX51" y="connsiteY51"/>
+                </a:cxn>
+                <a:cxn ang="0">
+                  <a:pos x="connsiteX52" y="connsiteY52"/>
+                </a:cxn>
+                <a:cxn ang="0">
+                  <a:pos x="connsiteX53" y="connsiteY53"/>
+                </a:cxn>
+                <a:cxn ang="0">
+                  <a:pos x="connsiteX54" y="connsiteY54"/>
+                </a:cxn>
+                <a:cxn ang="0">
+                  <a:pos x="connsiteX55" y="connsiteY55"/>
+                </a:cxn>
+                <a:cxn ang="0">
+                  <a:pos x="connsiteX56" y="connsiteY56"/>
+                </a:cxn>
+                <a:cxn ang="0">
+                  <a:pos x="connsiteX57" y="connsiteY57"/>
+                </a:cxn>
+                <a:cxn ang="0">
+                  <a:pos x="connsiteX58" y="connsiteY58"/>
+                </a:cxn>
+                <a:cxn ang="0">
+                  <a:pos x="connsiteX59" y="connsiteY59"/>
+                </a:cxn>
+                <a:cxn ang="0">
+                  <a:pos x="connsiteX60" y="connsiteY60"/>
+                </a:cxn>
+                <a:cxn ang="0">
+                  <a:pos x="connsiteX61" y="connsiteY61"/>
+                </a:cxn>
+                <a:cxn ang="0">
+                  <a:pos x="connsiteX62" y="connsiteY62"/>
+                </a:cxn>
+                <a:cxn ang="0">
+                  <a:pos x="connsiteX63" y="connsiteY63"/>
+                </a:cxn>
+                <a:cxn ang="0">
+                  <a:pos x="connsiteX64" y="connsiteY64"/>
+                </a:cxn>
+                <a:cxn ang="0">
+                  <a:pos x="connsiteX65" y="connsiteY65"/>
+                </a:cxn>
+                <a:cxn ang="0">
+                  <a:pos x="connsiteX66" y="connsiteY66"/>
+                </a:cxn>
+                <a:cxn ang="0">
+                  <a:pos x="connsiteX67" y="connsiteY67"/>
+                </a:cxn>
+                <a:cxn ang="0">
+                  <a:pos x="connsiteX68" y="connsiteY68"/>
+                </a:cxn>
+                <a:cxn ang="0">
+                  <a:pos x="connsiteX69" y="connsiteY69"/>
+                </a:cxn>
+                <a:cxn ang="0">
+                  <a:pos x="connsiteX70" y="connsiteY70"/>
+                </a:cxn>
+                <a:cxn ang="0">
+                  <a:pos x="connsiteX71" y="connsiteY71"/>
+                </a:cxn>
+                <a:cxn ang="0">
+                  <a:pos x="connsiteX72" y="connsiteY72"/>
+                </a:cxn>
+                <a:cxn ang="0">
+                  <a:pos x="connsiteX73" y="connsiteY73"/>
+                </a:cxn>
+                <a:cxn ang="0">
+                  <a:pos x="connsiteX74" y="connsiteY74"/>
+                </a:cxn>
+                <a:cxn ang="0">
+                  <a:pos x="connsiteX75" y="connsiteY75"/>
+                </a:cxn>
+                <a:cxn ang="0">
+                  <a:pos x="connsiteX76" y="connsiteY76"/>
+                </a:cxn>
+                <a:cxn ang="0">
+                  <a:pos x="connsiteX77" y="connsiteY77"/>
+                </a:cxn>
+                <a:cxn ang="0">
+                  <a:pos x="connsiteX78" y="connsiteY78"/>
+                </a:cxn>
+                <a:cxn ang="0">
+                  <a:pos x="connsiteX79" y="connsiteY79"/>
+                </a:cxn>
+                <a:cxn ang="0">
+                  <a:pos x="connsiteX80" y="connsiteY80"/>
+                </a:cxn>
+                <a:cxn ang="0">
+                  <a:pos x="connsiteX81" y="connsiteY81"/>
+                </a:cxn>
+                <a:cxn ang="0">
+                  <a:pos x="connsiteX82" y="connsiteY82"/>
+                </a:cxn>
+                <a:cxn ang="0">
+                  <a:pos x="connsiteX83" y="connsiteY83"/>
+                </a:cxn>
+                <a:cxn ang="0">
+                  <a:pos x="connsiteX84" y="connsiteY84"/>
+                </a:cxn>
+                <a:cxn ang="0">
+                  <a:pos x="connsiteX85" y="connsiteY85"/>
+                </a:cxn>
+                <a:cxn ang="0">
+                  <a:pos x="connsiteX86" y="connsiteY86"/>
+                </a:cxn>
+                <a:cxn ang="0">
+                  <a:pos x="connsiteX87" y="connsiteY87"/>
+                </a:cxn>
+                <a:cxn ang="0">
+                  <a:pos x="connsiteX88" y="connsiteY88"/>
+                </a:cxn>
+                <a:cxn ang="0">
+                  <a:pos x="connsiteX89" y="connsiteY89"/>
+                </a:cxn>
+                <a:cxn ang="0">
+                  <a:pos x="connsiteX90" y="connsiteY90"/>
+                </a:cxn>
+                <a:cxn ang="0">
+                  <a:pos x="connsiteX91" y="connsiteY91"/>
+                </a:cxn>
+                <a:cxn ang="0">
+                  <a:pos x="connsiteX92" y="connsiteY92"/>
+                </a:cxn>
+                <a:cxn ang="0">
+                  <a:pos x="connsiteX93" y="connsiteY93"/>
+                </a:cxn>
+                <a:cxn ang="0">
+                  <a:pos x="connsiteX94" y="connsiteY94"/>
+                </a:cxn>
+                <a:cxn ang="0">
+                  <a:pos x="connsiteX95" y="connsiteY95"/>
+                </a:cxn>
+                <a:cxn ang="0">
+                  <a:pos x="connsiteX96" y="connsiteY96"/>
+                </a:cxn>
+                <a:cxn ang="0">
+                  <a:pos x="connsiteX97" y="connsiteY97"/>
+                </a:cxn>
+                <a:cxn ang="0">
+                  <a:pos x="connsiteX98" y="connsiteY98"/>
+                </a:cxn>
+                <a:cxn ang="0">
+                  <a:pos x="connsiteX99" y="connsiteY99"/>
+                </a:cxn>
+                <a:cxn ang="0">
+                  <a:pos x="connsiteX100" y="connsiteY100"/>
+                </a:cxn>
+                <a:cxn ang="0">
+                  <a:pos x="connsiteX101" y="connsiteY101"/>
+                </a:cxn>
+                <a:cxn ang="0">
+                  <a:pos x="connsiteX102" y="connsiteY102"/>
+                </a:cxn>
+                <a:cxn ang="0">
+                  <a:pos x="connsiteX103" y="connsiteY103"/>
+                </a:cxn>
+                <a:cxn ang="0">
+                  <a:pos x="connsiteX104" y="connsiteY104"/>
+                </a:cxn>
+                <a:cxn ang="0">
+                  <a:pos x="connsiteX105" y="connsiteY105"/>
+                </a:cxn>
+                <a:cxn ang="0">
+                  <a:pos x="connsiteX106" y="connsiteY106"/>
+                </a:cxn>
+                <a:cxn ang="0">
+                  <a:pos x="connsiteX107" y="connsiteY107"/>
+                </a:cxn>
+                <a:cxn ang="0">
+                  <a:pos x="connsiteX108" y="connsiteY108"/>
+                </a:cxn>
+                <a:cxn ang="0">
+                  <a:pos x="connsiteX109" y="connsiteY109"/>
+                </a:cxn>
+                <a:cxn ang="0">
+                  <a:pos x="connsiteX110" y="connsiteY110"/>
+                </a:cxn>
+                <a:cxn ang="0">
+                  <a:pos x="connsiteX111" y="connsiteY111"/>
+                </a:cxn>
+                <a:cxn ang="0">
+                  <a:pos x="connsiteX112" y="connsiteY112"/>
+                </a:cxn>
+                <a:cxn ang="0">
+                  <a:pos x="connsiteX113" y="connsiteY113"/>
+                </a:cxn>
+                <a:cxn ang="0">
+                  <a:pos x="connsiteX114" y="connsiteY114"/>
+                </a:cxn>
+                <a:cxn ang="0">
+                  <a:pos x="connsiteX115" y="connsiteY115"/>
+                </a:cxn>
+                <a:cxn ang="0">
+                  <a:pos x="connsiteX116" y="connsiteY116"/>
+                </a:cxn>
+                <a:cxn ang="0">
+                  <a:pos x="connsiteX117" y="connsiteY117"/>
+                </a:cxn>
+                <a:cxn ang="0">
+                  <a:pos x="connsiteX118" y="connsiteY118"/>
+                </a:cxn>
+                <a:cxn ang="0">
+                  <a:pos x="connsiteX119" y="connsiteY119"/>
+                </a:cxn>
+                <a:cxn ang="0">
+                  <a:pos x="connsiteX120" y="connsiteY120"/>
+                </a:cxn>
+                <a:cxn ang="0">
+                  <a:pos x="connsiteX121" y="connsiteY121"/>
+                </a:cxn>
+                <a:cxn ang="0">
+                  <a:pos x="connsiteX122" y="connsiteY122"/>
+                </a:cxn>
+                <a:cxn ang="0">
+                  <a:pos x="connsiteX123" y="connsiteY123"/>
+                </a:cxn>
+                <a:cxn ang="0">
+                  <a:pos x="connsiteX124" y="connsiteY124"/>
+                </a:cxn>
+                <a:cxn ang="0">
+                  <a:pos x="connsiteX125" y="connsiteY125"/>
+                </a:cxn>
+                <a:cxn ang="0">
+                  <a:pos x="connsiteX126" y="connsiteY126"/>
+                </a:cxn>
+                <a:cxn ang="0">
+                  <a:pos x="connsiteX127" y="connsiteY127"/>
+                </a:cxn>
+                <a:cxn ang="0">
+                  <a:pos x="connsiteX128" y="connsiteY128"/>
+                </a:cxn>
+                <a:cxn ang="0">
+                  <a:pos x="connsiteX129" y="connsiteY129"/>
+                </a:cxn>
+                <a:cxn ang="0">
+                  <a:pos x="connsiteX130" y="connsiteY130"/>
+                </a:cxn>
+                <a:cxn ang="0">
+                  <a:pos x="connsiteX131" y="connsiteY131"/>
+                </a:cxn>
+                <a:cxn ang="0">
+                  <a:pos x="connsiteX132" y="connsiteY132"/>
+                </a:cxn>
+                <a:cxn ang="0">
+                  <a:pos x="connsiteX133" y="connsiteY133"/>
+                </a:cxn>
+                <a:cxn ang="0">
+                  <a:pos x="connsiteX134" y="connsiteY134"/>
+                </a:cxn>
+                <a:cxn ang="0">
+                  <a:pos x="connsiteX135" y="connsiteY135"/>
+                </a:cxn>
+                <a:cxn ang="0">
+                  <a:pos x="connsiteX136" y="connsiteY136"/>
+                </a:cxn>
+                <a:cxn ang="0">
+                  <a:pos x="connsiteX137" y="connsiteY137"/>
+                </a:cxn>
+                <a:cxn ang="0">
+                  <a:pos x="connsiteX138" y="connsiteY138"/>
+                </a:cxn>
+                <a:cxn ang="0">
+                  <a:pos x="connsiteX139" y="connsiteY139"/>
+                </a:cxn>
+                <a:cxn ang="0">
+                  <a:pos x="connsiteX140" y="connsiteY140"/>
+                </a:cxn>
+                <a:cxn ang="0">
+                  <a:pos x="connsiteX141" y="connsiteY141"/>
+                </a:cxn>
+                <a:cxn ang="0">
+                  <a:pos x="connsiteX142" y="connsiteY142"/>
+                </a:cxn>
+                <a:cxn ang="0">
+                  <a:pos x="connsiteX143" y="connsiteY143"/>
+                </a:cxn>
+                <a:cxn ang="0">
+                  <a:pos x="connsiteX144" y="connsiteY144"/>
+                </a:cxn>
+                <a:cxn ang="0">
+                  <a:pos x="connsiteX145" y="connsiteY145"/>
+                </a:cxn>
+                <a:cxn ang="0">
+                  <a:pos x="connsiteX146" y="connsiteY146"/>
+                </a:cxn>
+                <a:cxn ang="0">
+                  <a:pos x="connsiteX147" y="connsiteY147"/>
+                </a:cxn>
+                <a:cxn ang="0">
+                  <a:pos x="connsiteX148" y="connsiteY148"/>
+                </a:cxn>
+                <a:cxn ang="0">
+                  <a:pos x="connsiteX149" y="connsiteY149"/>
+                </a:cxn>
+                <a:cxn ang="0">
+                  <a:pos x="connsiteX150" y="connsiteY150"/>
+                </a:cxn>
+                <a:cxn ang="0">
+                  <a:pos x="connsiteX151" y="connsiteY151"/>
+                </a:cxn>
+                <a:cxn ang="0">
+                  <a:pos x="connsiteX152" y="connsiteY152"/>
+                </a:cxn>
+                <a:cxn ang="0">
+                  <a:pos x="connsiteX153" y="connsiteY153"/>
+                </a:cxn>
+                <a:cxn ang="0">
+                  <a:pos x="connsiteX154" y="connsiteY154"/>
+                </a:cxn>
+                <a:cxn ang="0">
+                  <a:pos x="connsiteX155" y="connsiteY155"/>
+                </a:cxn>
+                <a:cxn ang="0">
+                  <a:pos x="connsiteX156" y="connsiteY156"/>
+                </a:cxn>
+                <a:cxn ang="0">
+                  <a:pos x="connsiteX157" y="connsiteY157"/>
+                </a:cxn>
+                <a:cxn ang="0">
+                  <a:pos x="connsiteX158" y="connsiteY158"/>
+                </a:cxn>
+                <a:cxn ang="0">
+                  <a:pos x="connsiteX159" y="connsiteY159"/>
+                </a:cxn>
+                <a:cxn ang="0">
+                  <a:pos x="connsiteX160" y="connsiteY160"/>
+                </a:cxn>
+                <a:cxn ang="0">
+                  <a:pos x="connsiteX161" y="connsiteY161"/>
+                </a:cxn>
+                <a:cxn ang="0">
+                  <a:pos x="connsiteX162" y="connsiteY162"/>
+                </a:cxn>
+                <a:cxn ang="0">
+                  <a:pos x="connsiteX163" y="connsiteY163"/>
+                </a:cxn>
+                <a:cxn ang="0">
+                  <a:pos x="connsiteX164" y="connsiteY164"/>
+                </a:cxn>
+                <a:cxn ang="0">
+                  <a:pos x="connsiteX165" y="connsiteY165"/>
+                </a:cxn>
+                <a:cxn ang="0">
+                  <a:pos x="connsiteX166" y="connsiteY166"/>
+                </a:cxn>
+                <a:cxn ang="0">
+                  <a:pos x="connsiteX167" y="connsiteY167"/>
+                </a:cxn>
+                <a:cxn ang="0">
+                  <a:pos x="connsiteX168" y="connsiteY168"/>
+                </a:cxn>
+                <a:cxn ang="0">
+                  <a:pos x="connsiteX169" y="connsiteY169"/>
+                </a:cxn>
+                <a:cxn ang="0">
+                  <a:pos x="connsiteX170" y="connsiteY170"/>
+                </a:cxn>
+                <a:cxn ang="0">
+                  <a:pos x="connsiteX171" y="connsiteY171"/>
+                </a:cxn>
+                <a:cxn ang="0">
+                  <a:pos x="connsiteX172" y="connsiteY172"/>
+                </a:cxn>
+                <a:cxn ang="0">
+                  <a:pos x="connsiteX173" y="connsiteY173"/>
+                </a:cxn>
+                <a:cxn ang="0">
+                  <a:pos x="connsiteX174" y="connsiteY174"/>
+                </a:cxn>
+                <a:cxn ang="0">
+                  <a:pos x="connsiteX175" y="connsiteY175"/>
+                </a:cxn>
+                <a:cxn ang="0">
+                  <a:pos x="connsiteX176" y="connsiteY176"/>
+                </a:cxn>
+                <a:cxn ang="0">
+                  <a:pos x="connsiteX177" y="connsiteY177"/>
+                </a:cxn>
+                <a:cxn ang="0">
+                  <a:pos x="connsiteX178" y="connsiteY178"/>
+                </a:cxn>
+                <a:cxn ang="0">
+                  <a:pos x="connsiteX179" y="connsiteY179"/>
+                </a:cxn>
+                <a:cxn ang="0">
+                  <a:pos x="connsiteX180" y="connsiteY180"/>
+                </a:cxn>
+                <a:cxn ang="0">
+                  <a:pos x="connsiteX181" y="connsiteY181"/>
+                </a:cxn>
+                <a:cxn ang="0">
+                  <a:pos x="connsiteX182" y="connsiteY182"/>
+                </a:cxn>
+                <a:cxn ang="0">
+                  <a:pos x="connsiteX183" y="connsiteY183"/>
+                </a:cxn>
+                <a:cxn ang="0">
+                  <a:pos x="connsiteX184" y="connsiteY184"/>
+                </a:cxn>
+                <a:cxn ang="0">
+                  <a:pos x="connsiteX185" y="connsiteY185"/>
+                </a:cxn>
+                <a:cxn ang="0">
+                  <a:pos x="connsiteX186" y="connsiteY186"/>
+                </a:cxn>
+                <a:cxn ang="0">
+                  <a:pos x="connsiteX187" y="connsiteY187"/>
+                </a:cxn>
+                <a:cxn ang="0">
+                  <a:pos x="connsiteX188" y="connsiteY188"/>
+                </a:cxn>
+                <a:cxn ang="0">
+                  <a:pos x="connsiteX189" y="connsiteY189"/>
+                </a:cxn>
+                <a:cxn ang="0">
+                  <a:pos x="connsiteX190" y="connsiteY190"/>
+                </a:cxn>
+                <a:cxn ang="0">
+                  <a:pos x="connsiteX191" y="connsiteY191"/>
+                </a:cxn>
+                <a:cxn ang="0">
+                  <a:pos x="connsiteX192" y="connsiteY192"/>
+                </a:cxn>
+                <a:cxn ang="0">
+                  <a:pos x="connsiteX193" y="connsiteY193"/>
+                </a:cxn>
+                <a:cxn ang="0">
+                  <a:pos x="connsiteX194" y="connsiteY194"/>
+                </a:cxn>
+                <a:cxn ang="0">
+                  <a:pos x="connsiteX195" y="connsiteY195"/>
+                </a:cxn>
+                <a:cxn ang="0">
+                  <a:pos x="connsiteX196" y="connsiteY196"/>
+                </a:cxn>
+                <a:cxn ang="0">
+                  <a:pos x="connsiteX197" y="connsiteY197"/>
+                </a:cxn>
+                <a:cxn ang="0">
+                  <a:pos x="connsiteX198" y="connsiteY198"/>
+                </a:cxn>
+                <a:cxn ang="0">
+                  <a:pos x="connsiteX199" y="connsiteY199"/>
+                </a:cxn>
+              </a:cxnLst>
+              <a:rect l="l" t="t" r="r" b="b"/>
+              <a:pathLst>
+                <a:path w="5187198" h="6239661">
+                  <a:moveTo>
+                    <a:pt x="2011811" y="4"/>
+                  </a:moveTo>
+                  <a:cubicBezTo>
+                    <a:pt x="2217306" y="120"/>
+                    <a:pt x="2420903" y="25925"/>
+                    <a:pt x="2617011" y="70590"/>
+                  </a:cubicBezTo>
+                  <a:lnTo>
+                    <a:pt x="2690321" y="88146"/>
+                  </a:lnTo>
+                  <a:lnTo>
+                    <a:pt x="2726863" y="97127"/>
+                  </a:lnTo>
+                  <a:lnTo>
+                    <a:pt x="2762951" y="107375"/>
+                  </a:lnTo>
+                  <a:lnTo>
+                    <a:pt x="2834843" y="128493"/>
+                  </a:lnTo>
+                  <a:cubicBezTo>
+                    <a:pt x="2858788" y="135605"/>
+                    <a:pt x="2882632" y="142226"/>
+                    <a:pt x="2906574" y="151076"/>
+                  </a:cubicBezTo>
+                  <a:cubicBezTo>
+                    <a:pt x="2954475" y="167852"/>
+                    <a:pt x="3002363" y="183813"/>
+                    <a:pt x="3049504" y="202124"/>
+                  </a:cubicBezTo>
+                  <a:lnTo>
+                    <a:pt x="3189518" y="260159"/>
+                  </a:lnTo>
+                  <a:lnTo>
+                    <a:pt x="3326048" y="325143"/>
+                  </a:lnTo>
+                  <a:cubicBezTo>
+                    <a:pt x="3370687" y="348464"/>
+                    <a:pt x="3414908" y="372485"/>
+                    <a:pt x="3459166" y="395936"/>
+                  </a:cubicBezTo>
+                  <a:cubicBezTo>
+                    <a:pt x="3502947" y="420302"/>
+                    <a:pt x="3545491" y="447118"/>
+                    <a:pt x="3588578" y="472343"/>
+                  </a:cubicBezTo>
+                  <a:cubicBezTo>
+                    <a:pt x="3610346" y="484551"/>
+                    <a:pt x="3630797" y="499072"/>
+                    <a:pt x="3651864" y="512600"/>
+                  </a:cubicBezTo>
+                  <a:lnTo>
+                    <a:pt x="3714514" y="553499"/>
+                  </a:lnTo>
+                  <a:cubicBezTo>
+                    <a:pt x="3880005" y="664844"/>
+                    <a:pt x="4036083" y="788388"/>
+                    <a:pt x="4181221" y="922912"/>
+                  </a:cubicBezTo>
+                  <a:cubicBezTo>
+                    <a:pt x="4326221" y="1057515"/>
+                    <a:pt x="4461955" y="1202038"/>
+                    <a:pt x="4582963" y="1358264"/>
+                  </a:cubicBezTo>
+                  <a:cubicBezTo>
+                    <a:pt x="4614206" y="1396543"/>
+                    <a:pt x="4642091" y="1437400"/>
+                    <a:pt x="4670721" y="1477644"/>
+                  </a:cubicBezTo>
+                  <a:cubicBezTo>
+                    <a:pt x="4700172" y="1517414"/>
+                    <a:pt x="4725864" y="1559538"/>
+                    <a:pt x="4752378" y="1601187"/>
+                  </a:cubicBezTo>
+                  <a:lnTo>
+                    <a:pt x="4772168" y="1632456"/>
+                  </a:lnTo>
+                  <a:lnTo>
+                    <a:pt x="4782117" y="1648104"/>
+                  </a:lnTo>
+                  <a:lnTo>
+                    <a:pt x="4791381" y="1664150"/>
+                  </a:lnTo>
+                  <a:lnTo>
+                    <a:pt x="4828190" y="1728379"/>
+                  </a:lnTo>
+                  <a:cubicBezTo>
+                    <a:pt x="4840266" y="1749930"/>
+                    <a:pt x="4853470" y="1770740"/>
+                    <a:pt x="4864832" y="1792796"/>
+                  </a:cubicBezTo>
+                  <a:lnTo>
+                    <a:pt x="4899201" y="1858342"/>
+                  </a:lnTo>
+                  <a:cubicBezTo>
+                    <a:pt x="4910484" y="1880260"/>
+                    <a:pt x="4922532" y="1901920"/>
+                    <a:pt x="4933266" y="1924155"/>
+                  </a:cubicBezTo>
+                  <a:lnTo>
+                    <a:pt x="4964403" y="1991384"/>
+                  </a:lnTo>
+                  <a:cubicBezTo>
+                    <a:pt x="4974618" y="2013829"/>
+                    <a:pt x="4985323" y="2036171"/>
+                    <a:pt x="4995019" y="2058823"/>
+                  </a:cubicBezTo>
+                  <a:lnTo>
+                    <a:pt x="5021999" y="2127723"/>
+                  </a:lnTo>
+                  <a:lnTo>
+                    <a:pt x="5048321" y="2196908"/>
+                  </a:lnTo>
+                  <a:lnTo>
+                    <a:pt x="5070546" y="2267547"/>
+                  </a:lnTo>
+                  <a:cubicBezTo>
+                    <a:pt x="5078054" y="2291004"/>
+                    <a:pt x="5085044" y="2314670"/>
+                    <a:pt x="5092171" y="2338256"/>
+                  </a:cubicBezTo>
+                  <a:cubicBezTo>
+                    <a:pt x="5098670" y="2362023"/>
+                    <a:pt x="5104296" y="2386019"/>
+                    <a:pt x="5110305" y="2409886"/>
+                  </a:cubicBezTo>
+                  <a:cubicBezTo>
+                    <a:pt x="5158097" y="2600976"/>
+                    <a:pt x="5182068" y="2797044"/>
+                    <a:pt x="5186393" y="2992022"/>
+                  </a:cubicBezTo>
+                  <a:cubicBezTo>
+                    <a:pt x="5191013" y="3187195"/>
+                    <a:pt x="5175397" y="3380886"/>
+                    <a:pt x="5149045" y="3571816"/>
+                  </a:cubicBezTo>
+                  <a:cubicBezTo>
+                    <a:pt x="5141154" y="3619431"/>
+                    <a:pt x="5133539" y="3666889"/>
+                    <a:pt x="5126572" y="3714520"/>
+                  </a:cubicBezTo>
+                  <a:cubicBezTo>
+                    <a:pt x="5117276" y="3761759"/>
+                    <a:pt x="5107793" y="3808831"/>
+                    <a:pt x="5099067" y="3856108"/>
+                  </a:cubicBezTo>
+                  <a:lnTo>
+                    <a:pt x="5095699" y="3873868"/>
+                  </a:lnTo>
+                  <a:lnTo>
+                    <a:pt x="5091573" y="3891426"/>
+                  </a:lnTo>
+                  <a:lnTo>
+                    <a:pt x="5083324" y="3926541"/>
+                  </a:lnTo>
+                  <a:lnTo>
+                    <a:pt x="5067256" y="3996889"/>
+                  </a:lnTo>
+                  <a:cubicBezTo>
+                    <a:pt x="5064451" y="4008657"/>
+                    <a:pt x="5062244" y="4020353"/>
+                    <a:pt x="5059194" y="4032171"/>
+                  </a:cubicBezTo>
+                  <a:lnTo>
+                    <a:pt x="5049522" y="4067833"/>
+                  </a:lnTo>
+                  <a:lnTo>
+                    <a:pt x="5040067" y="4103553"/>
+                  </a:lnTo>
+                  <a:cubicBezTo>
+                    <a:pt x="5036554" y="4115363"/>
+                    <a:pt x="5032689" y="4127194"/>
+                    <a:pt x="5028960" y="4138946"/>
+                  </a:cubicBezTo>
+                  <a:cubicBezTo>
+                    <a:pt x="4999693" y="4233462"/>
+                    <a:pt x="4962869" y="4326764"/>
+                    <a:pt x="4917351" y="4417041"/>
+                  </a:cubicBezTo>
+                  <a:cubicBezTo>
+                    <a:pt x="4871860" y="4507209"/>
+                    <a:pt x="4817597" y="4594215"/>
+                    <a:pt x="4756163" y="4676402"/>
+                  </a:cubicBezTo>
+                  <a:cubicBezTo>
+                    <a:pt x="4632803" y="4840875"/>
+                    <a:pt x="4480597" y="4982783"/>
+                    <a:pt x="4322493" y="5105604"/>
+                  </a:cubicBezTo>
+                  <a:cubicBezTo>
+                    <a:pt x="4163928" y="5228420"/>
+                    <a:pt x="3999564" y="5332640"/>
+                    <a:pt x="3840510" y="5429590"/>
+                  </a:cubicBezTo>
+                  <a:cubicBezTo>
+                    <a:pt x="3760954" y="5478172"/>
+                    <a:pt x="3682353" y="5524924"/>
+                    <a:pt x="3606447" y="5572862"/>
+                  </a:cubicBezTo>
+                  <a:lnTo>
+                    <a:pt x="3488814" y="5647178"/>
+                  </a:lnTo>
+                  <a:cubicBezTo>
+                    <a:pt x="3448270" y="5672597"/>
+                    <a:pt x="3407323" y="5697792"/>
+                    <a:pt x="3365864" y="5722735"/>
+                  </a:cubicBezTo>
+                  <a:cubicBezTo>
+                    <a:pt x="3200163" y="5822424"/>
+                    <a:pt x="3026125" y="5917328"/>
+                    <a:pt x="2839486" y="5999120"/>
+                  </a:cubicBezTo>
+                  <a:cubicBezTo>
+                    <a:pt x="2653201" y="6080891"/>
+                    <a:pt x="2453560" y="6149344"/>
+                    <a:pt x="2242423" y="6192346"/>
+                  </a:cubicBezTo>
+                  <a:cubicBezTo>
+                    <a:pt x="2031719" y="6235463"/>
+                    <a:pt x="1808952" y="6251353"/>
+                    <a:pt x="1589380" y="6230657"/>
+                  </a:cubicBezTo>
+                  <a:lnTo>
+                    <a:pt x="1548244" y="6226706"/>
+                  </a:lnTo>
+                  <a:cubicBezTo>
+                    <a:pt x="1534528" y="6225117"/>
+                    <a:pt x="1520898" y="6223203"/>
+                    <a:pt x="1507348" y="6221428"/>
+                  </a:cubicBezTo>
+                  <a:lnTo>
+                    <a:pt x="1466401" y="6215904"/>
+                  </a:lnTo>
+                  <a:cubicBezTo>
+                    <a:pt x="1452772" y="6213991"/>
+                    <a:pt x="1439316" y="6211428"/>
+                    <a:pt x="1425773" y="6209191"/>
+                  </a:cubicBezTo>
+                  <a:cubicBezTo>
+                    <a:pt x="1398775" y="6204391"/>
+                    <a:pt x="1371610" y="6199779"/>
+                    <a:pt x="1344960" y="6193681"/>
+                  </a:cubicBezTo>
+                  <a:cubicBezTo>
+                    <a:pt x="1318251" y="6187799"/>
+                    <a:pt x="1291260" y="6182538"/>
+                    <a:pt x="1265007" y="6175388"/>
+                  </a:cubicBezTo>
+                  <a:lnTo>
+                    <a:pt x="1225415" y="6165243"/>
+                  </a:lnTo>
+                  <a:cubicBezTo>
+                    <a:pt x="1212163" y="6161924"/>
+                    <a:pt x="1198939" y="6158496"/>
+                    <a:pt x="1186567" y="6154486"/>
+                  </a:cubicBezTo>
+                  <a:lnTo>
+                    <a:pt x="1111158" y="6130918"/>
+                  </a:lnTo>
+                  <a:lnTo>
+                    <a:pt x="1035915" y="6107163"/>
+                  </a:lnTo>
+                  <a:cubicBezTo>
+                    <a:pt x="1010846" y="6099055"/>
+                    <a:pt x="986357" y="6088784"/>
+                    <a:pt x="961579" y="6079594"/>
+                  </a:cubicBezTo>
+                  <a:cubicBezTo>
+                    <a:pt x="763709" y="6005594"/>
+                    <a:pt x="572401" y="5909703"/>
+                    <a:pt x="395297" y="5792812"/>
+                  </a:cubicBezTo>
+                  <a:lnTo>
+                    <a:pt x="265239" y="5701511"/>
+                  </a:lnTo>
+                  <a:cubicBezTo>
+                    <a:pt x="254227" y="5694155"/>
+                    <a:pt x="244103" y="5685646"/>
+                    <a:pt x="233756" y="5677542"/>
+                  </a:cubicBezTo>
+                  <a:lnTo>
+                    <a:pt x="202800" y="5652902"/>
+                  </a:lnTo>
+                  <a:lnTo>
+                    <a:pt x="140918" y="5603515"/>
+                  </a:lnTo>
+                  <a:cubicBezTo>
+                    <a:pt x="130598" y="5595302"/>
+                    <a:pt x="120280" y="5587089"/>
+                    <a:pt x="110625" y="5578127"/>
+                  </a:cubicBezTo>
+                  <a:cubicBezTo>
+                    <a:pt x="105647" y="5573779"/>
+                    <a:pt x="100444" y="5569834"/>
+                    <a:pt x="95631" y="5565299"/>
+                  </a:cubicBezTo>
+                  <a:cubicBezTo>
+                    <a:pt x="90955" y="5560684"/>
+                    <a:pt x="86505" y="5555666"/>
+                    <a:pt x="81966" y="5550973"/>
+                  </a:cubicBezTo>
+                  <a:lnTo>
+                    <a:pt x="27991" y="5493272"/>
+                  </a:lnTo>
+                  <a:cubicBezTo>
+                    <a:pt x="19109" y="5483589"/>
+                    <a:pt x="9758" y="5474359"/>
+                    <a:pt x="1454" y="5464252"/>
+                  </a:cubicBezTo>
+                  <a:lnTo>
+                    <a:pt x="0" y="5462518"/>
+                  </a:lnTo>
+                  <a:lnTo>
+                    <a:pt x="0" y="4720187"/>
+                  </a:lnTo>
+                  <a:lnTo>
+                    <a:pt x="109684" y="4836724"/>
+                  </a:lnTo>
+                  <a:cubicBezTo>
+                    <a:pt x="173316" y="4897375"/>
+                    <a:pt x="239447" y="4954160"/>
+                    <a:pt x="306959" y="5007200"/>
+                  </a:cubicBezTo>
+                  <a:lnTo>
+                    <a:pt x="358101" y="5046057"/>
+                  </a:lnTo>
+                  <a:lnTo>
+                    <a:pt x="383328" y="5065684"/>
+                  </a:lnTo>
+                  <a:cubicBezTo>
+                    <a:pt x="391637" y="5072316"/>
+                    <a:pt x="400805" y="5077902"/>
+                    <a:pt x="409503" y="5083942"/>
+                  </a:cubicBezTo>
+                  <a:lnTo>
+                    <a:pt x="461889" y="5119888"/>
+                  </a:lnTo>
+                  <a:cubicBezTo>
+                    <a:pt x="466184" y="5122893"/>
+                    <a:pt x="470616" y="5125820"/>
+                    <a:pt x="474883" y="5128933"/>
+                  </a:cubicBezTo>
+                  <a:cubicBezTo>
+                    <a:pt x="478982" y="5132235"/>
+                    <a:pt x="482476" y="5136069"/>
+                    <a:pt x="486410" y="5139557"/>
+                  </a:cubicBezTo>
+                  <a:cubicBezTo>
+                    <a:pt x="494140" y="5146613"/>
+                    <a:pt x="502565" y="5152812"/>
+                    <a:pt x="510852" y="5159089"/>
+                  </a:cubicBezTo>
+                  <a:lnTo>
+                    <a:pt x="560653" y="5196893"/>
+                  </a:lnTo>
+                  <a:lnTo>
+                    <a:pt x="585485" y="5215834"/>
+                  </a:lnTo>
+                  <a:cubicBezTo>
+                    <a:pt x="593773" y="5222111"/>
+                    <a:pt x="601864" y="5228685"/>
+                    <a:pt x="610707" y="5234185"/>
+                  </a:cubicBezTo>
+                  <a:lnTo>
+                    <a:pt x="714768" y="5303103"/>
+                  </a:lnTo>
+                  <a:cubicBezTo>
+                    <a:pt x="856162" y="5390603"/>
+                    <a:pt x="1008099" y="5459947"/>
+                    <a:pt x="1166634" y="5513322"/>
+                  </a:cubicBezTo>
+                  <a:cubicBezTo>
+                    <a:pt x="1186540" y="5519932"/>
+                    <a:pt x="1205774" y="5527751"/>
+                    <a:pt x="1225991" y="5533632"/>
+                  </a:cubicBezTo>
+                  <a:lnTo>
+                    <a:pt x="1286680" y="5550705"/>
+                  </a:lnTo>
+                  <a:lnTo>
+                    <a:pt x="1347310" y="5567995"/>
+                  </a:lnTo>
+                  <a:cubicBezTo>
+                    <a:pt x="1357469" y="5571180"/>
+                    <a:pt x="1367261" y="5573572"/>
+                    <a:pt x="1377002" y="5575719"/>
+                  </a:cubicBezTo>
+                  <a:lnTo>
+                    <a:pt x="1406328" y="5582649"/>
+                  </a:lnTo>
+                  <a:cubicBezTo>
+                    <a:pt x="1425825" y="5587757"/>
+                    <a:pt x="1445490" y="5590939"/>
+                    <a:pt x="1465060" y="5594909"/>
+                  </a:cubicBezTo>
+                  <a:cubicBezTo>
+                    <a:pt x="1484652" y="5599231"/>
+                    <a:pt x="1504324" y="5601952"/>
+                    <a:pt x="1523881" y="5605105"/>
+                  </a:cubicBezTo>
+                  <a:cubicBezTo>
+                    <a:pt x="1533660" y="5606682"/>
+                    <a:pt x="1543460" y="5608613"/>
+                    <a:pt x="1553325" y="5609865"/>
+                  </a:cubicBezTo>
+                  <a:lnTo>
+                    <a:pt x="1582813" y="5613593"/>
+                  </a:lnTo>
+                  <a:lnTo>
+                    <a:pt x="1612301" y="5617321"/>
+                  </a:lnTo>
+                  <a:lnTo>
+                    <a:pt x="1641863" y="5619910"/>
+                  </a:lnTo>
+                  <a:cubicBezTo>
+                    <a:pt x="1799348" y="5633940"/>
+                    <a:pt x="1957913" y="5625770"/>
+                    <a:pt x="2117508" y="5595156"/>
+                  </a:cubicBezTo>
+                  <a:cubicBezTo>
+                    <a:pt x="2277124" y="5564895"/>
+                    <a:pt x="2437004" y="5512449"/>
+                    <a:pt x="2597368" y="5447381"/>
+                  </a:cubicBezTo>
+                  <a:cubicBezTo>
+                    <a:pt x="2757791" y="5382096"/>
+                    <a:pt x="2918855" y="5304464"/>
+                    <a:pt x="3082968" y="5223245"/>
+                  </a:cubicBezTo>
+                  <a:lnTo>
+                    <a:pt x="3334855" y="5097383"/>
+                  </a:lnTo>
+                  <a:cubicBezTo>
+                    <a:pt x="3423528" y="5054142"/>
+                    <a:pt x="3511773" y="5013798"/>
+                    <a:pt x="3599509" y="4976217"/>
+                  </a:cubicBezTo>
+                  <a:cubicBezTo>
+                    <a:pt x="3774960" y="4900701"/>
+                    <a:pt x="3948276" y="4837481"/>
+                    <a:pt x="4112002" y="4766359"/>
+                  </a:cubicBezTo>
+                  <a:cubicBezTo>
+                    <a:pt x="4193972" y="4730827"/>
+                    <a:pt x="4273429" y="4692997"/>
+                    <a:pt x="4348983" y="4649833"/>
+                  </a:cubicBezTo>
+                  <a:cubicBezTo>
+                    <a:pt x="4424508" y="4606778"/>
+                    <a:pt x="4496050" y="4558250"/>
+                    <a:pt x="4560505" y="4501564"/>
+                  </a:cubicBezTo>
+                  <a:cubicBezTo>
+                    <a:pt x="4625198" y="4445289"/>
+                    <a:pt x="4682991" y="4381021"/>
+                    <a:pt x="4731963" y="4309870"/>
+                  </a:cubicBezTo>
+                  <a:cubicBezTo>
+                    <a:pt x="4781043" y="4238747"/>
+                    <a:pt x="4821275" y="4160848"/>
+                    <a:pt x="4852344" y="4078640"/>
+                  </a:cubicBezTo>
+                  <a:lnTo>
+                    <a:pt x="4863972" y="4047790"/>
+                  </a:lnTo>
+                  <a:lnTo>
+                    <a:pt x="4874144" y="4016320"/>
+                  </a:lnTo>
+                  <a:lnTo>
+                    <a:pt x="4884127" y="3984682"/>
+                  </a:lnTo>
+                  <a:cubicBezTo>
+                    <a:pt x="4887242" y="3973925"/>
+                    <a:pt x="4889981" y="3962835"/>
+                    <a:pt x="4892800" y="3951883"/>
+                  </a:cubicBezTo>
+                  <a:lnTo>
+                    <a:pt x="4909526" y="3886001"/>
+                  </a:lnTo>
+                  <a:lnTo>
+                    <a:pt x="4917687" y="3852948"/>
+                  </a:lnTo>
+                  <a:lnTo>
+                    <a:pt x="4921768" y="3836422"/>
+                  </a:lnTo>
+                  <a:lnTo>
+                    <a:pt x="4924845" y="3819742"/>
+                  </a:lnTo>
+                  <a:cubicBezTo>
+                    <a:pt x="4933092" y="3775120"/>
+                    <a:pt x="4941231" y="3730469"/>
+                    <a:pt x="4948230" y="3685744"/>
+                  </a:cubicBezTo>
+                  <a:cubicBezTo>
+                    <a:pt x="4953579" y="3640694"/>
+                    <a:pt x="4958249" y="3595577"/>
+                    <a:pt x="4962782" y="3550540"/>
+                  </a:cubicBezTo>
+                  <a:cubicBezTo>
+                    <a:pt x="4976580" y="3369692"/>
+                    <a:pt x="4965812" y="3187942"/>
+                    <a:pt x="4939468" y="3010249"/>
+                  </a:cubicBezTo>
+                  <a:cubicBezTo>
+                    <a:pt x="4912965" y="2832281"/>
+                    <a:pt x="4870237" y="2658196"/>
+                    <a:pt x="4816901" y="2488224"/>
+                  </a:cubicBezTo>
+                  <a:cubicBezTo>
+                    <a:pt x="4810197" y="2466954"/>
+                    <a:pt x="4803984" y="2445582"/>
+                    <a:pt x="4797005" y="2424470"/>
+                  </a:cubicBezTo>
+                  <a:cubicBezTo>
+                    <a:pt x="4789399" y="2403537"/>
+                    <a:pt x="4781686" y="2382574"/>
+                    <a:pt x="4774433" y="2361620"/>
+                  </a:cubicBezTo>
+                  <a:lnTo>
+                    <a:pt x="4752459" y="2298700"/>
+                  </a:lnTo>
+                  <a:lnTo>
+                    <a:pt x="4728083" y="2236526"/>
+                  </a:lnTo>
+                  <a:cubicBezTo>
+                    <a:pt x="4719957" y="2215802"/>
+                    <a:pt x="4712352" y="2194869"/>
+                    <a:pt x="4704471" y="2174095"/>
+                  </a:cubicBezTo>
+                  <a:lnTo>
+                    <a:pt x="4678399" y="2112626"/>
+                  </a:lnTo>
+                  <a:lnTo>
+                    <a:pt x="4652601" y="2050999"/>
+                  </a:lnTo>
+                  <a:cubicBezTo>
+                    <a:pt x="4643711" y="2030533"/>
+                    <a:pt x="4633616" y="2010672"/>
+                    <a:pt x="4624205" y="1990415"/>
+                  </a:cubicBezTo>
+                  <a:lnTo>
+                    <a:pt x="4595398" y="1930069"/>
+                  </a:lnTo>
+                  <a:cubicBezTo>
+                    <a:pt x="4585714" y="1909969"/>
+                    <a:pt x="4574413" y="1890713"/>
+                    <a:pt x="4563827" y="1870952"/>
+                  </a:cubicBezTo>
+                  <a:lnTo>
+                    <a:pt x="4531433" y="1812311"/>
+                  </a:lnTo>
+                  <a:lnTo>
+                    <a:pt x="4523315" y="1797616"/>
+                  </a:lnTo>
+                  <a:lnTo>
+                    <a:pt x="4514482" y="1783425"/>
+                  </a:lnTo>
+                  <a:lnTo>
+                    <a:pt x="4496845" y="1754936"/>
+                  </a:lnTo>
+                  <a:lnTo>
+                    <a:pt x="4461463" y="1697929"/>
+                  </a:lnTo>
+                  <a:lnTo>
+                    <a:pt x="4452660" y="1683629"/>
+                  </a:lnTo>
+                  <a:lnTo>
+                    <a:pt x="4443141" y="1669834"/>
+                  </a:lnTo>
+                  <a:lnTo>
+                    <a:pt x="4424241" y="1642166"/>
+                  </a:lnTo>
+                  <a:cubicBezTo>
+                    <a:pt x="4399005" y="1605265"/>
+                    <a:pt x="4374512" y="1567751"/>
+                    <a:pt x="4346886" y="1532412"/>
+                  </a:cubicBezTo>
+                  <a:cubicBezTo>
+                    <a:pt x="4240477" y="1388328"/>
+                    <a:pt x="4120362" y="1253437"/>
+                    <a:pt x="3985497" y="1134649"/>
+                  </a:cubicBezTo>
+                  <a:cubicBezTo>
+                    <a:pt x="3850799" y="1015675"/>
+                    <a:pt x="3702920" y="911715"/>
+                    <a:pt x="3545665" y="825877"/>
+                  </a:cubicBezTo>
+                  <a:lnTo>
+                    <a:pt x="3486190" y="794756"/>
+                  </a:lnTo>
+                  <a:cubicBezTo>
+                    <a:pt x="3466181" y="784640"/>
+                    <a:pt x="3446893" y="773560"/>
+                    <a:pt x="3426182" y="764765"/>
+                  </a:cubicBezTo>
+                  <a:lnTo>
+                    <a:pt x="3365044" y="737255"/>
+                  </a:lnTo>
+                  <a:lnTo>
+                    <a:pt x="3334529" y="723514"/>
+                  </a:lnTo>
+                  <a:cubicBezTo>
+                    <a:pt x="3324394" y="718943"/>
+                    <a:pt x="3314287" y="714265"/>
+                    <a:pt x="3303733" y="710395"/>
+                  </a:cubicBezTo>
+                  <a:cubicBezTo>
+                    <a:pt x="3262013" y="694346"/>
+                    <a:pt x="3220711" y="677599"/>
+                    <a:pt x="3179033" y="662259"/>
+                  </a:cubicBezTo>
+                  <a:lnTo>
+                    <a:pt x="3052408" y="620447"/>
+                  </a:lnTo>
+                  <a:lnTo>
+                    <a:pt x="2924325" y="584505"/>
+                  </a:lnTo>
+                  <a:cubicBezTo>
+                    <a:pt x="2903106" y="578471"/>
+                    <a:pt x="2881119" y="574434"/>
+                    <a:pt x="2859667" y="569266"/>
+                  </a:cubicBezTo>
+                  <a:lnTo>
+                    <a:pt x="2795226" y="554085"/>
+                  </a:lnTo>
+                  <a:cubicBezTo>
+                    <a:pt x="2774078" y="548652"/>
+                    <a:pt x="2751709" y="544744"/>
+                    <a:pt x="2729702" y="540354"/>
+                  </a:cubicBezTo>
+                  <a:lnTo>
+                    <a:pt x="2663758" y="527322"/>
+                  </a:lnTo>
+                  <a:lnTo>
+                    <a:pt x="2630927" y="520495"/>
+                  </a:lnTo>
+                  <a:lnTo>
+                    <a:pt x="2597965" y="515024"/>
+                  </a:lnTo>
+                  <a:cubicBezTo>
+                    <a:pt x="2575970" y="511449"/>
+                    <a:pt x="2554112" y="507795"/>
+                    <a:pt x="2532205" y="503895"/>
+                  </a:cubicBezTo>
+                  <a:cubicBezTo>
+                    <a:pt x="2357016" y="475037"/>
+                    <a:pt x="2182954" y="456682"/>
+                    <a:pt x="2010064" y="452552"/>
+                  </a:cubicBezTo>
+                  <a:cubicBezTo>
+                    <a:pt x="1837255" y="448558"/>
+                    <a:pt x="1665388" y="457916"/>
+                    <a:pt x="1494552" y="485055"/>
+                  </a:cubicBezTo>
+                  <a:cubicBezTo>
+                    <a:pt x="1452133" y="492816"/>
+                    <a:pt x="1409569" y="501117"/>
+                    <a:pt x="1366896" y="509389"/>
+                  </a:cubicBezTo>
+                  <a:cubicBezTo>
+                    <a:pt x="1324862" y="520035"/>
+                    <a:pt x="1282333" y="529505"/>
+                    <a:pt x="1240175" y="541045"/>
+                  </a:cubicBezTo>
+                  <a:lnTo>
+                    <a:pt x="1177438" y="560170"/>
+                  </a:lnTo>
+                  <a:lnTo>
+                    <a:pt x="1145987" y="569826"/>
+                  </a:lnTo>
+                  <a:lnTo>
+                    <a:pt x="1130315" y="574669"/>
+                  </a:lnTo>
+                  <a:lnTo>
+                    <a:pt x="1114873" y="580384"/>
+                  </a:lnTo>
+                  <a:lnTo>
+                    <a:pt x="1052839" y="602943"/>
+                  </a:lnTo>
+                  <a:cubicBezTo>
+                    <a:pt x="1032151" y="610499"/>
+                    <a:pt x="1011255" y="617535"/>
+                    <a:pt x="991135" y="626866"/>
+                  </a:cubicBezTo>
+                  <a:lnTo>
+                    <a:pt x="930179" y="653191"/>
+                  </a:lnTo>
+                  <a:cubicBezTo>
+                    <a:pt x="909850" y="662002"/>
+                    <a:pt x="889443" y="670676"/>
+                    <a:pt x="869768" y="680937"/>
+                  </a:cubicBezTo>
+                  <a:lnTo>
+                    <a:pt x="810085" y="710734"/>
+                  </a:lnTo>
+                  <a:cubicBezTo>
+                    <a:pt x="790331" y="720859"/>
+                    <a:pt x="770124" y="730514"/>
+                    <a:pt x="751220" y="741794"/>
+                  </a:cubicBezTo>
+                  <a:cubicBezTo>
+                    <a:pt x="673929" y="784955"/>
+                    <a:pt x="598827" y="830326"/>
+                    <a:pt x="532669" y="881688"/>
+                  </a:cubicBezTo>
+                  <a:cubicBezTo>
+                    <a:pt x="464226" y="931625"/>
+                    <a:pt x="406969" y="988270"/>
+                    <a:pt x="354185" y="1050286"/>
+                  </a:cubicBezTo>
+                  <a:lnTo>
+                    <a:pt x="315980" y="1098125"/>
+                  </a:lnTo>
+                  <a:lnTo>
+                    <a:pt x="280345" y="1149782"/>
+                  </a:lnTo>
+                  <a:cubicBezTo>
+                    <a:pt x="268144" y="1166335"/>
+                    <a:pt x="257438" y="1185955"/>
+                    <a:pt x="245890" y="1203959"/>
+                  </a:cubicBezTo>
+                  <a:cubicBezTo>
+                    <a:pt x="234552" y="1222481"/>
+                    <a:pt x="223171" y="1240298"/>
+                    <a:pt x="212162" y="1260184"/>
+                  </a:cubicBezTo>
+                  <a:cubicBezTo>
+                    <a:pt x="168299" y="1337574"/>
+                    <a:pt x="125055" y="1419360"/>
+                    <a:pt x="80716" y="1502476"/>
+                  </a:cubicBezTo>
+                  <a:lnTo>
+                    <a:pt x="0" y="1648841"/>
+                  </a:lnTo>
+                  <a:lnTo>
+                    <a:pt x="0" y="954863"/>
+                  </a:lnTo>
+                  <a:lnTo>
+                    <a:pt x="43491" y="895513"/>
+                  </a:lnTo>
+                  <a:cubicBezTo>
+                    <a:pt x="59888" y="874984"/>
+                    <a:pt x="77014" y="854766"/>
+                    <a:pt x="93923" y="834489"/>
+                  </a:cubicBezTo>
+                  <a:cubicBezTo>
+                    <a:pt x="163245" y="754880"/>
+                    <a:pt x="240806" y="679565"/>
+                    <a:pt x="323465" y="617671"/>
+                  </a:cubicBezTo>
+                  <a:cubicBezTo>
+                    <a:pt x="405002" y="553042"/>
+                    <a:pt x="490132" y="499230"/>
+                    <a:pt x="574777" y="446794"/>
+                  </a:cubicBezTo>
+                  <a:cubicBezTo>
+                    <a:pt x="595733" y="433050"/>
+                    <a:pt x="617442" y="421248"/>
+                    <a:pt x="638943" y="408925"/>
+                  </a:cubicBezTo>
+                  <a:lnTo>
+                    <a:pt x="703505" y="371742"/>
+                  </a:lnTo>
+                  <a:cubicBezTo>
+                    <a:pt x="724798" y="358900"/>
+                    <a:pt x="747120" y="347842"/>
+                    <a:pt x="769262" y="336154"/>
+                  </a:cubicBezTo>
+                  <a:lnTo>
+                    <a:pt x="835552" y="301173"/>
+                  </a:lnTo>
+                  <a:cubicBezTo>
+                    <a:pt x="857427" y="289183"/>
+                    <a:pt x="880470" y="278896"/>
+                    <a:pt x="902979" y="268004"/>
+                  </a:cubicBezTo>
+                  <a:lnTo>
+                    <a:pt x="971127" y="235607"/>
+                  </a:lnTo>
+                  <a:lnTo>
+                    <a:pt x="988238" y="227556"/>
+                  </a:lnTo>
+                  <a:lnTo>
+                    <a:pt x="1005744" y="220191"/>
+                  </a:lnTo>
+                  <a:lnTo>
+                    <a:pt x="1040729" y="205569"/>
+                  </a:lnTo>
+                  <a:lnTo>
+                    <a:pt x="1110835" y="176248"/>
+                  </a:lnTo>
+                  <a:cubicBezTo>
+                    <a:pt x="1157999" y="157703"/>
+                    <a:pt x="1206322" y="141323"/>
+                    <a:pt x="1254256" y="123796"/>
+                  </a:cubicBezTo>
+                  <a:cubicBezTo>
+                    <a:pt x="1302938" y="108671"/>
+                    <a:pt x="1352074" y="94017"/>
+                    <a:pt x="1401310" y="79852"/>
+                  </a:cubicBezTo>
+                  <a:cubicBezTo>
+                    <a:pt x="1599497" y="26774"/>
+                    <a:pt x="1806373" y="-329"/>
+                    <a:pt x="2011811" y="4"/>
+                  </a:cubicBezTo>
+                  <a:close/>
+                </a:path>
+              </a:pathLst>
+            </a:custGeom>
+            <a:gradFill>
+              <a:gsLst>
+                <a:gs pos="2000">
+                  <a:schemeClr val="bg1">
+                    <a:alpha val="10000"/>
+                  </a:schemeClr>
+                </a:gs>
+                <a:gs pos="16000">
+                  <a:schemeClr val="accent6">
+                    <a:alpha val="10000"/>
+                  </a:schemeClr>
+                </a:gs>
+                <a:gs pos="100000">
+                  <a:schemeClr val="bg1">
+                    <a:alpha val="10000"/>
+                  </a:schemeClr>
+                </a:gs>
+                <a:gs pos="85000">
+                  <a:schemeClr val="accent1">
+                    <a:alpha val="10000"/>
+                  </a:schemeClr>
+                </a:gs>
+              </a:gsLst>
+              <a:lin ang="12000000" scaled="0"/>
+            </a:gradFill>
+            <a:ln>
+              <a:noFill/>
+            </a:ln>
+          </p:spPr>
+          <p:style>
+            <a:lnRef idx="2">
+              <a:schemeClr val="accent1">
+                <a:shade val="50000"/>
+              </a:schemeClr>
+            </a:lnRef>
+            <a:fillRef idx="1">
+              <a:schemeClr val="accent1"/>
+            </a:fillRef>
+            <a:effectRef idx="0">
+              <a:schemeClr val="accent1"/>
+            </a:effectRef>
+            <a:fontRef idx="minor">
+              <a:schemeClr val="lt1"/>
+            </a:fontRef>
+          </p:style>
+          <p:txBody>
+            <a:bodyPr wrap="square" rtlCol="0" anchor="ctr">
+              <a:noAutofit/>
+            </a:bodyPr>
+            <a:lstStyle/>
+            <a:p>
+              <a:pPr algn="ctr"/>
+              <a:endParaRPr lang="en-US"/>
+            </a:p>
+          </p:txBody>
+        </p:sp>
+        <p:sp>
+          <p:nvSpPr>
+            <p:cNvPr id="14" name="Freeform: Shape 13">
+              <a:extLst>
+                <a:ext uri="{FF2B5EF4-FFF2-40B4-BE49-F238E27FC236}">
+                  <a16:creationId xmlns:a16="http://schemas.microsoft.com/office/drawing/2014/main" id="{06AC5DCC-C3CC-4FD5-AD4E-13A1BE5F7F68}"/>
+                </a:ext>
+                <a:ext uri="{C183D7F6-B498-43B3-948B-1728B52AA6E4}">
+                  <adec:decorative xmlns:adec="http://schemas.microsoft.com/office/drawing/2017/decorative" val="1"/>
+                </a:ext>
+              </a:extLst>
+            </p:cNvPr>
+            <p:cNvSpPr/>
+            <p:nvPr>
+              <p:extLst>
+                <p:ext uri="{386F3935-93C4-4BCD-93E2-E3B085C9AB24}">
+                  <p16:designElem xmlns:p16="http://schemas.microsoft.com/office/powerpoint/2015/main" val="1"/>
+                </p:ext>
+              </p:extLst>
+            </p:nvPr>
+          </p:nvSpPr>
+          <p:spPr>
+            <a:xfrm>
+              <a:off x="-19220" y="297400"/>
+              <a:ext cx="5215811" cy="6107388"/>
+            </a:xfrm>
+            <a:custGeom>
+              <a:avLst/>
+              <a:gdLst>
+                <a:gd name="connsiteX0" fmla="*/ 1869139 w 5215811"/>
+                <a:gd name="connsiteY0" fmla="*/ 9 h 6107388"/>
+                <a:gd name="connsiteX1" fmla="*/ 2791149 w 5215811"/>
+                <a:gd name="connsiteY1" fmla="*/ 130229 h 6107388"/>
+                <a:gd name="connsiteX2" fmla="*/ 4760307 w 5215811"/>
+                <a:gd name="connsiteY2" fmla="*/ 1608408 h 6107388"/>
+                <a:gd name="connsiteX3" fmla="*/ 5108574 w 5215811"/>
+                <a:gd name="connsiteY3" fmla="*/ 4050383 h 6107388"/>
+                <a:gd name="connsiteX4" fmla="*/ 3434916 w 5215811"/>
+                <a:gd name="connsiteY4" fmla="*/ 5503134 h 6107388"/>
+                <a:gd name="connsiteX5" fmla="*/ 1137841 w 5215811"/>
+                <a:gd name="connsiteY5" fmla="*/ 6033968 h 6107388"/>
+                <a:gd name="connsiteX6" fmla="*/ 217555 w 5215811"/>
+                <a:gd name="connsiteY6" fmla="*/ 5598945 h 6107388"/>
+                <a:gd name="connsiteX7" fmla="*/ 0 w 5215811"/>
+                <a:gd name="connsiteY7" fmla="*/ 5419622 h 6107388"/>
+                <a:gd name="connsiteX8" fmla="*/ 0 w 5215811"/>
+                <a:gd name="connsiteY8" fmla="*/ 4571683 h 6107388"/>
+                <a:gd name="connsiteX9" fmla="*/ 18056 w 5215811"/>
+                <a:gd name="connsiteY9" fmla="*/ 4599282 h 6107388"/>
+                <a:gd name="connsiteX10" fmla="*/ 358324 w 5215811"/>
+                <a:gd name="connsiteY10" fmla="*/ 4988154 h 6107388"/>
+                <a:gd name="connsiteX11" fmla="*/ 1282741 w 5215811"/>
+                <a:gd name="connsiteY11" fmla="*/ 5493193 h 6107388"/>
+                <a:gd name="connsiteX12" fmla="*/ 2172794 w 5215811"/>
+                <a:gd name="connsiteY12" fmla="*/ 5470630 h 6107388"/>
+                <a:gd name="connsiteX13" fmla="*/ 3146893 w 5215811"/>
+                <a:gd name="connsiteY13" fmla="*/ 5016296 h 6107388"/>
+                <a:gd name="connsiteX14" fmla="*/ 3574114 w 5215811"/>
+                <a:gd name="connsiteY14" fmla="*/ 4791124 h 6107388"/>
+                <a:gd name="connsiteX15" fmla="*/ 4244948 w 5215811"/>
+                <a:gd name="connsiteY15" fmla="*/ 4392664 h 6107388"/>
+                <a:gd name="connsiteX16" fmla="*/ 4556385 w 5215811"/>
+                <a:gd name="connsiteY16" fmla="*/ 3902656 h 6107388"/>
+                <a:gd name="connsiteX17" fmla="*/ 4616354 w 5215811"/>
+                <a:gd name="connsiteY17" fmla="*/ 2851680 h 6107388"/>
+                <a:gd name="connsiteX18" fmla="*/ 4269266 w 5215811"/>
+                <a:gd name="connsiteY18" fmla="*/ 1889625 h 6107388"/>
+                <a:gd name="connsiteX19" fmla="*/ 2645976 w 5215811"/>
+                <a:gd name="connsiteY19" fmla="*/ 671162 h 6107388"/>
+                <a:gd name="connsiteX20" fmla="*/ 1648930 w 5215811"/>
+                <a:gd name="connsiteY20" fmla="*/ 573017 h 6107388"/>
+                <a:gd name="connsiteX21" fmla="*/ 771768 w 5215811"/>
+                <a:gd name="connsiteY21" fmla="*/ 865882 h 6107388"/>
+                <a:gd name="connsiteX22" fmla="*/ 433617 w 5215811"/>
+                <a:gd name="connsiteY22" fmla="*/ 1119441 h 6107388"/>
+                <a:gd name="connsiteX23" fmla="*/ 200571 w 5215811"/>
+                <a:gd name="connsiteY23" fmla="*/ 1486480 h 6107388"/>
+                <a:gd name="connsiteX24" fmla="*/ 47077 w 5215811"/>
+                <a:gd name="connsiteY24" fmla="*/ 1753604 h 6107388"/>
+                <a:gd name="connsiteX25" fmla="*/ 0 w 5215811"/>
+                <a:gd name="connsiteY25" fmla="*/ 1831655 h 6107388"/>
+                <a:gd name="connsiteX26" fmla="*/ 0 w 5215811"/>
+                <a:gd name="connsiteY26" fmla="*/ 751112 h 6107388"/>
+                <a:gd name="connsiteX27" fmla="*/ 6994 w 5215811"/>
+                <a:gd name="connsiteY27" fmla="*/ 742614 h 6107388"/>
+                <a:gd name="connsiteX28" fmla="*/ 484047 w 5215811"/>
+                <a:gd name="connsiteY28" fmla="*/ 378777 h 6107388"/>
+                <a:gd name="connsiteX29" fmla="*/ 1869139 w 5215811"/>
+                <a:gd name="connsiteY29" fmla="*/ 9 h 6107388"/>
+              </a:gdLst>
+              <a:ahLst/>
+              <a:cxnLst>
+                <a:cxn ang="0">
+                  <a:pos x="connsiteX0" y="connsiteY0"/>
+                </a:cxn>
+                <a:cxn ang="0">
+                  <a:pos x="connsiteX1" y="connsiteY1"/>
+                </a:cxn>
+                <a:cxn ang="0">
+                  <a:pos x="connsiteX2" y="connsiteY2"/>
+                </a:cxn>
+                <a:cxn ang="0">
+                  <a:pos x="connsiteX3" y="connsiteY3"/>
+                </a:cxn>
+                <a:cxn ang="0">
+                  <a:pos x="connsiteX4" y="connsiteY4"/>
+                </a:cxn>
+                <a:cxn ang="0">
+                  <a:pos x="connsiteX5" y="connsiteY5"/>
+                </a:cxn>
+                <a:cxn ang="0">
+                  <a:pos x="connsiteX6" y="connsiteY6"/>
+                </a:cxn>
+                <a:cxn ang="0">
+                  <a:pos x="connsiteX7" y="connsiteY7"/>
+                </a:cxn>
+                <a:cxn ang="0">
+                  <a:pos x="connsiteX8" y="connsiteY8"/>
+                </a:cxn>
+                <a:cxn ang="0">
+                  <a:pos x="connsiteX9" y="connsiteY9"/>
+                </a:cxn>
+                <a:cxn ang="0">
+                  <a:pos x="connsiteX10" y="connsiteY10"/>
+                </a:cxn>
+                <a:cxn ang="0">
+                  <a:pos x="connsiteX11" y="connsiteY11"/>
+                </a:cxn>
+                <a:cxn ang="0">
+                  <a:pos x="connsiteX12" y="connsiteY12"/>
+                </a:cxn>
+                <a:cxn ang="0">
+                  <a:pos x="connsiteX13" y="connsiteY13"/>
+                </a:cxn>
+                <a:cxn ang="0">
+                  <a:pos x="connsiteX14" y="connsiteY14"/>
+                </a:cxn>
+                <a:cxn ang="0">
+                  <a:pos x="connsiteX15" y="connsiteY15"/>
+                </a:cxn>
+                <a:cxn ang="0">
+                  <a:pos x="connsiteX16" y="connsiteY16"/>
+                </a:cxn>
+                <a:cxn ang="0">
+                  <a:pos x="connsiteX17" y="connsiteY17"/>
+                </a:cxn>
+                <a:cxn ang="0">
+                  <a:pos x="connsiteX18" y="connsiteY18"/>
+                </a:cxn>
+                <a:cxn ang="0">
+                  <a:pos x="connsiteX19" y="connsiteY19"/>
+                </a:cxn>
+                <a:cxn ang="0">
+                  <a:pos x="connsiteX20" y="connsiteY20"/>
+                </a:cxn>
+                <a:cxn ang="0">
+                  <a:pos x="connsiteX21" y="connsiteY21"/>
+                </a:cxn>
+                <a:cxn ang="0">
+                  <a:pos x="connsiteX22" y="connsiteY22"/>
+                </a:cxn>
+                <a:cxn ang="0">
+                  <a:pos x="connsiteX23" y="connsiteY23"/>
+                </a:cxn>
+                <a:cxn ang="0">
+                  <a:pos x="connsiteX24" y="connsiteY24"/>
+                </a:cxn>
+                <a:cxn ang="0">
+                  <a:pos x="connsiteX25" y="connsiteY25"/>
+                </a:cxn>
+                <a:cxn ang="0">
+                  <a:pos x="connsiteX26" y="connsiteY26"/>
+                </a:cxn>
+                <a:cxn ang="0">
+                  <a:pos x="connsiteX27" y="connsiteY27"/>
+                </a:cxn>
+                <a:cxn ang="0">
+                  <a:pos x="connsiteX28" y="connsiteY28"/>
+                </a:cxn>
+                <a:cxn ang="0">
+                  <a:pos x="connsiteX29" y="connsiteY29"/>
+                </a:cxn>
+              </a:cxnLst>
+              <a:rect l="l" t="t" r="r" b="b"/>
+              <a:pathLst>
+                <a:path w="5215811" h="6107388">
+                  <a:moveTo>
+                    <a:pt x="1869139" y="9"/>
+                  </a:moveTo>
+                  <a:cubicBezTo>
+                    <a:pt x="2160924" y="-706"/>
+                    <a:pt x="2465752" y="43039"/>
+                    <a:pt x="2791149" y="130229"/>
+                  </a:cubicBezTo>
+                  <a:cubicBezTo>
+                    <a:pt x="3651198" y="360678"/>
+                    <a:pt x="4339884" y="907924"/>
+                    <a:pt x="4760307" y="1608408"/>
+                  </a:cubicBezTo>
+                  <a:cubicBezTo>
+                    <a:pt x="5188180" y="2321320"/>
+                    <a:pt x="5338357" y="3192822"/>
+                    <a:pt x="5108574" y="4050383"/>
+                  </a:cubicBezTo>
+                  <a:cubicBezTo>
+                    <a:pt x="4880820" y="4900373"/>
+                    <a:pt x="4152841" y="5098512"/>
+                    <a:pt x="3434916" y="5503134"/>
+                  </a:cubicBezTo>
+                  <a:cubicBezTo>
+                    <a:pt x="2717099" y="5907783"/>
+                    <a:pt x="2005568" y="6266474"/>
+                    <a:pt x="1137841" y="6033968"/>
+                  </a:cubicBezTo>
+                  <a:cubicBezTo>
+                    <a:pt x="783079" y="5938910"/>
+                    <a:pt x="479573" y="5790114"/>
+                    <a:pt x="217555" y="5598945"/>
+                  </a:cubicBezTo>
+                  <a:lnTo>
+                    <a:pt x="0" y="5419622"/>
+                  </a:lnTo>
+                  <a:lnTo>
+                    <a:pt x="0" y="4571683"/>
+                  </a:lnTo>
+                  <a:lnTo>
+                    <a:pt x="18056" y="4599282"/>
+                  </a:lnTo>
+                  <a:cubicBezTo>
+                    <a:pt x="124071" y="4746782"/>
+                    <a:pt x="237002" y="4875718"/>
+                    <a:pt x="358324" y="4988154"/>
+                  </a:cubicBezTo>
+                  <a:cubicBezTo>
+                    <a:pt x="621323" y="5231809"/>
+                    <a:pt x="923667" y="5396979"/>
+                    <a:pt x="1282741" y="5493193"/>
+                  </a:cubicBezTo>
+                  <a:cubicBezTo>
+                    <a:pt x="1573894" y="5571207"/>
+                    <a:pt x="1856732" y="5563878"/>
+                    <a:pt x="2172794" y="5470630"/>
+                  </a:cubicBezTo>
+                  <a:cubicBezTo>
+                    <a:pt x="2498985" y="5374183"/>
+                    <a:pt x="2832844" y="5193315"/>
+                    <a:pt x="3146893" y="5016296"/>
+                  </a:cubicBezTo>
+                  <a:cubicBezTo>
+                    <a:pt x="3293538" y="4933641"/>
+                    <a:pt x="3436182" y="4861160"/>
+                    <a:pt x="3574114" y="4791124"/>
+                  </a:cubicBezTo>
+                  <a:cubicBezTo>
+                    <a:pt x="3841238" y="4655550"/>
+                    <a:pt x="4071901" y="4538375"/>
+                    <a:pt x="4244948" y="4392664"/>
+                  </a:cubicBezTo>
+                  <a:cubicBezTo>
+                    <a:pt x="4405844" y="4257259"/>
+                    <a:pt x="4501845" y="4106204"/>
+                    <a:pt x="4556385" y="3902656"/>
+                  </a:cubicBezTo>
+                  <a:cubicBezTo>
+                    <a:pt x="4649063" y="3556776"/>
+                    <a:pt x="4669271" y="3203187"/>
+                    <a:pt x="4616354" y="2851680"/>
+                  </a:cubicBezTo>
+                  <a:cubicBezTo>
+                    <a:pt x="4565198" y="2511774"/>
+                    <a:pt x="4448474" y="2188147"/>
+                    <a:pt x="4269266" y="1889625"/>
+                  </a:cubicBezTo>
+                  <a:cubicBezTo>
+                    <a:pt x="3907781" y="1287586"/>
+                    <a:pt x="3331245" y="854780"/>
+                    <a:pt x="2645976" y="671162"/>
+                  </a:cubicBezTo>
+                  <a:cubicBezTo>
+                    <a:pt x="2278249" y="572630"/>
+                    <a:pt x="1952074" y="540526"/>
+                    <a:pt x="1648930" y="573017"/>
+                  </a:cubicBezTo>
+                  <a:cubicBezTo>
+                    <a:pt x="1351746" y="604901"/>
+                    <a:pt x="1064785" y="700731"/>
+                    <a:pt x="771768" y="865882"/>
+                  </a:cubicBezTo>
+                  <a:cubicBezTo>
+                    <a:pt x="568061" y="980657"/>
+                    <a:pt x="486465" y="1058486"/>
+                    <a:pt x="433617" y="1119441"/>
+                  </a:cubicBezTo>
+                  <a:cubicBezTo>
+                    <a:pt x="358307" y="1206256"/>
+                    <a:pt x="292149" y="1323808"/>
+                    <a:pt x="200571" y="1486480"/>
+                  </a:cubicBezTo>
+                  <a:cubicBezTo>
+                    <a:pt x="156644" y="1564432"/>
+                    <a:pt x="106654" y="1653214"/>
+                    <a:pt x="47077" y="1753604"/>
+                  </a:cubicBezTo>
+                  <a:lnTo>
+                    <a:pt x="0" y="1831655"/>
+                  </a:lnTo>
+                  <a:lnTo>
+                    <a:pt x="0" y="751112"/>
+                  </a:lnTo>
+                  <a:lnTo>
+                    <a:pt x="6994" y="742614"/>
+                  </a:lnTo>
+                  <a:cubicBezTo>
+                    <a:pt x="117721" y="617683"/>
+                    <a:pt x="259696" y="505222"/>
+                    <a:pt x="484047" y="378777"/>
+                  </a:cubicBezTo>
+                  <a:cubicBezTo>
+                    <a:pt x="932751" y="125890"/>
+                    <a:pt x="1382831" y="1200"/>
+                    <a:pt x="1869139" y="9"/>
+                  </a:cubicBezTo>
+                  <a:close/>
+                </a:path>
+              </a:pathLst>
+            </a:custGeom>
+            <a:gradFill>
+              <a:gsLst>
+                <a:gs pos="2000">
+                  <a:schemeClr val="bg1">
+                    <a:alpha val="10000"/>
+                  </a:schemeClr>
+                </a:gs>
+                <a:gs pos="16000">
+                  <a:schemeClr val="accent6">
+                    <a:alpha val="10000"/>
+                  </a:schemeClr>
+                </a:gs>
+                <a:gs pos="100000">
+                  <a:schemeClr val="bg1">
+                    <a:alpha val="10000"/>
+                  </a:schemeClr>
+                </a:gs>
+                <a:gs pos="85000">
+                  <a:schemeClr val="accent1">
+                    <a:alpha val="10000"/>
+                  </a:schemeClr>
+                </a:gs>
+              </a:gsLst>
+              <a:lin ang="12000000" scaled="0"/>
+            </a:gradFill>
+            <a:ln>
+              <a:noFill/>
+            </a:ln>
+          </p:spPr>
+          <p:style>
+            <a:lnRef idx="2">
+              <a:schemeClr val="accent1">
+                <a:shade val="50000"/>
+              </a:schemeClr>
+            </a:lnRef>
+            <a:fillRef idx="1">
+              <a:schemeClr val="accent1"/>
+            </a:fillRef>
+            <a:effectRef idx="0">
+              <a:schemeClr val="accent1"/>
+            </a:effectRef>
+            <a:fontRef idx="minor">
+              <a:schemeClr val="lt1"/>
+            </a:fontRef>
+          </p:style>
+          <p:txBody>
+            <a:bodyPr wrap="square" rtlCol="0" anchor="ctr">
+              <a:noAutofit/>
+            </a:bodyPr>
+            <a:lstStyle/>
+            <a:p>
+              <a:pPr algn="ctr"/>
+              <a:endParaRPr lang="en-US"/>
+            </a:p>
+          </p:txBody>
+        </p:sp>
+        <p:sp>
+          <p:nvSpPr>
+            <p:cNvPr id="15" name="Freeform: Shape 14">
+              <a:extLst>
+                <a:ext uri="{FF2B5EF4-FFF2-40B4-BE49-F238E27FC236}">
+                  <a16:creationId xmlns:a16="http://schemas.microsoft.com/office/drawing/2014/main" id="{4BBCC2F4-EFA7-4AF4-B538-AC4022D90F47}"/>
+                </a:ext>
+                <a:ext uri="{C183D7F6-B498-43B3-948B-1728B52AA6E4}">
+                  <adec:decorative xmlns:adec="http://schemas.microsoft.com/office/drawing/2017/decorative" val="1"/>
+                </a:ext>
+              </a:extLst>
+            </p:cNvPr>
+            <p:cNvSpPr/>
+            <p:nvPr>
+              <p:extLst>
+                <p:ext uri="{386F3935-93C4-4BCD-93E2-E3B085C9AB24}">
+                  <p16:designElem xmlns:p16="http://schemas.microsoft.com/office/powerpoint/2015/main" val="1"/>
+                </p:ext>
+              </p:extLst>
+            </p:nvPr>
+          </p:nvSpPr>
+          <p:spPr>
+            <a:xfrm>
+              <a:off x="-19221" y="319367"/>
+              <a:ext cx="5217956" cy="6100079"/>
+            </a:xfrm>
+            <a:custGeom>
+              <a:avLst/>
+              <a:gdLst>
+                <a:gd name="connsiteX0" fmla="*/ 1951393 w 5217956"/>
+                <a:gd name="connsiteY0" fmla="*/ 82 h 6100079"/>
+                <a:gd name="connsiteX1" fmla="*/ 2855177 w 5217956"/>
+                <a:gd name="connsiteY1" fmla="*/ 125419 h 6100079"/>
+                <a:gd name="connsiteX2" fmla="*/ 4779341 w 5217956"/>
+                <a:gd name="connsiteY2" fmla="*/ 1591542 h 6100079"/>
+                <a:gd name="connsiteX3" fmla="*/ 5108573 w 5217956"/>
+                <a:gd name="connsiteY3" fmla="*/ 4028416 h 6100079"/>
+                <a:gd name="connsiteX4" fmla="*/ 3459358 w 5217956"/>
+                <a:gd name="connsiteY4" fmla="*/ 5487716 h 6100079"/>
+                <a:gd name="connsiteX5" fmla="*/ 1203274 w 5217956"/>
+                <a:gd name="connsiteY5" fmla="*/ 6029534 h 6100079"/>
+                <a:gd name="connsiteX6" fmla="*/ 59920 w 5217956"/>
+                <a:gd name="connsiteY6" fmla="*/ 5396467 h 6100079"/>
+                <a:gd name="connsiteX7" fmla="*/ 0 w 5217956"/>
+                <a:gd name="connsiteY7" fmla="*/ 5333382 h 6100079"/>
+                <a:gd name="connsiteX8" fmla="*/ 0 w 5217956"/>
+                <a:gd name="connsiteY8" fmla="*/ 4205833 h 6100079"/>
+                <a:gd name="connsiteX9" fmla="*/ 58036 w 5217956"/>
+                <a:gd name="connsiteY9" fmla="*/ 4310048 h 6100079"/>
+                <a:gd name="connsiteX10" fmla="*/ 520779 w 5217956"/>
+                <a:gd name="connsiteY10" fmla="*/ 4907591 h 6100079"/>
+                <a:gd name="connsiteX11" fmla="*/ 1377154 w 5217956"/>
+                <a:gd name="connsiteY11" fmla="*/ 5380604 h 6100079"/>
+                <a:gd name="connsiteX12" fmla="*/ 3123340 w 5217956"/>
+                <a:gd name="connsiteY12" fmla="*/ 4905715 h 6100079"/>
+                <a:gd name="connsiteX13" fmla="*/ 3547863 w 5217956"/>
+                <a:gd name="connsiteY13" fmla="*/ 4676342 h 6100079"/>
+                <a:gd name="connsiteX14" fmla="*/ 4186753 w 5217956"/>
+                <a:gd name="connsiteY14" fmla="*/ 4289376 h 6100079"/>
+                <a:gd name="connsiteX15" fmla="*/ 4459565 w 5217956"/>
+                <a:gd name="connsiteY15" fmla="*/ 3854399 h 6100079"/>
+                <a:gd name="connsiteX16" fmla="*/ 4521015 w 5217956"/>
+                <a:gd name="connsiteY16" fmla="*/ 2849377 h 6100079"/>
+                <a:gd name="connsiteX17" fmla="*/ 4199723 w 5217956"/>
+                <a:gd name="connsiteY17" fmla="*/ 1931213 h 6100079"/>
+                <a:gd name="connsiteX18" fmla="*/ 2681217 w 5217956"/>
+                <a:gd name="connsiteY18" fmla="*/ 774211 h 6100079"/>
+                <a:gd name="connsiteX19" fmla="*/ 926547 w 5217956"/>
+                <a:gd name="connsiteY19" fmla="*/ 967112 h 6100079"/>
+                <a:gd name="connsiteX20" fmla="*/ 622677 w 5217956"/>
+                <a:gd name="connsiteY20" fmla="*/ 1197863 h 6100079"/>
+                <a:gd name="connsiteX21" fmla="*/ 404892 w 5217956"/>
+                <a:gd name="connsiteY21" fmla="*/ 1547314 h 6100079"/>
+                <a:gd name="connsiteX22" fmla="*/ 40135 w 5217956"/>
+                <a:gd name="connsiteY22" fmla="*/ 2159090 h 6100079"/>
+                <a:gd name="connsiteX23" fmla="*/ 0 w 5217956"/>
+                <a:gd name="connsiteY23" fmla="*/ 2219367 h 6100079"/>
+                <a:gd name="connsiteX24" fmla="*/ 0 w 5217956"/>
+                <a:gd name="connsiteY24" fmla="*/ 915659 h 6100079"/>
+                <a:gd name="connsiteX25" fmla="*/ 58609 w 5217956"/>
+                <a:gd name="connsiteY25" fmla="*/ 828051 h 6100079"/>
+                <a:gd name="connsiteX26" fmla="*/ 590688 w 5217956"/>
+                <a:gd name="connsiteY26" fmla="*/ 385385 h 6100079"/>
+                <a:gd name="connsiteX27" fmla="*/ 1951393 w 5217956"/>
+                <a:gd name="connsiteY27" fmla="*/ 82 h 6100079"/>
+              </a:gdLst>
+              <a:ahLst/>
+              <a:cxnLst>
+                <a:cxn ang="0">
+                  <a:pos x="connsiteX0" y="connsiteY0"/>
+                </a:cxn>
+                <a:cxn ang="0">
+                  <a:pos x="connsiteX1" y="connsiteY1"/>
+                </a:cxn>
+                <a:cxn ang="0">
+                  <a:pos x="connsiteX2" y="connsiteY2"/>
+                </a:cxn>
+                <a:cxn ang="0">
+                  <a:pos x="connsiteX3" y="connsiteY3"/>
+                </a:cxn>
+                <a:cxn ang="0">
+                  <a:pos x="connsiteX4" y="connsiteY4"/>
+                </a:cxn>
+                <a:cxn ang="0">
+                  <a:pos x="connsiteX5" y="connsiteY5"/>
+                </a:cxn>
+                <a:cxn ang="0">
+                  <a:pos x="connsiteX6" y="connsiteY6"/>
+                </a:cxn>
+                <a:cxn ang="0">
+                  <a:pos x="connsiteX7" y="connsiteY7"/>
+                </a:cxn>
+                <a:cxn ang="0">
+                  <a:pos x="connsiteX8" y="connsiteY8"/>
+                </a:cxn>
+                <a:cxn ang="0">
+                  <a:pos x="connsiteX9" y="connsiteY9"/>
+                </a:cxn>
+                <a:cxn ang="0">
+                  <a:pos x="connsiteX10" y="connsiteY10"/>
+                </a:cxn>
+                <a:cxn ang="0">
+                  <a:pos x="connsiteX11" y="connsiteY11"/>
+                </a:cxn>
+                <a:cxn ang="0">
+                  <a:pos x="connsiteX12" y="connsiteY12"/>
+                </a:cxn>
+                <a:cxn ang="0">
+                  <a:pos x="connsiteX13" y="connsiteY13"/>
+                </a:cxn>
+                <a:cxn ang="0">
+                  <a:pos x="connsiteX14" y="connsiteY14"/>
+                </a:cxn>
+                <a:cxn ang="0">
+                  <a:pos x="connsiteX15" y="connsiteY15"/>
+                </a:cxn>
+                <a:cxn ang="0">
+                  <a:pos x="connsiteX16" y="connsiteY16"/>
+                </a:cxn>
+                <a:cxn ang="0">
+                  <a:pos x="connsiteX17" y="connsiteY17"/>
+                </a:cxn>
+                <a:cxn ang="0">
+                  <a:pos x="connsiteX18" y="connsiteY18"/>
+                </a:cxn>
+                <a:cxn ang="0">
+                  <a:pos x="connsiteX19" y="connsiteY19"/>
+                </a:cxn>
+                <a:cxn ang="0">
+                  <a:pos x="connsiteX20" y="connsiteY20"/>
+                </a:cxn>
+                <a:cxn ang="0">
+                  <a:pos x="connsiteX21" y="connsiteY21"/>
+                </a:cxn>
+                <a:cxn ang="0">
+                  <a:pos x="connsiteX22" y="connsiteY22"/>
+                </a:cxn>
+                <a:cxn ang="0">
+                  <a:pos x="connsiteX23" y="connsiteY23"/>
+                </a:cxn>
+                <a:cxn ang="0">
+                  <a:pos x="connsiteX24" y="connsiteY24"/>
+                </a:cxn>
+                <a:cxn ang="0">
+                  <a:pos x="connsiteX25" y="connsiteY25"/>
+                </a:cxn>
+                <a:cxn ang="0">
+                  <a:pos x="connsiteX26" y="connsiteY26"/>
+                </a:cxn>
+                <a:cxn ang="0">
+                  <a:pos x="connsiteX27" y="connsiteY27"/>
+                </a:cxn>
+              </a:cxnLst>
+              <a:rect l="l" t="t" r="r" b="b"/>
+              <a:pathLst>
+                <a:path w="5217956" h="6100079">
+                  <a:moveTo>
+                    <a:pt x="1951393" y="82"/>
+                  </a:moveTo>
+                  <a:cubicBezTo>
+                    <a:pt x="2237631" y="-2119"/>
+                    <a:pt x="2536431" y="40011"/>
+                    <a:pt x="2855177" y="125419"/>
+                  </a:cubicBezTo>
+                  <a:cubicBezTo>
+                    <a:pt x="3697704" y="351173"/>
+                    <a:pt x="4370490" y="894159"/>
+                    <a:pt x="4779341" y="1591542"/>
+                  </a:cubicBezTo>
+                  <a:cubicBezTo>
+                    <a:pt x="5195534" y="2301324"/>
+                    <a:pt x="5338356" y="3170855"/>
+                    <a:pt x="5108573" y="4028416"/>
+                  </a:cubicBezTo>
+                  <a:cubicBezTo>
+                    <a:pt x="4880819" y="4878406"/>
+                    <a:pt x="4165603" y="5079965"/>
+                    <a:pt x="3459358" y="5487716"/>
+                  </a:cubicBezTo>
+                  <a:cubicBezTo>
+                    <a:pt x="2753114" y="5895466"/>
+                    <a:pt x="2053264" y="6257288"/>
+                    <a:pt x="1203274" y="6029534"/>
+                  </a:cubicBezTo>
+                  <a:cubicBezTo>
+                    <a:pt x="739884" y="5905369"/>
+                    <a:pt x="366399" y="5685345"/>
+                    <a:pt x="59920" y="5396467"/>
+                  </a:cubicBezTo>
+                  <a:lnTo>
+                    <a:pt x="0" y="5333382"/>
+                  </a:lnTo>
+                  <a:lnTo>
+                    <a:pt x="0" y="4205833"/>
+                  </a:lnTo>
+                  <a:lnTo>
+                    <a:pt x="58036" y="4310048"/>
+                  </a:lnTo>
+                  <a:cubicBezTo>
+                    <a:pt x="197935" y="4550245"/>
+                    <a:pt x="350594" y="4747142"/>
+                    <a:pt x="520779" y="4907591"/>
+                  </a:cubicBezTo>
+                  <a:cubicBezTo>
+                    <a:pt x="763600" y="5136565"/>
+                    <a:pt x="1043821" y="5291288"/>
+                    <a:pt x="1377154" y="5380604"/>
+                  </a:cubicBezTo>
+                  <a:cubicBezTo>
+                    <a:pt x="1963029" y="5537589"/>
+                    <a:pt x="2470519" y="5282804"/>
+                    <a:pt x="3123340" y="4905715"/>
+                  </a:cubicBezTo>
+                  <a:cubicBezTo>
+                    <a:pt x="3269800" y="4821157"/>
+                    <a:pt x="3411134" y="4747512"/>
+                    <a:pt x="3547863" y="4676342"/>
+                  </a:cubicBezTo>
+                  <a:cubicBezTo>
+                    <a:pt x="3804497" y="4542710"/>
+                    <a:pt x="4026085" y="4427393"/>
+                    <a:pt x="4186753" y="4289376"/>
+                  </a:cubicBezTo>
+                  <a:cubicBezTo>
+                    <a:pt x="4329009" y="4167293"/>
+                    <a:pt x="4410589" y="4037181"/>
+                    <a:pt x="4459565" y="3854399"/>
+                  </a:cubicBezTo>
+                  <a:cubicBezTo>
+                    <a:pt x="4548302" y="3523229"/>
+                    <a:pt x="4568981" y="3185183"/>
+                    <a:pt x="4521015" y="2849377"/>
+                  </a:cubicBezTo>
+                  <a:cubicBezTo>
+                    <a:pt x="4474709" y="2524680"/>
+                    <a:pt x="4366564" y="2215756"/>
+                    <a:pt x="4199723" y="1931213"/>
+                  </a:cubicBezTo>
+                  <a:cubicBezTo>
+                    <a:pt x="3863270" y="1357325"/>
+                    <a:pt x="3323982" y="946439"/>
+                    <a:pt x="2681217" y="774211"/>
+                  </a:cubicBezTo>
+                  <a:cubicBezTo>
+                    <a:pt x="2001139" y="591984"/>
+                    <a:pt x="1476322" y="649699"/>
+                    <a:pt x="926547" y="967112"/>
+                  </a:cubicBezTo>
+                  <a:cubicBezTo>
+                    <a:pt x="740730" y="1074393"/>
+                    <a:pt x="668642" y="1143989"/>
+                    <a:pt x="622677" y="1197863"/>
+                  </a:cubicBezTo>
+                  <a:cubicBezTo>
+                    <a:pt x="555599" y="1276450"/>
+                    <a:pt x="492360" y="1390031"/>
+                    <a:pt x="404892" y="1547314"/>
+                  </a:cubicBezTo>
+                  <a:cubicBezTo>
+                    <a:pt x="317047" y="1705133"/>
+                    <a:pt x="204816" y="1906756"/>
+                    <a:pt x="40135" y="2159090"/>
+                  </a:cubicBezTo>
+                  <a:lnTo>
+                    <a:pt x="0" y="2219367"/>
+                  </a:lnTo>
+                  <a:lnTo>
+                    <a:pt x="0" y="915659"/>
+                  </a:lnTo>
+                  <a:lnTo>
+                    <a:pt x="58609" y="828051"/>
+                  </a:lnTo>
+                  <a:cubicBezTo>
+                    <a:pt x="177453" y="670481"/>
+                    <a:pt x="325846" y="538291"/>
+                    <a:pt x="590688" y="385385"/>
+                  </a:cubicBezTo>
+                  <a:cubicBezTo>
+                    <a:pt x="1032158" y="130559"/>
+                    <a:pt x="1474329" y="3750"/>
+                    <a:pt x="1951393" y="82"/>
+                  </a:cubicBezTo>
+                  <a:close/>
+                </a:path>
+              </a:pathLst>
+            </a:custGeom>
+            <a:gradFill>
+              <a:gsLst>
+                <a:gs pos="2000">
+                  <a:schemeClr val="bg1">
+                    <a:alpha val="10000"/>
+                  </a:schemeClr>
+                </a:gs>
+                <a:gs pos="16000">
+                  <a:schemeClr val="accent6">
+                    <a:alpha val="10000"/>
+                  </a:schemeClr>
+                </a:gs>
+                <a:gs pos="100000">
+                  <a:schemeClr val="bg1">
+                    <a:alpha val="10000"/>
+                  </a:schemeClr>
+                </a:gs>
+                <a:gs pos="85000">
+                  <a:schemeClr val="accent1">
+                    <a:alpha val="10000"/>
+                  </a:schemeClr>
+                </a:gs>
+              </a:gsLst>
+              <a:lin ang="12000000" scaled="0"/>
+            </a:gradFill>
+            <a:ln>
+              <a:noFill/>
+            </a:ln>
+          </p:spPr>
+          <p:style>
+            <a:lnRef idx="2">
+              <a:schemeClr val="accent1">
+                <a:shade val="50000"/>
+              </a:schemeClr>
+            </a:lnRef>
+            <a:fillRef idx="1">
+              <a:schemeClr val="accent1"/>
+            </a:fillRef>
+            <a:effectRef idx="0">
+              <a:schemeClr val="accent1"/>
+            </a:effectRef>
+            <a:fontRef idx="minor">
+              <a:schemeClr val="lt1"/>
+            </a:fontRef>
+          </p:style>
+          <p:txBody>
+            <a:bodyPr wrap="square" rtlCol="0" anchor="ctr">
+              <a:noAutofit/>
+            </a:bodyPr>
+            <a:lstStyle/>
+            <a:p>
+              <a:pPr algn="ctr"/>
+              <a:endParaRPr lang="en-US"/>
+            </a:p>
+          </p:txBody>
+        </p:sp>
+        <p:sp>
+          <p:nvSpPr>
+            <p:cNvPr id="16" name="Freeform: Shape 15">
+              <a:extLst>
+                <a:ext uri="{FF2B5EF4-FFF2-40B4-BE49-F238E27FC236}">
+                  <a16:creationId xmlns:a16="http://schemas.microsoft.com/office/drawing/2014/main" id="{2A9D1364-B6A3-44CB-9FBA-C528F0CE909D}"/>
+                </a:ext>
+                <a:ext uri="{C183D7F6-B498-43B3-948B-1728B52AA6E4}">
+                  <adec:decorative xmlns:adec="http://schemas.microsoft.com/office/drawing/2017/decorative" val="1"/>
+                </a:ext>
+              </a:extLst>
+            </p:cNvPr>
+            <p:cNvSpPr/>
+            <p:nvPr>
+              <p:extLst>
+                <p:ext uri="{386F3935-93C4-4BCD-93E2-E3B085C9AB24}">
+                  <p16:designElem xmlns:p16="http://schemas.microsoft.com/office/powerpoint/2015/main" val="1"/>
+                </p:ext>
+              </p:extLst>
+            </p:nvPr>
+          </p:nvSpPr>
+          <p:spPr>
+            <a:xfrm>
+              <a:off x="-19220" y="319367"/>
+              <a:ext cx="5217957" cy="6100079"/>
+            </a:xfrm>
+            <a:custGeom>
+              <a:avLst/>
+              <a:gdLst>
+                <a:gd name="connsiteX0" fmla="*/ 1951394 w 5217957"/>
+                <a:gd name="connsiteY0" fmla="*/ 82 h 6100079"/>
+                <a:gd name="connsiteX1" fmla="*/ 2855178 w 5217957"/>
+                <a:gd name="connsiteY1" fmla="*/ 125419 h 6100079"/>
+                <a:gd name="connsiteX2" fmla="*/ 4779341 w 5217957"/>
+                <a:gd name="connsiteY2" fmla="*/ 1591542 h 6100079"/>
+                <a:gd name="connsiteX3" fmla="*/ 5108574 w 5217957"/>
+                <a:gd name="connsiteY3" fmla="*/ 4028416 h 6100079"/>
+                <a:gd name="connsiteX4" fmla="*/ 3459359 w 5217957"/>
+                <a:gd name="connsiteY4" fmla="*/ 5487716 h 6100079"/>
+                <a:gd name="connsiteX5" fmla="*/ 1203275 w 5217957"/>
+                <a:gd name="connsiteY5" fmla="*/ 6029534 h 6100079"/>
+                <a:gd name="connsiteX6" fmla="*/ 59921 w 5217957"/>
+                <a:gd name="connsiteY6" fmla="*/ 5396467 h 6100079"/>
+                <a:gd name="connsiteX7" fmla="*/ 0 w 5217957"/>
+                <a:gd name="connsiteY7" fmla="*/ 5333381 h 6100079"/>
+                <a:gd name="connsiteX8" fmla="*/ 0 w 5217957"/>
+                <a:gd name="connsiteY8" fmla="*/ 4427327 h 6100079"/>
+                <a:gd name="connsiteX9" fmla="*/ 112056 w 5217957"/>
+                <a:gd name="connsiteY9" fmla="*/ 4602502 h 6100079"/>
+                <a:gd name="connsiteX10" fmla="*/ 443875 w 5217957"/>
+                <a:gd name="connsiteY10" fmla="*/ 4989110 h 6100079"/>
+                <a:gd name="connsiteX11" fmla="*/ 1348175 w 5217957"/>
+                <a:gd name="connsiteY11" fmla="*/ 5488759 h 6100079"/>
+                <a:gd name="connsiteX12" fmla="*/ 2221463 w 5217957"/>
+                <a:gd name="connsiteY12" fmla="*/ 5461704 h 6100079"/>
+                <a:gd name="connsiteX13" fmla="*/ 3179339 w 5217957"/>
+                <a:gd name="connsiteY13" fmla="*/ 5003023 h 6100079"/>
+                <a:gd name="connsiteX14" fmla="*/ 3599638 w 5217957"/>
+                <a:gd name="connsiteY14" fmla="*/ 4775996 h 6100079"/>
+                <a:gd name="connsiteX15" fmla="*/ 4259765 w 5217957"/>
+                <a:gd name="connsiteY15" fmla="*/ 4374667 h 6100079"/>
+                <a:gd name="connsiteX16" fmla="*/ 4567742 w 5217957"/>
+                <a:gd name="connsiteY16" fmla="*/ 3883732 h 6100079"/>
+                <a:gd name="connsiteX17" fmla="*/ 4631929 w 5217957"/>
+                <a:gd name="connsiteY17" fmla="*/ 2833886 h 6100079"/>
+                <a:gd name="connsiteX18" fmla="*/ 4296412 w 5217957"/>
+                <a:gd name="connsiteY18" fmla="*/ 1874932 h 6100079"/>
+                <a:gd name="connsiteX19" fmla="*/ 2710219 w 5217957"/>
+                <a:gd name="connsiteY19" fmla="*/ 666410 h 6100079"/>
+                <a:gd name="connsiteX20" fmla="*/ 1732642 w 5217957"/>
+                <a:gd name="connsiteY20" fmla="*/ 573480 h 6100079"/>
+                <a:gd name="connsiteX21" fmla="*/ 870621 w 5217957"/>
+                <a:gd name="connsiteY21" fmla="*/ 870402 h 6100079"/>
+                <a:gd name="connsiteX22" fmla="*/ 537555 w 5217957"/>
+                <a:gd name="connsiteY22" fmla="*/ 1125324 h 6100079"/>
+                <a:gd name="connsiteX23" fmla="*/ 306995 w 5217957"/>
+                <a:gd name="connsiteY23" fmla="*/ 1493030 h 6100079"/>
+                <a:gd name="connsiteX24" fmla="*/ 23579 w 5217957"/>
+                <a:gd name="connsiteY24" fmla="*/ 1977465 h 6100079"/>
+                <a:gd name="connsiteX25" fmla="*/ 0 w 5217957"/>
+                <a:gd name="connsiteY25" fmla="*/ 2014291 h 6100079"/>
+                <a:gd name="connsiteX26" fmla="*/ 0 w 5217957"/>
+                <a:gd name="connsiteY26" fmla="*/ 915660 h 6100079"/>
+                <a:gd name="connsiteX27" fmla="*/ 58609 w 5217957"/>
+                <a:gd name="connsiteY27" fmla="*/ 828051 h 6100079"/>
+                <a:gd name="connsiteX28" fmla="*/ 590689 w 5217957"/>
+                <a:gd name="connsiteY28" fmla="*/ 385385 h 6100079"/>
+                <a:gd name="connsiteX29" fmla="*/ 1951394 w 5217957"/>
+                <a:gd name="connsiteY29" fmla="*/ 82 h 6100079"/>
+              </a:gdLst>
+              <a:ahLst/>
+              <a:cxnLst>
+                <a:cxn ang="0">
+                  <a:pos x="connsiteX0" y="connsiteY0"/>
+                </a:cxn>
+                <a:cxn ang="0">
+                  <a:pos x="connsiteX1" y="connsiteY1"/>
+                </a:cxn>
+                <a:cxn ang="0">
+                  <a:pos x="connsiteX2" y="connsiteY2"/>
+                </a:cxn>
+                <a:cxn ang="0">
+                  <a:pos x="connsiteX3" y="connsiteY3"/>
+                </a:cxn>
+                <a:cxn ang="0">
+                  <a:pos x="connsiteX4" y="connsiteY4"/>
+                </a:cxn>
+                <a:cxn ang="0">
+                  <a:pos x="connsiteX5" y="connsiteY5"/>
+                </a:cxn>
+                <a:cxn ang="0">
+                  <a:pos x="connsiteX6" y="connsiteY6"/>
+                </a:cxn>
+                <a:cxn ang="0">
+                  <a:pos x="connsiteX7" y="connsiteY7"/>
+                </a:cxn>
+                <a:cxn ang="0">
+                  <a:pos x="connsiteX8" y="connsiteY8"/>
+                </a:cxn>
+                <a:cxn ang="0">
+                  <a:pos x="connsiteX9" y="connsiteY9"/>
+                </a:cxn>
+                <a:cxn ang="0">
+                  <a:pos x="connsiteX10" y="connsiteY10"/>
+                </a:cxn>
+                <a:cxn ang="0">
+                  <a:pos x="connsiteX11" y="connsiteY11"/>
+                </a:cxn>
+                <a:cxn ang="0">
+                  <a:pos x="connsiteX12" y="connsiteY12"/>
+                </a:cxn>
+                <a:cxn ang="0">
+                  <a:pos x="connsiteX13" y="connsiteY13"/>
+                </a:cxn>
+                <a:cxn ang="0">
+                  <a:pos x="connsiteX14" y="connsiteY14"/>
+                </a:cxn>
+                <a:cxn ang="0">
+                  <a:pos x="connsiteX15" y="connsiteY15"/>
+                </a:cxn>
+                <a:cxn ang="0">
+                  <a:pos x="connsiteX16" y="connsiteY16"/>
+                </a:cxn>
+                <a:cxn ang="0">
+                  <a:pos x="connsiteX17" y="connsiteY17"/>
+                </a:cxn>
+                <a:cxn ang="0">
+                  <a:pos x="connsiteX18" y="connsiteY18"/>
+                </a:cxn>
+                <a:cxn ang="0">
+                  <a:pos x="connsiteX19" y="connsiteY19"/>
+                </a:cxn>
+                <a:cxn ang="0">
+                  <a:pos x="connsiteX20" y="connsiteY20"/>
+                </a:cxn>
+                <a:cxn ang="0">
+                  <a:pos x="connsiteX21" y="connsiteY21"/>
+                </a:cxn>
+                <a:cxn ang="0">
+                  <a:pos x="connsiteX22" y="connsiteY22"/>
+                </a:cxn>
+                <a:cxn ang="0">
+                  <a:pos x="connsiteX23" y="connsiteY23"/>
+                </a:cxn>
+                <a:cxn ang="0">
+                  <a:pos x="connsiteX24" y="connsiteY24"/>
+                </a:cxn>
+                <a:cxn ang="0">
+                  <a:pos x="connsiteX25" y="connsiteY25"/>
+                </a:cxn>
+                <a:cxn ang="0">
+                  <a:pos x="connsiteX26" y="connsiteY26"/>
+                </a:cxn>
+                <a:cxn ang="0">
+                  <a:pos x="connsiteX27" y="connsiteY27"/>
+                </a:cxn>
+                <a:cxn ang="0">
+                  <a:pos x="connsiteX28" y="connsiteY28"/>
+                </a:cxn>
+                <a:cxn ang="0">
+                  <a:pos x="connsiteX29" y="connsiteY29"/>
+                </a:cxn>
+              </a:cxnLst>
+              <a:rect l="l" t="t" r="r" b="b"/>
+              <a:pathLst>
+                <a:path w="5217957" h="6100079">
+                  <a:moveTo>
+                    <a:pt x="1951394" y="82"/>
+                  </a:moveTo>
+                  <a:cubicBezTo>
+                    <a:pt x="2237632" y="-2119"/>
+                    <a:pt x="2536431" y="40011"/>
+                    <a:pt x="2855178" y="125419"/>
+                  </a:cubicBezTo>
+                  <a:cubicBezTo>
+                    <a:pt x="3697704" y="351173"/>
+                    <a:pt x="4370491" y="894159"/>
+                    <a:pt x="4779341" y="1591542"/>
+                  </a:cubicBezTo>
+                  <a:cubicBezTo>
+                    <a:pt x="5195535" y="2301324"/>
+                    <a:pt x="5338357" y="3170855"/>
+                    <a:pt x="5108574" y="4028416"/>
+                  </a:cubicBezTo>
+                  <a:cubicBezTo>
+                    <a:pt x="4880820" y="4878406"/>
+                    <a:pt x="4165604" y="5079965"/>
+                    <a:pt x="3459359" y="5487716"/>
+                  </a:cubicBezTo>
+                  <a:cubicBezTo>
+                    <a:pt x="2753115" y="5895466"/>
+                    <a:pt x="2053265" y="6257288"/>
+                    <a:pt x="1203275" y="6029534"/>
+                  </a:cubicBezTo>
+                  <a:cubicBezTo>
+                    <a:pt x="739885" y="5905369"/>
+                    <a:pt x="366400" y="5685345"/>
+                    <a:pt x="59921" y="5396467"/>
+                  </a:cubicBezTo>
+                  <a:lnTo>
+                    <a:pt x="0" y="5333381"/>
+                  </a:lnTo>
+                  <a:lnTo>
+                    <a:pt x="0" y="4427327"/>
+                  </a:lnTo>
+                  <a:lnTo>
+                    <a:pt x="112056" y="4602502"/>
+                  </a:lnTo>
+                  <a:cubicBezTo>
+                    <a:pt x="215300" y="4749260"/>
+                    <a:pt x="325419" y="4877443"/>
+                    <a:pt x="443875" y="4989110"/>
+                  </a:cubicBezTo>
+                  <a:cubicBezTo>
+                    <a:pt x="700709" y="5231113"/>
+                    <a:pt x="996455" y="5394516"/>
+                    <a:pt x="1348175" y="5488759"/>
+                  </a:cubicBezTo>
+                  <a:cubicBezTo>
+                    <a:pt x="1633379" y="5565179"/>
+                    <a:pt x="1910917" y="5556430"/>
+                    <a:pt x="2221463" y="5461704"/>
+                  </a:cubicBezTo>
+                  <a:cubicBezTo>
+                    <a:pt x="2541923" y="5363721"/>
+                    <a:pt x="2870374" y="5181404"/>
+                    <a:pt x="3179339" y="5003023"/>
+                  </a:cubicBezTo>
+                  <a:cubicBezTo>
+                    <a:pt x="3323713" y="4919760"/>
+                    <a:pt x="3463978" y="4846641"/>
+                    <a:pt x="3599638" y="4775996"/>
+                  </a:cubicBezTo>
+                  <a:cubicBezTo>
+                    <a:pt x="3862436" y="4639263"/>
+                    <a:pt x="4089314" y="4521074"/>
+                    <a:pt x="4259765" y="4374667"/>
+                  </a:cubicBezTo>
+                  <a:cubicBezTo>
+                    <a:pt x="4418282" y="4238625"/>
+                    <a:pt x="4513201" y="4087280"/>
+                    <a:pt x="4567742" y="3883732"/>
+                  </a:cubicBezTo>
+                  <a:cubicBezTo>
+                    <a:pt x="4660420" y="3537853"/>
+                    <a:pt x="4682033" y="3184640"/>
+                    <a:pt x="4631929" y="2833886"/>
+                  </a:cubicBezTo>
+                  <a:cubicBezTo>
+                    <a:pt x="4583584" y="2494734"/>
+                    <a:pt x="4470646" y="2172121"/>
+                    <a:pt x="4296412" y="1874932"/>
+                  </a:cubicBezTo>
+                  <a:cubicBezTo>
+                    <a:pt x="3944879" y="1275559"/>
+                    <a:pt x="3381537" y="846289"/>
+                    <a:pt x="2710219" y="666410"/>
+                  </a:cubicBezTo>
+                  <a:cubicBezTo>
+                    <a:pt x="2349955" y="569877"/>
+                    <a:pt x="2030161" y="539483"/>
+                    <a:pt x="1732642" y="573480"/>
+                  </a:cubicBezTo>
+                  <a:cubicBezTo>
+                    <a:pt x="1440866" y="606814"/>
+                    <a:pt x="1158880" y="703976"/>
+                    <a:pt x="870621" y="870402"/>
+                  </a:cubicBezTo>
+                  <a:cubicBezTo>
+                    <a:pt x="670160" y="986048"/>
+                    <a:pt x="589753" y="1064195"/>
+                    <a:pt x="537555" y="1125324"/>
+                  </a:cubicBezTo>
+                  <a:cubicBezTo>
+                    <a:pt x="463218" y="1212400"/>
+                    <a:pt x="397708" y="1330125"/>
+                    <a:pt x="306995" y="1493030"/>
+                  </a:cubicBezTo>
+                  <a:cubicBezTo>
+                    <a:pt x="234596" y="1623167"/>
+                    <a:pt x="145436" y="1783409"/>
+                    <a:pt x="23579" y="1977465"/>
+                  </a:cubicBezTo>
+                  <a:lnTo>
+                    <a:pt x="0" y="2014291"/>
+                  </a:lnTo>
+                  <a:lnTo>
+                    <a:pt x="0" y="915660"/>
+                  </a:lnTo>
+                  <a:lnTo>
+                    <a:pt x="58609" y="828051"/>
+                  </a:lnTo>
+                  <a:cubicBezTo>
+                    <a:pt x="177453" y="670481"/>
+                    <a:pt x="325847" y="538291"/>
+                    <a:pt x="590689" y="385385"/>
+                  </a:cubicBezTo>
+                  <a:cubicBezTo>
+                    <a:pt x="1032159" y="130559"/>
+                    <a:pt x="1474330" y="3750"/>
+                    <a:pt x="1951394" y="82"/>
+                  </a:cubicBezTo>
+                  <a:close/>
+                </a:path>
+              </a:pathLst>
+            </a:custGeom>
+            <a:gradFill>
+              <a:gsLst>
+                <a:gs pos="2000">
+                  <a:schemeClr val="bg1">
+                    <a:alpha val="10000"/>
+                  </a:schemeClr>
+                </a:gs>
+                <a:gs pos="16000">
+                  <a:schemeClr val="accent6">
+                    <a:alpha val="10000"/>
+                  </a:schemeClr>
+                </a:gs>
+                <a:gs pos="100000">
+                  <a:schemeClr val="bg1">
+                    <a:alpha val="10000"/>
+                  </a:schemeClr>
+                </a:gs>
+                <a:gs pos="85000">
+                  <a:schemeClr val="accent1">
+                    <a:alpha val="10000"/>
+                  </a:schemeClr>
+                </a:gs>
+              </a:gsLst>
+              <a:lin ang="12000000" scaled="0"/>
+            </a:gradFill>
+            <a:ln>
+              <a:noFill/>
+            </a:ln>
+          </p:spPr>
+          <p:style>
+            <a:lnRef idx="2">
+              <a:schemeClr val="accent1">
+                <a:shade val="50000"/>
+              </a:schemeClr>
+            </a:lnRef>
+            <a:fillRef idx="1">
+              <a:schemeClr val="accent1"/>
+            </a:fillRef>
+            <a:effectRef idx="0">
+              <a:schemeClr val="accent1"/>
+            </a:effectRef>
+            <a:fontRef idx="minor">
+              <a:schemeClr val="lt1"/>
+            </a:fontRef>
+          </p:style>
+          <p:txBody>
+            <a:bodyPr wrap="square" rtlCol="0" anchor="ctr">
+              <a:noAutofit/>
+            </a:bodyPr>
+            <a:lstStyle/>
+            <a:p>
+              <a:pPr algn="ctr"/>
+              <a:endParaRPr lang="en-US"/>
+            </a:p>
+          </p:txBody>
+        </p:sp>
+      </p:grpSp>
+      <p:sp>
+        <p:nvSpPr>
+          <p:cNvPr id="2" name="Title 1">
+            <a:extLst>
+              <a:ext uri="{FF2B5EF4-FFF2-40B4-BE49-F238E27FC236}">
+                <a16:creationId xmlns:a16="http://schemas.microsoft.com/office/drawing/2014/main" id="{6E71C3E6-8040-5C98-2AE7-8BF260568700}"/>
+              </a:ext>
+            </a:extLst>
+          </p:cNvPr>
+          <p:cNvSpPr>
+            <a:spLocks noGrp="1"/>
+          </p:cNvSpPr>
+          <p:nvPr>
+            <p:ph type="title"/>
+          </p:nvPr>
+        </p:nvSpPr>
+        <p:spPr>
+          <a:xfrm>
+            <a:off x="640080" y="1243013"/>
+            <a:ext cx="3855720" cy="4371974"/>
+          </a:xfrm>
+        </p:spPr>
+        <p:txBody>
+          <a:bodyPr vert="horz" lIns="91440" tIns="45720" rIns="91440" bIns="45720" rtlCol="0">
+            <a:normAutofit/>
+          </a:bodyPr>
+          <a:lstStyle/>
+          <a:p>
+            <a:r>
+              <a:rPr lang="en-US" sz="3600" b="1" dirty="0">
+                <a:solidFill>
+                  <a:schemeClr val="tx2"/>
+                </a:solidFill>
+              </a:rPr>
+              <a:t>STOCK MARKET ANALYSIS</a:t>
+            </a:r>
+          </a:p>
+        </p:txBody>
+      </p:sp>
+      <p:sp>
+        <p:nvSpPr>
+          <p:cNvPr id="3" name="Content Placeholder 2">
+            <a:extLst>
+              <a:ext uri="{FF2B5EF4-FFF2-40B4-BE49-F238E27FC236}">
+                <a16:creationId xmlns:a16="http://schemas.microsoft.com/office/drawing/2014/main" id="{B3BBAE14-E995-BA14-9790-7C73C233CA57}"/>
+              </a:ext>
+            </a:extLst>
+          </p:cNvPr>
+          <p:cNvSpPr>
+            <a:spLocks noGrp="1"/>
+          </p:cNvSpPr>
+          <p:nvPr>
+            <p:ph idx="1"/>
+          </p:nvPr>
+        </p:nvSpPr>
+        <p:spPr>
+          <a:xfrm>
+            <a:off x="6172200" y="804672"/>
+            <a:ext cx="5221224" cy="5230368"/>
+          </a:xfrm>
+        </p:spPr>
+        <p:txBody>
+          <a:bodyPr anchor="ctr">
+            <a:normAutofit/>
+          </a:bodyPr>
+          <a:lstStyle/>
+          <a:p>
+            <a:pPr marL="0" indent="0">
+              <a:buNone/>
+            </a:pPr>
+            <a:r>
+              <a:rPr lang="en-US" b="1" dirty="0"/>
+              <a:t>Team members</a:t>
+            </a:r>
+          </a:p>
+          <a:p>
+            <a:r>
+              <a:rPr lang="en-US" b="1" dirty="0"/>
+              <a:t>Juan </a:t>
+            </a:r>
+          </a:p>
+          <a:p>
+            <a:r>
+              <a:rPr lang="en-US" b="1" dirty="0" err="1"/>
+              <a:t>Ipsita</a:t>
+            </a:r>
+            <a:endParaRPr lang="en-US" b="1" dirty="0"/>
+          </a:p>
+          <a:p>
+            <a:r>
+              <a:rPr lang="en-US" b="1"/>
+              <a:t>Drew</a:t>
+            </a:r>
+            <a:endParaRPr lang="en-US" b="1" dirty="0"/>
+          </a:p>
+          <a:p>
+            <a:r>
+              <a:rPr lang="en-US" b="1" dirty="0"/>
+              <a:t>Siobhan </a:t>
+            </a:r>
+          </a:p>
+        </p:txBody>
+      </p:sp>
+    </p:spTree>
+    <p:extLst>
+      <p:ext uri="{BB962C8B-B14F-4D97-AF65-F5344CB8AC3E}">
+        <p14:creationId xmlns:p14="http://schemas.microsoft.com/office/powerpoint/2010/main" val="1351935278"/>
+      </p:ext>
+    </p:extLst>
+  </p:cSld>
+  <p:clrMapOvr>
+    <a:masterClrMapping/>
+  </p:clrMapOvr>
+</p:sld>
+</file>
+
+<file path=ppt/slides/slide2.xml><?xml version="1.0" encoding="utf-8"?>
+<p:sld xmlns:a="http://schemas.openxmlformats.org/drawingml/2006/main" xmlns:r="http://schemas.openxmlformats.org/officeDocument/2006/relationships" xmlns:p="http://schemas.openxmlformats.org/presentationml/2006/main">
+  <p:cSld>
+    <p:bg>
+      <p:bgPr>
+        <a:solidFill>
+          <a:schemeClr val="bg1"/>
+        </a:solidFill>
+        <a:effectLst/>
+      </p:bgPr>
+    </p:bg>
+    <p:spTree>
+      <p:nvGrpSpPr>
+        <p:cNvPr id="1" name=""/>
+        <p:cNvGrpSpPr/>
+        <p:nvPr/>
+      </p:nvGrpSpPr>
+      <p:grpSpPr>
+        <a:xfrm>
+          <a:off x="0" y="0"/>
+          <a:ext cx="0" cy="0"/>
+          <a:chOff x="0" y="0"/>
+          <a:chExt cx="0" cy="0"/>
+        </a:xfrm>
+      </p:grpSpPr>
+      <p:sp useBgFill="1">
+        <p:nvSpPr>
           <p:cNvPr id="11" name="Rectangle 10">
             <a:extLst>
               <a:ext uri="{FF2B5EF4-FFF2-40B4-BE49-F238E27FC236}">
@@ -3488,14 +6814,14 @@
           <a:lstStyle/>
           <a:p>
             <a:r>
-              <a:rPr lang="en-US" sz="3600" b="1">
+              <a:rPr lang="en-US" sz="3600" b="1" dirty="0">
                 <a:solidFill>
                   <a:schemeClr val="tx2"/>
                 </a:solidFill>
               </a:rPr>
               <a:t>STOCK MARKET DATA </a:t>
             </a:r>
-            <a:endParaRPr lang="en-US" sz="3600">
+            <a:endParaRPr lang="en-US" sz="3600" dirty="0">
               <a:solidFill>
                 <a:schemeClr val="tx2"/>
               </a:solidFill>
@@ -3545,15 +6871,15 @@
                   <a:schemeClr val="tx2"/>
                 </a:solidFill>
               </a:rPr>
-              <a:t> Create an interactive dashboard using html</a:t>
+              <a:t> Create an interactive dashboard using html, JavaScript, </a:t>
             </a:r>
             <a:r>
-              <a:rPr lang="en-US" sz="1800">
+              <a:rPr lang="en-US" sz="1800" dirty="0" err="1">
                 <a:solidFill>
                   <a:schemeClr val="tx2"/>
                 </a:solidFill>
               </a:rPr>
-              <a:t>, JavaScript and </a:t>
+              <a:t>css</a:t>
             </a:r>
             <a:r>
               <a:rPr lang="en-US" sz="1800" dirty="0">
@@ -3561,7 +6887,7 @@
                   <a:schemeClr val="tx2"/>
                 </a:solidFill>
               </a:rPr>
-              <a:t>using external public APIs (through </a:t>
+              <a:t>, and using external public APIs (through </a:t>
             </a:r>
             <a:r>
               <a:rPr lang="en-US" sz="1800" dirty="0" err="1">
@@ -3603,7 +6929,7 @@
                   <a:schemeClr val="tx2"/>
                 </a:solidFill>
               </a:rPr>
-              <a:t>Display the growth of $1000 over these 2 years if invested in these stocks and compare the performance of multiple stocks in a single line graph.</a:t>
+              <a:t>Display the growth of $1000 over these 23 years if invested in these stocks and compare the performance of multiple stocks in a single line graph.</a:t>
             </a:r>
           </a:p>
           <a:p>
@@ -6476,7 +9802,7 @@
 </p:sld>
 </file>
 
-<file path=ppt/slides/slide2.xml><?xml version="1.0" encoding="utf-8"?>
+<file path=ppt/slides/slide3.xml><?xml version="1.0" encoding="utf-8"?>
 <p:sld xmlns:a="http://schemas.openxmlformats.org/drawingml/2006/main" xmlns:r="http://schemas.openxmlformats.org/officeDocument/2006/relationships" xmlns:p="http://schemas.openxmlformats.org/presentationml/2006/main">
   <p:cSld>
     <p:bg>
@@ -6833,7 +10159,7 @@
           <a:p>
             <a:pPr algn="l"/>
             <a:r>
-              <a:rPr lang="en-US" sz="4000" b="1" kern="1200">
+              <a:rPr lang="en-US" sz="4000" b="1" kern="1200" dirty="0">
                 <a:solidFill>
                   <a:srgbClr val="FFFFFF"/>
                 </a:solidFill>
@@ -6843,182 +10169,6 @@
               </a:rPr>
               <a:t>STOCK MARKET INTERACTIVE DASHBOARD </a:t>
             </a:r>
-          </a:p>
-        </p:txBody>
-      </p:sp>
-      <p:sp>
-        <p:nvSpPr>
-          <p:cNvPr id="4" name="Rectangle: Rounded Corners 3">
-            <a:extLst>
-              <a:ext uri="{FF2B5EF4-FFF2-40B4-BE49-F238E27FC236}">
-                <a16:creationId xmlns:a16="http://schemas.microsoft.com/office/drawing/2014/main" id="{FD07320E-AF63-3DD4-6B3A-C319552F5725}"/>
-              </a:ext>
-            </a:extLst>
-          </p:cNvPr>
-          <p:cNvSpPr/>
-          <p:nvPr/>
-        </p:nvSpPr>
-        <p:spPr>
-          <a:xfrm>
-            <a:off x="1517052" y="2343154"/>
-            <a:ext cx="1754019" cy="1416391"/>
-          </a:xfrm>
-          <a:prstGeom prst="roundRect">
-            <a:avLst/>
-          </a:prstGeom>
-        </p:spPr>
-        <p:style>
-          <a:lnRef idx="2">
-            <a:schemeClr val="accent1">
-              <a:shade val="15000"/>
-            </a:schemeClr>
-          </a:lnRef>
-          <a:fillRef idx="1">
-            <a:schemeClr val="accent1"/>
-          </a:fillRef>
-          <a:effectRef idx="0">
-            <a:schemeClr val="accent1"/>
-          </a:effectRef>
-          <a:fontRef idx="minor">
-            <a:schemeClr val="lt1"/>
-          </a:fontRef>
-        </p:style>
-        <p:txBody>
-          <a:bodyPr rtlCol="0" anchor="ctr"/>
-          <a:lstStyle/>
-          <a:p>
-            <a:pPr algn="ctr" defTabSz="822960">
-              <a:spcAft>
-                <a:spcPts val="600"/>
-              </a:spcAft>
-            </a:pPr>
-            <a:r>
-              <a:rPr lang="en-US" sz="1260" b="1" kern="1200" dirty="0">
-                <a:solidFill>
-                  <a:schemeClr val="bg1"/>
-                </a:solidFill>
-                <a:latin typeface="+mn-lt"/>
-                <a:ea typeface="+mn-ea"/>
-                <a:cs typeface="+mn-cs"/>
-              </a:rPr>
-              <a:t>Drop Down Menu for user</a:t>
-            </a:r>
-          </a:p>
-          <a:p>
-            <a:pPr algn="ctr" defTabSz="822960">
-              <a:spcAft>
-                <a:spcPts val="600"/>
-              </a:spcAft>
-            </a:pPr>
-            <a:r>
-              <a:rPr lang="en-US" sz="1080" kern="1200" dirty="0">
-                <a:solidFill>
-                  <a:schemeClr val="bg1"/>
-                </a:solidFill>
-                <a:latin typeface="+mn-lt"/>
-                <a:ea typeface="+mn-ea"/>
-                <a:cs typeface="+mn-cs"/>
-              </a:rPr>
-              <a:t>Select the stock you want to see the performance for</a:t>
-            </a:r>
-            <a:endParaRPr lang="en-US" sz="1200" dirty="0">
-              <a:solidFill>
-                <a:schemeClr val="bg1"/>
-              </a:solidFill>
-            </a:endParaRPr>
-          </a:p>
-        </p:txBody>
-      </p:sp>
-      <p:sp>
-        <p:nvSpPr>
-          <p:cNvPr id="5" name="Subtitle 4">
-            <a:extLst>
-              <a:ext uri="{FF2B5EF4-FFF2-40B4-BE49-F238E27FC236}">
-                <a16:creationId xmlns:a16="http://schemas.microsoft.com/office/drawing/2014/main" id="{2B7FC990-6FBF-61EC-7DB4-EF4FD5B45900}"/>
-              </a:ext>
-            </a:extLst>
-          </p:cNvPr>
-          <p:cNvSpPr>
-            <a:spLocks/>
-          </p:cNvSpPr>
-          <p:nvPr/>
-        </p:nvSpPr>
-        <p:spPr>
-          <a:xfrm>
-            <a:off x="1574696" y="4410519"/>
-            <a:ext cx="1754019" cy="1416391"/>
-          </a:xfrm>
-          <a:prstGeom prst="roundRect">
-            <a:avLst/>
-          </a:prstGeom>
-        </p:spPr>
-        <p:style>
-          <a:lnRef idx="2">
-            <a:schemeClr val="accent1">
-              <a:shade val="15000"/>
-            </a:schemeClr>
-          </a:lnRef>
-          <a:fillRef idx="1">
-            <a:schemeClr val="accent1"/>
-          </a:fillRef>
-          <a:effectRef idx="0">
-            <a:schemeClr val="accent1"/>
-          </a:effectRef>
-          <a:fontRef idx="minor">
-            <a:schemeClr val="lt1"/>
-          </a:fontRef>
-        </p:style>
-        <p:txBody>
-          <a:bodyPr rtlCol="0" anchor="ctr">
-            <a:normAutofit fontScale="77500" lnSpcReduction="20000"/>
-          </a:bodyPr>
-          <a:lstStyle/>
-          <a:p>
-            <a:pPr algn="ctr" defTabSz="822960">
-              <a:lnSpc>
-                <a:spcPct val="90000"/>
-              </a:lnSpc>
-              <a:spcAft>
-                <a:spcPts val="600"/>
-              </a:spcAft>
-            </a:pPr>
-            <a:r>
-              <a:rPr lang="en-US" sz="1500" b="1" kern="1200" dirty="0">
-                <a:solidFill>
-                  <a:schemeClr val="bg1"/>
-                </a:solidFill>
-                <a:latin typeface="+mn-lt"/>
-                <a:ea typeface="+mn-ea"/>
-                <a:cs typeface="+mn-cs"/>
-              </a:rPr>
-              <a:t>Drop down with inputs to select multiple stocks at the same time</a:t>
-            </a:r>
-          </a:p>
-          <a:p>
-            <a:pPr algn="ctr" defTabSz="822960">
-              <a:lnSpc>
-                <a:spcPct val="90000"/>
-              </a:lnSpc>
-              <a:spcAft>
-                <a:spcPts val="600"/>
-              </a:spcAft>
-            </a:pPr>
-            <a:r>
-              <a:rPr lang="en-US" sz="1500" kern="1200" dirty="0">
-                <a:solidFill>
-                  <a:schemeClr val="bg1"/>
-                </a:solidFill>
-                <a:latin typeface="+mn-lt"/>
-                <a:ea typeface="+mn-ea"/>
-                <a:cs typeface="+mn-cs"/>
-              </a:rPr>
-              <a:t>Select the stocks you want to compare performance for</a:t>
-            </a:r>
-            <a:endParaRPr lang="en-US" sz="1500" dirty="0">
-              <a:solidFill>
-                <a:schemeClr val="bg1"/>
-              </a:solidFill>
-            </a:endParaRPr>
           </a:p>
         </p:txBody>
       </p:sp>
@@ -7038,7 +10188,7 @@
         </p:nvCxnSpPr>
         <p:spPr>
           <a:xfrm>
-            <a:off x="7133206" y="2112579"/>
+            <a:off x="6484275" y="1522640"/>
             <a:ext cx="0" cy="1638731"/>
           </a:xfrm>
           <a:prstGeom prst="line">
@@ -7076,7 +10226,7 @@
         </p:nvCxnSpPr>
         <p:spPr>
           <a:xfrm>
-            <a:off x="7141441" y="3726606"/>
+            <a:off x="6492510" y="3136667"/>
             <a:ext cx="3318637" cy="0"/>
           </a:xfrm>
           <a:prstGeom prst="line">
@@ -7114,7 +10264,7 @@
         </p:nvCxnSpPr>
         <p:spPr>
           <a:xfrm>
-            <a:off x="7141441" y="4220925"/>
+            <a:off x="6492510" y="3630986"/>
             <a:ext cx="0" cy="1638731"/>
           </a:xfrm>
           <a:prstGeom prst="line">
@@ -7152,7 +10302,7 @@
         </p:nvCxnSpPr>
         <p:spPr>
           <a:xfrm>
-            <a:off x="7149676" y="5834952"/>
+            <a:off x="6500745" y="5245013"/>
             <a:ext cx="3549212" cy="0"/>
           </a:xfrm>
           <a:prstGeom prst="line">
@@ -7188,7 +10338,7 @@
         </p:nvSpPr>
         <p:spPr>
           <a:xfrm>
-            <a:off x="8050017" y="3819340"/>
+            <a:off x="7401086" y="3229401"/>
             <a:ext cx="1424626" cy="279977"/>
           </a:xfrm>
           <a:prstGeom prst="rect">
@@ -7256,7 +10406,7 @@
         </p:nvSpPr>
         <p:spPr>
           <a:xfrm>
-            <a:off x="6540298" y="2487842"/>
+            <a:off x="5891367" y="1897903"/>
             <a:ext cx="502326" cy="1001596"/>
           </a:xfrm>
           <a:prstGeom prst="rect">
@@ -7324,7 +10474,7 @@
         </p:nvSpPr>
         <p:spPr>
           <a:xfrm>
-            <a:off x="8088447" y="6025407"/>
+            <a:off x="7439516" y="5435468"/>
             <a:ext cx="1424626" cy="279977"/>
           </a:xfrm>
           <a:prstGeom prst="rect">
@@ -7392,7 +10542,7 @@
         </p:nvSpPr>
         <p:spPr>
           <a:xfrm>
-            <a:off x="6320705" y="4212023"/>
+            <a:off x="5671774" y="3622084"/>
             <a:ext cx="721918" cy="1813384"/>
           </a:xfrm>
           <a:prstGeom prst="rect">
@@ -7460,7 +10610,7 @@
         </p:nvSpPr>
         <p:spPr>
           <a:xfrm>
-            <a:off x="7264964" y="2621648"/>
+            <a:off x="6616033" y="2031709"/>
             <a:ext cx="2821488" cy="1058618"/>
           </a:xfrm>
           <a:custGeom>
@@ -7635,7 +10785,7 @@
         </p:nvSpPr>
         <p:spPr>
           <a:xfrm>
-            <a:off x="7234770" y="4617918"/>
+            <a:off x="6585839" y="4027979"/>
             <a:ext cx="2821488" cy="1058618"/>
           </a:xfrm>
           <a:custGeom>
@@ -7810,7 +10960,7 @@
         </p:nvSpPr>
         <p:spPr>
           <a:xfrm>
-            <a:off x="7306138" y="4864376"/>
+            <a:off x="6657207" y="4274437"/>
             <a:ext cx="2766903" cy="904495"/>
           </a:xfrm>
           <a:custGeom>
@@ -8018,6 +11168,227 @@
           </a:p>
         </p:txBody>
       </p:sp>
+      <p:sp>
+        <p:nvSpPr>
+          <p:cNvPr id="3" name="Rectangle 2">
+            <a:extLst>
+              <a:ext uri="{FF2B5EF4-FFF2-40B4-BE49-F238E27FC236}">
+                <a16:creationId xmlns:a16="http://schemas.microsoft.com/office/drawing/2014/main" id="{57A4904B-C88E-4A3B-61E7-4E20A86AAE62}"/>
+              </a:ext>
+            </a:extLst>
+          </p:cNvPr>
+          <p:cNvSpPr/>
+          <p:nvPr/>
+        </p:nvSpPr>
+        <p:spPr>
+          <a:xfrm>
+            <a:off x="2968992" y="2483901"/>
+            <a:ext cx="1235977" cy="259204"/>
+          </a:xfrm>
+          <a:prstGeom prst="rect">
+            <a:avLst/>
+          </a:prstGeom>
+          <a:solidFill>
+            <a:schemeClr val="bg1"/>
+          </a:solidFill>
+        </p:spPr>
+        <p:style>
+          <a:lnRef idx="2">
+            <a:schemeClr val="accent1">
+              <a:shade val="15000"/>
+            </a:schemeClr>
+          </a:lnRef>
+          <a:fillRef idx="1">
+            <a:schemeClr val="accent1"/>
+          </a:fillRef>
+          <a:effectRef idx="0">
+            <a:schemeClr val="accent1"/>
+          </a:effectRef>
+          <a:fontRef idx="minor">
+            <a:schemeClr val="lt1"/>
+          </a:fontRef>
+        </p:style>
+        <p:txBody>
+          <a:bodyPr rtlCol="0" anchor="ctr"/>
+          <a:lstStyle/>
+          <a:p>
+            <a:pPr algn="ctr"/>
+            <a:r>
+              <a:rPr lang="en-US" dirty="0">
+                <a:ln w="0"/>
+                <a:solidFill>
+                  <a:schemeClr val="tx1"/>
+                </a:solidFill>
+                <a:effectLst>
+                  <a:outerShdw blurRad="38100" dist="19050" dir="2700000" algn="tl" rotWithShape="0">
+                    <a:schemeClr val="dk1">
+                      <a:alpha val="40000"/>
+                    </a:schemeClr>
+                  </a:outerShdw>
+                </a:effectLst>
+              </a:rPr>
+              <a:t>Stock list</a:t>
+            </a:r>
+          </a:p>
+        </p:txBody>
+      </p:sp>
+      <p:sp>
+        <p:nvSpPr>
+          <p:cNvPr id="6" name="Rectangle 5">
+            <a:extLst>
+              <a:ext uri="{FF2B5EF4-FFF2-40B4-BE49-F238E27FC236}">
+                <a16:creationId xmlns:a16="http://schemas.microsoft.com/office/drawing/2014/main" id="{1608B51B-1099-EB6E-CF57-86835D33999A}"/>
+              </a:ext>
+            </a:extLst>
+          </p:cNvPr>
+          <p:cNvSpPr/>
+          <p:nvPr/>
+        </p:nvSpPr>
+        <p:spPr>
+          <a:xfrm>
+            <a:off x="2988656" y="4514359"/>
+            <a:ext cx="1235977" cy="259204"/>
+          </a:xfrm>
+          <a:prstGeom prst="rect">
+            <a:avLst/>
+          </a:prstGeom>
+          <a:solidFill>
+            <a:schemeClr val="bg1"/>
+          </a:solidFill>
+        </p:spPr>
+        <p:style>
+          <a:lnRef idx="2">
+            <a:schemeClr val="accent1">
+              <a:shade val="15000"/>
+            </a:schemeClr>
+          </a:lnRef>
+          <a:fillRef idx="1">
+            <a:schemeClr val="accent1"/>
+          </a:fillRef>
+          <a:effectRef idx="0">
+            <a:schemeClr val="accent1"/>
+          </a:effectRef>
+          <a:fontRef idx="minor">
+            <a:schemeClr val="lt1"/>
+          </a:fontRef>
+        </p:style>
+        <p:txBody>
+          <a:bodyPr rtlCol="0" anchor="ctr"/>
+          <a:lstStyle/>
+          <a:p>
+            <a:pPr algn="ctr"/>
+            <a:r>
+              <a:rPr lang="en-US" dirty="0">
+                <a:ln w="0"/>
+                <a:solidFill>
+                  <a:schemeClr val="tx1"/>
+                </a:solidFill>
+                <a:effectLst>
+                  <a:outerShdw blurRad="38100" dist="19050" dir="2700000" algn="tl" rotWithShape="0">
+                    <a:schemeClr val="dk1">
+                      <a:alpha val="40000"/>
+                    </a:schemeClr>
+                  </a:outerShdw>
+                </a:effectLst>
+              </a:rPr>
+              <a:t>Stock list</a:t>
+            </a:r>
+          </a:p>
+        </p:txBody>
+      </p:sp>
+      <p:sp>
+        <p:nvSpPr>
+          <p:cNvPr id="12" name="TextBox 11">
+            <a:extLst>
+              <a:ext uri="{FF2B5EF4-FFF2-40B4-BE49-F238E27FC236}">
+                <a16:creationId xmlns:a16="http://schemas.microsoft.com/office/drawing/2014/main" id="{11CE2C4F-B453-BC71-1F8A-6C041C488126}"/>
+              </a:ext>
+            </a:extLst>
+          </p:cNvPr>
+          <p:cNvSpPr txBox="1"/>
+          <p:nvPr/>
+        </p:nvSpPr>
+        <p:spPr>
+          <a:xfrm>
+            <a:off x="2436230" y="4024214"/>
+            <a:ext cx="2439845" cy="481414"/>
+          </a:xfrm>
+          <a:prstGeom prst="rect">
+            <a:avLst/>
+          </a:prstGeom>
+          <a:noFill/>
+        </p:spPr>
+        <p:txBody>
+          <a:bodyPr wrap="square">
+            <a:spAutoFit/>
+          </a:bodyPr>
+          <a:lstStyle/>
+          <a:p>
+            <a:pPr algn="ctr" defTabSz="822960">
+              <a:lnSpc>
+                <a:spcPct val="90000"/>
+              </a:lnSpc>
+              <a:spcAft>
+                <a:spcPts val="600"/>
+              </a:spcAft>
+            </a:pPr>
+            <a:r>
+              <a:rPr lang="en-US" sz="1400" kern="1200" dirty="0">
+                <a:latin typeface="+mn-lt"/>
+                <a:ea typeface="+mn-ea"/>
+                <a:cs typeface="+mn-cs"/>
+              </a:rPr>
+              <a:t>Select the stocks you want to compare performance for</a:t>
+            </a:r>
+            <a:endParaRPr lang="en-US" sz="1400" dirty="0"/>
+          </a:p>
+        </p:txBody>
+      </p:sp>
+      <p:sp>
+        <p:nvSpPr>
+          <p:cNvPr id="13" name="TextBox 12">
+            <a:extLst>
+              <a:ext uri="{FF2B5EF4-FFF2-40B4-BE49-F238E27FC236}">
+                <a16:creationId xmlns:a16="http://schemas.microsoft.com/office/drawing/2014/main" id="{656D51A9-0BD2-4973-263B-74E4A37F18AB}"/>
+              </a:ext>
+            </a:extLst>
+          </p:cNvPr>
+          <p:cNvSpPr txBox="1"/>
+          <p:nvPr/>
+        </p:nvSpPr>
+        <p:spPr>
+          <a:xfrm>
+            <a:off x="2416566" y="1960190"/>
+            <a:ext cx="2439845" cy="523220"/>
+          </a:xfrm>
+          <a:prstGeom prst="rect">
+            <a:avLst/>
+          </a:prstGeom>
+          <a:noFill/>
+        </p:spPr>
+        <p:txBody>
+          <a:bodyPr wrap="square">
+            <a:spAutoFit/>
+          </a:bodyPr>
+          <a:lstStyle/>
+          <a:p>
+            <a:pPr algn="ctr" defTabSz="822960">
+              <a:spcAft>
+                <a:spcPts val="600"/>
+              </a:spcAft>
+            </a:pPr>
+            <a:r>
+              <a:rPr lang="en-US" sz="1400" kern="1200" dirty="0">
+                <a:latin typeface="+mn-lt"/>
+                <a:ea typeface="+mn-ea"/>
+                <a:cs typeface="+mn-cs"/>
+              </a:rPr>
+              <a:t>Select the stock you want to see the performance for</a:t>
+            </a:r>
+            <a:endParaRPr lang="en-US" sz="1600" dirty="0"/>
+          </a:p>
+        </p:txBody>
+      </p:sp>
     </p:spTree>
     <p:extLst>
       <p:ext uri="{BB962C8B-B14F-4D97-AF65-F5344CB8AC3E}">
@@ -8031,7 +11402,1258 @@
 </p:sld>
 </file>
 
-<file path=ppt/slides/slide3.xml><?xml version="1.0" encoding="utf-8"?>
+<file path=ppt/slides/slide4.xml><?xml version="1.0" encoding="utf-8"?>
+<p:sld xmlns:a="http://schemas.openxmlformats.org/drawingml/2006/main" xmlns:r="http://schemas.openxmlformats.org/officeDocument/2006/relationships" xmlns:p="http://schemas.openxmlformats.org/presentationml/2006/main">
+  <p:cSld>
+    <p:bg>
+      <p:bgPr>
+        <a:solidFill>
+          <a:schemeClr val="bg1"/>
+        </a:solidFill>
+        <a:effectLst/>
+      </p:bgPr>
+    </p:bg>
+    <p:spTree>
+      <p:nvGrpSpPr>
+        <p:cNvPr id="1" name=""/>
+        <p:cNvGrpSpPr/>
+        <p:nvPr/>
+      </p:nvGrpSpPr>
+      <p:grpSpPr>
+        <a:xfrm>
+          <a:off x="0" y="0"/>
+          <a:ext cx="0" cy="0"/>
+          <a:chOff x="0" y="0"/>
+          <a:chExt cx="0" cy="0"/>
+        </a:xfrm>
+      </p:grpSpPr>
+      <p:sp useBgFill="1">
+        <p:nvSpPr>
+          <p:cNvPr id="28" name="Rectangle 27">
+            <a:extLst>
+              <a:ext uri="{FF2B5EF4-FFF2-40B4-BE49-F238E27FC236}">
+                <a16:creationId xmlns:a16="http://schemas.microsoft.com/office/drawing/2014/main" id="{BACC6370-2D7E-4714-9D71-7542949D7D5D}"/>
+              </a:ext>
+              <a:ext uri="{C183D7F6-B498-43B3-948B-1728B52AA6E4}">
+                <adec:decorative xmlns:adec="http://schemas.microsoft.com/office/drawing/2017/decorative" val="1"/>
+              </a:ext>
+            </a:extLst>
+          </p:cNvPr>
+          <p:cNvSpPr>
+            <a:spLocks noGrp="1" noRot="1" noChangeAspect="1" noMove="1" noResize="1" noEditPoints="1" noAdjustHandles="1" noChangeArrowheads="1" noChangeShapeType="1" noTextEdit="1"/>
+          </p:cNvSpPr>
+          <p:nvPr>
+            <p:extLst>
+              <p:ext uri="{386F3935-93C4-4BCD-93E2-E3B085C9AB24}">
+                <p16:designElem xmlns:p16="http://schemas.microsoft.com/office/powerpoint/2015/main" val="1"/>
+              </p:ext>
+            </p:extLst>
+          </p:nvPr>
+        </p:nvSpPr>
+        <p:spPr>
+          <a:xfrm>
+            <a:off x="0" y="0"/>
+            <a:ext cx="12192000" cy="6858000"/>
+          </a:xfrm>
+          <a:prstGeom prst="rect">
+            <a:avLst/>
+          </a:prstGeom>
+          <a:ln w="12700" cap="flat" cmpd="sng" algn="ctr">
+            <a:noFill/>
+            <a:prstDash val="solid"/>
+            <a:miter lim="800000"/>
+          </a:ln>
+          <a:effectLst/>
+          <a:extLst>
+            <a:ext uri="{91240B29-F687-4F45-9708-019B960494DF}">
+              <a14:hiddenLine xmlns:a14="http://schemas.microsoft.com/office/drawing/2010/main" w="12700" cap="flat" cmpd="sng" algn="ctr">
+                <a:solidFill>
+                  <a:schemeClr val="accent1">
+                    <a:shade val="50000"/>
+                  </a:schemeClr>
+                </a:solidFill>
+                <a:prstDash val="solid"/>
+                <a:miter lim="800000"/>
+              </a14:hiddenLine>
+            </a:ext>
+          </a:extLst>
+        </p:spPr>
+        <p:style>
+          <a:lnRef idx="2">
+            <a:schemeClr val="accent1">
+              <a:shade val="50000"/>
+            </a:schemeClr>
+          </a:lnRef>
+          <a:fillRef idx="1">
+            <a:schemeClr val="accent1"/>
+          </a:fillRef>
+          <a:effectRef idx="0">
+            <a:schemeClr val="accent1"/>
+          </a:effectRef>
+          <a:fontRef idx="minor">
+            <a:schemeClr val="lt1"/>
+          </a:fontRef>
+        </p:style>
+        <p:txBody>
+          <a:bodyPr rtlCol="0" anchor="ctr"/>
+          <a:lstStyle/>
+          <a:p>
+            <a:pPr algn="ctr"/>
+            <a:endParaRPr lang="en-US"/>
+          </a:p>
+        </p:txBody>
+      </p:sp>
+      <p:sp>
+        <p:nvSpPr>
+          <p:cNvPr id="30" name="Rectangle 29">
+            <a:extLst>
+              <a:ext uri="{FF2B5EF4-FFF2-40B4-BE49-F238E27FC236}">
+                <a16:creationId xmlns:a16="http://schemas.microsoft.com/office/drawing/2014/main" id="{F68B3F68-107C-434F-AA38-110D5EA91B85}"/>
+              </a:ext>
+              <a:ext uri="{C183D7F6-B498-43B3-948B-1728B52AA6E4}">
+                <adec:decorative xmlns:adec="http://schemas.microsoft.com/office/drawing/2017/decorative" val="1"/>
+              </a:ext>
+            </a:extLst>
+          </p:cNvPr>
+          <p:cNvSpPr>
+            <a:spLocks noGrp="1" noRot="1" noChangeAspect="1" noMove="1" noResize="1" noEditPoints="1" noAdjustHandles="1" noChangeArrowheads="1" noChangeShapeType="1" noTextEdit="1"/>
+          </p:cNvSpPr>
+          <p:nvPr>
+            <p:extLst>
+              <p:ext uri="{386F3935-93C4-4BCD-93E2-E3B085C9AB24}">
+                <p16:designElem xmlns:p16="http://schemas.microsoft.com/office/powerpoint/2015/main" val="1"/>
+              </p:ext>
+            </p:extLst>
+          </p:nvPr>
+        </p:nvSpPr>
+        <p:spPr>
+          <a:xfrm flipH="1">
+            <a:off x="2" y="0"/>
+            <a:ext cx="12191998" cy="1575955"/>
+          </a:xfrm>
+          <a:prstGeom prst="rect">
+            <a:avLst/>
+          </a:prstGeom>
+          <a:gradFill>
+            <a:gsLst>
+              <a:gs pos="0">
+                <a:srgbClr val="000000">
+                  <a:alpha val="96000"/>
+                </a:srgbClr>
+              </a:gs>
+              <a:gs pos="100000">
+                <a:schemeClr val="accent1">
+                  <a:lumMod val="75000"/>
+                </a:schemeClr>
+              </a:gs>
+            </a:gsLst>
+            <a:lin ang="8400000" scaled="0"/>
+          </a:gradFill>
+          <a:ln>
+            <a:noFill/>
+          </a:ln>
+        </p:spPr>
+        <p:style>
+          <a:lnRef idx="2">
+            <a:schemeClr val="accent1">
+              <a:shade val="50000"/>
+            </a:schemeClr>
+          </a:lnRef>
+          <a:fillRef idx="1">
+            <a:schemeClr val="accent1"/>
+          </a:fillRef>
+          <a:effectRef idx="0">
+            <a:schemeClr val="accent1"/>
+          </a:effectRef>
+          <a:fontRef idx="minor">
+            <a:schemeClr val="lt1"/>
+          </a:fontRef>
+        </p:style>
+        <p:txBody>
+          <a:bodyPr rtlCol="0" anchor="ctr"/>
+          <a:lstStyle/>
+          <a:p>
+            <a:pPr algn="ctr"/>
+            <a:endParaRPr lang="en-US"/>
+          </a:p>
+        </p:txBody>
+      </p:sp>
+      <p:sp>
+        <p:nvSpPr>
+          <p:cNvPr id="35" name="Rectangle 34">
+            <a:extLst>
+              <a:ext uri="{FF2B5EF4-FFF2-40B4-BE49-F238E27FC236}">
+                <a16:creationId xmlns:a16="http://schemas.microsoft.com/office/drawing/2014/main" id="{AAD0DBB9-1A4B-4391-81D4-CB19F9AB918A}"/>
+              </a:ext>
+              <a:ext uri="{C183D7F6-B498-43B3-948B-1728B52AA6E4}">
+                <adec:decorative xmlns:adec="http://schemas.microsoft.com/office/drawing/2017/decorative" val="1"/>
+              </a:ext>
+            </a:extLst>
+          </p:cNvPr>
+          <p:cNvSpPr>
+            <a:spLocks noGrp="1" noRot="1" noChangeAspect="1" noMove="1" noResize="1" noEditPoints="1" noAdjustHandles="1" noChangeArrowheads="1" noChangeShapeType="1" noTextEdit="1"/>
+          </p:cNvSpPr>
+          <p:nvPr>
+            <p:extLst>
+              <p:ext uri="{386F3935-93C4-4BCD-93E2-E3B085C9AB24}">
+                <p16:designElem xmlns:p16="http://schemas.microsoft.com/office/powerpoint/2015/main" val="1"/>
+              </p:ext>
+            </p:extLst>
+          </p:nvPr>
+        </p:nvSpPr>
+        <p:spPr>
+          <a:xfrm rot="10800000" flipH="1">
+            <a:off x="8128857" y="0"/>
+            <a:ext cx="4063143" cy="1576412"/>
+          </a:xfrm>
+          <a:prstGeom prst="rect">
+            <a:avLst/>
+          </a:prstGeom>
+          <a:gradFill>
+            <a:gsLst>
+              <a:gs pos="19000">
+                <a:schemeClr val="accent1">
+                  <a:lumMod val="50000"/>
+                  <a:alpha val="68000"/>
+                </a:schemeClr>
+              </a:gs>
+              <a:gs pos="100000">
+                <a:schemeClr val="accent1">
+                  <a:alpha val="79000"/>
+                </a:schemeClr>
+              </a:gs>
+            </a:gsLst>
+            <a:lin ang="19200000" scaled="0"/>
+          </a:gradFill>
+          <a:ln>
+            <a:noFill/>
+          </a:ln>
+        </p:spPr>
+        <p:style>
+          <a:lnRef idx="2">
+            <a:schemeClr val="accent1">
+              <a:shade val="50000"/>
+            </a:schemeClr>
+          </a:lnRef>
+          <a:fillRef idx="1">
+            <a:schemeClr val="accent1"/>
+          </a:fillRef>
+          <a:effectRef idx="0">
+            <a:schemeClr val="accent1"/>
+          </a:effectRef>
+          <a:fontRef idx="minor">
+            <a:schemeClr val="lt1"/>
+          </a:fontRef>
+        </p:style>
+        <p:txBody>
+          <a:bodyPr rtlCol="0" anchor="ctr"/>
+          <a:lstStyle/>
+          <a:p>
+            <a:pPr algn="ctr"/>
+            <a:endParaRPr lang="en-US"/>
+          </a:p>
+        </p:txBody>
+      </p:sp>
+      <p:sp>
+        <p:nvSpPr>
+          <p:cNvPr id="34" name="Rectangle 33">
+            <a:extLst>
+              <a:ext uri="{FF2B5EF4-FFF2-40B4-BE49-F238E27FC236}">
+                <a16:creationId xmlns:a16="http://schemas.microsoft.com/office/drawing/2014/main" id="{063BBA22-50EA-4C4D-BE05-F1CE4E63AA56}"/>
+              </a:ext>
+              <a:ext uri="{C183D7F6-B498-43B3-948B-1728B52AA6E4}">
+                <adec:decorative xmlns:adec="http://schemas.microsoft.com/office/drawing/2017/decorative" val="1"/>
+              </a:ext>
+            </a:extLst>
+          </p:cNvPr>
+          <p:cNvSpPr>
+            <a:spLocks noGrp="1" noRot="1" noChangeAspect="1" noMove="1" noResize="1" noEditPoints="1" noAdjustHandles="1" noChangeArrowheads="1" noChangeShapeType="1" noTextEdit="1"/>
+          </p:cNvSpPr>
+          <p:nvPr>
+            <p:extLst>
+              <p:ext uri="{386F3935-93C4-4BCD-93E2-E3B085C9AB24}">
+                <p16:designElem xmlns:p16="http://schemas.microsoft.com/office/powerpoint/2015/main" val="1"/>
+              </p:ext>
+            </p:extLst>
+          </p:nvPr>
+        </p:nvSpPr>
+        <p:spPr>
+          <a:xfrm rot="5400000">
+            <a:off x="5307777" y="-5307778"/>
+            <a:ext cx="1576446" cy="12192002"/>
+          </a:xfrm>
+          <a:prstGeom prst="rect">
+            <a:avLst/>
+          </a:prstGeom>
+          <a:gradFill>
+            <a:gsLst>
+              <a:gs pos="23000">
+                <a:schemeClr val="accent1">
+                  <a:alpha val="0"/>
+                </a:schemeClr>
+              </a:gs>
+              <a:gs pos="99000">
+                <a:srgbClr val="000000">
+                  <a:alpha val="74000"/>
+                </a:srgbClr>
+              </a:gs>
+            </a:gsLst>
+            <a:lin ang="20400000" scaled="0"/>
+          </a:gradFill>
+          <a:ln>
+            <a:noFill/>
+          </a:ln>
+        </p:spPr>
+        <p:style>
+          <a:lnRef idx="2">
+            <a:schemeClr val="accent1">
+              <a:shade val="50000"/>
+            </a:schemeClr>
+          </a:lnRef>
+          <a:fillRef idx="1">
+            <a:schemeClr val="accent1"/>
+          </a:fillRef>
+          <a:effectRef idx="0">
+            <a:schemeClr val="accent1"/>
+          </a:effectRef>
+          <a:fontRef idx="minor">
+            <a:schemeClr val="lt1"/>
+          </a:fontRef>
+        </p:style>
+        <p:txBody>
+          <a:bodyPr rtlCol="0" anchor="ctr"/>
+          <a:lstStyle/>
+          <a:p>
+            <a:pPr algn="ctr"/>
+            <a:endParaRPr lang="en-US" dirty="0"/>
+          </a:p>
+        </p:txBody>
+      </p:sp>
+      <p:sp>
+        <p:nvSpPr>
+          <p:cNvPr id="2" name="Title 1">
+            <a:extLst>
+              <a:ext uri="{FF2B5EF4-FFF2-40B4-BE49-F238E27FC236}">
+                <a16:creationId xmlns:a16="http://schemas.microsoft.com/office/drawing/2014/main" id="{A411B88E-2E3A-08DE-0496-D2CF25A24FCC}"/>
+              </a:ext>
+            </a:extLst>
+          </p:cNvPr>
+          <p:cNvSpPr>
+            <a:spLocks noGrp="1"/>
+          </p:cNvSpPr>
+          <p:nvPr>
+            <p:ph type="ctrTitle"/>
+          </p:nvPr>
+        </p:nvSpPr>
+        <p:spPr>
+          <a:xfrm>
+            <a:off x="1371597" y="348865"/>
+            <a:ext cx="10044023" cy="877729"/>
+          </a:xfrm>
+        </p:spPr>
+        <p:txBody>
+          <a:bodyPr vert="horz" lIns="91440" tIns="45720" rIns="91440" bIns="45720" rtlCol="0" anchor="ctr">
+            <a:normAutofit fontScale="90000"/>
+          </a:bodyPr>
+          <a:lstStyle/>
+          <a:p>
+            <a:pPr algn="l"/>
+            <a:r>
+              <a:rPr lang="en-US" sz="4000" b="1" kern="1200" dirty="0">
+                <a:solidFill>
+                  <a:srgbClr val="FFFFFF"/>
+                </a:solidFill>
+                <a:latin typeface="+mj-lt"/>
+                <a:ea typeface="+mj-ea"/>
+                <a:cs typeface="+mj-cs"/>
+              </a:rPr>
+              <a:t>STOCK MARKET INTERACTIVE DASHBOARD CONTINUED… </a:t>
+            </a:r>
+          </a:p>
+        </p:txBody>
+      </p:sp>
+      <p:cxnSp>
+        <p:nvCxnSpPr>
+          <p:cNvPr id="7" name="Straight Connector 6">
+            <a:extLst>
+              <a:ext uri="{FF2B5EF4-FFF2-40B4-BE49-F238E27FC236}">
+                <a16:creationId xmlns:a16="http://schemas.microsoft.com/office/drawing/2014/main" id="{F61C6F4E-EB57-BD36-1A37-108C22D457D9}"/>
+              </a:ext>
+            </a:extLst>
+          </p:cNvPr>
+          <p:cNvCxnSpPr>
+            <a:cxnSpLocks/>
+          </p:cNvCxnSpPr>
+          <p:nvPr/>
+        </p:nvCxnSpPr>
+        <p:spPr>
+          <a:xfrm flipH="1">
+            <a:off x="6543268" y="2369574"/>
+            <a:ext cx="8235" cy="2364959"/>
+          </a:xfrm>
+          <a:prstGeom prst="line">
+            <a:avLst/>
+          </a:prstGeom>
+        </p:spPr>
+        <p:style>
+          <a:lnRef idx="2">
+            <a:schemeClr val="accent1"/>
+          </a:lnRef>
+          <a:fillRef idx="0">
+            <a:schemeClr val="accent1"/>
+          </a:fillRef>
+          <a:effectRef idx="1">
+            <a:schemeClr val="accent1"/>
+          </a:effectRef>
+          <a:fontRef idx="minor">
+            <a:schemeClr val="tx1"/>
+          </a:fontRef>
+        </p:style>
+      </p:cxnSp>
+      <p:cxnSp>
+        <p:nvCxnSpPr>
+          <p:cNvPr id="9" name="Straight Connector 8">
+            <a:extLst>
+              <a:ext uri="{FF2B5EF4-FFF2-40B4-BE49-F238E27FC236}">
+                <a16:creationId xmlns:a16="http://schemas.microsoft.com/office/drawing/2014/main" id="{7D1FE9C4-E094-FECB-E439-6D3499BD9DA2}"/>
+              </a:ext>
+            </a:extLst>
+          </p:cNvPr>
+          <p:cNvCxnSpPr>
+            <a:cxnSpLocks/>
+          </p:cNvCxnSpPr>
+          <p:nvPr/>
+        </p:nvCxnSpPr>
+        <p:spPr>
+          <a:xfrm>
+            <a:off x="6551503" y="4709829"/>
+            <a:ext cx="3841194" cy="0"/>
+          </a:xfrm>
+          <a:prstGeom prst="line">
+            <a:avLst/>
+          </a:prstGeom>
+        </p:spPr>
+        <p:style>
+          <a:lnRef idx="2">
+            <a:schemeClr val="accent1"/>
+          </a:lnRef>
+          <a:fillRef idx="0">
+            <a:schemeClr val="accent1"/>
+          </a:fillRef>
+          <a:effectRef idx="1">
+            <a:schemeClr val="accent1"/>
+          </a:effectRef>
+          <a:fontRef idx="minor">
+            <a:schemeClr val="tx1"/>
+          </a:fontRef>
+        </p:style>
+      </p:cxnSp>
+      <p:sp>
+        <p:nvSpPr>
+          <p:cNvPr id="14" name="Rectangle 13">
+            <a:extLst>
+              <a:ext uri="{FF2B5EF4-FFF2-40B4-BE49-F238E27FC236}">
+                <a16:creationId xmlns:a16="http://schemas.microsoft.com/office/drawing/2014/main" id="{1182AF55-E4B6-F2FF-F379-EC3AEDD8AF9E}"/>
+              </a:ext>
+            </a:extLst>
+          </p:cNvPr>
+          <p:cNvSpPr/>
+          <p:nvPr/>
+        </p:nvSpPr>
+        <p:spPr>
+          <a:xfrm>
+            <a:off x="7460079" y="4802563"/>
+            <a:ext cx="1424626" cy="279977"/>
+          </a:xfrm>
+          <a:prstGeom prst="rect">
+            <a:avLst/>
+          </a:prstGeom>
+          <a:solidFill>
+            <a:schemeClr val="bg1"/>
+          </a:solidFill>
+        </p:spPr>
+        <p:style>
+          <a:lnRef idx="2">
+            <a:schemeClr val="accent1">
+              <a:shade val="15000"/>
+            </a:schemeClr>
+          </a:lnRef>
+          <a:fillRef idx="1">
+            <a:schemeClr val="accent1"/>
+          </a:fillRef>
+          <a:effectRef idx="0">
+            <a:schemeClr val="accent1"/>
+          </a:effectRef>
+          <a:fontRef idx="minor">
+            <a:schemeClr val="lt1"/>
+          </a:fontRef>
+        </p:style>
+        <p:txBody>
+          <a:bodyPr rtlCol="0" anchor="ctr"/>
+          <a:lstStyle/>
+          <a:p>
+            <a:pPr algn="ctr" defTabSz="822960">
+              <a:spcAft>
+                <a:spcPts val="600"/>
+              </a:spcAft>
+            </a:pPr>
+            <a:r>
+              <a:rPr lang="en-US" sz="1620" b="1" kern="1200">
+                <a:solidFill>
+                  <a:schemeClr val="tx1"/>
+                </a:solidFill>
+                <a:latin typeface="+mn-lt"/>
+                <a:ea typeface="+mn-ea"/>
+                <a:cs typeface="+mn-cs"/>
+              </a:rPr>
+              <a:t>YEARS</a:t>
+            </a:r>
+            <a:endParaRPr lang="en-US" b="1">
+              <a:solidFill>
+                <a:schemeClr val="tx1"/>
+              </a:solidFill>
+            </a:endParaRPr>
+          </a:p>
+        </p:txBody>
+      </p:sp>
+      <p:sp>
+        <p:nvSpPr>
+          <p:cNvPr id="15" name="Rectangle 14">
+            <a:extLst>
+              <a:ext uri="{FF2B5EF4-FFF2-40B4-BE49-F238E27FC236}">
+                <a16:creationId xmlns:a16="http://schemas.microsoft.com/office/drawing/2014/main" id="{2D6B5CF8-C7F9-5DB5-19A1-BE46042CB601}"/>
+              </a:ext>
+            </a:extLst>
+          </p:cNvPr>
+          <p:cNvSpPr/>
+          <p:nvPr/>
+        </p:nvSpPr>
+        <p:spPr>
+          <a:xfrm>
+            <a:off x="5950360" y="3471065"/>
+            <a:ext cx="502326" cy="1001596"/>
+          </a:xfrm>
+          <a:prstGeom prst="rect">
+            <a:avLst/>
+          </a:prstGeom>
+          <a:solidFill>
+            <a:schemeClr val="bg1"/>
+          </a:solidFill>
+        </p:spPr>
+        <p:style>
+          <a:lnRef idx="2">
+            <a:schemeClr val="accent1">
+              <a:shade val="15000"/>
+            </a:schemeClr>
+          </a:lnRef>
+          <a:fillRef idx="1">
+            <a:schemeClr val="accent1"/>
+          </a:fillRef>
+          <a:effectRef idx="0">
+            <a:schemeClr val="accent1"/>
+          </a:effectRef>
+          <a:fontRef idx="minor">
+            <a:schemeClr val="lt1"/>
+          </a:fontRef>
+        </p:style>
+        <p:txBody>
+          <a:bodyPr vert="vert" rtlCol="0" anchor="ctr"/>
+          <a:lstStyle/>
+          <a:p>
+            <a:pPr algn="ctr" defTabSz="822960">
+              <a:spcAft>
+                <a:spcPts val="600"/>
+              </a:spcAft>
+            </a:pPr>
+            <a:r>
+              <a:rPr lang="en-US" sz="1620" b="1" kern="1200">
+                <a:solidFill>
+                  <a:schemeClr val="tx1"/>
+                </a:solidFill>
+                <a:latin typeface="+mn-lt"/>
+                <a:ea typeface="+mn-ea"/>
+                <a:cs typeface="+mn-cs"/>
+              </a:rPr>
+              <a:t>STOCK PRICE</a:t>
+            </a:r>
+            <a:endParaRPr lang="en-US" b="1">
+              <a:solidFill>
+                <a:schemeClr val="tx1"/>
+              </a:solidFill>
+            </a:endParaRPr>
+          </a:p>
+        </p:txBody>
+      </p:sp>
+      <p:sp>
+        <p:nvSpPr>
+          <p:cNvPr id="18" name="Freeform: Shape 17">
+            <a:extLst>
+              <a:ext uri="{FF2B5EF4-FFF2-40B4-BE49-F238E27FC236}">
+                <a16:creationId xmlns:a16="http://schemas.microsoft.com/office/drawing/2014/main" id="{94F2DE57-D41B-C2A3-2FD6-6517B2BD16D0}"/>
+              </a:ext>
+            </a:extLst>
+          </p:cNvPr>
+          <p:cNvSpPr/>
+          <p:nvPr/>
+        </p:nvSpPr>
+        <p:spPr>
+          <a:xfrm>
+            <a:off x="6675026" y="3604871"/>
+            <a:ext cx="2821488" cy="1058618"/>
+          </a:xfrm>
+          <a:custGeom>
+            <a:avLst/>
+            <a:gdLst>
+              <a:gd name="connsiteX0" fmla="*/ 0 w 3132995"/>
+              <a:gd name="connsiteY0" fmla="*/ 1080647 h 1175495"/>
+              <a:gd name="connsiteX1" fmla="*/ 1527048 w 3132995"/>
+              <a:gd name="connsiteY1" fmla="*/ 1080647 h 1175495"/>
+              <a:gd name="connsiteX2" fmla="*/ 1737360 w 3132995"/>
+              <a:gd name="connsiteY2" fmla="*/ 1172087 h 1175495"/>
+              <a:gd name="connsiteX3" fmla="*/ 1892808 w 3132995"/>
+              <a:gd name="connsiteY3" fmla="*/ 943487 h 1175495"/>
+              <a:gd name="connsiteX4" fmla="*/ 2157984 w 3132995"/>
+              <a:gd name="connsiteY4" fmla="*/ 980063 h 1175495"/>
+              <a:gd name="connsiteX5" fmla="*/ 2258568 w 3132995"/>
+              <a:gd name="connsiteY5" fmla="*/ 760607 h 1175495"/>
+              <a:gd name="connsiteX6" fmla="*/ 2523744 w 3132995"/>
+              <a:gd name="connsiteY6" fmla="*/ 705743 h 1175495"/>
+              <a:gd name="connsiteX7" fmla="*/ 2715768 w 3132995"/>
+              <a:gd name="connsiteY7" fmla="*/ 83951 h 1175495"/>
+              <a:gd name="connsiteX8" fmla="*/ 2816352 w 3132995"/>
+              <a:gd name="connsiteY8" fmla="*/ 376559 h 1175495"/>
+              <a:gd name="connsiteX9" fmla="*/ 2999232 w 3132995"/>
+              <a:gd name="connsiteY9" fmla="*/ 1655 h 1175495"/>
+              <a:gd name="connsiteX10" fmla="*/ 3118104 w 3132995"/>
+              <a:gd name="connsiteY10" fmla="*/ 230255 h 1175495"/>
+              <a:gd name="connsiteX11" fmla="*/ 3127248 w 3132995"/>
+              <a:gd name="connsiteY11" fmla="*/ 230255 h 1175495"/>
+            </a:gdLst>
+            <a:ahLst/>
+            <a:cxnLst>
+              <a:cxn ang="0">
+                <a:pos x="connsiteX0" y="connsiteY0"/>
+              </a:cxn>
+              <a:cxn ang="0">
+                <a:pos x="connsiteX1" y="connsiteY1"/>
+              </a:cxn>
+              <a:cxn ang="0">
+                <a:pos x="connsiteX2" y="connsiteY2"/>
+              </a:cxn>
+              <a:cxn ang="0">
+                <a:pos x="connsiteX3" y="connsiteY3"/>
+              </a:cxn>
+              <a:cxn ang="0">
+                <a:pos x="connsiteX4" y="connsiteY4"/>
+              </a:cxn>
+              <a:cxn ang="0">
+                <a:pos x="connsiteX5" y="connsiteY5"/>
+              </a:cxn>
+              <a:cxn ang="0">
+                <a:pos x="connsiteX6" y="connsiteY6"/>
+              </a:cxn>
+              <a:cxn ang="0">
+                <a:pos x="connsiteX7" y="connsiteY7"/>
+              </a:cxn>
+              <a:cxn ang="0">
+                <a:pos x="connsiteX8" y="connsiteY8"/>
+              </a:cxn>
+              <a:cxn ang="0">
+                <a:pos x="connsiteX9" y="connsiteY9"/>
+              </a:cxn>
+              <a:cxn ang="0">
+                <a:pos x="connsiteX10" y="connsiteY10"/>
+              </a:cxn>
+              <a:cxn ang="0">
+                <a:pos x="connsiteX11" y="connsiteY11"/>
+              </a:cxn>
+            </a:cxnLst>
+            <a:rect l="l" t="t" r="r" b="b"/>
+            <a:pathLst>
+              <a:path w="3132995" h="1175495">
+                <a:moveTo>
+                  <a:pt x="0" y="1080647"/>
+                </a:moveTo>
+                <a:cubicBezTo>
+                  <a:pt x="618744" y="1073027"/>
+                  <a:pt x="1237488" y="1065407"/>
+                  <a:pt x="1527048" y="1080647"/>
+                </a:cubicBezTo>
+                <a:cubicBezTo>
+                  <a:pt x="1816608" y="1095887"/>
+                  <a:pt x="1676400" y="1194947"/>
+                  <a:pt x="1737360" y="1172087"/>
+                </a:cubicBezTo>
+                <a:cubicBezTo>
+                  <a:pt x="1798320" y="1149227"/>
+                  <a:pt x="1822704" y="975491"/>
+                  <a:pt x="1892808" y="943487"/>
+                </a:cubicBezTo>
+                <a:cubicBezTo>
+                  <a:pt x="1962912" y="911483"/>
+                  <a:pt x="2097024" y="1010543"/>
+                  <a:pt x="2157984" y="980063"/>
+                </a:cubicBezTo>
+                <a:cubicBezTo>
+                  <a:pt x="2218944" y="949583"/>
+                  <a:pt x="2197608" y="806327"/>
+                  <a:pt x="2258568" y="760607"/>
+                </a:cubicBezTo>
+                <a:cubicBezTo>
+                  <a:pt x="2319528" y="714887"/>
+                  <a:pt x="2447544" y="818519"/>
+                  <a:pt x="2523744" y="705743"/>
+                </a:cubicBezTo>
+                <a:cubicBezTo>
+                  <a:pt x="2599944" y="592967"/>
+                  <a:pt x="2667000" y="138815"/>
+                  <a:pt x="2715768" y="83951"/>
+                </a:cubicBezTo>
+                <a:cubicBezTo>
+                  <a:pt x="2764536" y="29087"/>
+                  <a:pt x="2769108" y="390275"/>
+                  <a:pt x="2816352" y="376559"/>
+                </a:cubicBezTo>
+                <a:cubicBezTo>
+                  <a:pt x="2863596" y="362843"/>
+                  <a:pt x="2948940" y="26039"/>
+                  <a:pt x="2999232" y="1655"/>
+                </a:cubicBezTo>
+                <a:cubicBezTo>
+                  <a:pt x="3049524" y="-22729"/>
+                  <a:pt x="3118104" y="230255"/>
+                  <a:pt x="3118104" y="230255"/>
+                </a:cubicBezTo>
+                <a:cubicBezTo>
+                  <a:pt x="3139440" y="268355"/>
+                  <a:pt x="3133344" y="249305"/>
+                  <a:pt x="3127248" y="230255"/>
+                </a:cubicBezTo>
+              </a:path>
+            </a:pathLst>
+          </a:custGeom>
+          <a:noFill/>
+        </p:spPr>
+        <p:style>
+          <a:lnRef idx="2">
+            <a:schemeClr val="accent1">
+              <a:shade val="15000"/>
+            </a:schemeClr>
+          </a:lnRef>
+          <a:fillRef idx="1">
+            <a:schemeClr val="accent1"/>
+          </a:fillRef>
+          <a:effectRef idx="0">
+            <a:schemeClr val="accent1"/>
+          </a:effectRef>
+          <a:fontRef idx="minor">
+            <a:schemeClr val="lt1"/>
+          </a:fontRef>
+        </p:style>
+        <p:txBody>
+          <a:bodyPr rtlCol="0" anchor="ctr"/>
+          <a:lstStyle/>
+          <a:p>
+            <a:pPr algn="ctr"/>
+            <a:endParaRPr lang="en-US"/>
+          </a:p>
+        </p:txBody>
+      </p:sp>
+      <p:sp>
+        <p:nvSpPr>
+          <p:cNvPr id="3" name="Rectangle 2">
+            <a:extLst>
+              <a:ext uri="{FF2B5EF4-FFF2-40B4-BE49-F238E27FC236}">
+                <a16:creationId xmlns:a16="http://schemas.microsoft.com/office/drawing/2014/main" id="{57A4904B-C88E-4A3B-61E7-4E20A86AAE62}"/>
+              </a:ext>
+            </a:extLst>
+          </p:cNvPr>
+          <p:cNvSpPr/>
+          <p:nvPr/>
+        </p:nvSpPr>
+        <p:spPr>
+          <a:xfrm>
+            <a:off x="470152" y="4077298"/>
+            <a:ext cx="1235977" cy="259204"/>
+          </a:xfrm>
+          <a:prstGeom prst="rect">
+            <a:avLst/>
+          </a:prstGeom>
+          <a:solidFill>
+            <a:schemeClr val="bg1"/>
+          </a:solidFill>
+        </p:spPr>
+        <p:style>
+          <a:lnRef idx="2">
+            <a:schemeClr val="accent1">
+              <a:shade val="15000"/>
+            </a:schemeClr>
+          </a:lnRef>
+          <a:fillRef idx="1">
+            <a:schemeClr val="accent1"/>
+          </a:fillRef>
+          <a:effectRef idx="0">
+            <a:schemeClr val="accent1"/>
+          </a:effectRef>
+          <a:fontRef idx="minor">
+            <a:schemeClr val="lt1"/>
+          </a:fontRef>
+        </p:style>
+        <p:txBody>
+          <a:bodyPr rtlCol="0" anchor="ctr"/>
+          <a:lstStyle/>
+          <a:p>
+            <a:pPr algn="ctr"/>
+            <a:r>
+              <a:rPr lang="en-US" dirty="0">
+                <a:ln w="0"/>
+                <a:solidFill>
+                  <a:schemeClr val="tx1"/>
+                </a:solidFill>
+                <a:effectLst>
+                  <a:outerShdw blurRad="38100" dist="19050" dir="2700000" algn="tl" rotWithShape="0">
+                    <a:schemeClr val="dk1">
+                      <a:alpha val="40000"/>
+                    </a:schemeClr>
+                  </a:outerShdw>
+                </a:effectLst>
+              </a:rPr>
+              <a:t>Stock list</a:t>
+            </a:r>
+          </a:p>
+        </p:txBody>
+      </p:sp>
+      <p:sp>
+        <p:nvSpPr>
+          <p:cNvPr id="13" name="TextBox 12">
+            <a:extLst>
+              <a:ext uri="{FF2B5EF4-FFF2-40B4-BE49-F238E27FC236}">
+                <a16:creationId xmlns:a16="http://schemas.microsoft.com/office/drawing/2014/main" id="{656D51A9-0BD2-4973-263B-74E4A37F18AB}"/>
+              </a:ext>
+            </a:extLst>
+          </p:cNvPr>
+          <p:cNvSpPr txBox="1"/>
+          <p:nvPr/>
+        </p:nvSpPr>
+        <p:spPr>
+          <a:xfrm>
+            <a:off x="902772" y="3283485"/>
+            <a:ext cx="4190338" cy="523220"/>
+          </a:xfrm>
+          <a:prstGeom prst="rect">
+            <a:avLst/>
+          </a:prstGeom>
+          <a:noFill/>
+        </p:spPr>
+        <p:txBody>
+          <a:bodyPr wrap="square">
+            <a:spAutoFit/>
+          </a:bodyPr>
+          <a:lstStyle/>
+          <a:p>
+            <a:pPr algn="ctr" defTabSz="822960">
+              <a:spcAft>
+                <a:spcPts val="600"/>
+              </a:spcAft>
+            </a:pPr>
+            <a:r>
+              <a:rPr lang="en-US" sz="1400" kern="1200" dirty="0">
+                <a:latin typeface="+mn-lt"/>
+                <a:ea typeface="+mn-ea"/>
+                <a:cs typeface="+mn-cs"/>
+              </a:rPr>
+              <a:t>Select the stock and month and years you want to see the performance for</a:t>
+            </a:r>
+            <a:endParaRPr lang="en-US" sz="1600" dirty="0"/>
+          </a:p>
+        </p:txBody>
+      </p:sp>
+      <p:sp>
+        <p:nvSpPr>
+          <p:cNvPr id="21" name="Rectangle 20">
+            <a:extLst>
+              <a:ext uri="{FF2B5EF4-FFF2-40B4-BE49-F238E27FC236}">
+                <a16:creationId xmlns:a16="http://schemas.microsoft.com/office/drawing/2014/main" id="{A3EBA1AB-DED5-BD8C-9EC9-5806569DC30F}"/>
+              </a:ext>
+            </a:extLst>
+          </p:cNvPr>
+          <p:cNvSpPr/>
+          <p:nvPr/>
+        </p:nvSpPr>
+        <p:spPr>
+          <a:xfrm>
+            <a:off x="4205612" y="4096048"/>
+            <a:ext cx="796916" cy="219584"/>
+          </a:xfrm>
+          <a:prstGeom prst="rect">
+            <a:avLst/>
+          </a:prstGeom>
+          <a:solidFill>
+            <a:schemeClr val="bg1"/>
+          </a:solidFill>
+        </p:spPr>
+        <p:style>
+          <a:lnRef idx="2">
+            <a:schemeClr val="accent1">
+              <a:shade val="15000"/>
+            </a:schemeClr>
+          </a:lnRef>
+          <a:fillRef idx="1">
+            <a:schemeClr val="accent1"/>
+          </a:fillRef>
+          <a:effectRef idx="0">
+            <a:schemeClr val="accent1"/>
+          </a:effectRef>
+          <a:fontRef idx="minor">
+            <a:schemeClr val="lt1"/>
+          </a:fontRef>
+        </p:style>
+        <p:txBody>
+          <a:bodyPr rtlCol="0" anchor="ctr"/>
+          <a:lstStyle/>
+          <a:p>
+            <a:pPr algn="ctr"/>
+            <a:r>
+              <a:rPr lang="en-US" sz="1400" dirty="0">
+                <a:ln w="0"/>
+                <a:solidFill>
+                  <a:schemeClr val="tx1"/>
+                </a:solidFill>
+                <a:effectLst>
+                  <a:outerShdw blurRad="38100" dist="19050" dir="2700000" algn="tl" rotWithShape="0">
+                    <a:schemeClr val="dk1">
+                      <a:alpha val="40000"/>
+                    </a:schemeClr>
+                  </a:outerShdw>
+                </a:effectLst>
+              </a:rPr>
+              <a:t>Month</a:t>
+            </a:r>
+          </a:p>
+        </p:txBody>
+      </p:sp>
+      <p:sp>
+        <p:nvSpPr>
+          <p:cNvPr id="22" name="Rectangle 21">
+            <a:extLst>
+              <a:ext uri="{FF2B5EF4-FFF2-40B4-BE49-F238E27FC236}">
+                <a16:creationId xmlns:a16="http://schemas.microsoft.com/office/drawing/2014/main" id="{22455189-EB50-400F-3E19-0C85D2143CBE}"/>
+              </a:ext>
+            </a:extLst>
+          </p:cNvPr>
+          <p:cNvSpPr/>
+          <p:nvPr/>
+        </p:nvSpPr>
+        <p:spPr>
+          <a:xfrm>
+            <a:off x="5093110" y="4087129"/>
+            <a:ext cx="544941" cy="228503"/>
+          </a:xfrm>
+          <a:prstGeom prst="rect">
+            <a:avLst/>
+          </a:prstGeom>
+          <a:solidFill>
+            <a:schemeClr val="bg1"/>
+          </a:solidFill>
+        </p:spPr>
+        <p:style>
+          <a:lnRef idx="2">
+            <a:schemeClr val="accent1">
+              <a:shade val="15000"/>
+            </a:schemeClr>
+          </a:lnRef>
+          <a:fillRef idx="1">
+            <a:schemeClr val="accent1"/>
+          </a:fillRef>
+          <a:effectRef idx="0">
+            <a:schemeClr val="accent1"/>
+          </a:effectRef>
+          <a:fontRef idx="minor">
+            <a:schemeClr val="lt1"/>
+          </a:fontRef>
+        </p:style>
+        <p:txBody>
+          <a:bodyPr rtlCol="0" anchor="ctr"/>
+          <a:lstStyle/>
+          <a:p>
+            <a:pPr algn="ctr"/>
+            <a:r>
+              <a:rPr lang="en-US" sz="1400" dirty="0">
+                <a:ln w="0"/>
+                <a:solidFill>
+                  <a:schemeClr val="tx1"/>
+                </a:solidFill>
+                <a:effectLst>
+                  <a:outerShdw blurRad="38100" dist="19050" dir="2700000" algn="tl" rotWithShape="0">
+                    <a:schemeClr val="dk1">
+                      <a:alpha val="40000"/>
+                    </a:schemeClr>
+                  </a:outerShdw>
+                </a:effectLst>
+              </a:rPr>
+              <a:t>Year</a:t>
+            </a:r>
+            <a:endParaRPr lang="en-US" dirty="0">
+              <a:ln w="0"/>
+              <a:solidFill>
+                <a:schemeClr val="tx1"/>
+              </a:solidFill>
+              <a:effectLst>
+                <a:outerShdw blurRad="38100" dist="19050" dir="2700000" algn="tl" rotWithShape="0">
+                  <a:schemeClr val="dk1">
+                    <a:alpha val="40000"/>
+                  </a:schemeClr>
+                </a:outerShdw>
+              </a:effectLst>
+            </a:endParaRPr>
+          </a:p>
+        </p:txBody>
+      </p:sp>
+      <p:sp>
+        <p:nvSpPr>
+          <p:cNvPr id="24" name="Rectangle 23">
+            <a:extLst>
+              <a:ext uri="{FF2B5EF4-FFF2-40B4-BE49-F238E27FC236}">
+                <a16:creationId xmlns:a16="http://schemas.microsoft.com/office/drawing/2014/main" id="{373E04A8-149E-BEEB-E3A6-A245E4CF5069}"/>
+              </a:ext>
+            </a:extLst>
+          </p:cNvPr>
+          <p:cNvSpPr/>
+          <p:nvPr/>
+        </p:nvSpPr>
+        <p:spPr>
+          <a:xfrm>
+            <a:off x="2411222" y="4100965"/>
+            <a:ext cx="796916" cy="219584"/>
+          </a:xfrm>
+          <a:prstGeom prst="rect">
+            <a:avLst/>
+          </a:prstGeom>
+          <a:solidFill>
+            <a:schemeClr val="bg1"/>
+          </a:solidFill>
+        </p:spPr>
+        <p:style>
+          <a:lnRef idx="2">
+            <a:schemeClr val="accent1">
+              <a:shade val="15000"/>
+            </a:schemeClr>
+          </a:lnRef>
+          <a:fillRef idx="1">
+            <a:schemeClr val="accent1"/>
+          </a:fillRef>
+          <a:effectRef idx="0">
+            <a:schemeClr val="accent1"/>
+          </a:effectRef>
+          <a:fontRef idx="minor">
+            <a:schemeClr val="lt1"/>
+          </a:fontRef>
+        </p:style>
+        <p:txBody>
+          <a:bodyPr rtlCol="0" anchor="ctr"/>
+          <a:lstStyle/>
+          <a:p>
+            <a:pPr algn="ctr"/>
+            <a:r>
+              <a:rPr lang="en-US" sz="1400" dirty="0">
+                <a:ln w="0"/>
+                <a:solidFill>
+                  <a:schemeClr val="tx1"/>
+                </a:solidFill>
+                <a:effectLst>
+                  <a:outerShdw blurRad="38100" dist="19050" dir="2700000" algn="tl" rotWithShape="0">
+                    <a:schemeClr val="dk1">
+                      <a:alpha val="40000"/>
+                    </a:schemeClr>
+                  </a:outerShdw>
+                </a:effectLst>
+              </a:rPr>
+              <a:t>Month</a:t>
+            </a:r>
+          </a:p>
+        </p:txBody>
+      </p:sp>
+      <p:sp>
+        <p:nvSpPr>
+          <p:cNvPr id="25" name="Rectangle 24">
+            <a:extLst>
+              <a:ext uri="{FF2B5EF4-FFF2-40B4-BE49-F238E27FC236}">
+                <a16:creationId xmlns:a16="http://schemas.microsoft.com/office/drawing/2014/main" id="{FF835518-19C1-2C2D-C12E-E495AAB4131C}"/>
+              </a:ext>
+            </a:extLst>
+          </p:cNvPr>
+          <p:cNvSpPr/>
+          <p:nvPr/>
+        </p:nvSpPr>
+        <p:spPr>
+          <a:xfrm>
+            <a:off x="3298720" y="4092046"/>
+            <a:ext cx="544941" cy="228503"/>
+          </a:xfrm>
+          <a:prstGeom prst="rect">
+            <a:avLst/>
+          </a:prstGeom>
+          <a:solidFill>
+            <a:schemeClr val="bg1"/>
+          </a:solidFill>
+        </p:spPr>
+        <p:style>
+          <a:lnRef idx="2">
+            <a:schemeClr val="accent1">
+              <a:shade val="15000"/>
+            </a:schemeClr>
+          </a:lnRef>
+          <a:fillRef idx="1">
+            <a:schemeClr val="accent1"/>
+          </a:fillRef>
+          <a:effectRef idx="0">
+            <a:schemeClr val="accent1"/>
+          </a:effectRef>
+          <a:fontRef idx="minor">
+            <a:schemeClr val="lt1"/>
+          </a:fontRef>
+        </p:style>
+        <p:txBody>
+          <a:bodyPr rtlCol="0" anchor="ctr"/>
+          <a:lstStyle/>
+          <a:p>
+            <a:pPr algn="ctr"/>
+            <a:r>
+              <a:rPr lang="en-US" sz="1400" dirty="0">
+                <a:ln w="0"/>
+                <a:solidFill>
+                  <a:schemeClr val="tx1"/>
+                </a:solidFill>
+                <a:effectLst>
+                  <a:outerShdw blurRad="38100" dist="19050" dir="2700000" algn="tl" rotWithShape="0">
+                    <a:schemeClr val="dk1">
+                      <a:alpha val="40000"/>
+                    </a:schemeClr>
+                  </a:outerShdw>
+                </a:effectLst>
+              </a:rPr>
+              <a:t>Year</a:t>
+            </a:r>
+            <a:endParaRPr lang="en-US" dirty="0">
+              <a:ln w="0"/>
+              <a:solidFill>
+                <a:schemeClr val="tx1"/>
+              </a:solidFill>
+              <a:effectLst>
+                <a:outerShdw blurRad="38100" dist="19050" dir="2700000" algn="tl" rotWithShape="0">
+                  <a:schemeClr val="dk1">
+                    <a:alpha val="40000"/>
+                  </a:schemeClr>
+                </a:outerShdw>
+              </a:effectLst>
+            </a:endParaRPr>
+          </a:p>
+        </p:txBody>
+      </p:sp>
+      <p:sp>
+        <p:nvSpPr>
+          <p:cNvPr id="29" name="TextBox 28">
+            <a:extLst>
+              <a:ext uri="{FF2B5EF4-FFF2-40B4-BE49-F238E27FC236}">
+                <a16:creationId xmlns:a16="http://schemas.microsoft.com/office/drawing/2014/main" id="{9B4A7D39-B4EC-461A-FA29-AE51935C1B73}"/>
+              </a:ext>
+            </a:extLst>
+          </p:cNvPr>
+          <p:cNvSpPr txBox="1"/>
+          <p:nvPr/>
+        </p:nvSpPr>
+        <p:spPr>
+          <a:xfrm>
+            <a:off x="1765638" y="4063462"/>
+            <a:ext cx="679754" cy="307777"/>
+          </a:xfrm>
+          <a:prstGeom prst="rect">
+            <a:avLst/>
+          </a:prstGeom>
+          <a:noFill/>
+        </p:spPr>
+        <p:txBody>
+          <a:bodyPr wrap="square">
+            <a:spAutoFit/>
+          </a:bodyPr>
+          <a:lstStyle/>
+          <a:p>
+            <a:pPr algn="ctr" defTabSz="822960">
+              <a:spcAft>
+                <a:spcPts val="600"/>
+              </a:spcAft>
+            </a:pPr>
+            <a:r>
+              <a:rPr lang="en-US" sz="1400" kern="1200" dirty="0">
+                <a:latin typeface="+mn-lt"/>
+                <a:ea typeface="+mn-ea"/>
+                <a:cs typeface="+mn-cs"/>
+              </a:rPr>
+              <a:t>FROM</a:t>
+            </a:r>
+            <a:endParaRPr lang="en-US" sz="1600" dirty="0"/>
+          </a:p>
+        </p:txBody>
+      </p:sp>
+      <p:sp>
+        <p:nvSpPr>
+          <p:cNvPr id="31" name="TextBox 30">
+            <a:extLst>
+              <a:ext uri="{FF2B5EF4-FFF2-40B4-BE49-F238E27FC236}">
+                <a16:creationId xmlns:a16="http://schemas.microsoft.com/office/drawing/2014/main" id="{0835D7E1-502B-A1C7-D754-9D04D4949DA6}"/>
+              </a:ext>
+            </a:extLst>
+          </p:cNvPr>
+          <p:cNvSpPr txBox="1"/>
+          <p:nvPr/>
+        </p:nvSpPr>
+        <p:spPr>
+          <a:xfrm>
+            <a:off x="3835330" y="4078214"/>
+            <a:ext cx="412434" cy="307777"/>
+          </a:xfrm>
+          <a:prstGeom prst="rect">
+            <a:avLst/>
+          </a:prstGeom>
+          <a:noFill/>
+        </p:spPr>
+        <p:txBody>
+          <a:bodyPr wrap="square">
+            <a:spAutoFit/>
+          </a:bodyPr>
+          <a:lstStyle/>
+          <a:p>
+            <a:pPr algn="ctr" defTabSz="822960">
+              <a:spcAft>
+                <a:spcPts val="600"/>
+              </a:spcAft>
+            </a:pPr>
+            <a:r>
+              <a:rPr lang="en-US" sz="1400" kern="1200" dirty="0">
+                <a:latin typeface="+mn-lt"/>
+                <a:ea typeface="+mn-ea"/>
+                <a:cs typeface="+mn-cs"/>
+              </a:rPr>
+              <a:t>TO</a:t>
+            </a:r>
+            <a:endParaRPr lang="en-US" sz="1600" dirty="0"/>
+          </a:p>
+        </p:txBody>
+      </p:sp>
+    </p:spTree>
+    <p:extLst>
+      <p:ext uri="{BB962C8B-B14F-4D97-AF65-F5344CB8AC3E}">
+        <p14:creationId xmlns:p14="http://schemas.microsoft.com/office/powerpoint/2010/main" val="489266148"/>
+      </p:ext>
+    </p:extLst>
+  </p:cSld>
+  <p:clrMapOvr>
+    <a:masterClrMapping/>
+  </p:clrMapOvr>
+</p:sld>
+</file>
+
+<file path=ppt/slides/slide5.xml><?xml version="1.0" encoding="utf-8"?>
 <p:sld xmlns:a="http://schemas.openxmlformats.org/drawingml/2006/main" xmlns:r="http://schemas.openxmlformats.org/officeDocument/2006/relationships" xmlns:p="http://schemas.openxmlformats.org/presentationml/2006/main">
   <p:cSld>
     <p:spTree>
@@ -8100,14 +12722,14 @@
           <p:nvPr>
             <p:extLst>
               <p:ext uri="{D42A27DB-BD31-4B8C-83A1-F6EECF244321}">
-                <p14:modId xmlns:p14="http://schemas.microsoft.com/office/powerpoint/2010/main" val="2866561665"/>
+                <p14:modId xmlns:p14="http://schemas.microsoft.com/office/powerpoint/2010/main" val="1865476554"/>
               </p:ext>
             </p:extLst>
           </p:nvPr>
         </p:nvGraphicFramePr>
         <p:xfrm>
-          <a:off x="1154811" y="940880"/>
-          <a:ext cx="9882377" cy="4852901"/>
+          <a:off x="838201" y="678426"/>
+          <a:ext cx="10704870" cy="5938686"/>
         </p:xfrm>
         <a:graphic>
           <a:graphicData uri="http://schemas.openxmlformats.org/drawingml/2006/table">
@@ -8116,49 +12738,49 @@
                 <a:tableStyleId>{5C22544A-7EE6-4342-B048-85BDC9FD1C3A}</a:tableStyleId>
               </a:tblPr>
               <a:tblGrid>
-                <a:gridCol w="393469">
+                <a:gridCol w="426217">
                   <a:extLst>
                     <a:ext uri="{9D8B030D-6E8A-4147-A177-3AD203B41FA5}">
                       <a16:colId xmlns:a16="http://schemas.microsoft.com/office/drawing/2014/main" val="583914657"/>
                     </a:ext>
                   </a:extLst>
                 </a:gridCol>
-                <a:gridCol w="1970504">
+                <a:gridCol w="2134506">
                   <a:extLst>
                     <a:ext uri="{9D8B030D-6E8A-4147-A177-3AD203B41FA5}">
                       <a16:colId xmlns:a16="http://schemas.microsoft.com/office/drawing/2014/main" val="2845456519"/>
                     </a:ext>
                   </a:extLst>
                 </a:gridCol>
-                <a:gridCol w="4112643">
+                <a:gridCol w="4454932">
                   <a:extLst>
                     <a:ext uri="{9D8B030D-6E8A-4147-A177-3AD203B41FA5}">
                       <a16:colId xmlns:a16="http://schemas.microsoft.com/office/drawing/2014/main" val="1931804579"/>
                     </a:ext>
                   </a:extLst>
                 </a:gridCol>
-                <a:gridCol w="946515">
+                <a:gridCol w="1025291">
                   <a:extLst>
                     <a:ext uri="{9D8B030D-6E8A-4147-A177-3AD203B41FA5}">
                       <a16:colId xmlns:a16="http://schemas.microsoft.com/office/drawing/2014/main" val="2452117308"/>
                     </a:ext>
                   </a:extLst>
                 </a:gridCol>
-                <a:gridCol w="806291">
+                <a:gridCol w="873397">
                   <a:extLst>
                     <a:ext uri="{9D8B030D-6E8A-4147-A177-3AD203B41FA5}">
                       <a16:colId xmlns:a16="http://schemas.microsoft.com/office/drawing/2014/main" val="2387551364"/>
                     </a:ext>
                   </a:extLst>
                 </a:gridCol>
-                <a:gridCol w="753706">
+                <a:gridCol w="816435">
                   <a:extLst>
                     <a:ext uri="{9D8B030D-6E8A-4147-A177-3AD203B41FA5}">
                       <a16:colId xmlns:a16="http://schemas.microsoft.com/office/drawing/2014/main" val="135673629"/>
                     </a:ext>
                   </a:extLst>
                 </a:gridCol>
-                <a:gridCol w="899249">
+                <a:gridCol w="974092">
                   <a:extLst>
                     <a:ext uri="{9D8B030D-6E8A-4147-A177-3AD203B41FA5}">
                       <a16:colId xmlns:a16="http://schemas.microsoft.com/office/drawing/2014/main" val="84743874"/>
@@ -8166,7 +12788,7 @@
                   </a:extLst>
                 </a:gridCol>
               </a:tblGrid>
-              <a:tr h="349376">
+              <a:tr h="443920">
                 <a:tc>
                   <a:txBody>
                     <a:bodyPr/>
@@ -8333,7 +12955,7 @@
                   </a:ext>
                 </a:extLst>
               </a:tr>
-              <a:tr h="854711">
+              <a:tr h="858555">
                 <a:tc>
                   <a:txBody>
                     <a:bodyPr/>
@@ -8385,29 +13007,34 @@
                     <a:bodyPr/>
                     <a:lstStyle/>
                     <a:p>
-                      <a:pPr algn="l" rtl="0" fontAlgn="t"/>
+                      <a:pPr marL="171450" indent="-171450" algn="l" rtl="0" fontAlgn="t">
+                        <a:buFont typeface="Arial" panose="020B0604020202020204" pitchFamily="34" charset="0"/>
+                        <a:buChar char="•"/>
+                      </a:pPr>
                       <a:r>
                         <a:rPr lang="en-US" sz="1200" u="none" strike="noStrike" dirty="0">
                           <a:effectLst/>
                         </a:rPr>
                         <a:t>Ideation</a:t>
                       </a:r>
-                      <a:br>
-                        <a:rPr lang="en-US" sz="1200" u="none" strike="noStrike" dirty="0">
-                          <a:effectLst/>
-                        </a:rPr>
-                      </a:br>
+                    </a:p>
+                    <a:p>
+                      <a:pPr marL="171450" indent="-171450" algn="l" rtl="0" fontAlgn="t">
+                        <a:buFont typeface="Arial" panose="020B0604020202020204" pitchFamily="34" charset="0"/>
+                        <a:buChar char="•"/>
+                      </a:pPr>
                       <a:r>
                         <a:rPr lang="en-US" sz="1200" u="none" strike="noStrike" dirty="0">
                           <a:effectLst/>
                         </a:rPr>
                         <a:t>Project identification </a:t>
                       </a:r>
-                      <a:br>
-                        <a:rPr lang="en-US" sz="1200" u="none" strike="noStrike" dirty="0">
-                          <a:effectLst/>
-                        </a:rPr>
-                      </a:br>
+                    </a:p>
+                    <a:p>
+                      <a:pPr marL="171450" indent="-171450" algn="l" rtl="0" fontAlgn="t">
+                        <a:buFont typeface="Arial" panose="020B0604020202020204" pitchFamily="34" charset="0"/>
+                        <a:buChar char="•"/>
+                      </a:pPr>
                       <a:r>
                         <a:rPr lang="en-US" sz="1200" u="none" strike="noStrike" dirty="0">
                           <a:effectLst/>
@@ -8544,7 +13171,7 @@
                   </a:ext>
                 </a:extLst>
               </a:tr>
-              <a:tr h="430734">
+              <a:tr h="547294">
                 <a:tc>
                   <a:txBody>
                     <a:bodyPr/>
@@ -8575,12 +13202,18 @@
                     <a:p>
                       <a:pPr algn="l" rtl="0" fontAlgn="t"/>
                       <a:r>
-                        <a:rPr lang="en-US" sz="1200" u="none" strike="noStrike">
+                        <a:rPr lang="en-US" sz="1200" u="none" strike="noStrike" dirty="0" err="1">
                           <a:effectLst/>
                         </a:rPr>
-                        <a:t>Github Repo creation</a:t>
+                        <a:t>Github</a:t>
                       </a:r>
-                      <a:endParaRPr lang="en-US" sz="1200" b="0" i="0" u="none" strike="noStrike">
+                      <a:r>
+                        <a:rPr lang="en-US" sz="1200" u="none" strike="noStrike" dirty="0">
+                          <a:effectLst/>
+                        </a:rPr>
+                        <a:t> Repo creation</a:t>
+                      </a:r>
+                      <a:endParaRPr lang="en-US" sz="1200" b="0" i="0" u="none" strike="noStrike" dirty="0">
                         <a:solidFill>
                           <a:srgbClr val="000000"/>
                         </a:solidFill>
@@ -8598,12 +13231,12 @@
                     <a:p>
                       <a:pPr algn="l" rtl="0" fontAlgn="t"/>
                       <a:r>
-                        <a:rPr lang="en-US" sz="1200" u="none" strike="noStrike">
+                        <a:rPr lang="en-US" sz="1200" u="none" strike="noStrike" dirty="0">
                           <a:effectLst/>
                         </a:rPr>
                         <a:t>Create 3 branches</a:t>
                       </a:r>
-                      <a:endParaRPr lang="en-US" sz="1200" b="0" i="0" u="none" strike="noStrike">
+                      <a:endParaRPr lang="en-US" sz="1200" b="0" i="0" u="none" strike="noStrike" dirty="0">
                         <a:solidFill>
                           <a:srgbClr val="000000"/>
                         </a:solidFill>
@@ -8711,7 +13344,7 @@
                   </a:ext>
                 </a:extLst>
               </a:tr>
-              <a:tr h="362208">
+              <a:tr h="474419">
                 <a:tc>
                   <a:txBody>
                     <a:bodyPr/>
@@ -8763,7 +13396,10 @@
                     <a:bodyPr/>
                     <a:lstStyle/>
                     <a:p>
-                      <a:pPr algn="l" rtl="0" fontAlgn="t"/>
+                      <a:pPr marL="171450" indent="-171450" algn="l" rtl="0" fontAlgn="t">
+                        <a:buFont typeface="Arial" panose="020B0604020202020204" pitchFamily="34" charset="0"/>
+                        <a:buChar char="•"/>
+                      </a:pPr>
                       <a:r>
                         <a:rPr lang="en-US" sz="1200" u="none" strike="noStrike" dirty="0">
                           <a:effectLst/>
@@ -8772,16 +13408,19 @@
                       </a:r>
                     </a:p>
                     <a:p>
-                      <a:pPr algn="l" rtl="0" fontAlgn="t"/>
+                      <a:pPr marL="171450" indent="-171450" algn="l" rtl="0" fontAlgn="t">
+                        <a:buFont typeface="Arial" panose="020B0604020202020204" pitchFamily="34" charset="0"/>
+                        <a:buChar char="•"/>
+                      </a:pPr>
                       <a:r>
-                        <a:rPr lang="en-US" sz="1200" b="0" i="0" u="none" strike="noStrike">
+                        <a:rPr lang="en-US" sz="1200" b="0" i="0" u="none" strike="noStrike" dirty="0">
                           <a:solidFill>
                             <a:srgbClr val="000000"/>
                           </a:solidFill>
                           <a:effectLst/>
                           <a:latin typeface="Aptos" panose="020B0004020202020204" pitchFamily="34" charset="0"/>
                         </a:rPr>
-                        <a:t>Update Readme file</a:t>
+                        <a:t>Update readme file</a:t>
                       </a:r>
                     </a:p>
                   </a:txBody>
@@ -8794,12 +13433,12 @@
                     <a:p>
                       <a:pPr algn="l" rtl="0" fontAlgn="t"/>
                       <a:r>
-                        <a:rPr lang="en-US" sz="1200" u="none" strike="noStrike">
+                        <a:rPr lang="en-US" sz="1200" u="none" strike="noStrike" dirty="0" err="1">
                           <a:effectLst/>
                         </a:rPr>
                         <a:t>Ipsita</a:t>
                       </a:r>
-                      <a:endParaRPr lang="en-US" sz="1200" b="0" i="0" u="none" strike="noStrike">
+                      <a:endParaRPr lang="en-US" sz="1200" b="0" i="0" u="none" strike="noStrike" dirty="0">
                         <a:solidFill>
                           <a:srgbClr val="000000"/>
                         </a:solidFill>
@@ -8884,7 +13523,7 @@
                   </a:ext>
                 </a:extLst>
               </a:tr>
-              <a:tr h="557997">
+              <a:tr h="708995">
                 <a:tc>
                   <a:txBody>
                     <a:bodyPr/>
@@ -8941,7 +13580,7 @@
                         <a:rPr lang="en-US" sz="1200" u="none" strike="noStrike" dirty="0">
                           <a:effectLst/>
                         </a:rPr>
-                        <a:t>Pull JSON data through URL - https://rapidapi.com/letscrape-6bRBa3QguO5/api/real-time-finance-data</a:t>
+                        <a:t>Pull JSON data through URL - https://rapidapi.com/api4stocks/api/apistocks</a:t>
                       </a:r>
                       <a:endParaRPr lang="en-US" sz="1200" b="0" i="0" u="none" strike="noStrike" dirty="0">
                         <a:solidFill>
@@ -9051,7 +13690,7 @@
                   </a:ext>
                 </a:extLst>
               </a:tr>
-              <a:tr h="401365">
+              <a:tr h="509978">
                 <a:tc>
                   <a:txBody>
                     <a:bodyPr/>
@@ -9218,7 +13857,7 @@
                   </a:ext>
                 </a:extLst>
               </a:tr>
-              <a:tr h="573099">
+              <a:tr h="728184">
                 <a:tc>
                   <a:txBody>
                     <a:bodyPr/>
@@ -9421,7 +14060,7 @@
                   </a:ext>
                 </a:extLst>
               </a:tr>
-              <a:tr h="573099">
+              <a:tr h="939157">
                 <a:tc>
                   <a:txBody>
                     <a:bodyPr/>
@@ -9467,7 +14106,10 @@
                     <a:bodyPr/>
                     <a:lstStyle/>
                     <a:p>
-                      <a:pPr algn="l" rtl="0" fontAlgn="t"/>
+                      <a:pPr marL="171450" indent="-171450" algn="l" rtl="0" fontAlgn="t">
+                        <a:buFont typeface="Arial" panose="020B0604020202020204" pitchFamily="34" charset="0"/>
+                        <a:buChar char="•"/>
+                      </a:pPr>
                       <a:r>
                         <a:rPr lang="en-US" sz="1200" b="0" i="0" u="none" strike="noStrike" dirty="0">
                           <a:solidFill>
@@ -9480,7 +14122,10 @@
                       </a:r>
                     </a:p>
                     <a:p>
-                      <a:pPr algn="l" rtl="0" fontAlgn="t"/>
+                      <a:pPr marL="171450" indent="-171450" algn="l" rtl="0" fontAlgn="t">
+                        <a:buFont typeface="Arial" panose="020B0604020202020204" pitchFamily="34" charset="0"/>
+                        <a:buChar char="•"/>
+                      </a:pPr>
                       <a:r>
                         <a:rPr lang="en-US" sz="1200" b="0" i="0" u="none" strike="noStrike" dirty="0">
                           <a:solidFill>
@@ -9493,7 +14138,10 @@
                       </a:r>
                     </a:p>
                     <a:p>
-                      <a:pPr algn="l" rtl="0" fontAlgn="t"/>
+                      <a:pPr marL="171450" indent="-171450" algn="l" rtl="0" fontAlgn="t">
+                        <a:buFont typeface="Arial" panose="020B0604020202020204" pitchFamily="34" charset="0"/>
+                        <a:buChar char="•"/>
+                      </a:pPr>
                       <a:r>
                         <a:rPr lang="en-US" sz="1200" b="0" i="0" u="none" strike="noStrike" dirty="0">
                           <a:solidFill>
@@ -9506,7 +14154,10 @@
                       </a:r>
                     </a:p>
                     <a:p>
-                      <a:pPr algn="l" rtl="0" fontAlgn="t"/>
+                      <a:pPr marL="171450" indent="-171450" algn="l" rtl="0" fontAlgn="t">
+                        <a:buFont typeface="Arial" panose="020B0604020202020204" pitchFamily="34" charset="0"/>
+                        <a:buChar char="•"/>
+                      </a:pPr>
                       <a:r>
                         <a:rPr lang="en-US" sz="1200" b="0" i="0" u="none" strike="noStrike" dirty="0">
                           <a:solidFill>
@@ -9686,7 +14337,7 @@
                   </a:ext>
                 </a:extLst>
               </a:tr>
-              <a:tr h="573099">
+              <a:tr h="728184">
                 <a:tc>
                   <a:txBody>
                     <a:bodyPr/>

--- a/Stock_market_dasboard_plan.pptx
+++ b/Stock_market_dasboard_plan.pptx
@@ -263,7 +263,7 @@
           <a:p>
             <a:fld id="{42F7D9E6-9273-4860-83CF-E9331A9893FE}" type="datetimeFigureOut">
               <a:rPr lang="en-US" smtClean="0"/>
-              <a:t>4/8/2024</a:t>
+              <a:t>4/9/2024</a:t>
             </a:fld>
             <a:endParaRPr lang="en-US"/>
           </a:p>
@@ -461,7 +461,7 @@
           <a:p>
             <a:fld id="{42F7D9E6-9273-4860-83CF-E9331A9893FE}" type="datetimeFigureOut">
               <a:rPr lang="en-US" smtClean="0"/>
-              <a:t>4/8/2024</a:t>
+              <a:t>4/9/2024</a:t>
             </a:fld>
             <a:endParaRPr lang="en-US"/>
           </a:p>
@@ -669,7 +669,7 @@
           <a:p>
             <a:fld id="{42F7D9E6-9273-4860-83CF-E9331A9893FE}" type="datetimeFigureOut">
               <a:rPr lang="en-US" smtClean="0"/>
-              <a:t>4/8/2024</a:t>
+              <a:t>4/9/2024</a:t>
             </a:fld>
             <a:endParaRPr lang="en-US"/>
           </a:p>
@@ -867,7 +867,7 @@
           <a:p>
             <a:fld id="{42F7D9E6-9273-4860-83CF-E9331A9893FE}" type="datetimeFigureOut">
               <a:rPr lang="en-US" smtClean="0"/>
-              <a:t>4/8/2024</a:t>
+              <a:t>4/9/2024</a:t>
             </a:fld>
             <a:endParaRPr lang="en-US"/>
           </a:p>
@@ -1142,7 +1142,7 @@
           <a:p>
             <a:fld id="{42F7D9E6-9273-4860-83CF-E9331A9893FE}" type="datetimeFigureOut">
               <a:rPr lang="en-US" smtClean="0"/>
-              <a:t>4/8/2024</a:t>
+              <a:t>4/9/2024</a:t>
             </a:fld>
             <a:endParaRPr lang="en-US"/>
           </a:p>
@@ -1407,7 +1407,7 @@
           <a:p>
             <a:fld id="{42F7D9E6-9273-4860-83CF-E9331A9893FE}" type="datetimeFigureOut">
               <a:rPr lang="en-US" smtClean="0"/>
-              <a:t>4/8/2024</a:t>
+              <a:t>4/9/2024</a:t>
             </a:fld>
             <a:endParaRPr lang="en-US"/>
           </a:p>
@@ -1819,7 +1819,7 @@
           <a:p>
             <a:fld id="{42F7D9E6-9273-4860-83CF-E9331A9893FE}" type="datetimeFigureOut">
               <a:rPr lang="en-US" smtClean="0"/>
-              <a:t>4/8/2024</a:t>
+              <a:t>4/9/2024</a:t>
             </a:fld>
             <a:endParaRPr lang="en-US"/>
           </a:p>
@@ -1960,7 +1960,7 @@
           <a:p>
             <a:fld id="{42F7D9E6-9273-4860-83CF-E9331A9893FE}" type="datetimeFigureOut">
               <a:rPr lang="en-US" smtClean="0"/>
-              <a:t>4/8/2024</a:t>
+              <a:t>4/9/2024</a:t>
             </a:fld>
             <a:endParaRPr lang="en-US"/>
           </a:p>
@@ -2073,7 +2073,7 @@
           <a:p>
             <a:fld id="{42F7D9E6-9273-4860-83CF-E9331A9893FE}" type="datetimeFigureOut">
               <a:rPr lang="en-US" smtClean="0"/>
-              <a:t>4/8/2024</a:t>
+              <a:t>4/9/2024</a:t>
             </a:fld>
             <a:endParaRPr lang="en-US"/>
           </a:p>
@@ -2384,7 +2384,7 @@
           <a:p>
             <a:fld id="{42F7D9E6-9273-4860-83CF-E9331A9893FE}" type="datetimeFigureOut">
               <a:rPr lang="en-US" smtClean="0"/>
-              <a:t>4/8/2024</a:t>
+              <a:t>4/9/2024</a:t>
             </a:fld>
             <a:endParaRPr lang="en-US"/>
           </a:p>
@@ -2672,7 +2672,7 @@
           <a:p>
             <a:fld id="{42F7D9E6-9273-4860-83CF-E9331A9893FE}" type="datetimeFigureOut">
               <a:rPr lang="en-US" smtClean="0"/>
-              <a:t>4/8/2024</a:t>
+              <a:t>4/9/2024</a:t>
             </a:fld>
             <a:endParaRPr lang="en-US"/>
           </a:p>
@@ -2913,7 +2913,7 @@
           <a:p>
             <a:fld id="{42F7D9E6-9273-4860-83CF-E9331A9893FE}" type="datetimeFigureOut">
               <a:rPr lang="en-US" smtClean="0"/>
-              <a:t>4/8/2024</a:t>
+              <a:t>4/9/2024</a:t>
             </a:fld>
             <a:endParaRPr lang="en-US"/>
           </a:p>
@@ -6598,19 +6598,23 @@
           </a:p>
           <a:p>
             <a:r>
-              <a:rPr lang="en-US" b="1" dirty="0" err="1"/>
-              <a:t>Ipsita</a:t>
-            </a:r>
-            <a:r>
               <a:rPr lang="en-US" b="1" dirty="0"/>
-              <a:t> Purohit</a:t>
+              <a:t>Juan</a:t>
             </a:r>
           </a:p>
           <a:p>
             <a:r>
-              <a:rPr lang="en-US" b="1" dirty="0"/>
-              <a:t>Drew Kirke</a:t>
+              <a:rPr lang="en-US" b="1" dirty="0" err="1"/>
+              <a:t>Ipsita</a:t>
             </a:r>
+            <a:endParaRPr lang="en-US" b="1" dirty="0"/>
+          </a:p>
+          <a:p>
+            <a:r>
+              <a:rPr lang="en-US" b="1"/>
+              <a:t>Drew</a:t>
+            </a:r>
+            <a:endParaRPr lang="en-US" b="1" dirty="0"/>
           </a:p>
           <a:p>
             <a:r>
